--- a/Summary/figures.pptx
+++ b/Summary/figures.pptx
@@ -2,23 +2,25 @@
 <file path=ppt/presentation.xml><?xml version="1.0" encoding="utf-8"?>
 <p:presentation xmlns:a="http://schemas.openxmlformats.org/drawingml/2006/main" xmlns:r="http://schemas.openxmlformats.org/officeDocument/2006/relationships" xmlns:p="http://schemas.openxmlformats.org/presentationml/2006/main" saveSubsetFonts="1">
   <p:sldMasterIdLst>
-    <p:sldMasterId id="2147483648" r:id="rId1"/>
+    <p:sldMasterId id="2147483660" r:id="rId1"/>
   </p:sldMasterIdLst>
   <p:notesMasterIdLst>
-    <p:notesMasterId r:id="rId5"/>
+    <p:notesMasterId r:id="rId7"/>
   </p:notesMasterIdLst>
   <p:sldIdLst>
     <p:sldId id="412" r:id="rId2"/>
     <p:sldId id="413" r:id="rId3"/>
     <p:sldId id="414" r:id="rId4"/>
+    <p:sldId id="415" r:id="rId5"/>
+    <p:sldId id="416" r:id="rId6"/>
   </p:sldIdLst>
-  <p:sldSz cx="12192000" cy="6858000"/>
+  <p:sldSz cx="18288000" cy="18288000"/>
   <p:notesSz cx="6858000" cy="9144000"/>
   <p:defaultTextStyle>
     <a:defPPr>
       <a:defRPr lang="en-US"/>
     </a:defPPr>
-    <a:lvl1pPr marL="0" algn="l" defTabSz="914400" rtl="0" eaLnBrk="1" latinLnBrk="0" hangingPunct="1">
+    <a:lvl1pPr marL="0" algn="l" defTabSz="457200" rtl="0" eaLnBrk="1" latinLnBrk="0" hangingPunct="1">
       <a:defRPr sz="1800" kern="1200">
         <a:solidFill>
           <a:schemeClr val="tx1"/>
@@ -28,7 +30,7 @@
         <a:cs typeface="+mn-cs"/>
       </a:defRPr>
     </a:lvl1pPr>
-    <a:lvl2pPr marL="457200" algn="l" defTabSz="914400" rtl="0" eaLnBrk="1" latinLnBrk="0" hangingPunct="1">
+    <a:lvl2pPr marL="457200" algn="l" defTabSz="457200" rtl="0" eaLnBrk="1" latinLnBrk="0" hangingPunct="1">
       <a:defRPr sz="1800" kern="1200">
         <a:solidFill>
           <a:schemeClr val="tx1"/>
@@ -38,7 +40,7 @@
         <a:cs typeface="+mn-cs"/>
       </a:defRPr>
     </a:lvl2pPr>
-    <a:lvl3pPr marL="914400" algn="l" defTabSz="914400" rtl="0" eaLnBrk="1" latinLnBrk="0" hangingPunct="1">
+    <a:lvl3pPr marL="914400" algn="l" defTabSz="457200" rtl="0" eaLnBrk="1" latinLnBrk="0" hangingPunct="1">
       <a:defRPr sz="1800" kern="1200">
         <a:solidFill>
           <a:schemeClr val="tx1"/>
@@ -48,7 +50,7 @@
         <a:cs typeface="+mn-cs"/>
       </a:defRPr>
     </a:lvl3pPr>
-    <a:lvl4pPr marL="1371600" algn="l" defTabSz="914400" rtl="0" eaLnBrk="1" latinLnBrk="0" hangingPunct="1">
+    <a:lvl4pPr marL="1371600" algn="l" defTabSz="457200" rtl="0" eaLnBrk="1" latinLnBrk="0" hangingPunct="1">
       <a:defRPr sz="1800" kern="1200">
         <a:solidFill>
           <a:schemeClr val="tx1"/>
@@ -58,7 +60,7 @@
         <a:cs typeface="+mn-cs"/>
       </a:defRPr>
     </a:lvl4pPr>
-    <a:lvl5pPr marL="1828800" algn="l" defTabSz="914400" rtl="0" eaLnBrk="1" latinLnBrk="0" hangingPunct="1">
+    <a:lvl5pPr marL="1828800" algn="l" defTabSz="457200" rtl="0" eaLnBrk="1" latinLnBrk="0" hangingPunct="1">
       <a:defRPr sz="1800" kern="1200">
         <a:solidFill>
           <a:schemeClr val="tx1"/>
@@ -68,7 +70,7 @@
         <a:cs typeface="+mn-cs"/>
       </a:defRPr>
     </a:lvl5pPr>
-    <a:lvl6pPr marL="2286000" algn="l" defTabSz="914400" rtl="0" eaLnBrk="1" latinLnBrk="0" hangingPunct="1">
+    <a:lvl6pPr marL="2286000" algn="l" defTabSz="457200" rtl="0" eaLnBrk="1" latinLnBrk="0" hangingPunct="1">
       <a:defRPr sz="1800" kern="1200">
         <a:solidFill>
           <a:schemeClr val="tx1"/>
@@ -78,7 +80,7 @@
         <a:cs typeface="+mn-cs"/>
       </a:defRPr>
     </a:lvl6pPr>
-    <a:lvl7pPr marL="2743200" algn="l" defTabSz="914400" rtl="0" eaLnBrk="1" latinLnBrk="0" hangingPunct="1">
+    <a:lvl7pPr marL="2743200" algn="l" defTabSz="457200" rtl="0" eaLnBrk="1" latinLnBrk="0" hangingPunct="1">
       <a:defRPr sz="1800" kern="1200">
         <a:solidFill>
           <a:schemeClr val="tx1"/>
@@ -88,7 +90,7 @@
         <a:cs typeface="+mn-cs"/>
       </a:defRPr>
     </a:lvl7pPr>
-    <a:lvl8pPr marL="3200400" algn="l" defTabSz="914400" rtl="0" eaLnBrk="1" latinLnBrk="0" hangingPunct="1">
+    <a:lvl8pPr marL="3200400" algn="l" defTabSz="457200" rtl="0" eaLnBrk="1" latinLnBrk="0" hangingPunct="1">
       <a:defRPr sz="1800" kern="1200">
         <a:solidFill>
           <a:schemeClr val="tx1"/>
@@ -98,7 +100,7 @@
         <a:cs typeface="+mn-cs"/>
       </a:defRPr>
     </a:lvl8pPr>
-    <a:lvl9pPr marL="3657600" algn="l" defTabSz="914400" rtl="0" eaLnBrk="1" latinLnBrk="0" hangingPunct="1">
+    <a:lvl9pPr marL="3657600" algn="l" defTabSz="457200" rtl="0" eaLnBrk="1" latinLnBrk="0" hangingPunct="1">
       <a:defRPr sz="1800" kern="1200">
         <a:solidFill>
           <a:schemeClr val="tx1"/>
@@ -120,7 +122,7 @@
 <file path=ppt/revisionInfo.xml><?xml version="1.0" encoding="utf-8"?>
 <p1510:revInfo xmlns:a="http://schemas.openxmlformats.org/drawingml/2006/main" xmlns:r="http://schemas.openxmlformats.org/officeDocument/2006/relationships" xmlns:p1510="http://schemas.microsoft.com/office/powerpoint/2015/10/main">
   <p1510:revLst>
-    <p1510:client id="{833092D5-9927-4807-BE3E-672C10A7E002}" v="2" dt="2023-05-23T19:59:38.596"/>
+    <p1510:client id="{833092D5-9927-4807-BE3E-672C10A7E002}" v="9" dt="2023-06-01T01:05:04.691"/>
   </p1510:revLst>
 </p1510:revInfo>
 </file>
@@ -130,7 +132,7 @@
   <pc:docChgLst>
     <pc:chgData name="Jonathan Mah" userId="5261b2f2f3e51194" providerId="LiveId" clId="{833092D5-9927-4807-BE3E-672C10A7E002}"/>
     <pc:docChg chg="custSel addSld modSld sldOrd">
-      <pc:chgData name="Jonathan Mah" userId="5261b2f2f3e51194" providerId="LiveId" clId="{833092D5-9927-4807-BE3E-672C10A7E002}" dt="2023-05-23T20:00:14.456" v="16" actId="1076"/>
+      <pc:chgData name="Jonathan Mah" userId="5261b2f2f3e51194" providerId="LiveId" clId="{833092D5-9927-4807-BE3E-672C10A7E002}" dt="2023-06-01T01:05:39.589" v="97" actId="1037"/>
       <pc:docMkLst>
         <pc:docMk/>
       </pc:docMkLst>
@@ -170,6 +172,196 @@
             <pc:docMk/>
             <pc:sldMk cId="3956265726" sldId="414"/>
             <ac:picMk id="6" creationId="{8D4F5922-40FA-A64E-3944-9CA090DC556C}"/>
+          </ac:picMkLst>
+        </pc:picChg>
+      </pc:sldChg>
+      <pc:sldChg chg="addSp delSp modSp new mod">
+        <pc:chgData name="Jonathan Mah" userId="5261b2f2f3e51194" providerId="LiveId" clId="{833092D5-9927-4807-BE3E-672C10A7E002}" dt="2023-06-01T01:05:39.589" v="97" actId="1037"/>
+        <pc:sldMkLst>
+          <pc:docMk/>
+          <pc:sldMk cId="3213471130" sldId="415"/>
+        </pc:sldMkLst>
+        <pc:spChg chg="del">
+          <ac:chgData name="Jonathan Mah" userId="5261b2f2f3e51194" providerId="LiveId" clId="{833092D5-9927-4807-BE3E-672C10A7E002}" dt="2023-06-01T00:56:25.884" v="18" actId="478"/>
+          <ac:spMkLst>
+            <pc:docMk/>
+            <pc:sldMk cId="3213471130" sldId="415"/>
+            <ac:spMk id="2" creationId="{F27AC356-A973-F68E-6022-C93132B725F3}"/>
+          </ac:spMkLst>
+        </pc:spChg>
+        <pc:spChg chg="del">
+          <ac:chgData name="Jonathan Mah" userId="5261b2f2f3e51194" providerId="LiveId" clId="{833092D5-9927-4807-BE3E-672C10A7E002}" dt="2023-06-01T00:56:25.884" v="18" actId="478"/>
+          <ac:spMkLst>
+            <pc:docMk/>
+            <pc:sldMk cId="3213471130" sldId="415"/>
+            <ac:spMk id="3" creationId="{D863FDCC-31A9-89A3-1E61-B830B8E339E3}"/>
+          </ac:spMkLst>
+        </pc:spChg>
+        <pc:picChg chg="add del mod">
+          <ac:chgData name="Jonathan Mah" userId="5261b2f2f3e51194" providerId="LiveId" clId="{833092D5-9927-4807-BE3E-672C10A7E002}" dt="2023-06-01T00:59:30.786" v="26" actId="478"/>
+          <ac:picMkLst>
+            <pc:docMk/>
+            <pc:sldMk cId="3213471130" sldId="415"/>
+            <ac:picMk id="5" creationId="{4C760A01-2A0B-9614-586C-EE47BA65DA9C}"/>
+          </ac:picMkLst>
+        </pc:picChg>
+        <pc:picChg chg="add del mod">
+          <ac:chgData name="Jonathan Mah" userId="5261b2f2f3e51194" providerId="LiveId" clId="{833092D5-9927-4807-BE3E-672C10A7E002}" dt="2023-06-01T00:59:30.786" v="26" actId="478"/>
+          <ac:picMkLst>
+            <pc:docMk/>
+            <pc:sldMk cId="3213471130" sldId="415"/>
+            <ac:picMk id="7" creationId="{B109A1EE-4276-C3FE-901A-8832368D0C9B}"/>
+          </ac:picMkLst>
+        </pc:picChg>
+        <pc:picChg chg="add del mod">
+          <ac:chgData name="Jonathan Mah" userId="5261b2f2f3e51194" providerId="LiveId" clId="{833092D5-9927-4807-BE3E-672C10A7E002}" dt="2023-06-01T00:59:30.786" v="26" actId="478"/>
+          <ac:picMkLst>
+            <pc:docMk/>
+            <pc:sldMk cId="3213471130" sldId="415"/>
+            <ac:picMk id="9" creationId="{E6310E47-7870-1D82-A9DC-CF0111090A73}"/>
+          </ac:picMkLst>
+        </pc:picChg>
+        <pc:picChg chg="add del mod">
+          <ac:chgData name="Jonathan Mah" userId="5261b2f2f3e51194" providerId="LiveId" clId="{833092D5-9927-4807-BE3E-672C10A7E002}" dt="2023-06-01T00:59:30.786" v="26" actId="478"/>
+          <ac:picMkLst>
+            <pc:docMk/>
+            <pc:sldMk cId="3213471130" sldId="415"/>
+            <ac:picMk id="11" creationId="{1DF1153D-045A-7944-7905-ECB17865796A}"/>
+          </ac:picMkLst>
+        </pc:picChg>
+        <pc:picChg chg="add del mod">
+          <ac:chgData name="Jonathan Mah" userId="5261b2f2f3e51194" providerId="LiveId" clId="{833092D5-9927-4807-BE3E-672C10A7E002}" dt="2023-06-01T00:59:30.786" v="26" actId="478"/>
+          <ac:picMkLst>
+            <pc:docMk/>
+            <pc:sldMk cId="3213471130" sldId="415"/>
+            <ac:picMk id="13" creationId="{3C3A7423-3AAE-BBFD-AEA8-90523835DC8D}"/>
+          </ac:picMkLst>
+        </pc:picChg>
+        <pc:picChg chg="add del mod">
+          <ac:chgData name="Jonathan Mah" userId="5261b2f2f3e51194" providerId="LiveId" clId="{833092D5-9927-4807-BE3E-672C10A7E002}" dt="2023-06-01T00:59:30.786" v="26" actId="478"/>
+          <ac:picMkLst>
+            <pc:docMk/>
+            <pc:sldMk cId="3213471130" sldId="415"/>
+            <ac:picMk id="15" creationId="{C924906A-46C6-8D13-7452-CCC95FE28AAF}"/>
+          </ac:picMkLst>
+        </pc:picChg>
+        <pc:picChg chg="add mod">
+          <ac:chgData name="Jonathan Mah" userId="5261b2f2f3e51194" providerId="LiveId" clId="{833092D5-9927-4807-BE3E-672C10A7E002}" dt="2023-06-01T01:05:25.901" v="89" actId="1582"/>
+          <ac:picMkLst>
+            <pc:docMk/>
+            <pc:sldMk cId="3213471130" sldId="415"/>
+            <ac:picMk id="17" creationId="{27E60B67-A0A6-F5F9-BF7F-6E7EBF1CF06C}"/>
+          </ac:picMkLst>
+        </pc:picChg>
+        <pc:picChg chg="add del mod">
+          <ac:chgData name="Jonathan Mah" userId="5261b2f2f3e51194" providerId="LiveId" clId="{833092D5-9927-4807-BE3E-672C10A7E002}" dt="2023-06-01T01:00:35.481" v="49" actId="478"/>
+          <ac:picMkLst>
+            <pc:docMk/>
+            <pc:sldMk cId="3213471130" sldId="415"/>
+            <ac:picMk id="19" creationId="{A3FAA1C9-554E-C549-01C8-BD59F78E0DF9}"/>
+          </ac:picMkLst>
+        </pc:picChg>
+        <pc:picChg chg="add del mod">
+          <ac:chgData name="Jonathan Mah" userId="5261b2f2f3e51194" providerId="LiveId" clId="{833092D5-9927-4807-BE3E-672C10A7E002}" dt="2023-06-01T01:00:44.424" v="52" actId="21"/>
+          <ac:picMkLst>
+            <pc:docMk/>
+            <pc:sldMk cId="3213471130" sldId="415"/>
+            <ac:picMk id="21" creationId="{74A252AB-2CFA-F6A9-7496-E2B1F7E35E74}"/>
+          </ac:picMkLst>
+        </pc:picChg>
+        <pc:picChg chg="add del mod">
+          <ac:chgData name="Jonathan Mah" userId="5261b2f2f3e51194" providerId="LiveId" clId="{833092D5-9927-4807-BE3E-672C10A7E002}" dt="2023-06-01T01:00:23.460" v="43" actId="21"/>
+          <ac:picMkLst>
+            <pc:docMk/>
+            <pc:sldMk cId="3213471130" sldId="415"/>
+            <ac:picMk id="23" creationId="{0B7A9C2B-BE76-0F77-B564-D3467D6BE55F}"/>
+          </ac:picMkLst>
+        </pc:picChg>
+        <pc:picChg chg="add del mod">
+          <ac:chgData name="Jonathan Mah" userId="5261b2f2f3e51194" providerId="LiveId" clId="{833092D5-9927-4807-BE3E-672C10A7E002}" dt="2023-06-01T01:00:23.460" v="43" actId="21"/>
+          <ac:picMkLst>
+            <pc:docMk/>
+            <pc:sldMk cId="3213471130" sldId="415"/>
+            <ac:picMk id="25" creationId="{3D49D680-0EF0-8CF4-0042-E84276DE6273}"/>
+          </ac:picMkLst>
+        </pc:picChg>
+        <pc:picChg chg="add del mod">
+          <ac:chgData name="Jonathan Mah" userId="5261b2f2f3e51194" providerId="LiveId" clId="{833092D5-9927-4807-BE3E-672C10A7E002}" dt="2023-06-01T01:00:23.460" v="43" actId="21"/>
+          <ac:picMkLst>
+            <pc:docMk/>
+            <pc:sldMk cId="3213471130" sldId="415"/>
+            <ac:picMk id="27" creationId="{152288D0-8433-FD38-3FE8-36D3F8587D69}"/>
+          </ac:picMkLst>
+        </pc:picChg>
+        <pc:picChg chg="add mod modCrop">
+          <ac:chgData name="Jonathan Mah" userId="5261b2f2f3e51194" providerId="LiveId" clId="{833092D5-9927-4807-BE3E-672C10A7E002}" dt="2023-06-01T01:05:39.589" v="97" actId="1037"/>
+          <ac:picMkLst>
+            <pc:docMk/>
+            <pc:sldMk cId="3213471130" sldId="415"/>
+            <ac:picMk id="29" creationId="{DE20CB9C-850C-69E7-EA85-FB716989F586}"/>
+          </ac:picMkLst>
+        </pc:picChg>
+      </pc:sldChg>
+      <pc:sldChg chg="addSp delSp modSp new mod">
+        <pc:chgData name="Jonathan Mah" userId="5261b2f2f3e51194" providerId="LiveId" clId="{833092D5-9927-4807-BE3E-672C10A7E002}" dt="2023-06-01T01:03:06.962" v="80" actId="1037"/>
+        <pc:sldMkLst>
+          <pc:docMk/>
+          <pc:sldMk cId="540664807" sldId="416"/>
+        </pc:sldMkLst>
+        <pc:spChg chg="del">
+          <ac:chgData name="Jonathan Mah" userId="5261b2f2f3e51194" providerId="LiveId" clId="{833092D5-9927-4807-BE3E-672C10A7E002}" dt="2023-06-01T01:00:26.226" v="45" actId="478"/>
+          <ac:spMkLst>
+            <pc:docMk/>
+            <pc:sldMk cId="540664807" sldId="416"/>
+            <ac:spMk id="2" creationId="{01C9506C-A373-F010-047E-022362F2A3F1}"/>
+          </ac:spMkLst>
+        </pc:spChg>
+        <pc:spChg chg="del">
+          <ac:chgData name="Jonathan Mah" userId="5261b2f2f3e51194" providerId="LiveId" clId="{833092D5-9927-4807-BE3E-672C10A7E002}" dt="2023-06-01T01:00:26.226" v="45" actId="478"/>
+          <ac:spMkLst>
+            <pc:docMk/>
+            <pc:sldMk cId="540664807" sldId="416"/>
+            <ac:spMk id="3" creationId="{7B58ABFE-A9EA-AE30-9B31-573CFCF52F95}"/>
+          </ac:spMkLst>
+        </pc:spChg>
+        <pc:picChg chg="add del mod">
+          <ac:chgData name="Jonathan Mah" userId="5261b2f2f3e51194" providerId="LiveId" clId="{833092D5-9927-4807-BE3E-672C10A7E002}" dt="2023-06-01T01:01:16.211" v="57" actId="478"/>
+          <ac:picMkLst>
+            <pc:docMk/>
+            <pc:sldMk cId="540664807" sldId="416"/>
+            <ac:picMk id="4" creationId="{A5C217AE-17C5-7FB6-7EE5-01552DD10CEE}"/>
+          </ac:picMkLst>
+        </pc:picChg>
+        <pc:picChg chg="add del mod">
+          <ac:chgData name="Jonathan Mah" userId="5261b2f2f3e51194" providerId="LiveId" clId="{833092D5-9927-4807-BE3E-672C10A7E002}" dt="2023-06-01T01:00:53.016" v="56" actId="478"/>
+          <ac:picMkLst>
+            <pc:docMk/>
+            <pc:sldMk cId="540664807" sldId="416"/>
+            <ac:picMk id="5" creationId="{B3FAFFFE-ADE6-25DB-D03F-2AC1CEAB0C23}"/>
+          </ac:picMkLst>
+        </pc:picChg>
+        <pc:picChg chg="add del mod">
+          <ac:chgData name="Jonathan Mah" userId="5261b2f2f3e51194" providerId="LiveId" clId="{833092D5-9927-4807-BE3E-672C10A7E002}" dt="2023-06-01T01:00:46.986" v="53" actId="478"/>
+          <ac:picMkLst>
+            <pc:docMk/>
+            <pc:sldMk cId="540664807" sldId="416"/>
+            <ac:picMk id="6" creationId="{B65F877E-C5E4-A754-3C8B-E18C951EA401}"/>
+          </ac:picMkLst>
+        </pc:picChg>
+        <pc:picChg chg="add mod modCrop">
+          <ac:chgData name="Jonathan Mah" userId="5261b2f2f3e51194" providerId="LiveId" clId="{833092D5-9927-4807-BE3E-672C10A7E002}" dt="2023-06-01T01:03:06.962" v="80" actId="1037"/>
+          <ac:picMkLst>
+            <pc:docMk/>
+            <pc:sldMk cId="540664807" sldId="416"/>
+            <ac:picMk id="8" creationId="{38D8B649-D976-05E4-70E0-031959DFCC3C}"/>
+          </ac:picMkLst>
+        </pc:picChg>
+        <pc:picChg chg="add mod">
+          <ac:chgData name="Jonathan Mah" userId="5261b2f2f3e51194" providerId="LiveId" clId="{833092D5-9927-4807-BE3E-672C10A7E002}" dt="2023-06-01T01:02:19.692" v="68" actId="1582"/>
+          <ac:picMkLst>
+            <pc:docMk/>
+            <pc:sldMk cId="540664807" sldId="416"/>
+            <ac:picMk id="9" creationId="{D000D737-6BAF-FE83-543B-7F7DC45251BE}"/>
           </ac:picMkLst>
         </pc:picChg>
       </pc:sldChg>
@@ -260,7 +452,7 @@
           <a:p>
             <a:fld id="{224F4B04-6A50-4A51-B675-D86EC6563060}" type="datetimeFigureOut">
               <a:rPr lang="en-US" smtClean="0"/>
-              <a:t>5/23/2023</a:t>
+              <a:t>5/31/2023</a:t>
             </a:fld>
             <a:endParaRPr lang="en-US"/>
           </a:p>
@@ -278,8 +470,8 @@
         </p:nvSpPr>
         <p:spPr>
           <a:xfrm>
-            <a:off x="685800" y="1143000"/>
-            <a:ext cx="5486400" cy="3086100"/>
+            <a:off x="1885950" y="1143000"/>
+            <a:ext cx="3086100" cy="3086100"/>
           </a:xfrm>
           <a:prstGeom prst="rect">
             <a:avLst/>
@@ -433,8 +625,8 @@
   </p:cSld>
   <p:clrMap bg1="lt1" tx1="dk1" bg2="lt2" tx2="dk2" accent1="accent1" accent2="accent2" accent3="accent3" accent4="accent4" accent5="accent5" accent6="accent6" hlink="hlink" folHlink="folHlink"/>
   <p:notesStyle>
-    <a:lvl1pPr marL="0" algn="l" defTabSz="914400" rtl="0" eaLnBrk="1" latinLnBrk="0" hangingPunct="1">
-      <a:defRPr sz="1200" kern="1200">
+    <a:lvl1pPr marL="0" algn="l" defTabSz="1755648" rtl="0" eaLnBrk="1" latinLnBrk="0" hangingPunct="1">
+      <a:defRPr sz="2304" kern="1200">
         <a:solidFill>
           <a:schemeClr val="tx1"/>
         </a:solidFill>
@@ -443,8 +635,8 @@
         <a:cs typeface="+mn-cs"/>
       </a:defRPr>
     </a:lvl1pPr>
-    <a:lvl2pPr marL="457200" algn="l" defTabSz="914400" rtl="0" eaLnBrk="1" latinLnBrk="0" hangingPunct="1">
-      <a:defRPr sz="1200" kern="1200">
+    <a:lvl2pPr marL="877824" algn="l" defTabSz="1755648" rtl="0" eaLnBrk="1" latinLnBrk="0" hangingPunct="1">
+      <a:defRPr sz="2304" kern="1200">
         <a:solidFill>
           <a:schemeClr val="tx1"/>
         </a:solidFill>
@@ -453,8 +645,8 @@
         <a:cs typeface="+mn-cs"/>
       </a:defRPr>
     </a:lvl2pPr>
-    <a:lvl3pPr marL="914400" algn="l" defTabSz="914400" rtl="0" eaLnBrk="1" latinLnBrk="0" hangingPunct="1">
-      <a:defRPr sz="1200" kern="1200">
+    <a:lvl3pPr marL="1755648" algn="l" defTabSz="1755648" rtl="0" eaLnBrk="1" latinLnBrk="0" hangingPunct="1">
+      <a:defRPr sz="2304" kern="1200">
         <a:solidFill>
           <a:schemeClr val="tx1"/>
         </a:solidFill>
@@ -463,8 +655,8 @@
         <a:cs typeface="+mn-cs"/>
       </a:defRPr>
     </a:lvl3pPr>
-    <a:lvl4pPr marL="1371600" algn="l" defTabSz="914400" rtl="0" eaLnBrk="1" latinLnBrk="0" hangingPunct="1">
-      <a:defRPr sz="1200" kern="1200">
+    <a:lvl4pPr marL="2633472" algn="l" defTabSz="1755648" rtl="0" eaLnBrk="1" latinLnBrk="0" hangingPunct="1">
+      <a:defRPr sz="2304" kern="1200">
         <a:solidFill>
           <a:schemeClr val="tx1"/>
         </a:solidFill>
@@ -473,8 +665,8 @@
         <a:cs typeface="+mn-cs"/>
       </a:defRPr>
     </a:lvl4pPr>
-    <a:lvl5pPr marL="1828800" algn="l" defTabSz="914400" rtl="0" eaLnBrk="1" latinLnBrk="0" hangingPunct="1">
-      <a:defRPr sz="1200" kern="1200">
+    <a:lvl5pPr marL="3511296" algn="l" defTabSz="1755648" rtl="0" eaLnBrk="1" latinLnBrk="0" hangingPunct="1">
+      <a:defRPr sz="2304" kern="1200">
         <a:solidFill>
           <a:schemeClr val="tx1"/>
         </a:solidFill>
@@ -483,8 +675,8 @@
         <a:cs typeface="+mn-cs"/>
       </a:defRPr>
     </a:lvl5pPr>
-    <a:lvl6pPr marL="2286000" algn="l" defTabSz="914400" rtl="0" eaLnBrk="1" latinLnBrk="0" hangingPunct="1">
-      <a:defRPr sz="1200" kern="1200">
+    <a:lvl6pPr marL="4389120" algn="l" defTabSz="1755648" rtl="0" eaLnBrk="1" latinLnBrk="0" hangingPunct="1">
+      <a:defRPr sz="2304" kern="1200">
         <a:solidFill>
           <a:schemeClr val="tx1"/>
         </a:solidFill>
@@ -493,8 +685,8 @@
         <a:cs typeface="+mn-cs"/>
       </a:defRPr>
     </a:lvl6pPr>
-    <a:lvl7pPr marL="2743200" algn="l" defTabSz="914400" rtl="0" eaLnBrk="1" latinLnBrk="0" hangingPunct="1">
-      <a:defRPr sz="1200" kern="1200">
+    <a:lvl7pPr marL="5266944" algn="l" defTabSz="1755648" rtl="0" eaLnBrk="1" latinLnBrk="0" hangingPunct="1">
+      <a:defRPr sz="2304" kern="1200">
         <a:solidFill>
           <a:schemeClr val="tx1"/>
         </a:solidFill>
@@ -503,8 +695,8 @@
         <a:cs typeface="+mn-cs"/>
       </a:defRPr>
     </a:lvl7pPr>
-    <a:lvl8pPr marL="3200400" algn="l" defTabSz="914400" rtl="0" eaLnBrk="1" latinLnBrk="0" hangingPunct="1">
-      <a:defRPr sz="1200" kern="1200">
+    <a:lvl8pPr marL="6144768" algn="l" defTabSz="1755648" rtl="0" eaLnBrk="1" latinLnBrk="0" hangingPunct="1">
+      <a:defRPr sz="2304" kern="1200">
         <a:solidFill>
           <a:schemeClr val="tx1"/>
         </a:solidFill>
@@ -513,8 +705,8 @@
         <a:cs typeface="+mn-cs"/>
       </a:defRPr>
     </a:lvl8pPr>
-    <a:lvl9pPr marL="3657600" algn="l" defTabSz="914400" rtl="0" eaLnBrk="1" latinLnBrk="0" hangingPunct="1">
-      <a:defRPr sz="1200" kern="1200">
+    <a:lvl9pPr marL="7022592" algn="l" defTabSz="1755648" rtl="0" eaLnBrk="1" latinLnBrk="0" hangingPunct="1">
+      <a:defRPr sz="2304" kern="1200">
         <a:solidFill>
           <a:schemeClr val="tx1"/>
         </a:solidFill>
@@ -554,7 +746,12 @@
             <p:ph type="sldImg"/>
           </p:nvPr>
         </p:nvSpPr>
-        <p:spPr/>
+        <p:spPr>
+          <a:xfrm>
+            <a:off x="1885950" y="1143000"/>
+            <a:ext cx="3086100" cy="3086100"/>
+          </a:xfrm>
+        </p:spPr>
       </p:sp>
       <p:sp>
         <p:nvSpPr>
@@ -653,13 +850,7 @@
       </p:grpSpPr>
       <p:sp>
         <p:nvSpPr>
-          <p:cNvPr id="2" name="Title 1">
-            <a:extLst>
-              <a:ext uri="{FF2B5EF4-FFF2-40B4-BE49-F238E27FC236}">
-                <a16:creationId xmlns:a16="http://schemas.microsoft.com/office/drawing/2014/main" id="{F1229200-1354-18F2-9D4A-51DF90741C99}"/>
-              </a:ext>
-            </a:extLst>
-          </p:cNvPr>
+          <p:cNvPr id="2" name="Title 1"/>
           <p:cNvSpPr>
             <a:spLocks noGrp="1"/>
           </p:cNvSpPr>
@@ -669,15 +860,15 @@
         </p:nvSpPr>
         <p:spPr>
           <a:xfrm>
-            <a:off x="1524000" y="1122363"/>
-            <a:ext cx="9144000" cy="2387600"/>
+            <a:off x="1371600" y="2992968"/>
+            <a:ext cx="15544800" cy="6366933"/>
           </a:xfrm>
         </p:spPr>
         <p:txBody>
           <a:bodyPr anchor="b"/>
           <a:lstStyle>
             <a:lvl1pPr algn="ctr">
-              <a:defRPr sz="6000"/>
+              <a:defRPr sz="12000"/>
             </a:lvl1pPr>
           </a:lstStyle>
           <a:p>
@@ -685,18 +876,13 @@
               <a:rPr lang="en-US"/>
               <a:t>Click to edit Master title style</a:t>
             </a:r>
+            <a:endParaRPr lang="en-US" dirty="0"/>
           </a:p>
         </p:txBody>
       </p:sp>
       <p:sp>
         <p:nvSpPr>
-          <p:cNvPr id="3" name="Subtitle 2">
-            <a:extLst>
-              <a:ext uri="{FF2B5EF4-FFF2-40B4-BE49-F238E27FC236}">
-                <a16:creationId xmlns:a16="http://schemas.microsoft.com/office/drawing/2014/main" id="{A9D3D26D-65DA-5F9E-01A2-1F6F0894F59D}"/>
-              </a:ext>
-            </a:extLst>
-          </p:cNvPr>
+          <p:cNvPr id="3" name="Subtitle 2"/>
           <p:cNvSpPr>
             <a:spLocks noGrp="1"/>
           </p:cNvSpPr>
@@ -706,8 +892,8 @@
         </p:nvSpPr>
         <p:spPr>
           <a:xfrm>
-            <a:off x="1524000" y="3602038"/>
-            <a:ext cx="9144000" cy="1655762"/>
+            <a:off x="2286000" y="9605435"/>
+            <a:ext cx="13716000" cy="4415365"/>
           </a:xfrm>
         </p:spPr>
         <p:txBody>
@@ -715,39 +901,39 @@
           <a:lstStyle>
             <a:lvl1pPr marL="0" indent="0" algn="ctr">
               <a:buNone/>
-              <a:defRPr sz="2400"/>
+              <a:defRPr sz="4800"/>
             </a:lvl1pPr>
-            <a:lvl2pPr marL="457200" indent="0" algn="ctr">
+            <a:lvl2pPr marL="914400" indent="0" algn="ctr">
               <a:buNone/>
-              <a:defRPr sz="2000"/>
+              <a:defRPr sz="4000"/>
             </a:lvl2pPr>
-            <a:lvl3pPr marL="914400" indent="0" algn="ctr">
+            <a:lvl3pPr marL="1828800" indent="0" algn="ctr">
               <a:buNone/>
-              <a:defRPr sz="1800"/>
+              <a:defRPr sz="3600"/>
             </a:lvl3pPr>
-            <a:lvl4pPr marL="1371600" indent="0" algn="ctr">
+            <a:lvl4pPr marL="2743200" indent="0" algn="ctr">
               <a:buNone/>
-              <a:defRPr sz="1600"/>
+              <a:defRPr sz="3200"/>
             </a:lvl4pPr>
-            <a:lvl5pPr marL="1828800" indent="0" algn="ctr">
+            <a:lvl5pPr marL="3657600" indent="0" algn="ctr">
               <a:buNone/>
-              <a:defRPr sz="1600"/>
+              <a:defRPr sz="3200"/>
             </a:lvl5pPr>
-            <a:lvl6pPr marL="2286000" indent="0" algn="ctr">
+            <a:lvl6pPr marL="4572000" indent="0" algn="ctr">
               <a:buNone/>
-              <a:defRPr sz="1600"/>
+              <a:defRPr sz="3200"/>
             </a:lvl6pPr>
-            <a:lvl7pPr marL="2743200" indent="0" algn="ctr">
+            <a:lvl7pPr marL="5486400" indent="0" algn="ctr">
               <a:buNone/>
-              <a:defRPr sz="1600"/>
+              <a:defRPr sz="3200"/>
             </a:lvl7pPr>
-            <a:lvl8pPr marL="3200400" indent="0" algn="ctr">
+            <a:lvl8pPr marL="6400800" indent="0" algn="ctr">
               <a:buNone/>
-              <a:defRPr sz="1600"/>
+              <a:defRPr sz="3200"/>
             </a:lvl8pPr>
-            <a:lvl9pPr marL="3657600" indent="0" algn="ctr">
+            <a:lvl9pPr marL="7315200" indent="0" algn="ctr">
               <a:buNone/>
-              <a:defRPr sz="1600"/>
+              <a:defRPr sz="3200"/>
             </a:lvl9pPr>
           </a:lstStyle>
           <a:p>
@@ -755,18 +941,13 @@
               <a:rPr lang="en-US"/>
               <a:t>Click to edit Master subtitle style</a:t>
             </a:r>
+            <a:endParaRPr lang="en-US" dirty="0"/>
           </a:p>
         </p:txBody>
       </p:sp>
       <p:sp>
         <p:nvSpPr>
-          <p:cNvPr id="4" name="Date Placeholder 3">
-            <a:extLst>
-              <a:ext uri="{FF2B5EF4-FFF2-40B4-BE49-F238E27FC236}">
-                <a16:creationId xmlns:a16="http://schemas.microsoft.com/office/drawing/2014/main" id="{03F2FFAC-88D3-D78F-C16C-8ABE898AE209}"/>
-              </a:ext>
-            </a:extLst>
-          </p:cNvPr>
+          <p:cNvPr id="4" name="Date Placeholder 3"/>
           <p:cNvSpPr>
             <a:spLocks noGrp="1"/>
           </p:cNvSpPr>
@@ -781,7 +962,7 @@
           <a:p>
             <a:fld id="{54E435BD-4569-4C00-96FD-DE6EEAA430DA}" type="datetimeFigureOut">
               <a:rPr lang="en-US" smtClean="0"/>
-              <a:t>5/23/2023</a:t>
+              <a:t>5/31/2023</a:t>
             </a:fld>
             <a:endParaRPr lang="en-US"/>
           </a:p>
@@ -789,13 +970,7 @@
       </p:sp>
       <p:sp>
         <p:nvSpPr>
-          <p:cNvPr id="5" name="Footer Placeholder 4">
-            <a:extLst>
-              <a:ext uri="{FF2B5EF4-FFF2-40B4-BE49-F238E27FC236}">
-                <a16:creationId xmlns:a16="http://schemas.microsoft.com/office/drawing/2014/main" id="{9CE329DB-C99D-5137-2AF3-9DACDA6061A8}"/>
-              </a:ext>
-            </a:extLst>
-          </p:cNvPr>
+          <p:cNvPr id="5" name="Footer Placeholder 4"/>
           <p:cNvSpPr>
             <a:spLocks noGrp="1"/>
           </p:cNvSpPr>
@@ -814,13 +989,7 @@
       </p:sp>
       <p:sp>
         <p:nvSpPr>
-          <p:cNvPr id="6" name="Slide Number Placeholder 5">
-            <a:extLst>
-              <a:ext uri="{FF2B5EF4-FFF2-40B4-BE49-F238E27FC236}">
-                <a16:creationId xmlns:a16="http://schemas.microsoft.com/office/drawing/2014/main" id="{08B3EA75-8DEB-CF7A-2513-00F1FBC81A6C}"/>
-              </a:ext>
-            </a:extLst>
-          </p:cNvPr>
+          <p:cNvPr id="6" name="Slide Number Placeholder 5"/>
           <p:cNvSpPr>
             <a:spLocks noGrp="1"/>
           </p:cNvSpPr>
@@ -844,7 +1013,7 @@
     </p:spTree>
     <p:extLst>
       <p:ext uri="{BB962C8B-B14F-4D97-AF65-F5344CB8AC3E}">
-        <p14:creationId xmlns:p14="http://schemas.microsoft.com/office/powerpoint/2010/main" val="3542643488"/>
+        <p14:creationId xmlns:p14="http://schemas.microsoft.com/office/powerpoint/2010/main" val="3839972139"/>
       </p:ext>
     </p:extLst>
   </p:cSld>
@@ -873,13 +1042,7 @@
       </p:grpSpPr>
       <p:sp>
         <p:nvSpPr>
-          <p:cNvPr id="2" name="Title 1">
-            <a:extLst>
-              <a:ext uri="{FF2B5EF4-FFF2-40B4-BE49-F238E27FC236}">
-                <a16:creationId xmlns:a16="http://schemas.microsoft.com/office/drawing/2014/main" id="{1CFD6B77-BA08-0FAB-AB44-6728E042048E}"/>
-              </a:ext>
-            </a:extLst>
-          </p:cNvPr>
+          <p:cNvPr id="2" name="Title 1"/>
           <p:cNvSpPr>
             <a:spLocks noGrp="1"/>
           </p:cNvSpPr>
@@ -896,18 +1059,13 @@
               <a:rPr lang="en-US"/>
               <a:t>Click to edit Master title style</a:t>
             </a:r>
+            <a:endParaRPr lang="en-US" dirty="0"/>
           </a:p>
         </p:txBody>
       </p:sp>
       <p:sp>
         <p:nvSpPr>
-          <p:cNvPr id="3" name="Vertical Text Placeholder 2">
-            <a:extLst>
-              <a:ext uri="{FF2B5EF4-FFF2-40B4-BE49-F238E27FC236}">
-                <a16:creationId xmlns:a16="http://schemas.microsoft.com/office/drawing/2014/main" id="{13ADE70D-A7E4-EEEB-17B2-0F9A3202AC64}"/>
-              </a:ext>
-            </a:extLst>
-          </p:cNvPr>
+          <p:cNvPr id="3" name="Vertical Text Placeholder 2"/>
           <p:cNvSpPr>
             <a:spLocks noGrp="1"/>
           </p:cNvSpPr>
@@ -953,18 +1111,13 @@
               <a:rPr lang="en-US"/>
               <a:t>Fifth level</a:t>
             </a:r>
+            <a:endParaRPr lang="en-US" dirty="0"/>
           </a:p>
         </p:txBody>
       </p:sp>
       <p:sp>
         <p:nvSpPr>
-          <p:cNvPr id="4" name="Date Placeholder 3">
-            <a:extLst>
-              <a:ext uri="{FF2B5EF4-FFF2-40B4-BE49-F238E27FC236}">
-                <a16:creationId xmlns:a16="http://schemas.microsoft.com/office/drawing/2014/main" id="{51B04DFB-B85D-3A05-6B7C-A3E8C6EB9642}"/>
-              </a:ext>
-            </a:extLst>
-          </p:cNvPr>
+          <p:cNvPr id="4" name="Date Placeholder 3"/>
           <p:cNvSpPr>
             <a:spLocks noGrp="1"/>
           </p:cNvSpPr>
@@ -979,7 +1132,7 @@
           <a:p>
             <a:fld id="{54E435BD-4569-4C00-96FD-DE6EEAA430DA}" type="datetimeFigureOut">
               <a:rPr lang="en-US" smtClean="0"/>
-              <a:t>5/23/2023</a:t>
+              <a:t>5/31/2023</a:t>
             </a:fld>
             <a:endParaRPr lang="en-US"/>
           </a:p>
@@ -987,13 +1140,7 @@
       </p:sp>
       <p:sp>
         <p:nvSpPr>
-          <p:cNvPr id="5" name="Footer Placeholder 4">
-            <a:extLst>
-              <a:ext uri="{FF2B5EF4-FFF2-40B4-BE49-F238E27FC236}">
-                <a16:creationId xmlns:a16="http://schemas.microsoft.com/office/drawing/2014/main" id="{6ACCD704-D91B-35DB-4EE9-FBD486D20868}"/>
-              </a:ext>
-            </a:extLst>
-          </p:cNvPr>
+          <p:cNvPr id="5" name="Footer Placeholder 4"/>
           <p:cNvSpPr>
             <a:spLocks noGrp="1"/>
           </p:cNvSpPr>
@@ -1012,13 +1159,7 @@
       </p:sp>
       <p:sp>
         <p:nvSpPr>
-          <p:cNvPr id="6" name="Slide Number Placeholder 5">
-            <a:extLst>
-              <a:ext uri="{FF2B5EF4-FFF2-40B4-BE49-F238E27FC236}">
-                <a16:creationId xmlns:a16="http://schemas.microsoft.com/office/drawing/2014/main" id="{D0A80E0A-5F6A-F6D1-94E5-7E90A11F2DBD}"/>
-              </a:ext>
-            </a:extLst>
-          </p:cNvPr>
+          <p:cNvPr id="6" name="Slide Number Placeholder 5"/>
           <p:cNvSpPr>
             <a:spLocks noGrp="1"/>
           </p:cNvSpPr>
@@ -1042,7 +1183,7 @@
     </p:spTree>
     <p:extLst>
       <p:ext uri="{BB962C8B-B14F-4D97-AF65-F5344CB8AC3E}">
-        <p14:creationId xmlns:p14="http://schemas.microsoft.com/office/powerpoint/2010/main" val="3177730865"/>
+        <p14:creationId xmlns:p14="http://schemas.microsoft.com/office/powerpoint/2010/main" val="420775377"/>
       </p:ext>
     </p:extLst>
   </p:cSld>
@@ -1071,13 +1212,7 @@
       </p:grpSpPr>
       <p:sp>
         <p:nvSpPr>
-          <p:cNvPr id="2" name="Vertical Title 1">
-            <a:extLst>
-              <a:ext uri="{FF2B5EF4-FFF2-40B4-BE49-F238E27FC236}">
-                <a16:creationId xmlns:a16="http://schemas.microsoft.com/office/drawing/2014/main" id="{97B4B9C1-FEB4-ACEF-E940-D8D8F2CF8EB2}"/>
-              </a:ext>
-            </a:extLst>
-          </p:cNvPr>
+          <p:cNvPr id="2" name="Vertical Title 1"/>
           <p:cNvSpPr>
             <a:spLocks noGrp="1"/>
           </p:cNvSpPr>
@@ -1087,8 +1222,8 @@
         </p:nvSpPr>
         <p:spPr>
           <a:xfrm>
-            <a:off x="8724900" y="365125"/>
-            <a:ext cx="2628900" cy="5811838"/>
+            <a:off x="13087351" y="973667"/>
+            <a:ext cx="3943350" cy="15498235"/>
           </a:xfrm>
         </p:spPr>
         <p:txBody>
@@ -1099,18 +1234,13 @@
               <a:rPr lang="en-US"/>
               <a:t>Click to edit Master title style</a:t>
             </a:r>
+            <a:endParaRPr lang="en-US" dirty="0"/>
           </a:p>
         </p:txBody>
       </p:sp>
       <p:sp>
         <p:nvSpPr>
-          <p:cNvPr id="3" name="Vertical Text Placeholder 2">
-            <a:extLst>
-              <a:ext uri="{FF2B5EF4-FFF2-40B4-BE49-F238E27FC236}">
-                <a16:creationId xmlns:a16="http://schemas.microsoft.com/office/drawing/2014/main" id="{BB973272-D78D-7CAC-2CD8-3800912CEEE5}"/>
-              </a:ext>
-            </a:extLst>
-          </p:cNvPr>
+          <p:cNvPr id="3" name="Vertical Text Placeholder 2"/>
           <p:cNvSpPr>
             <a:spLocks noGrp="1"/>
           </p:cNvSpPr>
@@ -1120,8 +1250,8 @@
         </p:nvSpPr>
         <p:spPr>
           <a:xfrm>
-            <a:off x="838200" y="365125"/>
-            <a:ext cx="7734300" cy="5811838"/>
+            <a:off x="1257301" y="973667"/>
+            <a:ext cx="11601450" cy="15498235"/>
           </a:xfrm>
         </p:spPr>
         <p:txBody>
@@ -1161,18 +1291,13 @@
               <a:rPr lang="en-US"/>
               <a:t>Fifth level</a:t>
             </a:r>
+            <a:endParaRPr lang="en-US" dirty="0"/>
           </a:p>
         </p:txBody>
       </p:sp>
       <p:sp>
         <p:nvSpPr>
-          <p:cNvPr id="4" name="Date Placeholder 3">
-            <a:extLst>
-              <a:ext uri="{FF2B5EF4-FFF2-40B4-BE49-F238E27FC236}">
-                <a16:creationId xmlns:a16="http://schemas.microsoft.com/office/drawing/2014/main" id="{ABB59078-2362-F0DF-546F-E10DFDDBD534}"/>
-              </a:ext>
-            </a:extLst>
-          </p:cNvPr>
+          <p:cNvPr id="4" name="Date Placeholder 3"/>
           <p:cNvSpPr>
             <a:spLocks noGrp="1"/>
           </p:cNvSpPr>
@@ -1187,7 +1312,7 @@
           <a:p>
             <a:fld id="{54E435BD-4569-4C00-96FD-DE6EEAA430DA}" type="datetimeFigureOut">
               <a:rPr lang="en-US" smtClean="0"/>
-              <a:t>5/23/2023</a:t>
+              <a:t>5/31/2023</a:t>
             </a:fld>
             <a:endParaRPr lang="en-US"/>
           </a:p>
@@ -1195,13 +1320,7 @@
       </p:sp>
       <p:sp>
         <p:nvSpPr>
-          <p:cNvPr id="5" name="Footer Placeholder 4">
-            <a:extLst>
-              <a:ext uri="{FF2B5EF4-FFF2-40B4-BE49-F238E27FC236}">
-                <a16:creationId xmlns:a16="http://schemas.microsoft.com/office/drawing/2014/main" id="{E1E1A192-B399-CE55-2DB6-5CDCB84640DD}"/>
-              </a:ext>
-            </a:extLst>
-          </p:cNvPr>
+          <p:cNvPr id="5" name="Footer Placeholder 4"/>
           <p:cNvSpPr>
             <a:spLocks noGrp="1"/>
           </p:cNvSpPr>
@@ -1220,13 +1339,7 @@
       </p:sp>
       <p:sp>
         <p:nvSpPr>
-          <p:cNvPr id="6" name="Slide Number Placeholder 5">
-            <a:extLst>
-              <a:ext uri="{FF2B5EF4-FFF2-40B4-BE49-F238E27FC236}">
-                <a16:creationId xmlns:a16="http://schemas.microsoft.com/office/drawing/2014/main" id="{3A69361F-F5FE-EEA5-6BA9-D3347F404493}"/>
-              </a:ext>
-            </a:extLst>
-          </p:cNvPr>
+          <p:cNvPr id="6" name="Slide Number Placeholder 5"/>
           <p:cNvSpPr>
             <a:spLocks noGrp="1"/>
           </p:cNvSpPr>
@@ -1250,7 +1363,7 @@
     </p:spTree>
     <p:extLst>
       <p:ext uri="{BB962C8B-B14F-4D97-AF65-F5344CB8AC3E}">
-        <p14:creationId xmlns:p14="http://schemas.microsoft.com/office/powerpoint/2010/main" val="1891717994"/>
+        <p14:creationId xmlns:p14="http://schemas.microsoft.com/office/powerpoint/2010/main" val="2446618379"/>
       </p:ext>
     </p:extLst>
   </p:cSld>
@@ -1279,13 +1392,7 @@
       </p:grpSpPr>
       <p:sp>
         <p:nvSpPr>
-          <p:cNvPr id="2" name="Title 1">
-            <a:extLst>
-              <a:ext uri="{FF2B5EF4-FFF2-40B4-BE49-F238E27FC236}">
-                <a16:creationId xmlns:a16="http://schemas.microsoft.com/office/drawing/2014/main" id="{94D024DE-D47D-6A90-4C48-C6AA3706A51A}"/>
-              </a:ext>
-            </a:extLst>
-          </p:cNvPr>
+          <p:cNvPr id="2" name="Title 1"/>
           <p:cNvSpPr>
             <a:spLocks noGrp="1"/>
           </p:cNvSpPr>
@@ -1302,18 +1409,13 @@
               <a:rPr lang="en-US"/>
               <a:t>Click to edit Master title style</a:t>
             </a:r>
+            <a:endParaRPr lang="en-US" dirty="0"/>
           </a:p>
         </p:txBody>
       </p:sp>
       <p:sp>
         <p:nvSpPr>
-          <p:cNvPr id="3" name="Content Placeholder 2">
-            <a:extLst>
-              <a:ext uri="{FF2B5EF4-FFF2-40B4-BE49-F238E27FC236}">
-                <a16:creationId xmlns:a16="http://schemas.microsoft.com/office/drawing/2014/main" id="{5A6E2A90-C1F4-6B9A-62DE-2B1CDE9B5F11}"/>
-              </a:ext>
-            </a:extLst>
-          </p:cNvPr>
+          <p:cNvPr id="3" name="Content Placeholder 2"/>
           <p:cNvSpPr>
             <a:spLocks noGrp="1"/>
           </p:cNvSpPr>
@@ -1359,18 +1461,13 @@
               <a:rPr lang="en-US"/>
               <a:t>Fifth level</a:t>
             </a:r>
+            <a:endParaRPr lang="en-US" dirty="0"/>
           </a:p>
         </p:txBody>
       </p:sp>
       <p:sp>
         <p:nvSpPr>
-          <p:cNvPr id="4" name="Date Placeholder 3">
-            <a:extLst>
-              <a:ext uri="{FF2B5EF4-FFF2-40B4-BE49-F238E27FC236}">
-                <a16:creationId xmlns:a16="http://schemas.microsoft.com/office/drawing/2014/main" id="{448A2705-3970-E3D4-512C-B9076525D204}"/>
-              </a:ext>
-            </a:extLst>
-          </p:cNvPr>
+          <p:cNvPr id="4" name="Date Placeholder 3"/>
           <p:cNvSpPr>
             <a:spLocks noGrp="1"/>
           </p:cNvSpPr>
@@ -1385,7 +1482,7 @@
           <a:p>
             <a:fld id="{54E435BD-4569-4C00-96FD-DE6EEAA430DA}" type="datetimeFigureOut">
               <a:rPr lang="en-US" smtClean="0"/>
-              <a:t>5/23/2023</a:t>
+              <a:t>5/31/2023</a:t>
             </a:fld>
             <a:endParaRPr lang="en-US"/>
           </a:p>
@@ -1393,13 +1490,7 @@
       </p:sp>
       <p:sp>
         <p:nvSpPr>
-          <p:cNvPr id="5" name="Footer Placeholder 4">
-            <a:extLst>
-              <a:ext uri="{FF2B5EF4-FFF2-40B4-BE49-F238E27FC236}">
-                <a16:creationId xmlns:a16="http://schemas.microsoft.com/office/drawing/2014/main" id="{1C8E207A-DD5D-8718-036C-3F5A72E7A314}"/>
-              </a:ext>
-            </a:extLst>
-          </p:cNvPr>
+          <p:cNvPr id="5" name="Footer Placeholder 4"/>
           <p:cNvSpPr>
             <a:spLocks noGrp="1"/>
           </p:cNvSpPr>
@@ -1418,13 +1509,7 @@
       </p:sp>
       <p:sp>
         <p:nvSpPr>
-          <p:cNvPr id="6" name="Slide Number Placeholder 5">
-            <a:extLst>
-              <a:ext uri="{FF2B5EF4-FFF2-40B4-BE49-F238E27FC236}">
-                <a16:creationId xmlns:a16="http://schemas.microsoft.com/office/drawing/2014/main" id="{4796A069-8C31-3CF6-DBDF-96D2B968DBB7}"/>
-              </a:ext>
-            </a:extLst>
-          </p:cNvPr>
+          <p:cNvPr id="6" name="Slide Number Placeholder 5"/>
           <p:cNvSpPr>
             <a:spLocks noGrp="1"/>
           </p:cNvSpPr>
@@ -1448,7 +1533,7 @@
     </p:spTree>
     <p:extLst>
       <p:ext uri="{BB962C8B-B14F-4D97-AF65-F5344CB8AC3E}">
-        <p14:creationId xmlns:p14="http://schemas.microsoft.com/office/powerpoint/2010/main" val="4194357483"/>
+        <p14:creationId xmlns:p14="http://schemas.microsoft.com/office/powerpoint/2010/main" val="2281681627"/>
       </p:ext>
     </p:extLst>
   </p:cSld>
@@ -1477,13 +1562,7 @@
       </p:grpSpPr>
       <p:sp>
         <p:nvSpPr>
-          <p:cNvPr id="2" name="Title 1">
-            <a:extLst>
-              <a:ext uri="{FF2B5EF4-FFF2-40B4-BE49-F238E27FC236}">
-                <a16:creationId xmlns:a16="http://schemas.microsoft.com/office/drawing/2014/main" id="{F11DFE86-7366-B19A-EFB4-461D1746B9E2}"/>
-              </a:ext>
-            </a:extLst>
-          </p:cNvPr>
+          <p:cNvPr id="2" name="Title 1"/>
           <p:cNvSpPr>
             <a:spLocks noGrp="1"/>
           </p:cNvSpPr>
@@ -1493,15 +1572,15 @@
         </p:nvSpPr>
         <p:spPr>
           <a:xfrm>
-            <a:off x="831850" y="1709738"/>
-            <a:ext cx="10515600" cy="2852737"/>
+            <a:off x="1247776" y="4559305"/>
+            <a:ext cx="15773400" cy="7607299"/>
           </a:xfrm>
         </p:spPr>
         <p:txBody>
           <a:bodyPr anchor="b"/>
           <a:lstStyle>
             <a:lvl1pPr>
-              <a:defRPr sz="6000"/>
+              <a:defRPr sz="12000"/>
             </a:lvl1pPr>
           </a:lstStyle>
           <a:p>
@@ -1509,18 +1588,13 @@
               <a:rPr lang="en-US"/>
               <a:t>Click to edit Master title style</a:t>
             </a:r>
+            <a:endParaRPr lang="en-US" dirty="0"/>
           </a:p>
         </p:txBody>
       </p:sp>
       <p:sp>
         <p:nvSpPr>
-          <p:cNvPr id="3" name="Text Placeholder 2">
-            <a:extLst>
-              <a:ext uri="{FF2B5EF4-FFF2-40B4-BE49-F238E27FC236}">
-                <a16:creationId xmlns:a16="http://schemas.microsoft.com/office/drawing/2014/main" id="{640C86EA-E2F6-F73F-2C09-F09761EFC9CB}"/>
-              </a:ext>
-            </a:extLst>
-          </p:cNvPr>
+          <p:cNvPr id="3" name="Text Placeholder 2"/>
           <p:cNvSpPr>
             <a:spLocks noGrp="1"/>
           </p:cNvSpPr>
@@ -1530,8 +1604,8 @@
         </p:nvSpPr>
         <p:spPr>
           <a:xfrm>
-            <a:off x="831850" y="4589463"/>
-            <a:ext cx="10515600" cy="1500187"/>
+            <a:off x="1247776" y="12238572"/>
+            <a:ext cx="15773400" cy="4000499"/>
           </a:xfrm>
         </p:spPr>
         <p:txBody>
@@ -1539,17 +1613,15 @@
           <a:lstStyle>
             <a:lvl1pPr marL="0" indent="0">
               <a:buNone/>
-              <a:defRPr sz="2400">
+              <a:defRPr sz="4800">
                 <a:solidFill>
-                  <a:schemeClr val="tx1">
-                    <a:tint val="75000"/>
-                  </a:schemeClr>
+                  <a:schemeClr val="tx1"/>
                 </a:solidFill>
               </a:defRPr>
             </a:lvl1pPr>
-            <a:lvl2pPr marL="457200" indent="0">
+            <a:lvl2pPr marL="914400" indent="0">
               <a:buNone/>
-              <a:defRPr sz="2000">
+              <a:defRPr sz="4000">
                 <a:solidFill>
                   <a:schemeClr val="tx1">
                     <a:tint val="75000"/>
@@ -1557,9 +1629,9 @@
                 </a:solidFill>
               </a:defRPr>
             </a:lvl2pPr>
-            <a:lvl3pPr marL="914400" indent="0">
+            <a:lvl3pPr marL="1828800" indent="0">
               <a:buNone/>
-              <a:defRPr sz="1800">
+              <a:defRPr sz="3600">
                 <a:solidFill>
                   <a:schemeClr val="tx1">
                     <a:tint val="75000"/>
@@ -1567,9 +1639,9 @@
                 </a:solidFill>
               </a:defRPr>
             </a:lvl3pPr>
-            <a:lvl4pPr marL="1371600" indent="0">
+            <a:lvl4pPr marL="2743200" indent="0">
               <a:buNone/>
-              <a:defRPr sz="1600">
+              <a:defRPr sz="3200">
                 <a:solidFill>
                   <a:schemeClr val="tx1">
                     <a:tint val="75000"/>
@@ -1577,9 +1649,9 @@
                 </a:solidFill>
               </a:defRPr>
             </a:lvl4pPr>
-            <a:lvl5pPr marL="1828800" indent="0">
+            <a:lvl5pPr marL="3657600" indent="0">
               <a:buNone/>
-              <a:defRPr sz="1600">
+              <a:defRPr sz="3200">
                 <a:solidFill>
                   <a:schemeClr val="tx1">
                     <a:tint val="75000"/>
@@ -1587,9 +1659,9 @@
                 </a:solidFill>
               </a:defRPr>
             </a:lvl5pPr>
-            <a:lvl6pPr marL="2286000" indent="0">
+            <a:lvl6pPr marL="4572000" indent="0">
               <a:buNone/>
-              <a:defRPr sz="1600">
+              <a:defRPr sz="3200">
                 <a:solidFill>
                   <a:schemeClr val="tx1">
                     <a:tint val="75000"/>
@@ -1597,9 +1669,9 @@
                 </a:solidFill>
               </a:defRPr>
             </a:lvl6pPr>
-            <a:lvl7pPr marL="2743200" indent="0">
+            <a:lvl7pPr marL="5486400" indent="0">
               <a:buNone/>
-              <a:defRPr sz="1600">
+              <a:defRPr sz="3200">
                 <a:solidFill>
                   <a:schemeClr val="tx1">
                     <a:tint val="75000"/>
@@ -1607,9 +1679,9 @@
                 </a:solidFill>
               </a:defRPr>
             </a:lvl7pPr>
-            <a:lvl8pPr marL="3200400" indent="0">
+            <a:lvl8pPr marL="6400800" indent="0">
               <a:buNone/>
-              <a:defRPr sz="1600">
+              <a:defRPr sz="3200">
                 <a:solidFill>
                   <a:schemeClr val="tx1">
                     <a:tint val="75000"/>
@@ -1617,9 +1689,9 @@
                 </a:solidFill>
               </a:defRPr>
             </a:lvl8pPr>
-            <a:lvl9pPr marL="3657600" indent="0">
+            <a:lvl9pPr marL="7315200" indent="0">
               <a:buNone/>
-              <a:defRPr sz="1600">
+              <a:defRPr sz="3200">
                 <a:solidFill>
                   <a:schemeClr val="tx1">
                     <a:tint val="75000"/>
@@ -1639,13 +1711,7 @@
       </p:sp>
       <p:sp>
         <p:nvSpPr>
-          <p:cNvPr id="4" name="Date Placeholder 3">
-            <a:extLst>
-              <a:ext uri="{FF2B5EF4-FFF2-40B4-BE49-F238E27FC236}">
-                <a16:creationId xmlns:a16="http://schemas.microsoft.com/office/drawing/2014/main" id="{D7F910A7-8D21-35EB-AF3A-6DC18859F749}"/>
-              </a:ext>
-            </a:extLst>
-          </p:cNvPr>
+          <p:cNvPr id="4" name="Date Placeholder 3"/>
           <p:cNvSpPr>
             <a:spLocks noGrp="1"/>
           </p:cNvSpPr>
@@ -1660,7 +1726,7 @@
           <a:p>
             <a:fld id="{54E435BD-4569-4C00-96FD-DE6EEAA430DA}" type="datetimeFigureOut">
               <a:rPr lang="en-US" smtClean="0"/>
-              <a:t>5/23/2023</a:t>
+              <a:t>5/31/2023</a:t>
             </a:fld>
             <a:endParaRPr lang="en-US"/>
           </a:p>
@@ -1668,13 +1734,7 @@
       </p:sp>
       <p:sp>
         <p:nvSpPr>
-          <p:cNvPr id="5" name="Footer Placeholder 4">
-            <a:extLst>
-              <a:ext uri="{FF2B5EF4-FFF2-40B4-BE49-F238E27FC236}">
-                <a16:creationId xmlns:a16="http://schemas.microsoft.com/office/drawing/2014/main" id="{D9DB4F04-11BC-500A-AA76-7A8377125D64}"/>
-              </a:ext>
-            </a:extLst>
-          </p:cNvPr>
+          <p:cNvPr id="5" name="Footer Placeholder 4"/>
           <p:cNvSpPr>
             <a:spLocks noGrp="1"/>
           </p:cNvSpPr>
@@ -1693,13 +1753,7 @@
       </p:sp>
       <p:sp>
         <p:nvSpPr>
-          <p:cNvPr id="6" name="Slide Number Placeholder 5">
-            <a:extLst>
-              <a:ext uri="{FF2B5EF4-FFF2-40B4-BE49-F238E27FC236}">
-                <a16:creationId xmlns:a16="http://schemas.microsoft.com/office/drawing/2014/main" id="{6458F106-A5D3-4296-9129-C42B23FD11BB}"/>
-              </a:ext>
-            </a:extLst>
-          </p:cNvPr>
+          <p:cNvPr id="6" name="Slide Number Placeholder 5"/>
           <p:cNvSpPr>
             <a:spLocks noGrp="1"/>
           </p:cNvSpPr>
@@ -1723,7 +1777,7 @@
     </p:spTree>
     <p:extLst>
       <p:ext uri="{BB962C8B-B14F-4D97-AF65-F5344CB8AC3E}">
-        <p14:creationId xmlns:p14="http://schemas.microsoft.com/office/powerpoint/2010/main" val="1515319170"/>
+        <p14:creationId xmlns:p14="http://schemas.microsoft.com/office/powerpoint/2010/main" val="1039652625"/>
       </p:ext>
     </p:extLst>
   </p:cSld>
@@ -1752,13 +1806,7 @@
       </p:grpSpPr>
       <p:sp>
         <p:nvSpPr>
-          <p:cNvPr id="2" name="Title 1">
-            <a:extLst>
-              <a:ext uri="{FF2B5EF4-FFF2-40B4-BE49-F238E27FC236}">
-                <a16:creationId xmlns:a16="http://schemas.microsoft.com/office/drawing/2014/main" id="{54DEBF53-B376-9635-2ACF-03A95B1CA712}"/>
-              </a:ext>
-            </a:extLst>
-          </p:cNvPr>
+          <p:cNvPr id="2" name="Title 1"/>
           <p:cNvSpPr>
             <a:spLocks noGrp="1"/>
           </p:cNvSpPr>
@@ -1775,18 +1823,13 @@
               <a:rPr lang="en-US"/>
               <a:t>Click to edit Master title style</a:t>
             </a:r>
+            <a:endParaRPr lang="en-US" dirty="0"/>
           </a:p>
         </p:txBody>
       </p:sp>
       <p:sp>
         <p:nvSpPr>
-          <p:cNvPr id="3" name="Content Placeholder 2">
-            <a:extLst>
-              <a:ext uri="{FF2B5EF4-FFF2-40B4-BE49-F238E27FC236}">
-                <a16:creationId xmlns:a16="http://schemas.microsoft.com/office/drawing/2014/main" id="{C17715DF-4287-59F7-38B7-B89EB9F760AD}"/>
-              </a:ext>
-            </a:extLst>
-          </p:cNvPr>
+          <p:cNvPr id="3" name="Content Placeholder 2"/>
           <p:cNvSpPr>
             <a:spLocks noGrp="1"/>
           </p:cNvSpPr>
@@ -1796,8 +1839,8 @@
         </p:nvSpPr>
         <p:spPr>
           <a:xfrm>
-            <a:off x="838200" y="1825625"/>
-            <a:ext cx="5181600" cy="4351338"/>
+            <a:off x="1257300" y="4868333"/>
+            <a:ext cx="7772400" cy="11603568"/>
           </a:xfrm>
         </p:spPr>
         <p:txBody>
@@ -1837,18 +1880,13 @@
               <a:rPr lang="en-US"/>
               <a:t>Fifth level</a:t>
             </a:r>
+            <a:endParaRPr lang="en-US" dirty="0"/>
           </a:p>
         </p:txBody>
       </p:sp>
       <p:sp>
         <p:nvSpPr>
-          <p:cNvPr id="4" name="Content Placeholder 3">
-            <a:extLst>
-              <a:ext uri="{FF2B5EF4-FFF2-40B4-BE49-F238E27FC236}">
-                <a16:creationId xmlns:a16="http://schemas.microsoft.com/office/drawing/2014/main" id="{E7391C08-CCEF-04DB-5708-BE3A9DFEDC93}"/>
-              </a:ext>
-            </a:extLst>
-          </p:cNvPr>
+          <p:cNvPr id="4" name="Content Placeholder 3"/>
           <p:cNvSpPr>
             <a:spLocks noGrp="1"/>
           </p:cNvSpPr>
@@ -1858,8 +1896,8 @@
         </p:nvSpPr>
         <p:spPr>
           <a:xfrm>
-            <a:off x="6172200" y="1825625"/>
-            <a:ext cx="5181600" cy="4351338"/>
+            <a:off x="9258300" y="4868333"/>
+            <a:ext cx="7772400" cy="11603568"/>
           </a:xfrm>
         </p:spPr>
         <p:txBody>
@@ -1899,18 +1937,13 @@
               <a:rPr lang="en-US"/>
               <a:t>Fifth level</a:t>
             </a:r>
+            <a:endParaRPr lang="en-US" dirty="0"/>
           </a:p>
         </p:txBody>
       </p:sp>
       <p:sp>
         <p:nvSpPr>
-          <p:cNvPr id="5" name="Date Placeholder 4">
-            <a:extLst>
-              <a:ext uri="{FF2B5EF4-FFF2-40B4-BE49-F238E27FC236}">
-                <a16:creationId xmlns:a16="http://schemas.microsoft.com/office/drawing/2014/main" id="{5E523FEA-10D2-4CE1-40C1-98A0563B06A9}"/>
-              </a:ext>
-            </a:extLst>
-          </p:cNvPr>
+          <p:cNvPr id="5" name="Date Placeholder 4"/>
           <p:cNvSpPr>
             <a:spLocks noGrp="1"/>
           </p:cNvSpPr>
@@ -1925,7 +1958,7 @@
           <a:p>
             <a:fld id="{54E435BD-4569-4C00-96FD-DE6EEAA430DA}" type="datetimeFigureOut">
               <a:rPr lang="en-US" smtClean="0"/>
-              <a:t>5/23/2023</a:t>
+              <a:t>5/31/2023</a:t>
             </a:fld>
             <a:endParaRPr lang="en-US"/>
           </a:p>
@@ -1933,13 +1966,7 @@
       </p:sp>
       <p:sp>
         <p:nvSpPr>
-          <p:cNvPr id="6" name="Footer Placeholder 5">
-            <a:extLst>
-              <a:ext uri="{FF2B5EF4-FFF2-40B4-BE49-F238E27FC236}">
-                <a16:creationId xmlns:a16="http://schemas.microsoft.com/office/drawing/2014/main" id="{00C708CB-E5F0-FE7A-01C0-62923078FF28}"/>
-              </a:ext>
-            </a:extLst>
-          </p:cNvPr>
+          <p:cNvPr id="6" name="Footer Placeholder 5"/>
           <p:cNvSpPr>
             <a:spLocks noGrp="1"/>
           </p:cNvSpPr>
@@ -1958,13 +1985,7 @@
       </p:sp>
       <p:sp>
         <p:nvSpPr>
-          <p:cNvPr id="7" name="Slide Number Placeholder 6">
-            <a:extLst>
-              <a:ext uri="{FF2B5EF4-FFF2-40B4-BE49-F238E27FC236}">
-                <a16:creationId xmlns:a16="http://schemas.microsoft.com/office/drawing/2014/main" id="{572BEBCB-FA0B-EFE7-AB0C-20C84B5020A7}"/>
-              </a:ext>
-            </a:extLst>
-          </p:cNvPr>
+          <p:cNvPr id="7" name="Slide Number Placeholder 6"/>
           <p:cNvSpPr>
             <a:spLocks noGrp="1"/>
           </p:cNvSpPr>
@@ -1988,7 +2009,7 @@
     </p:spTree>
     <p:extLst>
       <p:ext uri="{BB962C8B-B14F-4D97-AF65-F5344CB8AC3E}">
-        <p14:creationId xmlns:p14="http://schemas.microsoft.com/office/powerpoint/2010/main" val="2765531152"/>
+        <p14:creationId xmlns:p14="http://schemas.microsoft.com/office/powerpoint/2010/main" val="862464647"/>
       </p:ext>
     </p:extLst>
   </p:cSld>
@@ -2017,13 +2038,7 @@
       </p:grpSpPr>
       <p:sp>
         <p:nvSpPr>
-          <p:cNvPr id="2" name="Title 1">
-            <a:extLst>
-              <a:ext uri="{FF2B5EF4-FFF2-40B4-BE49-F238E27FC236}">
-                <a16:creationId xmlns:a16="http://schemas.microsoft.com/office/drawing/2014/main" id="{754C82CA-7132-7927-2305-F5CC8B98EAE4}"/>
-              </a:ext>
-            </a:extLst>
-          </p:cNvPr>
+          <p:cNvPr id="2" name="Title 1"/>
           <p:cNvSpPr>
             <a:spLocks noGrp="1"/>
           </p:cNvSpPr>
@@ -2033,8 +2048,8 @@
         </p:nvSpPr>
         <p:spPr>
           <a:xfrm>
-            <a:off x="839788" y="365125"/>
-            <a:ext cx="10515600" cy="1325563"/>
+            <a:off x="1259682" y="973671"/>
+            <a:ext cx="15773400" cy="3534835"/>
           </a:xfrm>
         </p:spPr>
         <p:txBody>
@@ -2045,18 +2060,13 @@
               <a:rPr lang="en-US"/>
               <a:t>Click to edit Master title style</a:t>
             </a:r>
+            <a:endParaRPr lang="en-US" dirty="0"/>
           </a:p>
         </p:txBody>
       </p:sp>
       <p:sp>
         <p:nvSpPr>
-          <p:cNvPr id="3" name="Text Placeholder 2">
-            <a:extLst>
-              <a:ext uri="{FF2B5EF4-FFF2-40B4-BE49-F238E27FC236}">
-                <a16:creationId xmlns:a16="http://schemas.microsoft.com/office/drawing/2014/main" id="{683489CA-1944-8272-A28E-3FFDDCED6468}"/>
-              </a:ext>
-            </a:extLst>
-          </p:cNvPr>
+          <p:cNvPr id="3" name="Text Placeholder 2"/>
           <p:cNvSpPr>
             <a:spLocks noGrp="1"/>
           </p:cNvSpPr>
@@ -2066,8 +2076,8 @@
         </p:nvSpPr>
         <p:spPr>
           <a:xfrm>
-            <a:off x="839788" y="1681163"/>
-            <a:ext cx="5157787" cy="823912"/>
+            <a:off x="1259684" y="4483101"/>
+            <a:ext cx="7736680" cy="2197099"/>
           </a:xfrm>
         </p:spPr>
         <p:txBody>
@@ -2075,39 +2085,39 @@
           <a:lstStyle>
             <a:lvl1pPr marL="0" indent="0">
               <a:buNone/>
-              <a:defRPr sz="2400" b="1"/>
+              <a:defRPr sz="4800" b="1"/>
             </a:lvl1pPr>
-            <a:lvl2pPr marL="457200" indent="0">
+            <a:lvl2pPr marL="914400" indent="0">
               <a:buNone/>
-              <a:defRPr sz="2000" b="1"/>
+              <a:defRPr sz="4000" b="1"/>
             </a:lvl2pPr>
-            <a:lvl3pPr marL="914400" indent="0">
+            <a:lvl3pPr marL="1828800" indent="0">
               <a:buNone/>
-              <a:defRPr sz="1800" b="1"/>
+              <a:defRPr sz="3600" b="1"/>
             </a:lvl3pPr>
-            <a:lvl4pPr marL="1371600" indent="0">
+            <a:lvl4pPr marL="2743200" indent="0">
               <a:buNone/>
-              <a:defRPr sz="1600" b="1"/>
+              <a:defRPr sz="3200" b="1"/>
             </a:lvl4pPr>
-            <a:lvl5pPr marL="1828800" indent="0">
+            <a:lvl5pPr marL="3657600" indent="0">
               <a:buNone/>
-              <a:defRPr sz="1600" b="1"/>
+              <a:defRPr sz="3200" b="1"/>
             </a:lvl5pPr>
-            <a:lvl6pPr marL="2286000" indent="0">
+            <a:lvl6pPr marL="4572000" indent="0">
               <a:buNone/>
-              <a:defRPr sz="1600" b="1"/>
+              <a:defRPr sz="3200" b="1"/>
             </a:lvl6pPr>
-            <a:lvl7pPr marL="2743200" indent="0">
+            <a:lvl7pPr marL="5486400" indent="0">
               <a:buNone/>
-              <a:defRPr sz="1600" b="1"/>
+              <a:defRPr sz="3200" b="1"/>
             </a:lvl7pPr>
-            <a:lvl8pPr marL="3200400" indent="0">
+            <a:lvl8pPr marL="6400800" indent="0">
               <a:buNone/>
-              <a:defRPr sz="1600" b="1"/>
+              <a:defRPr sz="3200" b="1"/>
             </a:lvl8pPr>
-            <a:lvl9pPr marL="3657600" indent="0">
+            <a:lvl9pPr marL="7315200" indent="0">
               <a:buNone/>
-              <a:defRPr sz="1600" b="1"/>
+              <a:defRPr sz="3200" b="1"/>
             </a:lvl9pPr>
           </a:lstStyle>
           <a:p>
@@ -2121,13 +2131,7 @@
       </p:sp>
       <p:sp>
         <p:nvSpPr>
-          <p:cNvPr id="4" name="Content Placeholder 3">
-            <a:extLst>
-              <a:ext uri="{FF2B5EF4-FFF2-40B4-BE49-F238E27FC236}">
-                <a16:creationId xmlns:a16="http://schemas.microsoft.com/office/drawing/2014/main" id="{772A5167-5E56-F25D-D4E0-826AEB5A35A6}"/>
-              </a:ext>
-            </a:extLst>
-          </p:cNvPr>
+          <p:cNvPr id="4" name="Content Placeholder 3"/>
           <p:cNvSpPr>
             <a:spLocks noGrp="1"/>
           </p:cNvSpPr>
@@ -2137,8 +2141,8 @@
         </p:nvSpPr>
         <p:spPr>
           <a:xfrm>
-            <a:off x="839788" y="2505075"/>
-            <a:ext cx="5157787" cy="3684588"/>
+            <a:off x="1259684" y="6680200"/>
+            <a:ext cx="7736680" cy="9825568"/>
           </a:xfrm>
         </p:spPr>
         <p:txBody>
@@ -2178,18 +2182,13 @@
               <a:rPr lang="en-US"/>
               <a:t>Fifth level</a:t>
             </a:r>
+            <a:endParaRPr lang="en-US" dirty="0"/>
           </a:p>
         </p:txBody>
       </p:sp>
       <p:sp>
         <p:nvSpPr>
-          <p:cNvPr id="5" name="Text Placeholder 4">
-            <a:extLst>
-              <a:ext uri="{FF2B5EF4-FFF2-40B4-BE49-F238E27FC236}">
-                <a16:creationId xmlns:a16="http://schemas.microsoft.com/office/drawing/2014/main" id="{906CBA4F-CC7B-BCB1-7E12-F5A11F074F62}"/>
-              </a:ext>
-            </a:extLst>
-          </p:cNvPr>
+          <p:cNvPr id="5" name="Text Placeholder 4"/>
           <p:cNvSpPr>
             <a:spLocks noGrp="1"/>
           </p:cNvSpPr>
@@ -2199,8 +2198,8 @@
         </p:nvSpPr>
         <p:spPr>
           <a:xfrm>
-            <a:off x="6172200" y="1681163"/>
-            <a:ext cx="5183188" cy="823912"/>
+            <a:off x="9258301" y="4483101"/>
+            <a:ext cx="7774782" cy="2197099"/>
           </a:xfrm>
         </p:spPr>
         <p:txBody>
@@ -2208,39 +2207,39 @@
           <a:lstStyle>
             <a:lvl1pPr marL="0" indent="0">
               <a:buNone/>
-              <a:defRPr sz="2400" b="1"/>
+              <a:defRPr sz="4800" b="1"/>
             </a:lvl1pPr>
-            <a:lvl2pPr marL="457200" indent="0">
+            <a:lvl2pPr marL="914400" indent="0">
               <a:buNone/>
-              <a:defRPr sz="2000" b="1"/>
+              <a:defRPr sz="4000" b="1"/>
             </a:lvl2pPr>
-            <a:lvl3pPr marL="914400" indent="0">
+            <a:lvl3pPr marL="1828800" indent="0">
               <a:buNone/>
-              <a:defRPr sz="1800" b="1"/>
+              <a:defRPr sz="3600" b="1"/>
             </a:lvl3pPr>
-            <a:lvl4pPr marL="1371600" indent="0">
+            <a:lvl4pPr marL="2743200" indent="0">
               <a:buNone/>
-              <a:defRPr sz="1600" b="1"/>
+              <a:defRPr sz="3200" b="1"/>
             </a:lvl4pPr>
-            <a:lvl5pPr marL="1828800" indent="0">
+            <a:lvl5pPr marL="3657600" indent="0">
               <a:buNone/>
-              <a:defRPr sz="1600" b="1"/>
+              <a:defRPr sz="3200" b="1"/>
             </a:lvl5pPr>
-            <a:lvl6pPr marL="2286000" indent="0">
+            <a:lvl6pPr marL="4572000" indent="0">
               <a:buNone/>
-              <a:defRPr sz="1600" b="1"/>
+              <a:defRPr sz="3200" b="1"/>
             </a:lvl6pPr>
-            <a:lvl7pPr marL="2743200" indent="0">
+            <a:lvl7pPr marL="5486400" indent="0">
               <a:buNone/>
-              <a:defRPr sz="1600" b="1"/>
+              <a:defRPr sz="3200" b="1"/>
             </a:lvl7pPr>
-            <a:lvl8pPr marL="3200400" indent="0">
+            <a:lvl8pPr marL="6400800" indent="0">
               <a:buNone/>
-              <a:defRPr sz="1600" b="1"/>
+              <a:defRPr sz="3200" b="1"/>
             </a:lvl8pPr>
-            <a:lvl9pPr marL="3657600" indent="0">
+            <a:lvl9pPr marL="7315200" indent="0">
               <a:buNone/>
-              <a:defRPr sz="1600" b="1"/>
+              <a:defRPr sz="3200" b="1"/>
             </a:lvl9pPr>
           </a:lstStyle>
           <a:p>
@@ -2254,13 +2253,7 @@
       </p:sp>
       <p:sp>
         <p:nvSpPr>
-          <p:cNvPr id="6" name="Content Placeholder 5">
-            <a:extLst>
-              <a:ext uri="{FF2B5EF4-FFF2-40B4-BE49-F238E27FC236}">
-                <a16:creationId xmlns:a16="http://schemas.microsoft.com/office/drawing/2014/main" id="{365332CC-0D6B-3C14-FF8C-575F54500E3B}"/>
-              </a:ext>
-            </a:extLst>
-          </p:cNvPr>
+          <p:cNvPr id="6" name="Content Placeholder 5"/>
           <p:cNvSpPr>
             <a:spLocks noGrp="1"/>
           </p:cNvSpPr>
@@ -2270,8 +2263,8 @@
         </p:nvSpPr>
         <p:spPr>
           <a:xfrm>
-            <a:off x="6172200" y="2505075"/>
-            <a:ext cx="5183188" cy="3684588"/>
+            <a:off x="9258301" y="6680200"/>
+            <a:ext cx="7774782" cy="9825568"/>
           </a:xfrm>
         </p:spPr>
         <p:txBody>
@@ -2311,18 +2304,13 @@
               <a:rPr lang="en-US"/>
               <a:t>Fifth level</a:t>
             </a:r>
+            <a:endParaRPr lang="en-US" dirty="0"/>
           </a:p>
         </p:txBody>
       </p:sp>
       <p:sp>
         <p:nvSpPr>
-          <p:cNvPr id="7" name="Date Placeholder 6">
-            <a:extLst>
-              <a:ext uri="{FF2B5EF4-FFF2-40B4-BE49-F238E27FC236}">
-                <a16:creationId xmlns:a16="http://schemas.microsoft.com/office/drawing/2014/main" id="{CF3E5A61-D1CE-9259-C002-9E0978E7270D}"/>
-              </a:ext>
-            </a:extLst>
-          </p:cNvPr>
+          <p:cNvPr id="7" name="Date Placeholder 6"/>
           <p:cNvSpPr>
             <a:spLocks noGrp="1"/>
           </p:cNvSpPr>
@@ -2337,7 +2325,7 @@
           <a:p>
             <a:fld id="{54E435BD-4569-4C00-96FD-DE6EEAA430DA}" type="datetimeFigureOut">
               <a:rPr lang="en-US" smtClean="0"/>
-              <a:t>5/23/2023</a:t>
+              <a:t>5/31/2023</a:t>
             </a:fld>
             <a:endParaRPr lang="en-US"/>
           </a:p>
@@ -2345,13 +2333,7 @@
       </p:sp>
       <p:sp>
         <p:nvSpPr>
-          <p:cNvPr id="8" name="Footer Placeholder 7">
-            <a:extLst>
-              <a:ext uri="{FF2B5EF4-FFF2-40B4-BE49-F238E27FC236}">
-                <a16:creationId xmlns:a16="http://schemas.microsoft.com/office/drawing/2014/main" id="{ABC3F8FB-9B3D-6ED2-F5FD-F6C88AD8050F}"/>
-              </a:ext>
-            </a:extLst>
-          </p:cNvPr>
+          <p:cNvPr id="8" name="Footer Placeholder 7"/>
           <p:cNvSpPr>
             <a:spLocks noGrp="1"/>
           </p:cNvSpPr>
@@ -2370,13 +2352,7 @@
       </p:sp>
       <p:sp>
         <p:nvSpPr>
-          <p:cNvPr id="9" name="Slide Number Placeholder 8">
-            <a:extLst>
-              <a:ext uri="{FF2B5EF4-FFF2-40B4-BE49-F238E27FC236}">
-                <a16:creationId xmlns:a16="http://schemas.microsoft.com/office/drawing/2014/main" id="{80AF33E7-B539-64B0-E650-84ED99368B33}"/>
-              </a:ext>
-            </a:extLst>
-          </p:cNvPr>
+          <p:cNvPr id="9" name="Slide Number Placeholder 8"/>
           <p:cNvSpPr>
             <a:spLocks noGrp="1"/>
           </p:cNvSpPr>
@@ -2400,7 +2376,7 @@
     </p:spTree>
     <p:extLst>
       <p:ext uri="{BB962C8B-B14F-4D97-AF65-F5344CB8AC3E}">
-        <p14:creationId xmlns:p14="http://schemas.microsoft.com/office/powerpoint/2010/main" val="4016180327"/>
+        <p14:creationId xmlns:p14="http://schemas.microsoft.com/office/powerpoint/2010/main" val="3103050904"/>
       </p:ext>
     </p:extLst>
   </p:cSld>
@@ -2429,13 +2405,7 @@
       </p:grpSpPr>
       <p:sp>
         <p:nvSpPr>
-          <p:cNvPr id="2" name="Title 1">
-            <a:extLst>
-              <a:ext uri="{FF2B5EF4-FFF2-40B4-BE49-F238E27FC236}">
-                <a16:creationId xmlns:a16="http://schemas.microsoft.com/office/drawing/2014/main" id="{3E914DE8-66D0-86F4-3F66-2B4F4CE2E5C6}"/>
-              </a:ext>
-            </a:extLst>
-          </p:cNvPr>
+          <p:cNvPr id="2" name="Title 1"/>
           <p:cNvSpPr>
             <a:spLocks noGrp="1"/>
           </p:cNvSpPr>
@@ -2452,18 +2422,13 @@
               <a:rPr lang="en-US"/>
               <a:t>Click to edit Master title style</a:t>
             </a:r>
+            <a:endParaRPr lang="en-US" dirty="0"/>
           </a:p>
         </p:txBody>
       </p:sp>
       <p:sp>
         <p:nvSpPr>
-          <p:cNvPr id="3" name="Date Placeholder 2">
-            <a:extLst>
-              <a:ext uri="{FF2B5EF4-FFF2-40B4-BE49-F238E27FC236}">
-                <a16:creationId xmlns:a16="http://schemas.microsoft.com/office/drawing/2014/main" id="{69AF869E-A091-DE15-6A49-D99DF8FE6D3B}"/>
-              </a:ext>
-            </a:extLst>
-          </p:cNvPr>
+          <p:cNvPr id="3" name="Date Placeholder 2"/>
           <p:cNvSpPr>
             <a:spLocks noGrp="1"/>
           </p:cNvSpPr>
@@ -2478,7 +2443,7 @@
           <a:p>
             <a:fld id="{54E435BD-4569-4C00-96FD-DE6EEAA430DA}" type="datetimeFigureOut">
               <a:rPr lang="en-US" smtClean="0"/>
-              <a:t>5/23/2023</a:t>
+              <a:t>5/31/2023</a:t>
             </a:fld>
             <a:endParaRPr lang="en-US"/>
           </a:p>
@@ -2486,13 +2451,7 @@
       </p:sp>
       <p:sp>
         <p:nvSpPr>
-          <p:cNvPr id="4" name="Footer Placeholder 3">
-            <a:extLst>
-              <a:ext uri="{FF2B5EF4-FFF2-40B4-BE49-F238E27FC236}">
-                <a16:creationId xmlns:a16="http://schemas.microsoft.com/office/drawing/2014/main" id="{BBFD7D04-F068-7404-0E46-E19DB9487D07}"/>
-              </a:ext>
-            </a:extLst>
-          </p:cNvPr>
+          <p:cNvPr id="4" name="Footer Placeholder 3"/>
           <p:cNvSpPr>
             <a:spLocks noGrp="1"/>
           </p:cNvSpPr>
@@ -2511,13 +2470,7 @@
       </p:sp>
       <p:sp>
         <p:nvSpPr>
-          <p:cNvPr id="5" name="Slide Number Placeholder 4">
-            <a:extLst>
-              <a:ext uri="{FF2B5EF4-FFF2-40B4-BE49-F238E27FC236}">
-                <a16:creationId xmlns:a16="http://schemas.microsoft.com/office/drawing/2014/main" id="{2983809A-0E9F-BA87-AD04-6D0C54DE7B7E}"/>
-              </a:ext>
-            </a:extLst>
-          </p:cNvPr>
+          <p:cNvPr id="5" name="Slide Number Placeholder 4"/>
           <p:cNvSpPr>
             <a:spLocks noGrp="1"/>
           </p:cNvSpPr>
@@ -2541,7 +2494,7 @@
     </p:spTree>
     <p:extLst>
       <p:ext uri="{BB962C8B-B14F-4D97-AF65-F5344CB8AC3E}">
-        <p14:creationId xmlns:p14="http://schemas.microsoft.com/office/powerpoint/2010/main" val="3428487024"/>
+        <p14:creationId xmlns:p14="http://schemas.microsoft.com/office/powerpoint/2010/main" val="4211439757"/>
       </p:ext>
     </p:extLst>
   </p:cSld>
@@ -2570,13 +2523,7 @@
       </p:grpSpPr>
       <p:sp>
         <p:nvSpPr>
-          <p:cNvPr id="2" name="Date Placeholder 1">
-            <a:extLst>
-              <a:ext uri="{FF2B5EF4-FFF2-40B4-BE49-F238E27FC236}">
-                <a16:creationId xmlns:a16="http://schemas.microsoft.com/office/drawing/2014/main" id="{D227B67C-7BD6-3304-9008-1BA25AE81274}"/>
-              </a:ext>
-            </a:extLst>
-          </p:cNvPr>
+          <p:cNvPr id="2" name="Date Placeholder 1"/>
           <p:cNvSpPr>
             <a:spLocks noGrp="1"/>
           </p:cNvSpPr>
@@ -2591,7 +2538,7 @@
           <a:p>
             <a:fld id="{54E435BD-4569-4C00-96FD-DE6EEAA430DA}" type="datetimeFigureOut">
               <a:rPr lang="en-US" smtClean="0"/>
-              <a:t>5/23/2023</a:t>
+              <a:t>5/31/2023</a:t>
             </a:fld>
             <a:endParaRPr lang="en-US"/>
           </a:p>
@@ -2599,13 +2546,7 @@
       </p:sp>
       <p:sp>
         <p:nvSpPr>
-          <p:cNvPr id="3" name="Footer Placeholder 2">
-            <a:extLst>
-              <a:ext uri="{FF2B5EF4-FFF2-40B4-BE49-F238E27FC236}">
-                <a16:creationId xmlns:a16="http://schemas.microsoft.com/office/drawing/2014/main" id="{4D6BA8EF-379C-59FB-058B-709B68686E57}"/>
-              </a:ext>
-            </a:extLst>
-          </p:cNvPr>
+          <p:cNvPr id="3" name="Footer Placeholder 2"/>
           <p:cNvSpPr>
             <a:spLocks noGrp="1"/>
           </p:cNvSpPr>
@@ -2624,13 +2565,7 @@
       </p:sp>
       <p:sp>
         <p:nvSpPr>
-          <p:cNvPr id="4" name="Slide Number Placeholder 3">
-            <a:extLst>
-              <a:ext uri="{FF2B5EF4-FFF2-40B4-BE49-F238E27FC236}">
-                <a16:creationId xmlns:a16="http://schemas.microsoft.com/office/drawing/2014/main" id="{6A460EBC-A06F-E224-6AA5-14A8788929BD}"/>
-              </a:ext>
-            </a:extLst>
-          </p:cNvPr>
+          <p:cNvPr id="4" name="Slide Number Placeholder 3"/>
           <p:cNvSpPr>
             <a:spLocks noGrp="1"/>
           </p:cNvSpPr>
@@ -2654,7 +2589,7 @@
     </p:spTree>
     <p:extLst>
       <p:ext uri="{BB962C8B-B14F-4D97-AF65-F5344CB8AC3E}">
-        <p14:creationId xmlns:p14="http://schemas.microsoft.com/office/powerpoint/2010/main" val="194752821"/>
+        <p14:creationId xmlns:p14="http://schemas.microsoft.com/office/powerpoint/2010/main" val="3908551617"/>
       </p:ext>
     </p:extLst>
   </p:cSld>
@@ -2683,13 +2618,7 @@
       </p:grpSpPr>
       <p:sp>
         <p:nvSpPr>
-          <p:cNvPr id="2" name="Title 1">
-            <a:extLst>
-              <a:ext uri="{FF2B5EF4-FFF2-40B4-BE49-F238E27FC236}">
-                <a16:creationId xmlns:a16="http://schemas.microsoft.com/office/drawing/2014/main" id="{F8ABA59F-D692-D91C-0C25-9FE74D015082}"/>
-              </a:ext>
-            </a:extLst>
-          </p:cNvPr>
+          <p:cNvPr id="2" name="Title 1"/>
           <p:cNvSpPr>
             <a:spLocks noGrp="1"/>
           </p:cNvSpPr>
@@ -2699,15 +2628,15 @@
         </p:nvSpPr>
         <p:spPr>
           <a:xfrm>
-            <a:off x="839788" y="457200"/>
-            <a:ext cx="3932237" cy="1600200"/>
+            <a:off x="1259682" y="1219200"/>
+            <a:ext cx="5898356" cy="4267200"/>
           </a:xfrm>
         </p:spPr>
         <p:txBody>
           <a:bodyPr anchor="b"/>
           <a:lstStyle>
             <a:lvl1pPr>
-              <a:defRPr sz="3200"/>
+              <a:defRPr sz="6400"/>
             </a:lvl1pPr>
           </a:lstStyle>
           <a:p>
@@ -2715,18 +2644,13 @@
               <a:rPr lang="en-US"/>
               <a:t>Click to edit Master title style</a:t>
             </a:r>
+            <a:endParaRPr lang="en-US" dirty="0"/>
           </a:p>
         </p:txBody>
       </p:sp>
       <p:sp>
         <p:nvSpPr>
-          <p:cNvPr id="3" name="Content Placeholder 2">
-            <a:extLst>
-              <a:ext uri="{FF2B5EF4-FFF2-40B4-BE49-F238E27FC236}">
-                <a16:creationId xmlns:a16="http://schemas.microsoft.com/office/drawing/2014/main" id="{D10B6D3B-B914-13F9-BF0E-697EC5D4E6DC}"/>
-              </a:ext>
-            </a:extLst>
-          </p:cNvPr>
+          <p:cNvPr id="3" name="Content Placeholder 2"/>
           <p:cNvSpPr>
             <a:spLocks noGrp="1"/>
           </p:cNvSpPr>
@@ -2736,39 +2660,39 @@
         </p:nvSpPr>
         <p:spPr>
           <a:xfrm>
-            <a:off x="5183188" y="987425"/>
-            <a:ext cx="6172200" cy="4873625"/>
+            <a:off x="7774782" y="2633138"/>
+            <a:ext cx="9258300" cy="12996333"/>
           </a:xfrm>
         </p:spPr>
         <p:txBody>
           <a:bodyPr/>
           <a:lstStyle>
             <a:lvl1pPr>
-              <a:defRPr sz="3200"/>
+              <a:defRPr sz="6400"/>
             </a:lvl1pPr>
             <a:lvl2pPr>
-              <a:defRPr sz="2800"/>
+              <a:defRPr sz="5600"/>
             </a:lvl2pPr>
             <a:lvl3pPr>
-              <a:defRPr sz="2400"/>
+              <a:defRPr sz="4800"/>
             </a:lvl3pPr>
             <a:lvl4pPr>
-              <a:defRPr sz="2000"/>
+              <a:defRPr sz="4000"/>
             </a:lvl4pPr>
             <a:lvl5pPr>
-              <a:defRPr sz="2000"/>
+              <a:defRPr sz="4000"/>
             </a:lvl5pPr>
             <a:lvl6pPr>
-              <a:defRPr sz="2000"/>
+              <a:defRPr sz="4000"/>
             </a:lvl6pPr>
             <a:lvl7pPr>
-              <a:defRPr sz="2000"/>
+              <a:defRPr sz="4000"/>
             </a:lvl7pPr>
             <a:lvl8pPr>
-              <a:defRPr sz="2000"/>
+              <a:defRPr sz="4000"/>
             </a:lvl8pPr>
             <a:lvl9pPr>
-              <a:defRPr sz="2000"/>
+              <a:defRPr sz="4000"/>
             </a:lvl9pPr>
           </a:lstStyle>
           <a:p>
@@ -2805,18 +2729,13 @@
               <a:rPr lang="en-US"/>
               <a:t>Fifth level</a:t>
             </a:r>
+            <a:endParaRPr lang="en-US" dirty="0"/>
           </a:p>
         </p:txBody>
       </p:sp>
       <p:sp>
         <p:nvSpPr>
-          <p:cNvPr id="4" name="Text Placeholder 3">
-            <a:extLst>
-              <a:ext uri="{FF2B5EF4-FFF2-40B4-BE49-F238E27FC236}">
-                <a16:creationId xmlns:a16="http://schemas.microsoft.com/office/drawing/2014/main" id="{FF73C294-2792-C504-BC1D-54720A374FF8}"/>
-              </a:ext>
-            </a:extLst>
-          </p:cNvPr>
+          <p:cNvPr id="4" name="Text Placeholder 3"/>
           <p:cNvSpPr>
             <a:spLocks noGrp="1"/>
           </p:cNvSpPr>
@@ -2826,8 +2745,8 @@
         </p:nvSpPr>
         <p:spPr>
           <a:xfrm>
-            <a:off x="839788" y="2057400"/>
-            <a:ext cx="3932237" cy="3811588"/>
+            <a:off x="1259682" y="5486400"/>
+            <a:ext cx="5898356" cy="10164235"/>
           </a:xfrm>
         </p:spPr>
         <p:txBody>
@@ -2835,39 +2754,39 @@
           <a:lstStyle>
             <a:lvl1pPr marL="0" indent="0">
               <a:buNone/>
-              <a:defRPr sz="1600"/>
+              <a:defRPr sz="3200"/>
             </a:lvl1pPr>
-            <a:lvl2pPr marL="457200" indent="0">
+            <a:lvl2pPr marL="914400" indent="0">
               <a:buNone/>
-              <a:defRPr sz="1400"/>
+              <a:defRPr sz="2800"/>
             </a:lvl2pPr>
-            <a:lvl3pPr marL="914400" indent="0">
+            <a:lvl3pPr marL="1828800" indent="0">
               <a:buNone/>
-              <a:defRPr sz="1200"/>
+              <a:defRPr sz="2400"/>
             </a:lvl3pPr>
-            <a:lvl4pPr marL="1371600" indent="0">
+            <a:lvl4pPr marL="2743200" indent="0">
               <a:buNone/>
-              <a:defRPr sz="1000"/>
+              <a:defRPr sz="2000"/>
             </a:lvl4pPr>
-            <a:lvl5pPr marL="1828800" indent="0">
+            <a:lvl5pPr marL="3657600" indent="0">
               <a:buNone/>
-              <a:defRPr sz="1000"/>
+              <a:defRPr sz="2000"/>
             </a:lvl5pPr>
-            <a:lvl6pPr marL="2286000" indent="0">
+            <a:lvl6pPr marL="4572000" indent="0">
               <a:buNone/>
-              <a:defRPr sz="1000"/>
+              <a:defRPr sz="2000"/>
             </a:lvl6pPr>
-            <a:lvl7pPr marL="2743200" indent="0">
+            <a:lvl7pPr marL="5486400" indent="0">
               <a:buNone/>
-              <a:defRPr sz="1000"/>
+              <a:defRPr sz="2000"/>
             </a:lvl7pPr>
-            <a:lvl8pPr marL="3200400" indent="0">
+            <a:lvl8pPr marL="6400800" indent="0">
               <a:buNone/>
-              <a:defRPr sz="1000"/>
+              <a:defRPr sz="2000"/>
             </a:lvl8pPr>
-            <a:lvl9pPr marL="3657600" indent="0">
+            <a:lvl9pPr marL="7315200" indent="0">
               <a:buNone/>
-              <a:defRPr sz="1000"/>
+              <a:defRPr sz="2000"/>
             </a:lvl9pPr>
           </a:lstStyle>
           <a:p>
@@ -2881,13 +2800,7 @@
       </p:sp>
       <p:sp>
         <p:nvSpPr>
-          <p:cNvPr id="5" name="Date Placeholder 4">
-            <a:extLst>
-              <a:ext uri="{FF2B5EF4-FFF2-40B4-BE49-F238E27FC236}">
-                <a16:creationId xmlns:a16="http://schemas.microsoft.com/office/drawing/2014/main" id="{12C21CC4-84E1-E5BA-E322-27582442EE83}"/>
-              </a:ext>
-            </a:extLst>
-          </p:cNvPr>
+          <p:cNvPr id="5" name="Date Placeholder 4"/>
           <p:cNvSpPr>
             <a:spLocks noGrp="1"/>
           </p:cNvSpPr>
@@ -2902,7 +2815,7 @@
           <a:p>
             <a:fld id="{54E435BD-4569-4C00-96FD-DE6EEAA430DA}" type="datetimeFigureOut">
               <a:rPr lang="en-US" smtClean="0"/>
-              <a:t>5/23/2023</a:t>
+              <a:t>5/31/2023</a:t>
             </a:fld>
             <a:endParaRPr lang="en-US"/>
           </a:p>
@@ -2910,13 +2823,7 @@
       </p:sp>
       <p:sp>
         <p:nvSpPr>
-          <p:cNvPr id="6" name="Footer Placeholder 5">
-            <a:extLst>
-              <a:ext uri="{FF2B5EF4-FFF2-40B4-BE49-F238E27FC236}">
-                <a16:creationId xmlns:a16="http://schemas.microsoft.com/office/drawing/2014/main" id="{706A6DDE-3982-DA78-487B-A87EBE726F05}"/>
-              </a:ext>
-            </a:extLst>
-          </p:cNvPr>
+          <p:cNvPr id="6" name="Footer Placeholder 5"/>
           <p:cNvSpPr>
             <a:spLocks noGrp="1"/>
           </p:cNvSpPr>
@@ -2935,13 +2842,7 @@
       </p:sp>
       <p:sp>
         <p:nvSpPr>
-          <p:cNvPr id="7" name="Slide Number Placeholder 6">
-            <a:extLst>
-              <a:ext uri="{FF2B5EF4-FFF2-40B4-BE49-F238E27FC236}">
-                <a16:creationId xmlns:a16="http://schemas.microsoft.com/office/drawing/2014/main" id="{8A682C56-FCF4-3855-25F1-A248D48BA6C6}"/>
-              </a:ext>
-            </a:extLst>
-          </p:cNvPr>
+          <p:cNvPr id="7" name="Slide Number Placeholder 6"/>
           <p:cNvSpPr>
             <a:spLocks noGrp="1"/>
           </p:cNvSpPr>
@@ -2965,7 +2866,7 @@
     </p:spTree>
     <p:extLst>
       <p:ext uri="{BB962C8B-B14F-4D97-AF65-F5344CB8AC3E}">
-        <p14:creationId xmlns:p14="http://schemas.microsoft.com/office/powerpoint/2010/main" val="1531388789"/>
+        <p14:creationId xmlns:p14="http://schemas.microsoft.com/office/powerpoint/2010/main" val="2741487941"/>
       </p:ext>
     </p:extLst>
   </p:cSld>
@@ -2994,13 +2895,7 @@
       </p:grpSpPr>
       <p:sp>
         <p:nvSpPr>
-          <p:cNvPr id="2" name="Title 1">
-            <a:extLst>
-              <a:ext uri="{FF2B5EF4-FFF2-40B4-BE49-F238E27FC236}">
-                <a16:creationId xmlns:a16="http://schemas.microsoft.com/office/drawing/2014/main" id="{4FDAE017-5AD8-01DF-9135-DB820C90B377}"/>
-              </a:ext>
-            </a:extLst>
-          </p:cNvPr>
+          <p:cNvPr id="2" name="Title 1"/>
           <p:cNvSpPr>
             <a:spLocks noGrp="1"/>
           </p:cNvSpPr>
@@ -3010,15 +2905,15 @@
         </p:nvSpPr>
         <p:spPr>
           <a:xfrm>
-            <a:off x="839788" y="457200"/>
-            <a:ext cx="3932237" cy="1600200"/>
+            <a:off x="1259682" y="1219200"/>
+            <a:ext cx="5898356" cy="4267200"/>
           </a:xfrm>
         </p:spPr>
         <p:txBody>
           <a:bodyPr anchor="b"/>
           <a:lstStyle>
             <a:lvl1pPr>
-              <a:defRPr sz="3200"/>
+              <a:defRPr sz="6400"/>
             </a:lvl1pPr>
           </a:lstStyle>
           <a:p>
@@ -3026,20 +2921,15 @@
               <a:rPr lang="en-US"/>
               <a:t>Click to edit Master title style</a:t>
             </a:r>
+            <a:endParaRPr lang="en-US" dirty="0"/>
           </a:p>
         </p:txBody>
       </p:sp>
       <p:sp>
         <p:nvSpPr>
-          <p:cNvPr id="3" name="Picture Placeholder 2">
-            <a:extLst>
-              <a:ext uri="{FF2B5EF4-FFF2-40B4-BE49-F238E27FC236}">
-                <a16:creationId xmlns:a16="http://schemas.microsoft.com/office/drawing/2014/main" id="{9FA0258F-CC46-D46A-8061-53246FAC5D73}"/>
-              </a:ext>
-            </a:extLst>
-          </p:cNvPr>
+          <p:cNvPr id="3" name="Picture Placeholder 2"/>
           <p:cNvSpPr>
-            <a:spLocks noGrp="1"/>
+            <a:spLocks noGrp="1" noChangeAspect="1"/>
           </p:cNvSpPr>
           <p:nvPr>
             <p:ph type="pic" idx="1"/>
@@ -3047,8 +2937,73 @@
         </p:nvSpPr>
         <p:spPr>
           <a:xfrm>
-            <a:off x="5183188" y="987425"/>
-            <a:ext cx="6172200" cy="4873625"/>
+            <a:off x="7774782" y="2633138"/>
+            <a:ext cx="9258300" cy="12996333"/>
+          </a:xfrm>
+        </p:spPr>
+        <p:txBody>
+          <a:bodyPr anchor="t"/>
+          <a:lstStyle>
+            <a:lvl1pPr marL="0" indent="0">
+              <a:buNone/>
+              <a:defRPr sz="6400"/>
+            </a:lvl1pPr>
+            <a:lvl2pPr marL="914400" indent="0">
+              <a:buNone/>
+              <a:defRPr sz="5600"/>
+            </a:lvl2pPr>
+            <a:lvl3pPr marL="1828800" indent="0">
+              <a:buNone/>
+              <a:defRPr sz="4800"/>
+            </a:lvl3pPr>
+            <a:lvl4pPr marL="2743200" indent="0">
+              <a:buNone/>
+              <a:defRPr sz="4000"/>
+            </a:lvl4pPr>
+            <a:lvl5pPr marL="3657600" indent="0">
+              <a:buNone/>
+              <a:defRPr sz="4000"/>
+            </a:lvl5pPr>
+            <a:lvl6pPr marL="4572000" indent="0">
+              <a:buNone/>
+              <a:defRPr sz="4000"/>
+            </a:lvl6pPr>
+            <a:lvl7pPr marL="5486400" indent="0">
+              <a:buNone/>
+              <a:defRPr sz="4000"/>
+            </a:lvl7pPr>
+            <a:lvl8pPr marL="6400800" indent="0">
+              <a:buNone/>
+              <a:defRPr sz="4000"/>
+            </a:lvl8pPr>
+            <a:lvl9pPr marL="7315200" indent="0">
+              <a:buNone/>
+              <a:defRPr sz="4000"/>
+            </a:lvl9pPr>
+          </a:lstStyle>
+          <a:p>
+            <a:r>
+              <a:rPr lang="en-US"/>
+              <a:t>Click icon to add picture</a:t>
+            </a:r>
+            <a:endParaRPr lang="en-US" dirty="0"/>
+          </a:p>
+        </p:txBody>
+      </p:sp>
+      <p:sp>
+        <p:nvSpPr>
+          <p:cNvPr id="4" name="Text Placeholder 3"/>
+          <p:cNvSpPr>
+            <a:spLocks noGrp="1"/>
+          </p:cNvSpPr>
+          <p:nvPr>
+            <p:ph type="body" sz="half" idx="2"/>
+          </p:nvPr>
+        </p:nvSpPr>
+        <p:spPr>
+          <a:xfrm>
+            <a:off x="1259682" y="5486400"/>
+            <a:ext cx="5898356" cy="10164235"/>
           </a:xfrm>
         </p:spPr>
         <p:txBody>
@@ -3058,104 +3013,37 @@
               <a:buNone/>
               <a:defRPr sz="3200"/>
             </a:lvl1pPr>
-            <a:lvl2pPr marL="457200" indent="0">
+            <a:lvl2pPr marL="914400" indent="0">
               <a:buNone/>
               <a:defRPr sz="2800"/>
             </a:lvl2pPr>
-            <a:lvl3pPr marL="914400" indent="0">
+            <a:lvl3pPr marL="1828800" indent="0">
               <a:buNone/>
               <a:defRPr sz="2400"/>
             </a:lvl3pPr>
-            <a:lvl4pPr marL="1371600" indent="0">
+            <a:lvl4pPr marL="2743200" indent="0">
               <a:buNone/>
               <a:defRPr sz="2000"/>
             </a:lvl4pPr>
-            <a:lvl5pPr marL="1828800" indent="0">
+            <a:lvl5pPr marL="3657600" indent="0">
               <a:buNone/>
               <a:defRPr sz="2000"/>
             </a:lvl5pPr>
-            <a:lvl6pPr marL="2286000" indent="0">
+            <a:lvl6pPr marL="4572000" indent="0">
               <a:buNone/>
               <a:defRPr sz="2000"/>
             </a:lvl6pPr>
-            <a:lvl7pPr marL="2743200" indent="0">
+            <a:lvl7pPr marL="5486400" indent="0">
               <a:buNone/>
               <a:defRPr sz="2000"/>
             </a:lvl7pPr>
-            <a:lvl8pPr marL="3200400" indent="0">
+            <a:lvl8pPr marL="6400800" indent="0">
               <a:buNone/>
               <a:defRPr sz="2000"/>
             </a:lvl8pPr>
-            <a:lvl9pPr marL="3657600" indent="0">
+            <a:lvl9pPr marL="7315200" indent="0">
               <a:buNone/>
               <a:defRPr sz="2000"/>
-            </a:lvl9pPr>
-          </a:lstStyle>
-          <a:p>
-            <a:endParaRPr lang="en-US"/>
-          </a:p>
-        </p:txBody>
-      </p:sp>
-      <p:sp>
-        <p:nvSpPr>
-          <p:cNvPr id="4" name="Text Placeholder 3">
-            <a:extLst>
-              <a:ext uri="{FF2B5EF4-FFF2-40B4-BE49-F238E27FC236}">
-                <a16:creationId xmlns:a16="http://schemas.microsoft.com/office/drawing/2014/main" id="{4DAA3004-ED18-2A57-BF04-FDA96ACFFE98}"/>
-              </a:ext>
-            </a:extLst>
-          </p:cNvPr>
-          <p:cNvSpPr>
-            <a:spLocks noGrp="1"/>
-          </p:cNvSpPr>
-          <p:nvPr>
-            <p:ph type="body" sz="half" idx="2"/>
-          </p:nvPr>
-        </p:nvSpPr>
-        <p:spPr>
-          <a:xfrm>
-            <a:off x="839788" y="2057400"/>
-            <a:ext cx="3932237" cy="3811588"/>
-          </a:xfrm>
-        </p:spPr>
-        <p:txBody>
-          <a:bodyPr/>
-          <a:lstStyle>
-            <a:lvl1pPr marL="0" indent="0">
-              <a:buNone/>
-              <a:defRPr sz="1600"/>
-            </a:lvl1pPr>
-            <a:lvl2pPr marL="457200" indent="0">
-              <a:buNone/>
-              <a:defRPr sz="1400"/>
-            </a:lvl2pPr>
-            <a:lvl3pPr marL="914400" indent="0">
-              <a:buNone/>
-              <a:defRPr sz="1200"/>
-            </a:lvl3pPr>
-            <a:lvl4pPr marL="1371600" indent="0">
-              <a:buNone/>
-              <a:defRPr sz="1000"/>
-            </a:lvl4pPr>
-            <a:lvl5pPr marL="1828800" indent="0">
-              <a:buNone/>
-              <a:defRPr sz="1000"/>
-            </a:lvl5pPr>
-            <a:lvl6pPr marL="2286000" indent="0">
-              <a:buNone/>
-              <a:defRPr sz="1000"/>
-            </a:lvl6pPr>
-            <a:lvl7pPr marL="2743200" indent="0">
-              <a:buNone/>
-              <a:defRPr sz="1000"/>
-            </a:lvl7pPr>
-            <a:lvl8pPr marL="3200400" indent="0">
-              <a:buNone/>
-              <a:defRPr sz="1000"/>
-            </a:lvl8pPr>
-            <a:lvl9pPr marL="3657600" indent="0">
-              <a:buNone/>
-              <a:defRPr sz="1000"/>
             </a:lvl9pPr>
           </a:lstStyle>
           <a:p>
@@ -3169,13 +3057,7 @@
       </p:sp>
       <p:sp>
         <p:nvSpPr>
-          <p:cNvPr id="5" name="Date Placeholder 4">
-            <a:extLst>
-              <a:ext uri="{FF2B5EF4-FFF2-40B4-BE49-F238E27FC236}">
-                <a16:creationId xmlns:a16="http://schemas.microsoft.com/office/drawing/2014/main" id="{EF9C6773-B2D0-DC3A-635E-93BF49102D7E}"/>
-              </a:ext>
-            </a:extLst>
-          </p:cNvPr>
+          <p:cNvPr id="5" name="Date Placeholder 4"/>
           <p:cNvSpPr>
             <a:spLocks noGrp="1"/>
           </p:cNvSpPr>
@@ -3190,7 +3072,7 @@
           <a:p>
             <a:fld id="{54E435BD-4569-4C00-96FD-DE6EEAA430DA}" type="datetimeFigureOut">
               <a:rPr lang="en-US" smtClean="0"/>
-              <a:t>5/23/2023</a:t>
+              <a:t>5/31/2023</a:t>
             </a:fld>
             <a:endParaRPr lang="en-US"/>
           </a:p>
@@ -3198,13 +3080,7 @@
       </p:sp>
       <p:sp>
         <p:nvSpPr>
-          <p:cNvPr id="6" name="Footer Placeholder 5">
-            <a:extLst>
-              <a:ext uri="{FF2B5EF4-FFF2-40B4-BE49-F238E27FC236}">
-                <a16:creationId xmlns:a16="http://schemas.microsoft.com/office/drawing/2014/main" id="{6B907865-CDEA-F48E-FA90-62D61972452A}"/>
-              </a:ext>
-            </a:extLst>
-          </p:cNvPr>
+          <p:cNvPr id="6" name="Footer Placeholder 5"/>
           <p:cNvSpPr>
             <a:spLocks noGrp="1"/>
           </p:cNvSpPr>
@@ -3223,13 +3099,7 @@
       </p:sp>
       <p:sp>
         <p:nvSpPr>
-          <p:cNvPr id="7" name="Slide Number Placeholder 6">
-            <a:extLst>
-              <a:ext uri="{FF2B5EF4-FFF2-40B4-BE49-F238E27FC236}">
-                <a16:creationId xmlns:a16="http://schemas.microsoft.com/office/drawing/2014/main" id="{175E9B5E-8DF9-96F1-45EE-6752A42635E3}"/>
-              </a:ext>
-            </a:extLst>
-          </p:cNvPr>
+          <p:cNvPr id="7" name="Slide Number Placeholder 6"/>
           <p:cNvSpPr>
             <a:spLocks noGrp="1"/>
           </p:cNvSpPr>
@@ -3253,7 +3123,7 @@
     </p:spTree>
     <p:extLst>
       <p:ext uri="{BB962C8B-B14F-4D97-AF65-F5344CB8AC3E}">
-        <p14:creationId xmlns:p14="http://schemas.microsoft.com/office/powerpoint/2010/main" val="921927632"/>
+        <p14:creationId xmlns:p14="http://schemas.microsoft.com/office/powerpoint/2010/main" val="3890805467"/>
       </p:ext>
     </p:extLst>
   </p:cSld>
@@ -3287,13 +3157,7 @@
       </p:grpSpPr>
       <p:sp>
         <p:nvSpPr>
-          <p:cNvPr id="2" name="Title Placeholder 1">
-            <a:extLst>
-              <a:ext uri="{FF2B5EF4-FFF2-40B4-BE49-F238E27FC236}">
-                <a16:creationId xmlns:a16="http://schemas.microsoft.com/office/drawing/2014/main" id="{B1410E40-BDCE-A0FB-5FE0-8EC65A3DB883}"/>
-              </a:ext>
-            </a:extLst>
-          </p:cNvPr>
+          <p:cNvPr id="2" name="Title Placeholder 1"/>
           <p:cNvSpPr>
             <a:spLocks noGrp="1"/>
           </p:cNvSpPr>
@@ -3303,8 +3167,8 @@
         </p:nvSpPr>
         <p:spPr>
           <a:xfrm>
-            <a:off x="838200" y="365125"/>
-            <a:ext cx="10515600" cy="1325563"/>
+            <a:off x="1257300" y="973671"/>
+            <a:ext cx="15773400" cy="3534835"/>
           </a:xfrm>
           <a:prstGeom prst="rect">
             <a:avLst/>
@@ -3320,18 +3184,13 @@
               <a:rPr lang="en-US"/>
               <a:t>Click to edit Master title style</a:t>
             </a:r>
+            <a:endParaRPr lang="en-US" dirty="0"/>
           </a:p>
         </p:txBody>
       </p:sp>
       <p:sp>
         <p:nvSpPr>
-          <p:cNvPr id="3" name="Text Placeholder 2">
-            <a:extLst>
-              <a:ext uri="{FF2B5EF4-FFF2-40B4-BE49-F238E27FC236}">
-                <a16:creationId xmlns:a16="http://schemas.microsoft.com/office/drawing/2014/main" id="{B467740E-FE03-ACAB-3606-67C18EA2DA0B}"/>
-              </a:ext>
-            </a:extLst>
-          </p:cNvPr>
+          <p:cNvPr id="3" name="Text Placeholder 2"/>
           <p:cNvSpPr>
             <a:spLocks noGrp="1"/>
           </p:cNvSpPr>
@@ -3341,8 +3200,8 @@
         </p:nvSpPr>
         <p:spPr>
           <a:xfrm>
-            <a:off x="838200" y="1825625"/>
-            <a:ext cx="10515600" cy="4351338"/>
+            <a:off x="1257300" y="4868333"/>
+            <a:ext cx="15773400" cy="11603568"/>
           </a:xfrm>
           <a:prstGeom prst="rect">
             <a:avLst/>
@@ -3387,18 +3246,13 @@
               <a:rPr lang="en-US"/>
               <a:t>Fifth level</a:t>
             </a:r>
+            <a:endParaRPr lang="en-US" dirty="0"/>
           </a:p>
         </p:txBody>
       </p:sp>
       <p:sp>
         <p:nvSpPr>
-          <p:cNvPr id="4" name="Date Placeholder 3">
-            <a:extLst>
-              <a:ext uri="{FF2B5EF4-FFF2-40B4-BE49-F238E27FC236}">
-                <a16:creationId xmlns:a16="http://schemas.microsoft.com/office/drawing/2014/main" id="{3A31E5B7-1691-70E6-2D26-0570AEA7C28D}"/>
-              </a:ext>
-            </a:extLst>
-          </p:cNvPr>
+          <p:cNvPr id="4" name="Date Placeholder 3"/>
           <p:cNvSpPr>
             <a:spLocks noGrp="1"/>
           </p:cNvSpPr>
@@ -3408,8 +3262,8 @@
         </p:nvSpPr>
         <p:spPr>
           <a:xfrm>
-            <a:off x="838200" y="6356350"/>
-            <a:ext cx="2743200" cy="365125"/>
+            <a:off x="1257300" y="16950271"/>
+            <a:ext cx="4114800" cy="973667"/>
           </a:xfrm>
           <a:prstGeom prst="rect">
             <a:avLst/>
@@ -3419,7 +3273,7 @@
           <a:bodyPr vert="horz" lIns="91440" tIns="45720" rIns="91440" bIns="45720" rtlCol="0" anchor="ctr"/>
           <a:lstStyle>
             <a:lvl1pPr algn="l">
-              <a:defRPr sz="1200">
+              <a:defRPr sz="2400">
                 <a:solidFill>
                   <a:schemeClr val="tx1">
                     <a:tint val="75000"/>
@@ -3431,7 +3285,7 @@
           <a:p>
             <a:fld id="{54E435BD-4569-4C00-96FD-DE6EEAA430DA}" type="datetimeFigureOut">
               <a:rPr lang="en-US" smtClean="0"/>
-              <a:t>5/23/2023</a:t>
+              <a:t>5/31/2023</a:t>
             </a:fld>
             <a:endParaRPr lang="en-US"/>
           </a:p>
@@ -3439,13 +3293,7 @@
       </p:sp>
       <p:sp>
         <p:nvSpPr>
-          <p:cNvPr id="5" name="Footer Placeholder 4">
-            <a:extLst>
-              <a:ext uri="{FF2B5EF4-FFF2-40B4-BE49-F238E27FC236}">
-                <a16:creationId xmlns:a16="http://schemas.microsoft.com/office/drawing/2014/main" id="{980DCBDD-8A11-3C2B-DD18-C4CB90C7D0D1}"/>
-              </a:ext>
-            </a:extLst>
-          </p:cNvPr>
+          <p:cNvPr id="5" name="Footer Placeholder 4"/>
           <p:cNvSpPr>
             <a:spLocks noGrp="1"/>
           </p:cNvSpPr>
@@ -3455,8 +3303,8 @@
         </p:nvSpPr>
         <p:spPr>
           <a:xfrm>
-            <a:off x="4038600" y="6356350"/>
-            <a:ext cx="4114800" cy="365125"/>
+            <a:off x="6057900" y="16950271"/>
+            <a:ext cx="6172200" cy="973667"/>
           </a:xfrm>
           <a:prstGeom prst="rect">
             <a:avLst/>
@@ -3466,7 +3314,7 @@
           <a:bodyPr vert="horz" lIns="91440" tIns="45720" rIns="91440" bIns="45720" rtlCol="0" anchor="ctr"/>
           <a:lstStyle>
             <a:lvl1pPr algn="ctr">
-              <a:defRPr sz="1200">
+              <a:defRPr sz="2400">
                 <a:solidFill>
                   <a:schemeClr val="tx1">
                     <a:tint val="75000"/>
@@ -3482,13 +3330,7 @@
       </p:sp>
       <p:sp>
         <p:nvSpPr>
-          <p:cNvPr id="6" name="Slide Number Placeholder 5">
-            <a:extLst>
-              <a:ext uri="{FF2B5EF4-FFF2-40B4-BE49-F238E27FC236}">
-                <a16:creationId xmlns:a16="http://schemas.microsoft.com/office/drawing/2014/main" id="{67EC7B57-02CD-5967-4BC8-19BBEB27828C}"/>
-              </a:ext>
-            </a:extLst>
-          </p:cNvPr>
+          <p:cNvPr id="6" name="Slide Number Placeholder 5"/>
           <p:cNvSpPr>
             <a:spLocks noGrp="1"/>
           </p:cNvSpPr>
@@ -3498,8 +3340,8 @@
         </p:nvSpPr>
         <p:spPr>
           <a:xfrm>
-            <a:off x="8610600" y="6356350"/>
-            <a:ext cx="2743200" cy="365125"/>
+            <a:off x="12915900" y="16950271"/>
+            <a:ext cx="4114800" cy="973667"/>
           </a:xfrm>
           <a:prstGeom prst="rect">
             <a:avLst/>
@@ -3509,7 +3351,7 @@
           <a:bodyPr vert="horz" lIns="91440" tIns="45720" rIns="91440" bIns="45720" rtlCol="0" anchor="ctr"/>
           <a:lstStyle>
             <a:lvl1pPr algn="r">
-              <a:defRPr sz="1200">
+              <a:defRPr sz="2400">
                 <a:solidFill>
                   <a:schemeClr val="tx1">
                     <a:tint val="75000"/>
@@ -3530,27 +3372,27 @@
     </p:spTree>
     <p:extLst>
       <p:ext uri="{BB962C8B-B14F-4D97-AF65-F5344CB8AC3E}">
-        <p14:creationId xmlns:p14="http://schemas.microsoft.com/office/powerpoint/2010/main" val="432448749"/>
+        <p14:creationId xmlns:p14="http://schemas.microsoft.com/office/powerpoint/2010/main" val="3406459073"/>
       </p:ext>
     </p:extLst>
   </p:cSld>
   <p:clrMap bg1="lt1" tx1="dk1" bg2="lt2" tx2="dk2" accent1="accent1" accent2="accent2" accent3="accent3" accent4="accent4" accent5="accent5" accent6="accent6" hlink="hlink" folHlink="folHlink"/>
   <p:sldLayoutIdLst>
-    <p:sldLayoutId id="2147483649" r:id="rId1"/>
-    <p:sldLayoutId id="2147483650" r:id="rId2"/>
-    <p:sldLayoutId id="2147483651" r:id="rId3"/>
-    <p:sldLayoutId id="2147483652" r:id="rId4"/>
-    <p:sldLayoutId id="2147483653" r:id="rId5"/>
-    <p:sldLayoutId id="2147483654" r:id="rId6"/>
-    <p:sldLayoutId id="2147483655" r:id="rId7"/>
-    <p:sldLayoutId id="2147483656" r:id="rId8"/>
-    <p:sldLayoutId id="2147483657" r:id="rId9"/>
-    <p:sldLayoutId id="2147483658" r:id="rId10"/>
-    <p:sldLayoutId id="2147483659" r:id="rId11"/>
+    <p:sldLayoutId id="2147483661" r:id="rId1"/>
+    <p:sldLayoutId id="2147483662" r:id="rId2"/>
+    <p:sldLayoutId id="2147483663" r:id="rId3"/>
+    <p:sldLayoutId id="2147483664" r:id="rId4"/>
+    <p:sldLayoutId id="2147483665" r:id="rId5"/>
+    <p:sldLayoutId id="2147483666" r:id="rId6"/>
+    <p:sldLayoutId id="2147483667" r:id="rId7"/>
+    <p:sldLayoutId id="2147483668" r:id="rId8"/>
+    <p:sldLayoutId id="2147483669" r:id="rId9"/>
+    <p:sldLayoutId id="2147483670" r:id="rId10"/>
+    <p:sldLayoutId id="2147483671" r:id="rId11"/>
   </p:sldLayoutIdLst>
   <p:txStyles>
     <p:titleStyle>
-      <a:lvl1pPr algn="l" defTabSz="914400" rtl="0" eaLnBrk="1" latinLnBrk="0" hangingPunct="1">
+      <a:lvl1pPr algn="l" defTabSz="1828800" rtl="0" eaLnBrk="1" latinLnBrk="0" hangingPunct="1">
         <a:lnSpc>
           <a:spcPct val="90000"/>
         </a:lnSpc>
@@ -3558,7 +3400,7 @@
           <a:spcPct val="0"/>
         </a:spcBef>
         <a:buNone/>
-        <a:defRPr sz="4400" kern="1200">
+        <a:defRPr sz="8800" kern="1200">
           <a:solidFill>
             <a:schemeClr val="tx1"/>
           </a:solidFill>
@@ -3569,7 +3411,25 @@
       </a:lvl1pPr>
     </p:titleStyle>
     <p:bodyStyle>
-      <a:lvl1pPr marL="228600" indent="-228600" algn="l" defTabSz="914400" rtl="0" eaLnBrk="1" latinLnBrk="0" hangingPunct="1">
+      <a:lvl1pPr marL="457200" indent="-457200" algn="l" defTabSz="1828800" rtl="0" eaLnBrk="1" latinLnBrk="0" hangingPunct="1">
+        <a:lnSpc>
+          <a:spcPct val="90000"/>
+        </a:lnSpc>
+        <a:spcBef>
+          <a:spcPts val="2000"/>
+        </a:spcBef>
+        <a:buFont typeface="Arial" panose="020B0604020202020204" pitchFamily="34" charset="0"/>
+        <a:buChar char="•"/>
+        <a:defRPr sz="5600" kern="1200">
+          <a:solidFill>
+            <a:schemeClr val="tx1"/>
+          </a:solidFill>
+          <a:latin typeface="+mn-lt"/>
+          <a:ea typeface="+mn-ea"/>
+          <a:cs typeface="+mn-cs"/>
+        </a:defRPr>
+      </a:lvl1pPr>
+      <a:lvl2pPr marL="1371600" indent="-457200" algn="l" defTabSz="1828800" rtl="0" eaLnBrk="1" latinLnBrk="0" hangingPunct="1">
         <a:lnSpc>
           <a:spcPct val="90000"/>
         </a:lnSpc>
@@ -3578,25 +3438,7 @@
         </a:spcBef>
         <a:buFont typeface="Arial" panose="020B0604020202020204" pitchFamily="34" charset="0"/>
         <a:buChar char="•"/>
-        <a:defRPr sz="2800" kern="1200">
-          <a:solidFill>
-            <a:schemeClr val="tx1"/>
-          </a:solidFill>
-          <a:latin typeface="+mn-lt"/>
-          <a:ea typeface="+mn-ea"/>
-          <a:cs typeface="+mn-cs"/>
-        </a:defRPr>
-      </a:lvl1pPr>
-      <a:lvl2pPr marL="685800" indent="-228600" algn="l" defTabSz="914400" rtl="0" eaLnBrk="1" latinLnBrk="0" hangingPunct="1">
-        <a:lnSpc>
-          <a:spcPct val="90000"/>
-        </a:lnSpc>
-        <a:spcBef>
-          <a:spcPts val="500"/>
-        </a:spcBef>
-        <a:buFont typeface="Arial" panose="020B0604020202020204" pitchFamily="34" charset="0"/>
-        <a:buChar char="•"/>
-        <a:defRPr sz="2400" kern="1200">
+        <a:defRPr sz="4800" kern="1200">
           <a:solidFill>
             <a:schemeClr val="tx1"/>
           </a:solidFill>
@@ -3605,16 +3447,16 @@
           <a:cs typeface="+mn-cs"/>
         </a:defRPr>
       </a:lvl2pPr>
-      <a:lvl3pPr marL="1143000" indent="-228600" algn="l" defTabSz="914400" rtl="0" eaLnBrk="1" latinLnBrk="0" hangingPunct="1">
+      <a:lvl3pPr marL="2286000" indent="-457200" algn="l" defTabSz="1828800" rtl="0" eaLnBrk="1" latinLnBrk="0" hangingPunct="1">
         <a:lnSpc>
           <a:spcPct val="90000"/>
         </a:lnSpc>
         <a:spcBef>
-          <a:spcPts val="500"/>
+          <a:spcPts val="1000"/>
         </a:spcBef>
         <a:buFont typeface="Arial" panose="020B0604020202020204" pitchFamily="34" charset="0"/>
         <a:buChar char="•"/>
-        <a:defRPr sz="2000" kern="1200">
+        <a:defRPr sz="4000" kern="1200">
           <a:solidFill>
             <a:schemeClr val="tx1"/>
           </a:solidFill>
@@ -3623,16 +3465,16 @@
           <a:cs typeface="+mn-cs"/>
         </a:defRPr>
       </a:lvl3pPr>
-      <a:lvl4pPr marL="1600200" indent="-228600" algn="l" defTabSz="914400" rtl="0" eaLnBrk="1" latinLnBrk="0" hangingPunct="1">
+      <a:lvl4pPr marL="3200400" indent="-457200" algn="l" defTabSz="1828800" rtl="0" eaLnBrk="1" latinLnBrk="0" hangingPunct="1">
         <a:lnSpc>
           <a:spcPct val="90000"/>
         </a:lnSpc>
         <a:spcBef>
-          <a:spcPts val="500"/>
+          <a:spcPts val="1000"/>
         </a:spcBef>
         <a:buFont typeface="Arial" panose="020B0604020202020204" pitchFamily="34" charset="0"/>
         <a:buChar char="•"/>
-        <a:defRPr sz="1800" kern="1200">
+        <a:defRPr sz="3600" kern="1200">
           <a:solidFill>
             <a:schemeClr val="tx1"/>
           </a:solidFill>
@@ -3641,16 +3483,16 @@
           <a:cs typeface="+mn-cs"/>
         </a:defRPr>
       </a:lvl4pPr>
-      <a:lvl5pPr marL="2057400" indent="-228600" algn="l" defTabSz="914400" rtl="0" eaLnBrk="1" latinLnBrk="0" hangingPunct="1">
+      <a:lvl5pPr marL="4114800" indent="-457200" algn="l" defTabSz="1828800" rtl="0" eaLnBrk="1" latinLnBrk="0" hangingPunct="1">
         <a:lnSpc>
           <a:spcPct val="90000"/>
         </a:lnSpc>
         <a:spcBef>
-          <a:spcPts val="500"/>
+          <a:spcPts val="1000"/>
         </a:spcBef>
         <a:buFont typeface="Arial" panose="020B0604020202020204" pitchFamily="34" charset="0"/>
         <a:buChar char="•"/>
-        <a:defRPr sz="1800" kern="1200">
+        <a:defRPr sz="3600" kern="1200">
           <a:solidFill>
             <a:schemeClr val="tx1"/>
           </a:solidFill>
@@ -3659,16 +3501,16 @@
           <a:cs typeface="+mn-cs"/>
         </a:defRPr>
       </a:lvl5pPr>
-      <a:lvl6pPr marL="2514600" indent="-228600" algn="l" defTabSz="914400" rtl="0" eaLnBrk="1" latinLnBrk="0" hangingPunct="1">
+      <a:lvl6pPr marL="5029200" indent="-457200" algn="l" defTabSz="1828800" rtl="0" eaLnBrk="1" latinLnBrk="0" hangingPunct="1">
         <a:lnSpc>
           <a:spcPct val="90000"/>
         </a:lnSpc>
         <a:spcBef>
-          <a:spcPts val="500"/>
+          <a:spcPts val="1000"/>
         </a:spcBef>
         <a:buFont typeface="Arial" panose="020B0604020202020204" pitchFamily="34" charset="0"/>
         <a:buChar char="•"/>
-        <a:defRPr sz="1800" kern="1200">
+        <a:defRPr sz="3600" kern="1200">
           <a:solidFill>
             <a:schemeClr val="tx1"/>
           </a:solidFill>
@@ -3677,16 +3519,16 @@
           <a:cs typeface="+mn-cs"/>
         </a:defRPr>
       </a:lvl6pPr>
-      <a:lvl7pPr marL="2971800" indent="-228600" algn="l" defTabSz="914400" rtl="0" eaLnBrk="1" latinLnBrk="0" hangingPunct="1">
+      <a:lvl7pPr marL="5943600" indent="-457200" algn="l" defTabSz="1828800" rtl="0" eaLnBrk="1" latinLnBrk="0" hangingPunct="1">
         <a:lnSpc>
           <a:spcPct val="90000"/>
         </a:lnSpc>
         <a:spcBef>
-          <a:spcPts val="500"/>
+          <a:spcPts val="1000"/>
         </a:spcBef>
         <a:buFont typeface="Arial" panose="020B0604020202020204" pitchFamily="34" charset="0"/>
         <a:buChar char="•"/>
-        <a:defRPr sz="1800" kern="1200">
+        <a:defRPr sz="3600" kern="1200">
           <a:solidFill>
             <a:schemeClr val="tx1"/>
           </a:solidFill>
@@ -3695,16 +3537,16 @@
           <a:cs typeface="+mn-cs"/>
         </a:defRPr>
       </a:lvl7pPr>
-      <a:lvl8pPr marL="3429000" indent="-228600" algn="l" defTabSz="914400" rtl="0" eaLnBrk="1" latinLnBrk="0" hangingPunct="1">
+      <a:lvl8pPr marL="6858000" indent="-457200" algn="l" defTabSz="1828800" rtl="0" eaLnBrk="1" latinLnBrk="0" hangingPunct="1">
         <a:lnSpc>
           <a:spcPct val="90000"/>
         </a:lnSpc>
         <a:spcBef>
-          <a:spcPts val="500"/>
+          <a:spcPts val="1000"/>
         </a:spcBef>
         <a:buFont typeface="Arial" panose="020B0604020202020204" pitchFamily="34" charset="0"/>
         <a:buChar char="•"/>
-        <a:defRPr sz="1800" kern="1200">
+        <a:defRPr sz="3600" kern="1200">
           <a:solidFill>
             <a:schemeClr val="tx1"/>
           </a:solidFill>
@@ -3713,16 +3555,16 @@
           <a:cs typeface="+mn-cs"/>
         </a:defRPr>
       </a:lvl8pPr>
-      <a:lvl9pPr marL="3886200" indent="-228600" algn="l" defTabSz="914400" rtl="0" eaLnBrk="1" latinLnBrk="0" hangingPunct="1">
+      <a:lvl9pPr marL="7772400" indent="-457200" algn="l" defTabSz="1828800" rtl="0" eaLnBrk="1" latinLnBrk="0" hangingPunct="1">
         <a:lnSpc>
           <a:spcPct val="90000"/>
         </a:lnSpc>
         <a:spcBef>
-          <a:spcPts val="500"/>
+          <a:spcPts val="1000"/>
         </a:spcBef>
         <a:buFont typeface="Arial" panose="020B0604020202020204" pitchFamily="34" charset="0"/>
         <a:buChar char="•"/>
-        <a:defRPr sz="1800" kern="1200">
+        <a:defRPr sz="3600" kern="1200">
           <a:solidFill>
             <a:schemeClr val="tx1"/>
           </a:solidFill>
@@ -3736,8 +3578,8 @@
       <a:defPPr>
         <a:defRPr lang="en-US"/>
       </a:defPPr>
-      <a:lvl1pPr marL="0" algn="l" defTabSz="914400" rtl="0" eaLnBrk="1" latinLnBrk="0" hangingPunct="1">
-        <a:defRPr sz="1800" kern="1200">
+      <a:lvl1pPr marL="0" algn="l" defTabSz="1828800" rtl="0" eaLnBrk="1" latinLnBrk="0" hangingPunct="1">
+        <a:defRPr sz="3600" kern="1200">
           <a:solidFill>
             <a:schemeClr val="tx1"/>
           </a:solidFill>
@@ -3746,8 +3588,8 @@
           <a:cs typeface="+mn-cs"/>
         </a:defRPr>
       </a:lvl1pPr>
-      <a:lvl2pPr marL="457200" algn="l" defTabSz="914400" rtl="0" eaLnBrk="1" latinLnBrk="0" hangingPunct="1">
-        <a:defRPr sz="1800" kern="1200">
+      <a:lvl2pPr marL="914400" algn="l" defTabSz="1828800" rtl="0" eaLnBrk="1" latinLnBrk="0" hangingPunct="1">
+        <a:defRPr sz="3600" kern="1200">
           <a:solidFill>
             <a:schemeClr val="tx1"/>
           </a:solidFill>
@@ -3756,8 +3598,8 @@
           <a:cs typeface="+mn-cs"/>
         </a:defRPr>
       </a:lvl2pPr>
-      <a:lvl3pPr marL="914400" algn="l" defTabSz="914400" rtl="0" eaLnBrk="1" latinLnBrk="0" hangingPunct="1">
-        <a:defRPr sz="1800" kern="1200">
+      <a:lvl3pPr marL="1828800" algn="l" defTabSz="1828800" rtl="0" eaLnBrk="1" latinLnBrk="0" hangingPunct="1">
+        <a:defRPr sz="3600" kern="1200">
           <a:solidFill>
             <a:schemeClr val="tx1"/>
           </a:solidFill>
@@ -3766,8 +3608,8 @@
           <a:cs typeface="+mn-cs"/>
         </a:defRPr>
       </a:lvl3pPr>
-      <a:lvl4pPr marL="1371600" algn="l" defTabSz="914400" rtl="0" eaLnBrk="1" latinLnBrk="0" hangingPunct="1">
-        <a:defRPr sz="1800" kern="1200">
+      <a:lvl4pPr marL="2743200" algn="l" defTabSz="1828800" rtl="0" eaLnBrk="1" latinLnBrk="0" hangingPunct="1">
+        <a:defRPr sz="3600" kern="1200">
           <a:solidFill>
             <a:schemeClr val="tx1"/>
           </a:solidFill>
@@ -3776,8 +3618,8 @@
           <a:cs typeface="+mn-cs"/>
         </a:defRPr>
       </a:lvl4pPr>
-      <a:lvl5pPr marL="1828800" algn="l" defTabSz="914400" rtl="0" eaLnBrk="1" latinLnBrk="0" hangingPunct="1">
-        <a:defRPr sz="1800" kern="1200">
+      <a:lvl5pPr marL="3657600" algn="l" defTabSz="1828800" rtl="0" eaLnBrk="1" latinLnBrk="0" hangingPunct="1">
+        <a:defRPr sz="3600" kern="1200">
           <a:solidFill>
             <a:schemeClr val="tx1"/>
           </a:solidFill>
@@ -3786,8 +3628,8 @@
           <a:cs typeface="+mn-cs"/>
         </a:defRPr>
       </a:lvl5pPr>
-      <a:lvl6pPr marL="2286000" algn="l" defTabSz="914400" rtl="0" eaLnBrk="1" latinLnBrk="0" hangingPunct="1">
-        <a:defRPr sz="1800" kern="1200">
+      <a:lvl6pPr marL="4572000" algn="l" defTabSz="1828800" rtl="0" eaLnBrk="1" latinLnBrk="0" hangingPunct="1">
+        <a:defRPr sz="3600" kern="1200">
           <a:solidFill>
             <a:schemeClr val="tx1"/>
           </a:solidFill>
@@ -3796,8 +3638,8 @@
           <a:cs typeface="+mn-cs"/>
         </a:defRPr>
       </a:lvl6pPr>
-      <a:lvl7pPr marL="2743200" algn="l" defTabSz="914400" rtl="0" eaLnBrk="1" latinLnBrk="0" hangingPunct="1">
-        <a:defRPr sz="1800" kern="1200">
+      <a:lvl7pPr marL="5486400" algn="l" defTabSz="1828800" rtl="0" eaLnBrk="1" latinLnBrk="0" hangingPunct="1">
+        <a:defRPr sz="3600" kern="1200">
           <a:solidFill>
             <a:schemeClr val="tx1"/>
           </a:solidFill>
@@ -3806,8 +3648,8 @@
           <a:cs typeface="+mn-cs"/>
         </a:defRPr>
       </a:lvl7pPr>
-      <a:lvl8pPr marL="3200400" algn="l" defTabSz="914400" rtl="0" eaLnBrk="1" latinLnBrk="0" hangingPunct="1">
-        <a:defRPr sz="1800" kern="1200">
+      <a:lvl8pPr marL="6400800" algn="l" defTabSz="1828800" rtl="0" eaLnBrk="1" latinLnBrk="0" hangingPunct="1">
+        <a:defRPr sz="3600" kern="1200">
           <a:solidFill>
             <a:schemeClr val="tx1"/>
           </a:solidFill>
@@ -3816,8 +3658,8 @@
           <a:cs typeface="+mn-cs"/>
         </a:defRPr>
       </a:lvl8pPr>
-      <a:lvl9pPr marL="3657600" algn="l" defTabSz="914400" rtl="0" eaLnBrk="1" latinLnBrk="0" hangingPunct="1">
-        <a:defRPr sz="1800" kern="1200">
+      <a:lvl9pPr marL="7315200" algn="l" defTabSz="1828800" rtl="0" eaLnBrk="1" latinLnBrk="0" hangingPunct="1">
+        <a:defRPr sz="3600" kern="1200">
           <a:solidFill>
             <a:schemeClr val="tx1"/>
           </a:solidFill>
@@ -3864,8 +3706,8 @@
         </p:nvCxnSpPr>
         <p:spPr>
           <a:xfrm>
-            <a:off x="4245289" y="1756998"/>
-            <a:ext cx="0" cy="750182"/>
+            <a:off x="6367934" y="6635997"/>
+            <a:ext cx="0" cy="1125273"/>
           </a:xfrm>
           <a:prstGeom prst="line">
             <a:avLst/>
@@ -3903,8 +3745,8 @@
         </p:nvCxnSpPr>
         <p:spPr>
           <a:xfrm>
-            <a:off x="4207189" y="2468198"/>
-            <a:ext cx="283055" cy="0"/>
+            <a:off x="6310784" y="7702797"/>
+            <a:ext cx="424583" cy="0"/>
           </a:xfrm>
           <a:prstGeom prst="line">
             <a:avLst/>
@@ -3942,8 +3784,8 @@
         </p:nvCxnSpPr>
         <p:spPr>
           <a:xfrm>
-            <a:off x="4840843" y="2471373"/>
-            <a:ext cx="283055" cy="0"/>
+            <a:off x="7261265" y="7707560"/>
+            <a:ext cx="424583" cy="0"/>
           </a:xfrm>
           <a:prstGeom prst="line">
             <a:avLst/>
@@ -3981,8 +3823,8 @@
         </p:nvCxnSpPr>
         <p:spPr>
           <a:xfrm>
-            <a:off x="4515644" y="2431175"/>
-            <a:ext cx="0" cy="237007"/>
+            <a:off x="6773466" y="7647263"/>
+            <a:ext cx="0" cy="355511"/>
           </a:xfrm>
           <a:prstGeom prst="line">
             <a:avLst/>
@@ -4020,8 +3862,8 @@
         </p:nvCxnSpPr>
         <p:spPr>
           <a:xfrm>
-            <a:off x="4877031" y="2442798"/>
-            <a:ext cx="0" cy="237007"/>
+            <a:off x="7315547" y="7664698"/>
+            <a:ext cx="0" cy="355511"/>
           </a:xfrm>
           <a:prstGeom prst="line">
             <a:avLst/>
@@ -4059,8 +3901,8 @@
         </p:nvCxnSpPr>
         <p:spPr>
           <a:xfrm>
-            <a:off x="5086664" y="1756998"/>
-            <a:ext cx="0" cy="750182"/>
+            <a:off x="7629996" y="6635997"/>
+            <a:ext cx="0" cy="1125273"/>
           </a:xfrm>
           <a:prstGeom prst="line">
             <a:avLst/>
@@ -4096,8 +3938,8 @@
         </p:nvSpPr>
         <p:spPr>
           <a:xfrm>
-            <a:off x="4737140" y="1085130"/>
-            <a:ext cx="2325140" cy="395365"/>
+            <a:off x="7105710" y="5628196"/>
+            <a:ext cx="3487710" cy="546945"/>
           </a:xfrm>
           <a:prstGeom prst="rect">
             <a:avLst/>
@@ -4111,7 +3953,7 @@
           <a:lstStyle/>
           <a:p>
             <a:r>
-              <a:rPr lang="en-US" sz="1969" dirty="0">
+              <a:rPr lang="en-US" sz="2954" dirty="0">
                 <a:latin typeface="Yu Gothic" panose="020B0400000000000000" pitchFamily="34" charset="-128"/>
                 <a:ea typeface="Yu Gothic" panose="020B0400000000000000" pitchFamily="34" charset="-128"/>
               </a:rPr>
@@ -4136,8 +3978,8 @@
         </p:nvCxnSpPr>
         <p:spPr>
           <a:xfrm>
-            <a:off x="5996806" y="1756998"/>
-            <a:ext cx="0" cy="750182"/>
+            <a:off x="8995209" y="6635997"/>
+            <a:ext cx="0" cy="1125273"/>
           </a:xfrm>
           <a:prstGeom prst="line">
             <a:avLst/>
@@ -4175,8 +4017,8 @@
         </p:nvCxnSpPr>
         <p:spPr>
           <a:xfrm>
-            <a:off x="5751039" y="2485751"/>
-            <a:ext cx="283055" cy="0"/>
+            <a:off x="8626559" y="7729127"/>
+            <a:ext cx="424583" cy="0"/>
           </a:xfrm>
           <a:prstGeom prst="line">
             <a:avLst/>
@@ -4214,8 +4056,8 @@
         </p:nvCxnSpPr>
         <p:spPr>
           <a:xfrm>
-            <a:off x="6392174" y="2480332"/>
-            <a:ext cx="283055" cy="0"/>
+            <a:off x="9588262" y="7720998"/>
+            <a:ext cx="424583" cy="0"/>
           </a:xfrm>
           <a:prstGeom prst="line">
             <a:avLst/>
@@ -4253,8 +4095,8 @@
         </p:nvCxnSpPr>
         <p:spPr>
           <a:xfrm>
-            <a:off x="5788610" y="2477821"/>
-            <a:ext cx="0" cy="227042"/>
+            <a:off x="8682915" y="7717232"/>
+            <a:ext cx="0" cy="340563"/>
           </a:xfrm>
           <a:prstGeom prst="line">
             <a:avLst/>
@@ -4292,8 +4134,8 @@
         </p:nvCxnSpPr>
         <p:spPr>
           <a:xfrm>
-            <a:off x="6637129" y="2457152"/>
-            <a:ext cx="0" cy="271761"/>
+            <a:off x="9955694" y="7686229"/>
+            <a:ext cx="0" cy="407642"/>
           </a:xfrm>
           <a:prstGeom prst="line">
             <a:avLst/>
@@ -4331,8 +4173,8 @@
         </p:nvCxnSpPr>
         <p:spPr>
           <a:xfrm>
-            <a:off x="6430275" y="1756998"/>
-            <a:ext cx="0" cy="750182"/>
+            <a:off x="9645413" y="6635997"/>
+            <a:ext cx="0" cy="1125273"/>
           </a:xfrm>
           <a:prstGeom prst="line">
             <a:avLst/>
@@ -4368,8 +4210,8 @@
         </p:nvSpPr>
         <p:spPr>
           <a:xfrm>
-            <a:off x="5272624" y="1886374"/>
-            <a:ext cx="627086" cy="395365"/>
+            <a:off x="7908936" y="6830062"/>
+            <a:ext cx="940629" cy="546945"/>
           </a:xfrm>
           <a:prstGeom prst="rect">
             <a:avLst/>
@@ -4383,7 +4225,7 @@
           <a:lstStyle/>
           <a:p>
             <a:r>
-              <a:rPr lang="en-US" sz="1969" dirty="0">
+              <a:rPr lang="en-US" sz="2954" dirty="0">
                 <a:latin typeface="Yu Gothic" panose="020B0400000000000000" pitchFamily="34" charset="-128"/>
                 <a:ea typeface="Yu Gothic" panose="020B0400000000000000" pitchFamily="34" charset="-128"/>
               </a:rPr>
@@ -4406,8 +4248,8 @@
         </p:nvSpPr>
         <p:spPr>
           <a:xfrm>
-            <a:off x="3988386" y="2875899"/>
-            <a:ext cx="1700031" cy="395365"/>
+            <a:off x="5982580" y="8314349"/>
+            <a:ext cx="2550047" cy="546945"/>
           </a:xfrm>
           <a:prstGeom prst="rect">
             <a:avLst/>
@@ -4421,7 +4263,7 @@
           <a:lstStyle/>
           <a:p>
             <a:r>
-              <a:rPr lang="en-US" sz="1969" dirty="0">
+              <a:rPr lang="en-US" sz="2954" dirty="0">
                 <a:latin typeface="Yu Gothic" panose="020B0400000000000000" pitchFamily="34" charset="-128"/>
                 <a:ea typeface="Yu Gothic" panose="020B0400000000000000" pitchFamily="34" charset="-128"/>
               </a:rPr>
@@ -4444,8 +4286,8 @@
         </p:nvSpPr>
         <p:spPr>
           <a:xfrm>
-            <a:off x="5703446" y="2896727"/>
-            <a:ext cx="1700031" cy="395365"/>
+            <a:off x="8555170" y="8345591"/>
+            <a:ext cx="2550047" cy="546945"/>
           </a:xfrm>
           <a:prstGeom prst="rect">
             <a:avLst/>
@@ -4459,7 +4301,7 @@
           <a:lstStyle/>
           <a:p>
             <a:r>
-              <a:rPr lang="en-US" sz="1969" dirty="0">
+              <a:rPr lang="en-US" sz="2954" dirty="0">
                 <a:latin typeface="Yu Gothic" panose="020B0400000000000000" pitchFamily="34" charset="-128"/>
                 <a:ea typeface="Yu Gothic" panose="020B0400000000000000" pitchFamily="34" charset="-128"/>
               </a:rPr>
@@ -4482,8 +4324,8 @@
         </p:nvSpPr>
         <p:spPr>
           <a:xfrm>
-            <a:off x="7831955" y="1000573"/>
-            <a:ext cx="2325140" cy="395365"/>
+            <a:off x="11747933" y="5501360"/>
+            <a:ext cx="3487710" cy="546945"/>
           </a:xfrm>
           <a:prstGeom prst="rect">
             <a:avLst/>
@@ -4497,7 +4339,7 @@
           <a:lstStyle/>
           <a:p>
             <a:r>
-              <a:rPr lang="en-US" sz="1969" dirty="0">
+              <a:rPr lang="en-US" sz="2954" dirty="0">
                 <a:latin typeface="Yu Gothic" panose="020B0400000000000000" pitchFamily="34" charset="-128"/>
                 <a:ea typeface="Yu Gothic" panose="020B0400000000000000" pitchFamily="34" charset="-128"/>
               </a:rPr>
@@ -4522,8 +4364,8 @@
         </p:nvCxnSpPr>
         <p:spPr>
           <a:xfrm>
-            <a:off x="7661007" y="1636426"/>
-            <a:ext cx="0" cy="191188"/>
+            <a:off x="11491511" y="6455139"/>
+            <a:ext cx="0" cy="286782"/>
           </a:xfrm>
           <a:prstGeom prst="line">
             <a:avLst/>
@@ -4561,8 +4403,8 @@
         </p:nvCxnSpPr>
         <p:spPr>
           <a:xfrm>
-            <a:off x="8138062" y="1644932"/>
-            <a:ext cx="0" cy="197562"/>
+            <a:off x="12207093" y="6467898"/>
+            <a:ext cx="0" cy="296343"/>
           </a:xfrm>
           <a:prstGeom prst="line">
             <a:avLst/>
@@ -4600,8 +4442,8 @@
         </p:nvCxnSpPr>
         <p:spPr>
           <a:xfrm>
-            <a:off x="7463704" y="1809154"/>
-            <a:ext cx="234232" cy="0"/>
+            <a:off x="11195556" y="6714231"/>
+            <a:ext cx="351348" cy="0"/>
           </a:xfrm>
           <a:prstGeom prst="line">
             <a:avLst/>
@@ -4639,8 +4481,8 @@
         </p:nvCxnSpPr>
         <p:spPr>
           <a:xfrm>
-            <a:off x="8099314" y="1809155"/>
-            <a:ext cx="234232" cy="0"/>
+            <a:off x="12148971" y="6714233"/>
+            <a:ext cx="351348" cy="0"/>
           </a:xfrm>
           <a:prstGeom prst="line">
             <a:avLst/>
@@ -4678,8 +4520,8 @@
         </p:nvCxnSpPr>
         <p:spPr>
           <a:xfrm>
-            <a:off x="7463704" y="1772608"/>
-            <a:ext cx="0" cy="246259"/>
+            <a:off x="11195556" y="6659413"/>
+            <a:ext cx="0" cy="369389"/>
           </a:xfrm>
           <a:prstGeom prst="line">
             <a:avLst/>
@@ -4717,8 +4559,8 @@
         </p:nvCxnSpPr>
         <p:spPr>
           <a:xfrm>
-            <a:off x="8333547" y="1771053"/>
-            <a:ext cx="0" cy="247814"/>
+            <a:off x="12500321" y="6657080"/>
+            <a:ext cx="0" cy="371721"/>
           </a:xfrm>
           <a:prstGeom prst="line">
             <a:avLst/>
@@ -4756,8 +4598,8 @@
         </p:nvCxnSpPr>
         <p:spPr>
           <a:xfrm>
-            <a:off x="7436431" y="1980761"/>
-            <a:ext cx="306768" cy="0"/>
+            <a:off x="11154647" y="6971642"/>
+            <a:ext cx="460152" cy="0"/>
           </a:xfrm>
           <a:prstGeom prst="line">
             <a:avLst/>
@@ -4795,8 +4637,8 @@
         </p:nvCxnSpPr>
         <p:spPr>
           <a:xfrm>
-            <a:off x="8036847" y="1980761"/>
-            <a:ext cx="311975" cy="0"/>
+            <a:off x="12055271" y="6971642"/>
+            <a:ext cx="467963" cy="0"/>
           </a:xfrm>
           <a:prstGeom prst="line">
             <a:avLst/>
@@ -4834,8 +4676,8 @@
         </p:nvCxnSpPr>
         <p:spPr>
           <a:xfrm>
-            <a:off x="8074949" y="2004576"/>
-            <a:ext cx="0" cy="197562"/>
+            <a:off x="12112424" y="7007364"/>
+            <a:ext cx="0" cy="296343"/>
           </a:xfrm>
           <a:prstGeom prst="line">
             <a:avLst/>
@@ -4873,8 +4715,8 @@
         </p:nvCxnSpPr>
         <p:spPr>
           <a:xfrm>
-            <a:off x="7705364" y="2004576"/>
-            <a:ext cx="0" cy="197562"/>
+            <a:off x="11558046" y="7007364"/>
+            <a:ext cx="0" cy="296343"/>
           </a:xfrm>
           <a:prstGeom prst="line">
             <a:avLst/>
@@ -4912,8 +4754,8 @@
         </p:nvCxnSpPr>
         <p:spPr>
           <a:xfrm>
-            <a:off x="9034952" y="1701972"/>
-            <a:ext cx="0" cy="199094"/>
+            <a:off x="13552428" y="6553458"/>
+            <a:ext cx="0" cy="298641"/>
           </a:xfrm>
           <a:prstGeom prst="line">
             <a:avLst/>
@@ -4951,8 +4793,8 @@
         </p:nvCxnSpPr>
         <p:spPr>
           <a:xfrm>
-            <a:off x="9643845" y="1698106"/>
-            <a:ext cx="0" cy="205732"/>
+            <a:off x="14465768" y="6547659"/>
+            <a:ext cx="0" cy="308598"/>
           </a:xfrm>
           <a:prstGeom prst="line">
             <a:avLst/>
@@ -4990,8 +4832,8 @@
         </p:nvCxnSpPr>
         <p:spPr>
           <a:xfrm>
-            <a:off x="8996756" y="1865675"/>
-            <a:ext cx="221021" cy="0"/>
+            <a:off x="13495135" y="6799013"/>
+            <a:ext cx="331532" cy="0"/>
           </a:xfrm>
           <a:prstGeom prst="line">
             <a:avLst/>
@@ -5029,8 +4871,8 @@
         </p:nvCxnSpPr>
         <p:spPr>
           <a:xfrm>
-            <a:off x="9455581" y="1868850"/>
-            <a:ext cx="221021" cy="0"/>
+            <a:off x="14183372" y="6803775"/>
+            <a:ext cx="331532" cy="0"/>
           </a:xfrm>
           <a:prstGeom prst="line">
             <a:avLst/>
@@ -5068,8 +4910,8 @@
         </p:nvCxnSpPr>
         <p:spPr>
           <a:xfrm>
-            <a:off x="9215352" y="1827614"/>
-            <a:ext cx="0" cy="256442"/>
+            <a:off x="13823028" y="6741921"/>
+            <a:ext cx="0" cy="384663"/>
           </a:xfrm>
           <a:prstGeom prst="line">
             <a:avLst/>
@@ -5107,8 +4949,8 @@
         </p:nvCxnSpPr>
         <p:spPr>
           <a:xfrm>
-            <a:off x="9493683" y="1830749"/>
-            <a:ext cx="0" cy="258062"/>
+            <a:off x="14240525" y="6746624"/>
+            <a:ext cx="0" cy="387093"/>
           </a:xfrm>
           <a:prstGeom prst="line">
             <a:avLst/>
@@ -5146,8 +4988,8 @@
         </p:nvCxnSpPr>
         <p:spPr>
           <a:xfrm>
-            <a:off x="8962535" y="2084056"/>
-            <a:ext cx="289464" cy="0"/>
+            <a:off x="13443803" y="7126584"/>
+            <a:ext cx="434196" cy="0"/>
           </a:xfrm>
           <a:prstGeom prst="line">
             <a:avLst/>
@@ -5185,8 +5027,8 @@
         </p:nvCxnSpPr>
         <p:spPr>
           <a:xfrm>
-            <a:off x="9454749" y="2088810"/>
-            <a:ext cx="294377" cy="0"/>
+            <a:off x="14182124" y="7133715"/>
+            <a:ext cx="441566" cy="0"/>
           </a:xfrm>
           <a:prstGeom prst="line">
             <a:avLst/>
@@ -5224,8 +5066,8 @@
         </p:nvCxnSpPr>
         <p:spPr>
           <a:xfrm>
-            <a:off x="9752301" y="2050830"/>
-            <a:ext cx="0" cy="205732"/>
+            <a:off x="14628452" y="7076745"/>
+            <a:ext cx="0" cy="308598"/>
           </a:xfrm>
           <a:prstGeom prst="line">
             <a:avLst/>
@@ -5263,8 +5105,8 @@
         </p:nvCxnSpPr>
         <p:spPr>
           <a:xfrm>
-            <a:off x="8998449" y="2062603"/>
-            <a:ext cx="0" cy="205732"/>
+            <a:off x="13497674" y="7094405"/>
+            <a:ext cx="0" cy="308598"/>
           </a:xfrm>
           <a:prstGeom prst="line">
             <a:avLst/>
@@ -5302,8 +5144,8 @@
         </p:nvCxnSpPr>
         <p:spPr>
           <a:xfrm>
-            <a:off x="7344885" y="2775206"/>
-            <a:ext cx="0" cy="192241"/>
+            <a:off x="11017328" y="8163310"/>
+            <a:ext cx="0" cy="288362"/>
           </a:xfrm>
           <a:prstGeom prst="line">
             <a:avLst/>
@@ -5341,8 +5183,8 @@
         </p:nvCxnSpPr>
         <p:spPr>
           <a:xfrm>
-            <a:off x="8483167" y="2748939"/>
-            <a:ext cx="0" cy="198649"/>
+            <a:off x="12724751" y="8123909"/>
+            <a:ext cx="0" cy="297974"/>
           </a:xfrm>
           <a:prstGeom prst="line">
             <a:avLst/>
@@ -5380,8 +5222,8 @@
         </p:nvCxnSpPr>
         <p:spPr>
           <a:xfrm>
-            <a:off x="7307045" y="2934228"/>
-            <a:ext cx="237250" cy="0"/>
+            <a:off x="10960568" y="8401842"/>
+            <a:ext cx="355875" cy="0"/>
           </a:xfrm>
           <a:prstGeom prst="line">
             <a:avLst/>
@@ -5419,8 +5261,8 @@
         </p:nvCxnSpPr>
         <p:spPr>
           <a:xfrm>
-            <a:off x="8280156" y="2913749"/>
-            <a:ext cx="237250" cy="0"/>
+            <a:off x="12420234" y="8371124"/>
+            <a:ext cx="355875" cy="0"/>
           </a:xfrm>
           <a:prstGeom prst="line">
             <a:avLst/>
@@ -5458,8 +5300,8 @@
         </p:nvCxnSpPr>
         <p:spPr>
           <a:xfrm>
-            <a:off x="7505769" y="2911368"/>
-            <a:ext cx="0" cy="210132"/>
+            <a:off x="11258654" y="8367552"/>
+            <a:ext cx="0" cy="315198"/>
           </a:xfrm>
           <a:prstGeom prst="line">
             <a:avLst/>
@@ -5497,8 +5339,8 @@
         </p:nvCxnSpPr>
         <p:spPr>
           <a:xfrm>
-            <a:off x="8319037" y="2877084"/>
-            <a:ext cx="0" cy="249178"/>
+            <a:off x="12478556" y="8316126"/>
+            <a:ext cx="0" cy="373767"/>
           </a:xfrm>
           <a:prstGeom prst="line">
             <a:avLst/>
@@ -5536,8 +5378,8 @@
         </p:nvCxnSpPr>
         <p:spPr>
           <a:xfrm>
-            <a:off x="7468292" y="3087490"/>
-            <a:ext cx="310720" cy="0"/>
+            <a:off x="11202438" y="8631735"/>
+            <a:ext cx="466080" cy="0"/>
           </a:xfrm>
           <a:prstGeom prst="line">
             <a:avLst/>
@@ -5575,8 +5417,8 @@
         </p:nvCxnSpPr>
         <p:spPr>
           <a:xfrm>
-            <a:off x="8038326" y="3089618"/>
-            <a:ext cx="315993" cy="0"/>
+            <a:off x="12057490" y="8634927"/>
+            <a:ext cx="473990" cy="0"/>
           </a:xfrm>
           <a:prstGeom prst="line">
             <a:avLst/>
@@ -5614,8 +5456,8 @@
         </p:nvCxnSpPr>
         <p:spPr>
           <a:xfrm>
-            <a:off x="8078533" y="3072750"/>
-            <a:ext cx="0" cy="198649"/>
+            <a:off x="12117800" y="8609626"/>
+            <a:ext cx="0" cy="297974"/>
           </a:xfrm>
           <a:prstGeom prst="line">
             <a:avLst/>
@@ -5653,8 +5495,8 @@
         </p:nvCxnSpPr>
         <p:spPr>
           <a:xfrm>
-            <a:off x="7740818" y="3076406"/>
-            <a:ext cx="0" cy="198649"/>
+            <a:off x="11611227" y="8615110"/>
+            <a:ext cx="0" cy="297974"/>
           </a:xfrm>
           <a:prstGeom prst="line">
             <a:avLst/>
@@ -5690,8 +5532,8 @@
         </p:nvGrpSpPr>
         <p:grpSpPr>
           <a:xfrm>
-            <a:off x="8762481" y="2778514"/>
-            <a:ext cx="1122731" cy="524204"/>
+            <a:off x="13143722" y="8168271"/>
+            <a:ext cx="1684097" cy="786306"/>
             <a:chOff x="9902941" y="2803914"/>
             <a:chExt cx="1122731" cy="524204"/>
           </a:xfrm>
@@ -6101,8 +5943,8 @@
         </p:nvSpPr>
         <p:spPr>
           <a:xfrm>
-            <a:off x="7463704" y="3376012"/>
-            <a:ext cx="2719289" cy="287130"/>
+            <a:off x="11195557" y="9064518"/>
+            <a:ext cx="4078934" cy="384592"/>
           </a:xfrm>
           <a:prstGeom prst="rect">
             <a:avLst/>
@@ -6116,7 +5958,7 @@
           <a:lstStyle/>
           <a:p>
             <a:r>
-              <a:rPr lang="en-US" sz="1266" dirty="0">
+              <a:rPr lang="en-US" sz="1899" dirty="0">
                 <a:latin typeface="Yu Gothic" panose="020B0400000000000000" pitchFamily="34" charset="-128"/>
                 <a:ea typeface="Yu Gothic" panose="020B0400000000000000" pitchFamily="34" charset="-128"/>
               </a:rPr>
@@ -6139,8 +5981,8 @@
         </p:nvSpPr>
         <p:spPr>
           <a:xfrm>
-            <a:off x="4314995" y="3361069"/>
-            <a:ext cx="2719289" cy="287130"/>
+            <a:off x="6472493" y="9042104"/>
+            <a:ext cx="4078934" cy="384592"/>
           </a:xfrm>
           <a:prstGeom prst="rect">
             <a:avLst/>
@@ -6154,7 +5996,7 @@
           <a:lstStyle/>
           <a:p>
             <a:r>
-              <a:rPr lang="en-US" sz="1266" dirty="0">
+              <a:rPr lang="en-US" sz="1899" dirty="0">
                 <a:latin typeface="Yu Gothic" panose="020B0400000000000000" pitchFamily="34" charset="-128"/>
                 <a:ea typeface="Yu Gothic" panose="020B0400000000000000" pitchFamily="34" charset="-128"/>
               </a:rPr>
@@ -6177,8 +6019,8 @@
         </p:nvSpPr>
         <p:spPr>
           <a:xfrm>
-            <a:off x="8418668" y="2309498"/>
-            <a:ext cx="627086" cy="395365"/>
+            <a:off x="12628002" y="7464748"/>
+            <a:ext cx="940629" cy="546945"/>
           </a:xfrm>
           <a:prstGeom prst="rect">
             <a:avLst/>
@@ -6192,7 +6034,7 @@
           <a:lstStyle/>
           <a:p>
             <a:r>
-              <a:rPr lang="en-US" sz="1969" dirty="0">
+              <a:rPr lang="en-US" sz="2954" dirty="0">
                 <a:latin typeface="Yu Gothic" panose="020B0400000000000000" pitchFamily="34" charset="-128"/>
                 <a:ea typeface="Yu Gothic" panose="020B0400000000000000" pitchFamily="34" charset="-128"/>
               </a:rPr>
@@ -6217,8 +6059,8 @@
         </p:nvCxnSpPr>
         <p:spPr>
           <a:xfrm>
-            <a:off x="2642994" y="1756998"/>
-            <a:ext cx="0" cy="870633"/>
+            <a:off x="3964491" y="6635998"/>
+            <a:ext cx="0" cy="1305950"/>
           </a:xfrm>
           <a:prstGeom prst="line">
             <a:avLst/>
@@ -6256,8 +6098,8 @@
         </p:nvCxnSpPr>
         <p:spPr>
           <a:xfrm>
-            <a:off x="3408169" y="1769902"/>
-            <a:ext cx="0" cy="857729"/>
+            <a:off x="5112254" y="6655354"/>
+            <a:ext cx="0" cy="1286594"/>
           </a:xfrm>
           <a:prstGeom prst="line">
             <a:avLst/>
@@ -6293,8 +6135,8 @@
         </p:nvSpPr>
         <p:spPr>
           <a:xfrm>
-            <a:off x="2263823" y="1126263"/>
-            <a:ext cx="1700031" cy="395365"/>
+            <a:off x="3395735" y="5689895"/>
+            <a:ext cx="2550047" cy="546945"/>
           </a:xfrm>
           <a:prstGeom prst="rect">
             <a:avLst/>
@@ -6308,7 +6150,7 @@
           <a:lstStyle/>
           <a:p>
             <a:r>
-              <a:rPr lang="en-US" sz="1969" dirty="0">
+              <a:rPr lang="en-US" sz="2954" dirty="0">
                 <a:latin typeface="Yu Gothic" panose="020B0400000000000000" pitchFamily="34" charset="-128"/>
                 <a:ea typeface="Yu Gothic" panose="020B0400000000000000" pitchFamily="34" charset="-128"/>
               </a:rPr>
@@ -6331,8 +6173,8 @@
         </p:nvSpPr>
         <p:spPr>
           <a:xfrm>
-            <a:off x="2177135" y="2627631"/>
-            <a:ext cx="1895749" cy="698396"/>
+            <a:off x="3265703" y="7941947"/>
+            <a:ext cx="2843624" cy="1001556"/>
           </a:xfrm>
           <a:prstGeom prst="rect">
             <a:avLst/>
@@ -6346,7 +6188,7 @@
           <a:lstStyle/>
           <a:p>
             <a:r>
-              <a:rPr lang="en-US" sz="1969" dirty="0">
+              <a:rPr lang="en-US" sz="2954" dirty="0">
                 <a:latin typeface="Yu Gothic" panose="020B0400000000000000" pitchFamily="34" charset="-128"/>
                 <a:ea typeface="Yu Gothic" panose="020B0400000000000000" pitchFamily="34" charset="-128"/>
               </a:rPr>
@@ -6355,7 +6197,7 @@
           </a:p>
           <a:p>
             <a:r>
-              <a:rPr lang="en-US" sz="1969" dirty="0">
+              <a:rPr lang="en-US" sz="2954" dirty="0">
                 <a:latin typeface="Yu Gothic" panose="020B0400000000000000" pitchFamily="34" charset="-128"/>
                 <a:ea typeface="Yu Gothic" panose="020B0400000000000000" pitchFamily="34" charset="-128"/>
               </a:rPr>
@@ -6378,8 +6220,8 @@
         </p:nvSpPr>
         <p:spPr>
           <a:xfrm>
-            <a:off x="2263823" y="3407235"/>
-            <a:ext cx="1607137" cy="481927"/>
+            <a:off x="3395735" y="9111353"/>
+            <a:ext cx="2410706" cy="676852"/>
           </a:xfrm>
           <a:prstGeom prst="rect">
             <a:avLst/>
@@ -6394,7 +6236,7 @@
           <a:p>
             <a:pPr algn="ctr"/>
             <a:r>
-              <a:rPr lang="en-US" sz="1266" dirty="0">
+              <a:rPr lang="en-US" sz="1899" dirty="0">
                 <a:latin typeface="Yu Gothic" panose="020B0400000000000000" pitchFamily="34" charset="-128"/>
                 <a:ea typeface="Yu Gothic" panose="020B0400000000000000" pitchFamily="34" charset="-128"/>
               </a:rPr>
@@ -6404,7 +6246,7 @@
           <a:p>
             <a:pPr algn="ctr"/>
             <a:r>
-              <a:rPr lang="en-US" sz="1266" dirty="0">
+              <a:rPr lang="en-US" sz="1899" dirty="0">
                 <a:latin typeface="Yu Gothic" panose="020B0400000000000000" pitchFamily="34" charset="-128"/>
                 <a:ea typeface="Yu Gothic" panose="020B0400000000000000" pitchFamily="34" charset="-128"/>
               </a:rPr>
@@ -6427,8 +6269,8 @@
         </p:nvSpPr>
         <p:spPr>
           <a:xfrm>
-            <a:off x="3674843" y="1886374"/>
-            <a:ext cx="627086" cy="395365"/>
+            <a:off x="5512265" y="6830062"/>
+            <a:ext cx="940629" cy="546945"/>
           </a:xfrm>
           <a:prstGeom prst="rect">
             <a:avLst/>
@@ -6442,7 +6284,7 @@
           <a:lstStyle/>
           <a:p>
             <a:r>
-              <a:rPr lang="en-US" sz="1969" dirty="0">
+              <a:rPr lang="en-US" sz="2954" dirty="0">
                 <a:latin typeface="Yu Gothic" panose="020B0400000000000000" pitchFamily="34" charset="-128"/>
                 <a:ea typeface="Yu Gothic" panose="020B0400000000000000" pitchFamily="34" charset="-128"/>
               </a:rPr>
@@ -6495,10 +6337,10 @@
         </p:nvGrpSpPr>
         <p:grpSpPr>
           <a:xfrm>
-            <a:off x="514161" y="667092"/>
-            <a:ext cx="10687239" cy="4368502"/>
-            <a:chOff x="514161" y="667092"/>
-            <a:chExt cx="10687239" cy="4368502"/>
+            <a:off x="794324" y="5001139"/>
+            <a:ext cx="16007777" cy="6506588"/>
+            <a:chOff x="529549" y="667092"/>
+            <a:chExt cx="10671851" cy="4337725"/>
           </a:xfrm>
         </p:grpSpPr>
         <p:sp>
@@ -6523,18 +6365,18 @@
             </a:prstGeom>
           </p:spPr>
           <p:txBody>
-            <a:bodyPr vert="horz" wrap="square" lIns="0" tIns="9525" rIns="0" bIns="0" rtlCol="0">
+            <a:bodyPr vert="horz" wrap="square" lIns="0" tIns="14288" rIns="0" bIns="0" rtlCol="0">
               <a:spAutoFit/>
             </a:bodyPr>
             <a:lstStyle/>
             <a:p>
-              <a:pPr marL="9525">
+              <a:pPr marL="14288">
                 <a:spcBef>
-                  <a:spcPts val="75"/>
+                  <a:spcPts val="113"/>
                 </a:spcBef>
               </a:pPr>
               <a:r>
-                <a:rPr sz="2250" b="1" spc="-4" dirty="0">
+                <a:rPr sz="3375" b="1" spc="-6" dirty="0">
                   <a:latin typeface="Yu Gothic" panose="020B0400000000000000" pitchFamily="34" charset="-128"/>
                   <a:ea typeface="Yu Gothic" panose="020B0400000000000000" pitchFamily="34" charset="-128"/>
                   <a:cs typeface="Arial"/>
@@ -6542,7 +6384,7 @@
                 <a:t>Site </a:t>
               </a:r>
               <a:r>
-                <a:rPr sz="2250" b="1" spc="-15" dirty="0">
+                <a:rPr sz="3375" b="1" spc="-23" dirty="0">
                   <a:latin typeface="Yu Gothic" panose="020B0400000000000000" pitchFamily="34" charset="-128"/>
                   <a:ea typeface="Yu Gothic" panose="020B0400000000000000" pitchFamily="34" charset="-128"/>
                   <a:cs typeface="Arial"/>
@@ -6550,7 +6392,7 @@
                 <a:t>Frequency</a:t>
               </a:r>
               <a:r>
-                <a:rPr sz="2250" b="1" spc="-30" dirty="0">
+                <a:rPr sz="3375" b="1" spc="-45" dirty="0">
                   <a:latin typeface="Yu Gothic" panose="020B0400000000000000" pitchFamily="34" charset="-128"/>
                   <a:ea typeface="Yu Gothic" panose="020B0400000000000000" pitchFamily="34" charset="-128"/>
                   <a:cs typeface="Arial"/>
@@ -6558,14 +6400,14 @@
                 <a:t> </a:t>
               </a:r>
               <a:r>
-                <a:rPr sz="2250" b="1" spc="15" dirty="0">
+                <a:rPr sz="3375" b="1" spc="23" dirty="0">
                   <a:latin typeface="Yu Gothic" panose="020B0400000000000000" pitchFamily="34" charset="-128"/>
                   <a:ea typeface="Yu Gothic" panose="020B0400000000000000" pitchFamily="34" charset="-128"/>
                   <a:cs typeface="Arial"/>
                 </a:rPr>
                 <a:t>Spectra</a:t>
               </a:r>
-              <a:endParaRPr sz="2250" dirty="0">
+              <a:endParaRPr sz="3375" dirty="0">
                 <a:latin typeface="Yu Gothic" panose="020B0400000000000000" pitchFamily="34" charset="-128"/>
                 <a:ea typeface="Yu Gothic" panose="020B0400000000000000" pitchFamily="34" charset="-128"/>
                 <a:cs typeface="Arial"/>
@@ -6617,7 +6459,7 @@
             <a:bodyPr wrap="square" lIns="0" tIns="0" rIns="0" bIns="0" rtlCol="0"/>
             <a:lstStyle/>
             <a:p>
-              <a:endParaRPr sz="1350" dirty="0">
+              <a:endParaRPr sz="2025" dirty="0">
                 <a:latin typeface="Yu Gothic" panose="020B0400000000000000" pitchFamily="34" charset="-128"/>
                 <a:ea typeface="Yu Gothic" panose="020B0400000000000000" pitchFamily="34" charset="-128"/>
               </a:endParaRPr>
@@ -6668,7 +6510,7 @@
             <a:bodyPr wrap="square" lIns="0" tIns="0" rIns="0" bIns="0" rtlCol="0"/>
             <a:lstStyle/>
             <a:p>
-              <a:endParaRPr sz="1350" dirty="0">
+              <a:endParaRPr sz="2025" dirty="0">
                 <a:latin typeface="Yu Gothic" panose="020B0400000000000000" pitchFamily="34" charset="-128"/>
                 <a:ea typeface="Yu Gothic" panose="020B0400000000000000" pitchFamily="34" charset="-128"/>
               </a:endParaRPr>
@@ -6719,7 +6561,7 @@
             <a:bodyPr wrap="square" lIns="0" tIns="0" rIns="0" bIns="0" rtlCol="0"/>
             <a:lstStyle/>
             <a:p>
-              <a:endParaRPr sz="1350" dirty="0">
+              <a:endParaRPr sz="2025" dirty="0">
                 <a:latin typeface="Yu Gothic" panose="020B0400000000000000" pitchFamily="34" charset="-128"/>
                 <a:ea typeface="Yu Gothic" panose="020B0400000000000000" pitchFamily="34" charset="-128"/>
               </a:endParaRPr>
@@ -6770,7 +6612,7 @@
             <a:bodyPr wrap="square" lIns="0" tIns="0" rIns="0" bIns="0" rtlCol="0"/>
             <a:lstStyle/>
             <a:p>
-              <a:endParaRPr sz="1350" dirty="0">
+              <a:endParaRPr sz="2025" dirty="0">
                 <a:latin typeface="Yu Gothic" panose="020B0400000000000000" pitchFamily="34" charset="-128"/>
                 <a:ea typeface="Yu Gothic" panose="020B0400000000000000" pitchFamily="34" charset="-128"/>
               </a:endParaRPr>
@@ -6821,7 +6663,7 @@
             <a:bodyPr wrap="square" lIns="0" tIns="0" rIns="0" bIns="0" rtlCol="0"/>
             <a:lstStyle/>
             <a:p>
-              <a:endParaRPr sz="1350" dirty="0">
+              <a:endParaRPr sz="2025" dirty="0">
                 <a:latin typeface="Yu Gothic" panose="020B0400000000000000" pitchFamily="34" charset="-128"/>
                 <a:ea typeface="Yu Gothic" panose="020B0400000000000000" pitchFamily="34" charset="-128"/>
               </a:endParaRPr>
@@ -6872,7 +6714,7 @@
             <a:bodyPr wrap="square" lIns="0" tIns="0" rIns="0" bIns="0" rtlCol="0"/>
             <a:lstStyle/>
             <a:p>
-              <a:endParaRPr sz="1350" dirty="0">
+              <a:endParaRPr sz="2025" dirty="0">
                 <a:latin typeface="Yu Gothic" panose="020B0400000000000000" pitchFamily="34" charset="-128"/>
                 <a:ea typeface="Yu Gothic" panose="020B0400000000000000" pitchFamily="34" charset="-128"/>
               </a:endParaRPr>
@@ -6923,7 +6765,7 @@
             <a:bodyPr wrap="square" lIns="0" tIns="0" rIns="0" bIns="0" rtlCol="0"/>
             <a:lstStyle/>
             <a:p>
-              <a:endParaRPr sz="1350" dirty="0">
+              <a:endParaRPr sz="2025" dirty="0">
                 <a:latin typeface="Yu Gothic" panose="020B0400000000000000" pitchFamily="34" charset="-128"/>
                 <a:ea typeface="Yu Gothic" panose="020B0400000000000000" pitchFamily="34" charset="-128"/>
               </a:endParaRPr>
@@ -6974,7 +6816,7 @@
             <a:bodyPr wrap="square" lIns="0" tIns="0" rIns="0" bIns="0" rtlCol="0"/>
             <a:lstStyle/>
             <a:p>
-              <a:endParaRPr sz="1350" dirty="0">
+              <a:endParaRPr sz="2025" dirty="0">
                 <a:latin typeface="Yu Gothic" panose="020B0400000000000000" pitchFamily="34" charset="-128"/>
                 <a:ea typeface="Yu Gothic" panose="020B0400000000000000" pitchFamily="34" charset="-128"/>
               </a:endParaRPr>
@@ -7025,7 +6867,7 @@
             <a:bodyPr wrap="square" lIns="0" tIns="0" rIns="0" bIns="0" rtlCol="0"/>
             <a:lstStyle/>
             <a:p>
-              <a:endParaRPr sz="1350" dirty="0">
+              <a:endParaRPr sz="2025" dirty="0">
                 <a:latin typeface="Yu Gothic" panose="020B0400000000000000" pitchFamily="34" charset="-128"/>
                 <a:ea typeface="Yu Gothic" panose="020B0400000000000000" pitchFamily="34" charset="-128"/>
               </a:endParaRPr>
@@ -7076,7 +6918,7 @@
             <a:bodyPr wrap="square" lIns="0" tIns="0" rIns="0" bIns="0" rtlCol="0"/>
             <a:lstStyle/>
             <a:p>
-              <a:endParaRPr sz="1350" dirty="0">
+              <a:endParaRPr sz="2025" dirty="0">
                 <a:latin typeface="Yu Gothic" panose="020B0400000000000000" pitchFamily="34" charset="-128"/>
                 <a:ea typeface="Yu Gothic" panose="020B0400000000000000" pitchFamily="34" charset="-128"/>
               </a:endParaRPr>
@@ -7127,7 +6969,7 @@
             <a:bodyPr wrap="square" lIns="0" tIns="0" rIns="0" bIns="0" rtlCol="0"/>
             <a:lstStyle/>
             <a:p>
-              <a:endParaRPr sz="1350" dirty="0">
+              <a:endParaRPr sz="2025" dirty="0">
                 <a:latin typeface="Yu Gothic" panose="020B0400000000000000" pitchFamily="34" charset="-128"/>
                 <a:ea typeface="Yu Gothic" panose="020B0400000000000000" pitchFamily="34" charset="-128"/>
               </a:endParaRPr>
@@ -7178,7 +7020,7 @@
             <a:bodyPr wrap="square" lIns="0" tIns="0" rIns="0" bIns="0" rtlCol="0"/>
             <a:lstStyle/>
             <a:p>
-              <a:endParaRPr sz="1350" dirty="0">
+              <a:endParaRPr sz="2025" dirty="0">
                 <a:latin typeface="Yu Gothic" panose="020B0400000000000000" pitchFamily="34" charset="-128"/>
                 <a:ea typeface="Yu Gothic" panose="020B0400000000000000" pitchFamily="34" charset="-128"/>
               </a:endParaRPr>
@@ -7229,7 +7071,7 @@
             <a:bodyPr wrap="square" lIns="0" tIns="0" rIns="0" bIns="0" rtlCol="0"/>
             <a:lstStyle/>
             <a:p>
-              <a:endParaRPr sz="1350" dirty="0">
+              <a:endParaRPr sz="2025" dirty="0">
                 <a:latin typeface="Yu Gothic" panose="020B0400000000000000" pitchFamily="34" charset="-128"/>
                 <a:ea typeface="Yu Gothic" panose="020B0400000000000000" pitchFamily="34" charset="-128"/>
               </a:endParaRPr>
@@ -7280,7 +7122,7 @@
             <a:bodyPr wrap="square" lIns="0" tIns="0" rIns="0" bIns="0" rtlCol="0"/>
             <a:lstStyle/>
             <a:p>
-              <a:endParaRPr sz="1350" dirty="0">
+              <a:endParaRPr sz="2025" dirty="0">
                 <a:latin typeface="Yu Gothic" panose="020B0400000000000000" pitchFamily="34" charset="-128"/>
                 <a:ea typeface="Yu Gothic" panose="020B0400000000000000" pitchFamily="34" charset="-128"/>
               </a:endParaRPr>
@@ -7302,32 +7144,32 @@
           <p:spPr>
             <a:xfrm>
               <a:off x="992286" y="4416425"/>
-              <a:ext cx="300037" cy="125034"/>
+              <a:ext cx="300037" cy="125035"/>
             </a:xfrm>
             <a:prstGeom prst="rect">
               <a:avLst/>
             </a:prstGeom>
           </p:spPr>
           <p:txBody>
-            <a:bodyPr vert="horz" wrap="square" lIns="0" tIns="9525" rIns="0" bIns="0" rtlCol="0">
+            <a:bodyPr vert="horz" wrap="square" lIns="0" tIns="14288" rIns="0" bIns="0" rtlCol="0">
               <a:spAutoFit/>
             </a:bodyPr>
             <a:lstStyle/>
             <a:p>
-              <a:pPr marL="9525">
+              <a:pPr marL="14288">
                 <a:spcBef>
-                  <a:spcPts val="75"/>
+                  <a:spcPts val="113"/>
                 </a:spcBef>
               </a:pPr>
               <a:r>
-                <a:rPr sz="750" spc="15" dirty="0">
+                <a:rPr sz="1125" spc="23" dirty="0">
                   <a:latin typeface="Yu Gothic" panose="020B0400000000000000" pitchFamily="34" charset="-128"/>
                   <a:ea typeface="Yu Gothic" panose="020B0400000000000000" pitchFamily="34" charset="-128"/>
                   <a:cs typeface="Arial"/>
                 </a:rPr>
                 <a:t>0.00%</a:t>
               </a:r>
-              <a:endParaRPr sz="750" dirty="0">
+              <a:endParaRPr sz="1125" dirty="0">
                 <a:latin typeface="Yu Gothic" panose="020B0400000000000000" pitchFamily="34" charset="-128"/>
                 <a:ea typeface="Yu Gothic" panose="020B0400000000000000" pitchFamily="34" charset="-128"/>
                 <a:cs typeface="Arial"/>
@@ -7350,32 +7192,32 @@
           <p:spPr>
             <a:xfrm>
               <a:off x="992286" y="3787774"/>
-              <a:ext cx="300037" cy="125034"/>
+              <a:ext cx="300037" cy="125035"/>
             </a:xfrm>
             <a:prstGeom prst="rect">
               <a:avLst/>
             </a:prstGeom>
           </p:spPr>
           <p:txBody>
-            <a:bodyPr vert="horz" wrap="square" lIns="0" tIns="9525" rIns="0" bIns="0" rtlCol="0">
+            <a:bodyPr vert="horz" wrap="square" lIns="0" tIns="14288" rIns="0" bIns="0" rtlCol="0">
               <a:spAutoFit/>
             </a:bodyPr>
             <a:lstStyle/>
             <a:p>
-              <a:pPr marL="9525">
+              <a:pPr marL="14288">
                 <a:spcBef>
-                  <a:spcPts val="75"/>
+                  <a:spcPts val="113"/>
                 </a:spcBef>
               </a:pPr>
               <a:r>
-                <a:rPr sz="750" spc="15" dirty="0">
+                <a:rPr sz="1125" spc="23" dirty="0">
                   <a:latin typeface="Yu Gothic" panose="020B0400000000000000" pitchFamily="34" charset="-128"/>
                   <a:ea typeface="Yu Gothic" panose="020B0400000000000000" pitchFamily="34" charset="-128"/>
                   <a:cs typeface="Arial"/>
                 </a:rPr>
                 <a:t>7.50%</a:t>
               </a:r>
-              <a:endParaRPr sz="750" dirty="0">
+              <a:endParaRPr sz="1125" dirty="0">
                 <a:latin typeface="Yu Gothic" panose="020B0400000000000000" pitchFamily="34" charset="-128"/>
                 <a:ea typeface="Yu Gothic" panose="020B0400000000000000" pitchFamily="34" charset="-128"/>
                 <a:cs typeface="Arial"/>
@@ -7398,32 +7240,32 @@
           <p:spPr>
             <a:xfrm>
               <a:off x="935136" y="3159125"/>
-              <a:ext cx="352900" cy="125034"/>
+              <a:ext cx="352900" cy="125035"/>
             </a:xfrm>
             <a:prstGeom prst="rect">
               <a:avLst/>
             </a:prstGeom>
           </p:spPr>
           <p:txBody>
-            <a:bodyPr vert="horz" wrap="square" lIns="0" tIns="9525" rIns="0" bIns="0" rtlCol="0">
+            <a:bodyPr vert="horz" wrap="square" lIns="0" tIns="14288" rIns="0" bIns="0" rtlCol="0">
               <a:spAutoFit/>
             </a:bodyPr>
             <a:lstStyle/>
             <a:p>
-              <a:pPr marL="9525">
+              <a:pPr marL="14288">
                 <a:spcBef>
-                  <a:spcPts val="75"/>
+                  <a:spcPts val="113"/>
                 </a:spcBef>
               </a:pPr>
               <a:r>
-                <a:rPr sz="750" spc="12" dirty="0">
+                <a:rPr sz="1125" spc="18" dirty="0">
                   <a:latin typeface="Yu Gothic" panose="020B0400000000000000" pitchFamily="34" charset="-128"/>
                   <a:ea typeface="Yu Gothic" panose="020B0400000000000000" pitchFamily="34" charset="-128"/>
                   <a:cs typeface="Arial"/>
                 </a:rPr>
                 <a:t>15.00%</a:t>
               </a:r>
-              <a:endParaRPr sz="750" dirty="0">
+              <a:endParaRPr sz="1125" dirty="0">
                 <a:latin typeface="Yu Gothic" panose="020B0400000000000000" pitchFamily="34" charset="-128"/>
                 <a:ea typeface="Yu Gothic" panose="020B0400000000000000" pitchFamily="34" charset="-128"/>
                 <a:cs typeface="Arial"/>
@@ -7446,32 +7288,32 @@
           <p:spPr>
             <a:xfrm>
               <a:off x="935136" y="2530475"/>
-              <a:ext cx="352900" cy="125034"/>
+              <a:ext cx="352900" cy="125035"/>
             </a:xfrm>
             <a:prstGeom prst="rect">
               <a:avLst/>
             </a:prstGeom>
           </p:spPr>
           <p:txBody>
-            <a:bodyPr vert="horz" wrap="square" lIns="0" tIns="9525" rIns="0" bIns="0" rtlCol="0">
+            <a:bodyPr vert="horz" wrap="square" lIns="0" tIns="14288" rIns="0" bIns="0" rtlCol="0">
               <a:spAutoFit/>
             </a:bodyPr>
             <a:lstStyle/>
             <a:p>
-              <a:pPr marL="9525">
+              <a:pPr marL="14288">
                 <a:spcBef>
-                  <a:spcPts val="75"/>
+                  <a:spcPts val="113"/>
                 </a:spcBef>
               </a:pPr>
               <a:r>
-                <a:rPr sz="750" spc="12" dirty="0">
+                <a:rPr sz="1125" spc="18" dirty="0">
                   <a:latin typeface="Yu Gothic" panose="020B0400000000000000" pitchFamily="34" charset="-128"/>
                   <a:ea typeface="Yu Gothic" panose="020B0400000000000000" pitchFamily="34" charset="-128"/>
                   <a:cs typeface="Arial"/>
                 </a:rPr>
                 <a:t>22.50%</a:t>
               </a:r>
-              <a:endParaRPr sz="750" dirty="0">
+              <a:endParaRPr sz="1125" dirty="0">
                 <a:latin typeface="Yu Gothic" panose="020B0400000000000000" pitchFamily="34" charset="-128"/>
                 <a:ea typeface="Yu Gothic" panose="020B0400000000000000" pitchFamily="34" charset="-128"/>
                 <a:cs typeface="Arial"/>
@@ -7494,32 +7336,32 @@
           <p:spPr>
             <a:xfrm>
               <a:off x="935136" y="1911350"/>
-              <a:ext cx="352900" cy="125034"/>
+              <a:ext cx="352900" cy="125035"/>
             </a:xfrm>
             <a:prstGeom prst="rect">
               <a:avLst/>
             </a:prstGeom>
           </p:spPr>
           <p:txBody>
-            <a:bodyPr vert="horz" wrap="square" lIns="0" tIns="9525" rIns="0" bIns="0" rtlCol="0">
+            <a:bodyPr vert="horz" wrap="square" lIns="0" tIns="14288" rIns="0" bIns="0" rtlCol="0">
               <a:spAutoFit/>
             </a:bodyPr>
             <a:lstStyle/>
             <a:p>
-              <a:pPr marL="9525">
+              <a:pPr marL="14288">
                 <a:spcBef>
-                  <a:spcPts val="75"/>
+                  <a:spcPts val="113"/>
                 </a:spcBef>
               </a:pPr>
               <a:r>
-                <a:rPr sz="750" spc="12" dirty="0">
+                <a:rPr sz="1125" spc="18" dirty="0">
                   <a:latin typeface="Yu Gothic" panose="020B0400000000000000" pitchFamily="34" charset="-128"/>
                   <a:ea typeface="Yu Gothic" panose="020B0400000000000000" pitchFamily="34" charset="-128"/>
                   <a:cs typeface="Arial"/>
                 </a:rPr>
                 <a:t>30.00%</a:t>
               </a:r>
-              <a:endParaRPr sz="750" dirty="0">
+              <a:endParaRPr sz="1125" dirty="0">
                 <a:latin typeface="Yu Gothic" panose="020B0400000000000000" pitchFamily="34" charset="-128"/>
                 <a:ea typeface="Yu Gothic" panose="020B0400000000000000" pitchFamily="34" charset="-128"/>
                 <a:cs typeface="Arial"/>
@@ -7571,7 +7413,7 @@
             <a:bodyPr wrap="square" lIns="0" tIns="0" rIns="0" bIns="0" rtlCol="0"/>
             <a:lstStyle/>
             <a:p>
-              <a:endParaRPr sz="1350" dirty="0">
+              <a:endParaRPr sz="2025" dirty="0">
                 <a:latin typeface="Yu Gothic" panose="020B0400000000000000" pitchFamily="34" charset="-128"/>
                 <a:ea typeface="Yu Gothic" panose="020B0400000000000000" pitchFamily="34" charset="-128"/>
               </a:endParaRPr>
@@ -7600,25 +7442,25 @@
             </a:prstGeom>
           </p:spPr>
           <p:txBody>
-            <a:bodyPr vert="horz" wrap="square" lIns="0" tIns="9525" rIns="0" bIns="0" rtlCol="0">
+            <a:bodyPr vert="horz" wrap="square" lIns="0" tIns="14288" rIns="0" bIns="0" rtlCol="0">
               <a:spAutoFit/>
             </a:bodyPr>
             <a:lstStyle/>
             <a:p>
-              <a:pPr marL="9525">
+              <a:pPr marL="14288">
                 <a:spcBef>
-                  <a:spcPts val="75"/>
+                  <a:spcPts val="113"/>
                 </a:spcBef>
               </a:pPr>
               <a:r>
-                <a:rPr sz="1200" spc="-4" dirty="0">
+                <a:rPr sz="1800" spc="-6" dirty="0">
                   <a:latin typeface="Yu Gothic" panose="020B0400000000000000" pitchFamily="34" charset="-128"/>
                   <a:ea typeface="Yu Gothic" panose="020B0400000000000000" pitchFamily="34" charset="-128"/>
                   <a:cs typeface="Arial"/>
                 </a:rPr>
                 <a:t>5</a:t>
               </a:r>
-              <a:endParaRPr sz="1200" dirty="0">
+              <a:endParaRPr sz="1800" dirty="0">
                 <a:latin typeface="Yu Gothic" panose="020B0400000000000000" pitchFamily="34" charset="-128"/>
                 <a:ea typeface="Yu Gothic" panose="020B0400000000000000" pitchFamily="34" charset="-128"/>
                 <a:cs typeface="Arial"/>
@@ -7648,25 +7490,25 @@
             </a:prstGeom>
           </p:spPr>
           <p:txBody>
-            <a:bodyPr vert="horz" wrap="square" lIns="0" tIns="9525" rIns="0" bIns="0" rtlCol="0">
+            <a:bodyPr vert="horz" wrap="square" lIns="0" tIns="14288" rIns="0" bIns="0" rtlCol="0">
               <a:spAutoFit/>
             </a:bodyPr>
             <a:lstStyle/>
             <a:p>
-              <a:pPr marL="9525">
+              <a:pPr marL="14288">
                 <a:spcBef>
-                  <a:spcPts val="75"/>
+                  <a:spcPts val="113"/>
                 </a:spcBef>
               </a:pPr>
               <a:r>
-                <a:rPr sz="1200" spc="-4" dirty="0">
+                <a:rPr sz="1800" spc="-6" dirty="0">
                   <a:latin typeface="Yu Gothic" panose="020B0400000000000000" pitchFamily="34" charset="-128"/>
                   <a:ea typeface="Yu Gothic" panose="020B0400000000000000" pitchFamily="34" charset="-128"/>
                   <a:cs typeface="Arial"/>
                 </a:rPr>
                 <a:t>6</a:t>
               </a:r>
-              <a:endParaRPr sz="1200" dirty="0">
+              <a:endParaRPr sz="1800" dirty="0">
                 <a:latin typeface="Yu Gothic" panose="020B0400000000000000" pitchFamily="34" charset="-128"/>
                 <a:ea typeface="Yu Gothic" panose="020B0400000000000000" pitchFamily="34" charset="-128"/>
                 <a:cs typeface="Arial"/>
@@ -7696,25 +7538,25 @@
             </a:prstGeom>
           </p:spPr>
           <p:txBody>
-            <a:bodyPr vert="horz" wrap="square" lIns="0" tIns="9525" rIns="0" bIns="0" rtlCol="0">
+            <a:bodyPr vert="horz" wrap="square" lIns="0" tIns="14288" rIns="0" bIns="0" rtlCol="0">
               <a:spAutoFit/>
             </a:bodyPr>
             <a:lstStyle/>
             <a:p>
-              <a:pPr marL="9525">
+              <a:pPr marL="14288">
                 <a:spcBef>
-                  <a:spcPts val="75"/>
+                  <a:spcPts val="113"/>
                 </a:spcBef>
               </a:pPr>
               <a:r>
-                <a:rPr sz="1200" spc="-4" dirty="0">
+                <a:rPr sz="1800" spc="-6" dirty="0">
                   <a:latin typeface="Yu Gothic" panose="020B0400000000000000" pitchFamily="34" charset="-128"/>
                   <a:ea typeface="Yu Gothic" panose="020B0400000000000000" pitchFamily="34" charset="-128"/>
                   <a:cs typeface="Arial"/>
                 </a:rPr>
                 <a:t>7</a:t>
               </a:r>
-              <a:endParaRPr sz="1200" dirty="0">
+              <a:endParaRPr sz="1800" dirty="0">
                 <a:latin typeface="Yu Gothic" panose="020B0400000000000000" pitchFamily="34" charset="-128"/>
                 <a:ea typeface="Yu Gothic" panose="020B0400000000000000" pitchFamily="34" charset="-128"/>
                 <a:cs typeface="Arial"/>
@@ -7744,25 +7586,25 @@
             </a:prstGeom>
           </p:spPr>
           <p:txBody>
-            <a:bodyPr vert="horz" wrap="square" lIns="0" tIns="9525" rIns="0" bIns="0" rtlCol="0">
+            <a:bodyPr vert="horz" wrap="square" lIns="0" tIns="14288" rIns="0" bIns="0" rtlCol="0">
               <a:spAutoFit/>
             </a:bodyPr>
             <a:lstStyle/>
             <a:p>
-              <a:pPr marL="9525">
+              <a:pPr marL="14288">
                 <a:spcBef>
-                  <a:spcPts val="75"/>
+                  <a:spcPts val="113"/>
                 </a:spcBef>
               </a:pPr>
               <a:r>
-                <a:rPr sz="1200" spc="-4" dirty="0">
+                <a:rPr sz="1800" spc="-6" dirty="0">
                   <a:latin typeface="Yu Gothic" panose="020B0400000000000000" pitchFamily="34" charset="-128"/>
                   <a:ea typeface="Yu Gothic" panose="020B0400000000000000" pitchFamily="34" charset="-128"/>
                   <a:cs typeface="Arial"/>
                 </a:rPr>
                 <a:t>8</a:t>
               </a:r>
-              <a:endParaRPr sz="1200" dirty="0">
+              <a:endParaRPr sz="1800" dirty="0">
                 <a:latin typeface="Yu Gothic" panose="020B0400000000000000" pitchFamily="34" charset="-128"/>
                 <a:ea typeface="Yu Gothic" panose="020B0400000000000000" pitchFamily="34" charset="-128"/>
                 <a:cs typeface="Arial"/>
@@ -7822,7 +7664,7 @@
             <a:bodyPr wrap="square" lIns="0" tIns="0" rIns="0" bIns="0" rtlCol="0"/>
             <a:lstStyle/>
             <a:p>
-              <a:endParaRPr sz="1350" dirty="0">
+              <a:endParaRPr sz="2025" dirty="0">
                 <a:latin typeface="Yu Gothic" panose="020B0400000000000000" pitchFamily="34" charset="-128"/>
                 <a:ea typeface="Yu Gothic" panose="020B0400000000000000" pitchFamily="34" charset="-128"/>
               </a:endParaRPr>
@@ -7881,7 +7723,7 @@
             <a:bodyPr wrap="square" lIns="0" tIns="0" rIns="0" bIns="0" rtlCol="0"/>
             <a:lstStyle/>
             <a:p>
-              <a:endParaRPr sz="1350" dirty="0">
+              <a:endParaRPr sz="2025" dirty="0">
                 <a:latin typeface="Yu Gothic" panose="020B0400000000000000" pitchFamily="34" charset="-128"/>
                 <a:ea typeface="Yu Gothic" panose="020B0400000000000000" pitchFamily="34" charset="-128"/>
               </a:endParaRPr>
@@ -7940,7 +7782,7 @@
             <a:bodyPr wrap="square" lIns="0" tIns="0" rIns="0" bIns="0" rtlCol="0"/>
             <a:lstStyle/>
             <a:p>
-              <a:endParaRPr sz="1350" dirty="0">
+              <a:endParaRPr sz="2025" dirty="0">
                 <a:latin typeface="Yu Gothic" panose="020B0400000000000000" pitchFamily="34" charset="-128"/>
                 <a:ea typeface="Yu Gothic" panose="020B0400000000000000" pitchFamily="34" charset="-128"/>
               </a:endParaRPr>
@@ -7999,7 +7841,7 @@
             <a:bodyPr wrap="square" lIns="0" tIns="0" rIns="0" bIns="0" rtlCol="0"/>
             <a:lstStyle/>
             <a:p>
-              <a:endParaRPr sz="1350" dirty="0">
+              <a:endParaRPr sz="2025" dirty="0">
                 <a:latin typeface="Yu Gothic" panose="020B0400000000000000" pitchFamily="34" charset="-128"/>
                 <a:ea typeface="Yu Gothic" panose="020B0400000000000000" pitchFamily="34" charset="-128"/>
               </a:endParaRPr>
@@ -8058,7 +7900,7 @@
             <a:bodyPr wrap="square" lIns="0" tIns="0" rIns="0" bIns="0" rtlCol="0"/>
             <a:lstStyle/>
             <a:p>
-              <a:endParaRPr sz="1350" dirty="0">
+              <a:endParaRPr sz="2025" dirty="0">
                 <a:latin typeface="Yu Gothic" panose="020B0400000000000000" pitchFamily="34" charset="-128"/>
                 <a:ea typeface="Yu Gothic" panose="020B0400000000000000" pitchFamily="34" charset="-128"/>
               </a:endParaRPr>
@@ -8117,7 +7959,7 @@
             <a:bodyPr wrap="square" lIns="0" tIns="0" rIns="0" bIns="0" rtlCol="0"/>
             <a:lstStyle/>
             <a:p>
-              <a:endParaRPr sz="1350" dirty="0">
+              <a:endParaRPr sz="2025" dirty="0">
                 <a:latin typeface="Yu Gothic" panose="020B0400000000000000" pitchFamily="34" charset="-128"/>
                 <a:ea typeface="Yu Gothic" panose="020B0400000000000000" pitchFamily="34" charset="-128"/>
               </a:endParaRPr>
@@ -8176,7 +8018,7 @@
             <a:bodyPr wrap="square" lIns="0" tIns="0" rIns="0" bIns="0" rtlCol="0"/>
             <a:lstStyle/>
             <a:p>
-              <a:endParaRPr sz="1350" dirty="0">
+              <a:endParaRPr sz="2025" dirty="0">
                 <a:latin typeface="Yu Gothic" panose="020B0400000000000000" pitchFamily="34" charset="-128"/>
                 <a:ea typeface="Yu Gothic" panose="020B0400000000000000" pitchFamily="34" charset="-128"/>
               </a:endParaRPr>
@@ -8235,7 +8077,7 @@
             <a:bodyPr wrap="square" lIns="0" tIns="0" rIns="0" bIns="0" rtlCol="0"/>
             <a:lstStyle/>
             <a:p>
-              <a:endParaRPr sz="1350" dirty="0">
+              <a:endParaRPr sz="2025" dirty="0">
                 <a:latin typeface="Yu Gothic" panose="020B0400000000000000" pitchFamily="34" charset="-128"/>
                 <a:ea typeface="Yu Gothic" panose="020B0400000000000000" pitchFamily="34" charset="-128"/>
               </a:endParaRPr>
@@ -8264,30 +8106,30 @@
             </a:prstGeom>
           </p:spPr>
           <p:txBody>
-            <a:bodyPr vert="horz" wrap="square" lIns="0" tIns="76201" rIns="0" bIns="0" rtlCol="0">
+            <a:bodyPr vert="horz" wrap="square" lIns="0" tIns="114302" rIns="0" bIns="0" rtlCol="0">
               <a:spAutoFit/>
             </a:bodyPr>
             <a:lstStyle/>
             <a:p>
-              <a:pPr marL="40481" algn="ctr">
+              <a:pPr marL="60722" algn="ctr">
                 <a:spcBef>
-                  <a:spcPts val="599"/>
+                  <a:spcPts val="899"/>
                 </a:spcBef>
                 <a:tabLst>
-                  <a:tab pos="535779" algn="l"/>
-                  <a:tab pos="1031076" algn="l"/>
-                  <a:tab pos="1526375" algn="l"/>
+                  <a:tab pos="803669" algn="l"/>
+                  <a:tab pos="1546614" algn="l"/>
+                  <a:tab pos="2289563" algn="l"/>
                 </a:tabLst>
               </a:pPr>
               <a:r>
-                <a:rPr sz="1200" spc="-4" dirty="0">
+                <a:rPr sz="1800" spc="-6" dirty="0">
                   <a:latin typeface="Yu Gothic" panose="020B0400000000000000" pitchFamily="34" charset="-128"/>
                   <a:ea typeface="Yu Gothic" panose="020B0400000000000000" pitchFamily="34" charset="-128"/>
                   <a:cs typeface="Arial"/>
                 </a:rPr>
                 <a:t>1	2	3	4</a:t>
               </a:r>
-              <a:endParaRPr lang="en-US" sz="1200" spc="-4" dirty="0">
+              <a:endParaRPr lang="en-US" sz="1800" spc="-6" dirty="0">
                 <a:latin typeface="Yu Gothic" panose="020B0400000000000000" pitchFamily="34" charset="-128"/>
                 <a:ea typeface="Yu Gothic" panose="020B0400000000000000" pitchFamily="34" charset="-128"/>
                 <a:cs typeface="Arial"/>
@@ -8309,8 +8151,8 @@
           </p:nvSpPr>
           <p:spPr>
             <a:xfrm>
-              <a:off x="1134540" y="4735512"/>
-              <a:ext cx="4468467" cy="300082"/>
+              <a:off x="1169176" y="4735512"/>
+              <a:ext cx="4399195" cy="269305"/>
             </a:xfrm>
             <a:prstGeom prst="rect">
               <a:avLst/>
@@ -8324,18 +8166,18 @@
             <a:p>
               <a:pPr algn="ctr">
                 <a:spcBef>
-                  <a:spcPts val="660"/>
+                  <a:spcPts val="990"/>
                 </a:spcBef>
               </a:pPr>
               <a:r>
-                <a:rPr lang="fr-FR" sz="1350" spc="-19" dirty="0">
+                <a:rPr lang="fr-FR" sz="2025" spc="-28" dirty="0">
                   <a:latin typeface="Yu Gothic" panose="020B0400000000000000" pitchFamily="34" charset="-128"/>
                   <a:ea typeface="Yu Gothic" panose="020B0400000000000000" pitchFamily="34" charset="-128"/>
                   <a:cs typeface="Arial"/>
                 </a:rPr>
                 <a:t>Mutation class (Singletons, doubletons, tripletons, etc.)</a:t>
               </a:r>
-              <a:endParaRPr lang="fr-FR" sz="1350" dirty="0">
+              <a:endParaRPr lang="fr-FR" sz="2025" dirty="0">
                 <a:latin typeface="Yu Gothic" panose="020B0400000000000000" pitchFamily="34" charset="-128"/>
                 <a:ea typeface="Yu Gothic" panose="020B0400000000000000" pitchFamily="34" charset="-128"/>
                 <a:cs typeface="Arial"/>
@@ -8357,8 +8199,8 @@
           </p:nvSpPr>
           <p:spPr>
             <a:xfrm rot="16200000">
-              <a:off x="-335078" y="3029409"/>
-              <a:ext cx="1998560" cy="300082"/>
+              <a:off x="-303969" y="3044798"/>
+              <a:ext cx="1936342" cy="269305"/>
             </a:xfrm>
             <a:prstGeom prst="rect">
               <a:avLst/>
@@ -8372,18 +8214,18 @@
             <a:p>
               <a:pPr algn="ctr">
                 <a:spcBef>
-                  <a:spcPts val="660"/>
+                  <a:spcPts val="990"/>
                 </a:spcBef>
               </a:pPr>
               <a:r>
-                <a:rPr lang="fr-FR" sz="1350" spc="-19" dirty="0">
+                <a:rPr lang="fr-FR" sz="2025" spc="-28" dirty="0">
                   <a:latin typeface="Yu Gothic" panose="020B0400000000000000" pitchFamily="34" charset="-128"/>
                   <a:ea typeface="Yu Gothic" panose="020B0400000000000000" pitchFamily="34" charset="-128"/>
                   <a:cs typeface="Arial"/>
                 </a:rPr>
                 <a:t>Proportional Frequency</a:t>
               </a:r>
-              <a:endParaRPr lang="fr-FR" sz="1350" dirty="0">
+              <a:endParaRPr lang="fr-FR" sz="2025" dirty="0">
                 <a:latin typeface="Yu Gothic" panose="020B0400000000000000" pitchFamily="34" charset="-128"/>
                 <a:ea typeface="Yu Gothic" panose="020B0400000000000000" pitchFamily="34" charset="-128"/>
                 <a:cs typeface="Arial"/>
@@ -8413,18 +8255,18 @@
             </a:prstGeom>
           </p:spPr>
           <p:txBody>
-            <a:bodyPr vert="horz" wrap="square" lIns="0" tIns="9525" rIns="0" bIns="0" rtlCol="0">
+            <a:bodyPr vert="horz" wrap="square" lIns="0" tIns="14288" rIns="0" bIns="0" rtlCol="0">
               <a:spAutoFit/>
             </a:bodyPr>
             <a:lstStyle/>
             <a:p>
-              <a:pPr marL="9525">
+              <a:pPr marL="14288">
                 <a:spcBef>
-                  <a:spcPts val="75"/>
+                  <a:spcPts val="113"/>
                 </a:spcBef>
               </a:pPr>
               <a:r>
-                <a:rPr sz="2250" b="1" spc="-4" dirty="0">
+                <a:rPr sz="3375" b="1" spc="-6" dirty="0">
                   <a:latin typeface="Yu Gothic" panose="020B0400000000000000" pitchFamily="34" charset="-128"/>
                   <a:ea typeface="Yu Gothic" panose="020B0400000000000000" pitchFamily="34" charset="-128"/>
                   <a:cs typeface="Arial"/>
@@ -8432,7 +8274,7 @@
                 <a:t>Site </a:t>
               </a:r>
               <a:r>
-                <a:rPr sz="2250" b="1" spc="-15" dirty="0">
+                <a:rPr sz="3375" b="1" spc="-23" dirty="0">
                   <a:latin typeface="Yu Gothic" panose="020B0400000000000000" pitchFamily="34" charset="-128"/>
                   <a:ea typeface="Yu Gothic" panose="020B0400000000000000" pitchFamily="34" charset="-128"/>
                   <a:cs typeface="Arial"/>
@@ -8440,7 +8282,7 @@
                 <a:t>Frequency</a:t>
               </a:r>
               <a:r>
-                <a:rPr sz="2250" b="1" spc="-30" dirty="0">
+                <a:rPr sz="3375" b="1" spc="-45" dirty="0">
                   <a:latin typeface="Yu Gothic" panose="020B0400000000000000" pitchFamily="34" charset="-128"/>
                   <a:ea typeface="Yu Gothic" panose="020B0400000000000000" pitchFamily="34" charset="-128"/>
                   <a:cs typeface="Arial"/>
@@ -8448,14 +8290,14 @@
                 <a:t> </a:t>
               </a:r>
               <a:r>
-                <a:rPr sz="2250" b="1" spc="15" dirty="0">
+                <a:rPr sz="3375" b="1" spc="23" dirty="0">
                   <a:latin typeface="Yu Gothic" panose="020B0400000000000000" pitchFamily="34" charset="-128"/>
                   <a:ea typeface="Yu Gothic" panose="020B0400000000000000" pitchFamily="34" charset="-128"/>
                   <a:cs typeface="Arial"/>
                 </a:rPr>
                 <a:t>Spectra</a:t>
               </a:r>
-              <a:endParaRPr sz="2250" dirty="0">
+              <a:endParaRPr sz="3375" dirty="0">
                 <a:latin typeface="Yu Gothic" panose="020B0400000000000000" pitchFamily="34" charset="-128"/>
                 <a:ea typeface="Yu Gothic" panose="020B0400000000000000" pitchFamily="34" charset="-128"/>
                 <a:cs typeface="Arial"/>
@@ -8507,7 +8349,7 @@
             <a:bodyPr wrap="square" lIns="0" tIns="0" rIns="0" bIns="0" rtlCol="0"/>
             <a:lstStyle/>
             <a:p>
-              <a:endParaRPr sz="1350" dirty="0">
+              <a:endParaRPr sz="2025" dirty="0">
                 <a:latin typeface="Yu Gothic" panose="020B0400000000000000" pitchFamily="34" charset="-128"/>
                 <a:ea typeface="Yu Gothic" panose="020B0400000000000000" pitchFamily="34" charset="-128"/>
               </a:endParaRPr>
@@ -8558,7 +8400,7 @@
             <a:bodyPr wrap="square" lIns="0" tIns="0" rIns="0" bIns="0" rtlCol="0"/>
             <a:lstStyle/>
             <a:p>
-              <a:endParaRPr sz="1350" dirty="0">
+              <a:endParaRPr sz="2025" dirty="0">
                 <a:latin typeface="Yu Gothic" panose="020B0400000000000000" pitchFamily="34" charset="-128"/>
                 <a:ea typeface="Yu Gothic" panose="020B0400000000000000" pitchFamily="34" charset="-128"/>
               </a:endParaRPr>
@@ -8609,7 +8451,7 @@
             <a:bodyPr wrap="square" lIns="0" tIns="0" rIns="0" bIns="0" rtlCol="0"/>
             <a:lstStyle/>
             <a:p>
-              <a:endParaRPr sz="1350" dirty="0">
+              <a:endParaRPr sz="2025" dirty="0">
                 <a:latin typeface="Yu Gothic" panose="020B0400000000000000" pitchFamily="34" charset="-128"/>
                 <a:ea typeface="Yu Gothic" panose="020B0400000000000000" pitchFamily="34" charset="-128"/>
               </a:endParaRPr>
@@ -8660,7 +8502,7 @@
             <a:bodyPr wrap="square" lIns="0" tIns="0" rIns="0" bIns="0" rtlCol="0"/>
             <a:lstStyle/>
             <a:p>
-              <a:endParaRPr sz="1350" dirty="0">
+              <a:endParaRPr sz="2025" dirty="0">
                 <a:latin typeface="Yu Gothic" panose="020B0400000000000000" pitchFamily="34" charset="-128"/>
                 <a:ea typeface="Yu Gothic" panose="020B0400000000000000" pitchFamily="34" charset="-128"/>
               </a:endParaRPr>
@@ -8711,7 +8553,7 @@
             <a:bodyPr wrap="square" lIns="0" tIns="0" rIns="0" bIns="0" rtlCol="0"/>
             <a:lstStyle/>
             <a:p>
-              <a:endParaRPr sz="1350" dirty="0">
+              <a:endParaRPr sz="2025" dirty="0">
                 <a:latin typeface="Yu Gothic" panose="020B0400000000000000" pitchFamily="34" charset="-128"/>
                 <a:ea typeface="Yu Gothic" panose="020B0400000000000000" pitchFamily="34" charset="-128"/>
               </a:endParaRPr>
@@ -8762,7 +8604,7 @@
             <a:bodyPr wrap="square" lIns="0" tIns="0" rIns="0" bIns="0" rtlCol="0"/>
             <a:lstStyle/>
             <a:p>
-              <a:endParaRPr sz="1350" dirty="0">
+              <a:endParaRPr sz="2025" dirty="0">
                 <a:latin typeface="Yu Gothic" panose="020B0400000000000000" pitchFamily="34" charset="-128"/>
                 <a:ea typeface="Yu Gothic" panose="020B0400000000000000" pitchFamily="34" charset="-128"/>
               </a:endParaRPr>
@@ -8813,7 +8655,7 @@
             <a:bodyPr wrap="square" lIns="0" tIns="0" rIns="0" bIns="0" rtlCol="0"/>
             <a:lstStyle/>
             <a:p>
-              <a:endParaRPr sz="1350" dirty="0">
+              <a:endParaRPr sz="2025" dirty="0">
                 <a:latin typeface="Yu Gothic" panose="020B0400000000000000" pitchFamily="34" charset="-128"/>
                 <a:ea typeface="Yu Gothic" panose="020B0400000000000000" pitchFamily="34" charset="-128"/>
               </a:endParaRPr>
@@ -8864,7 +8706,7 @@
             <a:bodyPr wrap="square" lIns="0" tIns="0" rIns="0" bIns="0" rtlCol="0"/>
             <a:lstStyle/>
             <a:p>
-              <a:endParaRPr sz="1350" dirty="0">
+              <a:endParaRPr sz="2025" dirty="0">
                 <a:latin typeface="Yu Gothic" panose="020B0400000000000000" pitchFamily="34" charset="-128"/>
                 <a:ea typeface="Yu Gothic" panose="020B0400000000000000" pitchFamily="34" charset="-128"/>
               </a:endParaRPr>
@@ -8915,7 +8757,7 @@
             <a:bodyPr wrap="square" lIns="0" tIns="0" rIns="0" bIns="0" rtlCol="0"/>
             <a:lstStyle/>
             <a:p>
-              <a:endParaRPr sz="1350" dirty="0">
+              <a:endParaRPr sz="2025" dirty="0">
                 <a:latin typeface="Yu Gothic" panose="020B0400000000000000" pitchFamily="34" charset="-128"/>
                 <a:ea typeface="Yu Gothic" panose="020B0400000000000000" pitchFamily="34" charset="-128"/>
               </a:endParaRPr>
@@ -8966,7 +8808,7 @@
             <a:bodyPr wrap="square" lIns="0" tIns="0" rIns="0" bIns="0" rtlCol="0"/>
             <a:lstStyle/>
             <a:p>
-              <a:endParaRPr sz="1350" dirty="0">
+              <a:endParaRPr sz="2025" dirty="0">
                 <a:latin typeface="Yu Gothic" panose="020B0400000000000000" pitchFamily="34" charset="-128"/>
                 <a:ea typeface="Yu Gothic" panose="020B0400000000000000" pitchFamily="34" charset="-128"/>
               </a:endParaRPr>
@@ -9017,7 +8859,7 @@
             <a:bodyPr wrap="square" lIns="0" tIns="0" rIns="0" bIns="0" rtlCol="0"/>
             <a:lstStyle/>
             <a:p>
-              <a:endParaRPr sz="1350" dirty="0">
+              <a:endParaRPr sz="2025" dirty="0">
                 <a:latin typeface="Yu Gothic" panose="020B0400000000000000" pitchFamily="34" charset="-128"/>
                 <a:ea typeface="Yu Gothic" panose="020B0400000000000000" pitchFamily="34" charset="-128"/>
               </a:endParaRPr>
@@ -9068,7 +8910,7 @@
             <a:bodyPr wrap="square" lIns="0" tIns="0" rIns="0" bIns="0" rtlCol="0"/>
             <a:lstStyle/>
             <a:p>
-              <a:endParaRPr sz="1350" dirty="0">
+              <a:endParaRPr sz="2025" dirty="0">
                 <a:latin typeface="Yu Gothic" panose="020B0400000000000000" pitchFamily="34" charset="-128"/>
                 <a:ea typeface="Yu Gothic" panose="020B0400000000000000" pitchFamily="34" charset="-128"/>
               </a:endParaRPr>
@@ -9090,32 +8932,32 @@
           <p:spPr>
             <a:xfrm>
               <a:off x="6234589" y="4396994"/>
-              <a:ext cx="300037" cy="125034"/>
+              <a:ext cx="300037" cy="125035"/>
             </a:xfrm>
             <a:prstGeom prst="rect">
               <a:avLst/>
             </a:prstGeom>
           </p:spPr>
           <p:txBody>
-            <a:bodyPr vert="horz" wrap="square" lIns="0" tIns="9525" rIns="0" bIns="0" rtlCol="0">
+            <a:bodyPr vert="horz" wrap="square" lIns="0" tIns="14288" rIns="0" bIns="0" rtlCol="0">
               <a:spAutoFit/>
             </a:bodyPr>
             <a:lstStyle/>
             <a:p>
-              <a:pPr marL="9525">
+              <a:pPr marL="14288">
                 <a:spcBef>
-                  <a:spcPts val="75"/>
+                  <a:spcPts val="113"/>
                 </a:spcBef>
               </a:pPr>
               <a:r>
-                <a:rPr sz="750" spc="15" dirty="0">
+                <a:rPr sz="1125" spc="23" dirty="0">
                   <a:latin typeface="Yu Gothic" panose="020B0400000000000000" pitchFamily="34" charset="-128"/>
                   <a:ea typeface="Yu Gothic" panose="020B0400000000000000" pitchFamily="34" charset="-128"/>
                   <a:cs typeface="Arial"/>
                 </a:rPr>
                 <a:t>0.00%</a:t>
               </a:r>
-              <a:endParaRPr sz="750" dirty="0">
+              <a:endParaRPr sz="1125" dirty="0">
                 <a:latin typeface="Yu Gothic" panose="020B0400000000000000" pitchFamily="34" charset="-128"/>
                 <a:ea typeface="Yu Gothic" panose="020B0400000000000000" pitchFamily="34" charset="-128"/>
                 <a:cs typeface="Arial"/>
@@ -9138,32 +8980,32 @@
           <p:spPr>
             <a:xfrm>
               <a:off x="6234589" y="3768343"/>
-              <a:ext cx="300037" cy="125034"/>
+              <a:ext cx="300037" cy="125035"/>
             </a:xfrm>
             <a:prstGeom prst="rect">
               <a:avLst/>
             </a:prstGeom>
           </p:spPr>
           <p:txBody>
-            <a:bodyPr vert="horz" wrap="square" lIns="0" tIns="9525" rIns="0" bIns="0" rtlCol="0">
+            <a:bodyPr vert="horz" wrap="square" lIns="0" tIns="14288" rIns="0" bIns="0" rtlCol="0">
               <a:spAutoFit/>
             </a:bodyPr>
             <a:lstStyle/>
             <a:p>
-              <a:pPr marL="9525">
+              <a:pPr marL="14288">
                 <a:spcBef>
-                  <a:spcPts val="75"/>
+                  <a:spcPts val="113"/>
                 </a:spcBef>
               </a:pPr>
               <a:r>
-                <a:rPr sz="750" spc="15" dirty="0">
+                <a:rPr sz="1125" spc="23" dirty="0">
                   <a:latin typeface="Yu Gothic" panose="020B0400000000000000" pitchFamily="34" charset="-128"/>
                   <a:ea typeface="Yu Gothic" panose="020B0400000000000000" pitchFamily="34" charset="-128"/>
                   <a:cs typeface="Arial"/>
                 </a:rPr>
                 <a:t>7.50%</a:t>
               </a:r>
-              <a:endParaRPr sz="750" dirty="0">
+              <a:endParaRPr sz="1125" dirty="0">
                 <a:latin typeface="Yu Gothic" panose="020B0400000000000000" pitchFamily="34" charset="-128"/>
                 <a:ea typeface="Yu Gothic" panose="020B0400000000000000" pitchFamily="34" charset="-128"/>
                 <a:cs typeface="Arial"/>
@@ -9186,32 +9028,32 @@
           <p:spPr>
             <a:xfrm>
               <a:off x="6177439" y="3139694"/>
-              <a:ext cx="352900" cy="125034"/>
+              <a:ext cx="352900" cy="125035"/>
             </a:xfrm>
             <a:prstGeom prst="rect">
               <a:avLst/>
             </a:prstGeom>
           </p:spPr>
           <p:txBody>
-            <a:bodyPr vert="horz" wrap="square" lIns="0" tIns="9525" rIns="0" bIns="0" rtlCol="0">
+            <a:bodyPr vert="horz" wrap="square" lIns="0" tIns="14288" rIns="0" bIns="0" rtlCol="0">
               <a:spAutoFit/>
             </a:bodyPr>
             <a:lstStyle/>
             <a:p>
-              <a:pPr marL="9525">
+              <a:pPr marL="14288">
                 <a:spcBef>
-                  <a:spcPts val="75"/>
+                  <a:spcPts val="113"/>
                 </a:spcBef>
               </a:pPr>
               <a:r>
-                <a:rPr sz="750" spc="12" dirty="0">
+                <a:rPr sz="1125" spc="18" dirty="0">
                   <a:latin typeface="Yu Gothic" panose="020B0400000000000000" pitchFamily="34" charset="-128"/>
                   <a:ea typeface="Yu Gothic" panose="020B0400000000000000" pitchFamily="34" charset="-128"/>
                   <a:cs typeface="Arial"/>
                 </a:rPr>
                 <a:t>15.00%</a:t>
               </a:r>
-              <a:endParaRPr sz="750" dirty="0">
+              <a:endParaRPr sz="1125" dirty="0">
                 <a:latin typeface="Yu Gothic" panose="020B0400000000000000" pitchFamily="34" charset="-128"/>
                 <a:ea typeface="Yu Gothic" panose="020B0400000000000000" pitchFamily="34" charset="-128"/>
                 <a:cs typeface="Arial"/>
@@ -9234,32 +9076,32 @@
           <p:spPr>
             <a:xfrm>
               <a:off x="6177439" y="2511044"/>
-              <a:ext cx="352900" cy="125034"/>
+              <a:ext cx="352900" cy="125035"/>
             </a:xfrm>
             <a:prstGeom prst="rect">
               <a:avLst/>
             </a:prstGeom>
           </p:spPr>
           <p:txBody>
-            <a:bodyPr vert="horz" wrap="square" lIns="0" tIns="9525" rIns="0" bIns="0" rtlCol="0">
+            <a:bodyPr vert="horz" wrap="square" lIns="0" tIns="14288" rIns="0" bIns="0" rtlCol="0">
               <a:spAutoFit/>
             </a:bodyPr>
             <a:lstStyle/>
             <a:p>
-              <a:pPr marL="9525">
+              <a:pPr marL="14288">
                 <a:spcBef>
-                  <a:spcPts val="75"/>
+                  <a:spcPts val="113"/>
                 </a:spcBef>
               </a:pPr>
               <a:r>
-                <a:rPr sz="750" spc="12" dirty="0">
+                <a:rPr sz="1125" spc="18" dirty="0">
                   <a:latin typeface="Yu Gothic" panose="020B0400000000000000" pitchFamily="34" charset="-128"/>
                   <a:ea typeface="Yu Gothic" panose="020B0400000000000000" pitchFamily="34" charset="-128"/>
                   <a:cs typeface="Arial"/>
                 </a:rPr>
                 <a:t>22.50%</a:t>
               </a:r>
-              <a:endParaRPr sz="750" dirty="0">
+              <a:endParaRPr sz="1125" dirty="0">
                 <a:latin typeface="Yu Gothic" panose="020B0400000000000000" pitchFamily="34" charset="-128"/>
                 <a:ea typeface="Yu Gothic" panose="020B0400000000000000" pitchFamily="34" charset="-128"/>
                 <a:cs typeface="Arial"/>
@@ -9282,32 +9124,32 @@
           <p:spPr>
             <a:xfrm>
               <a:off x="6177439" y="1891919"/>
-              <a:ext cx="352900" cy="125034"/>
+              <a:ext cx="352900" cy="125035"/>
             </a:xfrm>
             <a:prstGeom prst="rect">
               <a:avLst/>
             </a:prstGeom>
           </p:spPr>
           <p:txBody>
-            <a:bodyPr vert="horz" wrap="square" lIns="0" tIns="9525" rIns="0" bIns="0" rtlCol="0">
+            <a:bodyPr vert="horz" wrap="square" lIns="0" tIns="14288" rIns="0" bIns="0" rtlCol="0">
               <a:spAutoFit/>
             </a:bodyPr>
             <a:lstStyle/>
             <a:p>
-              <a:pPr marL="9525">
+              <a:pPr marL="14288">
                 <a:spcBef>
-                  <a:spcPts val="75"/>
+                  <a:spcPts val="113"/>
                 </a:spcBef>
               </a:pPr>
               <a:r>
-                <a:rPr sz="750" spc="12" dirty="0">
+                <a:rPr sz="1125" spc="18" dirty="0">
                   <a:latin typeface="Yu Gothic" panose="020B0400000000000000" pitchFamily="34" charset="-128"/>
                   <a:ea typeface="Yu Gothic" panose="020B0400000000000000" pitchFamily="34" charset="-128"/>
                   <a:cs typeface="Arial"/>
                 </a:rPr>
                 <a:t>30.00%</a:t>
               </a:r>
-              <a:endParaRPr sz="750" dirty="0">
+              <a:endParaRPr sz="1125" dirty="0">
                 <a:latin typeface="Yu Gothic" panose="020B0400000000000000" pitchFamily="34" charset="-128"/>
                 <a:ea typeface="Yu Gothic" panose="020B0400000000000000" pitchFamily="34" charset="-128"/>
                 <a:cs typeface="Arial"/>
@@ -9359,7 +9201,7 @@
             <a:bodyPr wrap="square" lIns="0" tIns="0" rIns="0" bIns="0" rtlCol="0"/>
             <a:lstStyle/>
             <a:p>
-              <a:endParaRPr sz="1350" dirty="0">
+              <a:endParaRPr sz="2025" dirty="0">
                 <a:latin typeface="Yu Gothic" panose="020B0400000000000000" pitchFamily="34" charset="-128"/>
                 <a:ea typeface="Yu Gothic" panose="020B0400000000000000" pitchFamily="34" charset="-128"/>
               </a:endParaRPr>
@@ -9388,25 +9230,25 @@
             </a:prstGeom>
           </p:spPr>
           <p:txBody>
-            <a:bodyPr vert="horz" wrap="square" lIns="0" tIns="9525" rIns="0" bIns="0" rtlCol="0">
+            <a:bodyPr vert="horz" wrap="square" lIns="0" tIns="14288" rIns="0" bIns="0" rtlCol="0">
               <a:spAutoFit/>
             </a:bodyPr>
             <a:lstStyle/>
             <a:p>
-              <a:pPr marL="9525">
+              <a:pPr marL="14288">
                 <a:spcBef>
-                  <a:spcPts val="75"/>
+                  <a:spcPts val="113"/>
                 </a:spcBef>
               </a:pPr>
               <a:r>
-                <a:rPr sz="1200" spc="-4" dirty="0">
+                <a:rPr sz="1800" spc="-6" dirty="0">
                   <a:latin typeface="Yu Gothic" panose="020B0400000000000000" pitchFamily="34" charset="-128"/>
                   <a:ea typeface="Yu Gothic" panose="020B0400000000000000" pitchFamily="34" charset="-128"/>
                   <a:cs typeface="Arial"/>
                 </a:rPr>
                 <a:t>5</a:t>
               </a:r>
-              <a:endParaRPr sz="1200" dirty="0">
+              <a:endParaRPr sz="1800" dirty="0">
                 <a:latin typeface="Yu Gothic" panose="020B0400000000000000" pitchFamily="34" charset="-128"/>
                 <a:ea typeface="Yu Gothic" panose="020B0400000000000000" pitchFamily="34" charset="-128"/>
                 <a:cs typeface="Arial"/>
@@ -9436,25 +9278,25 @@
             </a:prstGeom>
           </p:spPr>
           <p:txBody>
-            <a:bodyPr vert="horz" wrap="square" lIns="0" tIns="9525" rIns="0" bIns="0" rtlCol="0">
+            <a:bodyPr vert="horz" wrap="square" lIns="0" tIns="14288" rIns="0" bIns="0" rtlCol="0">
               <a:spAutoFit/>
             </a:bodyPr>
             <a:lstStyle/>
             <a:p>
-              <a:pPr marL="9525">
+              <a:pPr marL="14288">
                 <a:spcBef>
-                  <a:spcPts val="75"/>
+                  <a:spcPts val="113"/>
                 </a:spcBef>
               </a:pPr>
               <a:r>
-                <a:rPr sz="1200" spc="-4" dirty="0">
+                <a:rPr sz="1800" spc="-6" dirty="0">
                   <a:latin typeface="Yu Gothic" panose="020B0400000000000000" pitchFamily="34" charset="-128"/>
                   <a:ea typeface="Yu Gothic" panose="020B0400000000000000" pitchFamily="34" charset="-128"/>
                   <a:cs typeface="Arial"/>
                 </a:rPr>
                 <a:t>6</a:t>
               </a:r>
-              <a:endParaRPr sz="1200" dirty="0">
+              <a:endParaRPr sz="1800" dirty="0">
                 <a:latin typeface="Yu Gothic" panose="020B0400000000000000" pitchFamily="34" charset="-128"/>
                 <a:ea typeface="Yu Gothic" panose="020B0400000000000000" pitchFamily="34" charset="-128"/>
                 <a:cs typeface="Arial"/>
@@ -9484,25 +9326,25 @@
             </a:prstGeom>
           </p:spPr>
           <p:txBody>
-            <a:bodyPr vert="horz" wrap="square" lIns="0" tIns="9525" rIns="0" bIns="0" rtlCol="0">
+            <a:bodyPr vert="horz" wrap="square" lIns="0" tIns="14288" rIns="0" bIns="0" rtlCol="0">
               <a:spAutoFit/>
             </a:bodyPr>
             <a:lstStyle/>
             <a:p>
-              <a:pPr marL="9525">
+              <a:pPr marL="14288">
                 <a:spcBef>
-                  <a:spcPts val="75"/>
+                  <a:spcPts val="113"/>
                 </a:spcBef>
               </a:pPr>
               <a:r>
-                <a:rPr sz="1200" spc="-4" dirty="0">
+                <a:rPr sz="1800" spc="-6" dirty="0">
                   <a:latin typeface="Yu Gothic" panose="020B0400000000000000" pitchFamily="34" charset="-128"/>
                   <a:ea typeface="Yu Gothic" panose="020B0400000000000000" pitchFamily="34" charset="-128"/>
                   <a:cs typeface="Arial"/>
                 </a:rPr>
                 <a:t>7</a:t>
               </a:r>
-              <a:endParaRPr sz="1200" dirty="0">
+              <a:endParaRPr sz="1800" dirty="0">
                 <a:latin typeface="Yu Gothic" panose="020B0400000000000000" pitchFamily="34" charset="-128"/>
                 <a:ea typeface="Yu Gothic" panose="020B0400000000000000" pitchFamily="34" charset="-128"/>
                 <a:cs typeface="Arial"/>
@@ -9532,25 +9374,25 @@
             </a:prstGeom>
           </p:spPr>
           <p:txBody>
-            <a:bodyPr vert="horz" wrap="square" lIns="0" tIns="9525" rIns="0" bIns="0" rtlCol="0">
+            <a:bodyPr vert="horz" wrap="square" lIns="0" tIns="14288" rIns="0" bIns="0" rtlCol="0">
               <a:spAutoFit/>
             </a:bodyPr>
             <a:lstStyle/>
             <a:p>
-              <a:pPr marL="9525">
+              <a:pPr marL="14288">
                 <a:spcBef>
-                  <a:spcPts val="75"/>
+                  <a:spcPts val="113"/>
                 </a:spcBef>
               </a:pPr>
               <a:r>
-                <a:rPr sz="1200" spc="-4" dirty="0">
+                <a:rPr sz="1800" spc="-6" dirty="0">
                   <a:latin typeface="Yu Gothic" panose="020B0400000000000000" pitchFamily="34" charset="-128"/>
                   <a:ea typeface="Yu Gothic" panose="020B0400000000000000" pitchFamily="34" charset="-128"/>
                   <a:cs typeface="Arial"/>
                 </a:rPr>
                 <a:t>8</a:t>
               </a:r>
-              <a:endParaRPr sz="1200" dirty="0">
+              <a:endParaRPr sz="1800" dirty="0">
                 <a:latin typeface="Yu Gothic" panose="020B0400000000000000" pitchFamily="34" charset="-128"/>
                 <a:ea typeface="Yu Gothic" panose="020B0400000000000000" pitchFamily="34" charset="-128"/>
                 <a:cs typeface="Arial"/>
@@ -9610,7 +9452,7 @@
             <a:bodyPr wrap="square" lIns="0" tIns="0" rIns="0" bIns="0" rtlCol="0"/>
             <a:lstStyle/>
             <a:p>
-              <a:endParaRPr sz="1350" dirty="0">
+              <a:endParaRPr sz="2025" dirty="0">
                 <a:latin typeface="Yu Gothic" panose="020B0400000000000000" pitchFamily="34" charset="-128"/>
                 <a:ea typeface="Yu Gothic" panose="020B0400000000000000" pitchFamily="34" charset="-128"/>
               </a:endParaRPr>
@@ -9669,7 +9511,7 @@
             <a:bodyPr wrap="square" lIns="0" tIns="0" rIns="0" bIns="0" rtlCol="0"/>
             <a:lstStyle/>
             <a:p>
-              <a:endParaRPr sz="1350" dirty="0">
+              <a:endParaRPr sz="2025" dirty="0">
                 <a:latin typeface="Yu Gothic" panose="020B0400000000000000" pitchFamily="34" charset="-128"/>
                 <a:ea typeface="Yu Gothic" panose="020B0400000000000000" pitchFamily="34" charset="-128"/>
               </a:endParaRPr>
@@ -9728,7 +9570,7 @@
             <a:bodyPr wrap="square" lIns="0" tIns="0" rIns="0" bIns="0" rtlCol="0"/>
             <a:lstStyle/>
             <a:p>
-              <a:endParaRPr sz="1350" dirty="0">
+              <a:endParaRPr sz="2025" dirty="0">
                 <a:latin typeface="Yu Gothic" panose="020B0400000000000000" pitchFamily="34" charset="-128"/>
                 <a:ea typeface="Yu Gothic" panose="020B0400000000000000" pitchFamily="34" charset="-128"/>
               </a:endParaRPr>
@@ -9787,7 +9629,7 @@
             <a:bodyPr wrap="square" lIns="0" tIns="0" rIns="0" bIns="0" rtlCol="0"/>
             <a:lstStyle/>
             <a:p>
-              <a:endParaRPr sz="1350" dirty="0">
+              <a:endParaRPr sz="2025" dirty="0">
                 <a:latin typeface="Yu Gothic" panose="020B0400000000000000" pitchFamily="34" charset="-128"/>
                 <a:ea typeface="Yu Gothic" panose="020B0400000000000000" pitchFamily="34" charset="-128"/>
               </a:endParaRPr>
@@ -9846,7 +9688,7 @@
             <a:bodyPr wrap="square" lIns="0" tIns="0" rIns="0" bIns="0" rtlCol="0"/>
             <a:lstStyle/>
             <a:p>
-              <a:endParaRPr sz="1350" dirty="0">
+              <a:endParaRPr sz="2025" dirty="0">
                 <a:latin typeface="Yu Gothic" panose="020B0400000000000000" pitchFamily="34" charset="-128"/>
                 <a:ea typeface="Yu Gothic" panose="020B0400000000000000" pitchFamily="34" charset="-128"/>
               </a:endParaRPr>
@@ -9905,7 +9747,7 @@
             <a:bodyPr wrap="square" lIns="0" tIns="0" rIns="0" bIns="0" rtlCol="0"/>
             <a:lstStyle/>
             <a:p>
-              <a:endParaRPr sz="1350" dirty="0">
+              <a:endParaRPr sz="2025" dirty="0">
                 <a:latin typeface="Yu Gothic" panose="020B0400000000000000" pitchFamily="34" charset="-128"/>
                 <a:ea typeface="Yu Gothic" panose="020B0400000000000000" pitchFamily="34" charset="-128"/>
               </a:endParaRPr>
@@ -9964,7 +9806,7 @@
             <a:bodyPr wrap="square" lIns="0" tIns="0" rIns="0" bIns="0" rtlCol="0"/>
             <a:lstStyle/>
             <a:p>
-              <a:endParaRPr sz="1350" dirty="0">
+              <a:endParaRPr sz="2025" dirty="0">
                 <a:latin typeface="Yu Gothic" panose="020B0400000000000000" pitchFamily="34" charset="-128"/>
                 <a:ea typeface="Yu Gothic" panose="020B0400000000000000" pitchFamily="34" charset="-128"/>
               </a:endParaRPr>
@@ -10023,7 +9865,7 @@
             <a:bodyPr wrap="square" lIns="0" tIns="0" rIns="0" bIns="0" rtlCol="0"/>
             <a:lstStyle/>
             <a:p>
-              <a:endParaRPr sz="1350" dirty="0">
+              <a:endParaRPr sz="2025" dirty="0">
                 <a:latin typeface="Yu Gothic" panose="020B0400000000000000" pitchFamily="34" charset="-128"/>
                 <a:ea typeface="Yu Gothic" panose="020B0400000000000000" pitchFamily="34" charset="-128"/>
               </a:endParaRPr>
@@ -10052,30 +9894,30 @@
             </a:prstGeom>
           </p:spPr>
           <p:txBody>
-            <a:bodyPr vert="horz" wrap="square" lIns="0" tIns="76201" rIns="0" bIns="0" rtlCol="0">
+            <a:bodyPr vert="horz" wrap="square" lIns="0" tIns="114302" rIns="0" bIns="0" rtlCol="0">
               <a:spAutoFit/>
             </a:bodyPr>
             <a:lstStyle/>
             <a:p>
-              <a:pPr marL="40481" algn="ctr">
+              <a:pPr marL="60722" algn="ctr">
                 <a:spcBef>
-                  <a:spcPts val="599"/>
+                  <a:spcPts val="899"/>
                 </a:spcBef>
                 <a:tabLst>
-                  <a:tab pos="535779" algn="l"/>
-                  <a:tab pos="1031076" algn="l"/>
-                  <a:tab pos="1526375" algn="l"/>
+                  <a:tab pos="803669" algn="l"/>
+                  <a:tab pos="1546614" algn="l"/>
+                  <a:tab pos="2289563" algn="l"/>
                 </a:tabLst>
               </a:pPr>
               <a:r>
-                <a:rPr sz="1200" spc="-4" dirty="0">
+                <a:rPr sz="1800" spc="-6" dirty="0">
                   <a:latin typeface="Yu Gothic" panose="020B0400000000000000" pitchFamily="34" charset="-128"/>
                   <a:ea typeface="Yu Gothic" panose="020B0400000000000000" pitchFamily="34" charset="-128"/>
                   <a:cs typeface="Arial"/>
                 </a:rPr>
                 <a:t>1	2	3	4</a:t>
               </a:r>
-              <a:endParaRPr lang="en-US" sz="1200" spc="-4" dirty="0">
+              <a:endParaRPr lang="en-US" sz="1800" spc="-6" dirty="0">
                 <a:latin typeface="Yu Gothic" panose="020B0400000000000000" pitchFamily="34" charset="-128"/>
                 <a:ea typeface="Yu Gothic" panose="020B0400000000000000" pitchFamily="34" charset="-128"/>
                 <a:cs typeface="Arial"/>
@@ -10097,8 +9939,8 @@
           </p:nvSpPr>
           <p:spPr>
             <a:xfrm>
-              <a:off x="6376843" y="4716081"/>
-              <a:ext cx="4468467" cy="300082"/>
+              <a:off x="6411479" y="4716081"/>
+              <a:ext cx="4399195" cy="269305"/>
             </a:xfrm>
             <a:prstGeom prst="rect">
               <a:avLst/>
@@ -10112,18 +9954,18 @@
             <a:p>
               <a:pPr algn="ctr">
                 <a:spcBef>
-                  <a:spcPts val="660"/>
+                  <a:spcPts val="990"/>
                 </a:spcBef>
               </a:pPr>
               <a:r>
-                <a:rPr lang="fr-FR" sz="1350" spc="-19" dirty="0">
+                <a:rPr lang="fr-FR" sz="2025" spc="-28" dirty="0">
                   <a:latin typeface="Yu Gothic" panose="020B0400000000000000" pitchFamily="34" charset="-128"/>
                   <a:ea typeface="Yu Gothic" panose="020B0400000000000000" pitchFamily="34" charset="-128"/>
                   <a:cs typeface="Arial"/>
                 </a:rPr>
                 <a:t>Mutation class (Singletons, doubletons, tripletons, etc.)</a:t>
               </a:r>
-              <a:endParaRPr lang="fr-FR" sz="1350" dirty="0">
+              <a:endParaRPr lang="fr-FR" sz="2025" dirty="0">
                 <a:latin typeface="Yu Gothic" panose="020B0400000000000000" pitchFamily="34" charset="-128"/>
                 <a:ea typeface="Yu Gothic" panose="020B0400000000000000" pitchFamily="34" charset="-128"/>
                 <a:cs typeface="Arial"/>
@@ -10145,8 +9987,8 @@
           </p:nvSpPr>
           <p:spPr>
             <a:xfrm rot="16200000">
-              <a:off x="4907225" y="3009978"/>
-              <a:ext cx="1998560" cy="300082"/>
+              <a:off x="4938334" y="3025367"/>
+              <a:ext cx="1936342" cy="269305"/>
             </a:xfrm>
             <a:prstGeom prst="rect">
               <a:avLst/>
@@ -10160,18 +10002,18 @@
             <a:p>
               <a:pPr algn="ctr">
                 <a:spcBef>
-                  <a:spcPts val="660"/>
+                  <a:spcPts val="990"/>
                 </a:spcBef>
               </a:pPr>
               <a:r>
-                <a:rPr lang="fr-FR" sz="1350" spc="-19" dirty="0">
+                <a:rPr lang="fr-FR" sz="2025" spc="-28" dirty="0">
                   <a:latin typeface="Yu Gothic" panose="020B0400000000000000" pitchFamily="34" charset="-128"/>
                   <a:ea typeface="Yu Gothic" panose="020B0400000000000000" pitchFamily="34" charset="-128"/>
                   <a:cs typeface="Arial"/>
                 </a:rPr>
                 <a:t>Proportional Frequency</a:t>
               </a:r>
-              <a:endParaRPr lang="fr-FR" sz="1350" dirty="0">
+              <a:endParaRPr lang="fr-FR" sz="2025" dirty="0">
                 <a:latin typeface="Yu Gothic" panose="020B0400000000000000" pitchFamily="34" charset="-128"/>
                 <a:ea typeface="Yu Gothic" panose="020B0400000000000000" pitchFamily="34" charset="-128"/>
                 <a:cs typeface="Arial"/>
@@ -10201,25 +10043,25 @@
             </a:prstGeom>
           </p:spPr>
           <p:txBody>
-            <a:bodyPr vert="horz" wrap="square" lIns="0" tIns="9525" rIns="0" bIns="0" rtlCol="0">
+            <a:bodyPr vert="horz" wrap="square" lIns="0" tIns="14288" rIns="0" bIns="0" rtlCol="0">
               <a:spAutoFit/>
             </a:bodyPr>
             <a:lstStyle/>
             <a:p>
-              <a:pPr marL="9525">
+              <a:pPr marL="14288">
                 <a:spcBef>
-                  <a:spcPts val="75"/>
+                  <a:spcPts val="113"/>
                 </a:spcBef>
               </a:pPr>
               <a:r>
-                <a:rPr lang="en-US" sz="2250" b="1" spc="-4" dirty="0">
+                <a:rPr lang="en-US" sz="3375" b="1" spc="-6" dirty="0">
                   <a:latin typeface="Yu Gothic" panose="020B0400000000000000" pitchFamily="34" charset="-128"/>
                   <a:ea typeface="Yu Gothic" panose="020B0400000000000000" pitchFamily="34" charset="-128"/>
                   <a:cs typeface="Arial"/>
                 </a:rPr>
                 <a:t>Expansion</a:t>
               </a:r>
-              <a:endParaRPr sz="2250" dirty="0">
+              <a:endParaRPr sz="3375" dirty="0">
                 <a:latin typeface="Yu Gothic" panose="020B0400000000000000" pitchFamily="34" charset="-128"/>
                 <a:ea typeface="Yu Gothic" panose="020B0400000000000000" pitchFamily="34" charset="-128"/>
                 <a:cs typeface="Arial"/>
@@ -10249,25 +10091,25 @@
             </a:prstGeom>
           </p:spPr>
           <p:txBody>
-            <a:bodyPr vert="horz" wrap="square" lIns="0" tIns="9525" rIns="0" bIns="0" rtlCol="0">
+            <a:bodyPr vert="horz" wrap="square" lIns="0" tIns="14288" rIns="0" bIns="0" rtlCol="0">
               <a:spAutoFit/>
             </a:bodyPr>
             <a:lstStyle/>
             <a:p>
-              <a:pPr marL="9525">
+              <a:pPr marL="14288">
                 <a:spcBef>
-                  <a:spcPts val="75"/>
+                  <a:spcPts val="113"/>
                 </a:spcBef>
               </a:pPr>
               <a:r>
-                <a:rPr lang="en-US" sz="2250" b="1" spc="-4" dirty="0">
+                <a:rPr lang="en-US" sz="3375" b="1" spc="-6" dirty="0">
                   <a:latin typeface="Yu Gothic" panose="020B0400000000000000" pitchFamily="34" charset="-128"/>
                   <a:ea typeface="Yu Gothic" panose="020B0400000000000000" pitchFamily="34" charset="-128"/>
                   <a:cs typeface="Arial"/>
                 </a:rPr>
                 <a:t>Contraction</a:t>
               </a:r>
-              <a:endParaRPr sz="2250" dirty="0">
+              <a:endParaRPr sz="3375" dirty="0">
                 <a:latin typeface="Yu Gothic" panose="020B0400000000000000" pitchFamily="34" charset="-128"/>
                 <a:ea typeface="Yu Gothic" panose="020B0400000000000000" pitchFamily="34" charset="-128"/>
                 <a:cs typeface="Arial"/>
@@ -10319,7 +10161,7 @@
             <a:bodyPr wrap="square" lIns="0" tIns="0" rIns="0" bIns="0" rtlCol="0"/>
             <a:lstStyle/>
             <a:p>
-              <a:endParaRPr sz="1350" dirty="0">
+              <a:endParaRPr sz="2025" dirty="0">
                 <a:latin typeface="Yu Gothic" panose="020B0400000000000000" pitchFamily="34" charset="-128"/>
                 <a:ea typeface="Yu Gothic" panose="020B0400000000000000" pitchFamily="34" charset="-128"/>
               </a:endParaRPr>
@@ -10384,8 +10226,8 @@
         </p:blipFill>
         <p:spPr>
           <a:xfrm>
-            <a:off x="2258157" y="154745"/>
-            <a:ext cx="3367943" cy="6858000"/>
+            <a:off x="3387236" y="4232618"/>
+            <a:ext cx="5051915" cy="10287000"/>
           </a:xfrm>
           <a:prstGeom prst="rect">
             <a:avLst/>
@@ -10419,8 +10261,8 @@
         </p:blipFill>
         <p:spPr>
           <a:xfrm>
-            <a:off x="3881999" y="515815"/>
-            <a:ext cx="1744101" cy="858130"/>
+            <a:off x="5822999" y="4774223"/>
+            <a:ext cx="2616152" cy="1287195"/>
           </a:xfrm>
           <a:prstGeom prst="rect">
             <a:avLst/>
@@ -10440,10 +10282,232 @@
 </p:sld>
 </file>
 
+<file path=ppt/slides/slide4.xml><?xml version="1.0" encoding="utf-8"?>
+<p:sld xmlns:a="http://schemas.openxmlformats.org/drawingml/2006/main" xmlns:r="http://schemas.openxmlformats.org/officeDocument/2006/relationships" xmlns:p="http://schemas.openxmlformats.org/presentationml/2006/main">
+  <p:cSld>
+    <p:spTree>
+      <p:nvGrpSpPr>
+        <p:cNvPr id="1" name=""/>
+        <p:cNvGrpSpPr/>
+        <p:nvPr/>
+      </p:nvGrpSpPr>
+      <p:grpSpPr>
+        <a:xfrm>
+          <a:off x="0" y="0"/>
+          <a:ext cx="0" cy="0"/>
+          <a:chOff x="0" y="0"/>
+          <a:chExt cx="0" cy="0"/>
+        </a:xfrm>
+      </p:grpSpPr>
+      <p:pic>
+        <p:nvPicPr>
+          <p:cNvPr id="17" name="Picture 16" descr="A picture containing text, screenshot, font, colorfulness&#10;&#10;Description automatically generated">
+            <a:extLst>
+              <a:ext uri="{FF2B5EF4-FFF2-40B4-BE49-F238E27FC236}">
+                <a16:creationId xmlns:a16="http://schemas.microsoft.com/office/drawing/2014/main" id="{27E60B67-A0A6-F5F9-BF7F-6E7EBF1CF06C}"/>
+              </a:ext>
+            </a:extLst>
+          </p:cNvPr>
+          <p:cNvPicPr>
+            <a:picLocks noChangeAspect="1"/>
+          </p:cNvPicPr>
+          <p:nvPr/>
+        </p:nvPicPr>
+        <p:blipFill>
+          <a:blip r:embed="rId2">
+            <a:extLst>
+              <a:ext uri="{28A0092B-C50C-407E-A947-70E740481C1C}">
+                <a14:useLocalDpi xmlns:a14="http://schemas.microsoft.com/office/drawing/2010/main" val="0"/>
+              </a:ext>
+            </a:extLst>
+          </a:blip>
+          <a:stretch>
+            <a:fillRect/>
+          </a:stretch>
+        </p:blipFill>
+        <p:spPr>
+          <a:xfrm>
+            <a:off x="1911503" y="487886"/>
+            <a:ext cx="6668431" cy="15242127"/>
+          </a:xfrm>
+          <a:prstGeom prst="rect">
+            <a:avLst/>
+          </a:prstGeom>
+          <a:ln w="38100">
+            <a:solidFill>
+              <a:srgbClr val="002060"/>
+            </a:solidFill>
+          </a:ln>
+        </p:spPr>
+      </p:pic>
+      <p:pic>
+        <p:nvPicPr>
+          <p:cNvPr id="29" name="Picture 28" descr="A picture containing text, screenshot, colorfulness, font&#10;&#10;Description automatically generated">
+            <a:extLst>
+              <a:ext uri="{FF2B5EF4-FFF2-40B4-BE49-F238E27FC236}">
+                <a16:creationId xmlns:a16="http://schemas.microsoft.com/office/drawing/2014/main" id="{DE20CB9C-850C-69E7-EA85-FB716989F586}"/>
+              </a:ext>
+            </a:extLst>
+          </p:cNvPr>
+          <p:cNvPicPr>
+            <a:picLocks noChangeAspect="1"/>
+          </p:cNvPicPr>
+          <p:nvPr/>
+        </p:nvPicPr>
+        <p:blipFill rotWithShape="1">
+          <a:blip r:embed="rId3">
+            <a:extLst>
+              <a:ext uri="{28A0092B-C50C-407E-A947-70E740481C1C}">
+                <a14:useLocalDpi xmlns:a14="http://schemas.microsoft.com/office/drawing/2010/main" val="0"/>
+              </a:ext>
+            </a:extLst>
+          </a:blip>
+          <a:srcRect l="32401"/>
+          <a:stretch/>
+        </p:blipFill>
+        <p:spPr>
+          <a:xfrm>
+            <a:off x="8618034" y="487885"/>
+            <a:ext cx="4507794" cy="15242127"/>
+          </a:xfrm>
+          <a:prstGeom prst="rect">
+            <a:avLst/>
+          </a:prstGeom>
+          <a:ln w="38100">
+            <a:solidFill>
+              <a:srgbClr val="002060"/>
+            </a:solidFill>
+          </a:ln>
+        </p:spPr>
+      </p:pic>
+    </p:spTree>
+    <p:extLst>
+      <p:ext uri="{BB962C8B-B14F-4D97-AF65-F5344CB8AC3E}">
+        <p14:creationId xmlns:p14="http://schemas.microsoft.com/office/powerpoint/2010/main" val="3213471130"/>
+      </p:ext>
+    </p:extLst>
+  </p:cSld>
+  <p:clrMapOvr>
+    <a:masterClrMapping/>
+  </p:clrMapOvr>
+</p:sld>
+</file>
+
+<file path=ppt/slides/slide5.xml><?xml version="1.0" encoding="utf-8"?>
+<p:sld xmlns:a="http://schemas.openxmlformats.org/drawingml/2006/main" xmlns:r="http://schemas.openxmlformats.org/officeDocument/2006/relationships" xmlns:p="http://schemas.openxmlformats.org/presentationml/2006/main">
+  <p:cSld>
+    <p:spTree>
+      <p:nvGrpSpPr>
+        <p:cNvPr id="1" name=""/>
+        <p:cNvGrpSpPr/>
+        <p:nvPr/>
+      </p:nvGrpSpPr>
+      <p:grpSpPr>
+        <a:xfrm>
+          <a:off x="0" y="0"/>
+          <a:ext cx="0" cy="0"/>
+          <a:chOff x="0" y="0"/>
+          <a:chExt cx="0" cy="0"/>
+        </a:xfrm>
+      </p:grpSpPr>
+      <p:pic>
+        <p:nvPicPr>
+          <p:cNvPr id="8" name="Picture 7" descr="A picture containing text, screenshot, font, number&#10;&#10;Description automatically generated">
+            <a:extLst>
+              <a:ext uri="{FF2B5EF4-FFF2-40B4-BE49-F238E27FC236}">
+                <a16:creationId xmlns:a16="http://schemas.microsoft.com/office/drawing/2014/main" id="{38D8B649-D976-05E4-70E0-031959DFCC3C}"/>
+              </a:ext>
+            </a:extLst>
+          </p:cNvPr>
+          <p:cNvPicPr>
+            <a:picLocks noChangeAspect="1"/>
+          </p:cNvPicPr>
+          <p:nvPr/>
+        </p:nvPicPr>
+        <p:blipFill rotWithShape="1">
+          <a:blip r:embed="rId2">
+            <a:extLst>
+              <a:ext uri="{28A0092B-C50C-407E-A947-70E740481C1C}">
+                <a14:useLocalDpi xmlns:a14="http://schemas.microsoft.com/office/drawing/2010/main" val="0"/>
+              </a:ext>
+            </a:extLst>
+          </a:blip>
+          <a:srcRect l="33489"/>
+          <a:stretch/>
+        </p:blipFill>
+        <p:spPr>
+          <a:xfrm>
+            <a:off x="8835773" y="1003787"/>
+            <a:ext cx="4435246" cy="15242126"/>
+          </a:xfrm>
+          <a:prstGeom prst="rect">
+            <a:avLst/>
+          </a:prstGeom>
+          <a:ln w="38100">
+            <a:solidFill>
+              <a:srgbClr val="002060"/>
+            </a:solidFill>
+          </a:ln>
+        </p:spPr>
+      </p:pic>
+      <p:pic>
+        <p:nvPicPr>
+          <p:cNvPr id="9" name="Picture 8" descr="A picture containing text, screenshot, font, colorfulness&#10;&#10;Description automatically generated">
+            <a:extLst>
+              <a:ext uri="{FF2B5EF4-FFF2-40B4-BE49-F238E27FC236}">
+                <a16:creationId xmlns:a16="http://schemas.microsoft.com/office/drawing/2014/main" id="{D000D737-6BAF-FE83-543B-7F7DC45251BE}"/>
+              </a:ext>
+            </a:extLst>
+          </p:cNvPr>
+          <p:cNvPicPr>
+            <a:picLocks noChangeAspect="1"/>
+          </p:cNvPicPr>
+          <p:nvPr/>
+        </p:nvPicPr>
+        <p:blipFill>
+          <a:blip r:embed="rId3">
+            <a:extLst>
+              <a:ext uri="{28A0092B-C50C-407E-A947-70E740481C1C}">
+                <a14:useLocalDpi xmlns:a14="http://schemas.microsoft.com/office/drawing/2010/main" val="0"/>
+              </a:ext>
+            </a:extLst>
+          </a:blip>
+          <a:stretch>
+            <a:fillRect/>
+          </a:stretch>
+        </p:blipFill>
+        <p:spPr>
+          <a:xfrm>
+            <a:off x="2109284" y="1003786"/>
+            <a:ext cx="6668431" cy="15242127"/>
+          </a:xfrm>
+          <a:prstGeom prst="rect">
+            <a:avLst/>
+          </a:prstGeom>
+          <a:ln w="38100">
+            <a:solidFill>
+              <a:srgbClr val="002060"/>
+            </a:solidFill>
+          </a:ln>
+        </p:spPr>
+      </p:pic>
+    </p:spTree>
+    <p:extLst>
+      <p:ext uri="{BB962C8B-B14F-4D97-AF65-F5344CB8AC3E}">
+        <p14:creationId xmlns:p14="http://schemas.microsoft.com/office/powerpoint/2010/main" val="540664807"/>
+      </p:ext>
+    </p:extLst>
+  </p:cSld>
+  <p:clrMapOvr>
+    <a:masterClrMapping/>
+  </p:clrMapOvr>
+</p:sld>
+</file>
+
 <file path=ppt/theme/theme1.xml><?xml version="1.0" encoding="utf-8"?>
 <a:theme xmlns:a="http://schemas.openxmlformats.org/drawingml/2006/main" name="Office Theme">
   <a:themeElements>
-    <a:clrScheme name="Office">
+    <a:clrScheme name="Office Theme">
       <a:dk1>
         <a:sysClr val="windowText" lastClr="000000"/>
       </a:dk1>
@@ -10481,7 +10545,7 @@
         <a:srgbClr val="954F72"/>
       </a:folHlink>
     </a:clrScheme>
-    <a:fontScheme name="Office">
+    <a:fontScheme name="Office Theme">
       <a:majorFont>
         <a:latin typeface="Calibri Light" panose="020F0302020204030204"/>
         <a:ea typeface=""/>
@@ -10516,23 +10580,6 @@
         <a:font script="Viet" typeface="Times New Roman"/>
         <a:font script="Uigh" typeface="Microsoft Uighur"/>
         <a:font script="Geor" typeface="Sylfaen"/>
-        <a:font script="Armn" typeface="Arial"/>
-        <a:font script="Bugi" typeface="Leelawadee UI"/>
-        <a:font script="Bopo" typeface="Microsoft JhengHei"/>
-        <a:font script="Java" typeface="Javanese Text"/>
-        <a:font script="Lisu" typeface="Segoe UI"/>
-        <a:font script="Mymr" typeface="Myanmar Text"/>
-        <a:font script="Nkoo" typeface="Ebrima"/>
-        <a:font script="Olck" typeface="Nirmala UI"/>
-        <a:font script="Osma" typeface="Ebrima"/>
-        <a:font script="Phag" typeface="Phagspa"/>
-        <a:font script="Syrn" typeface="Estrangelo Edessa"/>
-        <a:font script="Syrj" typeface="Estrangelo Edessa"/>
-        <a:font script="Syre" typeface="Estrangelo Edessa"/>
-        <a:font script="Sora" typeface="Nirmala UI"/>
-        <a:font script="Tale" typeface="Microsoft Tai Le"/>
-        <a:font script="Talu" typeface="Microsoft New Tai Lue"/>
-        <a:font script="Tfng" typeface="Ebrima"/>
       </a:majorFont>
       <a:minorFont>
         <a:latin typeface="Calibri" panose="020F0502020204030204"/>
@@ -10568,26 +10615,9 @@
         <a:font script="Viet" typeface="Arial"/>
         <a:font script="Uigh" typeface="Microsoft Uighur"/>
         <a:font script="Geor" typeface="Sylfaen"/>
-        <a:font script="Armn" typeface="Arial"/>
-        <a:font script="Bugi" typeface="Leelawadee UI"/>
-        <a:font script="Bopo" typeface="Microsoft JhengHei"/>
-        <a:font script="Java" typeface="Javanese Text"/>
-        <a:font script="Lisu" typeface="Segoe UI"/>
-        <a:font script="Mymr" typeface="Myanmar Text"/>
-        <a:font script="Nkoo" typeface="Ebrima"/>
-        <a:font script="Olck" typeface="Nirmala UI"/>
-        <a:font script="Osma" typeface="Ebrima"/>
-        <a:font script="Phag" typeface="Phagspa"/>
-        <a:font script="Syrn" typeface="Estrangelo Edessa"/>
-        <a:font script="Syrj" typeface="Estrangelo Edessa"/>
-        <a:font script="Syre" typeface="Estrangelo Edessa"/>
-        <a:font script="Sora" typeface="Nirmala UI"/>
-        <a:font script="Tale" typeface="Microsoft Tai Le"/>
-        <a:font script="Talu" typeface="Microsoft New Tai Lue"/>
-        <a:font script="Tfng" typeface="Ebrima"/>
       </a:minorFont>
     </a:fontScheme>
-    <a:fmtScheme name="Office">
+    <a:fmtScheme name="Office Theme">
       <a:fillStyleLst>
         <a:solidFill>
           <a:schemeClr val="phClr"/>
@@ -10729,7 +10759,7 @@
   <a:extraClrSchemeLst/>
   <a:extLst>
     <a:ext uri="{05A4C25C-085E-4340-85A3-A5531E510DB2}">
-      <thm15:themeFamily xmlns:thm15="http://schemas.microsoft.com/office/thememl/2012/main" name="Office Theme" id="{62F939B6-93AF-4DB8-9C6B-D6C7DFDC589F}" vid="{4A3C46E8-61CC-4603-A589-7422A47A8E4A}"/>
+      <thm15:themeFamily xmlns:thm15="http://schemas.microsoft.com/office/thememl/2012/main" name="Office Theme 2013 - 2022" id="{62F939B6-93AF-4DB8-9C6B-D6C7DFDC589F}" vid="{4A3C46E8-61CC-4603-A589-7422A47A8E4A}"/>
     </a:ext>
   </a:extLst>
 </a:theme>

--- a/Summary/figures.pptx
+++ b/Summary/figures.pptx
@@ -5,7 +5,7 @@
     <p:sldMasterId id="2147483660" r:id="rId1"/>
   </p:sldMasterIdLst>
   <p:notesMasterIdLst>
-    <p:notesMasterId r:id="rId7"/>
+    <p:notesMasterId r:id="rId8"/>
   </p:notesMasterIdLst>
   <p:sldIdLst>
     <p:sldId id="412" r:id="rId2"/>
@@ -13,6 +13,7 @@
     <p:sldId id="414" r:id="rId4"/>
     <p:sldId id="415" r:id="rId5"/>
     <p:sldId id="416" r:id="rId6"/>
+    <p:sldId id="417" r:id="rId7"/>
   </p:sldIdLst>
   <p:sldSz cx="18288000" cy="18288000"/>
   <p:notesSz cx="6858000" cy="9144000"/>
@@ -122,7 +123,7 @@
 <file path=ppt/revisionInfo.xml><?xml version="1.0" encoding="utf-8"?>
 <p1510:revInfo xmlns:a="http://schemas.openxmlformats.org/drawingml/2006/main" xmlns:r="http://schemas.openxmlformats.org/officeDocument/2006/relationships" xmlns:p1510="http://schemas.microsoft.com/office/powerpoint/2015/10/main">
   <p1510:revLst>
-    <p1510:client id="{833092D5-9927-4807-BE3E-672C10A7E002}" v="9" dt="2023-06-01T01:05:04.691"/>
+    <p1510:client id="{833092D5-9927-4807-BE3E-672C10A7E002}" v="11" dt="2023-06-07T20:53:19.273"/>
   </p1510:revLst>
 </p1510:revInfo>
 </file>
@@ -132,7 +133,7 @@
   <pc:docChgLst>
     <pc:chgData name="Jonathan Mah" userId="5261b2f2f3e51194" providerId="LiveId" clId="{833092D5-9927-4807-BE3E-672C10A7E002}"/>
     <pc:docChg chg="custSel addSld modSld sldOrd">
-      <pc:chgData name="Jonathan Mah" userId="5261b2f2f3e51194" providerId="LiveId" clId="{833092D5-9927-4807-BE3E-672C10A7E002}" dt="2023-06-01T01:05:39.589" v="97" actId="1037"/>
+      <pc:chgData name="Jonathan Mah" userId="5261b2f2f3e51194" providerId="LiveId" clId="{833092D5-9927-4807-BE3E-672C10A7E002}" dt="2023-06-07T20:55:21.015" v="181" actId="14100"/>
       <pc:docMkLst>
         <pc:docMk/>
       </pc:docMkLst>
@@ -365,6 +366,45 @@
           </ac:picMkLst>
         </pc:picChg>
       </pc:sldChg>
+      <pc:sldChg chg="addSp delSp modSp new mod">
+        <pc:chgData name="Jonathan Mah" userId="5261b2f2f3e51194" providerId="LiveId" clId="{833092D5-9927-4807-BE3E-672C10A7E002}" dt="2023-06-07T20:55:21.015" v="181" actId="14100"/>
+        <pc:sldMkLst>
+          <pc:docMk/>
+          <pc:sldMk cId="400842982" sldId="417"/>
+        </pc:sldMkLst>
+        <pc:spChg chg="del">
+          <ac:chgData name="Jonathan Mah" userId="5261b2f2f3e51194" providerId="LiveId" clId="{833092D5-9927-4807-BE3E-672C10A7E002}" dt="2023-06-07T20:52:22.675" v="99" actId="478"/>
+          <ac:spMkLst>
+            <pc:docMk/>
+            <pc:sldMk cId="400842982" sldId="417"/>
+            <ac:spMk id="2" creationId="{901FD9CE-1DFA-F117-37E6-28E6AC7BC4AA}"/>
+          </ac:spMkLst>
+        </pc:spChg>
+        <pc:spChg chg="del">
+          <ac:chgData name="Jonathan Mah" userId="5261b2f2f3e51194" providerId="LiveId" clId="{833092D5-9927-4807-BE3E-672C10A7E002}" dt="2023-06-07T20:52:22.675" v="99" actId="478"/>
+          <ac:spMkLst>
+            <pc:docMk/>
+            <pc:sldMk cId="400842982" sldId="417"/>
+            <ac:spMk id="3" creationId="{3F2F3AB7-DC92-5F03-4641-DEB0F0A35135}"/>
+          </ac:spMkLst>
+        </pc:spChg>
+        <pc:picChg chg="add mod">
+          <ac:chgData name="Jonathan Mah" userId="5261b2f2f3e51194" providerId="LiveId" clId="{833092D5-9927-4807-BE3E-672C10A7E002}" dt="2023-06-07T20:52:51.539" v="103" actId="1076"/>
+          <ac:picMkLst>
+            <pc:docMk/>
+            <pc:sldMk cId="400842982" sldId="417"/>
+            <ac:picMk id="5" creationId="{B68C9AA9-1D3A-A326-5B5F-9D03D92D1DF0}"/>
+          </ac:picMkLst>
+        </pc:picChg>
+        <pc:picChg chg="add mod modCrop">
+          <ac:chgData name="Jonathan Mah" userId="5261b2f2f3e51194" providerId="LiveId" clId="{833092D5-9927-4807-BE3E-672C10A7E002}" dt="2023-06-07T20:55:21.015" v="181" actId="14100"/>
+          <ac:picMkLst>
+            <pc:docMk/>
+            <pc:sldMk cId="400842982" sldId="417"/>
+            <ac:picMk id="7" creationId="{0AD190B1-2F35-5FB5-9720-7ADA88F455E7}"/>
+          </ac:picMkLst>
+        </pc:picChg>
+      </pc:sldChg>
     </pc:docChg>
   </pc:docChgLst>
 </pc:chgInfo>
@@ -452,7 +492,7 @@
           <a:p>
             <a:fld id="{224F4B04-6A50-4A51-B675-D86EC6563060}" type="datetimeFigureOut">
               <a:rPr lang="en-US" smtClean="0"/>
-              <a:t>5/31/2023</a:t>
+              <a:t>6/7/2023</a:t>
             </a:fld>
             <a:endParaRPr lang="en-US"/>
           </a:p>
@@ -962,7 +1002,7 @@
           <a:p>
             <a:fld id="{54E435BD-4569-4C00-96FD-DE6EEAA430DA}" type="datetimeFigureOut">
               <a:rPr lang="en-US" smtClean="0"/>
-              <a:t>5/31/2023</a:t>
+              <a:t>6/7/2023</a:t>
             </a:fld>
             <a:endParaRPr lang="en-US"/>
           </a:p>
@@ -1132,7 +1172,7 @@
           <a:p>
             <a:fld id="{54E435BD-4569-4C00-96FD-DE6EEAA430DA}" type="datetimeFigureOut">
               <a:rPr lang="en-US" smtClean="0"/>
-              <a:t>5/31/2023</a:t>
+              <a:t>6/7/2023</a:t>
             </a:fld>
             <a:endParaRPr lang="en-US"/>
           </a:p>
@@ -1312,7 +1352,7 @@
           <a:p>
             <a:fld id="{54E435BD-4569-4C00-96FD-DE6EEAA430DA}" type="datetimeFigureOut">
               <a:rPr lang="en-US" smtClean="0"/>
-              <a:t>5/31/2023</a:t>
+              <a:t>6/7/2023</a:t>
             </a:fld>
             <a:endParaRPr lang="en-US"/>
           </a:p>
@@ -1482,7 +1522,7 @@
           <a:p>
             <a:fld id="{54E435BD-4569-4C00-96FD-DE6EEAA430DA}" type="datetimeFigureOut">
               <a:rPr lang="en-US" smtClean="0"/>
-              <a:t>5/31/2023</a:t>
+              <a:t>6/7/2023</a:t>
             </a:fld>
             <a:endParaRPr lang="en-US"/>
           </a:p>
@@ -1726,7 +1766,7 @@
           <a:p>
             <a:fld id="{54E435BD-4569-4C00-96FD-DE6EEAA430DA}" type="datetimeFigureOut">
               <a:rPr lang="en-US" smtClean="0"/>
-              <a:t>5/31/2023</a:t>
+              <a:t>6/7/2023</a:t>
             </a:fld>
             <a:endParaRPr lang="en-US"/>
           </a:p>
@@ -1958,7 +1998,7 @@
           <a:p>
             <a:fld id="{54E435BD-4569-4C00-96FD-DE6EEAA430DA}" type="datetimeFigureOut">
               <a:rPr lang="en-US" smtClean="0"/>
-              <a:t>5/31/2023</a:t>
+              <a:t>6/7/2023</a:t>
             </a:fld>
             <a:endParaRPr lang="en-US"/>
           </a:p>
@@ -2325,7 +2365,7 @@
           <a:p>
             <a:fld id="{54E435BD-4569-4C00-96FD-DE6EEAA430DA}" type="datetimeFigureOut">
               <a:rPr lang="en-US" smtClean="0"/>
-              <a:t>5/31/2023</a:t>
+              <a:t>6/7/2023</a:t>
             </a:fld>
             <a:endParaRPr lang="en-US"/>
           </a:p>
@@ -2443,7 +2483,7 @@
           <a:p>
             <a:fld id="{54E435BD-4569-4C00-96FD-DE6EEAA430DA}" type="datetimeFigureOut">
               <a:rPr lang="en-US" smtClean="0"/>
-              <a:t>5/31/2023</a:t>
+              <a:t>6/7/2023</a:t>
             </a:fld>
             <a:endParaRPr lang="en-US"/>
           </a:p>
@@ -2538,7 +2578,7 @@
           <a:p>
             <a:fld id="{54E435BD-4569-4C00-96FD-DE6EEAA430DA}" type="datetimeFigureOut">
               <a:rPr lang="en-US" smtClean="0"/>
-              <a:t>5/31/2023</a:t>
+              <a:t>6/7/2023</a:t>
             </a:fld>
             <a:endParaRPr lang="en-US"/>
           </a:p>
@@ -2815,7 +2855,7 @@
           <a:p>
             <a:fld id="{54E435BD-4569-4C00-96FD-DE6EEAA430DA}" type="datetimeFigureOut">
               <a:rPr lang="en-US" smtClean="0"/>
-              <a:t>5/31/2023</a:t>
+              <a:t>6/7/2023</a:t>
             </a:fld>
             <a:endParaRPr lang="en-US"/>
           </a:p>
@@ -3072,7 +3112,7 @@
           <a:p>
             <a:fld id="{54E435BD-4569-4C00-96FD-DE6EEAA430DA}" type="datetimeFigureOut">
               <a:rPr lang="en-US" smtClean="0"/>
-              <a:t>5/31/2023</a:t>
+              <a:t>6/7/2023</a:t>
             </a:fld>
             <a:endParaRPr lang="en-US"/>
           </a:p>
@@ -3285,7 +3325,7 @@
           <a:p>
             <a:fld id="{54E435BD-4569-4C00-96FD-DE6EEAA430DA}" type="datetimeFigureOut">
               <a:rPr lang="en-US" smtClean="0"/>
-              <a:t>5/31/2023</a:t>
+              <a:t>6/7/2023</a:t>
             </a:fld>
             <a:endParaRPr lang="en-US"/>
           </a:p>
@@ -10504,6 +10544,107 @@
 </p:sld>
 </file>
 
+<file path=ppt/slides/slide6.xml><?xml version="1.0" encoding="utf-8"?>
+<p:sld xmlns:a="http://schemas.openxmlformats.org/drawingml/2006/main" xmlns:r="http://schemas.openxmlformats.org/officeDocument/2006/relationships" xmlns:p="http://schemas.openxmlformats.org/presentationml/2006/main">
+  <p:cSld>
+    <p:spTree>
+      <p:nvGrpSpPr>
+        <p:cNvPr id="1" name=""/>
+        <p:cNvGrpSpPr/>
+        <p:nvPr/>
+      </p:nvGrpSpPr>
+      <p:grpSpPr>
+        <a:xfrm>
+          <a:off x="0" y="0"/>
+          <a:ext cx="0" cy="0"/>
+          <a:chOff x="0" y="0"/>
+          <a:chExt cx="0" cy="0"/>
+        </a:xfrm>
+      </p:grpSpPr>
+      <p:pic>
+        <p:nvPicPr>
+          <p:cNvPr id="5" name="Picture 4" descr="A picture containing black, darkness&#10;&#10;Description automatically generated">
+            <a:extLst>
+              <a:ext uri="{FF2B5EF4-FFF2-40B4-BE49-F238E27FC236}">
+                <a16:creationId xmlns:a16="http://schemas.microsoft.com/office/drawing/2014/main" id="{B68C9AA9-1D3A-A326-5B5F-9D03D92D1DF0}"/>
+              </a:ext>
+            </a:extLst>
+          </p:cNvPr>
+          <p:cNvPicPr>
+            <a:picLocks noChangeAspect="1"/>
+          </p:cNvPicPr>
+          <p:nvPr/>
+        </p:nvPicPr>
+        <p:blipFill>
+          <a:blip r:embed="rId2">
+            <a:extLst>
+              <a:ext uri="{28A0092B-C50C-407E-A947-70E740481C1C}">
+                <a14:useLocalDpi xmlns:a14="http://schemas.microsoft.com/office/drawing/2010/main" val="0"/>
+              </a:ext>
+            </a:extLst>
+          </a:blip>
+          <a:stretch>
+            <a:fillRect/>
+          </a:stretch>
+        </p:blipFill>
+        <p:spPr>
+          <a:xfrm>
+            <a:off x="0" y="6167437"/>
+            <a:ext cx="10706100" cy="5953125"/>
+          </a:xfrm>
+          <a:prstGeom prst="rect">
+            <a:avLst/>
+          </a:prstGeom>
+        </p:spPr>
+      </p:pic>
+      <p:pic>
+        <p:nvPicPr>
+          <p:cNvPr id="7" name="Picture 6" descr="A picture containing text, screenshot, font, number&#10;&#10;Description automatically generated">
+            <a:extLst>
+              <a:ext uri="{FF2B5EF4-FFF2-40B4-BE49-F238E27FC236}">
+                <a16:creationId xmlns:a16="http://schemas.microsoft.com/office/drawing/2014/main" id="{0AD190B1-2F35-5FB5-9720-7ADA88F455E7}"/>
+              </a:ext>
+            </a:extLst>
+          </p:cNvPr>
+          <p:cNvPicPr>
+            <a:picLocks noChangeAspect="1"/>
+          </p:cNvPicPr>
+          <p:nvPr/>
+        </p:nvPicPr>
+        <p:blipFill rotWithShape="1">
+          <a:blip r:embed="rId3">
+            <a:extLst>
+              <a:ext uri="{28A0092B-C50C-407E-A947-70E740481C1C}">
+                <a14:useLocalDpi xmlns:a14="http://schemas.microsoft.com/office/drawing/2010/main" val="0"/>
+              </a:ext>
+            </a:extLst>
+          </a:blip>
+          <a:srcRect l="35832" t="4367"/>
+          <a:stretch/>
+        </p:blipFill>
+        <p:spPr>
+          <a:xfrm>
+            <a:off x="10706099" y="6243320"/>
+            <a:ext cx="1677674" cy="5715000"/>
+          </a:xfrm>
+          <a:prstGeom prst="rect">
+            <a:avLst/>
+          </a:prstGeom>
+        </p:spPr>
+      </p:pic>
+    </p:spTree>
+    <p:extLst>
+      <p:ext uri="{BB962C8B-B14F-4D97-AF65-F5344CB8AC3E}">
+        <p14:creationId xmlns:p14="http://schemas.microsoft.com/office/powerpoint/2010/main" val="400842982"/>
+      </p:ext>
+    </p:extLst>
+  </p:cSld>
+  <p:clrMapOvr>
+    <a:masterClrMapping/>
+  </p:clrMapOvr>
+</p:sld>
+</file>
+
 <file path=ppt/theme/theme1.xml><?xml version="1.0" encoding="utf-8"?>
 <a:theme xmlns:a="http://schemas.openxmlformats.org/drawingml/2006/main" name="Office Theme">
   <a:themeElements>

--- a/Summary/figures.pptx
+++ b/Summary/figures.pptx
@@ -5,15 +5,16 @@
     <p:sldMasterId id="2147483660" r:id="rId1"/>
   </p:sldMasterIdLst>
   <p:notesMasterIdLst>
-    <p:notesMasterId r:id="rId8"/>
+    <p:notesMasterId r:id="rId9"/>
   </p:notesMasterIdLst>
   <p:sldIdLst>
     <p:sldId id="412" r:id="rId2"/>
-    <p:sldId id="413" r:id="rId3"/>
-    <p:sldId id="414" r:id="rId4"/>
-    <p:sldId id="415" r:id="rId5"/>
-    <p:sldId id="416" r:id="rId6"/>
-    <p:sldId id="417" r:id="rId7"/>
+    <p:sldId id="418" r:id="rId3"/>
+    <p:sldId id="413" r:id="rId4"/>
+    <p:sldId id="414" r:id="rId5"/>
+    <p:sldId id="415" r:id="rId6"/>
+    <p:sldId id="416" r:id="rId7"/>
+    <p:sldId id="417" r:id="rId8"/>
   </p:sldIdLst>
   <p:sldSz cx="18288000" cy="18288000"/>
   <p:notesSz cx="6858000" cy="9144000"/>
@@ -123,7 +124,7 @@
 <file path=ppt/revisionInfo.xml><?xml version="1.0" encoding="utf-8"?>
 <p1510:revInfo xmlns:a="http://schemas.openxmlformats.org/drawingml/2006/main" xmlns:r="http://schemas.openxmlformats.org/officeDocument/2006/relationships" xmlns:p1510="http://schemas.microsoft.com/office/powerpoint/2015/10/main">
   <p1510:revLst>
-    <p1510:client id="{833092D5-9927-4807-BE3E-672C10A7E002}" v="11" dt="2023-06-07T20:53:19.273"/>
+    <p1510:client id="{833092D5-9927-4807-BE3E-672C10A7E002}" v="25" dt="2023-06-13T21:49:09.680"/>
   </p1510:revLst>
 </p1510:revInfo>
 </file>
@@ -132,11 +133,1146 @@
 <pc:chgInfo xmlns:a="http://schemas.openxmlformats.org/drawingml/2006/main" xmlns:r="http://schemas.openxmlformats.org/officeDocument/2006/relationships" xmlns:ac="http://schemas.microsoft.com/office/drawing/2013/main/command" xmlns:pc="http://schemas.microsoft.com/office/powerpoint/2013/main/command">
   <pc:docChgLst>
     <pc:chgData name="Jonathan Mah" userId="5261b2f2f3e51194" providerId="LiveId" clId="{833092D5-9927-4807-BE3E-672C10A7E002}"/>
-    <pc:docChg chg="custSel addSld modSld sldOrd">
-      <pc:chgData name="Jonathan Mah" userId="5261b2f2f3e51194" providerId="LiveId" clId="{833092D5-9927-4807-BE3E-672C10A7E002}" dt="2023-06-07T20:55:21.015" v="181" actId="14100"/>
+    <pc:docChg chg="undo custSel addSld modSld sldOrd">
+      <pc:chgData name="Jonathan Mah" userId="5261b2f2f3e51194" providerId="LiveId" clId="{833092D5-9927-4807-BE3E-672C10A7E002}" dt="2023-06-13T21:55:39.938" v="545" actId="1076"/>
       <pc:docMkLst>
         <pc:docMk/>
       </pc:docMkLst>
+      <pc:sldChg chg="addSp delSp modSp mod">
+        <pc:chgData name="Jonathan Mah" userId="5261b2f2f3e51194" providerId="LiveId" clId="{833092D5-9927-4807-BE3E-672C10A7E002}" dt="2023-06-13T21:55:39.938" v="545" actId="1076"/>
+        <pc:sldMkLst>
+          <pc:docMk/>
+          <pc:sldMk cId="2548783154" sldId="412"/>
+        </pc:sldMkLst>
+        <pc:spChg chg="mod">
+          <ac:chgData name="Jonathan Mah" userId="5261b2f2f3e51194" providerId="LiveId" clId="{833092D5-9927-4807-BE3E-672C10A7E002}" dt="2023-06-13T21:52:46.924" v="385" actId="255"/>
+          <ac:spMkLst>
+            <pc:docMk/>
+            <pc:sldMk cId="2548783154" sldId="412"/>
+            <ac:spMk id="3" creationId="{E045C57F-5BD5-0644-1B90-BFE7968076DB}"/>
+          </ac:spMkLst>
+        </pc:spChg>
+        <pc:spChg chg="add mod">
+          <ac:chgData name="Jonathan Mah" userId="5261b2f2f3e51194" providerId="LiveId" clId="{833092D5-9927-4807-BE3E-672C10A7E002}" dt="2023-06-13T21:55:36.489" v="544" actId="1076"/>
+          <ac:spMkLst>
+            <pc:docMk/>
+            <pc:sldMk cId="2548783154" sldId="412"/>
+            <ac:spMk id="10" creationId="{D040A546-771F-8827-6922-AAA12FA716F7}"/>
+          </ac:spMkLst>
+        </pc:spChg>
+        <pc:spChg chg="mod">
+          <ac:chgData name="Jonathan Mah" userId="5261b2f2f3e51194" providerId="LiveId" clId="{833092D5-9927-4807-BE3E-672C10A7E002}" dt="2023-06-13T21:52:46.924" v="385" actId="255"/>
+          <ac:spMkLst>
+            <pc:docMk/>
+            <pc:sldMk cId="2548783154" sldId="412"/>
+            <ac:spMk id="14" creationId="{D5A48ADE-F577-27AD-1B7E-CF549FCD2D09}"/>
+          </ac:spMkLst>
+        </pc:spChg>
+        <pc:spChg chg="add del mod">
+          <ac:chgData name="Jonathan Mah" userId="5261b2f2f3e51194" providerId="LiveId" clId="{833092D5-9927-4807-BE3E-672C10A7E002}" dt="2023-06-13T21:53:07.222" v="387" actId="478"/>
+          <ac:spMkLst>
+            <pc:docMk/>
+            <pc:sldMk cId="2548783154" sldId="412"/>
+            <ac:spMk id="25" creationId="{CD0A2999-0BA4-6D8C-7C59-5A0E5B5DC554}"/>
+          </ac:spMkLst>
+        </pc:spChg>
+        <pc:spChg chg="add del mod">
+          <ac:chgData name="Jonathan Mah" userId="5261b2f2f3e51194" providerId="LiveId" clId="{833092D5-9927-4807-BE3E-672C10A7E002}" dt="2023-06-13T21:53:11.308" v="390" actId="478"/>
+          <ac:spMkLst>
+            <pc:docMk/>
+            <pc:sldMk cId="2548783154" sldId="412"/>
+            <ac:spMk id="26" creationId="{4DD4BEF6-584E-C92F-1FB1-CC18F6FFD4DE}"/>
+          </ac:spMkLst>
+        </pc:spChg>
+        <pc:spChg chg="add del mod">
+          <ac:chgData name="Jonathan Mah" userId="5261b2f2f3e51194" providerId="LiveId" clId="{833092D5-9927-4807-BE3E-672C10A7E002}" dt="2023-06-13T21:53:12.120" v="391" actId="478"/>
+          <ac:spMkLst>
+            <pc:docMk/>
+            <pc:sldMk cId="2548783154" sldId="412"/>
+            <ac:spMk id="27" creationId="{A8F78FA3-7800-2826-C06C-2CA6C15F17FC}"/>
+          </ac:spMkLst>
+        </pc:spChg>
+        <pc:spChg chg="add mod">
+          <ac:chgData name="Jonathan Mah" userId="5261b2f2f3e51194" providerId="LiveId" clId="{833092D5-9927-4807-BE3E-672C10A7E002}" dt="2023-06-13T21:53:46.987" v="497" actId="1037"/>
+          <ac:spMkLst>
+            <pc:docMk/>
+            <pc:sldMk cId="2548783154" sldId="412"/>
+            <ac:spMk id="28" creationId="{5551282F-E72A-1CA2-E2A6-71B3EFB3657E}"/>
+          </ac:spMkLst>
+        </pc:spChg>
+        <pc:spChg chg="mod">
+          <ac:chgData name="Jonathan Mah" userId="5261b2f2f3e51194" providerId="LiveId" clId="{833092D5-9927-4807-BE3E-672C10A7E002}" dt="2023-06-13T21:52:46.924" v="385" actId="255"/>
+          <ac:spMkLst>
+            <pc:docMk/>
+            <pc:sldMk cId="2548783154" sldId="412"/>
+            <ac:spMk id="30" creationId="{F354C963-2232-7F9B-16E5-84C01783A459}"/>
+          </ac:spMkLst>
+        </pc:spChg>
+        <pc:spChg chg="mod">
+          <ac:chgData name="Jonathan Mah" userId="5261b2f2f3e51194" providerId="LiveId" clId="{833092D5-9927-4807-BE3E-672C10A7E002}" dt="2023-06-13T21:52:46.924" v="385" actId="255"/>
+          <ac:spMkLst>
+            <pc:docMk/>
+            <pc:sldMk cId="2548783154" sldId="412"/>
+            <ac:spMk id="32" creationId="{B385F478-C06D-6E2D-3F5B-FD14F152EC92}"/>
+          </ac:spMkLst>
+        </pc:spChg>
+        <pc:spChg chg="mod">
+          <ac:chgData name="Jonathan Mah" userId="5261b2f2f3e51194" providerId="LiveId" clId="{833092D5-9927-4807-BE3E-672C10A7E002}" dt="2023-06-13T21:52:46.924" v="385" actId="255"/>
+          <ac:spMkLst>
+            <pc:docMk/>
+            <pc:sldMk cId="2548783154" sldId="412"/>
+            <ac:spMk id="41" creationId="{CC014116-62F8-4C34-A785-56140C2E9EE6}"/>
+          </ac:spMkLst>
+        </pc:spChg>
+        <pc:spChg chg="mod">
+          <ac:chgData name="Jonathan Mah" userId="5261b2f2f3e51194" providerId="LiveId" clId="{833092D5-9927-4807-BE3E-672C10A7E002}" dt="2023-06-13T21:52:46.924" v="385" actId="255"/>
+          <ac:spMkLst>
+            <pc:docMk/>
+            <pc:sldMk cId="2548783154" sldId="412"/>
+            <ac:spMk id="51" creationId="{723EA04C-B49E-4480-97DD-E8A7EC1C6C05}"/>
+          </ac:spMkLst>
+        </pc:spChg>
+        <pc:spChg chg="mod">
+          <ac:chgData name="Jonathan Mah" userId="5261b2f2f3e51194" providerId="LiveId" clId="{833092D5-9927-4807-BE3E-672C10A7E002}" dt="2023-06-13T21:52:46.924" v="385" actId="255"/>
+          <ac:spMkLst>
+            <pc:docMk/>
+            <pc:sldMk cId="2548783154" sldId="412"/>
+            <ac:spMk id="53" creationId="{67B93257-0C14-44CB-A085-5C9C6458E1D9}"/>
+          </ac:spMkLst>
+        </pc:spChg>
+        <pc:spChg chg="mod">
+          <ac:chgData name="Jonathan Mah" userId="5261b2f2f3e51194" providerId="LiveId" clId="{833092D5-9927-4807-BE3E-672C10A7E002}" dt="2023-06-13T21:52:46.924" v="385" actId="255"/>
+          <ac:spMkLst>
+            <pc:docMk/>
+            <pc:sldMk cId="2548783154" sldId="412"/>
+            <ac:spMk id="54" creationId="{E077384C-040C-4632-AAA3-539A810BE231}"/>
+          </ac:spMkLst>
+        </pc:spChg>
+        <pc:spChg chg="add mod">
+          <ac:chgData name="Jonathan Mah" userId="5261b2f2f3e51194" providerId="LiveId" clId="{833092D5-9927-4807-BE3E-672C10A7E002}" dt="2023-06-13T21:55:24.977" v="542" actId="1076"/>
+          <ac:spMkLst>
+            <pc:docMk/>
+            <pc:sldMk cId="2548783154" sldId="412"/>
+            <ac:spMk id="83" creationId="{FA9D0BDC-9013-F556-6EE6-F56174C84496}"/>
+          </ac:spMkLst>
+        </pc:spChg>
+        <pc:spChg chg="add mod">
+          <ac:chgData name="Jonathan Mah" userId="5261b2f2f3e51194" providerId="LiveId" clId="{833092D5-9927-4807-BE3E-672C10A7E002}" dt="2023-06-13T21:55:27.840" v="543" actId="1076"/>
+          <ac:spMkLst>
+            <pc:docMk/>
+            <pc:sldMk cId="2548783154" sldId="412"/>
+            <ac:spMk id="84" creationId="{C360AF92-53C1-EA80-B96A-E268297B4185}"/>
+          </ac:spMkLst>
+        </pc:spChg>
+        <pc:spChg chg="add del mod">
+          <ac:chgData name="Jonathan Mah" userId="5261b2f2f3e51194" providerId="LiveId" clId="{833092D5-9927-4807-BE3E-672C10A7E002}" dt="2023-06-13T21:53:08.441" v="388" actId="478"/>
+          <ac:spMkLst>
+            <pc:docMk/>
+            <pc:sldMk cId="2548783154" sldId="412"/>
+            <ac:spMk id="85" creationId="{F14E8C73-4B0E-2FBB-E373-E0466C91735C}"/>
+          </ac:spMkLst>
+        </pc:spChg>
+        <pc:spChg chg="add mod">
+          <ac:chgData name="Jonathan Mah" userId="5261b2f2f3e51194" providerId="LiveId" clId="{833092D5-9927-4807-BE3E-672C10A7E002}" dt="2023-06-13T21:55:39.938" v="545" actId="1076"/>
+          <ac:spMkLst>
+            <pc:docMk/>
+            <pc:sldMk cId="2548783154" sldId="412"/>
+            <ac:spMk id="88" creationId="{BE18A3B2-3200-8C4B-7C15-2E6046CF8C11}"/>
+          </ac:spMkLst>
+        </pc:spChg>
+        <pc:spChg chg="add del mod">
+          <ac:chgData name="Jonathan Mah" userId="5261b2f2f3e51194" providerId="LiveId" clId="{833092D5-9927-4807-BE3E-672C10A7E002}" dt="2023-06-13T21:53:09.900" v="389" actId="478"/>
+          <ac:spMkLst>
+            <pc:docMk/>
+            <pc:sldMk cId="2548783154" sldId="412"/>
+            <ac:spMk id="89" creationId="{8605CB22-2CB0-40EE-8AF7-A6EA8D35E5A3}"/>
+          </ac:spMkLst>
+        </pc:spChg>
+        <pc:spChg chg="add mod">
+          <ac:chgData name="Jonathan Mah" userId="5261b2f2f3e51194" providerId="LiveId" clId="{833092D5-9927-4807-BE3E-672C10A7E002}" dt="2023-06-13T21:54:44.649" v="505" actId="1076"/>
+          <ac:spMkLst>
+            <pc:docMk/>
+            <pc:sldMk cId="2548783154" sldId="412"/>
+            <ac:spMk id="90" creationId="{42145022-4A99-E568-8C38-E5777D3778FF}"/>
+          </ac:spMkLst>
+        </pc:spChg>
+        <pc:spChg chg="add del mod">
+          <ac:chgData name="Jonathan Mah" userId="5261b2f2f3e51194" providerId="LiveId" clId="{833092D5-9927-4807-BE3E-672C10A7E002}" dt="2023-06-13T21:53:05.917" v="386" actId="478"/>
+          <ac:spMkLst>
+            <pc:docMk/>
+            <pc:sldMk cId="2548783154" sldId="412"/>
+            <ac:spMk id="91" creationId="{D1E24EDB-B415-736C-9053-7F68D96F377E}"/>
+          </ac:spMkLst>
+        </pc:spChg>
+        <pc:spChg chg="add mod">
+          <ac:chgData name="Jonathan Mah" userId="5261b2f2f3e51194" providerId="LiveId" clId="{833092D5-9927-4807-BE3E-672C10A7E002}" dt="2023-06-13T21:55:00.484" v="537" actId="1036"/>
+          <ac:spMkLst>
+            <pc:docMk/>
+            <pc:sldMk cId="2548783154" sldId="412"/>
+            <ac:spMk id="92" creationId="{439CE439-C145-8E1E-1CA0-D75066A12D59}"/>
+          </ac:spMkLst>
+        </pc:spChg>
+        <pc:spChg chg="add mod">
+          <ac:chgData name="Jonathan Mah" userId="5261b2f2f3e51194" providerId="LiveId" clId="{833092D5-9927-4807-BE3E-672C10A7E002}" dt="2023-06-13T21:55:00.484" v="537" actId="1036"/>
+          <ac:spMkLst>
+            <pc:docMk/>
+            <pc:sldMk cId="2548783154" sldId="412"/>
+            <ac:spMk id="93" creationId="{30BC3F32-130E-D70D-A68F-8F4A9D408A9A}"/>
+          </ac:spMkLst>
+        </pc:spChg>
+        <pc:spChg chg="add mod">
+          <ac:chgData name="Jonathan Mah" userId="5261b2f2f3e51194" providerId="LiveId" clId="{833092D5-9927-4807-BE3E-672C10A7E002}" dt="2023-06-13T21:55:00.484" v="537" actId="1036"/>
+          <ac:spMkLst>
+            <pc:docMk/>
+            <pc:sldMk cId="2548783154" sldId="412"/>
+            <ac:spMk id="94" creationId="{9548E31E-280D-8092-DA91-51ADCC9FCAF3}"/>
+          </ac:spMkLst>
+        </pc:spChg>
+        <pc:spChg chg="add mod">
+          <ac:chgData name="Jonathan Mah" userId="5261b2f2f3e51194" providerId="LiveId" clId="{833092D5-9927-4807-BE3E-672C10A7E002}" dt="2023-06-13T21:55:00.484" v="537" actId="1036"/>
+          <ac:spMkLst>
+            <pc:docMk/>
+            <pc:sldMk cId="2548783154" sldId="412"/>
+            <ac:spMk id="95" creationId="{2541874E-0C6C-1C7F-227F-77600EE0CA30}"/>
+          </ac:spMkLst>
+        </pc:spChg>
+        <pc:spChg chg="add mod">
+          <ac:chgData name="Jonathan Mah" userId="5261b2f2f3e51194" providerId="LiveId" clId="{833092D5-9927-4807-BE3E-672C10A7E002}" dt="2023-06-13T21:55:00.484" v="537" actId="1036"/>
+          <ac:spMkLst>
+            <pc:docMk/>
+            <pc:sldMk cId="2548783154" sldId="412"/>
+            <ac:spMk id="96" creationId="{2C9EFFCE-85C1-2292-694D-A350C0A8E655}"/>
+          </ac:spMkLst>
+        </pc:spChg>
+        <pc:spChg chg="add mod">
+          <ac:chgData name="Jonathan Mah" userId="5261b2f2f3e51194" providerId="LiveId" clId="{833092D5-9927-4807-BE3E-672C10A7E002}" dt="2023-06-13T21:53:46.987" v="497" actId="1037"/>
+          <ac:spMkLst>
+            <pc:docMk/>
+            <pc:sldMk cId="2548783154" sldId="412"/>
+            <ac:spMk id="97" creationId="{7810AA31-6F45-0725-9CA4-B2A30EF93BC2}"/>
+          </ac:spMkLst>
+        </pc:spChg>
+        <pc:spChg chg="add mod">
+          <ac:chgData name="Jonathan Mah" userId="5261b2f2f3e51194" providerId="LiveId" clId="{833092D5-9927-4807-BE3E-672C10A7E002}" dt="2023-06-13T21:53:46.987" v="497" actId="1037"/>
+          <ac:spMkLst>
+            <pc:docMk/>
+            <pc:sldMk cId="2548783154" sldId="412"/>
+            <ac:spMk id="98" creationId="{32797CC2-F88A-0085-344F-7D589E373461}"/>
+          </ac:spMkLst>
+        </pc:spChg>
+        <pc:spChg chg="add mod">
+          <ac:chgData name="Jonathan Mah" userId="5261b2f2f3e51194" providerId="LiveId" clId="{833092D5-9927-4807-BE3E-672C10A7E002}" dt="2023-06-13T21:53:46.987" v="497" actId="1037"/>
+          <ac:spMkLst>
+            <pc:docMk/>
+            <pc:sldMk cId="2548783154" sldId="412"/>
+            <ac:spMk id="99" creationId="{101318AC-2403-AD61-A22B-E7A74BF898D9}"/>
+          </ac:spMkLst>
+        </pc:spChg>
+        <pc:spChg chg="add mod">
+          <ac:chgData name="Jonathan Mah" userId="5261b2f2f3e51194" providerId="LiveId" clId="{833092D5-9927-4807-BE3E-672C10A7E002}" dt="2023-06-13T21:53:46.987" v="497" actId="1037"/>
+          <ac:spMkLst>
+            <pc:docMk/>
+            <pc:sldMk cId="2548783154" sldId="412"/>
+            <ac:spMk id="100" creationId="{7D2CC8E8-DBD9-97E7-340E-887095249EF3}"/>
+          </ac:spMkLst>
+        </pc:spChg>
+        <pc:spChg chg="mod">
+          <ac:chgData name="Jonathan Mah" userId="5261b2f2f3e51194" providerId="LiveId" clId="{833092D5-9927-4807-BE3E-672C10A7E002}" dt="2023-06-13T21:52:46.924" v="385" actId="255"/>
+          <ac:spMkLst>
+            <pc:docMk/>
+            <pc:sldMk cId="2548783154" sldId="412"/>
+            <ac:spMk id="101" creationId="{F3F6184B-D203-456B-926E-608EB61C676A}"/>
+          </ac:spMkLst>
+        </pc:spChg>
+        <pc:spChg chg="add mod">
+          <ac:chgData name="Jonathan Mah" userId="5261b2f2f3e51194" providerId="LiveId" clId="{833092D5-9927-4807-BE3E-672C10A7E002}" dt="2023-06-13T21:53:46.987" v="497" actId="1037"/>
+          <ac:spMkLst>
+            <pc:docMk/>
+            <pc:sldMk cId="2548783154" sldId="412"/>
+            <ac:spMk id="102" creationId="{821C5DC5-3F7F-C890-1A8F-A2377623B5E8}"/>
+          </ac:spMkLst>
+        </pc:spChg>
+        <pc:spChg chg="add mod">
+          <ac:chgData name="Jonathan Mah" userId="5261b2f2f3e51194" providerId="LiveId" clId="{833092D5-9927-4807-BE3E-672C10A7E002}" dt="2023-06-13T21:53:46.987" v="497" actId="1037"/>
+          <ac:spMkLst>
+            <pc:docMk/>
+            <pc:sldMk cId="2548783154" sldId="412"/>
+            <ac:spMk id="113" creationId="{8C5FAB6E-7889-988C-0465-21406B424B9E}"/>
+          </ac:spMkLst>
+        </pc:spChg>
+        <pc:spChg chg="add mod">
+          <ac:chgData name="Jonathan Mah" userId="5261b2f2f3e51194" providerId="LiveId" clId="{833092D5-9927-4807-BE3E-672C10A7E002}" dt="2023-06-13T21:53:46.987" v="497" actId="1037"/>
+          <ac:spMkLst>
+            <pc:docMk/>
+            <pc:sldMk cId="2548783154" sldId="412"/>
+            <ac:spMk id="124" creationId="{8B0CA6A3-FD71-F06F-B481-953FB68E41C0}"/>
+          </ac:spMkLst>
+        </pc:spChg>
+        <pc:spChg chg="add mod">
+          <ac:chgData name="Jonathan Mah" userId="5261b2f2f3e51194" providerId="LiveId" clId="{833092D5-9927-4807-BE3E-672C10A7E002}" dt="2023-06-13T21:53:46.987" v="497" actId="1037"/>
+          <ac:spMkLst>
+            <pc:docMk/>
+            <pc:sldMk cId="2548783154" sldId="412"/>
+            <ac:spMk id="135" creationId="{BB6E4C0E-76F5-D128-1B76-B98AAFD90216}"/>
+          </ac:spMkLst>
+        </pc:spChg>
+        <pc:spChg chg="mod">
+          <ac:chgData name="Jonathan Mah" userId="5261b2f2f3e51194" providerId="LiveId" clId="{833092D5-9927-4807-BE3E-672C10A7E002}" dt="2023-06-13T21:52:46.924" v="385" actId="255"/>
+          <ac:spMkLst>
+            <pc:docMk/>
+            <pc:sldMk cId="2548783154" sldId="412"/>
+            <ac:spMk id="146" creationId="{EBE7845E-76DC-4E0A-B084-C363DFC42E17}"/>
+          </ac:spMkLst>
+        </pc:spChg>
+        <pc:spChg chg="mod">
+          <ac:chgData name="Jonathan Mah" userId="5261b2f2f3e51194" providerId="LiveId" clId="{833092D5-9927-4807-BE3E-672C10A7E002}" dt="2023-06-13T21:52:46.924" v="385" actId="255"/>
+          <ac:spMkLst>
+            <pc:docMk/>
+            <pc:sldMk cId="2548783154" sldId="412"/>
+            <ac:spMk id="147" creationId="{14F9F669-9B79-4BF1-AC8A-0E29C5538F70}"/>
+          </ac:spMkLst>
+        </pc:spChg>
+        <pc:spChg chg="add mod">
+          <ac:chgData name="Jonathan Mah" userId="5261b2f2f3e51194" providerId="LiveId" clId="{833092D5-9927-4807-BE3E-672C10A7E002}" dt="2023-06-13T21:53:46.987" v="497" actId="1037"/>
+          <ac:spMkLst>
+            <pc:docMk/>
+            <pc:sldMk cId="2548783154" sldId="412"/>
+            <ac:spMk id="148" creationId="{6694BD2F-720C-6174-8023-46EDAA6FD14A}"/>
+          </ac:spMkLst>
+        </pc:spChg>
+        <pc:spChg chg="add mod">
+          <ac:chgData name="Jonathan Mah" userId="5261b2f2f3e51194" providerId="LiveId" clId="{833092D5-9927-4807-BE3E-672C10A7E002}" dt="2023-06-13T21:53:46.987" v="497" actId="1037"/>
+          <ac:spMkLst>
+            <pc:docMk/>
+            <pc:sldMk cId="2548783154" sldId="412"/>
+            <ac:spMk id="149" creationId="{8BCD36AC-77C1-8E89-1488-2C2CD9D0107D}"/>
+          </ac:spMkLst>
+        </pc:spChg>
+        <pc:spChg chg="add mod">
+          <ac:chgData name="Jonathan Mah" userId="5261b2f2f3e51194" providerId="LiveId" clId="{833092D5-9927-4807-BE3E-672C10A7E002}" dt="2023-06-13T21:53:46.987" v="497" actId="1037"/>
+          <ac:spMkLst>
+            <pc:docMk/>
+            <pc:sldMk cId="2548783154" sldId="412"/>
+            <ac:spMk id="150" creationId="{A4DB6C5E-2000-CF2B-2264-66D81EC14109}"/>
+          </ac:spMkLst>
+        </pc:spChg>
+        <pc:spChg chg="add mod">
+          <ac:chgData name="Jonathan Mah" userId="5261b2f2f3e51194" providerId="LiveId" clId="{833092D5-9927-4807-BE3E-672C10A7E002}" dt="2023-06-13T21:53:46.987" v="497" actId="1037"/>
+          <ac:spMkLst>
+            <pc:docMk/>
+            <pc:sldMk cId="2548783154" sldId="412"/>
+            <ac:spMk id="151" creationId="{82FC65CA-2820-B7A6-1774-7AD3AF6BD8CC}"/>
+          </ac:spMkLst>
+        </pc:spChg>
+        <pc:spChg chg="mod">
+          <ac:chgData name="Jonathan Mah" userId="5261b2f2f3e51194" providerId="LiveId" clId="{833092D5-9927-4807-BE3E-672C10A7E002}" dt="2023-06-13T21:52:46.924" v="385" actId="255"/>
+          <ac:spMkLst>
+            <pc:docMk/>
+            <pc:sldMk cId="2548783154" sldId="412"/>
+            <ac:spMk id="152" creationId="{8E999725-2F86-46C9-83E9-B2CE282556BF}"/>
+          </ac:spMkLst>
+        </pc:spChg>
+        <pc:grpChg chg="mod">
+          <ac:chgData name="Jonathan Mah" userId="5261b2f2f3e51194" providerId="LiveId" clId="{833092D5-9927-4807-BE3E-672C10A7E002}" dt="2023-06-13T21:10:59.519" v="237" actId="1036"/>
+          <ac:grpSpMkLst>
+            <pc:docMk/>
+            <pc:sldMk cId="2548783154" sldId="412"/>
+            <ac:grpSpMk id="40" creationId="{CE9A485A-DD2D-69C2-405D-9617D8411583}"/>
+          </ac:grpSpMkLst>
+        </pc:grpChg>
+        <pc:grpChg chg="add del mod">
+          <ac:chgData name="Jonathan Mah" userId="5261b2f2f3e51194" providerId="LiveId" clId="{833092D5-9927-4807-BE3E-672C10A7E002}" dt="2023-06-13T21:11:34.822" v="261" actId="478"/>
+          <ac:grpSpMkLst>
+            <pc:docMk/>
+            <pc:sldMk cId="2548783154" sldId="412"/>
+            <ac:grpSpMk id="72" creationId="{FFF19C0E-D164-FCD6-07D7-814470352689}"/>
+          </ac:grpSpMkLst>
+        </pc:grpChg>
+        <pc:cxnChg chg="add del mod">
+          <ac:chgData name="Jonathan Mah" userId="5261b2f2f3e51194" providerId="LiveId" clId="{833092D5-9927-4807-BE3E-672C10A7E002}" dt="2023-06-13T21:11:14.426" v="245" actId="478"/>
+          <ac:cxnSpMkLst>
+            <pc:docMk/>
+            <pc:sldMk cId="2548783154" sldId="412"/>
+            <ac:cxnSpMk id="2" creationId="{1F95CB1A-9DF1-AA73-4A9C-9187D44BDEC0}"/>
+          </ac:cxnSpMkLst>
+        </pc:cxnChg>
+        <pc:cxnChg chg="mod">
+          <ac:chgData name="Jonathan Mah" userId="5261b2f2f3e51194" providerId="LiveId" clId="{833092D5-9927-4807-BE3E-672C10A7E002}" dt="2023-06-13T21:10:59.519" v="237" actId="1036"/>
+          <ac:cxnSpMkLst>
+            <pc:docMk/>
+            <pc:sldMk cId="2548783154" sldId="412"/>
+            <ac:cxnSpMk id="4" creationId="{9F84B0B4-3C9D-FEB6-9D85-1732B0E5AD52}"/>
+          </ac:cxnSpMkLst>
+        </pc:cxnChg>
+        <pc:cxnChg chg="add del mod">
+          <ac:chgData name="Jonathan Mah" userId="5261b2f2f3e51194" providerId="LiveId" clId="{833092D5-9927-4807-BE3E-672C10A7E002}" dt="2023-06-13T21:11:13.767" v="244" actId="478"/>
+          <ac:cxnSpMkLst>
+            <pc:docMk/>
+            <pc:sldMk cId="2548783154" sldId="412"/>
+            <ac:cxnSpMk id="5" creationId="{D8EAD5F3-293E-DF1C-35DC-DB2DA53CC32B}"/>
+          </ac:cxnSpMkLst>
+        </pc:cxnChg>
+        <pc:cxnChg chg="add del mod">
+          <ac:chgData name="Jonathan Mah" userId="5261b2f2f3e51194" providerId="LiveId" clId="{833092D5-9927-4807-BE3E-672C10A7E002}" dt="2023-06-13T21:11:16.528" v="248" actId="478"/>
+          <ac:cxnSpMkLst>
+            <pc:docMk/>
+            <pc:sldMk cId="2548783154" sldId="412"/>
+            <ac:cxnSpMk id="6" creationId="{B7010F92-CA7A-01B8-C13D-63EA25E5B5E7}"/>
+          </ac:cxnSpMkLst>
+        </pc:cxnChg>
+        <pc:cxnChg chg="add del mod">
+          <ac:chgData name="Jonathan Mah" userId="5261b2f2f3e51194" providerId="LiveId" clId="{833092D5-9927-4807-BE3E-672C10A7E002}" dt="2023-06-13T21:11:15.085" v="246" actId="478"/>
+          <ac:cxnSpMkLst>
+            <pc:docMk/>
+            <pc:sldMk cId="2548783154" sldId="412"/>
+            <ac:cxnSpMk id="7" creationId="{AD0B435D-5CDD-574D-FE22-3790FCC3B097}"/>
+          </ac:cxnSpMkLst>
+        </pc:cxnChg>
+        <pc:cxnChg chg="add del mod">
+          <ac:chgData name="Jonathan Mah" userId="5261b2f2f3e51194" providerId="LiveId" clId="{833092D5-9927-4807-BE3E-672C10A7E002}" dt="2023-06-13T21:11:15.587" v="247" actId="478"/>
+          <ac:cxnSpMkLst>
+            <pc:docMk/>
+            <pc:sldMk cId="2548783154" sldId="412"/>
+            <ac:cxnSpMk id="8" creationId="{6C6112E8-B69C-52F8-E5C1-0F68F5E93A3A}"/>
+          </ac:cxnSpMkLst>
+        </pc:cxnChg>
+        <pc:cxnChg chg="add del mod">
+          <ac:chgData name="Jonathan Mah" userId="5261b2f2f3e51194" providerId="LiveId" clId="{833092D5-9927-4807-BE3E-672C10A7E002}" dt="2023-06-13T21:11:16.983" v="249" actId="478"/>
+          <ac:cxnSpMkLst>
+            <pc:docMk/>
+            <pc:sldMk cId="2548783154" sldId="412"/>
+            <ac:cxnSpMk id="9" creationId="{7D9006D7-6A14-874E-9BDC-DCFF1047B7E9}"/>
+          </ac:cxnSpMkLst>
+        </pc:cxnChg>
+        <pc:cxnChg chg="add del mod">
+          <ac:chgData name="Jonathan Mah" userId="5261b2f2f3e51194" providerId="LiveId" clId="{833092D5-9927-4807-BE3E-672C10A7E002}" dt="2023-06-13T21:11:19.052" v="252" actId="478"/>
+          <ac:cxnSpMkLst>
+            <pc:docMk/>
+            <pc:sldMk cId="2548783154" sldId="412"/>
+            <ac:cxnSpMk id="11" creationId="{863DD593-80A6-EC01-47F7-187ECA3224FB}"/>
+          </ac:cxnSpMkLst>
+        </pc:cxnChg>
+        <pc:cxnChg chg="add del mod">
+          <ac:chgData name="Jonathan Mah" userId="5261b2f2f3e51194" providerId="LiveId" clId="{833092D5-9927-4807-BE3E-672C10A7E002}" dt="2023-06-13T21:11:18.553" v="251" actId="478"/>
+          <ac:cxnSpMkLst>
+            <pc:docMk/>
+            <pc:sldMk cId="2548783154" sldId="412"/>
+            <ac:cxnSpMk id="12" creationId="{87681806-D2E3-021E-4B71-5F1549784642}"/>
+          </ac:cxnSpMkLst>
+        </pc:cxnChg>
+        <pc:cxnChg chg="mod">
+          <ac:chgData name="Jonathan Mah" userId="5261b2f2f3e51194" providerId="LiveId" clId="{833092D5-9927-4807-BE3E-672C10A7E002}" dt="2023-06-13T21:10:59.519" v="237" actId="1036"/>
+          <ac:cxnSpMkLst>
+            <pc:docMk/>
+            <pc:sldMk cId="2548783154" sldId="412"/>
+            <ac:cxnSpMk id="13" creationId="{32BA11BF-70BC-0E75-4117-E407FA62110D}"/>
+          </ac:cxnSpMkLst>
+        </pc:cxnChg>
+        <pc:cxnChg chg="add del mod">
+          <ac:chgData name="Jonathan Mah" userId="5261b2f2f3e51194" providerId="LiveId" clId="{833092D5-9927-4807-BE3E-672C10A7E002}" dt="2023-06-13T21:11:21.015" v="255" actId="478"/>
+          <ac:cxnSpMkLst>
+            <pc:docMk/>
+            <pc:sldMk cId="2548783154" sldId="412"/>
+            <ac:cxnSpMk id="15" creationId="{61DC1547-9158-D758-0C5C-A8F471C4837F}"/>
+          </ac:cxnSpMkLst>
+        </pc:cxnChg>
+        <pc:cxnChg chg="add del mod">
+          <ac:chgData name="Jonathan Mah" userId="5261b2f2f3e51194" providerId="LiveId" clId="{833092D5-9927-4807-BE3E-672C10A7E002}" dt="2023-06-13T21:11:17.956" v="250" actId="478"/>
+          <ac:cxnSpMkLst>
+            <pc:docMk/>
+            <pc:sldMk cId="2548783154" sldId="412"/>
+            <ac:cxnSpMk id="16" creationId="{7D78B401-245A-20F5-60AA-9F10A449C11D}"/>
+          </ac:cxnSpMkLst>
+        </pc:cxnChg>
+        <pc:cxnChg chg="mod">
+          <ac:chgData name="Jonathan Mah" userId="5261b2f2f3e51194" providerId="LiveId" clId="{833092D5-9927-4807-BE3E-672C10A7E002}" dt="2023-06-13T21:10:59.519" v="237" actId="1036"/>
+          <ac:cxnSpMkLst>
+            <pc:docMk/>
+            <pc:sldMk cId="2548783154" sldId="412"/>
+            <ac:cxnSpMk id="17" creationId="{53A2F718-A66E-4189-8620-5A4BBEE2F0B4}"/>
+          </ac:cxnSpMkLst>
+        </pc:cxnChg>
+        <pc:cxnChg chg="mod">
+          <ac:chgData name="Jonathan Mah" userId="5261b2f2f3e51194" providerId="LiveId" clId="{833092D5-9927-4807-BE3E-672C10A7E002}" dt="2023-06-13T21:10:59.519" v="237" actId="1036"/>
+          <ac:cxnSpMkLst>
+            <pc:docMk/>
+            <pc:sldMk cId="2548783154" sldId="412"/>
+            <ac:cxnSpMk id="18" creationId="{0749BBD5-E810-4389-BA32-063685DF8F06}"/>
+          </ac:cxnSpMkLst>
+        </pc:cxnChg>
+        <pc:cxnChg chg="mod">
+          <ac:chgData name="Jonathan Mah" userId="5261b2f2f3e51194" providerId="LiveId" clId="{833092D5-9927-4807-BE3E-672C10A7E002}" dt="2023-06-13T21:10:59.519" v="237" actId="1036"/>
+          <ac:cxnSpMkLst>
+            <pc:docMk/>
+            <pc:sldMk cId="2548783154" sldId="412"/>
+            <ac:cxnSpMk id="19" creationId="{CD9D6763-0238-433B-9602-33CB2CE0E639}"/>
+          </ac:cxnSpMkLst>
+        </pc:cxnChg>
+        <pc:cxnChg chg="mod">
+          <ac:chgData name="Jonathan Mah" userId="5261b2f2f3e51194" providerId="LiveId" clId="{833092D5-9927-4807-BE3E-672C10A7E002}" dt="2023-06-13T21:10:59.519" v="237" actId="1036"/>
+          <ac:cxnSpMkLst>
+            <pc:docMk/>
+            <pc:sldMk cId="2548783154" sldId="412"/>
+            <ac:cxnSpMk id="20" creationId="{7A707CFF-254F-461B-92AB-7A917A5E8839}"/>
+          </ac:cxnSpMkLst>
+        </pc:cxnChg>
+        <pc:cxnChg chg="mod">
+          <ac:chgData name="Jonathan Mah" userId="5261b2f2f3e51194" providerId="LiveId" clId="{833092D5-9927-4807-BE3E-672C10A7E002}" dt="2023-06-13T21:10:59.519" v="237" actId="1036"/>
+          <ac:cxnSpMkLst>
+            <pc:docMk/>
+            <pc:sldMk cId="2548783154" sldId="412"/>
+            <ac:cxnSpMk id="21" creationId="{9FB44C4E-A2FF-4871-8784-8D43416E2DB3}"/>
+          </ac:cxnSpMkLst>
+        </pc:cxnChg>
+        <pc:cxnChg chg="mod">
+          <ac:chgData name="Jonathan Mah" userId="5261b2f2f3e51194" providerId="LiveId" clId="{833092D5-9927-4807-BE3E-672C10A7E002}" dt="2023-06-13T21:10:59.519" v="237" actId="1036"/>
+          <ac:cxnSpMkLst>
+            <pc:docMk/>
+            <pc:sldMk cId="2548783154" sldId="412"/>
+            <ac:cxnSpMk id="22" creationId="{D3281870-D040-4021-8AF8-15343475ECB8}"/>
+          </ac:cxnSpMkLst>
+        </pc:cxnChg>
+        <pc:cxnChg chg="add del mod">
+          <ac:chgData name="Jonathan Mah" userId="5261b2f2f3e51194" providerId="LiveId" clId="{833092D5-9927-4807-BE3E-672C10A7E002}" dt="2023-06-13T21:11:20.592" v="254" actId="478"/>
+          <ac:cxnSpMkLst>
+            <pc:docMk/>
+            <pc:sldMk cId="2548783154" sldId="412"/>
+            <ac:cxnSpMk id="23" creationId="{F82E8515-97A5-A0A5-7C27-D54D16A68722}"/>
+          </ac:cxnSpMkLst>
+        </pc:cxnChg>
+        <pc:cxnChg chg="add del mod">
+          <ac:chgData name="Jonathan Mah" userId="5261b2f2f3e51194" providerId="LiveId" clId="{833092D5-9927-4807-BE3E-672C10A7E002}" dt="2023-06-13T21:11:19.870" v="253" actId="478"/>
+          <ac:cxnSpMkLst>
+            <pc:docMk/>
+            <pc:sldMk cId="2548783154" sldId="412"/>
+            <ac:cxnSpMk id="24" creationId="{2496DD0C-18F3-A77D-E602-99410221CA85}"/>
+          </ac:cxnSpMkLst>
+        </pc:cxnChg>
+        <pc:cxnChg chg="add del mod">
+          <ac:chgData name="Jonathan Mah" userId="5261b2f2f3e51194" providerId="LiveId" clId="{833092D5-9927-4807-BE3E-672C10A7E002}" dt="2023-06-13T21:11:23.164" v="256" actId="478"/>
+          <ac:cxnSpMkLst>
+            <pc:docMk/>
+            <pc:sldMk cId="2548783154" sldId="412"/>
+            <ac:cxnSpMk id="29" creationId="{D28BB0C6-A8DE-D386-8D65-1EB4FCC97535}"/>
+          </ac:cxnSpMkLst>
+        </pc:cxnChg>
+        <pc:cxnChg chg="add del mod">
+          <ac:chgData name="Jonathan Mah" userId="5261b2f2f3e51194" providerId="LiveId" clId="{833092D5-9927-4807-BE3E-672C10A7E002}" dt="2023-06-13T21:11:23.164" v="256" actId="478"/>
+          <ac:cxnSpMkLst>
+            <pc:docMk/>
+            <pc:sldMk cId="2548783154" sldId="412"/>
+            <ac:cxnSpMk id="31" creationId="{DFA26F50-86F4-D3FF-BB7C-91EE40671544}"/>
+          </ac:cxnSpMkLst>
+        </pc:cxnChg>
+        <pc:cxnChg chg="add del mod">
+          <ac:chgData name="Jonathan Mah" userId="5261b2f2f3e51194" providerId="LiveId" clId="{833092D5-9927-4807-BE3E-672C10A7E002}" dt="2023-06-13T21:11:23.164" v="256" actId="478"/>
+          <ac:cxnSpMkLst>
+            <pc:docMk/>
+            <pc:sldMk cId="2548783154" sldId="412"/>
+            <ac:cxnSpMk id="33" creationId="{1FBFF8BF-49ED-6E90-0F2C-63AAEDF34EBF}"/>
+          </ac:cxnSpMkLst>
+        </pc:cxnChg>
+        <pc:cxnChg chg="add del mod">
+          <ac:chgData name="Jonathan Mah" userId="5261b2f2f3e51194" providerId="LiveId" clId="{833092D5-9927-4807-BE3E-672C10A7E002}" dt="2023-06-13T21:11:23.164" v="256" actId="478"/>
+          <ac:cxnSpMkLst>
+            <pc:docMk/>
+            <pc:sldMk cId="2548783154" sldId="412"/>
+            <ac:cxnSpMk id="34" creationId="{24C88420-05AD-9A5B-026F-F7A8A55FE6BC}"/>
+          </ac:cxnSpMkLst>
+        </pc:cxnChg>
+        <pc:cxnChg chg="add del mod">
+          <ac:chgData name="Jonathan Mah" userId="5261b2f2f3e51194" providerId="LiveId" clId="{833092D5-9927-4807-BE3E-672C10A7E002}" dt="2023-06-13T21:11:23.164" v="256" actId="478"/>
+          <ac:cxnSpMkLst>
+            <pc:docMk/>
+            <pc:sldMk cId="2548783154" sldId="412"/>
+            <ac:cxnSpMk id="35" creationId="{3539E5F9-A733-2248-DAD5-4D9F4796F3EA}"/>
+          </ac:cxnSpMkLst>
+        </pc:cxnChg>
+        <pc:cxnChg chg="add del mod">
+          <ac:chgData name="Jonathan Mah" userId="5261b2f2f3e51194" providerId="LiveId" clId="{833092D5-9927-4807-BE3E-672C10A7E002}" dt="2023-06-13T21:11:23.164" v="256" actId="478"/>
+          <ac:cxnSpMkLst>
+            <pc:docMk/>
+            <pc:sldMk cId="2548783154" sldId="412"/>
+            <ac:cxnSpMk id="36" creationId="{EA0A966D-DB32-0D62-713F-50A041F863E3}"/>
+          </ac:cxnSpMkLst>
+        </pc:cxnChg>
+        <pc:cxnChg chg="add del mod">
+          <ac:chgData name="Jonathan Mah" userId="5261b2f2f3e51194" providerId="LiveId" clId="{833092D5-9927-4807-BE3E-672C10A7E002}" dt="2023-06-13T21:11:23.164" v="256" actId="478"/>
+          <ac:cxnSpMkLst>
+            <pc:docMk/>
+            <pc:sldMk cId="2548783154" sldId="412"/>
+            <ac:cxnSpMk id="37" creationId="{E5FC88BD-684C-1CDA-1047-1949813E6778}"/>
+          </ac:cxnSpMkLst>
+        </pc:cxnChg>
+        <pc:cxnChg chg="add del mod">
+          <ac:chgData name="Jonathan Mah" userId="5261b2f2f3e51194" providerId="LiveId" clId="{833092D5-9927-4807-BE3E-672C10A7E002}" dt="2023-06-13T21:11:23.164" v="256" actId="478"/>
+          <ac:cxnSpMkLst>
+            <pc:docMk/>
+            <pc:sldMk cId="2548783154" sldId="412"/>
+            <ac:cxnSpMk id="38" creationId="{3807FA94-1F6A-E5F7-CCDE-63026E80A337}"/>
+          </ac:cxnSpMkLst>
+        </pc:cxnChg>
+        <pc:cxnChg chg="add del mod">
+          <ac:chgData name="Jonathan Mah" userId="5261b2f2f3e51194" providerId="LiveId" clId="{833092D5-9927-4807-BE3E-672C10A7E002}" dt="2023-06-13T21:11:23.164" v="256" actId="478"/>
+          <ac:cxnSpMkLst>
+            <pc:docMk/>
+            <pc:sldMk cId="2548783154" sldId="412"/>
+            <ac:cxnSpMk id="39" creationId="{6EFBF1A8-2A26-CD0F-35D8-811DDDD7535E}"/>
+          </ac:cxnSpMkLst>
+        </pc:cxnChg>
+        <pc:cxnChg chg="add del mod">
+          <ac:chgData name="Jonathan Mah" userId="5261b2f2f3e51194" providerId="LiveId" clId="{833092D5-9927-4807-BE3E-672C10A7E002}" dt="2023-06-13T21:11:23.164" v="256" actId="478"/>
+          <ac:cxnSpMkLst>
+            <pc:docMk/>
+            <pc:sldMk cId="2548783154" sldId="412"/>
+            <ac:cxnSpMk id="42" creationId="{670FBAA9-AB35-294D-7F5D-86962B1FA8D7}"/>
+          </ac:cxnSpMkLst>
+        </pc:cxnChg>
+        <pc:cxnChg chg="add del mod">
+          <ac:chgData name="Jonathan Mah" userId="5261b2f2f3e51194" providerId="LiveId" clId="{833092D5-9927-4807-BE3E-672C10A7E002}" dt="2023-06-13T21:11:26.304" v="257" actId="478"/>
+          <ac:cxnSpMkLst>
+            <pc:docMk/>
+            <pc:sldMk cId="2548783154" sldId="412"/>
+            <ac:cxnSpMk id="43" creationId="{8D888710-65EF-CD18-0662-7983FD80ECAF}"/>
+          </ac:cxnSpMkLst>
+        </pc:cxnChg>
+        <pc:cxnChg chg="add del mod">
+          <ac:chgData name="Jonathan Mah" userId="5261b2f2f3e51194" providerId="LiveId" clId="{833092D5-9927-4807-BE3E-672C10A7E002}" dt="2023-06-13T21:11:26.304" v="257" actId="478"/>
+          <ac:cxnSpMkLst>
+            <pc:docMk/>
+            <pc:sldMk cId="2548783154" sldId="412"/>
+            <ac:cxnSpMk id="44" creationId="{1201421A-1C9A-3D72-D21F-3F91684284FC}"/>
+          </ac:cxnSpMkLst>
+        </pc:cxnChg>
+        <pc:cxnChg chg="mod">
+          <ac:chgData name="Jonathan Mah" userId="5261b2f2f3e51194" providerId="LiveId" clId="{833092D5-9927-4807-BE3E-672C10A7E002}" dt="2023-06-13T21:10:59.519" v="237" actId="1036"/>
+          <ac:cxnSpMkLst>
+            <pc:docMk/>
+            <pc:sldMk cId="2548783154" sldId="412"/>
+            <ac:cxnSpMk id="45" creationId="{45ED722B-1340-4EE1-8699-8695ED7196BA}"/>
+          </ac:cxnSpMkLst>
+        </pc:cxnChg>
+        <pc:cxnChg chg="mod">
+          <ac:chgData name="Jonathan Mah" userId="5261b2f2f3e51194" providerId="LiveId" clId="{833092D5-9927-4807-BE3E-672C10A7E002}" dt="2023-06-13T21:10:59.519" v="237" actId="1036"/>
+          <ac:cxnSpMkLst>
+            <pc:docMk/>
+            <pc:sldMk cId="2548783154" sldId="412"/>
+            <ac:cxnSpMk id="46" creationId="{FFF567CE-E40F-45AB-B3B1-46DFA15B7C67}"/>
+          </ac:cxnSpMkLst>
+        </pc:cxnChg>
+        <pc:cxnChg chg="mod">
+          <ac:chgData name="Jonathan Mah" userId="5261b2f2f3e51194" providerId="LiveId" clId="{833092D5-9927-4807-BE3E-672C10A7E002}" dt="2023-06-13T21:10:59.519" v="237" actId="1036"/>
+          <ac:cxnSpMkLst>
+            <pc:docMk/>
+            <pc:sldMk cId="2548783154" sldId="412"/>
+            <ac:cxnSpMk id="47" creationId="{83C40777-BC65-4A8B-BFF7-5904860ADF77}"/>
+          </ac:cxnSpMkLst>
+        </pc:cxnChg>
+        <pc:cxnChg chg="mod">
+          <ac:chgData name="Jonathan Mah" userId="5261b2f2f3e51194" providerId="LiveId" clId="{833092D5-9927-4807-BE3E-672C10A7E002}" dt="2023-06-13T21:10:59.519" v="237" actId="1036"/>
+          <ac:cxnSpMkLst>
+            <pc:docMk/>
+            <pc:sldMk cId="2548783154" sldId="412"/>
+            <ac:cxnSpMk id="48" creationId="{59C7F30A-54E9-4D3D-81A5-DBC138EDDDA9}"/>
+          </ac:cxnSpMkLst>
+        </pc:cxnChg>
+        <pc:cxnChg chg="mod">
+          <ac:chgData name="Jonathan Mah" userId="5261b2f2f3e51194" providerId="LiveId" clId="{833092D5-9927-4807-BE3E-672C10A7E002}" dt="2023-06-13T21:10:59.519" v="237" actId="1036"/>
+          <ac:cxnSpMkLst>
+            <pc:docMk/>
+            <pc:sldMk cId="2548783154" sldId="412"/>
+            <ac:cxnSpMk id="49" creationId="{7875C0ED-69F6-4D3C-BB05-7B9AB07949D1}"/>
+          </ac:cxnSpMkLst>
+        </pc:cxnChg>
+        <pc:cxnChg chg="mod">
+          <ac:chgData name="Jonathan Mah" userId="5261b2f2f3e51194" providerId="LiveId" clId="{833092D5-9927-4807-BE3E-672C10A7E002}" dt="2023-06-13T21:10:59.519" v="237" actId="1036"/>
+          <ac:cxnSpMkLst>
+            <pc:docMk/>
+            <pc:sldMk cId="2548783154" sldId="412"/>
+            <ac:cxnSpMk id="50" creationId="{61ABDE6E-3E74-4BE7-8E35-31D3A3FFAD46}"/>
+          </ac:cxnSpMkLst>
+        </pc:cxnChg>
+        <pc:cxnChg chg="add del mod">
+          <ac:chgData name="Jonathan Mah" userId="5261b2f2f3e51194" providerId="LiveId" clId="{833092D5-9927-4807-BE3E-672C10A7E002}" dt="2023-06-13T21:11:26.304" v="257" actId="478"/>
+          <ac:cxnSpMkLst>
+            <pc:docMk/>
+            <pc:sldMk cId="2548783154" sldId="412"/>
+            <ac:cxnSpMk id="52" creationId="{2DEE72BA-8C5B-F138-4F5B-9689901322DB}"/>
+          </ac:cxnSpMkLst>
+        </pc:cxnChg>
+        <pc:cxnChg chg="add del mod">
+          <ac:chgData name="Jonathan Mah" userId="5261b2f2f3e51194" providerId="LiveId" clId="{833092D5-9927-4807-BE3E-672C10A7E002}" dt="2023-06-13T21:11:26.304" v="257" actId="478"/>
+          <ac:cxnSpMkLst>
+            <pc:docMk/>
+            <pc:sldMk cId="2548783154" sldId="412"/>
+            <ac:cxnSpMk id="55" creationId="{6EB17177-6273-1235-9C5B-EE31B740E594}"/>
+          </ac:cxnSpMkLst>
+        </pc:cxnChg>
+        <pc:cxnChg chg="add del mod">
+          <ac:chgData name="Jonathan Mah" userId="5261b2f2f3e51194" providerId="LiveId" clId="{833092D5-9927-4807-BE3E-672C10A7E002}" dt="2023-06-13T21:11:26.304" v="257" actId="478"/>
+          <ac:cxnSpMkLst>
+            <pc:docMk/>
+            <pc:sldMk cId="2548783154" sldId="412"/>
+            <ac:cxnSpMk id="56" creationId="{994E0DF5-5B02-BCDF-5D3B-E2264F74FB03}"/>
+          </ac:cxnSpMkLst>
+        </pc:cxnChg>
+        <pc:cxnChg chg="add del mod">
+          <ac:chgData name="Jonathan Mah" userId="5261b2f2f3e51194" providerId="LiveId" clId="{833092D5-9927-4807-BE3E-672C10A7E002}" dt="2023-06-13T21:11:26.304" v="257" actId="478"/>
+          <ac:cxnSpMkLst>
+            <pc:docMk/>
+            <pc:sldMk cId="2548783154" sldId="412"/>
+            <ac:cxnSpMk id="57" creationId="{35B2ABD1-E1C3-527A-1A61-CA9C75D5E864}"/>
+          </ac:cxnSpMkLst>
+        </pc:cxnChg>
+        <pc:cxnChg chg="add del mod">
+          <ac:chgData name="Jonathan Mah" userId="5261b2f2f3e51194" providerId="LiveId" clId="{833092D5-9927-4807-BE3E-672C10A7E002}" dt="2023-06-13T21:11:27.228" v="258" actId="478"/>
+          <ac:cxnSpMkLst>
+            <pc:docMk/>
+            <pc:sldMk cId="2548783154" sldId="412"/>
+            <ac:cxnSpMk id="58" creationId="{F0986C1C-5F7E-290D-1EC3-DB42CAA97024}"/>
+          </ac:cxnSpMkLst>
+        </pc:cxnChg>
+        <pc:cxnChg chg="add del mod">
+          <ac:chgData name="Jonathan Mah" userId="5261b2f2f3e51194" providerId="LiveId" clId="{833092D5-9927-4807-BE3E-672C10A7E002}" dt="2023-06-13T21:11:26.304" v="257" actId="478"/>
+          <ac:cxnSpMkLst>
+            <pc:docMk/>
+            <pc:sldMk cId="2548783154" sldId="412"/>
+            <ac:cxnSpMk id="59" creationId="{15AE9340-5DF8-8487-F2DE-F5101D191FD5}"/>
+          </ac:cxnSpMkLst>
+        </pc:cxnChg>
+        <pc:cxnChg chg="add del mod">
+          <ac:chgData name="Jonathan Mah" userId="5261b2f2f3e51194" providerId="LiveId" clId="{833092D5-9927-4807-BE3E-672C10A7E002}" dt="2023-06-13T21:11:26.304" v="257" actId="478"/>
+          <ac:cxnSpMkLst>
+            <pc:docMk/>
+            <pc:sldMk cId="2548783154" sldId="412"/>
+            <ac:cxnSpMk id="60" creationId="{BB3DC6EC-A05A-5696-AACA-300AE795EA54}"/>
+          </ac:cxnSpMkLst>
+        </pc:cxnChg>
+        <pc:cxnChg chg="add del mod">
+          <ac:chgData name="Jonathan Mah" userId="5261b2f2f3e51194" providerId="LiveId" clId="{833092D5-9927-4807-BE3E-672C10A7E002}" dt="2023-06-13T21:11:26.304" v="257" actId="478"/>
+          <ac:cxnSpMkLst>
+            <pc:docMk/>
+            <pc:sldMk cId="2548783154" sldId="412"/>
+            <ac:cxnSpMk id="61" creationId="{3D4CCDEF-64AF-C92F-0377-0ECDB9266D90}"/>
+          </ac:cxnSpMkLst>
+        </pc:cxnChg>
+        <pc:cxnChg chg="add del mod">
+          <ac:chgData name="Jonathan Mah" userId="5261b2f2f3e51194" providerId="LiveId" clId="{833092D5-9927-4807-BE3E-672C10A7E002}" dt="2023-06-13T21:11:32.376" v="260" actId="478"/>
+          <ac:cxnSpMkLst>
+            <pc:docMk/>
+            <pc:sldMk cId="2548783154" sldId="412"/>
+            <ac:cxnSpMk id="62" creationId="{485CE8D3-EE2B-17B6-4906-004CCD1B472E}"/>
+          </ac:cxnSpMkLst>
+        </pc:cxnChg>
+        <pc:cxnChg chg="add del mod">
+          <ac:chgData name="Jonathan Mah" userId="5261b2f2f3e51194" providerId="LiveId" clId="{833092D5-9927-4807-BE3E-672C10A7E002}" dt="2023-06-13T21:11:29.519" v="259" actId="478"/>
+          <ac:cxnSpMkLst>
+            <pc:docMk/>
+            <pc:sldMk cId="2548783154" sldId="412"/>
+            <ac:cxnSpMk id="63" creationId="{EDFD8ECE-89FB-CF08-BE21-156419EAA46A}"/>
+          </ac:cxnSpMkLst>
+        </pc:cxnChg>
+        <pc:cxnChg chg="add del mod">
+          <ac:chgData name="Jonathan Mah" userId="5261b2f2f3e51194" providerId="LiveId" clId="{833092D5-9927-4807-BE3E-672C10A7E002}" dt="2023-06-13T21:11:32.376" v="260" actId="478"/>
+          <ac:cxnSpMkLst>
+            <pc:docMk/>
+            <pc:sldMk cId="2548783154" sldId="412"/>
+            <ac:cxnSpMk id="64" creationId="{80577376-D955-9175-B30E-AA061A688D76}"/>
+          </ac:cxnSpMkLst>
+        </pc:cxnChg>
+        <pc:cxnChg chg="add del mod">
+          <ac:chgData name="Jonathan Mah" userId="5261b2f2f3e51194" providerId="LiveId" clId="{833092D5-9927-4807-BE3E-672C10A7E002}" dt="2023-06-13T21:11:29.519" v="259" actId="478"/>
+          <ac:cxnSpMkLst>
+            <pc:docMk/>
+            <pc:sldMk cId="2548783154" sldId="412"/>
+            <ac:cxnSpMk id="65" creationId="{0566A4AB-C12B-D0A7-D067-D01D299DCDD5}"/>
+          </ac:cxnSpMkLst>
+        </pc:cxnChg>
+        <pc:cxnChg chg="add del mod">
+          <ac:chgData name="Jonathan Mah" userId="5261b2f2f3e51194" providerId="LiveId" clId="{833092D5-9927-4807-BE3E-672C10A7E002}" dt="2023-06-13T21:11:29.519" v="259" actId="478"/>
+          <ac:cxnSpMkLst>
+            <pc:docMk/>
+            <pc:sldMk cId="2548783154" sldId="412"/>
+            <ac:cxnSpMk id="66" creationId="{3A070378-367D-1E73-8C64-A4D9F6D594DC}"/>
+          </ac:cxnSpMkLst>
+        </pc:cxnChg>
+        <pc:cxnChg chg="add del mod">
+          <ac:chgData name="Jonathan Mah" userId="5261b2f2f3e51194" providerId="LiveId" clId="{833092D5-9927-4807-BE3E-672C10A7E002}" dt="2023-06-13T21:11:29.519" v="259" actId="478"/>
+          <ac:cxnSpMkLst>
+            <pc:docMk/>
+            <pc:sldMk cId="2548783154" sldId="412"/>
+            <ac:cxnSpMk id="67" creationId="{7092A493-A49F-ED46-A51C-B2189E37B4E6}"/>
+          </ac:cxnSpMkLst>
+        </pc:cxnChg>
+        <pc:cxnChg chg="add del mod">
+          <ac:chgData name="Jonathan Mah" userId="5261b2f2f3e51194" providerId="LiveId" clId="{833092D5-9927-4807-BE3E-672C10A7E002}" dt="2023-06-13T21:11:29.519" v="259" actId="478"/>
+          <ac:cxnSpMkLst>
+            <pc:docMk/>
+            <pc:sldMk cId="2548783154" sldId="412"/>
+            <ac:cxnSpMk id="68" creationId="{826A4F19-1FF2-E8F8-42BA-224EC22CC9EB}"/>
+          </ac:cxnSpMkLst>
+        </pc:cxnChg>
+        <pc:cxnChg chg="add del mod">
+          <ac:chgData name="Jonathan Mah" userId="5261b2f2f3e51194" providerId="LiveId" clId="{833092D5-9927-4807-BE3E-672C10A7E002}" dt="2023-06-13T21:11:29.519" v="259" actId="478"/>
+          <ac:cxnSpMkLst>
+            <pc:docMk/>
+            <pc:sldMk cId="2548783154" sldId="412"/>
+            <ac:cxnSpMk id="69" creationId="{F1B147BC-2B0E-8DE0-045E-DFA38E0AF282}"/>
+          </ac:cxnSpMkLst>
+        </pc:cxnChg>
+        <pc:cxnChg chg="add del mod">
+          <ac:chgData name="Jonathan Mah" userId="5261b2f2f3e51194" providerId="LiveId" clId="{833092D5-9927-4807-BE3E-672C10A7E002}" dt="2023-06-13T21:11:34.822" v="261" actId="478"/>
+          <ac:cxnSpMkLst>
+            <pc:docMk/>
+            <pc:sldMk cId="2548783154" sldId="412"/>
+            <ac:cxnSpMk id="70" creationId="{EA44DE73-392B-85BD-7DB1-2402B2ADA82C}"/>
+          </ac:cxnSpMkLst>
+        </pc:cxnChg>
+        <pc:cxnChg chg="add del mod">
+          <ac:chgData name="Jonathan Mah" userId="5261b2f2f3e51194" providerId="LiveId" clId="{833092D5-9927-4807-BE3E-672C10A7E002}" dt="2023-06-13T21:11:34.822" v="261" actId="478"/>
+          <ac:cxnSpMkLst>
+            <pc:docMk/>
+            <pc:sldMk cId="2548783154" sldId="412"/>
+            <ac:cxnSpMk id="71" creationId="{7C10FAA6-EF88-50A5-4F49-BC0696DA145F}"/>
+          </ac:cxnSpMkLst>
+        </pc:cxnChg>
+        <pc:cxnChg chg="mod">
+          <ac:chgData name="Jonathan Mah" userId="5261b2f2f3e51194" providerId="LiveId" clId="{833092D5-9927-4807-BE3E-672C10A7E002}" dt="2023-06-13T21:11:01.197" v="238"/>
+          <ac:cxnSpMkLst>
+            <pc:docMk/>
+            <pc:sldMk cId="2548783154" sldId="412"/>
+            <ac:cxnSpMk id="73" creationId="{EC0F84FB-8598-9CB1-7D17-272629AF1934}"/>
+          </ac:cxnSpMkLst>
+        </pc:cxnChg>
+        <pc:cxnChg chg="mod">
+          <ac:chgData name="Jonathan Mah" userId="5261b2f2f3e51194" providerId="LiveId" clId="{833092D5-9927-4807-BE3E-672C10A7E002}" dt="2023-06-13T21:11:01.197" v="238"/>
+          <ac:cxnSpMkLst>
+            <pc:docMk/>
+            <pc:sldMk cId="2548783154" sldId="412"/>
+            <ac:cxnSpMk id="74" creationId="{97DCDF3A-21CD-AB65-6AE0-9CB34626B0A8}"/>
+          </ac:cxnSpMkLst>
+        </pc:cxnChg>
+        <pc:cxnChg chg="mod">
+          <ac:chgData name="Jonathan Mah" userId="5261b2f2f3e51194" providerId="LiveId" clId="{833092D5-9927-4807-BE3E-672C10A7E002}" dt="2023-06-13T21:11:01.197" v="238"/>
+          <ac:cxnSpMkLst>
+            <pc:docMk/>
+            <pc:sldMk cId="2548783154" sldId="412"/>
+            <ac:cxnSpMk id="75" creationId="{9211CDE8-ECA2-127C-19E6-93C79BD7654D}"/>
+          </ac:cxnSpMkLst>
+        </pc:cxnChg>
+        <pc:cxnChg chg="mod">
+          <ac:chgData name="Jonathan Mah" userId="5261b2f2f3e51194" providerId="LiveId" clId="{833092D5-9927-4807-BE3E-672C10A7E002}" dt="2023-06-13T21:11:01.197" v="238"/>
+          <ac:cxnSpMkLst>
+            <pc:docMk/>
+            <pc:sldMk cId="2548783154" sldId="412"/>
+            <ac:cxnSpMk id="76" creationId="{69CB6B02-5100-5174-3B84-97C424D27A27}"/>
+          </ac:cxnSpMkLst>
+        </pc:cxnChg>
+        <pc:cxnChg chg="mod">
+          <ac:chgData name="Jonathan Mah" userId="5261b2f2f3e51194" providerId="LiveId" clId="{833092D5-9927-4807-BE3E-672C10A7E002}" dt="2023-06-13T21:11:01.197" v="238"/>
+          <ac:cxnSpMkLst>
+            <pc:docMk/>
+            <pc:sldMk cId="2548783154" sldId="412"/>
+            <ac:cxnSpMk id="77" creationId="{D9DEC810-B732-434B-B2D7-60EA7A898989}"/>
+          </ac:cxnSpMkLst>
+        </pc:cxnChg>
+        <pc:cxnChg chg="mod">
+          <ac:chgData name="Jonathan Mah" userId="5261b2f2f3e51194" providerId="LiveId" clId="{833092D5-9927-4807-BE3E-672C10A7E002}" dt="2023-06-13T21:11:01.197" v="238"/>
+          <ac:cxnSpMkLst>
+            <pc:docMk/>
+            <pc:sldMk cId="2548783154" sldId="412"/>
+            <ac:cxnSpMk id="78" creationId="{F21F3338-FA22-D44F-6A02-E28F1C50350E}"/>
+          </ac:cxnSpMkLst>
+        </pc:cxnChg>
+        <pc:cxnChg chg="mod">
+          <ac:chgData name="Jonathan Mah" userId="5261b2f2f3e51194" providerId="LiveId" clId="{833092D5-9927-4807-BE3E-672C10A7E002}" dt="2023-06-13T21:11:01.197" v="238"/>
+          <ac:cxnSpMkLst>
+            <pc:docMk/>
+            <pc:sldMk cId="2548783154" sldId="412"/>
+            <ac:cxnSpMk id="79" creationId="{D0D3D080-9CCD-6F93-CABD-6E87A277A64F}"/>
+          </ac:cxnSpMkLst>
+        </pc:cxnChg>
+        <pc:cxnChg chg="mod">
+          <ac:chgData name="Jonathan Mah" userId="5261b2f2f3e51194" providerId="LiveId" clId="{833092D5-9927-4807-BE3E-672C10A7E002}" dt="2023-06-13T21:11:01.197" v="238"/>
+          <ac:cxnSpMkLst>
+            <pc:docMk/>
+            <pc:sldMk cId="2548783154" sldId="412"/>
+            <ac:cxnSpMk id="80" creationId="{43780FC0-671C-B2A7-E346-B23960FDD0DA}"/>
+          </ac:cxnSpMkLst>
+        </pc:cxnChg>
+        <pc:cxnChg chg="mod">
+          <ac:chgData name="Jonathan Mah" userId="5261b2f2f3e51194" providerId="LiveId" clId="{833092D5-9927-4807-BE3E-672C10A7E002}" dt="2023-06-13T21:11:01.197" v="238"/>
+          <ac:cxnSpMkLst>
+            <pc:docMk/>
+            <pc:sldMk cId="2548783154" sldId="412"/>
+            <ac:cxnSpMk id="81" creationId="{91B96E2D-0844-E61A-2A3C-95B2EDAFB17B}"/>
+          </ac:cxnSpMkLst>
+        </pc:cxnChg>
+        <pc:cxnChg chg="mod">
+          <ac:chgData name="Jonathan Mah" userId="5261b2f2f3e51194" providerId="LiveId" clId="{833092D5-9927-4807-BE3E-672C10A7E002}" dt="2023-06-13T21:11:01.197" v="238"/>
+          <ac:cxnSpMkLst>
+            <pc:docMk/>
+            <pc:sldMk cId="2548783154" sldId="412"/>
+            <ac:cxnSpMk id="82" creationId="{D17DC6D4-1B63-D8FE-42EE-F030CD5ADFC1}"/>
+          </ac:cxnSpMkLst>
+        </pc:cxnChg>
+        <pc:cxnChg chg="add del mod">
+          <ac:chgData name="Jonathan Mah" userId="5261b2f2f3e51194" providerId="LiveId" clId="{833092D5-9927-4807-BE3E-672C10A7E002}" dt="2023-06-13T21:11:09.403" v="240" actId="478"/>
+          <ac:cxnSpMkLst>
+            <pc:docMk/>
+            <pc:sldMk cId="2548783154" sldId="412"/>
+            <ac:cxnSpMk id="86" creationId="{864C9CC1-848C-E911-C210-BBE3D5040534}"/>
+          </ac:cxnSpMkLst>
+        </pc:cxnChg>
+        <pc:cxnChg chg="add del mod">
+          <ac:chgData name="Jonathan Mah" userId="5261b2f2f3e51194" providerId="LiveId" clId="{833092D5-9927-4807-BE3E-672C10A7E002}" dt="2023-06-13T21:11:10.094" v="241" actId="478"/>
+          <ac:cxnSpMkLst>
+            <pc:docMk/>
+            <pc:sldMk cId="2548783154" sldId="412"/>
+            <ac:cxnSpMk id="87" creationId="{8195E7F5-435C-FF49-86FA-904B3D574285}"/>
+          </ac:cxnSpMkLst>
+        </pc:cxnChg>
+        <pc:cxnChg chg="mod">
+          <ac:chgData name="Jonathan Mah" userId="5261b2f2f3e51194" providerId="LiveId" clId="{833092D5-9927-4807-BE3E-672C10A7E002}" dt="2023-06-13T21:10:59.519" v="237" actId="1036"/>
+          <ac:cxnSpMkLst>
+            <pc:docMk/>
+            <pc:sldMk cId="2548783154" sldId="412"/>
+            <ac:cxnSpMk id="103" creationId="{6A2C1153-F120-475B-8887-E2B52219B6EE}"/>
+          </ac:cxnSpMkLst>
+        </pc:cxnChg>
+        <pc:cxnChg chg="mod">
+          <ac:chgData name="Jonathan Mah" userId="5261b2f2f3e51194" providerId="LiveId" clId="{833092D5-9927-4807-BE3E-672C10A7E002}" dt="2023-06-13T21:10:59.519" v="237" actId="1036"/>
+          <ac:cxnSpMkLst>
+            <pc:docMk/>
+            <pc:sldMk cId="2548783154" sldId="412"/>
+            <ac:cxnSpMk id="104" creationId="{6CBF5051-730C-4F23-9D96-26CB1951FE5E}"/>
+          </ac:cxnSpMkLst>
+        </pc:cxnChg>
+        <pc:cxnChg chg="mod">
+          <ac:chgData name="Jonathan Mah" userId="5261b2f2f3e51194" providerId="LiveId" clId="{833092D5-9927-4807-BE3E-672C10A7E002}" dt="2023-06-13T21:10:59.519" v="237" actId="1036"/>
+          <ac:cxnSpMkLst>
+            <pc:docMk/>
+            <pc:sldMk cId="2548783154" sldId="412"/>
+            <ac:cxnSpMk id="105" creationId="{8CE52714-2B53-497C-8787-9607BC34A8DC}"/>
+          </ac:cxnSpMkLst>
+        </pc:cxnChg>
+        <pc:cxnChg chg="mod">
+          <ac:chgData name="Jonathan Mah" userId="5261b2f2f3e51194" providerId="LiveId" clId="{833092D5-9927-4807-BE3E-672C10A7E002}" dt="2023-06-13T21:10:59.519" v="237" actId="1036"/>
+          <ac:cxnSpMkLst>
+            <pc:docMk/>
+            <pc:sldMk cId="2548783154" sldId="412"/>
+            <ac:cxnSpMk id="106" creationId="{B6D7EEA8-7DBE-40F7-AE16-5297B349EBB6}"/>
+          </ac:cxnSpMkLst>
+        </pc:cxnChg>
+        <pc:cxnChg chg="mod">
+          <ac:chgData name="Jonathan Mah" userId="5261b2f2f3e51194" providerId="LiveId" clId="{833092D5-9927-4807-BE3E-672C10A7E002}" dt="2023-06-13T21:10:59.519" v="237" actId="1036"/>
+          <ac:cxnSpMkLst>
+            <pc:docMk/>
+            <pc:sldMk cId="2548783154" sldId="412"/>
+            <ac:cxnSpMk id="107" creationId="{B214AB43-B2E0-476B-A5A3-E7A2D255A0BC}"/>
+          </ac:cxnSpMkLst>
+        </pc:cxnChg>
+        <pc:cxnChg chg="mod">
+          <ac:chgData name="Jonathan Mah" userId="5261b2f2f3e51194" providerId="LiveId" clId="{833092D5-9927-4807-BE3E-672C10A7E002}" dt="2023-06-13T21:10:59.519" v="237" actId="1036"/>
+          <ac:cxnSpMkLst>
+            <pc:docMk/>
+            <pc:sldMk cId="2548783154" sldId="412"/>
+            <ac:cxnSpMk id="108" creationId="{9D3C3B63-D185-4F89-AB98-4FE8E3453E6E}"/>
+          </ac:cxnSpMkLst>
+        </pc:cxnChg>
+        <pc:cxnChg chg="mod">
+          <ac:chgData name="Jonathan Mah" userId="5261b2f2f3e51194" providerId="LiveId" clId="{833092D5-9927-4807-BE3E-672C10A7E002}" dt="2023-06-13T21:10:59.519" v="237" actId="1036"/>
+          <ac:cxnSpMkLst>
+            <pc:docMk/>
+            <pc:sldMk cId="2548783154" sldId="412"/>
+            <ac:cxnSpMk id="109" creationId="{507495E9-5079-4DB3-9D4D-5FECEEDFA5B1}"/>
+          </ac:cxnSpMkLst>
+        </pc:cxnChg>
+        <pc:cxnChg chg="mod">
+          <ac:chgData name="Jonathan Mah" userId="5261b2f2f3e51194" providerId="LiveId" clId="{833092D5-9927-4807-BE3E-672C10A7E002}" dt="2023-06-13T21:10:59.519" v="237" actId="1036"/>
+          <ac:cxnSpMkLst>
+            <pc:docMk/>
+            <pc:sldMk cId="2548783154" sldId="412"/>
+            <ac:cxnSpMk id="110" creationId="{95452664-6E88-4617-A189-C4074B5F53B1}"/>
+          </ac:cxnSpMkLst>
+        </pc:cxnChg>
+        <pc:cxnChg chg="mod">
+          <ac:chgData name="Jonathan Mah" userId="5261b2f2f3e51194" providerId="LiveId" clId="{833092D5-9927-4807-BE3E-672C10A7E002}" dt="2023-06-13T21:10:59.519" v="237" actId="1036"/>
+          <ac:cxnSpMkLst>
+            <pc:docMk/>
+            <pc:sldMk cId="2548783154" sldId="412"/>
+            <ac:cxnSpMk id="111" creationId="{BE3F25CD-4053-47FE-BA77-1F7D3AC5ACE9}"/>
+          </ac:cxnSpMkLst>
+        </pc:cxnChg>
+        <pc:cxnChg chg="mod">
+          <ac:chgData name="Jonathan Mah" userId="5261b2f2f3e51194" providerId="LiveId" clId="{833092D5-9927-4807-BE3E-672C10A7E002}" dt="2023-06-13T21:10:59.519" v="237" actId="1036"/>
+          <ac:cxnSpMkLst>
+            <pc:docMk/>
+            <pc:sldMk cId="2548783154" sldId="412"/>
+            <ac:cxnSpMk id="112" creationId="{6D3A939B-808E-4EA6-813D-162F8AF7A6D7}"/>
+          </ac:cxnSpMkLst>
+        </pc:cxnChg>
+        <pc:cxnChg chg="mod">
+          <ac:chgData name="Jonathan Mah" userId="5261b2f2f3e51194" providerId="LiveId" clId="{833092D5-9927-4807-BE3E-672C10A7E002}" dt="2023-06-13T21:10:59.519" v="237" actId="1036"/>
+          <ac:cxnSpMkLst>
+            <pc:docMk/>
+            <pc:sldMk cId="2548783154" sldId="412"/>
+            <ac:cxnSpMk id="114" creationId="{C109533E-F3D2-446D-B00A-0327D9C4F958}"/>
+          </ac:cxnSpMkLst>
+        </pc:cxnChg>
+        <pc:cxnChg chg="mod">
+          <ac:chgData name="Jonathan Mah" userId="5261b2f2f3e51194" providerId="LiveId" clId="{833092D5-9927-4807-BE3E-672C10A7E002}" dt="2023-06-13T21:10:59.519" v="237" actId="1036"/>
+          <ac:cxnSpMkLst>
+            <pc:docMk/>
+            <pc:sldMk cId="2548783154" sldId="412"/>
+            <ac:cxnSpMk id="115" creationId="{6C7E719F-ABEF-474F-A839-D499288D12F6}"/>
+          </ac:cxnSpMkLst>
+        </pc:cxnChg>
+        <pc:cxnChg chg="mod">
+          <ac:chgData name="Jonathan Mah" userId="5261b2f2f3e51194" providerId="LiveId" clId="{833092D5-9927-4807-BE3E-672C10A7E002}" dt="2023-06-13T21:10:59.519" v="237" actId="1036"/>
+          <ac:cxnSpMkLst>
+            <pc:docMk/>
+            <pc:sldMk cId="2548783154" sldId="412"/>
+            <ac:cxnSpMk id="116" creationId="{69AAF02B-E601-44AB-ACC0-68479D4895B8}"/>
+          </ac:cxnSpMkLst>
+        </pc:cxnChg>
+        <pc:cxnChg chg="mod">
+          <ac:chgData name="Jonathan Mah" userId="5261b2f2f3e51194" providerId="LiveId" clId="{833092D5-9927-4807-BE3E-672C10A7E002}" dt="2023-06-13T21:10:59.519" v="237" actId="1036"/>
+          <ac:cxnSpMkLst>
+            <pc:docMk/>
+            <pc:sldMk cId="2548783154" sldId="412"/>
+            <ac:cxnSpMk id="117" creationId="{A40CC835-18CF-4BCA-BEAE-11F58BB7198B}"/>
+          </ac:cxnSpMkLst>
+        </pc:cxnChg>
+        <pc:cxnChg chg="mod">
+          <ac:chgData name="Jonathan Mah" userId="5261b2f2f3e51194" providerId="LiveId" clId="{833092D5-9927-4807-BE3E-672C10A7E002}" dt="2023-06-13T21:10:59.519" v="237" actId="1036"/>
+          <ac:cxnSpMkLst>
+            <pc:docMk/>
+            <pc:sldMk cId="2548783154" sldId="412"/>
+            <ac:cxnSpMk id="118" creationId="{CDD2B6FD-9BE3-4032-865F-428237E2F096}"/>
+          </ac:cxnSpMkLst>
+        </pc:cxnChg>
+        <pc:cxnChg chg="mod">
+          <ac:chgData name="Jonathan Mah" userId="5261b2f2f3e51194" providerId="LiveId" clId="{833092D5-9927-4807-BE3E-672C10A7E002}" dt="2023-06-13T21:10:59.519" v="237" actId="1036"/>
+          <ac:cxnSpMkLst>
+            <pc:docMk/>
+            <pc:sldMk cId="2548783154" sldId="412"/>
+            <ac:cxnSpMk id="119" creationId="{3EDFFD5F-E047-4680-BCC8-A2572E5A848D}"/>
+          </ac:cxnSpMkLst>
+        </pc:cxnChg>
+        <pc:cxnChg chg="mod">
+          <ac:chgData name="Jonathan Mah" userId="5261b2f2f3e51194" providerId="LiveId" clId="{833092D5-9927-4807-BE3E-672C10A7E002}" dt="2023-06-13T21:10:59.519" v="237" actId="1036"/>
+          <ac:cxnSpMkLst>
+            <pc:docMk/>
+            <pc:sldMk cId="2548783154" sldId="412"/>
+            <ac:cxnSpMk id="120" creationId="{450201BF-1A93-4109-83BC-268485F9AE91}"/>
+          </ac:cxnSpMkLst>
+        </pc:cxnChg>
+        <pc:cxnChg chg="mod">
+          <ac:chgData name="Jonathan Mah" userId="5261b2f2f3e51194" providerId="LiveId" clId="{833092D5-9927-4807-BE3E-672C10A7E002}" dt="2023-06-13T21:10:59.519" v="237" actId="1036"/>
+          <ac:cxnSpMkLst>
+            <pc:docMk/>
+            <pc:sldMk cId="2548783154" sldId="412"/>
+            <ac:cxnSpMk id="121" creationId="{CA8BC7A8-A6F2-44B1-A85D-79517FC8FA3A}"/>
+          </ac:cxnSpMkLst>
+        </pc:cxnChg>
+        <pc:cxnChg chg="mod">
+          <ac:chgData name="Jonathan Mah" userId="5261b2f2f3e51194" providerId="LiveId" clId="{833092D5-9927-4807-BE3E-672C10A7E002}" dt="2023-06-13T21:10:59.519" v="237" actId="1036"/>
+          <ac:cxnSpMkLst>
+            <pc:docMk/>
+            <pc:sldMk cId="2548783154" sldId="412"/>
+            <ac:cxnSpMk id="122" creationId="{A22EF1D3-A050-4A0E-8119-46016E386109}"/>
+          </ac:cxnSpMkLst>
+        </pc:cxnChg>
+        <pc:cxnChg chg="mod">
+          <ac:chgData name="Jonathan Mah" userId="5261b2f2f3e51194" providerId="LiveId" clId="{833092D5-9927-4807-BE3E-672C10A7E002}" dt="2023-06-13T21:10:59.519" v="237" actId="1036"/>
+          <ac:cxnSpMkLst>
+            <pc:docMk/>
+            <pc:sldMk cId="2548783154" sldId="412"/>
+            <ac:cxnSpMk id="123" creationId="{1627F614-247E-4C59-897A-64EAC3554807}"/>
+          </ac:cxnSpMkLst>
+        </pc:cxnChg>
+        <pc:cxnChg chg="mod">
+          <ac:chgData name="Jonathan Mah" userId="5261b2f2f3e51194" providerId="LiveId" clId="{833092D5-9927-4807-BE3E-672C10A7E002}" dt="2023-06-13T21:10:59.519" v="237" actId="1036"/>
+          <ac:cxnSpMkLst>
+            <pc:docMk/>
+            <pc:sldMk cId="2548783154" sldId="412"/>
+            <ac:cxnSpMk id="125" creationId="{F7BC66DC-8157-4913-8BB4-6C14832BE6CA}"/>
+          </ac:cxnSpMkLst>
+        </pc:cxnChg>
+        <pc:cxnChg chg="mod">
+          <ac:chgData name="Jonathan Mah" userId="5261b2f2f3e51194" providerId="LiveId" clId="{833092D5-9927-4807-BE3E-672C10A7E002}" dt="2023-06-13T21:10:59.519" v="237" actId="1036"/>
+          <ac:cxnSpMkLst>
+            <pc:docMk/>
+            <pc:sldMk cId="2548783154" sldId="412"/>
+            <ac:cxnSpMk id="126" creationId="{5C7FF372-A929-42FF-A805-64587CB3291E}"/>
+          </ac:cxnSpMkLst>
+        </pc:cxnChg>
+        <pc:cxnChg chg="mod">
+          <ac:chgData name="Jonathan Mah" userId="5261b2f2f3e51194" providerId="LiveId" clId="{833092D5-9927-4807-BE3E-672C10A7E002}" dt="2023-06-13T21:10:59.519" v="237" actId="1036"/>
+          <ac:cxnSpMkLst>
+            <pc:docMk/>
+            <pc:sldMk cId="2548783154" sldId="412"/>
+            <ac:cxnSpMk id="127" creationId="{7AE0E35D-E49D-4F48-B255-3F44A2D00EC6}"/>
+          </ac:cxnSpMkLst>
+        </pc:cxnChg>
+        <pc:cxnChg chg="mod">
+          <ac:chgData name="Jonathan Mah" userId="5261b2f2f3e51194" providerId="LiveId" clId="{833092D5-9927-4807-BE3E-672C10A7E002}" dt="2023-06-13T21:10:59.519" v="237" actId="1036"/>
+          <ac:cxnSpMkLst>
+            <pc:docMk/>
+            <pc:sldMk cId="2548783154" sldId="412"/>
+            <ac:cxnSpMk id="128" creationId="{20C74101-BC44-41E5-AA56-FBF0B7DC81AF}"/>
+          </ac:cxnSpMkLst>
+        </pc:cxnChg>
+        <pc:cxnChg chg="mod">
+          <ac:chgData name="Jonathan Mah" userId="5261b2f2f3e51194" providerId="LiveId" clId="{833092D5-9927-4807-BE3E-672C10A7E002}" dt="2023-06-13T21:10:59.519" v="237" actId="1036"/>
+          <ac:cxnSpMkLst>
+            <pc:docMk/>
+            <pc:sldMk cId="2548783154" sldId="412"/>
+            <ac:cxnSpMk id="129" creationId="{33B5BC68-8212-44A4-A832-22E82F98AF65}"/>
+          </ac:cxnSpMkLst>
+        </pc:cxnChg>
+        <pc:cxnChg chg="mod">
+          <ac:chgData name="Jonathan Mah" userId="5261b2f2f3e51194" providerId="LiveId" clId="{833092D5-9927-4807-BE3E-672C10A7E002}" dt="2023-06-13T21:10:59.519" v="237" actId="1036"/>
+          <ac:cxnSpMkLst>
+            <pc:docMk/>
+            <pc:sldMk cId="2548783154" sldId="412"/>
+            <ac:cxnSpMk id="130" creationId="{4CD033CA-A63C-4B19-8674-E4B08706E2F4}"/>
+          </ac:cxnSpMkLst>
+        </pc:cxnChg>
+        <pc:cxnChg chg="mod">
+          <ac:chgData name="Jonathan Mah" userId="5261b2f2f3e51194" providerId="LiveId" clId="{833092D5-9927-4807-BE3E-672C10A7E002}" dt="2023-06-13T21:10:59.519" v="237" actId="1036"/>
+          <ac:cxnSpMkLst>
+            <pc:docMk/>
+            <pc:sldMk cId="2548783154" sldId="412"/>
+            <ac:cxnSpMk id="131" creationId="{E7BFEAA5-9521-4846-A25B-728E54417854}"/>
+          </ac:cxnSpMkLst>
+        </pc:cxnChg>
+        <pc:cxnChg chg="mod">
+          <ac:chgData name="Jonathan Mah" userId="5261b2f2f3e51194" providerId="LiveId" clId="{833092D5-9927-4807-BE3E-672C10A7E002}" dt="2023-06-13T21:10:59.519" v="237" actId="1036"/>
+          <ac:cxnSpMkLst>
+            <pc:docMk/>
+            <pc:sldMk cId="2548783154" sldId="412"/>
+            <ac:cxnSpMk id="132" creationId="{9DF21742-64F2-4668-8C32-D79A21755934}"/>
+          </ac:cxnSpMkLst>
+        </pc:cxnChg>
+        <pc:cxnChg chg="mod">
+          <ac:chgData name="Jonathan Mah" userId="5261b2f2f3e51194" providerId="LiveId" clId="{833092D5-9927-4807-BE3E-672C10A7E002}" dt="2023-06-13T21:10:59.519" v="237" actId="1036"/>
+          <ac:cxnSpMkLst>
+            <pc:docMk/>
+            <pc:sldMk cId="2548783154" sldId="412"/>
+            <ac:cxnSpMk id="133" creationId="{99B39C73-FC31-4EB5-8A61-CA2CF427BB08}"/>
+          </ac:cxnSpMkLst>
+        </pc:cxnChg>
+        <pc:cxnChg chg="mod">
+          <ac:chgData name="Jonathan Mah" userId="5261b2f2f3e51194" providerId="LiveId" clId="{833092D5-9927-4807-BE3E-672C10A7E002}" dt="2023-06-13T21:10:59.519" v="237" actId="1036"/>
+          <ac:cxnSpMkLst>
+            <pc:docMk/>
+            <pc:sldMk cId="2548783154" sldId="412"/>
+            <ac:cxnSpMk id="134" creationId="{1A3914D4-79FB-4D4A-B711-6188791105F7}"/>
+          </ac:cxnSpMkLst>
+        </pc:cxnChg>
+      </pc:sldChg>
       <pc:sldChg chg="addSp delSp modSp new mod ord">
         <pc:chgData name="Jonathan Mah" userId="5261b2f2f3e51194" providerId="LiveId" clId="{833092D5-9927-4807-BE3E-672C10A7E002}" dt="2023-05-23T20:00:14.456" v="16" actId="1076"/>
         <pc:sldMkLst>
@@ -402,6 +1538,61 @@
             <pc:docMk/>
             <pc:sldMk cId="400842982" sldId="417"/>
             <ac:picMk id="7" creationId="{0AD190B1-2F35-5FB5-9720-7ADA88F455E7}"/>
+          </ac:picMkLst>
+        </pc:picChg>
+      </pc:sldChg>
+      <pc:sldChg chg="addSp delSp modSp new mod">
+        <pc:chgData name="Jonathan Mah" userId="5261b2f2f3e51194" providerId="LiveId" clId="{833092D5-9927-4807-BE3E-672C10A7E002}" dt="2023-06-13T21:49:18.406" v="377" actId="20577"/>
+        <pc:sldMkLst>
+          <pc:docMk/>
+          <pc:sldMk cId="3853487929" sldId="418"/>
+        </pc:sldMkLst>
+        <pc:spChg chg="del">
+          <ac:chgData name="Jonathan Mah" userId="5261b2f2f3e51194" providerId="LiveId" clId="{833092D5-9927-4807-BE3E-672C10A7E002}" dt="2023-06-13T21:47:27.872" v="359" actId="478"/>
+          <ac:spMkLst>
+            <pc:docMk/>
+            <pc:sldMk cId="3853487929" sldId="418"/>
+            <ac:spMk id="2" creationId="{E6058067-36A8-F72A-9DC3-C7333C1B919C}"/>
+          </ac:spMkLst>
+        </pc:spChg>
+        <pc:spChg chg="del">
+          <ac:chgData name="Jonathan Mah" userId="5261b2f2f3e51194" providerId="LiveId" clId="{833092D5-9927-4807-BE3E-672C10A7E002}" dt="2023-06-13T21:47:27.872" v="359" actId="478"/>
+          <ac:spMkLst>
+            <pc:docMk/>
+            <pc:sldMk cId="3853487929" sldId="418"/>
+            <ac:spMk id="3" creationId="{0FA4FCFF-1C94-AE32-E756-87989853A2C8}"/>
+          </ac:spMkLst>
+        </pc:spChg>
+        <pc:spChg chg="add del mod">
+          <ac:chgData name="Jonathan Mah" userId="5261b2f2f3e51194" providerId="LiveId" clId="{833092D5-9927-4807-BE3E-672C10A7E002}" dt="2023-06-13T21:49:09.374" v="374"/>
+          <ac:spMkLst>
+            <pc:docMk/>
+            <pc:sldMk cId="3853487929" sldId="418"/>
+            <ac:spMk id="6" creationId="{C35D9438-2BBA-A342-87B3-8BAC70284250}"/>
+          </ac:spMkLst>
+        </pc:spChg>
+        <pc:spChg chg="add mod">
+          <ac:chgData name="Jonathan Mah" userId="5261b2f2f3e51194" providerId="LiveId" clId="{833092D5-9927-4807-BE3E-672C10A7E002}" dt="2023-06-13T21:49:08.457" v="372" actId="1076"/>
+          <ac:spMkLst>
+            <pc:docMk/>
+            <pc:sldMk cId="3853487929" sldId="418"/>
+            <ac:spMk id="7" creationId="{EAAC8B72-69F7-0BAB-8216-2655B67DACF0}"/>
+          </ac:spMkLst>
+        </pc:spChg>
+        <pc:spChg chg="add mod">
+          <ac:chgData name="Jonathan Mah" userId="5261b2f2f3e51194" providerId="LiveId" clId="{833092D5-9927-4807-BE3E-672C10A7E002}" dt="2023-06-13T21:49:18.406" v="377" actId="20577"/>
+          <ac:spMkLst>
+            <pc:docMk/>
+            <pc:sldMk cId="3853487929" sldId="418"/>
+            <ac:spMk id="8" creationId="{0F96E062-D811-9668-6BF5-05B52A474B62}"/>
+          </ac:spMkLst>
+        </pc:spChg>
+        <pc:picChg chg="add mod">
+          <ac:chgData name="Jonathan Mah" userId="5261b2f2f3e51194" providerId="LiveId" clId="{833092D5-9927-4807-BE3E-672C10A7E002}" dt="2023-06-13T21:48:21.810" v="362" actId="27614"/>
+          <ac:picMkLst>
+            <pc:docMk/>
+            <pc:sldMk cId="3853487929" sldId="418"/>
+            <ac:picMk id="5" creationId="{F4C2E245-499E-D630-9265-12F162E3072B}"/>
           </ac:picMkLst>
         </pc:picChg>
       </pc:sldChg>
@@ -492,7 +1683,7 @@
           <a:p>
             <a:fld id="{224F4B04-6A50-4A51-B675-D86EC6563060}" type="datetimeFigureOut">
               <a:rPr lang="en-US" smtClean="0"/>
-              <a:t>6/7/2023</a:t>
+              <a:t>6/13/2023</a:t>
             </a:fld>
             <a:endParaRPr lang="en-US"/>
           </a:p>
@@ -1002,7 +2193,7 @@
           <a:p>
             <a:fld id="{54E435BD-4569-4C00-96FD-DE6EEAA430DA}" type="datetimeFigureOut">
               <a:rPr lang="en-US" smtClean="0"/>
-              <a:t>6/7/2023</a:t>
+              <a:t>6/13/2023</a:t>
             </a:fld>
             <a:endParaRPr lang="en-US"/>
           </a:p>
@@ -1172,7 +2363,7 @@
           <a:p>
             <a:fld id="{54E435BD-4569-4C00-96FD-DE6EEAA430DA}" type="datetimeFigureOut">
               <a:rPr lang="en-US" smtClean="0"/>
-              <a:t>6/7/2023</a:t>
+              <a:t>6/13/2023</a:t>
             </a:fld>
             <a:endParaRPr lang="en-US"/>
           </a:p>
@@ -1352,7 +2543,7 @@
           <a:p>
             <a:fld id="{54E435BD-4569-4C00-96FD-DE6EEAA430DA}" type="datetimeFigureOut">
               <a:rPr lang="en-US" smtClean="0"/>
-              <a:t>6/7/2023</a:t>
+              <a:t>6/13/2023</a:t>
             </a:fld>
             <a:endParaRPr lang="en-US"/>
           </a:p>
@@ -1522,7 +2713,7 @@
           <a:p>
             <a:fld id="{54E435BD-4569-4C00-96FD-DE6EEAA430DA}" type="datetimeFigureOut">
               <a:rPr lang="en-US" smtClean="0"/>
-              <a:t>6/7/2023</a:t>
+              <a:t>6/13/2023</a:t>
             </a:fld>
             <a:endParaRPr lang="en-US"/>
           </a:p>
@@ -1766,7 +2957,7 @@
           <a:p>
             <a:fld id="{54E435BD-4569-4C00-96FD-DE6EEAA430DA}" type="datetimeFigureOut">
               <a:rPr lang="en-US" smtClean="0"/>
-              <a:t>6/7/2023</a:t>
+              <a:t>6/13/2023</a:t>
             </a:fld>
             <a:endParaRPr lang="en-US"/>
           </a:p>
@@ -1998,7 +3189,7 @@
           <a:p>
             <a:fld id="{54E435BD-4569-4C00-96FD-DE6EEAA430DA}" type="datetimeFigureOut">
               <a:rPr lang="en-US" smtClean="0"/>
-              <a:t>6/7/2023</a:t>
+              <a:t>6/13/2023</a:t>
             </a:fld>
             <a:endParaRPr lang="en-US"/>
           </a:p>
@@ -2365,7 +3556,7 @@
           <a:p>
             <a:fld id="{54E435BD-4569-4C00-96FD-DE6EEAA430DA}" type="datetimeFigureOut">
               <a:rPr lang="en-US" smtClean="0"/>
-              <a:t>6/7/2023</a:t>
+              <a:t>6/13/2023</a:t>
             </a:fld>
             <a:endParaRPr lang="en-US"/>
           </a:p>
@@ -2483,7 +3674,7 @@
           <a:p>
             <a:fld id="{54E435BD-4569-4C00-96FD-DE6EEAA430DA}" type="datetimeFigureOut">
               <a:rPr lang="en-US" smtClean="0"/>
-              <a:t>6/7/2023</a:t>
+              <a:t>6/13/2023</a:t>
             </a:fld>
             <a:endParaRPr lang="en-US"/>
           </a:p>
@@ -2578,7 +3769,7 @@
           <a:p>
             <a:fld id="{54E435BD-4569-4C00-96FD-DE6EEAA430DA}" type="datetimeFigureOut">
               <a:rPr lang="en-US" smtClean="0"/>
-              <a:t>6/7/2023</a:t>
+              <a:t>6/13/2023</a:t>
             </a:fld>
             <a:endParaRPr lang="en-US"/>
           </a:p>
@@ -2855,7 +4046,7 @@
           <a:p>
             <a:fld id="{54E435BD-4569-4C00-96FD-DE6EEAA430DA}" type="datetimeFigureOut">
               <a:rPr lang="en-US" smtClean="0"/>
-              <a:t>6/7/2023</a:t>
+              <a:t>6/13/2023</a:t>
             </a:fld>
             <a:endParaRPr lang="en-US"/>
           </a:p>
@@ -3112,7 +4303,7 @@
           <a:p>
             <a:fld id="{54E435BD-4569-4C00-96FD-DE6EEAA430DA}" type="datetimeFigureOut">
               <a:rPr lang="en-US" smtClean="0"/>
-              <a:t>6/7/2023</a:t>
+              <a:t>6/13/2023</a:t>
             </a:fld>
             <a:endParaRPr lang="en-US"/>
           </a:p>
@@ -3325,7 +4516,7 @@
           <a:p>
             <a:fld id="{54E435BD-4569-4C00-96FD-DE6EEAA430DA}" type="datetimeFigureOut">
               <a:rPr lang="en-US" smtClean="0"/>
-              <a:t>6/7/2023</a:t>
+              <a:t>6/13/2023</a:t>
             </a:fld>
             <a:endParaRPr lang="en-US"/>
           </a:p>
@@ -3746,7 +4937,7 @@
         </p:nvCxnSpPr>
         <p:spPr>
           <a:xfrm>
-            <a:off x="6367934" y="6635997"/>
+            <a:off x="6367934" y="1416437"/>
             <a:ext cx="0" cy="1125273"/>
           </a:xfrm>
           <a:prstGeom prst="line">
@@ -3785,7 +4976,7 @@
         </p:nvCxnSpPr>
         <p:spPr>
           <a:xfrm>
-            <a:off x="6310784" y="7702797"/>
+            <a:off x="6310784" y="2483237"/>
             <a:ext cx="424583" cy="0"/>
           </a:xfrm>
           <a:prstGeom prst="line">
@@ -3824,7 +5015,7 @@
         </p:nvCxnSpPr>
         <p:spPr>
           <a:xfrm>
-            <a:off x="7261265" y="7707560"/>
+            <a:off x="7261265" y="2488000"/>
             <a:ext cx="424583" cy="0"/>
           </a:xfrm>
           <a:prstGeom prst="line">
@@ -3863,7 +5054,7 @@
         </p:nvCxnSpPr>
         <p:spPr>
           <a:xfrm>
-            <a:off x="6773466" y="7647263"/>
+            <a:off x="6773466" y="2427703"/>
             <a:ext cx="0" cy="355511"/>
           </a:xfrm>
           <a:prstGeom prst="line">
@@ -3902,7 +5093,7 @@
         </p:nvCxnSpPr>
         <p:spPr>
           <a:xfrm>
-            <a:off x="7315547" y="7664698"/>
+            <a:off x="7315547" y="2445138"/>
             <a:ext cx="0" cy="355511"/>
           </a:xfrm>
           <a:prstGeom prst="line">
@@ -3941,7 +5132,7 @@
         </p:nvCxnSpPr>
         <p:spPr>
           <a:xfrm>
-            <a:off x="7629996" y="6635997"/>
+            <a:off x="7629996" y="1416437"/>
             <a:ext cx="0" cy="1125273"/>
           </a:xfrm>
           <a:prstGeom prst="line">
@@ -3978,8 +5169,8 @@
         </p:nvSpPr>
         <p:spPr>
           <a:xfrm>
-            <a:off x="7105710" y="5628196"/>
-            <a:ext cx="3487710" cy="546945"/>
+            <a:off x="7105710" y="408636"/>
+            <a:ext cx="3487710" cy="461665"/>
           </a:xfrm>
           <a:prstGeom prst="rect">
             <a:avLst/>
@@ -3993,9 +5184,10 @@
           <a:lstStyle/>
           <a:p>
             <a:r>
-              <a:rPr lang="en-US" sz="2954" dirty="0">
-                <a:latin typeface="Yu Gothic" panose="020B0400000000000000" pitchFamily="34" charset="-128"/>
+              <a:rPr lang="en-US" sz="2400" dirty="0">
+                <a:latin typeface="Arial" panose="020B0604020202020204" pitchFamily="34" charset="0"/>
                 <a:ea typeface="Yu Gothic" panose="020B0400000000000000" pitchFamily="34" charset="-128"/>
+                <a:cs typeface="Arial" panose="020B0604020202020204" pitchFamily="34" charset="0"/>
               </a:rPr>
               <a:t>Two-epoch</a:t>
             </a:r>
@@ -4018,7 +5210,7 @@
         </p:nvCxnSpPr>
         <p:spPr>
           <a:xfrm>
-            <a:off x="8995209" y="6635997"/>
+            <a:off x="8995209" y="1416437"/>
             <a:ext cx="0" cy="1125273"/>
           </a:xfrm>
           <a:prstGeom prst="line">
@@ -4057,7 +5249,7 @@
         </p:nvCxnSpPr>
         <p:spPr>
           <a:xfrm>
-            <a:off x="8626559" y="7729127"/>
+            <a:off x="8626559" y="2509567"/>
             <a:ext cx="424583" cy="0"/>
           </a:xfrm>
           <a:prstGeom prst="line">
@@ -4096,7 +5288,7 @@
         </p:nvCxnSpPr>
         <p:spPr>
           <a:xfrm>
-            <a:off x="9588262" y="7720998"/>
+            <a:off x="9588262" y="2501438"/>
             <a:ext cx="424583" cy="0"/>
           </a:xfrm>
           <a:prstGeom prst="line">
@@ -4135,7 +5327,7 @@
         </p:nvCxnSpPr>
         <p:spPr>
           <a:xfrm>
-            <a:off x="8682915" y="7717232"/>
+            <a:off x="8682915" y="2497672"/>
             <a:ext cx="0" cy="340563"/>
           </a:xfrm>
           <a:prstGeom prst="line">
@@ -4174,7 +5366,7 @@
         </p:nvCxnSpPr>
         <p:spPr>
           <a:xfrm>
-            <a:off x="9955694" y="7686229"/>
+            <a:off x="9955694" y="2466669"/>
             <a:ext cx="0" cy="407642"/>
           </a:xfrm>
           <a:prstGeom prst="line">
@@ -4213,7 +5405,7 @@
         </p:nvCxnSpPr>
         <p:spPr>
           <a:xfrm>
-            <a:off x="9645413" y="6635997"/>
+            <a:off x="9645413" y="1416437"/>
             <a:ext cx="0" cy="1125273"/>
           </a:xfrm>
           <a:prstGeom prst="line">
@@ -4250,8 +5442,8 @@
         </p:nvSpPr>
         <p:spPr>
           <a:xfrm>
-            <a:off x="7908936" y="6830062"/>
-            <a:ext cx="940629" cy="546945"/>
+            <a:off x="7908936" y="1610502"/>
+            <a:ext cx="940629" cy="461665"/>
           </a:xfrm>
           <a:prstGeom prst="rect">
             <a:avLst/>
@@ -4265,9 +5457,10 @@
           <a:lstStyle/>
           <a:p>
             <a:r>
-              <a:rPr lang="en-US" sz="2954" dirty="0">
-                <a:latin typeface="Yu Gothic" panose="020B0400000000000000" pitchFamily="34" charset="-128"/>
+              <a:rPr lang="en-US" sz="2400" dirty="0">
+                <a:latin typeface="Arial" panose="020B0604020202020204" pitchFamily="34" charset="0"/>
                 <a:ea typeface="Yu Gothic" panose="020B0400000000000000" pitchFamily="34" charset="-128"/>
+                <a:cs typeface="Arial" panose="020B0604020202020204" pitchFamily="34" charset="0"/>
               </a:rPr>
               <a:t>or</a:t>
             </a:r>
@@ -4288,8 +5481,8 @@
         </p:nvSpPr>
         <p:spPr>
           <a:xfrm>
-            <a:off x="5982580" y="8314349"/>
-            <a:ext cx="2550047" cy="546945"/>
+            <a:off x="5982580" y="3094789"/>
+            <a:ext cx="2550047" cy="461665"/>
           </a:xfrm>
           <a:prstGeom prst="rect">
             <a:avLst/>
@@ -4303,9 +5496,10 @@
           <a:lstStyle/>
           <a:p>
             <a:r>
-              <a:rPr lang="en-US" sz="2954" dirty="0">
-                <a:latin typeface="Yu Gothic" panose="020B0400000000000000" pitchFamily="34" charset="-128"/>
+              <a:rPr lang="en-US" sz="2400" dirty="0">
+                <a:latin typeface="Arial" panose="020B0604020202020204" pitchFamily="34" charset="0"/>
                 <a:ea typeface="Yu Gothic" panose="020B0400000000000000" pitchFamily="34" charset="-128"/>
+                <a:cs typeface="Arial" panose="020B0604020202020204" pitchFamily="34" charset="0"/>
               </a:rPr>
               <a:t>Contraction</a:t>
             </a:r>
@@ -4326,8 +5520,8 @@
         </p:nvSpPr>
         <p:spPr>
           <a:xfrm>
-            <a:off x="8555170" y="8345591"/>
-            <a:ext cx="2550047" cy="546945"/>
+            <a:off x="8555170" y="3126031"/>
+            <a:ext cx="2550047" cy="461665"/>
           </a:xfrm>
           <a:prstGeom prst="rect">
             <a:avLst/>
@@ -4341,9 +5535,10 @@
           <a:lstStyle/>
           <a:p>
             <a:r>
-              <a:rPr lang="en-US" sz="2954" dirty="0">
-                <a:latin typeface="Yu Gothic" panose="020B0400000000000000" pitchFamily="34" charset="-128"/>
+              <a:rPr lang="en-US" sz="2400" dirty="0">
+                <a:latin typeface="Arial" panose="020B0604020202020204" pitchFamily="34" charset="0"/>
                 <a:ea typeface="Yu Gothic" panose="020B0400000000000000" pitchFamily="34" charset="-128"/>
+                <a:cs typeface="Arial" panose="020B0604020202020204" pitchFamily="34" charset="0"/>
               </a:rPr>
               <a:t>Expansion</a:t>
             </a:r>
@@ -4364,8 +5559,8 @@
         </p:nvSpPr>
         <p:spPr>
           <a:xfrm>
-            <a:off x="11747933" y="5501360"/>
-            <a:ext cx="3487710" cy="546945"/>
+            <a:off x="11747933" y="281800"/>
+            <a:ext cx="3487710" cy="461665"/>
           </a:xfrm>
           <a:prstGeom prst="rect">
             <a:avLst/>
@@ -4379,9 +5574,10 @@
           <a:lstStyle/>
           <a:p>
             <a:r>
-              <a:rPr lang="en-US" sz="2954" dirty="0">
-                <a:latin typeface="Yu Gothic" panose="020B0400000000000000" pitchFamily="34" charset="-128"/>
+              <a:rPr lang="en-US" sz="2400" dirty="0">
+                <a:latin typeface="Arial" panose="020B0604020202020204" pitchFamily="34" charset="0"/>
                 <a:ea typeface="Yu Gothic" panose="020B0400000000000000" pitchFamily="34" charset="-128"/>
+                <a:cs typeface="Arial" panose="020B0604020202020204" pitchFamily="34" charset="0"/>
               </a:rPr>
               <a:t>Three-epoch</a:t>
             </a:r>
@@ -4404,7 +5600,7 @@
         </p:nvCxnSpPr>
         <p:spPr>
           <a:xfrm>
-            <a:off x="11491511" y="6455139"/>
+            <a:off x="11491511" y="1235579"/>
             <a:ext cx="0" cy="286782"/>
           </a:xfrm>
           <a:prstGeom prst="line">
@@ -4443,7 +5639,7 @@
         </p:nvCxnSpPr>
         <p:spPr>
           <a:xfrm>
-            <a:off x="12207093" y="6467898"/>
+            <a:off x="12207093" y="1248338"/>
             <a:ext cx="0" cy="296343"/>
           </a:xfrm>
           <a:prstGeom prst="line">
@@ -4482,7 +5678,7 @@
         </p:nvCxnSpPr>
         <p:spPr>
           <a:xfrm>
-            <a:off x="11195556" y="6714231"/>
+            <a:off x="11195556" y="1494671"/>
             <a:ext cx="351348" cy="0"/>
           </a:xfrm>
           <a:prstGeom prst="line">
@@ -4521,7 +5717,7 @@
         </p:nvCxnSpPr>
         <p:spPr>
           <a:xfrm>
-            <a:off x="12148971" y="6714233"/>
+            <a:off x="12148971" y="1494673"/>
             <a:ext cx="351348" cy="0"/>
           </a:xfrm>
           <a:prstGeom prst="line">
@@ -4560,7 +5756,7 @@
         </p:nvCxnSpPr>
         <p:spPr>
           <a:xfrm>
-            <a:off x="11195556" y="6659413"/>
+            <a:off x="11195556" y="1439853"/>
             <a:ext cx="0" cy="369389"/>
           </a:xfrm>
           <a:prstGeom prst="line">
@@ -4599,7 +5795,7 @@
         </p:nvCxnSpPr>
         <p:spPr>
           <a:xfrm>
-            <a:off x="12500321" y="6657080"/>
+            <a:off x="12500321" y="1437520"/>
             <a:ext cx="0" cy="371721"/>
           </a:xfrm>
           <a:prstGeom prst="line">
@@ -4638,7 +5834,7 @@
         </p:nvCxnSpPr>
         <p:spPr>
           <a:xfrm>
-            <a:off x="11154647" y="6971642"/>
+            <a:off x="11154647" y="1752082"/>
             <a:ext cx="460152" cy="0"/>
           </a:xfrm>
           <a:prstGeom prst="line">
@@ -4677,7 +5873,7 @@
         </p:nvCxnSpPr>
         <p:spPr>
           <a:xfrm>
-            <a:off x="12055271" y="6971642"/>
+            <a:off x="12055271" y="1752082"/>
             <a:ext cx="467963" cy="0"/>
           </a:xfrm>
           <a:prstGeom prst="line">
@@ -4716,7 +5912,7 @@
         </p:nvCxnSpPr>
         <p:spPr>
           <a:xfrm>
-            <a:off x="12112424" y="7007364"/>
+            <a:off x="12112424" y="1787804"/>
             <a:ext cx="0" cy="296343"/>
           </a:xfrm>
           <a:prstGeom prst="line">
@@ -4755,7 +5951,7 @@
         </p:nvCxnSpPr>
         <p:spPr>
           <a:xfrm>
-            <a:off x="11558046" y="7007364"/>
+            <a:off x="11558046" y="1787804"/>
             <a:ext cx="0" cy="296343"/>
           </a:xfrm>
           <a:prstGeom prst="line">
@@ -4794,7 +5990,7 @@
         </p:nvCxnSpPr>
         <p:spPr>
           <a:xfrm>
-            <a:off x="13552428" y="6553458"/>
+            <a:off x="13552428" y="1333898"/>
             <a:ext cx="0" cy="298641"/>
           </a:xfrm>
           <a:prstGeom prst="line">
@@ -4833,7 +6029,7 @@
         </p:nvCxnSpPr>
         <p:spPr>
           <a:xfrm>
-            <a:off x="14465768" y="6547659"/>
+            <a:off x="14465768" y="1328099"/>
             <a:ext cx="0" cy="308598"/>
           </a:xfrm>
           <a:prstGeom prst="line">
@@ -4872,7 +6068,7 @@
         </p:nvCxnSpPr>
         <p:spPr>
           <a:xfrm>
-            <a:off x="13495135" y="6799013"/>
+            <a:off x="13495135" y="1579453"/>
             <a:ext cx="331532" cy="0"/>
           </a:xfrm>
           <a:prstGeom prst="line">
@@ -4911,7 +6107,7 @@
         </p:nvCxnSpPr>
         <p:spPr>
           <a:xfrm>
-            <a:off x="14183372" y="6803775"/>
+            <a:off x="14183372" y="1584215"/>
             <a:ext cx="331532" cy="0"/>
           </a:xfrm>
           <a:prstGeom prst="line">
@@ -4950,7 +6146,7 @@
         </p:nvCxnSpPr>
         <p:spPr>
           <a:xfrm>
-            <a:off x="13823028" y="6741921"/>
+            <a:off x="13823028" y="1522361"/>
             <a:ext cx="0" cy="384663"/>
           </a:xfrm>
           <a:prstGeom prst="line">
@@ -4989,7 +6185,7 @@
         </p:nvCxnSpPr>
         <p:spPr>
           <a:xfrm>
-            <a:off x="14240525" y="6746624"/>
+            <a:off x="14240525" y="1527064"/>
             <a:ext cx="0" cy="387093"/>
           </a:xfrm>
           <a:prstGeom prst="line">
@@ -5028,7 +6224,7 @@
         </p:nvCxnSpPr>
         <p:spPr>
           <a:xfrm>
-            <a:off x="13443803" y="7126584"/>
+            <a:off x="13443803" y="1907024"/>
             <a:ext cx="434196" cy="0"/>
           </a:xfrm>
           <a:prstGeom prst="line">
@@ -5067,7 +6263,7 @@
         </p:nvCxnSpPr>
         <p:spPr>
           <a:xfrm>
-            <a:off x="14182124" y="7133715"/>
+            <a:off x="14182124" y="1914155"/>
             <a:ext cx="441566" cy="0"/>
           </a:xfrm>
           <a:prstGeom prst="line">
@@ -5106,7 +6302,7 @@
         </p:nvCxnSpPr>
         <p:spPr>
           <a:xfrm>
-            <a:off x="14628452" y="7076745"/>
+            <a:off x="14628452" y="1857185"/>
             <a:ext cx="0" cy="308598"/>
           </a:xfrm>
           <a:prstGeom prst="line">
@@ -5145,7 +6341,7 @@
         </p:nvCxnSpPr>
         <p:spPr>
           <a:xfrm>
-            <a:off x="13497674" y="7094405"/>
+            <a:off x="13497674" y="1874845"/>
             <a:ext cx="0" cy="308598"/>
           </a:xfrm>
           <a:prstGeom prst="line">
@@ -5184,7 +6380,7 @@
         </p:nvCxnSpPr>
         <p:spPr>
           <a:xfrm>
-            <a:off x="11017328" y="8163310"/>
+            <a:off x="11017328" y="2943750"/>
             <a:ext cx="0" cy="288362"/>
           </a:xfrm>
           <a:prstGeom prst="line">
@@ -5223,7 +6419,7 @@
         </p:nvCxnSpPr>
         <p:spPr>
           <a:xfrm>
-            <a:off x="12724751" y="8123909"/>
+            <a:off x="12724751" y="2904349"/>
             <a:ext cx="0" cy="297974"/>
           </a:xfrm>
           <a:prstGeom prst="line">
@@ -5262,7 +6458,7 @@
         </p:nvCxnSpPr>
         <p:spPr>
           <a:xfrm>
-            <a:off x="10960568" y="8401842"/>
+            <a:off x="10960568" y="3182282"/>
             <a:ext cx="355875" cy="0"/>
           </a:xfrm>
           <a:prstGeom prst="line">
@@ -5301,7 +6497,7 @@
         </p:nvCxnSpPr>
         <p:spPr>
           <a:xfrm>
-            <a:off x="12420234" y="8371124"/>
+            <a:off x="12420234" y="3151564"/>
             <a:ext cx="355875" cy="0"/>
           </a:xfrm>
           <a:prstGeom prst="line">
@@ -5340,7 +6536,7 @@
         </p:nvCxnSpPr>
         <p:spPr>
           <a:xfrm>
-            <a:off x="11258654" y="8367552"/>
+            <a:off x="11258654" y="3147992"/>
             <a:ext cx="0" cy="315198"/>
           </a:xfrm>
           <a:prstGeom prst="line">
@@ -5379,7 +6575,7 @@
         </p:nvCxnSpPr>
         <p:spPr>
           <a:xfrm>
-            <a:off x="12478556" y="8316126"/>
+            <a:off x="12478556" y="3096566"/>
             <a:ext cx="0" cy="373767"/>
           </a:xfrm>
           <a:prstGeom prst="line">
@@ -5418,7 +6614,7 @@
         </p:nvCxnSpPr>
         <p:spPr>
           <a:xfrm>
-            <a:off x="11202438" y="8631735"/>
+            <a:off x="11202438" y="3412175"/>
             <a:ext cx="466080" cy="0"/>
           </a:xfrm>
           <a:prstGeom prst="line">
@@ -5457,7 +6653,7 @@
         </p:nvCxnSpPr>
         <p:spPr>
           <a:xfrm>
-            <a:off x="12057490" y="8634927"/>
+            <a:off x="12057490" y="3415367"/>
             <a:ext cx="473990" cy="0"/>
           </a:xfrm>
           <a:prstGeom prst="line">
@@ -5496,7 +6692,7 @@
         </p:nvCxnSpPr>
         <p:spPr>
           <a:xfrm>
-            <a:off x="12117800" y="8609626"/>
+            <a:off x="12117800" y="3390066"/>
             <a:ext cx="0" cy="297974"/>
           </a:xfrm>
           <a:prstGeom prst="line">
@@ -5535,7 +6731,7 @@
         </p:nvCxnSpPr>
         <p:spPr>
           <a:xfrm>
-            <a:off x="11611227" y="8615110"/>
+            <a:off x="11611227" y="3395550"/>
             <a:ext cx="0" cy="297974"/>
           </a:xfrm>
           <a:prstGeom prst="line">
@@ -5572,7 +6768,7 @@
         </p:nvGrpSpPr>
         <p:grpSpPr>
           <a:xfrm>
-            <a:off x="13143722" y="8168271"/>
+            <a:off x="13143722" y="2948711"/>
             <a:ext cx="1684097" cy="786306"/>
             <a:chOff x="9902941" y="2803914"/>
             <a:chExt cx="1122731" cy="524204"/>
@@ -5983,8 +7179,8 @@
         </p:nvSpPr>
         <p:spPr>
           <a:xfrm>
-            <a:off x="11195557" y="9064518"/>
-            <a:ext cx="4078934" cy="384592"/>
+            <a:off x="11195557" y="3844958"/>
+            <a:ext cx="4078934" cy="830997"/>
           </a:xfrm>
           <a:prstGeom prst="rect">
             <a:avLst/>
@@ -5998,9 +7194,10 @@
           <a:lstStyle/>
           <a:p>
             <a:r>
-              <a:rPr lang="en-US" sz="1899" dirty="0">
-                <a:latin typeface="Yu Gothic" panose="020B0400000000000000" pitchFamily="34" charset="-128"/>
+              <a:rPr lang="en-US" sz="2400" dirty="0">
+                <a:latin typeface="Arial" panose="020B0604020202020204" pitchFamily="34" charset="0"/>
                 <a:ea typeface="Yu Gothic" panose="020B0400000000000000" pitchFamily="34" charset="-128"/>
+                <a:cs typeface="Arial" panose="020B0604020202020204" pitchFamily="34" charset="0"/>
               </a:rPr>
               <a:t>Two instantaneous size changes</a:t>
             </a:r>
@@ -6021,8 +7218,8 @@
         </p:nvSpPr>
         <p:spPr>
           <a:xfrm>
-            <a:off x="6472493" y="9042104"/>
-            <a:ext cx="4078934" cy="384592"/>
+            <a:off x="6472493" y="3822544"/>
+            <a:ext cx="4078934" cy="830997"/>
           </a:xfrm>
           <a:prstGeom prst="rect">
             <a:avLst/>
@@ -6036,9 +7233,10 @@
           <a:lstStyle/>
           <a:p>
             <a:r>
-              <a:rPr lang="en-US" sz="1899" dirty="0">
-                <a:latin typeface="Yu Gothic" panose="020B0400000000000000" pitchFamily="34" charset="-128"/>
+              <a:rPr lang="en-US" sz="2400" dirty="0">
+                <a:latin typeface="Arial" panose="020B0604020202020204" pitchFamily="34" charset="0"/>
                 <a:ea typeface="Yu Gothic" panose="020B0400000000000000" pitchFamily="34" charset="-128"/>
+                <a:cs typeface="Arial" panose="020B0604020202020204" pitchFamily="34" charset="0"/>
               </a:rPr>
               <a:t>One instantaneous size change</a:t>
             </a:r>
@@ -6059,8 +7257,8 @@
         </p:nvSpPr>
         <p:spPr>
           <a:xfrm>
-            <a:off x="12628002" y="7464748"/>
-            <a:ext cx="940629" cy="546945"/>
+            <a:off x="12628002" y="2245188"/>
+            <a:ext cx="940629" cy="461665"/>
           </a:xfrm>
           <a:prstGeom prst="rect">
             <a:avLst/>
@@ -6074,9 +7272,10 @@
           <a:lstStyle/>
           <a:p>
             <a:r>
-              <a:rPr lang="en-US" sz="2954" dirty="0">
-                <a:latin typeface="Yu Gothic" panose="020B0400000000000000" pitchFamily="34" charset="-128"/>
+              <a:rPr lang="en-US" sz="2400" dirty="0">
+                <a:latin typeface="Arial" panose="020B0604020202020204" pitchFamily="34" charset="0"/>
                 <a:ea typeface="Yu Gothic" panose="020B0400000000000000" pitchFamily="34" charset="-128"/>
+                <a:cs typeface="Arial" panose="020B0604020202020204" pitchFamily="34" charset="0"/>
               </a:rPr>
               <a:t>or</a:t>
             </a:r>
@@ -6099,7 +7298,7 @@
         </p:nvCxnSpPr>
         <p:spPr>
           <a:xfrm>
-            <a:off x="3964491" y="6635998"/>
+            <a:off x="3964491" y="1416438"/>
             <a:ext cx="0" cy="1305950"/>
           </a:xfrm>
           <a:prstGeom prst="line">
@@ -6138,7 +7337,7 @@
         </p:nvCxnSpPr>
         <p:spPr>
           <a:xfrm>
-            <a:off x="5112254" y="6655354"/>
+            <a:off x="5112254" y="1435794"/>
             <a:ext cx="0" cy="1286594"/>
           </a:xfrm>
           <a:prstGeom prst="line">
@@ -6175,8 +7374,8 @@
         </p:nvSpPr>
         <p:spPr>
           <a:xfrm>
-            <a:off x="3395735" y="5689895"/>
-            <a:ext cx="2550047" cy="546945"/>
+            <a:off x="3395735" y="470335"/>
+            <a:ext cx="2550047" cy="461665"/>
           </a:xfrm>
           <a:prstGeom prst="rect">
             <a:avLst/>
@@ -6190,9 +7389,10 @@
           <a:lstStyle/>
           <a:p>
             <a:r>
-              <a:rPr lang="en-US" sz="2954" dirty="0">
-                <a:latin typeface="Yu Gothic" panose="020B0400000000000000" pitchFamily="34" charset="-128"/>
+              <a:rPr lang="en-US" sz="2400" dirty="0">
+                <a:latin typeface="Arial" panose="020B0604020202020204" pitchFamily="34" charset="0"/>
                 <a:ea typeface="Yu Gothic" panose="020B0400000000000000" pitchFamily="34" charset="-128"/>
+                <a:cs typeface="Arial" panose="020B0604020202020204" pitchFamily="34" charset="0"/>
               </a:rPr>
               <a:t>One-epoch</a:t>
             </a:r>
@@ -6213,8 +7413,8 @@
         </p:nvSpPr>
         <p:spPr>
           <a:xfrm>
-            <a:off x="3265703" y="7941947"/>
-            <a:ext cx="2843624" cy="1001556"/>
+            <a:off x="3265703" y="2722387"/>
+            <a:ext cx="2843624" cy="830997"/>
           </a:xfrm>
           <a:prstGeom prst="rect">
             <a:avLst/>
@@ -6228,18 +7428,20 @@
           <a:lstStyle/>
           <a:p>
             <a:r>
-              <a:rPr lang="en-US" sz="2954" dirty="0">
-                <a:latin typeface="Yu Gothic" panose="020B0400000000000000" pitchFamily="34" charset="-128"/>
+              <a:rPr lang="en-US" sz="2400" dirty="0">
+                <a:latin typeface="Arial" panose="020B0604020202020204" pitchFamily="34" charset="0"/>
                 <a:ea typeface="Yu Gothic" panose="020B0400000000000000" pitchFamily="34" charset="-128"/>
+                <a:cs typeface="Arial" panose="020B0604020202020204" pitchFamily="34" charset="0"/>
               </a:rPr>
               <a:t>Demographic</a:t>
             </a:r>
           </a:p>
           <a:p>
             <a:r>
-              <a:rPr lang="en-US" sz="2954" dirty="0">
-                <a:latin typeface="Yu Gothic" panose="020B0400000000000000" pitchFamily="34" charset="-128"/>
+              <a:rPr lang="en-US" sz="2400" dirty="0">
+                <a:latin typeface="Arial" panose="020B0604020202020204" pitchFamily="34" charset="0"/>
                 <a:ea typeface="Yu Gothic" panose="020B0400000000000000" pitchFamily="34" charset="-128"/>
+                <a:cs typeface="Arial" panose="020B0604020202020204" pitchFamily="34" charset="0"/>
               </a:rPr>
               <a:t> Equilibrium</a:t>
             </a:r>
@@ -6260,8 +7462,8 @@
         </p:nvSpPr>
         <p:spPr>
           <a:xfrm>
-            <a:off x="3395735" y="9111353"/>
-            <a:ext cx="2410706" cy="676852"/>
+            <a:off x="3395735" y="3891793"/>
+            <a:ext cx="2410706" cy="1200329"/>
           </a:xfrm>
           <a:prstGeom prst="rect">
             <a:avLst/>
@@ -6276,9 +7478,10 @@
           <a:p>
             <a:pPr algn="ctr"/>
             <a:r>
-              <a:rPr lang="en-US" sz="1899" dirty="0">
-                <a:latin typeface="Yu Gothic" panose="020B0400000000000000" pitchFamily="34" charset="-128"/>
+              <a:rPr lang="en-US" sz="2400" dirty="0">
+                <a:latin typeface="Arial" panose="020B0604020202020204" pitchFamily="34" charset="0"/>
                 <a:ea typeface="Yu Gothic" panose="020B0400000000000000" pitchFamily="34" charset="-128"/>
+                <a:cs typeface="Arial" panose="020B0604020202020204" pitchFamily="34" charset="0"/>
               </a:rPr>
               <a:t>Constant effective </a:t>
             </a:r>
@@ -6286,9 +7489,10 @@
           <a:p>
             <a:pPr algn="ctr"/>
             <a:r>
-              <a:rPr lang="en-US" sz="1899" dirty="0">
-                <a:latin typeface="Yu Gothic" panose="020B0400000000000000" pitchFamily="34" charset="-128"/>
+              <a:rPr lang="en-US" sz="2400" dirty="0">
+                <a:latin typeface="Arial" panose="020B0604020202020204" pitchFamily="34" charset="0"/>
                 <a:ea typeface="Yu Gothic" panose="020B0400000000000000" pitchFamily="34" charset="-128"/>
+                <a:cs typeface="Arial" panose="020B0604020202020204" pitchFamily="34" charset="0"/>
               </a:rPr>
               <a:t>population size</a:t>
             </a:r>
@@ -6309,8 +7513,8 @@
         </p:nvSpPr>
         <p:spPr>
           <a:xfrm>
-            <a:off x="5512265" y="6830062"/>
-            <a:ext cx="940629" cy="546945"/>
+            <a:off x="5512265" y="1610502"/>
+            <a:ext cx="940629" cy="461665"/>
           </a:xfrm>
           <a:prstGeom prst="rect">
             <a:avLst/>
@@ -6324,12 +7528,1145 @@
           <a:lstStyle/>
           <a:p>
             <a:r>
-              <a:rPr lang="en-US" sz="2954" dirty="0">
-                <a:latin typeface="Yu Gothic" panose="020B0400000000000000" pitchFamily="34" charset="-128"/>
+              <a:rPr lang="en-US" sz="2400" dirty="0">
+                <a:latin typeface="Arial" panose="020B0604020202020204" pitchFamily="34" charset="0"/>
                 <a:ea typeface="Yu Gothic" panose="020B0400000000000000" pitchFamily="34" charset="-128"/>
+                <a:cs typeface="Arial" panose="020B0604020202020204" pitchFamily="34" charset="0"/>
               </a:rPr>
               <a:t>or</a:t>
             </a:r>
+          </a:p>
+        </p:txBody>
+      </p:sp>
+      <p:sp>
+        <p:nvSpPr>
+          <p:cNvPr id="10" name="TextBox 9">
+            <a:extLst>
+              <a:ext uri="{FF2B5EF4-FFF2-40B4-BE49-F238E27FC236}">
+                <a16:creationId xmlns:a16="http://schemas.microsoft.com/office/drawing/2014/main" id="{D040A546-771F-8827-6922-AAA12FA716F7}"/>
+              </a:ext>
+            </a:extLst>
+          </p:cNvPr>
+          <p:cNvSpPr txBox="1"/>
+          <p:nvPr/>
+        </p:nvSpPr>
+        <p:spPr>
+          <a:xfrm>
+            <a:off x="7158541" y="9857163"/>
+            <a:ext cx="3487710" cy="461665"/>
+          </a:xfrm>
+          <a:prstGeom prst="rect">
+            <a:avLst/>
+          </a:prstGeom>
+          <a:noFill/>
+        </p:spPr>
+        <p:txBody>
+          <a:bodyPr wrap="square" rtlCol="0">
+            <a:spAutoFit/>
+          </a:bodyPr>
+          <a:lstStyle/>
+          <a:p>
+            <a:r>
+              <a:rPr lang="en-US" sz="2400" dirty="0">
+                <a:latin typeface="Arial" panose="020B0604020202020204" pitchFamily="34" charset="0"/>
+                <a:ea typeface="Yu Gothic" panose="020B0400000000000000" pitchFamily="34" charset="-128"/>
+                <a:cs typeface="Arial" panose="020B0604020202020204" pitchFamily="34" charset="0"/>
+              </a:rPr>
+              <a:t>Two-epoch</a:t>
+            </a:r>
+          </a:p>
+        </p:txBody>
+      </p:sp>
+      <p:sp>
+        <p:nvSpPr>
+          <p:cNvPr id="28" name="TextBox 27">
+            <a:extLst>
+              <a:ext uri="{FF2B5EF4-FFF2-40B4-BE49-F238E27FC236}">
+                <a16:creationId xmlns:a16="http://schemas.microsoft.com/office/drawing/2014/main" id="{5551282F-E72A-1CA2-E2A6-71B3EFB3657E}"/>
+              </a:ext>
+            </a:extLst>
+          </p:cNvPr>
+          <p:cNvSpPr txBox="1"/>
+          <p:nvPr/>
+        </p:nvSpPr>
+        <p:spPr>
+          <a:xfrm>
+            <a:off x="11428321" y="9895529"/>
+            <a:ext cx="3487710" cy="461665"/>
+          </a:xfrm>
+          <a:prstGeom prst="rect">
+            <a:avLst/>
+          </a:prstGeom>
+          <a:noFill/>
+        </p:spPr>
+        <p:txBody>
+          <a:bodyPr wrap="square" rtlCol="0">
+            <a:spAutoFit/>
+          </a:bodyPr>
+          <a:lstStyle/>
+          <a:p>
+            <a:r>
+              <a:rPr lang="en-US" sz="2400" dirty="0">
+                <a:latin typeface="Arial" panose="020B0604020202020204" pitchFamily="34" charset="0"/>
+                <a:ea typeface="Yu Gothic" panose="020B0400000000000000" pitchFamily="34" charset="-128"/>
+                <a:cs typeface="Arial" panose="020B0604020202020204" pitchFamily="34" charset="0"/>
+              </a:rPr>
+              <a:t>Three-epoch</a:t>
+            </a:r>
+          </a:p>
+        </p:txBody>
+      </p:sp>
+      <p:sp>
+        <p:nvSpPr>
+          <p:cNvPr id="83" name="TextBox 82">
+            <a:extLst>
+              <a:ext uri="{FF2B5EF4-FFF2-40B4-BE49-F238E27FC236}">
+                <a16:creationId xmlns:a16="http://schemas.microsoft.com/office/drawing/2014/main" id="{FA9D0BDC-9013-F556-6EE6-F56174C84496}"/>
+              </a:ext>
+            </a:extLst>
+          </p:cNvPr>
+          <p:cNvSpPr txBox="1"/>
+          <p:nvPr/>
+        </p:nvSpPr>
+        <p:spPr>
+          <a:xfrm>
+            <a:off x="10826659" y="13368563"/>
+            <a:ext cx="3303794" cy="830997"/>
+          </a:xfrm>
+          <a:prstGeom prst="rect">
+            <a:avLst/>
+          </a:prstGeom>
+          <a:noFill/>
+        </p:spPr>
+        <p:txBody>
+          <a:bodyPr wrap="square">
+            <a:spAutoFit/>
+          </a:bodyPr>
+          <a:lstStyle/>
+          <a:p>
+            <a:pPr algn="ctr"/>
+            <a:r>
+              <a:rPr lang="en-US" sz="2400" dirty="0">
+                <a:latin typeface="Arial" panose="020B0604020202020204" pitchFamily="34" charset="0"/>
+                <a:ea typeface="Yu Gothic" panose="020B0400000000000000" pitchFamily="34" charset="-128"/>
+                <a:cs typeface="Arial" panose="020B0604020202020204" pitchFamily="34" charset="0"/>
+              </a:rPr>
+              <a:t>Two instantaneous size changes</a:t>
+            </a:r>
+          </a:p>
+        </p:txBody>
+      </p:sp>
+      <p:sp>
+        <p:nvSpPr>
+          <p:cNvPr id="84" name="TextBox 83">
+            <a:extLst>
+              <a:ext uri="{FF2B5EF4-FFF2-40B4-BE49-F238E27FC236}">
+                <a16:creationId xmlns:a16="http://schemas.microsoft.com/office/drawing/2014/main" id="{C360AF92-53C1-EA80-B96A-E268297B4185}"/>
+              </a:ext>
+            </a:extLst>
+          </p:cNvPr>
+          <p:cNvSpPr txBox="1"/>
+          <p:nvPr/>
+        </p:nvSpPr>
+        <p:spPr>
+          <a:xfrm>
+            <a:off x="6901706" y="13363248"/>
+            <a:ext cx="3211649" cy="830997"/>
+          </a:xfrm>
+          <a:prstGeom prst="rect">
+            <a:avLst/>
+          </a:prstGeom>
+          <a:noFill/>
+        </p:spPr>
+        <p:txBody>
+          <a:bodyPr wrap="square">
+            <a:spAutoFit/>
+          </a:bodyPr>
+          <a:lstStyle/>
+          <a:p>
+            <a:pPr algn="ctr"/>
+            <a:r>
+              <a:rPr lang="en-US" sz="2400" dirty="0">
+                <a:latin typeface="Arial" panose="020B0604020202020204" pitchFamily="34" charset="0"/>
+                <a:ea typeface="Yu Gothic" panose="020B0400000000000000" pitchFamily="34" charset="-128"/>
+                <a:cs typeface="Arial" panose="020B0604020202020204" pitchFamily="34" charset="0"/>
+              </a:rPr>
+              <a:t>One instantaneous size change</a:t>
+            </a:r>
+          </a:p>
+        </p:txBody>
+      </p:sp>
+      <p:sp>
+        <p:nvSpPr>
+          <p:cNvPr id="88" name="TextBox 87">
+            <a:extLst>
+              <a:ext uri="{FF2B5EF4-FFF2-40B4-BE49-F238E27FC236}">
+                <a16:creationId xmlns:a16="http://schemas.microsoft.com/office/drawing/2014/main" id="{BE18A3B2-3200-8C4B-7C15-2E6046CF8C11}"/>
+              </a:ext>
+            </a:extLst>
+          </p:cNvPr>
+          <p:cNvSpPr txBox="1"/>
+          <p:nvPr/>
+        </p:nvSpPr>
+        <p:spPr>
+          <a:xfrm>
+            <a:off x="3708400" y="9857162"/>
+            <a:ext cx="2550047" cy="461665"/>
+          </a:xfrm>
+          <a:prstGeom prst="rect">
+            <a:avLst/>
+          </a:prstGeom>
+          <a:noFill/>
+        </p:spPr>
+        <p:txBody>
+          <a:bodyPr wrap="square" rtlCol="0">
+            <a:spAutoFit/>
+          </a:bodyPr>
+          <a:lstStyle/>
+          <a:p>
+            <a:r>
+              <a:rPr lang="en-US" sz="2400" dirty="0">
+                <a:latin typeface="Arial" panose="020B0604020202020204" pitchFamily="34" charset="0"/>
+                <a:ea typeface="Yu Gothic" panose="020B0400000000000000" pitchFamily="34" charset="-128"/>
+                <a:cs typeface="Arial" panose="020B0604020202020204" pitchFamily="34" charset="0"/>
+              </a:rPr>
+              <a:t>One-epoch</a:t>
+            </a:r>
+          </a:p>
+        </p:txBody>
+      </p:sp>
+      <p:sp>
+        <p:nvSpPr>
+          <p:cNvPr id="90" name="TextBox 89">
+            <a:extLst>
+              <a:ext uri="{FF2B5EF4-FFF2-40B4-BE49-F238E27FC236}">
+                <a16:creationId xmlns:a16="http://schemas.microsoft.com/office/drawing/2014/main" id="{42145022-4A99-E568-8C38-E5777D3778FF}"/>
+              </a:ext>
+            </a:extLst>
+          </p:cNvPr>
+          <p:cNvSpPr txBox="1"/>
+          <p:nvPr/>
+        </p:nvSpPr>
+        <p:spPr>
+          <a:xfrm>
+            <a:off x="3051733" y="13363249"/>
+            <a:ext cx="2843624" cy="830997"/>
+          </a:xfrm>
+          <a:prstGeom prst="rect">
+            <a:avLst/>
+          </a:prstGeom>
+          <a:noFill/>
+        </p:spPr>
+        <p:txBody>
+          <a:bodyPr wrap="square">
+            <a:spAutoFit/>
+          </a:bodyPr>
+          <a:lstStyle/>
+          <a:p>
+            <a:pPr algn="ctr"/>
+            <a:r>
+              <a:rPr lang="en-US" sz="2400" dirty="0">
+                <a:latin typeface="Arial" panose="020B0604020202020204" pitchFamily="34" charset="0"/>
+                <a:ea typeface="Yu Gothic" panose="020B0400000000000000" pitchFamily="34" charset="-128"/>
+                <a:cs typeface="Arial" panose="020B0604020202020204" pitchFamily="34" charset="0"/>
+              </a:rPr>
+              <a:t>Constant effective </a:t>
+            </a:r>
+          </a:p>
+          <a:p>
+            <a:pPr algn="ctr"/>
+            <a:r>
+              <a:rPr lang="en-US" sz="2400" dirty="0">
+                <a:latin typeface="Arial" panose="020B0604020202020204" pitchFamily="34" charset="0"/>
+                <a:ea typeface="Yu Gothic" panose="020B0400000000000000" pitchFamily="34" charset="-128"/>
+                <a:cs typeface="Arial" panose="020B0604020202020204" pitchFamily="34" charset="0"/>
+              </a:rPr>
+              <a:t>population size</a:t>
+            </a:r>
+          </a:p>
+        </p:txBody>
+      </p:sp>
+      <p:sp>
+        <p:nvSpPr>
+          <p:cNvPr id="92" name="Rectangle 91">
+            <a:extLst>
+              <a:ext uri="{FF2B5EF4-FFF2-40B4-BE49-F238E27FC236}">
+                <a16:creationId xmlns:a16="http://schemas.microsoft.com/office/drawing/2014/main" id="{439CE439-C145-8E1E-1CA0-D75066A12D59}"/>
+              </a:ext>
+            </a:extLst>
+          </p:cNvPr>
+          <p:cNvSpPr/>
+          <p:nvPr/>
+        </p:nvSpPr>
+        <p:spPr>
+          <a:xfrm>
+            <a:off x="3708400" y="10642280"/>
+            <a:ext cx="1549400" cy="1410560"/>
+          </a:xfrm>
+          <a:prstGeom prst="rect">
+            <a:avLst/>
+          </a:prstGeom>
+          <a:ln>
+            <a:noFill/>
+          </a:ln>
+        </p:spPr>
+        <p:style>
+          <a:lnRef idx="2">
+            <a:schemeClr val="accent1">
+              <a:shade val="15000"/>
+            </a:schemeClr>
+          </a:lnRef>
+          <a:fillRef idx="1">
+            <a:schemeClr val="accent1"/>
+          </a:fillRef>
+          <a:effectRef idx="0">
+            <a:schemeClr val="accent1"/>
+          </a:effectRef>
+          <a:fontRef idx="minor">
+            <a:schemeClr val="lt1"/>
+          </a:fontRef>
+        </p:style>
+        <p:txBody>
+          <a:bodyPr rtlCol="0" anchor="ctr"/>
+          <a:lstStyle/>
+          <a:p>
+            <a:pPr algn="ctr"/>
+            <a:endParaRPr lang="en-US" sz="2400" dirty="0">
+              <a:latin typeface="Arial" panose="020B0604020202020204" pitchFamily="34" charset="0"/>
+              <a:cs typeface="Arial" panose="020B0604020202020204" pitchFamily="34" charset="0"/>
+            </a:endParaRPr>
+          </a:p>
+        </p:txBody>
+      </p:sp>
+      <p:sp>
+        <p:nvSpPr>
+          <p:cNvPr id="93" name="Rectangle 92">
+            <a:extLst>
+              <a:ext uri="{FF2B5EF4-FFF2-40B4-BE49-F238E27FC236}">
+                <a16:creationId xmlns:a16="http://schemas.microsoft.com/office/drawing/2014/main" id="{30BC3F32-130E-D70D-A68F-8F4A9D408A9A}"/>
+              </a:ext>
+            </a:extLst>
+          </p:cNvPr>
+          <p:cNvSpPr/>
+          <p:nvPr/>
+        </p:nvSpPr>
+        <p:spPr>
+          <a:xfrm>
+            <a:off x="6359536" y="10555719"/>
+            <a:ext cx="1549400" cy="486567"/>
+          </a:xfrm>
+          <a:prstGeom prst="rect">
+            <a:avLst/>
+          </a:prstGeom>
+          <a:ln>
+            <a:noFill/>
+          </a:ln>
+        </p:spPr>
+        <p:style>
+          <a:lnRef idx="2">
+            <a:schemeClr val="accent1">
+              <a:shade val="15000"/>
+            </a:schemeClr>
+          </a:lnRef>
+          <a:fillRef idx="1">
+            <a:schemeClr val="accent1"/>
+          </a:fillRef>
+          <a:effectRef idx="0">
+            <a:schemeClr val="accent1"/>
+          </a:effectRef>
+          <a:fontRef idx="minor">
+            <a:schemeClr val="lt1"/>
+          </a:fontRef>
+        </p:style>
+        <p:txBody>
+          <a:bodyPr rtlCol="0" anchor="ctr"/>
+          <a:lstStyle/>
+          <a:p>
+            <a:pPr algn="ctr"/>
+            <a:endParaRPr lang="en-US" sz="2400" dirty="0">
+              <a:latin typeface="Arial" panose="020B0604020202020204" pitchFamily="34" charset="0"/>
+              <a:cs typeface="Arial" panose="020B0604020202020204" pitchFamily="34" charset="0"/>
+            </a:endParaRPr>
+          </a:p>
+        </p:txBody>
+      </p:sp>
+      <p:sp>
+        <p:nvSpPr>
+          <p:cNvPr id="94" name="Rectangle 93">
+            <a:extLst>
+              <a:ext uri="{FF2B5EF4-FFF2-40B4-BE49-F238E27FC236}">
+                <a16:creationId xmlns:a16="http://schemas.microsoft.com/office/drawing/2014/main" id="{9548E31E-280D-8092-DA91-51ADCC9FCAF3}"/>
+              </a:ext>
+            </a:extLst>
+          </p:cNvPr>
+          <p:cNvSpPr/>
+          <p:nvPr/>
+        </p:nvSpPr>
+        <p:spPr>
+          <a:xfrm>
+            <a:off x="6795972" y="11042286"/>
+            <a:ext cx="659145" cy="996302"/>
+          </a:xfrm>
+          <a:prstGeom prst="rect">
+            <a:avLst/>
+          </a:prstGeom>
+          <a:ln>
+            <a:noFill/>
+          </a:ln>
+        </p:spPr>
+        <p:style>
+          <a:lnRef idx="2">
+            <a:schemeClr val="accent1">
+              <a:shade val="15000"/>
+            </a:schemeClr>
+          </a:lnRef>
+          <a:fillRef idx="1">
+            <a:schemeClr val="accent1"/>
+          </a:fillRef>
+          <a:effectRef idx="0">
+            <a:schemeClr val="accent1"/>
+          </a:effectRef>
+          <a:fontRef idx="minor">
+            <a:schemeClr val="lt1"/>
+          </a:fontRef>
+        </p:style>
+        <p:txBody>
+          <a:bodyPr rtlCol="0" anchor="ctr"/>
+          <a:lstStyle/>
+          <a:p>
+            <a:pPr algn="ctr"/>
+            <a:endParaRPr lang="en-US" sz="2400" dirty="0">
+              <a:latin typeface="Arial" panose="020B0604020202020204" pitchFamily="34" charset="0"/>
+              <a:cs typeface="Arial" panose="020B0604020202020204" pitchFamily="34" charset="0"/>
+            </a:endParaRPr>
+          </a:p>
+        </p:txBody>
+      </p:sp>
+      <p:sp>
+        <p:nvSpPr>
+          <p:cNvPr id="95" name="Rectangle 94">
+            <a:extLst>
+              <a:ext uri="{FF2B5EF4-FFF2-40B4-BE49-F238E27FC236}">
+                <a16:creationId xmlns:a16="http://schemas.microsoft.com/office/drawing/2014/main" id="{2541874E-0C6C-1C7F-227F-77600EE0CA30}"/>
+              </a:ext>
+            </a:extLst>
+          </p:cNvPr>
+          <p:cNvSpPr/>
+          <p:nvPr/>
+        </p:nvSpPr>
+        <p:spPr>
+          <a:xfrm>
+            <a:off x="8388103" y="10562112"/>
+            <a:ext cx="872877" cy="1072436"/>
+          </a:xfrm>
+          <a:prstGeom prst="rect">
+            <a:avLst/>
+          </a:prstGeom>
+          <a:ln>
+            <a:noFill/>
+          </a:ln>
+        </p:spPr>
+        <p:style>
+          <a:lnRef idx="2">
+            <a:schemeClr val="accent1">
+              <a:shade val="15000"/>
+            </a:schemeClr>
+          </a:lnRef>
+          <a:fillRef idx="1">
+            <a:schemeClr val="accent1"/>
+          </a:fillRef>
+          <a:effectRef idx="0">
+            <a:schemeClr val="accent1"/>
+          </a:effectRef>
+          <a:fontRef idx="minor">
+            <a:schemeClr val="lt1"/>
+          </a:fontRef>
+        </p:style>
+        <p:txBody>
+          <a:bodyPr rtlCol="0" anchor="ctr"/>
+          <a:lstStyle/>
+          <a:p>
+            <a:pPr algn="ctr"/>
+            <a:endParaRPr lang="en-US" sz="2400" dirty="0">
+              <a:latin typeface="Arial" panose="020B0604020202020204" pitchFamily="34" charset="0"/>
+              <a:cs typeface="Arial" panose="020B0604020202020204" pitchFamily="34" charset="0"/>
+            </a:endParaRPr>
+          </a:p>
+        </p:txBody>
+      </p:sp>
+      <p:sp>
+        <p:nvSpPr>
+          <p:cNvPr id="96" name="Rectangle 95">
+            <a:extLst>
+              <a:ext uri="{FF2B5EF4-FFF2-40B4-BE49-F238E27FC236}">
+                <a16:creationId xmlns:a16="http://schemas.microsoft.com/office/drawing/2014/main" id="{2C9EFFCE-85C1-2292-694D-A350C0A8E655}"/>
+              </a:ext>
+            </a:extLst>
+          </p:cNvPr>
+          <p:cNvSpPr/>
+          <p:nvPr/>
+        </p:nvSpPr>
+        <p:spPr>
+          <a:xfrm>
+            <a:off x="7893997" y="11634548"/>
+            <a:ext cx="1870592" cy="373104"/>
+          </a:xfrm>
+          <a:prstGeom prst="rect">
+            <a:avLst/>
+          </a:prstGeom>
+          <a:ln>
+            <a:noFill/>
+          </a:ln>
+        </p:spPr>
+        <p:style>
+          <a:lnRef idx="2">
+            <a:schemeClr val="accent1">
+              <a:shade val="15000"/>
+            </a:schemeClr>
+          </a:lnRef>
+          <a:fillRef idx="1">
+            <a:schemeClr val="accent1"/>
+          </a:fillRef>
+          <a:effectRef idx="0">
+            <a:schemeClr val="accent1"/>
+          </a:effectRef>
+          <a:fontRef idx="minor">
+            <a:schemeClr val="lt1"/>
+          </a:fontRef>
+        </p:style>
+        <p:txBody>
+          <a:bodyPr rtlCol="0" anchor="ctr"/>
+          <a:lstStyle/>
+          <a:p>
+            <a:pPr algn="ctr"/>
+            <a:endParaRPr lang="en-US" sz="2400" dirty="0">
+              <a:latin typeface="Arial" panose="020B0604020202020204" pitchFamily="34" charset="0"/>
+              <a:cs typeface="Arial" panose="020B0604020202020204" pitchFamily="34" charset="0"/>
+            </a:endParaRPr>
+          </a:p>
+        </p:txBody>
+      </p:sp>
+      <p:sp>
+        <p:nvSpPr>
+          <p:cNvPr id="97" name="Rectangle 96">
+            <a:extLst>
+              <a:ext uri="{FF2B5EF4-FFF2-40B4-BE49-F238E27FC236}">
+                <a16:creationId xmlns:a16="http://schemas.microsoft.com/office/drawing/2014/main" id="{7810AA31-6F45-0725-9CA4-B2A30EF93BC2}"/>
+              </a:ext>
+            </a:extLst>
+          </p:cNvPr>
+          <p:cNvSpPr/>
+          <p:nvPr/>
+        </p:nvSpPr>
+        <p:spPr>
+          <a:xfrm>
+            <a:off x="11068678" y="10558544"/>
+            <a:ext cx="1123058" cy="259517"/>
+          </a:xfrm>
+          <a:prstGeom prst="rect">
+            <a:avLst/>
+          </a:prstGeom>
+          <a:ln>
+            <a:noFill/>
+          </a:ln>
+        </p:spPr>
+        <p:style>
+          <a:lnRef idx="2">
+            <a:schemeClr val="accent1">
+              <a:shade val="15000"/>
+            </a:schemeClr>
+          </a:lnRef>
+          <a:fillRef idx="1">
+            <a:schemeClr val="accent1"/>
+          </a:fillRef>
+          <a:effectRef idx="0">
+            <a:schemeClr val="accent1"/>
+          </a:effectRef>
+          <a:fontRef idx="minor">
+            <a:schemeClr val="lt1"/>
+          </a:fontRef>
+        </p:style>
+        <p:txBody>
+          <a:bodyPr rtlCol="0" anchor="ctr"/>
+          <a:lstStyle/>
+          <a:p>
+            <a:pPr algn="ctr"/>
+            <a:endParaRPr lang="en-US" sz="2400" dirty="0">
+              <a:latin typeface="Arial" panose="020B0604020202020204" pitchFamily="34" charset="0"/>
+              <a:cs typeface="Arial" panose="020B0604020202020204" pitchFamily="34" charset="0"/>
+            </a:endParaRPr>
+          </a:p>
+        </p:txBody>
+      </p:sp>
+      <p:sp>
+        <p:nvSpPr>
+          <p:cNvPr id="98" name="Rectangle 97">
+            <a:extLst>
+              <a:ext uri="{FF2B5EF4-FFF2-40B4-BE49-F238E27FC236}">
+                <a16:creationId xmlns:a16="http://schemas.microsoft.com/office/drawing/2014/main" id="{32797CC2-F88A-0085-344F-7D589E373461}"/>
+              </a:ext>
+            </a:extLst>
+          </p:cNvPr>
+          <p:cNvSpPr/>
+          <p:nvPr/>
+        </p:nvSpPr>
+        <p:spPr>
+          <a:xfrm>
+            <a:off x="10828273" y="10818061"/>
+            <a:ext cx="1610974" cy="312168"/>
+          </a:xfrm>
+          <a:prstGeom prst="rect">
+            <a:avLst/>
+          </a:prstGeom>
+          <a:ln>
+            <a:noFill/>
+          </a:ln>
+        </p:spPr>
+        <p:style>
+          <a:lnRef idx="2">
+            <a:schemeClr val="accent1">
+              <a:shade val="15000"/>
+            </a:schemeClr>
+          </a:lnRef>
+          <a:fillRef idx="1">
+            <a:schemeClr val="accent1"/>
+          </a:fillRef>
+          <a:effectRef idx="0">
+            <a:schemeClr val="accent1"/>
+          </a:effectRef>
+          <a:fontRef idx="minor">
+            <a:schemeClr val="lt1"/>
+          </a:fontRef>
+        </p:style>
+        <p:txBody>
+          <a:bodyPr rtlCol="0" anchor="ctr"/>
+          <a:lstStyle/>
+          <a:p>
+            <a:pPr algn="ctr"/>
+            <a:endParaRPr lang="en-US" sz="2400" dirty="0">
+              <a:latin typeface="Arial" panose="020B0604020202020204" pitchFamily="34" charset="0"/>
+              <a:cs typeface="Arial" panose="020B0604020202020204" pitchFamily="34" charset="0"/>
+            </a:endParaRPr>
+          </a:p>
+        </p:txBody>
+      </p:sp>
+      <p:sp>
+        <p:nvSpPr>
+          <p:cNvPr id="99" name="Rectangle 98">
+            <a:extLst>
+              <a:ext uri="{FF2B5EF4-FFF2-40B4-BE49-F238E27FC236}">
+                <a16:creationId xmlns:a16="http://schemas.microsoft.com/office/drawing/2014/main" id="{101318AC-2403-AD61-A22B-E7A74BF898D9}"/>
+              </a:ext>
+            </a:extLst>
+          </p:cNvPr>
+          <p:cNvSpPr/>
+          <p:nvPr/>
+        </p:nvSpPr>
+        <p:spPr>
+          <a:xfrm>
+            <a:off x="11437482" y="11109106"/>
+            <a:ext cx="383988" cy="591379"/>
+          </a:xfrm>
+          <a:prstGeom prst="rect">
+            <a:avLst/>
+          </a:prstGeom>
+          <a:ln>
+            <a:noFill/>
+          </a:ln>
+        </p:spPr>
+        <p:style>
+          <a:lnRef idx="2">
+            <a:schemeClr val="accent1">
+              <a:shade val="15000"/>
+            </a:schemeClr>
+          </a:lnRef>
+          <a:fillRef idx="1">
+            <a:schemeClr val="accent1"/>
+          </a:fillRef>
+          <a:effectRef idx="0">
+            <a:schemeClr val="accent1"/>
+          </a:effectRef>
+          <a:fontRef idx="minor">
+            <a:schemeClr val="lt1"/>
+          </a:fontRef>
+        </p:style>
+        <p:txBody>
+          <a:bodyPr rtlCol="0" anchor="ctr"/>
+          <a:lstStyle/>
+          <a:p>
+            <a:pPr algn="ctr"/>
+            <a:endParaRPr lang="en-US" sz="2400" dirty="0">
+              <a:latin typeface="Arial" panose="020B0604020202020204" pitchFamily="34" charset="0"/>
+              <a:cs typeface="Arial" panose="020B0604020202020204" pitchFamily="34" charset="0"/>
+            </a:endParaRPr>
+          </a:p>
+        </p:txBody>
+      </p:sp>
+      <p:sp>
+        <p:nvSpPr>
+          <p:cNvPr id="100" name="Rectangle 99">
+            <a:extLst>
+              <a:ext uri="{FF2B5EF4-FFF2-40B4-BE49-F238E27FC236}">
+                <a16:creationId xmlns:a16="http://schemas.microsoft.com/office/drawing/2014/main" id="{7D2CC8E8-DBD9-97E7-340E-887095249EF3}"/>
+              </a:ext>
+            </a:extLst>
+          </p:cNvPr>
+          <p:cNvSpPr/>
+          <p:nvPr/>
+        </p:nvSpPr>
+        <p:spPr>
+          <a:xfrm>
+            <a:off x="12918880" y="10573218"/>
+            <a:ext cx="1123058" cy="455282"/>
+          </a:xfrm>
+          <a:prstGeom prst="rect">
+            <a:avLst/>
+          </a:prstGeom>
+          <a:ln>
+            <a:noFill/>
+          </a:ln>
+        </p:spPr>
+        <p:style>
+          <a:lnRef idx="2">
+            <a:schemeClr val="accent1">
+              <a:shade val="15000"/>
+            </a:schemeClr>
+          </a:lnRef>
+          <a:fillRef idx="1">
+            <a:schemeClr val="accent1"/>
+          </a:fillRef>
+          <a:effectRef idx="0">
+            <a:schemeClr val="accent1"/>
+          </a:effectRef>
+          <a:fontRef idx="minor">
+            <a:schemeClr val="lt1"/>
+          </a:fontRef>
+        </p:style>
+        <p:txBody>
+          <a:bodyPr rtlCol="0" anchor="ctr"/>
+          <a:lstStyle/>
+          <a:p>
+            <a:pPr algn="ctr"/>
+            <a:endParaRPr lang="en-US" sz="2400" dirty="0">
+              <a:latin typeface="Arial" panose="020B0604020202020204" pitchFamily="34" charset="0"/>
+              <a:cs typeface="Arial" panose="020B0604020202020204" pitchFamily="34" charset="0"/>
+            </a:endParaRPr>
+          </a:p>
+        </p:txBody>
+      </p:sp>
+      <p:sp>
+        <p:nvSpPr>
+          <p:cNvPr id="102" name="Rectangle 101">
+            <a:extLst>
+              <a:ext uri="{FF2B5EF4-FFF2-40B4-BE49-F238E27FC236}">
+                <a16:creationId xmlns:a16="http://schemas.microsoft.com/office/drawing/2014/main" id="{821C5DC5-3F7F-C890-1A8F-A2377623B5E8}"/>
+              </a:ext>
+            </a:extLst>
+          </p:cNvPr>
+          <p:cNvSpPr/>
+          <p:nvPr/>
+        </p:nvSpPr>
+        <p:spPr>
+          <a:xfrm>
+            <a:off x="13139402" y="11028500"/>
+            <a:ext cx="682014" cy="291810"/>
+          </a:xfrm>
+          <a:prstGeom prst="rect">
+            <a:avLst/>
+          </a:prstGeom>
+          <a:ln>
+            <a:noFill/>
+          </a:ln>
+        </p:spPr>
+        <p:style>
+          <a:lnRef idx="2">
+            <a:schemeClr val="accent1">
+              <a:shade val="15000"/>
+            </a:schemeClr>
+          </a:lnRef>
+          <a:fillRef idx="1">
+            <a:schemeClr val="accent1"/>
+          </a:fillRef>
+          <a:effectRef idx="0">
+            <a:schemeClr val="accent1"/>
+          </a:effectRef>
+          <a:fontRef idx="minor">
+            <a:schemeClr val="lt1"/>
+          </a:fontRef>
+        </p:style>
+        <p:txBody>
+          <a:bodyPr rtlCol="0" anchor="ctr"/>
+          <a:lstStyle/>
+          <a:p>
+            <a:pPr algn="ctr"/>
+            <a:endParaRPr lang="en-US" sz="2400" dirty="0">
+              <a:latin typeface="Arial" panose="020B0604020202020204" pitchFamily="34" charset="0"/>
+              <a:cs typeface="Arial" panose="020B0604020202020204" pitchFamily="34" charset="0"/>
+            </a:endParaRPr>
+          </a:p>
+        </p:txBody>
+      </p:sp>
+      <p:sp>
+        <p:nvSpPr>
+          <p:cNvPr id="113" name="Rectangle 112">
+            <a:extLst>
+              <a:ext uri="{FF2B5EF4-FFF2-40B4-BE49-F238E27FC236}">
+                <a16:creationId xmlns:a16="http://schemas.microsoft.com/office/drawing/2014/main" id="{8C5FAB6E-7889-988C-0465-21406B424B9E}"/>
+              </a:ext>
+            </a:extLst>
+          </p:cNvPr>
+          <p:cNvSpPr/>
+          <p:nvPr/>
+        </p:nvSpPr>
+        <p:spPr>
+          <a:xfrm>
+            <a:off x="12811706" y="11319273"/>
+            <a:ext cx="1372487" cy="144335"/>
+          </a:xfrm>
+          <a:prstGeom prst="rect">
+            <a:avLst/>
+          </a:prstGeom>
+          <a:ln>
+            <a:noFill/>
+          </a:ln>
+        </p:spPr>
+        <p:style>
+          <a:lnRef idx="2">
+            <a:schemeClr val="accent1">
+              <a:shade val="15000"/>
+            </a:schemeClr>
+          </a:lnRef>
+          <a:fillRef idx="1">
+            <a:schemeClr val="accent1"/>
+          </a:fillRef>
+          <a:effectRef idx="0">
+            <a:schemeClr val="accent1"/>
+          </a:effectRef>
+          <a:fontRef idx="minor">
+            <a:schemeClr val="lt1"/>
+          </a:fontRef>
+        </p:style>
+        <p:txBody>
+          <a:bodyPr rtlCol="0" anchor="ctr"/>
+          <a:lstStyle/>
+          <a:p>
+            <a:pPr algn="ctr"/>
+            <a:endParaRPr lang="en-US" sz="2400" dirty="0">
+              <a:latin typeface="Arial" panose="020B0604020202020204" pitchFamily="34" charset="0"/>
+              <a:cs typeface="Arial" panose="020B0604020202020204" pitchFamily="34" charset="0"/>
+            </a:endParaRPr>
+          </a:p>
+        </p:txBody>
+      </p:sp>
+      <p:sp>
+        <p:nvSpPr>
+          <p:cNvPr id="124" name="Rectangle 123">
+            <a:extLst>
+              <a:ext uri="{FF2B5EF4-FFF2-40B4-BE49-F238E27FC236}">
+                <a16:creationId xmlns:a16="http://schemas.microsoft.com/office/drawing/2014/main" id="{8B0CA6A3-FD71-F06F-B481-953FB68E41C0}"/>
+              </a:ext>
+            </a:extLst>
+          </p:cNvPr>
+          <p:cNvSpPr/>
+          <p:nvPr/>
+        </p:nvSpPr>
+        <p:spPr>
+          <a:xfrm>
+            <a:off x="10828273" y="12015216"/>
+            <a:ext cx="1550481" cy="469068"/>
+          </a:xfrm>
+          <a:prstGeom prst="rect">
+            <a:avLst/>
+          </a:prstGeom>
+          <a:ln>
+            <a:noFill/>
+          </a:ln>
+        </p:spPr>
+        <p:style>
+          <a:lnRef idx="2">
+            <a:schemeClr val="accent1">
+              <a:shade val="15000"/>
+            </a:schemeClr>
+          </a:lnRef>
+          <a:fillRef idx="1">
+            <a:schemeClr val="accent1"/>
+          </a:fillRef>
+          <a:effectRef idx="0">
+            <a:schemeClr val="accent1"/>
+          </a:effectRef>
+          <a:fontRef idx="minor">
+            <a:schemeClr val="lt1"/>
+          </a:fontRef>
+        </p:style>
+        <p:txBody>
+          <a:bodyPr rtlCol="0" anchor="ctr"/>
+          <a:lstStyle/>
+          <a:p>
+            <a:pPr algn="ctr"/>
+            <a:endParaRPr lang="en-US" sz="2400" dirty="0">
+              <a:latin typeface="Arial" panose="020B0604020202020204" pitchFamily="34" charset="0"/>
+              <a:cs typeface="Arial" panose="020B0604020202020204" pitchFamily="34" charset="0"/>
+            </a:endParaRPr>
+          </a:p>
+        </p:txBody>
+      </p:sp>
+      <p:sp>
+        <p:nvSpPr>
+          <p:cNvPr id="135" name="Rectangle 134">
+            <a:extLst>
+              <a:ext uri="{FF2B5EF4-FFF2-40B4-BE49-F238E27FC236}">
+                <a16:creationId xmlns:a16="http://schemas.microsoft.com/office/drawing/2014/main" id="{BB6E4C0E-76F5-D128-1B76-B98AAFD90216}"/>
+              </a:ext>
+            </a:extLst>
+          </p:cNvPr>
+          <p:cNvSpPr/>
+          <p:nvPr/>
+        </p:nvSpPr>
+        <p:spPr>
+          <a:xfrm>
+            <a:off x="11103002" y="12473178"/>
+            <a:ext cx="1052949" cy="469068"/>
+          </a:xfrm>
+          <a:prstGeom prst="rect">
+            <a:avLst/>
+          </a:prstGeom>
+          <a:ln>
+            <a:noFill/>
+          </a:ln>
+        </p:spPr>
+        <p:style>
+          <a:lnRef idx="2">
+            <a:schemeClr val="accent1">
+              <a:shade val="15000"/>
+            </a:schemeClr>
+          </a:lnRef>
+          <a:fillRef idx="1">
+            <a:schemeClr val="accent1"/>
+          </a:fillRef>
+          <a:effectRef idx="0">
+            <a:schemeClr val="accent1"/>
+          </a:effectRef>
+          <a:fontRef idx="minor">
+            <a:schemeClr val="lt1"/>
+          </a:fontRef>
+        </p:style>
+        <p:txBody>
+          <a:bodyPr rtlCol="0" anchor="ctr"/>
+          <a:lstStyle/>
+          <a:p>
+            <a:pPr algn="ctr"/>
+            <a:endParaRPr lang="en-US" sz="2400" dirty="0">
+              <a:latin typeface="Arial" panose="020B0604020202020204" pitchFamily="34" charset="0"/>
+              <a:cs typeface="Arial" panose="020B0604020202020204" pitchFamily="34" charset="0"/>
+            </a:endParaRPr>
+          </a:p>
+        </p:txBody>
+      </p:sp>
+      <p:sp>
+        <p:nvSpPr>
+          <p:cNvPr id="148" name="Rectangle 147">
+            <a:extLst>
+              <a:ext uri="{FF2B5EF4-FFF2-40B4-BE49-F238E27FC236}">
+                <a16:creationId xmlns:a16="http://schemas.microsoft.com/office/drawing/2014/main" id="{6694BD2F-720C-6174-8023-46EDAA6FD14A}"/>
+              </a:ext>
+            </a:extLst>
+          </p:cNvPr>
+          <p:cNvSpPr/>
+          <p:nvPr/>
+        </p:nvSpPr>
+        <p:spPr>
+          <a:xfrm>
+            <a:off x="11332811" y="12931140"/>
+            <a:ext cx="593332" cy="469068"/>
+          </a:xfrm>
+          <a:prstGeom prst="rect">
+            <a:avLst/>
+          </a:prstGeom>
+          <a:ln>
+            <a:noFill/>
+          </a:ln>
+        </p:spPr>
+        <p:style>
+          <a:lnRef idx="2">
+            <a:schemeClr val="accent1">
+              <a:shade val="15000"/>
+            </a:schemeClr>
+          </a:lnRef>
+          <a:fillRef idx="1">
+            <a:schemeClr val="accent1"/>
+          </a:fillRef>
+          <a:effectRef idx="0">
+            <a:schemeClr val="accent1"/>
+          </a:effectRef>
+          <a:fontRef idx="minor">
+            <a:schemeClr val="lt1"/>
+          </a:fontRef>
+        </p:style>
+        <p:txBody>
+          <a:bodyPr rtlCol="0" anchor="ctr"/>
+          <a:lstStyle/>
+          <a:p>
+            <a:pPr algn="ctr"/>
+            <a:endParaRPr lang="en-US" sz="2400" dirty="0">
+              <a:latin typeface="Arial" panose="020B0604020202020204" pitchFamily="34" charset="0"/>
+              <a:cs typeface="Arial" panose="020B0604020202020204" pitchFamily="34" charset="0"/>
+            </a:endParaRPr>
+          </a:p>
+        </p:txBody>
+      </p:sp>
+      <p:sp>
+        <p:nvSpPr>
+          <p:cNvPr id="149" name="Rectangle 148">
+            <a:extLst>
+              <a:ext uri="{FF2B5EF4-FFF2-40B4-BE49-F238E27FC236}">
+                <a16:creationId xmlns:a16="http://schemas.microsoft.com/office/drawing/2014/main" id="{8BCD36AC-77C1-8E89-1488-2C2CD9D0107D}"/>
+              </a:ext>
+            </a:extLst>
+          </p:cNvPr>
+          <p:cNvSpPr/>
+          <p:nvPr/>
+        </p:nvSpPr>
+        <p:spPr>
+          <a:xfrm>
+            <a:off x="13148842" y="12001411"/>
+            <a:ext cx="577093" cy="441119"/>
+          </a:xfrm>
+          <a:prstGeom prst="rect">
+            <a:avLst/>
+          </a:prstGeom>
+          <a:ln>
+            <a:noFill/>
+          </a:ln>
+        </p:spPr>
+        <p:style>
+          <a:lnRef idx="2">
+            <a:schemeClr val="accent1">
+              <a:shade val="15000"/>
+            </a:schemeClr>
+          </a:lnRef>
+          <a:fillRef idx="1">
+            <a:schemeClr val="accent1"/>
+          </a:fillRef>
+          <a:effectRef idx="0">
+            <a:schemeClr val="accent1"/>
+          </a:effectRef>
+          <a:fontRef idx="minor">
+            <a:schemeClr val="lt1"/>
+          </a:fontRef>
+        </p:style>
+        <p:txBody>
+          <a:bodyPr rtlCol="0" anchor="ctr"/>
+          <a:lstStyle/>
+          <a:p>
+            <a:pPr algn="ctr"/>
+            <a:endParaRPr lang="en-US" sz="2400" dirty="0">
+              <a:latin typeface="Arial" panose="020B0604020202020204" pitchFamily="34" charset="0"/>
+              <a:cs typeface="Arial" panose="020B0604020202020204" pitchFamily="34" charset="0"/>
+            </a:endParaRPr>
+          </a:p>
+        </p:txBody>
+      </p:sp>
+      <p:sp>
+        <p:nvSpPr>
+          <p:cNvPr id="150" name="Rectangle 149">
+            <a:extLst>
+              <a:ext uri="{FF2B5EF4-FFF2-40B4-BE49-F238E27FC236}">
+                <a16:creationId xmlns:a16="http://schemas.microsoft.com/office/drawing/2014/main" id="{A4DB6C5E-2000-CF2B-2264-66D81EC14109}"/>
+              </a:ext>
+            </a:extLst>
+          </p:cNvPr>
+          <p:cNvSpPr/>
+          <p:nvPr/>
+        </p:nvSpPr>
+        <p:spPr>
+          <a:xfrm>
+            <a:off x="12912438" y="12441533"/>
+            <a:ext cx="1101294" cy="469068"/>
+          </a:xfrm>
+          <a:prstGeom prst="rect">
+            <a:avLst/>
+          </a:prstGeom>
+          <a:ln>
+            <a:noFill/>
+          </a:ln>
+        </p:spPr>
+        <p:style>
+          <a:lnRef idx="2">
+            <a:schemeClr val="accent1">
+              <a:shade val="15000"/>
+            </a:schemeClr>
+          </a:lnRef>
+          <a:fillRef idx="1">
+            <a:schemeClr val="accent1"/>
+          </a:fillRef>
+          <a:effectRef idx="0">
+            <a:schemeClr val="accent1"/>
+          </a:effectRef>
+          <a:fontRef idx="minor">
+            <a:schemeClr val="lt1"/>
+          </a:fontRef>
+        </p:style>
+        <p:txBody>
+          <a:bodyPr rtlCol="0" anchor="ctr"/>
+          <a:lstStyle/>
+          <a:p>
+            <a:pPr algn="ctr"/>
+            <a:endParaRPr lang="en-US" sz="2400" dirty="0">
+              <a:latin typeface="Arial" panose="020B0604020202020204" pitchFamily="34" charset="0"/>
+              <a:cs typeface="Arial" panose="020B0604020202020204" pitchFamily="34" charset="0"/>
+            </a:endParaRPr>
+          </a:p>
+        </p:txBody>
+      </p:sp>
+      <p:sp>
+        <p:nvSpPr>
+          <p:cNvPr id="151" name="Rectangle 150">
+            <a:extLst>
+              <a:ext uri="{FF2B5EF4-FFF2-40B4-BE49-F238E27FC236}">
+                <a16:creationId xmlns:a16="http://schemas.microsoft.com/office/drawing/2014/main" id="{82FC65CA-2820-B7A6-1774-7AD3AF6BD8CC}"/>
+              </a:ext>
+            </a:extLst>
+          </p:cNvPr>
+          <p:cNvSpPr/>
+          <p:nvPr/>
+        </p:nvSpPr>
+        <p:spPr>
+          <a:xfrm>
+            <a:off x="12639447" y="12909603"/>
+            <a:ext cx="1610973" cy="469068"/>
+          </a:xfrm>
+          <a:prstGeom prst="rect">
+            <a:avLst/>
+          </a:prstGeom>
+          <a:ln>
+            <a:noFill/>
+          </a:ln>
+        </p:spPr>
+        <p:style>
+          <a:lnRef idx="2">
+            <a:schemeClr val="accent1">
+              <a:shade val="15000"/>
+            </a:schemeClr>
+          </a:lnRef>
+          <a:fillRef idx="1">
+            <a:schemeClr val="accent1"/>
+          </a:fillRef>
+          <a:effectRef idx="0">
+            <a:schemeClr val="accent1"/>
+          </a:effectRef>
+          <a:fontRef idx="minor">
+            <a:schemeClr val="lt1"/>
+          </a:fontRef>
+        </p:style>
+        <p:txBody>
+          <a:bodyPr rtlCol="0" anchor="ctr"/>
+          <a:lstStyle/>
+          <a:p>
+            <a:pPr algn="ctr"/>
+            <a:endParaRPr lang="en-US" sz="2400" dirty="0">
+              <a:latin typeface="Arial" panose="020B0604020202020204" pitchFamily="34" charset="0"/>
+              <a:cs typeface="Arial" panose="020B0604020202020204" pitchFamily="34" charset="0"/>
+            </a:endParaRPr>
           </a:p>
         </p:txBody>
       </p:sp>
@@ -6347,6 +8684,142 @@
 </file>
 
 <file path=ppt/slides/slide2.xml><?xml version="1.0" encoding="utf-8"?>
+<p:sld xmlns:a="http://schemas.openxmlformats.org/drawingml/2006/main" xmlns:r="http://schemas.openxmlformats.org/officeDocument/2006/relationships" xmlns:p="http://schemas.openxmlformats.org/presentationml/2006/main">
+  <p:cSld>
+    <p:spTree>
+      <p:nvGrpSpPr>
+        <p:cNvPr id="1" name=""/>
+        <p:cNvGrpSpPr/>
+        <p:nvPr/>
+      </p:nvGrpSpPr>
+      <p:grpSpPr>
+        <a:xfrm>
+          <a:off x="0" y="0"/>
+          <a:ext cx="0" cy="0"/>
+          <a:chOff x="0" y="0"/>
+          <a:chExt cx="0" cy="0"/>
+        </a:xfrm>
+      </p:grpSpPr>
+      <p:pic>
+        <p:nvPicPr>
+          <p:cNvPr id="5" name="Picture 4" descr="A screenshot of a graph&#10;&#10;Description automatically generated with low confidence">
+            <a:extLst>
+              <a:ext uri="{FF2B5EF4-FFF2-40B4-BE49-F238E27FC236}">
+                <a16:creationId xmlns:a16="http://schemas.microsoft.com/office/drawing/2014/main" id="{F4C2E245-499E-D630-9265-12F162E3072B}"/>
+              </a:ext>
+            </a:extLst>
+          </p:cNvPr>
+          <p:cNvPicPr>
+            <a:picLocks noChangeAspect="1"/>
+          </p:cNvPicPr>
+          <p:nvPr/>
+        </p:nvPicPr>
+        <p:blipFill>
+          <a:blip r:embed="rId2">
+            <a:extLst>
+              <a:ext uri="{28A0092B-C50C-407E-A947-70E740481C1C}">
+                <a14:useLocalDpi xmlns:a14="http://schemas.microsoft.com/office/drawing/2010/main" val="0"/>
+              </a:ext>
+            </a:extLst>
+          </a:blip>
+          <a:stretch>
+            <a:fillRect/>
+          </a:stretch>
+        </p:blipFill>
+        <p:spPr>
+          <a:xfrm>
+            <a:off x="2386115" y="2676660"/>
+            <a:ext cx="14289494" cy="8573696"/>
+          </a:xfrm>
+          <a:prstGeom prst="rect">
+            <a:avLst/>
+          </a:prstGeom>
+        </p:spPr>
+      </p:pic>
+      <p:sp>
+        <p:nvSpPr>
+          <p:cNvPr id="7" name="TextBox 6">
+            <a:extLst>
+              <a:ext uri="{FF2B5EF4-FFF2-40B4-BE49-F238E27FC236}">
+                <a16:creationId xmlns:a16="http://schemas.microsoft.com/office/drawing/2014/main" id="{EAAC8B72-69F7-0BAB-8216-2655B67DACF0}"/>
+              </a:ext>
+            </a:extLst>
+          </p:cNvPr>
+          <p:cNvSpPr txBox="1"/>
+          <p:nvPr/>
+        </p:nvSpPr>
+        <p:spPr>
+          <a:xfrm>
+            <a:off x="2510972" y="2859314"/>
+            <a:ext cx="465192" cy="646331"/>
+          </a:xfrm>
+          <a:prstGeom prst="rect">
+            <a:avLst/>
+          </a:prstGeom>
+          <a:noFill/>
+        </p:spPr>
+        <p:txBody>
+          <a:bodyPr wrap="none" rtlCol="0">
+            <a:spAutoFit/>
+          </a:bodyPr>
+          <a:lstStyle/>
+          <a:p>
+            <a:r>
+              <a:rPr lang="en-US" sz="3600" b="1" dirty="0"/>
+              <a:t>A</a:t>
+            </a:r>
+          </a:p>
+        </p:txBody>
+      </p:sp>
+      <p:sp>
+        <p:nvSpPr>
+          <p:cNvPr id="8" name="TextBox 7">
+            <a:extLst>
+              <a:ext uri="{FF2B5EF4-FFF2-40B4-BE49-F238E27FC236}">
+                <a16:creationId xmlns:a16="http://schemas.microsoft.com/office/drawing/2014/main" id="{0F96E062-D811-9668-6BF5-05B52A474B62}"/>
+              </a:ext>
+            </a:extLst>
+          </p:cNvPr>
+          <p:cNvSpPr txBox="1"/>
+          <p:nvPr/>
+        </p:nvSpPr>
+        <p:spPr>
+          <a:xfrm>
+            <a:off x="11996058" y="2860984"/>
+            <a:ext cx="442750" cy="646331"/>
+          </a:xfrm>
+          <a:prstGeom prst="rect">
+            <a:avLst/>
+          </a:prstGeom>
+          <a:noFill/>
+        </p:spPr>
+        <p:txBody>
+          <a:bodyPr wrap="none" rtlCol="0">
+            <a:spAutoFit/>
+          </a:bodyPr>
+          <a:lstStyle/>
+          <a:p>
+            <a:r>
+              <a:rPr lang="en-US" sz="3600" b="1" dirty="0"/>
+              <a:t>B</a:t>
+            </a:r>
+          </a:p>
+        </p:txBody>
+      </p:sp>
+    </p:spTree>
+    <p:extLst>
+      <p:ext uri="{BB962C8B-B14F-4D97-AF65-F5344CB8AC3E}">
+        <p14:creationId xmlns:p14="http://schemas.microsoft.com/office/powerpoint/2010/main" val="3853487929"/>
+      </p:ext>
+    </p:extLst>
+  </p:cSld>
+  <p:clrMapOvr>
+    <a:masterClrMapping/>
+  </p:clrMapOvr>
+</p:sld>
+</file>
+
+<file path=ppt/slides/slide3.xml><?xml version="1.0" encoding="utf-8"?>
 <p:sld xmlns:a="http://schemas.openxmlformats.org/drawingml/2006/main" xmlns:r="http://schemas.openxmlformats.org/officeDocument/2006/relationships" xmlns:p="http://schemas.openxmlformats.org/presentationml/2006/main">
   <p:cSld>
     <p:spTree>
@@ -10222,7 +12695,7 @@
 </p:sld>
 </file>
 
-<file path=ppt/slides/slide3.xml><?xml version="1.0" encoding="utf-8"?>
+<file path=ppt/slides/slide4.xml><?xml version="1.0" encoding="utf-8"?>
 <p:sld xmlns:a="http://schemas.openxmlformats.org/drawingml/2006/main" xmlns:r="http://schemas.openxmlformats.org/officeDocument/2006/relationships" xmlns:p="http://schemas.openxmlformats.org/presentationml/2006/main">
   <p:cSld>
     <p:spTree>
@@ -10322,7 +12795,7 @@
 </p:sld>
 </file>
 
-<file path=ppt/slides/slide4.xml><?xml version="1.0" encoding="utf-8"?>
+<file path=ppt/slides/slide5.xml><?xml version="1.0" encoding="utf-8"?>
 <p:sld xmlns:a="http://schemas.openxmlformats.org/drawingml/2006/main" xmlns:r="http://schemas.openxmlformats.org/officeDocument/2006/relationships" xmlns:p="http://schemas.openxmlformats.org/presentationml/2006/main">
   <p:cSld>
     <p:spTree>
@@ -10433,7 +12906,7 @@
 </p:sld>
 </file>
 
-<file path=ppt/slides/slide5.xml><?xml version="1.0" encoding="utf-8"?>
+<file path=ppt/slides/slide6.xml><?xml version="1.0" encoding="utf-8"?>
 <p:sld xmlns:a="http://schemas.openxmlformats.org/drawingml/2006/main" xmlns:r="http://schemas.openxmlformats.org/officeDocument/2006/relationships" xmlns:p="http://schemas.openxmlformats.org/presentationml/2006/main">
   <p:cSld>
     <p:spTree>
@@ -10544,7 +13017,7 @@
 </p:sld>
 </file>
 
-<file path=ppt/slides/slide6.xml><?xml version="1.0" encoding="utf-8"?>
+<file path=ppt/slides/slide7.xml><?xml version="1.0" encoding="utf-8"?>
 <p:sld xmlns:a="http://schemas.openxmlformats.org/drawingml/2006/main" xmlns:r="http://schemas.openxmlformats.org/officeDocument/2006/relationships" xmlns:p="http://schemas.openxmlformats.org/presentationml/2006/main">
   <p:cSld>
     <p:spTree>

--- a/Summary/figures.pptx
+++ b/Summary/figures.pptx
@@ -5,7 +5,7 @@
     <p:sldMasterId id="2147483660" r:id="rId1"/>
   </p:sldMasterIdLst>
   <p:notesMasterIdLst>
-    <p:notesMasterId r:id="rId13"/>
+    <p:notesMasterId r:id="rId14"/>
   </p:notesMasterIdLst>
   <p:sldIdLst>
     <p:sldId id="420" r:id="rId2"/>
@@ -19,6 +19,7 @@
     <p:sldId id="415" r:id="rId10"/>
     <p:sldId id="416" r:id="rId11"/>
     <p:sldId id="426" r:id="rId12"/>
+    <p:sldId id="429" r:id="rId13"/>
   </p:sldIdLst>
   <p:sldSz cx="18288000" cy="18288000"/>
   <p:notesSz cx="6858000" cy="9144000"/>
@@ -128,7 +129,7 @@
 <file path=ppt/revisionInfo.xml><?xml version="1.0" encoding="utf-8"?>
 <p1510:revInfo xmlns:a="http://schemas.openxmlformats.org/drawingml/2006/main" xmlns:r="http://schemas.openxmlformats.org/officeDocument/2006/relationships" xmlns:p1510="http://schemas.microsoft.com/office/powerpoint/2015/10/main">
   <p1510:revLst>
-    <p1510:client id="{833092D5-9927-4807-BE3E-672C10A7E002}" v="109" dt="2023-07-05T18:28:07.325"/>
+    <p1510:client id="{833092D5-9927-4807-BE3E-672C10A7E002}" v="123" dt="2023-07-19T19:50:59.504"/>
   </p1510:revLst>
 </p1510:revInfo>
 </file>
@@ -178,7 +179,7 @@
   <pc:docChgLst>
     <pc:chgData name="Jonathan Mah" userId="5261b2f2f3e51194" providerId="LiveId" clId="{833092D5-9927-4807-BE3E-672C10A7E002}"/>
     <pc:docChg chg="undo redo custSel addSld delSld modSld sldOrd">
-      <pc:chgData name="Jonathan Mah" userId="5261b2f2f3e51194" providerId="LiveId" clId="{833092D5-9927-4807-BE3E-672C10A7E002}" dt="2023-07-05T18:28:09.459" v="1976" actId="167"/>
+      <pc:chgData name="Jonathan Mah" userId="5261b2f2f3e51194" providerId="LiveId" clId="{833092D5-9927-4807-BE3E-672C10A7E002}" dt="2023-07-19T19:51:51.366" v="2277" actId="14100"/>
       <pc:docMkLst>
         <pc:docMk/>
       </pc:docMkLst>
@@ -4660,6 +4661,188 @@
             <pc:docMk/>
             <pc:sldMk cId="652272095" sldId="426"/>
             <ac:picMk id="15" creationId="{2DA3E69C-931C-A35D-9A5C-43B3CCDCA69C}"/>
+          </ac:picMkLst>
+        </pc:picChg>
+      </pc:sldChg>
+      <pc:sldChg chg="addSp delSp modSp new del mod">
+        <pc:chgData name="Jonathan Mah" userId="5261b2f2f3e51194" providerId="LiveId" clId="{833092D5-9927-4807-BE3E-672C10A7E002}" dt="2023-07-14T22:34:04.122" v="1982" actId="47"/>
+        <pc:sldMkLst>
+          <pc:docMk/>
+          <pc:sldMk cId="2571562739" sldId="428"/>
+        </pc:sldMkLst>
+        <pc:spChg chg="del">
+          <ac:chgData name="Jonathan Mah" userId="5261b2f2f3e51194" providerId="LiveId" clId="{833092D5-9927-4807-BE3E-672C10A7E002}" dt="2023-07-14T22:33:49.121" v="1978" actId="478"/>
+          <ac:spMkLst>
+            <pc:docMk/>
+            <pc:sldMk cId="2571562739" sldId="428"/>
+            <ac:spMk id="2" creationId="{306A2AD6-D3E1-BE5A-97BA-91581B32AE02}"/>
+          </ac:spMkLst>
+        </pc:spChg>
+        <pc:spChg chg="del">
+          <ac:chgData name="Jonathan Mah" userId="5261b2f2f3e51194" providerId="LiveId" clId="{833092D5-9927-4807-BE3E-672C10A7E002}" dt="2023-07-14T22:33:49.121" v="1978" actId="478"/>
+          <ac:spMkLst>
+            <pc:docMk/>
+            <pc:sldMk cId="2571562739" sldId="428"/>
+            <ac:spMk id="3" creationId="{43967E6C-B304-891C-1B74-7ED3B7E659BB}"/>
+          </ac:spMkLst>
+        </pc:spChg>
+        <pc:picChg chg="add mod">
+          <ac:chgData name="Jonathan Mah" userId="5261b2f2f3e51194" providerId="LiveId" clId="{833092D5-9927-4807-BE3E-672C10A7E002}" dt="2023-07-14T22:33:51.036" v="1980" actId="1076"/>
+          <ac:picMkLst>
+            <pc:docMk/>
+            <pc:sldMk cId="2571562739" sldId="428"/>
+            <ac:picMk id="4" creationId="{E9D938AB-F1CE-2428-CBFC-5A9A6E46C81D}"/>
+          </ac:picMkLst>
+        </pc:picChg>
+      </pc:sldChg>
+      <pc:sldChg chg="addSp delSp modSp add mod">
+        <pc:chgData name="Jonathan Mah" userId="5261b2f2f3e51194" providerId="LiveId" clId="{833092D5-9927-4807-BE3E-672C10A7E002}" dt="2023-07-19T19:51:51.366" v="2277" actId="14100"/>
+        <pc:sldMkLst>
+          <pc:docMk/>
+          <pc:sldMk cId="3765396124" sldId="429"/>
+        </pc:sldMkLst>
+        <pc:spChg chg="add del">
+          <ac:chgData name="Jonathan Mah" userId="5261b2f2f3e51194" providerId="LiveId" clId="{833092D5-9927-4807-BE3E-672C10A7E002}" dt="2023-07-19T19:50:59.491" v="2268"/>
+          <ac:spMkLst>
+            <pc:docMk/>
+            <pc:sldMk cId="3765396124" sldId="429"/>
+            <ac:spMk id="2" creationId="{B03ED20E-ECCE-C93D-0211-AB805AF91CD3}"/>
+          </ac:spMkLst>
+        </pc:spChg>
+        <pc:spChg chg="add del">
+          <ac:chgData name="Jonathan Mah" userId="5261b2f2f3e51194" providerId="LiveId" clId="{833092D5-9927-4807-BE3E-672C10A7E002}" dt="2023-07-14T22:39:28.204" v="1993"/>
+          <ac:spMkLst>
+            <pc:docMk/>
+            <pc:sldMk cId="3765396124" sldId="429"/>
+            <ac:spMk id="2" creationId="{E61DDE4C-1D7C-C0D8-59D1-48EBFCB75C3A}"/>
+          </ac:spMkLst>
+        </pc:spChg>
+        <pc:spChg chg="del">
+          <ac:chgData name="Jonathan Mah" userId="5261b2f2f3e51194" providerId="LiveId" clId="{833092D5-9927-4807-BE3E-672C10A7E002}" dt="2023-07-14T22:34:07.435" v="1984" actId="478"/>
+          <ac:spMkLst>
+            <pc:docMk/>
+            <pc:sldMk cId="3765396124" sldId="429"/>
+            <ac:spMk id="12" creationId="{3FAD5785-2EBE-157C-4958-55580125D829}"/>
+          </ac:spMkLst>
+        </pc:spChg>
+        <pc:spChg chg="del">
+          <ac:chgData name="Jonathan Mah" userId="5261b2f2f3e51194" providerId="LiveId" clId="{833092D5-9927-4807-BE3E-672C10A7E002}" dt="2023-07-14T22:34:09.170" v="1985" actId="478"/>
+          <ac:spMkLst>
+            <pc:docMk/>
+            <pc:sldMk cId="3765396124" sldId="429"/>
+            <ac:spMk id="13" creationId="{88B18BE0-5F6B-4C31-2D55-F550CE61E7FB}"/>
+          </ac:spMkLst>
+        </pc:spChg>
+        <pc:spChg chg="del">
+          <ac:chgData name="Jonathan Mah" userId="5261b2f2f3e51194" providerId="LiveId" clId="{833092D5-9927-4807-BE3E-672C10A7E002}" dt="2023-07-14T22:34:14.445" v="1989" actId="478"/>
+          <ac:spMkLst>
+            <pc:docMk/>
+            <pc:sldMk cId="3765396124" sldId="429"/>
+            <ac:spMk id="14" creationId="{2CADF09D-57B3-ACE1-9674-1B704060D8DF}"/>
+          </ac:spMkLst>
+        </pc:spChg>
+        <pc:spChg chg="add mod">
+          <ac:chgData name="Jonathan Mah" userId="5261b2f2f3e51194" providerId="LiveId" clId="{833092D5-9927-4807-BE3E-672C10A7E002}" dt="2023-07-14T22:51:27.042" v="2263" actId="14100"/>
+          <ac:spMkLst>
+            <pc:docMk/>
+            <pc:sldMk cId="3765396124" sldId="429"/>
+            <ac:spMk id="17" creationId="{CA956D0F-F840-901A-8FCC-83072C36A26C}"/>
+          </ac:spMkLst>
+        </pc:spChg>
+        <pc:picChg chg="mod modCrop">
+          <ac:chgData name="Jonathan Mah" userId="5261b2f2f3e51194" providerId="LiveId" clId="{833092D5-9927-4807-BE3E-672C10A7E002}" dt="2023-07-19T19:51:51.366" v="2277" actId="14100"/>
+          <ac:picMkLst>
+            <pc:docMk/>
+            <pc:sldMk cId="3765396124" sldId="429"/>
+            <ac:picMk id="3" creationId="{1C88653A-C506-B445-4F6E-1CD84D2FD5F3}"/>
+          </ac:picMkLst>
+        </pc:picChg>
+        <pc:picChg chg="del mod">
+          <ac:chgData name="Jonathan Mah" userId="5261b2f2f3e51194" providerId="LiveId" clId="{833092D5-9927-4807-BE3E-672C10A7E002}" dt="2023-07-19T19:51:09.031" v="2272" actId="478"/>
+          <ac:picMkLst>
+            <pc:docMk/>
+            <pc:sldMk cId="3765396124" sldId="429"/>
+            <ac:picMk id="4" creationId="{B4AA63D1-8ED5-E707-690E-2E1E3BBDAF5D}"/>
+          </ac:picMkLst>
+        </pc:picChg>
+        <pc:picChg chg="del">
+          <ac:chgData name="Jonathan Mah" userId="5261b2f2f3e51194" providerId="LiveId" clId="{833092D5-9927-4807-BE3E-672C10A7E002}" dt="2023-07-14T22:34:10.891" v="1987" actId="478"/>
+          <ac:picMkLst>
+            <pc:docMk/>
+            <pc:sldMk cId="3765396124" sldId="429"/>
+            <ac:picMk id="5" creationId="{4E164DF8-57D8-0F85-F258-8A91CE9899F8}"/>
+          </ac:picMkLst>
+        </pc:picChg>
+        <pc:picChg chg="add mod">
+          <ac:chgData name="Jonathan Mah" userId="5261b2f2f3e51194" providerId="LiveId" clId="{833092D5-9927-4807-BE3E-672C10A7E002}" dt="2023-07-19T19:51:13.836" v="2273" actId="1076"/>
+          <ac:picMkLst>
+            <pc:docMk/>
+            <pc:sldMk cId="3765396124" sldId="429"/>
+            <ac:picMk id="5" creationId="{DF3CF68F-65E3-018A-CE7F-3D7703037ABA}"/>
+          </ac:picMkLst>
+        </pc:picChg>
+        <pc:picChg chg="add del mod">
+          <ac:chgData name="Jonathan Mah" userId="5261b2f2f3e51194" providerId="LiveId" clId="{833092D5-9927-4807-BE3E-672C10A7E002}" dt="2023-07-19T19:50:56.638" v="2264" actId="478"/>
+          <ac:picMkLst>
+            <pc:docMk/>
+            <pc:sldMk cId="3765396124" sldId="429"/>
+            <ac:picMk id="6" creationId="{B12FFA45-4A5D-5628-8CFB-5E1FCEC7BEBA}"/>
+          </ac:picMkLst>
+        </pc:picChg>
+        <pc:picChg chg="add del mod">
+          <ac:chgData name="Jonathan Mah" userId="5261b2f2f3e51194" providerId="LiveId" clId="{833092D5-9927-4807-BE3E-672C10A7E002}" dt="2023-07-14T22:41:34.329" v="2014" actId="478"/>
+          <ac:picMkLst>
+            <pc:docMk/>
+            <pc:sldMk cId="3765396124" sldId="429"/>
+            <ac:picMk id="7" creationId="{BACBF593-5D52-D2B5-F061-AAB15046DF12}"/>
+          </ac:picMkLst>
+        </pc:picChg>
+        <pc:picChg chg="mod">
+          <ac:chgData name="Jonathan Mah" userId="5261b2f2f3e51194" providerId="LiveId" clId="{833092D5-9927-4807-BE3E-672C10A7E002}" dt="2023-07-19T19:51:51.366" v="2277" actId="14100"/>
+          <ac:picMkLst>
+            <pc:docMk/>
+            <pc:sldMk cId="3765396124" sldId="429"/>
+            <ac:picMk id="8" creationId="{6BDC0236-82EF-9A85-03C0-549F8E58DEEF}"/>
+          </ac:picMkLst>
+        </pc:picChg>
+        <pc:picChg chg="del">
+          <ac:chgData name="Jonathan Mah" userId="5261b2f2f3e51194" providerId="LiveId" clId="{833092D5-9927-4807-BE3E-672C10A7E002}" dt="2023-07-14T22:34:06.266" v="1983" actId="478"/>
+          <ac:picMkLst>
+            <pc:docMk/>
+            <pc:sldMk cId="3765396124" sldId="429"/>
+            <ac:picMk id="9" creationId="{381FC2B0-7964-FD80-2C11-756D2D9CC609}"/>
+          </ac:picMkLst>
+        </pc:picChg>
+        <pc:picChg chg="del">
+          <ac:chgData name="Jonathan Mah" userId="5261b2f2f3e51194" providerId="LiveId" clId="{833092D5-9927-4807-BE3E-672C10A7E002}" dt="2023-07-14T22:34:09.853" v="1986" actId="478"/>
+          <ac:picMkLst>
+            <pc:docMk/>
+            <pc:sldMk cId="3765396124" sldId="429"/>
+            <ac:picMk id="10" creationId="{5F877A63-EC70-D916-8C2B-74C6B014F364}"/>
+          </ac:picMkLst>
+        </pc:picChg>
+        <pc:picChg chg="del">
+          <ac:chgData name="Jonathan Mah" userId="5261b2f2f3e51194" providerId="LiveId" clId="{833092D5-9927-4807-BE3E-672C10A7E002}" dt="2023-07-14T22:34:11.590" v="1988" actId="478"/>
+          <ac:picMkLst>
+            <pc:docMk/>
+            <pc:sldMk cId="3765396124" sldId="429"/>
+            <ac:picMk id="11" creationId="{1F5A82E0-FF26-1C74-0576-7A582FC88F42}"/>
+          </ac:picMkLst>
+        </pc:picChg>
+        <pc:picChg chg="add del mod">
+          <ac:chgData name="Jonathan Mah" userId="5261b2f2f3e51194" providerId="LiveId" clId="{833092D5-9927-4807-BE3E-672C10A7E002}" dt="2023-07-14T22:41:32.688" v="2013" actId="478"/>
+          <ac:picMkLst>
+            <pc:docMk/>
+            <pc:sldMk cId="3765396124" sldId="429"/>
+            <ac:picMk id="15" creationId="{A97B6972-B632-7251-0DEB-B0E99F116C2A}"/>
+          </ac:picMkLst>
+        </pc:picChg>
+        <pc:picChg chg="add mod">
+          <ac:chgData name="Jonathan Mah" userId="5261b2f2f3e51194" providerId="LiveId" clId="{833092D5-9927-4807-BE3E-672C10A7E002}" dt="2023-07-19T19:51:35.932" v="2276" actId="14100"/>
+          <ac:picMkLst>
+            <pc:docMk/>
+            <pc:sldMk cId="3765396124" sldId="429"/>
+            <ac:picMk id="16" creationId="{62363C92-E439-E0A0-D3EE-25ED54B7C702}"/>
           </ac:picMkLst>
         </pc:picChg>
       </pc:sldChg>
@@ -4750,7 +4933,7 @@
           <a:p>
             <a:fld id="{224F4B04-6A50-4A51-B675-D86EC6563060}" type="datetimeFigureOut">
               <a:rPr lang="en-US" smtClean="0"/>
-              <a:t>7/5/2023</a:t>
+              <a:t>7/19/2023</a:t>
             </a:fld>
             <a:endParaRPr lang="en-US"/>
           </a:p>
@@ -5372,7 +5555,7 @@
           <a:p>
             <a:fld id="{54E435BD-4569-4C00-96FD-DE6EEAA430DA}" type="datetimeFigureOut">
               <a:rPr lang="en-US" smtClean="0"/>
-              <a:t>7/5/2023</a:t>
+              <a:t>7/19/2023</a:t>
             </a:fld>
             <a:endParaRPr lang="en-US"/>
           </a:p>
@@ -5542,7 +5725,7 @@
           <a:p>
             <a:fld id="{54E435BD-4569-4C00-96FD-DE6EEAA430DA}" type="datetimeFigureOut">
               <a:rPr lang="en-US" smtClean="0"/>
-              <a:t>7/5/2023</a:t>
+              <a:t>7/19/2023</a:t>
             </a:fld>
             <a:endParaRPr lang="en-US"/>
           </a:p>
@@ -5722,7 +5905,7 @@
           <a:p>
             <a:fld id="{54E435BD-4569-4C00-96FD-DE6EEAA430DA}" type="datetimeFigureOut">
               <a:rPr lang="en-US" smtClean="0"/>
-              <a:t>7/5/2023</a:t>
+              <a:t>7/19/2023</a:t>
             </a:fld>
             <a:endParaRPr lang="en-US"/>
           </a:p>
@@ -5892,7 +6075,7 @@
           <a:p>
             <a:fld id="{54E435BD-4569-4C00-96FD-DE6EEAA430DA}" type="datetimeFigureOut">
               <a:rPr lang="en-US" smtClean="0"/>
-              <a:t>7/5/2023</a:t>
+              <a:t>7/19/2023</a:t>
             </a:fld>
             <a:endParaRPr lang="en-US"/>
           </a:p>
@@ -6136,7 +6319,7 @@
           <a:p>
             <a:fld id="{54E435BD-4569-4C00-96FD-DE6EEAA430DA}" type="datetimeFigureOut">
               <a:rPr lang="en-US" smtClean="0"/>
-              <a:t>7/5/2023</a:t>
+              <a:t>7/19/2023</a:t>
             </a:fld>
             <a:endParaRPr lang="en-US"/>
           </a:p>
@@ -6368,7 +6551,7 @@
           <a:p>
             <a:fld id="{54E435BD-4569-4C00-96FD-DE6EEAA430DA}" type="datetimeFigureOut">
               <a:rPr lang="en-US" smtClean="0"/>
-              <a:t>7/5/2023</a:t>
+              <a:t>7/19/2023</a:t>
             </a:fld>
             <a:endParaRPr lang="en-US"/>
           </a:p>
@@ -6735,7 +6918,7 @@
           <a:p>
             <a:fld id="{54E435BD-4569-4C00-96FD-DE6EEAA430DA}" type="datetimeFigureOut">
               <a:rPr lang="en-US" smtClean="0"/>
-              <a:t>7/5/2023</a:t>
+              <a:t>7/19/2023</a:t>
             </a:fld>
             <a:endParaRPr lang="en-US"/>
           </a:p>
@@ -6853,7 +7036,7 @@
           <a:p>
             <a:fld id="{54E435BD-4569-4C00-96FD-DE6EEAA430DA}" type="datetimeFigureOut">
               <a:rPr lang="en-US" smtClean="0"/>
-              <a:t>7/5/2023</a:t>
+              <a:t>7/19/2023</a:t>
             </a:fld>
             <a:endParaRPr lang="en-US"/>
           </a:p>
@@ -6948,7 +7131,7 @@
           <a:p>
             <a:fld id="{54E435BD-4569-4C00-96FD-DE6EEAA430DA}" type="datetimeFigureOut">
               <a:rPr lang="en-US" smtClean="0"/>
-              <a:t>7/5/2023</a:t>
+              <a:t>7/19/2023</a:t>
             </a:fld>
             <a:endParaRPr lang="en-US"/>
           </a:p>
@@ -7225,7 +7408,7 @@
           <a:p>
             <a:fld id="{54E435BD-4569-4C00-96FD-DE6EEAA430DA}" type="datetimeFigureOut">
               <a:rPr lang="en-US" smtClean="0"/>
-              <a:t>7/5/2023</a:t>
+              <a:t>7/19/2023</a:t>
             </a:fld>
             <a:endParaRPr lang="en-US"/>
           </a:p>
@@ -7482,7 +7665,7 @@
           <a:p>
             <a:fld id="{54E435BD-4569-4C00-96FD-DE6EEAA430DA}" type="datetimeFigureOut">
               <a:rPr lang="en-US" smtClean="0"/>
-              <a:t>7/5/2023</a:t>
+              <a:t>7/19/2023</a:t>
             </a:fld>
             <a:endParaRPr lang="en-US"/>
           </a:p>
@@ -7695,7 +7878,7 @@
           <a:p>
             <a:fld id="{54E435BD-4569-4C00-96FD-DE6EEAA430DA}" type="datetimeFigureOut">
               <a:rPr lang="en-US" smtClean="0"/>
-              <a:t>7/5/2023</a:t>
+              <a:t>7/19/2023</a:t>
             </a:fld>
             <a:endParaRPr lang="en-US"/>
           </a:p>
@@ -8721,6 +8904,218 @@
     <p:extLst>
       <p:ext uri="{BB962C8B-B14F-4D97-AF65-F5344CB8AC3E}">
         <p14:creationId xmlns:p14="http://schemas.microsoft.com/office/powerpoint/2010/main" val="652272095"/>
+      </p:ext>
+    </p:extLst>
+  </p:cSld>
+  <p:clrMapOvr>
+    <a:masterClrMapping/>
+  </p:clrMapOvr>
+</p:sld>
+</file>
+
+<file path=ppt/slides/slide12.xml><?xml version="1.0" encoding="utf-8"?>
+<p:sld xmlns:a="http://schemas.openxmlformats.org/drawingml/2006/main" xmlns:r="http://schemas.openxmlformats.org/officeDocument/2006/relationships" xmlns:p="http://schemas.openxmlformats.org/presentationml/2006/main">
+  <p:cSld>
+    <p:spTree>
+      <p:nvGrpSpPr>
+        <p:cNvPr id="1" name=""/>
+        <p:cNvGrpSpPr/>
+        <p:nvPr/>
+      </p:nvGrpSpPr>
+      <p:grpSpPr>
+        <a:xfrm>
+          <a:off x="0" y="0"/>
+          <a:ext cx="0" cy="0"/>
+          <a:chOff x="0" y="0"/>
+          <a:chExt cx="0" cy="0"/>
+        </a:xfrm>
+      </p:grpSpPr>
+      <p:pic>
+        <p:nvPicPr>
+          <p:cNvPr id="8" name="Picture 7" descr="A picture containing black, darkness&#10;&#10;Description automatically generated">
+            <a:extLst>
+              <a:ext uri="{FF2B5EF4-FFF2-40B4-BE49-F238E27FC236}">
+                <a16:creationId xmlns:a16="http://schemas.microsoft.com/office/drawing/2014/main" id="{6BDC0236-82EF-9A85-03C0-549F8E58DEEF}"/>
+              </a:ext>
+            </a:extLst>
+          </p:cNvPr>
+          <p:cNvPicPr>
+            <a:picLocks noChangeAspect="1"/>
+          </p:cNvPicPr>
+          <p:nvPr/>
+        </p:nvPicPr>
+        <p:blipFill rotWithShape="1">
+          <a:blip r:embed="rId2">
+            <a:extLst>
+              <a:ext uri="{28A0092B-C50C-407E-A947-70E740481C1C}">
+                <a14:useLocalDpi xmlns:a14="http://schemas.microsoft.com/office/drawing/2010/main" val="0"/>
+              </a:ext>
+            </a:extLst>
+          </a:blip>
+          <a:srcRect r="36866" b="6162"/>
+          <a:stretch/>
+        </p:blipFill>
+        <p:spPr>
+          <a:xfrm>
+            <a:off x="187546" y="5912434"/>
+            <a:ext cx="2505075" cy="6876882"/>
+          </a:xfrm>
+          <a:prstGeom prst="rect">
+            <a:avLst/>
+          </a:prstGeom>
+        </p:spPr>
+      </p:pic>
+      <p:pic>
+        <p:nvPicPr>
+          <p:cNvPr id="3" name="Picture 2" descr="A picture containing text, screenshot, colorfulness, font&#10;&#10;Description automatically generated">
+            <a:extLst>
+              <a:ext uri="{FF2B5EF4-FFF2-40B4-BE49-F238E27FC236}">
+                <a16:creationId xmlns:a16="http://schemas.microsoft.com/office/drawing/2014/main" id="{1C88653A-C506-B445-4F6E-1CD84D2FD5F3}"/>
+              </a:ext>
+            </a:extLst>
+          </p:cNvPr>
+          <p:cNvPicPr>
+            <a:picLocks noChangeAspect="1"/>
+          </p:cNvPicPr>
+          <p:nvPr/>
+        </p:nvPicPr>
+        <p:blipFill rotWithShape="1">
+          <a:blip r:embed="rId3">
+            <a:extLst>
+              <a:ext uri="{28A0092B-C50C-407E-A947-70E740481C1C}">
+                <a14:useLocalDpi xmlns:a14="http://schemas.microsoft.com/office/drawing/2010/main" val="0"/>
+              </a:ext>
+            </a:extLst>
+          </a:blip>
+          <a:srcRect l="6339" r="55654"/>
+          <a:stretch/>
+        </p:blipFill>
+        <p:spPr>
+          <a:xfrm>
+            <a:off x="2692621" y="5784902"/>
+            <a:ext cx="2172389" cy="7742412"/>
+          </a:xfrm>
+          <a:prstGeom prst="rect">
+            <a:avLst/>
+          </a:prstGeom>
+        </p:spPr>
+      </p:pic>
+      <p:pic>
+        <p:nvPicPr>
+          <p:cNvPr id="16" name="Picture 15" descr="A picture containing black, darkness&#10;&#10;Description automatically generated">
+            <a:extLst>
+              <a:ext uri="{FF2B5EF4-FFF2-40B4-BE49-F238E27FC236}">
+                <a16:creationId xmlns:a16="http://schemas.microsoft.com/office/drawing/2014/main" id="{62363C92-E439-E0A0-D3EE-25ED54B7C702}"/>
+              </a:ext>
+            </a:extLst>
+          </p:cNvPr>
+          <p:cNvPicPr>
+            <a:picLocks/>
+          </p:cNvPicPr>
+          <p:nvPr/>
+        </p:nvPicPr>
+        <p:blipFill rotWithShape="1">
+          <a:blip r:embed="rId2">
+            <a:extLst>
+              <a:ext uri="{28A0092B-C50C-407E-A947-70E740481C1C}">
+                <a14:useLocalDpi xmlns:a14="http://schemas.microsoft.com/office/drawing/2010/main" val="0"/>
+              </a:ext>
+            </a:extLst>
+          </a:blip>
+          <a:srcRect r="36866" b="6162"/>
+          <a:stretch/>
+        </p:blipFill>
+        <p:spPr>
+          <a:xfrm rot="5400000" flipV="1">
+            <a:off x="9659599" y="-1786825"/>
+            <a:ext cx="2850126" cy="12263322"/>
+          </a:xfrm>
+          <a:prstGeom prst="rect">
+            <a:avLst/>
+          </a:prstGeom>
+        </p:spPr>
+      </p:pic>
+      <p:sp>
+        <p:nvSpPr>
+          <p:cNvPr id="17" name="TextBox 16">
+            <a:extLst>
+              <a:ext uri="{FF2B5EF4-FFF2-40B4-BE49-F238E27FC236}">
+                <a16:creationId xmlns:a16="http://schemas.microsoft.com/office/drawing/2014/main" id="{CA956D0F-F840-901A-8FCC-83072C36A26C}"/>
+              </a:ext>
+            </a:extLst>
+          </p:cNvPr>
+          <p:cNvSpPr txBox="1"/>
+          <p:nvPr/>
+        </p:nvSpPr>
+        <p:spPr>
+          <a:xfrm>
+            <a:off x="17216321" y="5369789"/>
+            <a:ext cx="1187793" cy="400110"/>
+          </a:xfrm>
+          <a:prstGeom prst="rect">
+            <a:avLst/>
+          </a:prstGeom>
+          <a:noFill/>
+        </p:spPr>
+        <p:txBody>
+          <a:bodyPr wrap="square" rtlCol="0">
+            <a:spAutoFit/>
+          </a:bodyPr>
+          <a:lstStyle/>
+          <a:p>
+            <a:r>
+              <a:rPr lang="en-US" sz="1000" b="1" dirty="0">
+                <a:latin typeface="Arial" panose="020B0604020202020204" pitchFamily="34" charset="0"/>
+                <a:cs typeface="Arial" panose="020B0604020202020204" pitchFamily="34" charset="0"/>
+              </a:rPr>
+              <a:t>Log Likelihood</a:t>
+            </a:r>
+          </a:p>
+          <a:p>
+            <a:r>
+              <a:rPr lang="en-US" sz="1000" b="1" dirty="0">
+                <a:latin typeface="Arial" panose="020B0604020202020204" pitchFamily="34" charset="0"/>
+                <a:cs typeface="Arial" panose="020B0604020202020204" pitchFamily="34" charset="0"/>
+              </a:rPr>
+              <a:t>Ratio Test</a:t>
+            </a:r>
+          </a:p>
+        </p:txBody>
+      </p:sp>
+      <p:pic>
+        <p:nvPicPr>
+          <p:cNvPr id="5" name="Picture 4">
+            <a:extLst>
+              <a:ext uri="{FF2B5EF4-FFF2-40B4-BE49-F238E27FC236}">
+                <a16:creationId xmlns:a16="http://schemas.microsoft.com/office/drawing/2014/main" id="{DF3CF68F-65E3-018A-CE7F-3D7703037ABA}"/>
+              </a:ext>
+            </a:extLst>
+          </p:cNvPr>
+          <p:cNvPicPr>
+            <a:picLocks noChangeAspect="1"/>
+          </p:cNvPicPr>
+          <p:nvPr/>
+        </p:nvPicPr>
+        <p:blipFill>
+          <a:blip r:embed="rId4"/>
+          <a:stretch>
+            <a:fillRect/>
+          </a:stretch>
+        </p:blipFill>
+        <p:spPr>
+          <a:xfrm>
+            <a:off x="4865010" y="5784902"/>
+            <a:ext cx="13011150" cy="7096125"/>
+          </a:xfrm>
+          <a:prstGeom prst="rect">
+            <a:avLst/>
+          </a:prstGeom>
+        </p:spPr>
+      </p:pic>
+    </p:spTree>
+    <p:extLst>
+      <p:ext uri="{BB962C8B-B14F-4D97-AF65-F5344CB8AC3E}">
+        <p14:creationId xmlns:p14="http://schemas.microsoft.com/office/powerpoint/2010/main" val="3765396124"/>
       </p:ext>
     </p:extLst>
   </p:cSld>

--- a/Summary/figures.pptx
+++ b/Summary/figures.pptx
@@ -5,7 +5,7 @@
     <p:sldMasterId id="2147483660" r:id="rId1"/>
   </p:sldMasterIdLst>
   <p:notesMasterIdLst>
-    <p:notesMasterId r:id="rId14"/>
+    <p:notesMasterId r:id="rId21"/>
   </p:notesMasterIdLst>
   <p:sldIdLst>
     <p:sldId id="420" r:id="rId2"/>
@@ -19,7 +19,14 @@
     <p:sldId id="415" r:id="rId10"/>
     <p:sldId id="416" r:id="rId11"/>
     <p:sldId id="426" r:id="rId12"/>
-    <p:sldId id="429" r:id="rId13"/>
+    <p:sldId id="430" r:id="rId13"/>
+    <p:sldId id="431" r:id="rId14"/>
+    <p:sldId id="432" r:id="rId15"/>
+    <p:sldId id="433" r:id="rId16"/>
+    <p:sldId id="434" r:id="rId17"/>
+    <p:sldId id="429" r:id="rId18"/>
+    <p:sldId id="435" r:id="rId19"/>
+    <p:sldId id="436" r:id="rId20"/>
   </p:sldIdLst>
   <p:sldSz cx="18288000" cy="18288000"/>
   <p:notesSz cx="6858000" cy="9144000"/>
@@ -129,7 +136,7 @@
 <file path=ppt/revisionInfo.xml><?xml version="1.0" encoding="utf-8"?>
 <p1510:revInfo xmlns:a="http://schemas.openxmlformats.org/drawingml/2006/main" xmlns:r="http://schemas.openxmlformats.org/officeDocument/2006/relationships" xmlns:p1510="http://schemas.microsoft.com/office/powerpoint/2015/10/main">
   <p1510:revLst>
-    <p1510:client id="{833092D5-9927-4807-BE3E-672C10A7E002}" v="123" dt="2023-07-19T19:50:59.504"/>
+    <p1510:client id="{833092D5-9927-4807-BE3E-672C10A7E002}" v="164" dt="2023-07-28T01:02:10.652"/>
   </p1510:revLst>
 </p1510:revInfo>
 </file>
@@ -179,7 +186,7 @@
   <pc:docChgLst>
     <pc:chgData name="Jonathan Mah" userId="5261b2f2f3e51194" providerId="LiveId" clId="{833092D5-9927-4807-BE3E-672C10A7E002}"/>
     <pc:docChg chg="undo redo custSel addSld delSld modSld sldOrd">
-      <pc:chgData name="Jonathan Mah" userId="5261b2f2f3e51194" providerId="LiveId" clId="{833092D5-9927-4807-BE3E-672C10A7E002}" dt="2023-07-19T19:51:51.366" v="2277" actId="14100"/>
+      <pc:chgData name="Jonathan Mah" userId="5261b2f2f3e51194" providerId="LiveId" clId="{833092D5-9927-4807-BE3E-672C10A7E002}" dt="2023-07-28T01:02:43.801" v="2596" actId="1038"/>
       <pc:docMkLst>
         <pc:docMk/>
       </pc:docMkLst>
@@ -4553,58 +4560,66 @@
           <pc:sldMk cId="3941997821" sldId="425"/>
         </pc:sldMkLst>
       </pc:sldChg>
-      <pc:sldChg chg="addSp delSp modSp add mod">
-        <pc:chgData name="Jonathan Mah" userId="5261b2f2f3e51194" providerId="LiveId" clId="{833092D5-9927-4807-BE3E-672C10A7E002}" dt="2023-07-01T00:22:04.638" v="1961" actId="478"/>
+      <pc:sldChg chg="addSp delSp modSp add mod modNotesTx">
+        <pc:chgData name="Jonathan Mah" userId="5261b2f2f3e51194" providerId="LiveId" clId="{833092D5-9927-4807-BE3E-672C10A7E002}" dt="2023-07-27T21:53:00.232" v="2487" actId="1076"/>
         <pc:sldMkLst>
           <pc:docMk/>
           <pc:sldMk cId="652272095" sldId="426"/>
         </pc:sldMkLst>
-        <pc:spChg chg="add mod">
-          <ac:chgData name="Jonathan Mah" userId="5261b2f2f3e51194" providerId="LiveId" clId="{833092D5-9927-4807-BE3E-672C10A7E002}" dt="2023-07-01T00:20:18.410" v="1956" actId="1076"/>
+        <pc:spChg chg="add del mod">
+          <ac:chgData name="Jonathan Mah" userId="5261b2f2f3e51194" providerId="LiveId" clId="{833092D5-9927-4807-BE3E-672C10A7E002}" dt="2023-07-27T21:04:53.257" v="2293" actId="478"/>
           <ac:spMkLst>
             <pc:docMk/>
             <pc:sldMk cId="652272095" sldId="426"/>
             <ac:spMk id="12" creationId="{3FAD5785-2EBE-157C-4958-55580125D829}"/>
           </ac:spMkLst>
         </pc:spChg>
-        <pc:spChg chg="add mod">
-          <ac:chgData name="Jonathan Mah" userId="5261b2f2f3e51194" providerId="LiveId" clId="{833092D5-9927-4807-BE3E-672C10A7E002}" dt="2023-07-01T00:20:18.410" v="1956" actId="1076"/>
+        <pc:spChg chg="add del mod">
+          <ac:chgData name="Jonathan Mah" userId="5261b2f2f3e51194" providerId="LiveId" clId="{833092D5-9927-4807-BE3E-672C10A7E002}" dt="2023-07-27T21:04:56.335" v="2297" actId="478"/>
           <ac:spMkLst>
             <pc:docMk/>
             <pc:sldMk cId="652272095" sldId="426"/>
             <ac:spMk id="13" creationId="{88B18BE0-5F6B-4C31-2D55-F550CE61E7FB}"/>
           </ac:spMkLst>
         </pc:spChg>
-        <pc:spChg chg="add mod">
-          <ac:chgData name="Jonathan Mah" userId="5261b2f2f3e51194" providerId="LiveId" clId="{833092D5-9927-4807-BE3E-672C10A7E002}" dt="2023-07-01T00:20:25.505" v="1958" actId="20577"/>
+        <pc:spChg chg="add del mod">
+          <ac:chgData name="Jonathan Mah" userId="5261b2f2f3e51194" providerId="LiveId" clId="{833092D5-9927-4807-BE3E-672C10A7E002}" dt="2023-07-27T21:39:43.970" v="2398" actId="478"/>
           <ac:spMkLst>
             <pc:docMk/>
             <pc:sldMk cId="652272095" sldId="426"/>
             <ac:spMk id="14" creationId="{2CADF09D-57B3-ACE1-9674-1B704060D8DF}"/>
           </ac:spMkLst>
         </pc:spChg>
-        <pc:picChg chg="add mod modCrop">
-          <ac:chgData name="Jonathan Mah" userId="5261b2f2f3e51194" providerId="LiveId" clId="{833092D5-9927-4807-BE3E-672C10A7E002}" dt="2023-07-01T00:11:37.110" v="1848" actId="1038"/>
+        <pc:picChg chg="add del mod modCrop">
+          <ac:chgData name="Jonathan Mah" userId="5261b2f2f3e51194" providerId="LiveId" clId="{833092D5-9927-4807-BE3E-672C10A7E002}" dt="2023-07-27T21:05:49.571" v="2303" actId="478"/>
           <ac:picMkLst>
             <pc:docMk/>
             <pc:sldMk cId="652272095" sldId="426"/>
             <ac:picMk id="3" creationId="{1C88653A-C506-B445-4F6E-1CD84D2FD5F3}"/>
           </ac:picMkLst>
         </pc:picChg>
-        <pc:picChg chg="add mod modCrop">
-          <ac:chgData name="Jonathan Mah" userId="5261b2f2f3e51194" providerId="LiveId" clId="{833092D5-9927-4807-BE3E-672C10A7E002}" dt="2023-07-01T00:11:37.110" v="1848" actId="1038"/>
+        <pc:picChg chg="add del mod modCrop">
+          <ac:chgData name="Jonathan Mah" userId="5261b2f2f3e51194" providerId="LiveId" clId="{833092D5-9927-4807-BE3E-672C10A7E002}" dt="2023-07-27T21:09:07.515" v="2312" actId="478"/>
           <ac:picMkLst>
             <pc:docMk/>
             <pc:sldMk cId="652272095" sldId="426"/>
             <ac:picMk id="4" creationId="{B4AA63D1-8ED5-E707-690E-2E1E3BBDAF5D}"/>
           </ac:picMkLst>
         </pc:picChg>
-        <pc:picChg chg="add mod modCrop">
-          <ac:chgData name="Jonathan Mah" userId="5261b2f2f3e51194" providerId="LiveId" clId="{833092D5-9927-4807-BE3E-672C10A7E002}" dt="2023-07-01T00:20:18.410" v="1956" actId="1076"/>
+        <pc:picChg chg="add del mod modCrop">
+          <ac:chgData name="Jonathan Mah" userId="5261b2f2f3e51194" providerId="LiveId" clId="{833092D5-9927-4807-BE3E-672C10A7E002}" dt="2023-07-27T21:04:55.414" v="2296" actId="478"/>
           <ac:picMkLst>
             <pc:docMk/>
             <pc:sldMk cId="652272095" sldId="426"/>
             <ac:picMk id="5" creationId="{4E164DF8-57D8-0F85-F258-8A91CE9899F8}"/>
+          </ac:picMkLst>
+        </pc:picChg>
+        <pc:picChg chg="add del mod">
+          <ac:chgData name="Jonathan Mah" userId="5261b2f2f3e51194" providerId="LiveId" clId="{833092D5-9927-4807-BE3E-672C10A7E002}" dt="2023-07-27T21:09:03.737" v="2310" actId="478"/>
+          <ac:picMkLst>
+            <pc:docMk/>
+            <pc:sldMk cId="652272095" sldId="426"/>
+            <ac:picMk id="6" creationId="{0E32717A-F314-EF0A-5435-EF9843796B90}"/>
           </ac:picMkLst>
         </pc:picChg>
         <pc:picChg chg="add del mod modCrop">
@@ -4615,32 +4630,32 @@
             <ac:picMk id="6" creationId="{68492378-3D55-947C-0019-C2C039FCD374}"/>
           </ac:picMkLst>
         </pc:picChg>
-        <pc:picChg chg="mod modCrop">
-          <ac:chgData name="Jonathan Mah" userId="5261b2f2f3e51194" providerId="LiveId" clId="{833092D5-9927-4807-BE3E-672C10A7E002}" dt="2023-07-01T00:11:37.110" v="1848" actId="1038"/>
+        <pc:picChg chg="del mod modCrop">
+          <ac:chgData name="Jonathan Mah" userId="5261b2f2f3e51194" providerId="LiveId" clId="{833092D5-9927-4807-BE3E-672C10A7E002}" dt="2023-07-27T21:09:03.248" v="2308" actId="478"/>
           <ac:picMkLst>
             <pc:docMk/>
             <pc:sldMk cId="652272095" sldId="426"/>
             <ac:picMk id="8" creationId="{6BDC0236-82EF-9A85-03C0-549F8E58DEEF}"/>
           </ac:picMkLst>
         </pc:picChg>
-        <pc:picChg chg="add mod modCrop">
-          <ac:chgData name="Jonathan Mah" userId="5261b2f2f3e51194" providerId="LiveId" clId="{833092D5-9927-4807-BE3E-672C10A7E002}" dt="2023-07-01T00:20:18.410" v="1956" actId="1076"/>
+        <pc:picChg chg="add del mod modCrop">
+          <ac:chgData name="Jonathan Mah" userId="5261b2f2f3e51194" providerId="LiveId" clId="{833092D5-9927-4807-BE3E-672C10A7E002}" dt="2023-07-27T21:04:52.562" v="2292" actId="478"/>
           <ac:picMkLst>
             <pc:docMk/>
             <pc:sldMk cId="652272095" sldId="426"/>
             <ac:picMk id="9" creationId="{381FC2B0-7964-FD80-2C11-756D2D9CC609}"/>
           </ac:picMkLst>
         </pc:picChg>
-        <pc:picChg chg="add mod modCrop">
-          <ac:chgData name="Jonathan Mah" userId="5261b2f2f3e51194" providerId="LiveId" clId="{833092D5-9927-4807-BE3E-672C10A7E002}" dt="2023-07-01T00:20:18.410" v="1956" actId="1076"/>
+        <pc:picChg chg="add del mod modCrop">
+          <ac:chgData name="Jonathan Mah" userId="5261b2f2f3e51194" providerId="LiveId" clId="{833092D5-9927-4807-BE3E-672C10A7E002}" dt="2023-07-27T21:04:54.249" v="2294" actId="478"/>
           <ac:picMkLst>
             <pc:docMk/>
             <pc:sldMk cId="652272095" sldId="426"/>
             <ac:picMk id="10" creationId="{5F877A63-EC70-D916-8C2B-74C6B014F364}"/>
           </ac:picMkLst>
         </pc:picChg>
-        <pc:picChg chg="add mod modCrop">
-          <ac:chgData name="Jonathan Mah" userId="5261b2f2f3e51194" providerId="LiveId" clId="{833092D5-9927-4807-BE3E-672C10A7E002}" dt="2023-07-01T00:20:18.410" v="1956" actId="1076"/>
+        <pc:picChg chg="add del mod modCrop">
+          <ac:chgData name="Jonathan Mah" userId="5261b2f2f3e51194" providerId="LiveId" clId="{833092D5-9927-4807-BE3E-672C10A7E002}" dt="2023-07-27T21:04:54.794" v="2295" actId="478"/>
           <ac:picMkLst>
             <pc:docMk/>
             <pc:sldMk cId="652272095" sldId="426"/>
@@ -4661,6 +4676,70 @@
             <pc:docMk/>
             <pc:sldMk cId="652272095" sldId="426"/>
             <ac:picMk id="15" creationId="{2DA3E69C-931C-A35D-9A5C-43B3CCDCA69C}"/>
+          </ac:picMkLst>
+        </pc:picChg>
+        <pc:picChg chg="add del mod modCrop">
+          <ac:chgData name="Jonathan Mah" userId="5261b2f2f3e51194" providerId="LiveId" clId="{833092D5-9927-4807-BE3E-672C10A7E002}" dt="2023-07-27T21:21:44.232" v="2328" actId="478"/>
+          <ac:picMkLst>
+            <pc:docMk/>
+            <pc:sldMk cId="652272095" sldId="426"/>
+            <ac:picMk id="15" creationId="{74893F8D-F6E3-0542-ECDF-557202C07411}"/>
+          </ac:picMkLst>
+        </pc:picChg>
+        <pc:picChg chg="add mod modCrop">
+          <ac:chgData name="Jonathan Mah" userId="5261b2f2f3e51194" providerId="LiveId" clId="{833092D5-9927-4807-BE3E-672C10A7E002}" dt="2023-07-27T21:53:00.232" v="2487" actId="1076"/>
+          <ac:picMkLst>
+            <pc:docMk/>
+            <pc:sldMk cId="652272095" sldId="426"/>
+            <ac:picMk id="17" creationId="{22F61B2E-BCBC-32D9-1CFA-AAC0818DEF6A}"/>
+          </ac:picMkLst>
+        </pc:picChg>
+        <pc:picChg chg="add del mod">
+          <ac:chgData name="Jonathan Mah" userId="5261b2f2f3e51194" providerId="LiveId" clId="{833092D5-9927-4807-BE3E-672C10A7E002}" dt="2023-07-27T21:26:42.537" v="2346" actId="478"/>
+          <ac:picMkLst>
+            <pc:docMk/>
+            <pc:sldMk cId="652272095" sldId="426"/>
+            <ac:picMk id="19" creationId="{10A24347-7771-1171-E4A6-6A1F75185781}"/>
+          </ac:picMkLst>
+        </pc:picChg>
+        <pc:picChg chg="add del mod">
+          <ac:chgData name="Jonathan Mah" userId="5261b2f2f3e51194" providerId="LiveId" clId="{833092D5-9927-4807-BE3E-672C10A7E002}" dt="2023-07-27T21:27:15.132" v="2352" actId="478"/>
+          <ac:picMkLst>
+            <pc:docMk/>
+            <pc:sldMk cId="652272095" sldId="426"/>
+            <ac:picMk id="21" creationId="{318C8E9A-0684-D61E-CCB5-FAD55E60E80C}"/>
+          </ac:picMkLst>
+        </pc:picChg>
+        <pc:picChg chg="add del mod modCrop">
+          <ac:chgData name="Jonathan Mah" userId="5261b2f2f3e51194" providerId="LiveId" clId="{833092D5-9927-4807-BE3E-672C10A7E002}" dt="2023-07-27T21:35:17.985" v="2370" actId="478"/>
+          <ac:picMkLst>
+            <pc:docMk/>
+            <pc:sldMk cId="652272095" sldId="426"/>
+            <ac:picMk id="23" creationId="{EB0C8CD6-F4C0-CE2C-4EF0-88BD21FAA0E9}"/>
+          </ac:picMkLst>
+        </pc:picChg>
+        <pc:picChg chg="add mod modCrop">
+          <ac:chgData name="Jonathan Mah" userId="5261b2f2f3e51194" providerId="LiveId" clId="{833092D5-9927-4807-BE3E-672C10A7E002}" dt="2023-07-27T21:53:00.232" v="2487" actId="1076"/>
+          <ac:picMkLst>
+            <pc:docMk/>
+            <pc:sldMk cId="652272095" sldId="426"/>
+            <ac:picMk id="24" creationId="{60D799C0-A1ED-918D-CC85-047A3B05FE30}"/>
+          </ac:picMkLst>
+        </pc:picChg>
+        <pc:picChg chg="add del mod modCrop">
+          <ac:chgData name="Jonathan Mah" userId="5261b2f2f3e51194" providerId="LiveId" clId="{833092D5-9927-4807-BE3E-672C10A7E002}" dt="2023-07-27T21:38:28.345" v="2385" actId="478"/>
+          <ac:picMkLst>
+            <pc:docMk/>
+            <pc:sldMk cId="652272095" sldId="426"/>
+            <ac:picMk id="26" creationId="{00085806-41EF-CE40-1996-BC8851F2709D}"/>
+          </ac:picMkLst>
+        </pc:picChg>
+        <pc:picChg chg="add mod modCrop">
+          <ac:chgData name="Jonathan Mah" userId="5261b2f2f3e51194" providerId="LiveId" clId="{833092D5-9927-4807-BE3E-672C10A7E002}" dt="2023-07-27T21:53:00.232" v="2487" actId="1076"/>
+          <ac:picMkLst>
+            <pc:docMk/>
+            <pc:sldMk cId="652272095" sldId="426"/>
+            <ac:picMk id="28" creationId="{46528D09-AD4C-D99C-408E-F6D6D440FFC5}"/>
           </ac:picMkLst>
         </pc:picChg>
       </pc:sldChg>
@@ -4843,6 +4922,382 @@
             <pc:docMk/>
             <pc:sldMk cId="3765396124" sldId="429"/>
             <ac:picMk id="16" creationId="{62363C92-E439-E0A0-D3EE-25ED54B7C702}"/>
+          </ac:picMkLst>
+        </pc:picChg>
+      </pc:sldChg>
+      <pc:sldChg chg="addSp delSp modSp add mod modNotesTx">
+        <pc:chgData name="Jonathan Mah" userId="5261b2f2f3e51194" providerId="LiveId" clId="{833092D5-9927-4807-BE3E-672C10A7E002}" dt="2023-07-27T21:52:56.697" v="2486" actId="1076"/>
+        <pc:sldMkLst>
+          <pc:docMk/>
+          <pc:sldMk cId="2775238939" sldId="430"/>
+        </pc:sldMkLst>
+        <pc:picChg chg="add mod modCrop">
+          <ac:chgData name="Jonathan Mah" userId="5261b2f2f3e51194" providerId="LiveId" clId="{833092D5-9927-4807-BE3E-672C10A7E002}" dt="2023-07-27T21:52:56.697" v="2486" actId="1076"/>
+          <ac:picMkLst>
+            <pc:docMk/>
+            <pc:sldMk cId="2775238939" sldId="430"/>
+            <ac:picMk id="3" creationId="{31286943-3F6A-B6D7-6665-18681C7143D5}"/>
+          </ac:picMkLst>
+        </pc:picChg>
+        <pc:picChg chg="mod">
+          <ac:chgData name="Jonathan Mah" userId="5261b2f2f3e51194" providerId="LiveId" clId="{833092D5-9927-4807-BE3E-672C10A7E002}" dt="2023-07-27T21:52:56.697" v="2486" actId="1076"/>
+          <ac:picMkLst>
+            <pc:docMk/>
+            <pc:sldMk cId="2775238939" sldId="430"/>
+            <ac:picMk id="17" creationId="{22F61B2E-BCBC-32D9-1CFA-AAC0818DEF6A}"/>
+          </ac:picMkLst>
+        </pc:picChg>
+        <pc:picChg chg="mod">
+          <ac:chgData name="Jonathan Mah" userId="5261b2f2f3e51194" providerId="LiveId" clId="{833092D5-9927-4807-BE3E-672C10A7E002}" dt="2023-07-27T21:52:56.697" v="2486" actId="1076"/>
+          <ac:picMkLst>
+            <pc:docMk/>
+            <pc:sldMk cId="2775238939" sldId="430"/>
+            <ac:picMk id="24" creationId="{60D799C0-A1ED-918D-CC85-047A3B05FE30}"/>
+          </ac:picMkLst>
+        </pc:picChg>
+        <pc:picChg chg="del">
+          <ac:chgData name="Jonathan Mah" userId="5261b2f2f3e51194" providerId="LiveId" clId="{833092D5-9927-4807-BE3E-672C10A7E002}" dt="2023-07-27T21:43:45.045" v="2402" actId="478"/>
+          <ac:picMkLst>
+            <pc:docMk/>
+            <pc:sldMk cId="2775238939" sldId="430"/>
+            <ac:picMk id="28" creationId="{46528D09-AD4C-D99C-408E-F6D6D440FFC5}"/>
+          </ac:picMkLst>
+        </pc:picChg>
+      </pc:sldChg>
+      <pc:sldChg chg="add del">
+        <pc:chgData name="Jonathan Mah" userId="5261b2f2f3e51194" providerId="LiveId" clId="{833092D5-9927-4807-BE3E-672C10A7E002}" dt="2023-07-27T21:09:09.981" v="2313" actId="47"/>
+        <pc:sldMkLst>
+          <pc:docMk/>
+          <pc:sldMk cId="3584406761" sldId="430"/>
+        </pc:sldMkLst>
+      </pc:sldChg>
+      <pc:sldChg chg="addSp delSp add del mod">
+        <pc:chgData name="Jonathan Mah" userId="5261b2f2f3e51194" providerId="LiveId" clId="{833092D5-9927-4807-BE3E-672C10A7E002}" dt="2023-07-27T21:04:50.927" v="2291"/>
+        <pc:sldMkLst>
+          <pc:docMk/>
+          <pc:sldMk cId="4149957990" sldId="430"/>
+        </pc:sldMkLst>
+        <pc:spChg chg="add del">
+          <ac:chgData name="Jonathan Mah" userId="5261b2f2f3e51194" providerId="LiveId" clId="{833092D5-9927-4807-BE3E-672C10A7E002}" dt="2023-07-27T21:04:49.228" v="2287" actId="478"/>
+          <ac:spMkLst>
+            <pc:docMk/>
+            <pc:sldMk cId="4149957990" sldId="430"/>
+            <ac:spMk id="12" creationId="{3FAD5785-2EBE-157C-4958-55580125D829}"/>
+          </ac:spMkLst>
+        </pc:spChg>
+        <pc:spChg chg="add del">
+          <ac:chgData name="Jonathan Mah" userId="5261b2f2f3e51194" providerId="LiveId" clId="{833092D5-9927-4807-BE3E-672C10A7E002}" dt="2023-07-27T21:04:49.228" v="2287" actId="478"/>
+          <ac:spMkLst>
+            <pc:docMk/>
+            <pc:sldMk cId="4149957990" sldId="430"/>
+            <ac:spMk id="13" creationId="{88B18BE0-5F6B-4C31-2D55-F550CE61E7FB}"/>
+          </ac:spMkLst>
+        </pc:spChg>
+        <pc:picChg chg="add del">
+          <ac:chgData name="Jonathan Mah" userId="5261b2f2f3e51194" providerId="LiveId" clId="{833092D5-9927-4807-BE3E-672C10A7E002}" dt="2023-07-27T21:04:49.228" v="2287" actId="478"/>
+          <ac:picMkLst>
+            <pc:docMk/>
+            <pc:sldMk cId="4149957990" sldId="430"/>
+            <ac:picMk id="5" creationId="{4E164DF8-57D8-0F85-F258-8A91CE9899F8}"/>
+          </ac:picMkLst>
+        </pc:picChg>
+        <pc:picChg chg="add del">
+          <ac:chgData name="Jonathan Mah" userId="5261b2f2f3e51194" providerId="LiveId" clId="{833092D5-9927-4807-BE3E-672C10A7E002}" dt="2023-07-27T21:04:48.808" v="2285" actId="478"/>
+          <ac:picMkLst>
+            <pc:docMk/>
+            <pc:sldMk cId="4149957990" sldId="430"/>
+            <ac:picMk id="9" creationId="{381FC2B0-7964-FD80-2C11-756D2D9CC609}"/>
+          </ac:picMkLst>
+        </pc:picChg>
+        <pc:picChg chg="add del">
+          <ac:chgData name="Jonathan Mah" userId="5261b2f2f3e51194" providerId="LiveId" clId="{833092D5-9927-4807-BE3E-672C10A7E002}" dt="2023-07-27T21:04:49.031" v="2286" actId="478"/>
+          <ac:picMkLst>
+            <pc:docMk/>
+            <pc:sldMk cId="4149957990" sldId="430"/>
+            <ac:picMk id="10" creationId="{5F877A63-EC70-D916-8C2B-74C6B014F364}"/>
+          </ac:picMkLst>
+        </pc:picChg>
+      </pc:sldChg>
+      <pc:sldChg chg="add del">
+        <pc:chgData name="Jonathan Mah" userId="5261b2f2f3e51194" providerId="LiveId" clId="{833092D5-9927-4807-BE3E-672C10A7E002}" dt="2023-07-27T21:09:10.705" v="2314" actId="47"/>
+        <pc:sldMkLst>
+          <pc:docMk/>
+          <pc:sldMk cId="990689903" sldId="431"/>
+        </pc:sldMkLst>
+      </pc:sldChg>
+      <pc:sldChg chg="add del">
+        <pc:chgData name="Jonathan Mah" userId="5261b2f2f3e51194" providerId="LiveId" clId="{833092D5-9927-4807-BE3E-672C10A7E002}" dt="2023-07-27T21:04:50.230" v="2290"/>
+        <pc:sldMkLst>
+          <pc:docMk/>
+          <pc:sldMk cId="3724702409" sldId="431"/>
+        </pc:sldMkLst>
+      </pc:sldChg>
+      <pc:sldChg chg="addSp delSp modSp add mod modNotesTx">
+        <pc:chgData name="Jonathan Mah" userId="5261b2f2f3e51194" providerId="LiveId" clId="{833092D5-9927-4807-BE3E-672C10A7E002}" dt="2023-07-27T21:53:16.968" v="2488" actId="14100"/>
+        <pc:sldMkLst>
+          <pc:docMk/>
+          <pc:sldMk cId="4025850494" sldId="431"/>
+        </pc:sldMkLst>
+        <pc:picChg chg="del">
+          <ac:chgData name="Jonathan Mah" userId="5261b2f2f3e51194" providerId="LiveId" clId="{833092D5-9927-4807-BE3E-672C10A7E002}" dt="2023-07-27T21:48:32.711" v="2409" actId="478"/>
+          <ac:picMkLst>
+            <pc:docMk/>
+            <pc:sldMk cId="4025850494" sldId="431"/>
+            <ac:picMk id="3" creationId="{31286943-3F6A-B6D7-6665-18681C7143D5}"/>
+          </ac:picMkLst>
+        </pc:picChg>
+        <pc:picChg chg="add del mod modCrop">
+          <ac:chgData name="Jonathan Mah" userId="5261b2f2f3e51194" providerId="LiveId" clId="{833092D5-9927-4807-BE3E-672C10A7E002}" dt="2023-07-27T21:51:07.346" v="2472" actId="478"/>
+          <ac:picMkLst>
+            <pc:docMk/>
+            <pc:sldMk cId="4025850494" sldId="431"/>
+            <ac:picMk id="4" creationId="{A01011C3-F941-2B49-A40A-44DFA968AB0D}"/>
+          </ac:picMkLst>
+        </pc:picChg>
+        <pc:picChg chg="add del mod">
+          <ac:chgData name="Jonathan Mah" userId="5261b2f2f3e51194" providerId="LiveId" clId="{833092D5-9927-4807-BE3E-672C10A7E002}" dt="2023-07-27T21:51:20.487" v="2477" actId="478"/>
+          <ac:picMkLst>
+            <pc:docMk/>
+            <pc:sldMk cId="4025850494" sldId="431"/>
+            <ac:picMk id="6" creationId="{620B0406-8A0D-AD2F-324C-18D731DE199C}"/>
+          </ac:picMkLst>
+        </pc:picChg>
+        <pc:picChg chg="add mod modCrop">
+          <ac:chgData name="Jonathan Mah" userId="5261b2f2f3e51194" providerId="LiveId" clId="{833092D5-9927-4807-BE3E-672C10A7E002}" dt="2023-07-27T21:52:49.689" v="2485" actId="1076"/>
+          <ac:picMkLst>
+            <pc:docMk/>
+            <pc:sldMk cId="4025850494" sldId="431"/>
+            <ac:picMk id="8" creationId="{8677C790-EF51-9C47-C3A1-F2BC7445DD21}"/>
+          </ac:picMkLst>
+        </pc:picChg>
+        <pc:picChg chg="mod">
+          <ac:chgData name="Jonathan Mah" userId="5261b2f2f3e51194" providerId="LiveId" clId="{833092D5-9927-4807-BE3E-672C10A7E002}" dt="2023-07-27T21:53:16.968" v="2488" actId="14100"/>
+          <ac:picMkLst>
+            <pc:docMk/>
+            <pc:sldMk cId="4025850494" sldId="431"/>
+            <ac:picMk id="17" creationId="{22F61B2E-BCBC-32D9-1CFA-AAC0818DEF6A}"/>
+          </ac:picMkLst>
+        </pc:picChg>
+        <pc:picChg chg="mod">
+          <ac:chgData name="Jonathan Mah" userId="5261b2f2f3e51194" providerId="LiveId" clId="{833092D5-9927-4807-BE3E-672C10A7E002}" dt="2023-07-27T21:52:49.689" v="2485" actId="1076"/>
+          <ac:picMkLst>
+            <pc:docMk/>
+            <pc:sldMk cId="4025850494" sldId="431"/>
+            <ac:picMk id="24" creationId="{60D799C0-A1ED-918D-CC85-047A3B05FE30}"/>
+          </ac:picMkLst>
+        </pc:picChg>
+      </pc:sldChg>
+      <pc:sldChg chg="addSp delSp modSp add mod">
+        <pc:chgData name="Jonathan Mah" userId="5261b2f2f3e51194" providerId="LiveId" clId="{833092D5-9927-4807-BE3E-672C10A7E002}" dt="2023-07-27T21:53:37.801" v="2495" actId="732"/>
+        <pc:sldMkLst>
+          <pc:docMk/>
+          <pc:sldMk cId="1679589188" sldId="432"/>
+        </pc:sldMkLst>
+        <pc:picChg chg="add mod modCrop">
+          <ac:chgData name="Jonathan Mah" userId="5261b2f2f3e51194" providerId="LiveId" clId="{833092D5-9927-4807-BE3E-672C10A7E002}" dt="2023-07-27T21:53:37.801" v="2495" actId="732"/>
+          <ac:picMkLst>
+            <pc:docMk/>
+            <pc:sldMk cId="1679589188" sldId="432"/>
+            <ac:picMk id="3" creationId="{7DED44FE-44D9-F3E4-DD9C-E594EC4F64AE}"/>
+          </ac:picMkLst>
+        </pc:picChg>
+        <pc:picChg chg="del">
+          <ac:chgData name="Jonathan Mah" userId="5261b2f2f3e51194" providerId="LiveId" clId="{833092D5-9927-4807-BE3E-672C10A7E002}" dt="2023-07-27T21:53:22.731" v="2490" actId="478"/>
+          <ac:picMkLst>
+            <pc:docMk/>
+            <pc:sldMk cId="1679589188" sldId="432"/>
+            <ac:picMk id="8" creationId="{8677C790-EF51-9C47-C3A1-F2BC7445DD21}"/>
+          </ac:picMkLst>
+        </pc:picChg>
+      </pc:sldChg>
+      <pc:sldChg chg="addSp delSp modSp add del mod modNotesTx">
+        <pc:chgData name="Jonathan Mah" userId="5261b2f2f3e51194" providerId="LiveId" clId="{833092D5-9927-4807-BE3E-672C10A7E002}" dt="2023-07-27T21:52:08.655" v="2483" actId="47"/>
+        <pc:sldMkLst>
+          <pc:docMk/>
+          <pc:sldMk cId="2585599208" sldId="432"/>
+        </pc:sldMkLst>
+        <pc:picChg chg="add mod modCrop">
+          <ac:chgData name="Jonathan Mah" userId="5261b2f2f3e51194" providerId="LiveId" clId="{833092D5-9927-4807-BE3E-672C10A7E002}" dt="2023-07-27T21:50:01.643" v="2471" actId="1076"/>
+          <ac:picMkLst>
+            <pc:docMk/>
+            <pc:sldMk cId="2585599208" sldId="432"/>
+            <ac:picMk id="3" creationId="{9A0CBCC8-1C35-9373-6847-6178D109781F}"/>
+          </ac:picMkLst>
+        </pc:picChg>
+        <pc:picChg chg="del">
+          <ac:chgData name="Jonathan Mah" userId="5261b2f2f3e51194" providerId="LiveId" clId="{833092D5-9927-4807-BE3E-672C10A7E002}" dt="2023-07-27T21:49:34.340" v="2464" actId="478"/>
+          <ac:picMkLst>
+            <pc:docMk/>
+            <pc:sldMk cId="2585599208" sldId="432"/>
+            <ac:picMk id="4" creationId="{A01011C3-F941-2B49-A40A-44DFA968AB0D}"/>
+          </ac:picMkLst>
+        </pc:picChg>
+      </pc:sldChg>
+      <pc:sldChg chg="add del">
+        <pc:chgData name="Jonathan Mah" userId="5261b2f2f3e51194" providerId="LiveId" clId="{833092D5-9927-4807-BE3E-672C10A7E002}" dt="2023-07-27T21:04:49.927" v="2289"/>
+        <pc:sldMkLst>
+          <pc:docMk/>
+          <pc:sldMk cId="3378155954" sldId="432"/>
+        </pc:sldMkLst>
+      </pc:sldChg>
+      <pc:sldChg chg="add del">
+        <pc:chgData name="Jonathan Mah" userId="5261b2f2f3e51194" providerId="LiveId" clId="{833092D5-9927-4807-BE3E-672C10A7E002}" dt="2023-07-27T21:09:11.112" v="2315" actId="47"/>
+        <pc:sldMkLst>
+          <pc:docMk/>
+          <pc:sldMk cId="3429160403" sldId="432"/>
+        </pc:sldMkLst>
+      </pc:sldChg>
+      <pc:sldChg chg="addSp delSp modSp add mod modNotesTx">
+        <pc:chgData name="Jonathan Mah" userId="5261b2f2f3e51194" providerId="LiveId" clId="{833092D5-9927-4807-BE3E-672C10A7E002}" dt="2023-07-27T21:58:55.471" v="2530" actId="20577"/>
+        <pc:sldMkLst>
+          <pc:docMk/>
+          <pc:sldMk cId="1330139619" sldId="433"/>
+        </pc:sldMkLst>
+        <pc:picChg chg="del">
+          <ac:chgData name="Jonathan Mah" userId="5261b2f2f3e51194" providerId="LiveId" clId="{833092D5-9927-4807-BE3E-672C10A7E002}" dt="2023-07-27T21:55:00.189" v="2497" actId="478"/>
+          <ac:picMkLst>
+            <pc:docMk/>
+            <pc:sldMk cId="1330139619" sldId="433"/>
+            <ac:picMk id="3" creationId="{7DED44FE-44D9-F3E4-DD9C-E594EC4F64AE}"/>
+          </ac:picMkLst>
+        </pc:picChg>
+        <pc:picChg chg="add mod modCrop">
+          <ac:chgData name="Jonathan Mah" userId="5261b2f2f3e51194" providerId="LiveId" clId="{833092D5-9927-4807-BE3E-672C10A7E002}" dt="2023-07-27T21:56:53.600" v="2502" actId="732"/>
+          <ac:picMkLst>
+            <pc:docMk/>
+            <pc:sldMk cId="1330139619" sldId="433"/>
+            <ac:picMk id="4" creationId="{CEF3C1FD-1090-FD8F-786B-19B3D08F51F6}"/>
+          </ac:picMkLst>
+        </pc:picChg>
+        <pc:picChg chg="mod">
+          <ac:chgData name="Jonathan Mah" userId="5261b2f2f3e51194" providerId="LiveId" clId="{833092D5-9927-4807-BE3E-672C10A7E002}" dt="2023-07-27T21:57:29.279" v="2505" actId="14100"/>
+          <ac:picMkLst>
+            <pc:docMk/>
+            <pc:sldMk cId="1330139619" sldId="433"/>
+            <ac:picMk id="17" creationId="{22F61B2E-BCBC-32D9-1CFA-AAC0818DEF6A}"/>
+          </ac:picMkLst>
+        </pc:picChg>
+      </pc:sldChg>
+      <pc:sldChg chg="add del">
+        <pc:chgData name="Jonathan Mah" userId="5261b2f2f3e51194" providerId="LiveId" clId="{833092D5-9927-4807-BE3E-672C10A7E002}" dt="2023-07-27T21:09:11.442" v="2316" actId="47"/>
+        <pc:sldMkLst>
+          <pc:docMk/>
+          <pc:sldMk cId="2463478059" sldId="433"/>
+        </pc:sldMkLst>
+      </pc:sldChg>
+      <pc:sldChg chg="add del">
+        <pc:chgData name="Jonathan Mah" userId="5261b2f2f3e51194" providerId="LiveId" clId="{833092D5-9927-4807-BE3E-672C10A7E002}" dt="2023-07-27T21:04:49.535" v="2288"/>
+        <pc:sldMkLst>
+          <pc:docMk/>
+          <pc:sldMk cId="3615774918" sldId="433"/>
+        </pc:sldMkLst>
+      </pc:sldChg>
+      <pc:sldChg chg="addSp delSp modSp add mod modNotesTx">
+        <pc:chgData name="Jonathan Mah" userId="5261b2f2f3e51194" providerId="LiveId" clId="{833092D5-9927-4807-BE3E-672C10A7E002}" dt="2023-07-27T21:59:01.952" v="2548" actId="20577"/>
+        <pc:sldMkLst>
+          <pc:docMk/>
+          <pc:sldMk cId="777357300" sldId="434"/>
+        </pc:sldMkLst>
+        <pc:picChg chg="add mod modCrop">
+          <ac:chgData name="Jonathan Mah" userId="5261b2f2f3e51194" providerId="LiveId" clId="{833092D5-9927-4807-BE3E-672C10A7E002}" dt="2023-07-27T21:58:21.648" v="2512" actId="732"/>
+          <ac:picMkLst>
+            <pc:docMk/>
+            <pc:sldMk cId="777357300" sldId="434"/>
+            <ac:picMk id="3" creationId="{D4E7424C-B1F0-D4C7-8DED-256E0E9CF609}"/>
+          </ac:picMkLst>
+        </pc:picChg>
+        <pc:picChg chg="del">
+          <ac:chgData name="Jonathan Mah" userId="5261b2f2f3e51194" providerId="LiveId" clId="{833092D5-9927-4807-BE3E-672C10A7E002}" dt="2023-07-27T21:57:39.219" v="2507" actId="478"/>
+          <ac:picMkLst>
+            <pc:docMk/>
+            <pc:sldMk cId="777357300" sldId="434"/>
+            <ac:picMk id="4" creationId="{CEF3C1FD-1090-FD8F-786B-19B3D08F51F6}"/>
+          </ac:picMkLst>
+        </pc:picChg>
+        <pc:picChg chg="mod">
+          <ac:chgData name="Jonathan Mah" userId="5261b2f2f3e51194" providerId="LiveId" clId="{833092D5-9927-4807-BE3E-672C10A7E002}" dt="2023-07-27T21:58:43.335" v="2515" actId="14100"/>
+          <ac:picMkLst>
+            <pc:docMk/>
+            <pc:sldMk cId="777357300" sldId="434"/>
+            <ac:picMk id="17" creationId="{22F61B2E-BCBC-32D9-1CFA-AAC0818DEF6A}"/>
+          </ac:picMkLst>
+        </pc:picChg>
+      </pc:sldChg>
+      <pc:sldChg chg="addSp delSp modSp new mod">
+        <pc:chgData name="Jonathan Mah" userId="5261b2f2f3e51194" providerId="LiveId" clId="{833092D5-9927-4807-BE3E-672C10A7E002}" dt="2023-07-28T01:01:01.944" v="2586" actId="1035"/>
+        <pc:sldMkLst>
+          <pc:docMk/>
+          <pc:sldMk cId="2611612387" sldId="435"/>
+        </pc:sldMkLst>
+        <pc:spChg chg="del">
+          <ac:chgData name="Jonathan Mah" userId="5261b2f2f3e51194" providerId="LiveId" clId="{833092D5-9927-4807-BE3E-672C10A7E002}" dt="2023-07-28T00:56:26.319" v="2551" actId="478"/>
+          <ac:spMkLst>
+            <pc:docMk/>
+            <pc:sldMk cId="2611612387" sldId="435"/>
+            <ac:spMk id="2" creationId="{1AEE2E82-3F30-D3AA-F38B-1FE0ECAB65C3}"/>
+          </ac:spMkLst>
+        </pc:spChg>
+        <pc:spChg chg="del">
+          <ac:chgData name="Jonathan Mah" userId="5261b2f2f3e51194" providerId="LiveId" clId="{833092D5-9927-4807-BE3E-672C10A7E002}" dt="2023-07-28T00:42:08.980" v="2550" actId="478"/>
+          <ac:spMkLst>
+            <pc:docMk/>
+            <pc:sldMk cId="2611612387" sldId="435"/>
+            <ac:spMk id="3" creationId="{66751890-D3B0-0661-A047-BF04CA8F23B5}"/>
+          </ac:spMkLst>
+        </pc:spChg>
+        <pc:picChg chg="add del mod modCrop">
+          <ac:chgData name="Jonathan Mah" userId="5261b2f2f3e51194" providerId="LiveId" clId="{833092D5-9927-4807-BE3E-672C10A7E002}" dt="2023-07-28T00:58:11.189" v="2570" actId="478"/>
+          <ac:picMkLst>
+            <pc:docMk/>
+            <pc:sldMk cId="2611612387" sldId="435"/>
+            <ac:picMk id="5" creationId="{E50271FB-050B-5A22-6B2B-D56BAF53115E}"/>
+          </ac:picMkLst>
+        </pc:picChg>
+        <pc:picChg chg="add del mod">
+          <ac:chgData name="Jonathan Mah" userId="5261b2f2f3e51194" providerId="LiveId" clId="{833092D5-9927-4807-BE3E-672C10A7E002}" dt="2023-07-28T01:00:13.261" v="2572" actId="478"/>
+          <ac:picMkLst>
+            <pc:docMk/>
+            <pc:sldMk cId="2611612387" sldId="435"/>
+            <ac:picMk id="7" creationId="{9C2F68DB-F3A6-CB5C-2988-0D154F59A41E}"/>
+          </ac:picMkLst>
+        </pc:picChg>
+        <pc:picChg chg="add mod">
+          <ac:chgData name="Jonathan Mah" userId="5261b2f2f3e51194" providerId="LiveId" clId="{833092D5-9927-4807-BE3E-672C10A7E002}" dt="2023-07-28T01:00:43.791" v="2579" actId="14100"/>
+          <ac:picMkLst>
+            <pc:docMk/>
+            <pc:sldMk cId="2611612387" sldId="435"/>
+            <ac:picMk id="8" creationId="{FCCB2D35-7979-88D1-3762-2C4970F8AB04}"/>
+          </ac:picMkLst>
+        </pc:picChg>
+        <pc:picChg chg="add mod modCrop">
+          <ac:chgData name="Jonathan Mah" userId="5261b2f2f3e51194" providerId="LiveId" clId="{833092D5-9927-4807-BE3E-672C10A7E002}" dt="2023-07-28T01:01:01.944" v="2586" actId="1035"/>
+          <ac:picMkLst>
+            <pc:docMk/>
+            <pc:sldMk cId="2611612387" sldId="435"/>
+            <ac:picMk id="10" creationId="{D2B13C56-66BE-C26A-3298-0A5464FB309B}"/>
+          </ac:picMkLst>
+        </pc:picChg>
+      </pc:sldChg>
+      <pc:sldChg chg="addSp delSp modSp add mod">
+        <pc:chgData name="Jonathan Mah" userId="5261b2f2f3e51194" providerId="LiveId" clId="{833092D5-9927-4807-BE3E-672C10A7E002}" dt="2023-07-28T01:02:43.801" v="2596" actId="1038"/>
+        <pc:sldMkLst>
+          <pc:docMk/>
+          <pc:sldMk cId="3570557347" sldId="436"/>
+        </pc:sldMkLst>
+        <pc:picChg chg="add mod modCrop">
+          <ac:chgData name="Jonathan Mah" userId="5261b2f2f3e51194" providerId="LiveId" clId="{833092D5-9927-4807-BE3E-672C10A7E002}" dt="2023-07-28T01:02:43.801" v="2596" actId="1038"/>
+          <ac:picMkLst>
+            <pc:docMk/>
+            <pc:sldMk cId="3570557347" sldId="436"/>
+            <ac:picMk id="3" creationId="{2B940F56-2590-47EF-FBC2-7D8985B1FE57}"/>
+          </ac:picMkLst>
+        </pc:picChg>
+        <pc:picChg chg="del">
+          <ac:chgData name="Jonathan Mah" userId="5261b2f2f3e51194" providerId="LiveId" clId="{833092D5-9927-4807-BE3E-672C10A7E002}" dt="2023-07-28T01:01:40.225" v="2588" actId="478"/>
+          <ac:picMkLst>
+            <pc:docMk/>
+            <pc:sldMk cId="3570557347" sldId="436"/>
+            <ac:picMk id="10" creationId="{D2B13C56-66BE-C26A-3298-0A5464FB309B}"/>
           </ac:picMkLst>
         </pc:picChg>
       </pc:sldChg>
@@ -4933,7 +5388,7 @@
           <a:p>
             <a:fld id="{224F4B04-6A50-4A51-B675-D86EC6563060}" type="datetimeFigureOut">
               <a:rPr lang="en-US" smtClean="0"/>
-              <a:t>7/19/2023</a:t>
+              <a:t>7/27/2023</a:t>
             </a:fld>
             <a:endParaRPr lang="en-US"/>
           </a:p>
@@ -5424,6 +5879,534 @@
 </p:notes>
 </file>
 
+<file path=ppt/notesSlides/notesSlide3.xml><?xml version="1.0" encoding="utf-8"?>
+<p:notes xmlns:a="http://schemas.openxmlformats.org/drawingml/2006/main" xmlns:r="http://schemas.openxmlformats.org/officeDocument/2006/relationships" xmlns:p="http://schemas.openxmlformats.org/presentationml/2006/main">
+  <p:cSld>
+    <p:spTree>
+      <p:nvGrpSpPr>
+        <p:cNvPr id="1" name=""/>
+        <p:cNvGrpSpPr/>
+        <p:nvPr/>
+      </p:nvGrpSpPr>
+      <p:grpSpPr>
+        <a:xfrm>
+          <a:off x="0" y="0"/>
+          <a:ext cx="0" cy="0"/>
+          <a:chOff x="0" y="0"/>
+          <a:chExt cx="0" cy="0"/>
+        </a:xfrm>
+      </p:grpSpPr>
+      <p:sp>
+        <p:nvSpPr>
+          <p:cNvPr id="2" name="Slide Image Placeholder 1"/>
+          <p:cNvSpPr>
+            <a:spLocks noGrp="1" noRot="1" noChangeAspect="1"/>
+          </p:cNvSpPr>
+          <p:nvPr>
+            <p:ph type="sldImg"/>
+          </p:nvPr>
+        </p:nvSpPr>
+        <p:spPr/>
+      </p:sp>
+      <p:sp>
+        <p:nvSpPr>
+          <p:cNvPr id="3" name="Notes Placeholder 2"/>
+          <p:cNvSpPr>
+            <a:spLocks noGrp="1"/>
+          </p:cNvSpPr>
+          <p:nvPr>
+            <p:ph type="body" idx="1"/>
+          </p:nvPr>
+        </p:nvSpPr>
+        <p:spPr/>
+        <p:txBody>
+          <a:bodyPr/>
+          <a:lstStyle/>
+          <a:p>
+            <a:r>
+              <a:rPr lang="en-US" dirty="0" err="1"/>
+              <a:t>Gamma_low</a:t>
+            </a:r>
+            <a:endParaRPr lang="en-US" dirty="0"/>
+          </a:p>
+        </p:txBody>
+      </p:sp>
+      <p:sp>
+        <p:nvSpPr>
+          <p:cNvPr id="4" name="Slide Number Placeholder 3"/>
+          <p:cNvSpPr>
+            <a:spLocks noGrp="1"/>
+          </p:cNvSpPr>
+          <p:nvPr>
+            <p:ph type="sldNum" sz="quarter" idx="5"/>
+          </p:nvPr>
+        </p:nvSpPr>
+        <p:spPr/>
+        <p:txBody>
+          <a:bodyPr/>
+          <a:lstStyle/>
+          <a:p>
+            <a:fld id="{D3E66EEF-0D0A-4529-B3B7-A8E483F72DC0}" type="slidenum">
+              <a:rPr lang="en-US" smtClean="0"/>
+              <a:t>11</a:t>
+            </a:fld>
+            <a:endParaRPr lang="en-US"/>
+          </a:p>
+        </p:txBody>
+      </p:sp>
+    </p:spTree>
+    <p:extLst>
+      <p:ext uri="{BB962C8B-B14F-4D97-AF65-F5344CB8AC3E}">
+        <p14:creationId xmlns:p14="http://schemas.microsoft.com/office/powerpoint/2010/main" val="115945491"/>
+      </p:ext>
+    </p:extLst>
+  </p:cSld>
+  <p:clrMapOvr>
+    <a:masterClrMapping/>
+  </p:clrMapOvr>
+</p:notes>
+</file>
+
+<file path=ppt/notesSlides/notesSlide4.xml><?xml version="1.0" encoding="utf-8"?>
+<p:notes xmlns:a="http://schemas.openxmlformats.org/drawingml/2006/main" xmlns:r="http://schemas.openxmlformats.org/officeDocument/2006/relationships" xmlns:p="http://schemas.openxmlformats.org/presentationml/2006/main">
+  <p:cSld>
+    <p:spTree>
+      <p:nvGrpSpPr>
+        <p:cNvPr id="1" name=""/>
+        <p:cNvGrpSpPr/>
+        <p:nvPr/>
+      </p:nvGrpSpPr>
+      <p:grpSpPr>
+        <a:xfrm>
+          <a:off x="0" y="0"/>
+          <a:ext cx="0" cy="0"/>
+          <a:chOff x="0" y="0"/>
+          <a:chExt cx="0" cy="0"/>
+        </a:xfrm>
+      </p:grpSpPr>
+      <p:sp>
+        <p:nvSpPr>
+          <p:cNvPr id="2" name="Slide Image Placeholder 1"/>
+          <p:cNvSpPr>
+            <a:spLocks noGrp="1" noRot="1" noChangeAspect="1"/>
+          </p:cNvSpPr>
+          <p:nvPr>
+            <p:ph type="sldImg"/>
+          </p:nvPr>
+        </p:nvSpPr>
+        <p:spPr/>
+      </p:sp>
+      <p:sp>
+        <p:nvSpPr>
+          <p:cNvPr id="3" name="Notes Placeholder 2"/>
+          <p:cNvSpPr>
+            <a:spLocks noGrp="1"/>
+          </p:cNvSpPr>
+          <p:nvPr>
+            <p:ph type="body" idx="1"/>
+          </p:nvPr>
+        </p:nvSpPr>
+        <p:spPr/>
+        <p:txBody>
+          <a:bodyPr/>
+          <a:lstStyle/>
+          <a:p>
+            <a:r>
+              <a:rPr lang="en-US" dirty="0" err="1"/>
+              <a:t>Gamma_high</a:t>
+            </a:r>
+            <a:endParaRPr lang="en-US" dirty="0"/>
+          </a:p>
+        </p:txBody>
+      </p:sp>
+      <p:sp>
+        <p:nvSpPr>
+          <p:cNvPr id="4" name="Slide Number Placeholder 3"/>
+          <p:cNvSpPr>
+            <a:spLocks noGrp="1"/>
+          </p:cNvSpPr>
+          <p:nvPr>
+            <p:ph type="sldNum" sz="quarter" idx="5"/>
+          </p:nvPr>
+        </p:nvSpPr>
+        <p:spPr/>
+        <p:txBody>
+          <a:bodyPr/>
+          <a:lstStyle/>
+          <a:p>
+            <a:fld id="{D3E66EEF-0D0A-4529-B3B7-A8E483F72DC0}" type="slidenum">
+              <a:rPr lang="en-US" smtClean="0"/>
+              <a:t>12</a:t>
+            </a:fld>
+            <a:endParaRPr lang="en-US"/>
+          </a:p>
+        </p:txBody>
+      </p:sp>
+    </p:spTree>
+    <p:extLst>
+      <p:ext uri="{BB962C8B-B14F-4D97-AF65-F5344CB8AC3E}">
+        <p14:creationId xmlns:p14="http://schemas.microsoft.com/office/powerpoint/2010/main" val="3119860095"/>
+      </p:ext>
+    </p:extLst>
+  </p:cSld>
+  <p:clrMapOvr>
+    <a:masterClrMapping/>
+  </p:clrMapOvr>
+</p:notes>
+</file>
+
+<file path=ppt/notesSlides/notesSlide5.xml><?xml version="1.0" encoding="utf-8"?>
+<p:notes xmlns:a="http://schemas.openxmlformats.org/drawingml/2006/main" xmlns:r="http://schemas.openxmlformats.org/officeDocument/2006/relationships" xmlns:p="http://schemas.openxmlformats.org/presentationml/2006/main">
+  <p:cSld>
+    <p:spTree>
+      <p:nvGrpSpPr>
+        <p:cNvPr id="1" name=""/>
+        <p:cNvGrpSpPr/>
+        <p:nvPr/>
+      </p:nvGrpSpPr>
+      <p:grpSpPr>
+        <a:xfrm>
+          <a:off x="0" y="0"/>
+          <a:ext cx="0" cy="0"/>
+          <a:chOff x="0" y="0"/>
+          <a:chExt cx="0" cy="0"/>
+        </a:xfrm>
+      </p:grpSpPr>
+      <p:sp>
+        <p:nvSpPr>
+          <p:cNvPr id="2" name="Slide Image Placeholder 1"/>
+          <p:cNvSpPr>
+            <a:spLocks noGrp="1" noRot="1" noChangeAspect="1"/>
+          </p:cNvSpPr>
+          <p:nvPr>
+            <p:ph type="sldImg"/>
+          </p:nvPr>
+        </p:nvSpPr>
+        <p:spPr/>
+      </p:sp>
+      <p:sp>
+        <p:nvSpPr>
+          <p:cNvPr id="3" name="Notes Placeholder 2"/>
+          <p:cNvSpPr>
+            <a:spLocks noGrp="1"/>
+          </p:cNvSpPr>
+          <p:nvPr>
+            <p:ph type="body" idx="1"/>
+          </p:nvPr>
+        </p:nvSpPr>
+        <p:spPr/>
+        <p:txBody>
+          <a:bodyPr/>
+          <a:lstStyle/>
+          <a:p>
+            <a:r>
+              <a:rPr lang="en-US" dirty="0" err="1"/>
+              <a:t>Neugamma_low</a:t>
+            </a:r>
+            <a:endParaRPr lang="en-US" dirty="0"/>
+          </a:p>
+        </p:txBody>
+      </p:sp>
+      <p:sp>
+        <p:nvSpPr>
+          <p:cNvPr id="4" name="Slide Number Placeholder 3"/>
+          <p:cNvSpPr>
+            <a:spLocks noGrp="1"/>
+          </p:cNvSpPr>
+          <p:nvPr>
+            <p:ph type="sldNum" sz="quarter" idx="5"/>
+          </p:nvPr>
+        </p:nvSpPr>
+        <p:spPr/>
+        <p:txBody>
+          <a:bodyPr/>
+          <a:lstStyle/>
+          <a:p>
+            <a:fld id="{D3E66EEF-0D0A-4529-B3B7-A8E483F72DC0}" type="slidenum">
+              <a:rPr lang="en-US" smtClean="0"/>
+              <a:t>13</a:t>
+            </a:fld>
+            <a:endParaRPr lang="en-US"/>
+          </a:p>
+        </p:txBody>
+      </p:sp>
+    </p:spTree>
+    <p:extLst>
+      <p:ext uri="{BB962C8B-B14F-4D97-AF65-F5344CB8AC3E}">
+        <p14:creationId xmlns:p14="http://schemas.microsoft.com/office/powerpoint/2010/main" val="2137394128"/>
+      </p:ext>
+    </p:extLst>
+  </p:cSld>
+  <p:clrMapOvr>
+    <a:masterClrMapping/>
+  </p:clrMapOvr>
+</p:notes>
+</file>
+
+<file path=ppt/notesSlides/notesSlide6.xml><?xml version="1.0" encoding="utf-8"?>
+<p:notes xmlns:a="http://schemas.openxmlformats.org/drawingml/2006/main" xmlns:r="http://schemas.openxmlformats.org/officeDocument/2006/relationships" xmlns:p="http://schemas.openxmlformats.org/presentationml/2006/main">
+  <p:cSld>
+    <p:spTree>
+      <p:nvGrpSpPr>
+        <p:cNvPr id="1" name=""/>
+        <p:cNvGrpSpPr/>
+        <p:nvPr/>
+      </p:nvGrpSpPr>
+      <p:grpSpPr>
+        <a:xfrm>
+          <a:off x="0" y="0"/>
+          <a:ext cx="0" cy="0"/>
+          <a:chOff x="0" y="0"/>
+          <a:chExt cx="0" cy="0"/>
+        </a:xfrm>
+      </p:grpSpPr>
+      <p:sp>
+        <p:nvSpPr>
+          <p:cNvPr id="2" name="Slide Image Placeholder 1"/>
+          <p:cNvSpPr>
+            <a:spLocks noGrp="1" noRot="1" noChangeAspect="1"/>
+          </p:cNvSpPr>
+          <p:nvPr>
+            <p:ph type="sldImg"/>
+          </p:nvPr>
+        </p:nvSpPr>
+        <p:spPr/>
+      </p:sp>
+      <p:sp>
+        <p:nvSpPr>
+          <p:cNvPr id="3" name="Notes Placeholder 2"/>
+          <p:cNvSpPr>
+            <a:spLocks noGrp="1"/>
+          </p:cNvSpPr>
+          <p:nvPr>
+            <p:ph type="body" idx="1"/>
+          </p:nvPr>
+        </p:nvSpPr>
+        <p:spPr/>
+        <p:txBody>
+          <a:bodyPr/>
+          <a:lstStyle/>
+          <a:p>
+            <a:r>
+              <a:rPr lang="en-US" dirty="0" err="1"/>
+              <a:t>Neugamma_low</a:t>
+            </a:r>
+            <a:endParaRPr lang="en-US" dirty="0"/>
+          </a:p>
+        </p:txBody>
+      </p:sp>
+      <p:sp>
+        <p:nvSpPr>
+          <p:cNvPr id="4" name="Slide Number Placeholder 3"/>
+          <p:cNvSpPr>
+            <a:spLocks noGrp="1"/>
+          </p:cNvSpPr>
+          <p:nvPr>
+            <p:ph type="sldNum" sz="quarter" idx="5"/>
+          </p:nvPr>
+        </p:nvSpPr>
+        <p:spPr/>
+        <p:txBody>
+          <a:bodyPr/>
+          <a:lstStyle/>
+          <a:p>
+            <a:fld id="{D3E66EEF-0D0A-4529-B3B7-A8E483F72DC0}" type="slidenum">
+              <a:rPr lang="en-US" smtClean="0"/>
+              <a:t>14</a:t>
+            </a:fld>
+            <a:endParaRPr lang="en-US"/>
+          </a:p>
+        </p:txBody>
+      </p:sp>
+    </p:spTree>
+    <p:extLst>
+      <p:ext uri="{BB962C8B-B14F-4D97-AF65-F5344CB8AC3E}">
+        <p14:creationId xmlns:p14="http://schemas.microsoft.com/office/powerpoint/2010/main" val="4146082773"/>
+      </p:ext>
+    </p:extLst>
+  </p:cSld>
+  <p:clrMapOvr>
+    <a:masterClrMapping/>
+  </p:clrMapOvr>
+</p:notes>
+</file>
+
+<file path=ppt/notesSlides/notesSlide7.xml><?xml version="1.0" encoding="utf-8"?>
+<p:notes xmlns:a="http://schemas.openxmlformats.org/drawingml/2006/main" xmlns:r="http://schemas.openxmlformats.org/officeDocument/2006/relationships" xmlns:p="http://schemas.openxmlformats.org/presentationml/2006/main">
+  <p:cSld>
+    <p:spTree>
+      <p:nvGrpSpPr>
+        <p:cNvPr id="1" name=""/>
+        <p:cNvGrpSpPr/>
+        <p:nvPr/>
+      </p:nvGrpSpPr>
+      <p:grpSpPr>
+        <a:xfrm>
+          <a:off x="0" y="0"/>
+          <a:ext cx="0" cy="0"/>
+          <a:chOff x="0" y="0"/>
+          <a:chExt cx="0" cy="0"/>
+        </a:xfrm>
+      </p:grpSpPr>
+      <p:sp>
+        <p:nvSpPr>
+          <p:cNvPr id="2" name="Slide Image Placeholder 1"/>
+          <p:cNvSpPr>
+            <a:spLocks noGrp="1" noRot="1" noChangeAspect="1"/>
+          </p:cNvSpPr>
+          <p:nvPr>
+            <p:ph type="sldImg"/>
+          </p:nvPr>
+        </p:nvSpPr>
+        <p:spPr/>
+      </p:sp>
+      <p:sp>
+        <p:nvSpPr>
+          <p:cNvPr id="3" name="Notes Placeholder 2"/>
+          <p:cNvSpPr>
+            <a:spLocks noGrp="1"/>
+          </p:cNvSpPr>
+          <p:nvPr>
+            <p:ph type="body" idx="1"/>
+          </p:nvPr>
+        </p:nvSpPr>
+        <p:spPr/>
+        <p:txBody>
+          <a:bodyPr/>
+          <a:lstStyle/>
+          <a:p>
+            <a:r>
+              <a:rPr lang="en-US" dirty="0" err="1"/>
+              <a:t>Gamma_dadi_dfe</a:t>
+            </a:r>
+            <a:endParaRPr lang="en-US" dirty="0"/>
+          </a:p>
+        </p:txBody>
+      </p:sp>
+      <p:sp>
+        <p:nvSpPr>
+          <p:cNvPr id="4" name="Slide Number Placeholder 3"/>
+          <p:cNvSpPr>
+            <a:spLocks noGrp="1"/>
+          </p:cNvSpPr>
+          <p:nvPr>
+            <p:ph type="sldNum" sz="quarter" idx="5"/>
+          </p:nvPr>
+        </p:nvSpPr>
+        <p:spPr/>
+        <p:txBody>
+          <a:bodyPr/>
+          <a:lstStyle/>
+          <a:p>
+            <a:fld id="{D3E66EEF-0D0A-4529-B3B7-A8E483F72DC0}" type="slidenum">
+              <a:rPr lang="en-US" smtClean="0"/>
+              <a:t>15</a:t>
+            </a:fld>
+            <a:endParaRPr lang="en-US"/>
+          </a:p>
+        </p:txBody>
+      </p:sp>
+    </p:spTree>
+    <p:extLst>
+      <p:ext uri="{BB962C8B-B14F-4D97-AF65-F5344CB8AC3E}">
+        <p14:creationId xmlns:p14="http://schemas.microsoft.com/office/powerpoint/2010/main" val="2167935273"/>
+      </p:ext>
+    </p:extLst>
+  </p:cSld>
+  <p:clrMapOvr>
+    <a:masterClrMapping/>
+  </p:clrMapOvr>
+</p:notes>
+</file>
+
+<file path=ppt/notesSlides/notesSlide8.xml><?xml version="1.0" encoding="utf-8"?>
+<p:notes xmlns:a="http://schemas.openxmlformats.org/drawingml/2006/main" xmlns:r="http://schemas.openxmlformats.org/officeDocument/2006/relationships" xmlns:p="http://schemas.openxmlformats.org/presentationml/2006/main">
+  <p:cSld>
+    <p:spTree>
+      <p:nvGrpSpPr>
+        <p:cNvPr id="1" name=""/>
+        <p:cNvGrpSpPr/>
+        <p:nvPr/>
+      </p:nvGrpSpPr>
+      <p:grpSpPr>
+        <a:xfrm>
+          <a:off x="0" y="0"/>
+          <a:ext cx="0" cy="0"/>
+          <a:chOff x="0" y="0"/>
+          <a:chExt cx="0" cy="0"/>
+        </a:xfrm>
+      </p:grpSpPr>
+      <p:sp>
+        <p:nvSpPr>
+          <p:cNvPr id="2" name="Slide Image Placeholder 1"/>
+          <p:cNvSpPr>
+            <a:spLocks noGrp="1" noRot="1" noChangeAspect="1"/>
+          </p:cNvSpPr>
+          <p:nvPr>
+            <p:ph type="sldImg"/>
+          </p:nvPr>
+        </p:nvSpPr>
+        <p:spPr/>
+      </p:sp>
+      <p:sp>
+        <p:nvSpPr>
+          <p:cNvPr id="3" name="Notes Placeholder 2"/>
+          <p:cNvSpPr>
+            <a:spLocks noGrp="1"/>
+          </p:cNvSpPr>
+          <p:nvPr>
+            <p:ph type="body" idx="1"/>
+          </p:nvPr>
+        </p:nvSpPr>
+        <p:spPr/>
+        <p:txBody>
+          <a:bodyPr/>
+          <a:lstStyle/>
+          <a:p>
+            <a:r>
+              <a:rPr lang="en-US" dirty="0" err="1"/>
+              <a:t>Neugamma_dadi_dfe</a:t>
+            </a:r>
+            <a:endParaRPr lang="en-US" dirty="0"/>
+          </a:p>
+        </p:txBody>
+      </p:sp>
+      <p:sp>
+        <p:nvSpPr>
+          <p:cNvPr id="4" name="Slide Number Placeholder 3"/>
+          <p:cNvSpPr>
+            <a:spLocks noGrp="1"/>
+          </p:cNvSpPr>
+          <p:nvPr>
+            <p:ph type="sldNum" sz="quarter" idx="5"/>
+          </p:nvPr>
+        </p:nvSpPr>
+        <p:spPr/>
+        <p:txBody>
+          <a:bodyPr/>
+          <a:lstStyle/>
+          <a:p>
+            <a:fld id="{D3E66EEF-0D0A-4529-B3B7-A8E483F72DC0}" type="slidenum">
+              <a:rPr lang="en-US" smtClean="0"/>
+              <a:t>16</a:t>
+            </a:fld>
+            <a:endParaRPr lang="en-US"/>
+          </a:p>
+        </p:txBody>
+      </p:sp>
+    </p:spTree>
+    <p:extLst>
+      <p:ext uri="{BB962C8B-B14F-4D97-AF65-F5344CB8AC3E}">
+        <p14:creationId xmlns:p14="http://schemas.microsoft.com/office/powerpoint/2010/main" val="2529525553"/>
+      </p:ext>
+    </p:extLst>
+  </p:cSld>
+  <p:clrMapOvr>
+    <a:masterClrMapping/>
+  </p:clrMapOvr>
+</p:notes>
+</file>
+
 <file path=ppt/slideLayouts/slideLayout1.xml><?xml version="1.0" encoding="utf-8"?>
 <p:sldLayout xmlns:a="http://schemas.openxmlformats.org/drawingml/2006/main" xmlns:r="http://schemas.openxmlformats.org/officeDocument/2006/relationships" xmlns:p="http://schemas.openxmlformats.org/presentationml/2006/main" type="title" preserve="1">
   <p:cSld name="Title Slide">
@@ -5555,7 +6538,7 @@
           <a:p>
             <a:fld id="{54E435BD-4569-4C00-96FD-DE6EEAA430DA}" type="datetimeFigureOut">
               <a:rPr lang="en-US" smtClean="0"/>
-              <a:t>7/19/2023</a:t>
+              <a:t>7/27/2023</a:t>
             </a:fld>
             <a:endParaRPr lang="en-US"/>
           </a:p>
@@ -5725,7 +6708,7 @@
           <a:p>
             <a:fld id="{54E435BD-4569-4C00-96FD-DE6EEAA430DA}" type="datetimeFigureOut">
               <a:rPr lang="en-US" smtClean="0"/>
-              <a:t>7/19/2023</a:t>
+              <a:t>7/27/2023</a:t>
             </a:fld>
             <a:endParaRPr lang="en-US"/>
           </a:p>
@@ -5905,7 +6888,7 @@
           <a:p>
             <a:fld id="{54E435BD-4569-4C00-96FD-DE6EEAA430DA}" type="datetimeFigureOut">
               <a:rPr lang="en-US" smtClean="0"/>
-              <a:t>7/19/2023</a:t>
+              <a:t>7/27/2023</a:t>
             </a:fld>
             <a:endParaRPr lang="en-US"/>
           </a:p>
@@ -6075,7 +7058,7 @@
           <a:p>
             <a:fld id="{54E435BD-4569-4C00-96FD-DE6EEAA430DA}" type="datetimeFigureOut">
               <a:rPr lang="en-US" smtClean="0"/>
-              <a:t>7/19/2023</a:t>
+              <a:t>7/27/2023</a:t>
             </a:fld>
             <a:endParaRPr lang="en-US"/>
           </a:p>
@@ -6319,7 +7302,7 @@
           <a:p>
             <a:fld id="{54E435BD-4569-4C00-96FD-DE6EEAA430DA}" type="datetimeFigureOut">
               <a:rPr lang="en-US" smtClean="0"/>
-              <a:t>7/19/2023</a:t>
+              <a:t>7/27/2023</a:t>
             </a:fld>
             <a:endParaRPr lang="en-US"/>
           </a:p>
@@ -6551,7 +7534,7 @@
           <a:p>
             <a:fld id="{54E435BD-4569-4C00-96FD-DE6EEAA430DA}" type="datetimeFigureOut">
               <a:rPr lang="en-US" smtClean="0"/>
-              <a:t>7/19/2023</a:t>
+              <a:t>7/27/2023</a:t>
             </a:fld>
             <a:endParaRPr lang="en-US"/>
           </a:p>
@@ -6918,7 +7901,7 @@
           <a:p>
             <a:fld id="{54E435BD-4569-4C00-96FD-DE6EEAA430DA}" type="datetimeFigureOut">
               <a:rPr lang="en-US" smtClean="0"/>
-              <a:t>7/19/2023</a:t>
+              <a:t>7/27/2023</a:t>
             </a:fld>
             <a:endParaRPr lang="en-US"/>
           </a:p>
@@ -7036,7 +8019,7 @@
           <a:p>
             <a:fld id="{54E435BD-4569-4C00-96FD-DE6EEAA430DA}" type="datetimeFigureOut">
               <a:rPr lang="en-US" smtClean="0"/>
-              <a:t>7/19/2023</a:t>
+              <a:t>7/27/2023</a:t>
             </a:fld>
             <a:endParaRPr lang="en-US"/>
           </a:p>
@@ -7131,7 +8114,7 @@
           <a:p>
             <a:fld id="{54E435BD-4569-4C00-96FD-DE6EEAA430DA}" type="datetimeFigureOut">
               <a:rPr lang="en-US" smtClean="0"/>
-              <a:t>7/19/2023</a:t>
+              <a:t>7/27/2023</a:t>
             </a:fld>
             <a:endParaRPr lang="en-US"/>
           </a:p>
@@ -7408,7 +8391,7 @@
           <a:p>
             <a:fld id="{54E435BD-4569-4C00-96FD-DE6EEAA430DA}" type="datetimeFigureOut">
               <a:rPr lang="en-US" smtClean="0"/>
-              <a:t>7/19/2023</a:t>
+              <a:t>7/27/2023</a:t>
             </a:fld>
             <a:endParaRPr lang="en-US"/>
           </a:p>
@@ -7665,7 +8648,7 @@
           <a:p>
             <a:fld id="{54E435BD-4569-4C00-96FD-DE6EEAA430DA}" type="datetimeFigureOut">
               <a:rPr lang="en-US" smtClean="0"/>
-              <a:t>7/19/2023</a:t>
+              <a:t>7/27/2023</a:t>
             </a:fld>
             <a:endParaRPr lang="en-US"/>
           </a:p>
@@ -7878,7 +8861,7 @@
           <a:p>
             <a:fld id="{54E435BD-4569-4C00-96FD-DE6EEAA430DA}" type="datetimeFigureOut">
               <a:rPr lang="en-US" smtClean="0"/>
-              <a:t>7/19/2023</a:t>
+              <a:t>7/27/2023</a:t>
             </a:fld>
             <a:endParaRPr lang="en-US"/>
           </a:p>
@@ -8540,45 +9523,10 @@
       </p:grpSpPr>
       <p:pic>
         <p:nvPicPr>
-          <p:cNvPr id="8" name="Picture 7" descr="A picture containing black, darkness&#10;&#10;Description automatically generated">
+          <p:cNvPr id="17" name="Picture 16" descr="A black background with a black square&#10;&#10;Description automatically generated">
             <a:extLst>
               <a:ext uri="{FF2B5EF4-FFF2-40B4-BE49-F238E27FC236}">
-                <a16:creationId xmlns:a16="http://schemas.microsoft.com/office/drawing/2014/main" id="{6BDC0236-82EF-9A85-03C0-549F8E58DEEF}"/>
-              </a:ext>
-            </a:extLst>
-          </p:cNvPr>
-          <p:cNvPicPr>
-            <a:picLocks noChangeAspect="1"/>
-          </p:cNvPicPr>
-          <p:nvPr/>
-        </p:nvPicPr>
-        <p:blipFill rotWithShape="1">
-          <a:blip r:embed="rId2">
-            <a:extLst>
-              <a:ext uri="{28A0092B-C50C-407E-A947-70E740481C1C}">
-                <a14:useLocalDpi xmlns:a14="http://schemas.microsoft.com/office/drawing/2010/main" val="0"/>
-              </a:ext>
-            </a:extLst>
-          </a:blip>
-          <a:srcRect r="36866" b="6162"/>
-          <a:stretch/>
-        </p:blipFill>
-        <p:spPr>
-          <a:xfrm>
-            <a:off x="9401392" y="4445000"/>
-            <a:ext cx="2505075" cy="6769100"/>
-          </a:xfrm>
-          <a:prstGeom prst="rect">
-            <a:avLst/>
-          </a:prstGeom>
-        </p:spPr>
-      </p:pic>
-      <p:pic>
-        <p:nvPicPr>
-          <p:cNvPr id="3" name="Picture 2" descr="A picture containing text, screenshot, colorfulness, font&#10;&#10;Description automatically generated">
-            <a:extLst>
-              <a:ext uri="{FF2B5EF4-FFF2-40B4-BE49-F238E27FC236}">
-                <a16:creationId xmlns:a16="http://schemas.microsoft.com/office/drawing/2014/main" id="{1C88653A-C506-B445-4F6E-1CD84D2FD5F3}"/>
+                <a16:creationId xmlns:a16="http://schemas.microsoft.com/office/drawing/2014/main" id="{22F61B2E-BCBC-32D9-1CFA-AAC0818DEF6A}"/>
               </a:ext>
             </a:extLst>
           </p:cNvPr>
@@ -8595,13 +9543,13 @@
               </a:ext>
             </a:extLst>
           </a:blip>
-          <a:srcRect l="6339"/>
+          <a:srcRect l="38737" r="19484" b="6693"/>
           <a:stretch/>
         </p:blipFill>
         <p:spPr>
           <a:xfrm>
-            <a:off x="11906467" y="4317468"/>
-            <a:ext cx="5353449" cy="7621064"/>
+            <a:off x="2975644" y="4836190"/>
+            <a:ext cx="4472906" cy="8696930"/>
           </a:xfrm>
           <a:prstGeom prst="rect">
             <a:avLst/>
@@ -8610,10 +9558,110 @@
       </p:pic>
       <p:pic>
         <p:nvPicPr>
-          <p:cNvPr id="4" name="Picture 3" descr="A picture containing text, screenshot, colorfulness, font&#10;&#10;Description automatically generated">
+          <p:cNvPr id="24" name="Picture 23" descr="A chart of bacteria and viruses&#10;&#10;Description automatically generated">
             <a:extLst>
               <a:ext uri="{FF2B5EF4-FFF2-40B4-BE49-F238E27FC236}">
-                <a16:creationId xmlns:a16="http://schemas.microsoft.com/office/drawing/2014/main" id="{B4AA63D1-8ED5-E707-690E-2E1E3BBDAF5D}"/>
+                <a16:creationId xmlns:a16="http://schemas.microsoft.com/office/drawing/2014/main" id="{60D799C0-A1ED-918D-CC85-047A3B05FE30}"/>
+              </a:ext>
+            </a:extLst>
+          </p:cNvPr>
+          <p:cNvPicPr>
+            <a:picLocks noChangeAspect="1"/>
+          </p:cNvPicPr>
+          <p:nvPr/>
+        </p:nvPicPr>
+        <p:blipFill rotWithShape="1">
+          <a:blip r:embed="rId4">
+            <a:extLst>
+              <a:ext uri="{28A0092B-C50C-407E-A947-70E740481C1C}">
+                <a14:useLocalDpi xmlns:a14="http://schemas.microsoft.com/office/drawing/2010/main" val="0"/>
+              </a:ext>
+            </a:extLst>
+          </a:blip>
+          <a:srcRect r="93779" b="82987"/>
+          <a:stretch/>
+        </p:blipFill>
+        <p:spPr>
+          <a:xfrm rot="10800000">
+            <a:off x="12799459" y="4657125"/>
+            <a:ext cx="355600" cy="1620748"/>
+          </a:xfrm>
+          <a:prstGeom prst="rect">
+            <a:avLst/>
+          </a:prstGeom>
+        </p:spPr>
+      </p:pic>
+      <p:pic>
+        <p:nvPicPr>
+          <p:cNvPr id="28" name="Picture 27" descr="A screenshot of a graph&#10;&#10;Description automatically generated">
+            <a:extLst>
+              <a:ext uri="{FF2B5EF4-FFF2-40B4-BE49-F238E27FC236}">
+                <a16:creationId xmlns:a16="http://schemas.microsoft.com/office/drawing/2014/main" id="{46528D09-AD4C-D99C-408E-F6D6D440FFC5}"/>
+              </a:ext>
+            </a:extLst>
+          </p:cNvPr>
+          <p:cNvPicPr>
+            <a:picLocks noChangeAspect="1"/>
+          </p:cNvPicPr>
+          <p:nvPr/>
+        </p:nvPicPr>
+        <p:blipFill rotWithShape="1">
+          <a:blip r:embed="rId5">
+            <a:extLst>
+              <a:ext uri="{28A0092B-C50C-407E-A947-70E740481C1C}">
+                <a14:useLocalDpi xmlns:a14="http://schemas.microsoft.com/office/drawing/2010/main" val="0"/>
+              </a:ext>
+            </a:extLst>
+          </a:blip>
+          <a:srcRect l="6031"/>
+          <a:stretch/>
+        </p:blipFill>
+        <p:spPr>
+          <a:xfrm>
+            <a:off x="7446736" y="4657125"/>
+            <a:ext cx="5371084" cy="9526329"/>
+          </a:xfrm>
+          <a:prstGeom prst="rect">
+            <a:avLst/>
+          </a:prstGeom>
+        </p:spPr>
+      </p:pic>
+    </p:spTree>
+    <p:extLst>
+      <p:ext uri="{BB962C8B-B14F-4D97-AF65-F5344CB8AC3E}">
+        <p14:creationId xmlns:p14="http://schemas.microsoft.com/office/powerpoint/2010/main" val="652272095"/>
+      </p:ext>
+    </p:extLst>
+  </p:cSld>
+  <p:clrMapOvr>
+    <a:masterClrMapping/>
+  </p:clrMapOvr>
+</p:sld>
+</file>
+
+<file path=ppt/slides/slide12.xml><?xml version="1.0" encoding="utf-8"?>
+<p:sld xmlns:a="http://schemas.openxmlformats.org/drawingml/2006/main" xmlns:r="http://schemas.openxmlformats.org/officeDocument/2006/relationships" xmlns:p="http://schemas.openxmlformats.org/presentationml/2006/main">
+  <p:cSld>
+    <p:spTree>
+      <p:nvGrpSpPr>
+        <p:cNvPr id="1" name=""/>
+        <p:cNvGrpSpPr/>
+        <p:nvPr/>
+      </p:nvGrpSpPr>
+      <p:grpSpPr>
+        <a:xfrm>
+          <a:off x="0" y="0"/>
+          <a:ext cx="0" cy="0"/>
+          <a:chOff x="0" y="0"/>
+          <a:chExt cx="0" cy="0"/>
+        </a:xfrm>
+      </p:grpSpPr>
+      <p:pic>
+        <p:nvPicPr>
+          <p:cNvPr id="17" name="Picture 16" descr="A black background with a black square&#10;&#10;Description automatically generated">
+            <a:extLst>
+              <a:ext uri="{FF2B5EF4-FFF2-40B4-BE49-F238E27FC236}">
+                <a16:creationId xmlns:a16="http://schemas.microsoft.com/office/drawing/2014/main" id="{22F61B2E-BCBC-32D9-1CFA-AAC0818DEF6A}"/>
               </a:ext>
             </a:extLst>
           </p:cNvPr>
@@ -8630,13 +9678,13 @@
               </a:ext>
             </a:extLst>
           </a:blip>
-          <a:srcRect r="93826" b="77996"/>
+          <a:srcRect l="38737" r="19484" b="6693"/>
           <a:stretch/>
         </p:blipFill>
         <p:spPr>
-          <a:xfrm rot="10800000">
-            <a:off x="17259917" y="4317468"/>
-            <a:ext cx="352824" cy="1676932"/>
+          <a:xfrm>
+            <a:off x="3204244" y="4559901"/>
+            <a:ext cx="4472906" cy="8696930"/>
           </a:xfrm>
           <a:prstGeom prst="rect">
             <a:avLst/>
@@ -8645,10 +9693,10 @@
       </p:pic>
       <p:pic>
         <p:nvPicPr>
-          <p:cNvPr id="5" name="Picture 4" descr="A picture containing text, screenshot, diagram, plot&#10;&#10;Description automatically generated">
+          <p:cNvPr id="24" name="Picture 23" descr="A chart of bacteria and viruses&#10;&#10;Description automatically generated">
             <a:extLst>
               <a:ext uri="{FF2B5EF4-FFF2-40B4-BE49-F238E27FC236}">
-                <a16:creationId xmlns:a16="http://schemas.microsoft.com/office/drawing/2014/main" id="{4E164DF8-57D8-0F85-F258-8A91CE9899F8}"/>
+                <a16:creationId xmlns:a16="http://schemas.microsoft.com/office/drawing/2014/main" id="{60D799C0-A1ED-918D-CC85-047A3B05FE30}"/>
               </a:ext>
             </a:extLst>
           </p:cNvPr>
@@ -8665,13 +9713,13 @@
               </a:ext>
             </a:extLst>
           </a:blip>
-          <a:srcRect l="3330" r="91185" b="73997"/>
+          <a:srcRect r="93779" b="82987"/>
           <a:stretch/>
         </p:blipFill>
         <p:spPr>
-          <a:xfrm>
-            <a:off x="5999060" y="7621701"/>
-            <a:ext cx="261258" cy="1981732"/>
+          <a:xfrm rot="10800000">
+            <a:off x="13028059" y="4380836"/>
+            <a:ext cx="355600" cy="1620748"/>
           </a:xfrm>
           <a:prstGeom prst="rect">
             <a:avLst/>
@@ -8680,10 +9728,10 @@
       </p:pic>
       <p:pic>
         <p:nvPicPr>
-          <p:cNvPr id="9" name="Picture 8" descr="A picture containing text, diagram, screenshot, plot&#10;&#10;Description automatically generated">
+          <p:cNvPr id="3" name="Picture 2" descr="A screenshot of a graph&#10;&#10;Description automatically generated">
             <a:extLst>
               <a:ext uri="{FF2B5EF4-FFF2-40B4-BE49-F238E27FC236}">
-                <a16:creationId xmlns:a16="http://schemas.microsoft.com/office/drawing/2014/main" id="{381FC2B0-7964-FD80-2C11-756D2D9CC609}"/>
+                <a16:creationId xmlns:a16="http://schemas.microsoft.com/office/drawing/2014/main" id="{31286943-3F6A-B6D7-6665-18681C7143D5}"/>
               </a:ext>
             </a:extLst>
           </p:cNvPr>
@@ -8700,13 +9748,78 @@
               </a:ext>
             </a:extLst>
           </a:blip>
-          <a:srcRect l="44862" b="73997"/>
+          <a:srcRect l="6384"/>
           <a:stretch/>
         </p:blipFill>
         <p:spPr>
           <a:xfrm>
-            <a:off x="6260319" y="5481751"/>
-            <a:ext cx="2626290" cy="1981733"/>
+            <a:off x="7677149" y="4380835"/>
+            <a:ext cx="5350909" cy="9526329"/>
+          </a:xfrm>
+          <a:prstGeom prst="rect">
+            <a:avLst/>
+          </a:prstGeom>
+        </p:spPr>
+      </p:pic>
+    </p:spTree>
+    <p:extLst>
+      <p:ext uri="{BB962C8B-B14F-4D97-AF65-F5344CB8AC3E}">
+        <p14:creationId xmlns:p14="http://schemas.microsoft.com/office/powerpoint/2010/main" val="2775238939"/>
+      </p:ext>
+    </p:extLst>
+  </p:cSld>
+  <p:clrMapOvr>
+    <a:masterClrMapping/>
+  </p:clrMapOvr>
+</p:sld>
+</file>
+
+<file path=ppt/slides/slide13.xml><?xml version="1.0" encoding="utf-8"?>
+<p:sld xmlns:a="http://schemas.openxmlformats.org/drawingml/2006/main" xmlns:r="http://schemas.openxmlformats.org/officeDocument/2006/relationships" xmlns:p="http://schemas.openxmlformats.org/presentationml/2006/main">
+  <p:cSld>
+    <p:spTree>
+      <p:nvGrpSpPr>
+        <p:cNvPr id="1" name=""/>
+        <p:cNvGrpSpPr/>
+        <p:nvPr/>
+      </p:nvGrpSpPr>
+      <p:grpSpPr>
+        <a:xfrm>
+          <a:off x="0" y="0"/>
+          <a:ext cx="0" cy="0"/>
+          <a:chOff x="0" y="0"/>
+          <a:chExt cx="0" cy="0"/>
+        </a:xfrm>
+      </p:grpSpPr>
+      <p:pic>
+        <p:nvPicPr>
+          <p:cNvPr id="17" name="Picture 16" descr="A black background with a black square&#10;&#10;Description automatically generated">
+            <a:extLst>
+              <a:ext uri="{FF2B5EF4-FFF2-40B4-BE49-F238E27FC236}">
+                <a16:creationId xmlns:a16="http://schemas.microsoft.com/office/drawing/2014/main" id="{22F61B2E-BCBC-32D9-1CFA-AAC0818DEF6A}"/>
+              </a:ext>
+            </a:extLst>
+          </p:cNvPr>
+          <p:cNvPicPr>
+            <a:picLocks noChangeAspect="1"/>
+          </p:cNvPicPr>
+          <p:nvPr/>
+        </p:nvPicPr>
+        <p:blipFill rotWithShape="1">
+          <a:blip r:embed="rId3">
+            <a:extLst>
+              <a:ext uri="{28A0092B-C50C-407E-A947-70E740481C1C}">
+                <a14:useLocalDpi xmlns:a14="http://schemas.microsoft.com/office/drawing/2010/main" val="0"/>
+              </a:ext>
+            </a:extLst>
+          </a:blip>
+          <a:srcRect l="38737" r="19484" b="6693"/>
+          <a:stretch/>
+        </p:blipFill>
+        <p:spPr>
+          <a:xfrm>
+            <a:off x="4671095" y="4438649"/>
+            <a:ext cx="4472906" cy="8818181"/>
           </a:xfrm>
           <a:prstGeom prst="rect">
             <a:avLst/>
@@ -8715,10 +9828,45 @@
       </p:pic>
       <p:pic>
         <p:nvPicPr>
-          <p:cNvPr id="10" name="Picture 9" descr="A picture containing text, diagram, screenshot, plot&#10;&#10;Description automatically generated">
+          <p:cNvPr id="24" name="Picture 23" descr="A chart of bacteria and viruses&#10;&#10;Description automatically generated">
             <a:extLst>
               <a:ext uri="{FF2B5EF4-FFF2-40B4-BE49-F238E27FC236}">
-                <a16:creationId xmlns:a16="http://schemas.microsoft.com/office/drawing/2014/main" id="{5F877A63-EC70-D916-8C2B-74C6B014F364}"/>
+                <a16:creationId xmlns:a16="http://schemas.microsoft.com/office/drawing/2014/main" id="{60D799C0-A1ED-918D-CC85-047A3B05FE30}"/>
+              </a:ext>
+            </a:extLst>
+          </p:cNvPr>
+          <p:cNvPicPr>
+            <a:picLocks noChangeAspect="1"/>
+          </p:cNvPicPr>
+          <p:nvPr/>
+        </p:nvPicPr>
+        <p:blipFill rotWithShape="1">
+          <a:blip r:embed="rId4">
+            <a:extLst>
+              <a:ext uri="{28A0092B-C50C-407E-A947-70E740481C1C}">
+                <a14:useLocalDpi xmlns:a14="http://schemas.microsoft.com/office/drawing/2010/main" val="0"/>
+              </a:ext>
+            </a:extLst>
+          </a:blip>
+          <a:srcRect r="93779" b="82987"/>
+          <a:stretch/>
+        </p:blipFill>
+        <p:spPr>
+          <a:xfrm rot="10800000">
+            <a:off x="14494910" y="4380836"/>
+            <a:ext cx="355600" cy="1620748"/>
+          </a:xfrm>
+          <a:prstGeom prst="rect">
+            <a:avLst/>
+          </a:prstGeom>
+        </p:spPr>
+      </p:pic>
+      <p:pic>
+        <p:nvPicPr>
+          <p:cNvPr id="8" name="Picture 7" descr="A chart of bacteria&#10;&#10;Description automatically generated">
+            <a:extLst>
+              <a:ext uri="{FF2B5EF4-FFF2-40B4-BE49-F238E27FC236}">
+                <a16:creationId xmlns:a16="http://schemas.microsoft.com/office/drawing/2014/main" id="{8677C790-EF51-9C47-C3A1-F2BC7445DD21}"/>
               </a:ext>
             </a:extLst>
           </p:cNvPr>
@@ -8735,13 +9883,78 @@
               </a:ext>
             </a:extLst>
           </a:blip>
-          <a:srcRect l="44862" t="49088" b="26135"/>
+          <a:srcRect l="6384"/>
           <a:stretch/>
         </p:blipFill>
         <p:spPr>
           <a:xfrm>
-            <a:off x="6260318" y="7715138"/>
-            <a:ext cx="2626290" cy="1888296"/>
+            <a:off x="9144000" y="4380835"/>
+            <a:ext cx="5350909" cy="9526329"/>
+          </a:xfrm>
+          <a:prstGeom prst="rect">
+            <a:avLst/>
+          </a:prstGeom>
+        </p:spPr>
+      </p:pic>
+    </p:spTree>
+    <p:extLst>
+      <p:ext uri="{BB962C8B-B14F-4D97-AF65-F5344CB8AC3E}">
+        <p14:creationId xmlns:p14="http://schemas.microsoft.com/office/powerpoint/2010/main" val="4025850494"/>
+      </p:ext>
+    </p:extLst>
+  </p:cSld>
+  <p:clrMapOvr>
+    <a:masterClrMapping/>
+  </p:clrMapOvr>
+</p:sld>
+</file>
+
+<file path=ppt/slides/slide14.xml><?xml version="1.0" encoding="utf-8"?>
+<p:sld xmlns:a="http://schemas.openxmlformats.org/drawingml/2006/main" xmlns:r="http://schemas.openxmlformats.org/officeDocument/2006/relationships" xmlns:p="http://schemas.openxmlformats.org/presentationml/2006/main">
+  <p:cSld>
+    <p:spTree>
+      <p:nvGrpSpPr>
+        <p:cNvPr id="1" name=""/>
+        <p:cNvGrpSpPr/>
+        <p:nvPr/>
+      </p:nvGrpSpPr>
+      <p:grpSpPr>
+        <a:xfrm>
+          <a:off x="0" y="0"/>
+          <a:ext cx="0" cy="0"/>
+          <a:chOff x="0" y="0"/>
+          <a:chExt cx="0" cy="0"/>
+        </a:xfrm>
+      </p:grpSpPr>
+      <p:pic>
+        <p:nvPicPr>
+          <p:cNvPr id="17" name="Picture 16" descr="A black background with a black square&#10;&#10;Description automatically generated">
+            <a:extLst>
+              <a:ext uri="{FF2B5EF4-FFF2-40B4-BE49-F238E27FC236}">
+                <a16:creationId xmlns:a16="http://schemas.microsoft.com/office/drawing/2014/main" id="{22F61B2E-BCBC-32D9-1CFA-AAC0818DEF6A}"/>
+              </a:ext>
+            </a:extLst>
+          </p:cNvPr>
+          <p:cNvPicPr>
+            <a:picLocks noChangeAspect="1"/>
+          </p:cNvPicPr>
+          <p:nvPr/>
+        </p:nvPicPr>
+        <p:blipFill rotWithShape="1">
+          <a:blip r:embed="rId3">
+            <a:extLst>
+              <a:ext uri="{28A0092B-C50C-407E-A947-70E740481C1C}">
+                <a14:useLocalDpi xmlns:a14="http://schemas.microsoft.com/office/drawing/2010/main" val="0"/>
+              </a:ext>
+            </a:extLst>
+          </a:blip>
+          <a:srcRect l="38737" r="19484" b="6693"/>
+          <a:stretch/>
+        </p:blipFill>
+        <p:spPr>
+          <a:xfrm>
+            <a:off x="4671095" y="4438649"/>
+            <a:ext cx="4472906" cy="8818181"/>
           </a:xfrm>
           <a:prstGeom prst="rect">
             <a:avLst/>
@@ -8750,10 +9963,45 @@
       </p:pic>
       <p:pic>
         <p:nvPicPr>
-          <p:cNvPr id="11" name="Picture 10" descr="A picture containing text, diagram, screenshot, plot&#10;&#10;Description automatically generated">
+          <p:cNvPr id="24" name="Picture 23" descr="A chart of bacteria and viruses&#10;&#10;Description automatically generated">
             <a:extLst>
               <a:ext uri="{FF2B5EF4-FFF2-40B4-BE49-F238E27FC236}">
-                <a16:creationId xmlns:a16="http://schemas.microsoft.com/office/drawing/2014/main" id="{1F5A82E0-FF26-1C74-0576-7A582FC88F42}"/>
+                <a16:creationId xmlns:a16="http://schemas.microsoft.com/office/drawing/2014/main" id="{60D799C0-A1ED-918D-CC85-047A3B05FE30}"/>
+              </a:ext>
+            </a:extLst>
+          </p:cNvPr>
+          <p:cNvPicPr>
+            <a:picLocks noChangeAspect="1"/>
+          </p:cNvPicPr>
+          <p:nvPr/>
+        </p:nvPicPr>
+        <p:blipFill rotWithShape="1">
+          <a:blip r:embed="rId4">
+            <a:extLst>
+              <a:ext uri="{28A0092B-C50C-407E-A947-70E740481C1C}">
+                <a14:useLocalDpi xmlns:a14="http://schemas.microsoft.com/office/drawing/2010/main" val="0"/>
+              </a:ext>
+            </a:extLst>
+          </a:blip>
+          <a:srcRect r="93779" b="82987"/>
+          <a:stretch/>
+        </p:blipFill>
+        <p:spPr>
+          <a:xfrm rot="10800000">
+            <a:off x="14494910" y="4380836"/>
+            <a:ext cx="355600" cy="1620748"/>
+          </a:xfrm>
+          <a:prstGeom prst="rect">
+            <a:avLst/>
+          </a:prstGeom>
+        </p:spPr>
+      </p:pic>
+      <p:pic>
+        <p:nvPicPr>
+          <p:cNvPr id="3" name="Picture 2" descr="A chart of different colored squares&#10;&#10;Description automatically generated">
+            <a:extLst>
+              <a:ext uri="{FF2B5EF4-FFF2-40B4-BE49-F238E27FC236}">
+                <a16:creationId xmlns:a16="http://schemas.microsoft.com/office/drawing/2014/main" id="{7DED44FE-44D9-F3E4-DD9C-E594EC4F64AE}"/>
               </a:ext>
             </a:extLst>
           </p:cNvPr>
@@ -8770,140 +10018,23 @@
               </a:ext>
             </a:extLst>
           </a:blip>
-          <a:srcRect l="44862" t="90904"/>
+          <a:srcRect l="6384"/>
           <a:stretch/>
         </p:blipFill>
         <p:spPr>
           <a:xfrm>
-            <a:off x="6260318" y="9644098"/>
-            <a:ext cx="2626290" cy="693214"/>
+            <a:off x="9144000" y="4380836"/>
+            <a:ext cx="5350910" cy="9526329"/>
           </a:xfrm>
           <a:prstGeom prst="rect">
             <a:avLst/>
           </a:prstGeom>
         </p:spPr>
       </p:pic>
-      <p:sp>
-        <p:nvSpPr>
-          <p:cNvPr id="12" name="TextBox 11">
-            <a:extLst>
-              <a:ext uri="{FF2B5EF4-FFF2-40B4-BE49-F238E27FC236}">
-                <a16:creationId xmlns:a16="http://schemas.microsoft.com/office/drawing/2014/main" id="{3FAD5785-2EBE-157C-4958-55580125D829}"/>
-              </a:ext>
-            </a:extLst>
-          </p:cNvPr>
-          <p:cNvSpPr txBox="1"/>
-          <p:nvPr/>
-        </p:nvSpPr>
-        <p:spPr>
-          <a:xfrm>
-            <a:off x="5844628" y="5250918"/>
-            <a:ext cx="570122" cy="461665"/>
-          </a:xfrm>
-          <a:prstGeom prst="rect">
-            <a:avLst/>
-          </a:prstGeom>
-          <a:noFill/>
-        </p:spPr>
-        <p:txBody>
-          <a:bodyPr wrap="square" rtlCol="0">
-            <a:spAutoFit/>
-          </a:bodyPr>
-          <a:lstStyle/>
-          <a:p>
-            <a:r>
-              <a:rPr lang="en-US" sz="2400" b="1" dirty="0">
-                <a:latin typeface="Arial" panose="020B0604020202020204" pitchFamily="34" charset="0"/>
-                <a:ea typeface="Yu Gothic" panose="020B0400000000000000" pitchFamily="34" charset="-128"/>
-                <a:cs typeface="Arial" panose="020B0604020202020204" pitchFamily="34" charset="0"/>
-              </a:rPr>
-              <a:t>A</a:t>
-            </a:r>
-          </a:p>
-        </p:txBody>
-      </p:sp>
-      <p:sp>
-        <p:nvSpPr>
-          <p:cNvPr id="13" name="TextBox 12">
-            <a:extLst>
-              <a:ext uri="{FF2B5EF4-FFF2-40B4-BE49-F238E27FC236}">
-                <a16:creationId xmlns:a16="http://schemas.microsoft.com/office/drawing/2014/main" id="{88B18BE0-5F6B-4C31-2D55-F550CE61E7FB}"/>
-              </a:ext>
-            </a:extLst>
-          </p:cNvPr>
-          <p:cNvSpPr txBox="1"/>
-          <p:nvPr/>
-        </p:nvSpPr>
-        <p:spPr>
-          <a:xfrm>
-            <a:off x="5844628" y="7437587"/>
-            <a:ext cx="570122" cy="461665"/>
-          </a:xfrm>
-          <a:prstGeom prst="rect">
-            <a:avLst/>
-          </a:prstGeom>
-          <a:noFill/>
-        </p:spPr>
-        <p:txBody>
-          <a:bodyPr wrap="square" rtlCol="0">
-            <a:spAutoFit/>
-          </a:bodyPr>
-          <a:lstStyle/>
-          <a:p>
-            <a:r>
-              <a:rPr lang="en-US" sz="2400" b="1" dirty="0">
-                <a:latin typeface="Arial" panose="020B0604020202020204" pitchFamily="34" charset="0"/>
-                <a:ea typeface="Yu Gothic" panose="020B0400000000000000" pitchFamily="34" charset="-128"/>
-                <a:cs typeface="Arial" panose="020B0604020202020204" pitchFamily="34" charset="0"/>
-              </a:rPr>
-              <a:t>B</a:t>
-            </a:r>
-          </a:p>
-        </p:txBody>
-      </p:sp>
-      <p:sp>
-        <p:nvSpPr>
-          <p:cNvPr id="14" name="TextBox 13">
-            <a:extLst>
-              <a:ext uri="{FF2B5EF4-FFF2-40B4-BE49-F238E27FC236}">
-                <a16:creationId xmlns:a16="http://schemas.microsoft.com/office/drawing/2014/main" id="{2CADF09D-57B3-ACE1-9674-1B704060D8DF}"/>
-              </a:ext>
-            </a:extLst>
-          </p:cNvPr>
-          <p:cNvSpPr txBox="1"/>
-          <p:nvPr/>
-        </p:nvSpPr>
-        <p:spPr>
-          <a:xfrm>
-            <a:off x="9401391" y="4445000"/>
-            <a:ext cx="570122" cy="461665"/>
-          </a:xfrm>
-          <a:prstGeom prst="rect">
-            <a:avLst/>
-          </a:prstGeom>
-          <a:noFill/>
-        </p:spPr>
-        <p:txBody>
-          <a:bodyPr wrap="square" rtlCol="0">
-            <a:spAutoFit/>
-          </a:bodyPr>
-          <a:lstStyle/>
-          <a:p>
-            <a:r>
-              <a:rPr lang="en-US" sz="2400" b="1" dirty="0">
-                <a:latin typeface="Arial" panose="020B0604020202020204" pitchFamily="34" charset="0"/>
-                <a:ea typeface="Yu Gothic" panose="020B0400000000000000" pitchFamily="34" charset="-128"/>
-                <a:cs typeface="Arial" panose="020B0604020202020204" pitchFamily="34" charset="0"/>
-              </a:rPr>
-              <a:t>C</a:t>
-            </a:r>
-          </a:p>
-        </p:txBody>
-      </p:sp>
     </p:spTree>
     <p:extLst>
       <p:ext uri="{BB962C8B-B14F-4D97-AF65-F5344CB8AC3E}">
-        <p14:creationId xmlns:p14="http://schemas.microsoft.com/office/powerpoint/2010/main" val="652272095"/>
+        <p14:creationId xmlns:p14="http://schemas.microsoft.com/office/powerpoint/2010/main" val="1679589188"/>
       </p:ext>
     </p:extLst>
   </p:cSld>
@@ -8913,7 +10044,277 @@
 </p:sld>
 </file>
 
-<file path=ppt/slides/slide12.xml><?xml version="1.0" encoding="utf-8"?>
+<file path=ppt/slides/slide15.xml><?xml version="1.0" encoding="utf-8"?>
+<p:sld xmlns:a="http://schemas.openxmlformats.org/drawingml/2006/main" xmlns:r="http://schemas.openxmlformats.org/officeDocument/2006/relationships" xmlns:p="http://schemas.openxmlformats.org/presentationml/2006/main">
+  <p:cSld>
+    <p:spTree>
+      <p:nvGrpSpPr>
+        <p:cNvPr id="1" name=""/>
+        <p:cNvGrpSpPr/>
+        <p:nvPr/>
+      </p:nvGrpSpPr>
+      <p:grpSpPr>
+        <a:xfrm>
+          <a:off x="0" y="0"/>
+          <a:ext cx="0" cy="0"/>
+          <a:chOff x="0" y="0"/>
+          <a:chExt cx="0" cy="0"/>
+        </a:xfrm>
+      </p:grpSpPr>
+      <p:pic>
+        <p:nvPicPr>
+          <p:cNvPr id="17" name="Picture 16" descr="A black background with a black square&#10;&#10;Description automatically generated">
+            <a:extLst>
+              <a:ext uri="{FF2B5EF4-FFF2-40B4-BE49-F238E27FC236}">
+                <a16:creationId xmlns:a16="http://schemas.microsoft.com/office/drawing/2014/main" id="{22F61B2E-BCBC-32D9-1CFA-AAC0818DEF6A}"/>
+              </a:ext>
+            </a:extLst>
+          </p:cNvPr>
+          <p:cNvPicPr>
+            <a:picLocks noChangeAspect="1"/>
+          </p:cNvPicPr>
+          <p:nvPr/>
+        </p:nvPicPr>
+        <p:blipFill rotWithShape="1">
+          <a:blip r:embed="rId3">
+            <a:extLst>
+              <a:ext uri="{28A0092B-C50C-407E-A947-70E740481C1C}">
+                <a14:useLocalDpi xmlns:a14="http://schemas.microsoft.com/office/drawing/2010/main" val="0"/>
+              </a:ext>
+            </a:extLst>
+          </a:blip>
+          <a:srcRect l="38737" r="19484" b="6693"/>
+          <a:stretch/>
+        </p:blipFill>
+        <p:spPr>
+          <a:xfrm>
+            <a:off x="4690145" y="4483099"/>
+            <a:ext cx="4472906" cy="8737601"/>
+          </a:xfrm>
+          <a:prstGeom prst="rect">
+            <a:avLst/>
+          </a:prstGeom>
+        </p:spPr>
+      </p:pic>
+      <p:pic>
+        <p:nvPicPr>
+          <p:cNvPr id="24" name="Picture 23" descr="A chart of bacteria and viruses&#10;&#10;Description automatically generated">
+            <a:extLst>
+              <a:ext uri="{FF2B5EF4-FFF2-40B4-BE49-F238E27FC236}">
+                <a16:creationId xmlns:a16="http://schemas.microsoft.com/office/drawing/2014/main" id="{60D799C0-A1ED-918D-CC85-047A3B05FE30}"/>
+              </a:ext>
+            </a:extLst>
+          </p:cNvPr>
+          <p:cNvPicPr>
+            <a:picLocks noChangeAspect="1"/>
+          </p:cNvPicPr>
+          <p:nvPr/>
+        </p:nvPicPr>
+        <p:blipFill rotWithShape="1">
+          <a:blip r:embed="rId4">
+            <a:extLst>
+              <a:ext uri="{28A0092B-C50C-407E-A947-70E740481C1C}">
+                <a14:useLocalDpi xmlns:a14="http://schemas.microsoft.com/office/drawing/2010/main" val="0"/>
+              </a:ext>
+            </a:extLst>
+          </a:blip>
+          <a:srcRect r="93779" b="82987"/>
+          <a:stretch/>
+        </p:blipFill>
+        <p:spPr>
+          <a:xfrm rot="10800000">
+            <a:off x="14494910" y="4380836"/>
+            <a:ext cx="355600" cy="1620748"/>
+          </a:xfrm>
+          <a:prstGeom prst="rect">
+            <a:avLst/>
+          </a:prstGeom>
+        </p:spPr>
+      </p:pic>
+      <p:pic>
+        <p:nvPicPr>
+          <p:cNvPr id="4" name="Picture 3" descr="A screen shot of a chart&#10;&#10;Description automatically generated">
+            <a:extLst>
+              <a:ext uri="{FF2B5EF4-FFF2-40B4-BE49-F238E27FC236}">
+                <a16:creationId xmlns:a16="http://schemas.microsoft.com/office/drawing/2014/main" id="{CEF3C1FD-1090-FD8F-786B-19B3D08F51F6}"/>
+              </a:ext>
+            </a:extLst>
+          </p:cNvPr>
+          <p:cNvPicPr>
+            <a:picLocks noChangeAspect="1"/>
+          </p:cNvPicPr>
+          <p:nvPr/>
+        </p:nvPicPr>
+        <p:blipFill rotWithShape="1">
+          <a:blip r:embed="rId5">
+            <a:extLst>
+              <a:ext uri="{28A0092B-C50C-407E-A947-70E740481C1C}">
+                <a14:useLocalDpi xmlns:a14="http://schemas.microsoft.com/office/drawing/2010/main" val="0"/>
+              </a:ext>
+            </a:extLst>
+          </a:blip>
+          <a:srcRect l="6384"/>
+          <a:stretch/>
+        </p:blipFill>
+        <p:spPr>
+          <a:xfrm>
+            <a:off x="9144000" y="4323022"/>
+            <a:ext cx="5350910" cy="9526329"/>
+          </a:xfrm>
+          <a:prstGeom prst="rect">
+            <a:avLst/>
+          </a:prstGeom>
+        </p:spPr>
+      </p:pic>
+    </p:spTree>
+    <p:extLst>
+      <p:ext uri="{BB962C8B-B14F-4D97-AF65-F5344CB8AC3E}">
+        <p14:creationId xmlns:p14="http://schemas.microsoft.com/office/powerpoint/2010/main" val="1330139619"/>
+      </p:ext>
+    </p:extLst>
+  </p:cSld>
+  <p:clrMapOvr>
+    <a:masterClrMapping/>
+  </p:clrMapOvr>
+</p:sld>
+</file>
+
+<file path=ppt/slides/slide16.xml><?xml version="1.0" encoding="utf-8"?>
+<p:sld xmlns:a="http://schemas.openxmlformats.org/drawingml/2006/main" xmlns:r="http://schemas.openxmlformats.org/officeDocument/2006/relationships" xmlns:p="http://schemas.openxmlformats.org/presentationml/2006/main">
+  <p:cSld>
+    <p:spTree>
+      <p:nvGrpSpPr>
+        <p:cNvPr id="1" name=""/>
+        <p:cNvGrpSpPr/>
+        <p:nvPr/>
+      </p:nvGrpSpPr>
+      <p:grpSpPr>
+        <a:xfrm>
+          <a:off x="0" y="0"/>
+          <a:ext cx="0" cy="0"/>
+          <a:chOff x="0" y="0"/>
+          <a:chExt cx="0" cy="0"/>
+        </a:xfrm>
+      </p:grpSpPr>
+      <p:pic>
+        <p:nvPicPr>
+          <p:cNvPr id="17" name="Picture 16" descr="A black background with a black square&#10;&#10;Description automatically generated">
+            <a:extLst>
+              <a:ext uri="{FF2B5EF4-FFF2-40B4-BE49-F238E27FC236}">
+                <a16:creationId xmlns:a16="http://schemas.microsoft.com/office/drawing/2014/main" id="{22F61B2E-BCBC-32D9-1CFA-AAC0818DEF6A}"/>
+              </a:ext>
+            </a:extLst>
+          </p:cNvPr>
+          <p:cNvPicPr>
+            <a:picLocks noChangeAspect="1"/>
+          </p:cNvPicPr>
+          <p:nvPr/>
+        </p:nvPicPr>
+        <p:blipFill rotWithShape="1">
+          <a:blip r:embed="rId3">
+            <a:extLst>
+              <a:ext uri="{28A0092B-C50C-407E-A947-70E740481C1C}">
+                <a14:useLocalDpi xmlns:a14="http://schemas.microsoft.com/office/drawing/2010/main" val="0"/>
+              </a:ext>
+            </a:extLst>
+          </a:blip>
+          <a:srcRect l="38737" r="19484" b="6693"/>
+          <a:stretch/>
+        </p:blipFill>
+        <p:spPr>
+          <a:xfrm>
+            <a:off x="4690145" y="4444999"/>
+            <a:ext cx="4472906" cy="8826501"/>
+          </a:xfrm>
+          <a:prstGeom prst="rect">
+            <a:avLst/>
+          </a:prstGeom>
+        </p:spPr>
+      </p:pic>
+      <p:pic>
+        <p:nvPicPr>
+          <p:cNvPr id="24" name="Picture 23" descr="A chart of bacteria and viruses&#10;&#10;Description automatically generated">
+            <a:extLst>
+              <a:ext uri="{FF2B5EF4-FFF2-40B4-BE49-F238E27FC236}">
+                <a16:creationId xmlns:a16="http://schemas.microsoft.com/office/drawing/2014/main" id="{60D799C0-A1ED-918D-CC85-047A3B05FE30}"/>
+              </a:ext>
+            </a:extLst>
+          </p:cNvPr>
+          <p:cNvPicPr>
+            <a:picLocks noChangeAspect="1"/>
+          </p:cNvPicPr>
+          <p:nvPr/>
+        </p:nvPicPr>
+        <p:blipFill rotWithShape="1">
+          <a:blip r:embed="rId4">
+            <a:extLst>
+              <a:ext uri="{28A0092B-C50C-407E-A947-70E740481C1C}">
+                <a14:useLocalDpi xmlns:a14="http://schemas.microsoft.com/office/drawing/2010/main" val="0"/>
+              </a:ext>
+            </a:extLst>
+          </a:blip>
+          <a:srcRect r="93779" b="82987"/>
+          <a:stretch/>
+        </p:blipFill>
+        <p:spPr>
+          <a:xfrm rot="10800000">
+            <a:off x="14494910" y="4380836"/>
+            <a:ext cx="355600" cy="1620748"/>
+          </a:xfrm>
+          <a:prstGeom prst="rect">
+            <a:avLst/>
+          </a:prstGeom>
+        </p:spPr>
+      </p:pic>
+      <p:pic>
+        <p:nvPicPr>
+          <p:cNvPr id="3" name="Picture 2" descr="A screenshot of a computer screen&#10;&#10;Description automatically generated">
+            <a:extLst>
+              <a:ext uri="{FF2B5EF4-FFF2-40B4-BE49-F238E27FC236}">
+                <a16:creationId xmlns:a16="http://schemas.microsoft.com/office/drawing/2014/main" id="{D4E7424C-B1F0-D4C7-8DED-256E0E9CF609}"/>
+              </a:ext>
+            </a:extLst>
+          </p:cNvPr>
+          <p:cNvPicPr>
+            <a:picLocks noChangeAspect="1"/>
+          </p:cNvPicPr>
+          <p:nvPr/>
+        </p:nvPicPr>
+        <p:blipFill rotWithShape="1">
+          <a:blip r:embed="rId5">
+            <a:extLst>
+              <a:ext uri="{28A0092B-C50C-407E-A947-70E740481C1C}">
+                <a14:useLocalDpi xmlns:a14="http://schemas.microsoft.com/office/drawing/2010/main" val="0"/>
+              </a:ext>
+            </a:extLst>
+          </a:blip>
+          <a:srcRect l="6384"/>
+          <a:stretch/>
+        </p:blipFill>
+        <p:spPr>
+          <a:xfrm>
+            <a:off x="9144000" y="4380835"/>
+            <a:ext cx="5350910" cy="9526329"/>
+          </a:xfrm>
+          <a:prstGeom prst="rect">
+            <a:avLst/>
+          </a:prstGeom>
+        </p:spPr>
+      </p:pic>
+    </p:spTree>
+    <p:extLst>
+      <p:ext uri="{BB962C8B-B14F-4D97-AF65-F5344CB8AC3E}">
+        <p14:creationId xmlns:p14="http://schemas.microsoft.com/office/powerpoint/2010/main" val="777357300"/>
+      </p:ext>
+    </p:extLst>
+  </p:cSld>
+  <p:clrMapOvr>
+    <a:masterClrMapping/>
+  </p:clrMapOvr>
+</p:sld>
+</file>
+
+<file path=ppt/slides/slide17.xml><?xml version="1.0" encoding="utf-8"?>
 <p:sld xmlns:a="http://schemas.openxmlformats.org/drawingml/2006/main" xmlns:r="http://schemas.openxmlformats.org/officeDocument/2006/relationships" xmlns:p="http://schemas.openxmlformats.org/presentationml/2006/main">
   <p:cSld>
     <p:spTree>
@@ -9116,6 +10517,206 @@
     <p:extLst>
       <p:ext uri="{BB962C8B-B14F-4D97-AF65-F5344CB8AC3E}">
         <p14:creationId xmlns:p14="http://schemas.microsoft.com/office/powerpoint/2010/main" val="3765396124"/>
+      </p:ext>
+    </p:extLst>
+  </p:cSld>
+  <p:clrMapOvr>
+    <a:masterClrMapping/>
+  </p:clrMapOvr>
+</p:sld>
+</file>
+
+<file path=ppt/slides/slide18.xml><?xml version="1.0" encoding="utf-8"?>
+<p:sld xmlns:a="http://schemas.openxmlformats.org/drawingml/2006/main" xmlns:r="http://schemas.openxmlformats.org/officeDocument/2006/relationships" xmlns:p="http://schemas.openxmlformats.org/presentationml/2006/main">
+  <p:cSld>
+    <p:spTree>
+      <p:nvGrpSpPr>
+        <p:cNvPr id="1" name=""/>
+        <p:cNvGrpSpPr/>
+        <p:nvPr/>
+      </p:nvGrpSpPr>
+      <p:grpSpPr>
+        <a:xfrm>
+          <a:off x="0" y="0"/>
+          <a:ext cx="0" cy="0"/>
+          <a:chOff x="0" y="0"/>
+          <a:chExt cx="0" cy="0"/>
+        </a:xfrm>
+      </p:grpSpPr>
+      <p:pic>
+        <p:nvPicPr>
+          <p:cNvPr id="8" name="Picture 7" descr="A black background with a black square&#10;&#10;Description automatically generated">
+            <a:extLst>
+              <a:ext uri="{FF2B5EF4-FFF2-40B4-BE49-F238E27FC236}">
+                <a16:creationId xmlns:a16="http://schemas.microsoft.com/office/drawing/2014/main" id="{FCCB2D35-7979-88D1-3762-2C4970F8AB04}"/>
+              </a:ext>
+            </a:extLst>
+          </p:cNvPr>
+          <p:cNvPicPr>
+            <a:picLocks noChangeAspect="1"/>
+          </p:cNvPicPr>
+          <p:nvPr/>
+        </p:nvPicPr>
+        <p:blipFill rotWithShape="1">
+          <a:blip r:embed="rId2">
+            <a:extLst>
+              <a:ext uri="{28A0092B-C50C-407E-A947-70E740481C1C}">
+                <a14:useLocalDpi xmlns:a14="http://schemas.microsoft.com/office/drawing/2010/main" val="0"/>
+              </a:ext>
+            </a:extLst>
+          </a:blip>
+          <a:srcRect l="38737" r="19484" b="6693"/>
+          <a:stretch/>
+        </p:blipFill>
+        <p:spPr>
+          <a:xfrm>
+            <a:off x="3947347" y="3797300"/>
+            <a:ext cx="4472906" cy="8774372"/>
+          </a:xfrm>
+          <a:prstGeom prst="rect">
+            <a:avLst/>
+          </a:prstGeom>
+        </p:spPr>
+      </p:pic>
+      <p:pic>
+        <p:nvPicPr>
+          <p:cNvPr id="10" name="Picture 9" descr="A screen shot of a graph&#10;&#10;Description automatically generated">
+            <a:extLst>
+              <a:ext uri="{FF2B5EF4-FFF2-40B4-BE49-F238E27FC236}">
+                <a16:creationId xmlns:a16="http://schemas.microsoft.com/office/drawing/2014/main" id="{D2B13C56-66BE-C26A-3298-0A5464FB309B}"/>
+              </a:ext>
+            </a:extLst>
+          </p:cNvPr>
+          <p:cNvPicPr>
+            <a:picLocks noChangeAspect="1"/>
+          </p:cNvPicPr>
+          <p:nvPr/>
+        </p:nvPicPr>
+        <p:blipFill rotWithShape="1">
+          <a:blip r:embed="rId3">
+            <a:extLst>
+              <a:ext uri="{28A0092B-C50C-407E-A947-70E740481C1C}">
+                <a14:useLocalDpi xmlns:a14="http://schemas.microsoft.com/office/drawing/2010/main" val="0"/>
+              </a:ext>
+            </a:extLst>
+          </a:blip>
+          <a:srcRect l="3553"/>
+          <a:stretch/>
+        </p:blipFill>
+        <p:spPr>
+          <a:xfrm>
+            <a:off x="8420253" y="3746500"/>
+            <a:ext cx="5512751" cy="9526329"/>
+          </a:xfrm>
+          <a:prstGeom prst="rect">
+            <a:avLst/>
+          </a:prstGeom>
+        </p:spPr>
+      </p:pic>
+    </p:spTree>
+    <p:extLst>
+      <p:ext uri="{BB962C8B-B14F-4D97-AF65-F5344CB8AC3E}">
+        <p14:creationId xmlns:p14="http://schemas.microsoft.com/office/powerpoint/2010/main" val="2611612387"/>
+      </p:ext>
+    </p:extLst>
+  </p:cSld>
+  <p:clrMapOvr>
+    <a:masterClrMapping/>
+  </p:clrMapOvr>
+</p:sld>
+</file>
+
+<file path=ppt/slides/slide19.xml><?xml version="1.0" encoding="utf-8"?>
+<p:sld xmlns:a="http://schemas.openxmlformats.org/drawingml/2006/main" xmlns:r="http://schemas.openxmlformats.org/officeDocument/2006/relationships" xmlns:p="http://schemas.openxmlformats.org/presentationml/2006/main">
+  <p:cSld>
+    <p:spTree>
+      <p:nvGrpSpPr>
+        <p:cNvPr id="1" name=""/>
+        <p:cNvGrpSpPr/>
+        <p:nvPr/>
+      </p:nvGrpSpPr>
+      <p:grpSpPr>
+        <a:xfrm>
+          <a:off x="0" y="0"/>
+          <a:ext cx="0" cy="0"/>
+          <a:chOff x="0" y="0"/>
+          <a:chExt cx="0" cy="0"/>
+        </a:xfrm>
+      </p:grpSpPr>
+      <p:pic>
+        <p:nvPicPr>
+          <p:cNvPr id="8" name="Picture 7" descr="A black background with a black square&#10;&#10;Description automatically generated">
+            <a:extLst>
+              <a:ext uri="{FF2B5EF4-FFF2-40B4-BE49-F238E27FC236}">
+                <a16:creationId xmlns:a16="http://schemas.microsoft.com/office/drawing/2014/main" id="{FCCB2D35-7979-88D1-3762-2C4970F8AB04}"/>
+              </a:ext>
+            </a:extLst>
+          </p:cNvPr>
+          <p:cNvPicPr>
+            <a:picLocks noChangeAspect="1"/>
+          </p:cNvPicPr>
+          <p:nvPr/>
+        </p:nvPicPr>
+        <p:blipFill rotWithShape="1">
+          <a:blip r:embed="rId2">
+            <a:extLst>
+              <a:ext uri="{28A0092B-C50C-407E-A947-70E740481C1C}">
+                <a14:useLocalDpi xmlns:a14="http://schemas.microsoft.com/office/drawing/2010/main" val="0"/>
+              </a:ext>
+            </a:extLst>
+          </a:blip>
+          <a:srcRect l="38737" r="19484" b="6693"/>
+          <a:stretch/>
+        </p:blipFill>
+        <p:spPr>
+          <a:xfrm>
+            <a:off x="3947347" y="3797300"/>
+            <a:ext cx="4472906" cy="8774372"/>
+          </a:xfrm>
+          <a:prstGeom prst="rect">
+            <a:avLst/>
+          </a:prstGeom>
+        </p:spPr>
+      </p:pic>
+      <p:pic>
+        <p:nvPicPr>
+          <p:cNvPr id="3" name="Picture 2" descr="A screenshot of a graph&#10;&#10;Description automatically generated">
+            <a:extLst>
+              <a:ext uri="{FF2B5EF4-FFF2-40B4-BE49-F238E27FC236}">
+                <a16:creationId xmlns:a16="http://schemas.microsoft.com/office/drawing/2014/main" id="{2B940F56-2590-47EF-FBC2-7D8985B1FE57}"/>
+              </a:ext>
+            </a:extLst>
+          </p:cNvPr>
+          <p:cNvPicPr>
+            <a:picLocks noChangeAspect="1"/>
+          </p:cNvPicPr>
+          <p:nvPr/>
+        </p:nvPicPr>
+        <p:blipFill rotWithShape="1">
+          <a:blip r:embed="rId3">
+            <a:extLst>
+              <a:ext uri="{28A0092B-C50C-407E-A947-70E740481C1C}">
+                <a14:useLocalDpi xmlns:a14="http://schemas.microsoft.com/office/drawing/2010/main" val="0"/>
+              </a:ext>
+            </a:extLst>
+          </a:blip>
+          <a:srcRect l="3528"/>
+          <a:stretch/>
+        </p:blipFill>
+        <p:spPr>
+          <a:xfrm>
+            <a:off x="8369299" y="3733800"/>
+            <a:ext cx="5514153" cy="9526329"/>
+          </a:xfrm>
+          <a:prstGeom prst="rect">
+            <a:avLst/>
+          </a:prstGeom>
+        </p:spPr>
+      </p:pic>
+    </p:spTree>
+    <p:extLst>
+      <p:ext uri="{BB962C8B-B14F-4D97-AF65-F5344CB8AC3E}">
+        <p14:creationId xmlns:p14="http://schemas.microsoft.com/office/powerpoint/2010/main" val="3570557347"/>
       </p:ext>
     </p:extLst>
   </p:cSld>

--- a/Summary/figures.pptx
+++ b/Summary/figures.pptx
@@ -2,10 +2,10 @@
 <file path=ppt/presentation.xml><?xml version="1.0" encoding="utf-8"?>
 <p:presentation xmlns:a="http://schemas.openxmlformats.org/drawingml/2006/main" xmlns:r="http://schemas.openxmlformats.org/officeDocument/2006/relationships" xmlns:p="http://schemas.openxmlformats.org/presentationml/2006/main" saveSubsetFonts="1">
   <p:sldMasterIdLst>
-    <p:sldMasterId id="2147483660" r:id="rId1"/>
+    <p:sldMasterId id="2147483672" r:id="rId1"/>
   </p:sldMasterIdLst>
   <p:notesMasterIdLst>
-    <p:notesMasterId r:id="rId21"/>
+    <p:notesMasterId r:id="rId23"/>
   </p:notesMasterIdLst>
   <p:sldIdLst>
     <p:sldId id="420" r:id="rId2"/>
@@ -27,8 +27,10 @@
     <p:sldId id="429" r:id="rId18"/>
     <p:sldId id="435" r:id="rId19"/>
     <p:sldId id="436" r:id="rId20"/>
+    <p:sldId id="438" r:id="rId21"/>
+    <p:sldId id="439" r:id="rId22"/>
   </p:sldIdLst>
-  <p:sldSz cx="18288000" cy="18288000"/>
+  <p:sldSz cx="22860000" cy="22860000"/>
   <p:notesSz cx="6858000" cy="9144000"/>
   <p:defaultTextStyle>
     <a:defPPr>
@@ -136,7 +138,7 @@
 <file path=ppt/revisionInfo.xml><?xml version="1.0" encoding="utf-8"?>
 <p1510:revInfo xmlns:a="http://schemas.openxmlformats.org/drawingml/2006/main" xmlns:r="http://schemas.openxmlformats.org/officeDocument/2006/relationships" xmlns:p1510="http://schemas.microsoft.com/office/powerpoint/2015/10/main">
   <p1510:revLst>
-    <p1510:client id="{833092D5-9927-4807-BE3E-672C10A7E002}" v="164" dt="2023-07-28T01:02:10.652"/>
+    <p1510:client id="{833092D5-9927-4807-BE3E-672C10A7E002}" v="199" dt="2023-08-03T17:36:33.007"/>
   </p1510:revLst>
 </p1510:revInfo>
 </file>
@@ -186,7 +188,7 @@
   <pc:docChgLst>
     <pc:chgData name="Jonathan Mah" userId="5261b2f2f3e51194" providerId="LiveId" clId="{833092D5-9927-4807-BE3E-672C10A7E002}"/>
     <pc:docChg chg="undo redo custSel addSld delSld modSld sldOrd">
-      <pc:chgData name="Jonathan Mah" userId="5261b2f2f3e51194" providerId="LiveId" clId="{833092D5-9927-4807-BE3E-672C10A7E002}" dt="2023-07-28T01:02:43.801" v="2596" actId="1038"/>
+      <pc:chgData name="Jonathan Mah" userId="5261b2f2f3e51194" providerId="LiveId" clId="{833092D5-9927-4807-BE3E-672C10A7E002}" dt="2023-08-03T17:37:26.767" v="2945" actId="1076"/>
       <pc:docMkLst>
         <pc:docMk/>
       </pc:docMkLst>
@@ -4561,7 +4563,7 @@
         </pc:sldMkLst>
       </pc:sldChg>
       <pc:sldChg chg="addSp delSp modSp add mod modNotesTx">
-        <pc:chgData name="Jonathan Mah" userId="5261b2f2f3e51194" providerId="LiveId" clId="{833092D5-9927-4807-BE3E-672C10A7E002}" dt="2023-07-27T21:53:00.232" v="2487" actId="1076"/>
+        <pc:chgData name="Jonathan Mah" userId="5261b2f2f3e51194" providerId="LiveId" clId="{833092D5-9927-4807-BE3E-672C10A7E002}" dt="2023-08-03T17:37:26.767" v="2945" actId="1076"/>
         <pc:sldMkLst>
           <pc:docMk/>
           <pc:sldMk cId="652272095" sldId="426"/>
@@ -4596,6 +4598,14 @@
             <pc:docMk/>
             <pc:sldMk cId="652272095" sldId="426"/>
             <ac:picMk id="3" creationId="{1C88653A-C506-B445-4F6E-1CD84D2FD5F3}"/>
+          </ac:picMkLst>
+        </pc:picChg>
+        <pc:picChg chg="add del mod modCrop">
+          <ac:chgData name="Jonathan Mah" userId="5261b2f2f3e51194" providerId="LiveId" clId="{833092D5-9927-4807-BE3E-672C10A7E002}" dt="2023-08-03T17:35:43.603" v="2919" actId="478"/>
+          <ac:picMkLst>
+            <pc:docMk/>
+            <pc:sldMk cId="652272095" sldId="426"/>
+            <ac:picMk id="3" creationId="{812DE29E-8B41-317D-9AE3-5F1A1BD79477}"/>
           </ac:picMkLst>
         </pc:picChg>
         <pc:picChg chg="add del mod modCrop">
@@ -4614,6 +4624,14 @@
             <ac:picMk id="5" creationId="{4E164DF8-57D8-0F85-F258-8A91CE9899F8}"/>
           </ac:picMkLst>
         </pc:picChg>
+        <pc:picChg chg="add mod modCrop">
+          <ac:chgData name="Jonathan Mah" userId="5261b2f2f3e51194" providerId="LiveId" clId="{833092D5-9927-4807-BE3E-672C10A7E002}" dt="2023-08-03T17:37:23.347" v="2944" actId="1037"/>
+          <ac:picMkLst>
+            <pc:docMk/>
+            <pc:sldMk cId="652272095" sldId="426"/>
+            <ac:picMk id="5" creationId="{943857E5-B1C2-CA97-73F6-11E965BEE7E3}"/>
+          </ac:picMkLst>
+        </pc:picChg>
         <pc:picChg chg="add del mod">
           <ac:chgData name="Jonathan Mah" userId="5261b2f2f3e51194" providerId="LiveId" clId="{833092D5-9927-4807-BE3E-672C10A7E002}" dt="2023-07-27T21:09:03.737" v="2310" actId="478"/>
           <ac:picMkLst>
@@ -4687,7 +4705,7 @@
           </ac:picMkLst>
         </pc:picChg>
         <pc:picChg chg="add mod modCrop">
-          <ac:chgData name="Jonathan Mah" userId="5261b2f2f3e51194" providerId="LiveId" clId="{833092D5-9927-4807-BE3E-672C10A7E002}" dt="2023-07-27T21:53:00.232" v="2487" actId="1076"/>
+          <ac:chgData name="Jonathan Mah" userId="5261b2f2f3e51194" providerId="LiveId" clId="{833092D5-9927-4807-BE3E-672C10A7E002}" dt="2023-08-03T17:37:23.347" v="2944" actId="1037"/>
           <ac:picMkLst>
             <pc:docMk/>
             <pc:sldMk cId="652272095" sldId="426"/>
@@ -4719,7 +4737,7 @@
           </ac:picMkLst>
         </pc:picChg>
         <pc:picChg chg="add mod modCrop">
-          <ac:chgData name="Jonathan Mah" userId="5261b2f2f3e51194" providerId="LiveId" clId="{833092D5-9927-4807-BE3E-672C10A7E002}" dt="2023-07-27T21:53:00.232" v="2487" actId="1076"/>
+          <ac:chgData name="Jonathan Mah" userId="5261b2f2f3e51194" providerId="LiveId" clId="{833092D5-9927-4807-BE3E-672C10A7E002}" dt="2023-08-03T17:37:26.767" v="2945" actId="1076"/>
           <ac:picMkLst>
             <pc:docMk/>
             <pc:sldMk cId="652272095" sldId="426"/>
@@ -4734,8 +4752,8 @@
             <ac:picMk id="26" creationId="{00085806-41EF-CE40-1996-BC8851F2709D}"/>
           </ac:picMkLst>
         </pc:picChg>
-        <pc:picChg chg="add mod modCrop">
-          <ac:chgData name="Jonathan Mah" userId="5261b2f2f3e51194" providerId="LiveId" clId="{833092D5-9927-4807-BE3E-672C10A7E002}" dt="2023-07-27T21:53:00.232" v="2487" actId="1076"/>
+        <pc:picChg chg="add del mod modCrop">
+          <ac:chgData name="Jonathan Mah" userId="5261b2f2f3e51194" providerId="LiveId" clId="{833092D5-9927-4807-BE3E-672C10A7E002}" dt="2023-08-03T00:39:21.749" v="2905" actId="478"/>
           <ac:picMkLst>
             <pc:docMk/>
             <pc:sldMk cId="652272095" sldId="426"/>
@@ -5224,7 +5242,7 @@
         </pc:picChg>
       </pc:sldChg>
       <pc:sldChg chg="addSp delSp modSp new mod">
-        <pc:chgData name="Jonathan Mah" userId="5261b2f2f3e51194" providerId="LiveId" clId="{833092D5-9927-4807-BE3E-672C10A7E002}" dt="2023-07-28T01:01:01.944" v="2586" actId="1035"/>
+        <pc:chgData name="Jonathan Mah" userId="5261b2f2f3e51194" providerId="LiveId" clId="{833092D5-9927-4807-BE3E-672C10A7E002}" dt="2023-08-02T18:29:48.414" v="2693" actId="732"/>
         <pc:sldMkLst>
           <pc:docMk/>
           <pc:sldMk cId="2611612387" sldId="435"/>
@@ -5245,6 +5263,22 @@
             <ac:spMk id="3" creationId="{66751890-D3B0-0661-A047-BF04CA8F23B5}"/>
           </ac:spMkLst>
         </pc:spChg>
+        <pc:picChg chg="add del mod modCrop">
+          <ac:chgData name="Jonathan Mah" userId="5261b2f2f3e51194" providerId="LiveId" clId="{833092D5-9927-4807-BE3E-672C10A7E002}" dt="2023-08-02T18:29:18.061" v="2689" actId="478"/>
+          <ac:picMkLst>
+            <pc:docMk/>
+            <pc:sldMk cId="2611612387" sldId="435"/>
+            <ac:picMk id="3" creationId="{B387FBBB-996C-08DF-C4A0-0F71FC6C39A3}"/>
+          </ac:picMkLst>
+        </pc:picChg>
+        <pc:picChg chg="add mod modCrop">
+          <ac:chgData name="Jonathan Mah" userId="5261b2f2f3e51194" providerId="LiveId" clId="{833092D5-9927-4807-BE3E-672C10A7E002}" dt="2023-08-02T18:29:48.414" v="2693" actId="732"/>
+          <ac:picMkLst>
+            <pc:docMk/>
+            <pc:sldMk cId="2611612387" sldId="435"/>
+            <ac:picMk id="5" creationId="{7B675086-53DC-1256-669D-AAD061F1A8DD}"/>
+          </ac:picMkLst>
+        </pc:picChg>
         <pc:picChg chg="add del mod modCrop">
           <ac:chgData name="Jonathan Mah" userId="5261b2f2f3e51194" providerId="LiveId" clId="{833092D5-9927-4807-BE3E-672C10A7E002}" dt="2023-07-28T00:58:11.189" v="2570" actId="478"/>
           <ac:picMkLst>
@@ -5269,8 +5303,8 @@
             <ac:picMk id="8" creationId="{FCCB2D35-7979-88D1-3762-2C4970F8AB04}"/>
           </ac:picMkLst>
         </pc:picChg>
-        <pc:picChg chg="add mod modCrop">
-          <ac:chgData name="Jonathan Mah" userId="5261b2f2f3e51194" providerId="LiveId" clId="{833092D5-9927-4807-BE3E-672C10A7E002}" dt="2023-07-28T01:01:01.944" v="2586" actId="1035"/>
+        <pc:picChg chg="add del mod modCrop">
+          <ac:chgData name="Jonathan Mah" userId="5261b2f2f3e51194" providerId="LiveId" clId="{833092D5-9927-4807-BE3E-672C10A7E002}" dt="2023-08-02T17:02:54.890" v="2600" actId="478"/>
           <ac:picMkLst>
             <pc:docMk/>
             <pc:sldMk cId="2611612387" sldId="435"/>
@@ -5279,17 +5313,41 @@
         </pc:picChg>
       </pc:sldChg>
       <pc:sldChg chg="addSp delSp modSp add mod">
-        <pc:chgData name="Jonathan Mah" userId="5261b2f2f3e51194" providerId="LiveId" clId="{833092D5-9927-4807-BE3E-672C10A7E002}" dt="2023-07-28T01:02:43.801" v="2596" actId="1038"/>
+        <pc:chgData name="Jonathan Mah" userId="5261b2f2f3e51194" providerId="LiveId" clId="{833092D5-9927-4807-BE3E-672C10A7E002}" dt="2023-08-02T17:13:28.440" v="2625" actId="14100"/>
         <pc:sldMkLst>
           <pc:docMk/>
           <pc:sldMk cId="3570557347" sldId="436"/>
         </pc:sldMkLst>
-        <pc:picChg chg="add mod modCrop">
-          <ac:chgData name="Jonathan Mah" userId="5261b2f2f3e51194" providerId="LiveId" clId="{833092D5-9927-4807-BE3E-672C10A7E002}" dt="2023-07-28T01:02:43.801" v="2596" actId="1038"/>
+        <pc:picChg chg="add del mod modCrop">
+          <ac:chgData name="Jonathan Mah" userId="5261b2f2f3e51194" providerId="LiveId" clId="{833092D5-9927-4807-BE3E-672C10A7E002}" dt="2023-08-02T17:01:08.294" v="2597" actId="478"/>
           <ac:picMkLst>
             <pc:docMk/>
             <pc:sldMk cId="3570557347" sldId="436"/>
             <ac:picMk id="3" creationId="{2B940F56-2590-47EF-FBC2-7D8985B1FE57}"/>
+          </ac:picMkLst>
+        </pc:picChg>
+        <pc:picChg chg="add del mod">
+          <ac:chgData name="Jonathan Mah" userId="5261b2f2f3e51194" providerId="LiveId" clId="{833092D5-9927-4807-BE3E-672C10A7E002}" dt="2023-08-02T17:03:33.199" v="2615" actId="478"/>
+          <ac:picMkLst>
+            <pc:docMk/>
+            <pc:sldMk cId="3570557347" sldId="436"/>
+            <ac:picMk id="4" creationId="{56EA890C-1E8E-F221-3A80-98101AE51B80}"/>
+          </ac:picMkLst>
+        </pc:picChg>
+        <pc:picChg chg="add mod modCrop">
+          <ac:chgData name="Jonathan Mah" userId="5261b2f2f3e51194" providerId="LiveId" clId="{833092D5-9927-4807-BE3E-672C10A7E002}" dt="2023-08-02T17:03:55.134" v="2624" actId="1036"/>
+          <ac:picMkLst>
+            <pc:docMk/>
+            <pc:sldMk cId="3570557347" sldId="436"/>
+            <ac:picMk id="6" creationId="{AB3539CA-2542-006D-3FC2-7BFE0A09881C}"/>
+          </ac:picMkLst>
+        </pc:picChg>
+        <pc:picChg chg="mod">
+          <ac:chgData name="Jonathan Mah" userId="5261b2f2f3e51194" providerId="LiveId" clId="{833092D5-9927-4807-BE3E-672C10A7E002}" dt="2023-08-02T17:13:28.440" v="2625" actId="14100"/>
+          <ac:picMkLst>
+            <pc:docMk/>
+            <pc:sldMk cId="3570557347" sldId="436"/>
+            <ac:picMk id="8" creationId="{FCCB2D35-7979-88D1-3762-2C4970F8AB04}"/>
           </ac:picMkLst>
         </pc:picChg>
         <pc:picChg chg="del">
@@ -5298,6 +5356,363 @@
             <pc:docMk/>
             <pc:sldMk cId="3570557347" sldId="436"/>
             <ac:picMk id="10" creationId="{D2B13C56-66BE-C26A-3298-0A5464FB309B}"/>
+          </ac:picMkLst>
+        </pc:picChg>
+      </pc:sldChg>
+      <pc:sldChg chg="addSp delSp modSp new del mod">
+        <pc:chgData name="Jonathan Mah" userId="5261b2f2f3e51194" providerId="LiveId" clId="{833092D5-9927-4807-BE3E-672C10A7E002}" dt="2023-08-02T18:31:35.433" v="2716" actId="47"/>
+        <pc:sldMkLst>
+          <pc:docMk/>
+          <pc:sldMk cId="1300350267" sldId="437"/>
+        </pc:sldMkLst>
+        <pc:spChg chg="del">
+          <ac:chgData name="Jonathan Mah" userId="5261b2f2f3e51194" providerId="LiveId" clId="{833092D5-9927-4807-BE3E-672C10A7E002}" dt="2023-08-02T18:05:42.963" v="2627" actId="478"/>
+          <ac:spMkLst>
+            <pc:docMk/>
+            <pc:sldMk cId="1300350267" sldId="437"/>
+            <ac:spMk id="2" creationId="{B7899F7D-8F73-9F28-A812-F497CCB06CA5}"/>
+          </ac:spMkLst>
+        </pc:spChg>
+        <pc:spChg chg="del">
+          <ac:chgData name="Jonathan Mah" userId="5261b2f2f3e51194" providerId="LiveId" clId="{833092D5-9927-4807-BE3E-672C10A7E002}" dt="2023-08-02T18:05:42.963" v="2627" actId="478"/>
+          <ac:spMkLst>
+            <pc:docMk/>
+            <pc:sldMk cId="1300350267" sldId="437"/>
+            <ac:spMk id="3" creationId="{FB739402-CF2D-713B-C9CA-7AF8FC0910E2}"/>
+          </ac:spMkLst>
+        </pc:spChg>
+        <pc:picChg chg="add del mod">
+          <ac:chgData name="Jonathan Mah" userId="5261b2f2f3e51194" providerId="LiveId" clId="{833092D5-9927-4807-BE3E-672C10A7E002}" dt="2023-08-02T18:05:57.062" v="2630" actId="478"/>
+          <ac:picMkLst>
+            <pc:docMk/>
+            <pc:sldMk cId="1300350267" sldId="437"/>
+            <ac:picMk id="5" creationId="{FE86C6DF-C541-D443-F1BF-E320B34B69F8}"/>
+          </ac:picMkLst>
+        </pc:picChg>
+        <pc:picChg chg="add del mod">
+          <ac:chgData name="Jonathan Mah" userId="5261b2f2f3e51194" providerId="LiveId" clId="{833092D5-9927-4807-BE3E-672C10A7E002}" dt="2023-08-02T18:08:30.936" v="2632" actId="478"/>
+          <ac:picMkLst>
+            <pc:docMk/>
+            <pc:sldMk cId="1300350267" sldId="437"/>
+            <ac:picMk id="7" creationId="{612D20AD-F4C5-88F1-CA6F-5A25ED1ECF8D}"/>
+          </ac:picMkLst>
+        </pc:picChg>
+        <pc:picChg chg="add del mod">
+          <ac:chgData name="Jonathan Mah" userId="5261b2f2f3e51194" providerId="LiveId" clId="{833092D5-9927-4807-BE3E-672C10A7E002}" dt="2023-08-02T18:13:58.796" v="2634" actId="478"/>
+          <ac:picMkLst>
+            <pc:docMk/>
+            <pc:sldMk cId="1300350267" sldId="437"/>
+            <ac:picMk id="9" creationId="{3E4CE409-4CD4-A39A-DC2C-870AD9A33CD2}"/>
+          </ac:picMkLst>
+        </pc:picChg>
+        <pc:picChg chg="add del mod">
+          <ac:chgData name="Jonathan Mah" userId="5261b2f2f3e51194" providerId="LiveId" clId="{833092D5-9927-4807-BE3E-672C10A7E002}" dt="2023-08-02T18:16:36.596" v="2671" actId="21"/>
+          <ac:picMkLst>
+            <pc:docMk/>
+            <pc:sldMk cId="1300350267" sldId="437"/>
+            <ac:picMk id="10" creationId="{7E262FE9-D6AF-5987-F574-AF486C8072B1}"/>
+          </ac:picMkLst>
+        </pc:picChg>
+        <pc:picChg chg="add del mod modCrop">
+          <ac:chgData name="Jonathan Mah" userId="5261b2f2f3e51194" providerId="LiveId" clId="{833092D5-9927-4807-BE3E-672C10A7E002}" dt="2023-08-02T18:16:36.596" v="2671" actId="21"/>
+          <ac:picMkLst>
+            <pc:docMk/>
+            <pc:sldMk cId="1300350267" sldId="437"/>
+            <ac:picMk id="11" creationId="{F98270F6-058D-9165-3164-45728217295C}"/>
+          </ac:picMkLst>
+        </pc:picChg>
+        <pc:picChg chg="add mod ord">
+          <ac:chgData name="Jonathan Mah" userId="5261b2f2f3e51194" providerId="LiveId" clId="{833092D5-9927-4807-BE3E-672C10A7E002}" dt="2023-08-02T18:14:51.438" v="2640" actId="167"/>
+          <ac:picMkLst>
+            <pc:docMk/>
+            <pc:sldMk cId="1300350267" sldId="437"/>
+            <ac:picMk id="13" creationId="{9BFA5293-2626-DFC0-DEDC-2F62600E95F5}"/>
+          </ac:picMkLst>
+        </pc:picChg>
+      </pc:sldChg>
+      <pc:sldChg chg="addSp delSp modSp new mod">
+        <pc:chgData name="Jonathan Mah" userId="5261b2f2f3e51194" providerId="LiveId" clId="{833092D5-9927-4807-BE3E-672C10A7E002}" dt="2023-08-02T18:41:28.497" v="2833" actId="20577"/>
+        <pc:sldMkLst>
+          <pc:docMk/>
+          <pc:sldMk cId="1025585485" sldId="438"/>
+        </pc:sldMkLst>
+        <pc:spChg chg="del">
+          <ac:chgData name="Jonathan Mah" userId="5261b2f2f3e51194" providerId="LiveId" clId="{833092D5-9927-4807-BE3E-672C10A7E002}" dt="2023-08-02T18:16:22.436" v="2668" actId="478"/>
+          <ac:spMkLst>
+            <pc:docMk/>
+            <pc:sldMk cId="1025585485" sldId="438"/>
+            <ac:spMk id="2" creationId="{46DB949E-AB24-5537-D8BD-BA7D3328D3BA}"/>
+          </ac:spMkLst>
+        </pc:spChg>
+        <pc:spChg chg="del">
+          <ac:chgData name="Jonathan Mah" userId="5261b2f2f3e51194" providerId="LiveId" clId="{833092D5-9927-4807-BE3E-672C10A7E002}" dt="2023-08-02T18:16:22.436" v="2668" actId="478"/>
+          <ac:spMkLst>
+            <pc:docMk/>
+            <pc:sldMk cId="1025585485" sldId="438"/>
+            <ac:spMk id="3" creationId="{6C93EAED-4105-D501-E0F5-943AC5E02FFA}"/>
+          </ac:spMkLst>
+        </pc:spChg>
+        <pc:spChg chg="add mod">
+          <ac:chgData name="Jonathan Mah" userId="5261b2f2f3e51194" providerId="LiveId" clId="{833092D5-9927-4807-BE3E-672C10A7E002}" dt="2023-08-02T18:39:39.608" v="2769" actId="1036"/>
+          <ac:spMkLst>
+            <pc:docMk/>
+            <pc:sldMk cId="1025585485" sldId="438"/>
+            <ac:spMk id="27" creationId="{30C1E999-2148-CA7F-91A6-D8182AEE3997}"/>
+          </ac:spMkLst>
+        </pc:spChg>
+        <pc:spChg chg="add mod">
+          <ac:chgData name="Jonathan Mah" userId="5261b2f2f3e51194" providerId="LiveId" clId="{833092D5-9927-4807-BE3E-672C10A7E002}" dt="2023-08-02T18:40:37.411" v="2816" actId="1076"/>
+          <ac:spMkLst>
+            <pc:docMk/>
+            <pc:sldMk cId="1025585485" sldId="438"/>
+            <ac:spMk id="28" creationId="{70A1ACF4-3F6E-F703-F8B5-A408D687D633}"/>
+          </ac:spMkLst>
+        </pc:spChg>
+        <pc:spChg chg="add mod">
+          <ac:chgData name="Jonathan Mah" userId="5261b2f2f3e51194" providerId="LiveId" clId="{833092D5-9927-4807-BE3E-672C10A7E002}" dt="2023-08-02T18:40:33.043" v="2815" actId="1076"/>
+          <ac:spMkLst>
+            <pc:docMk/>
+            <pc:sldMk cId="1025585485" sldId="438"/>
+            <ac:spMk id="29" creationId="{158A0881-D6A5-BDF5-C935-3605B046D560}"/>
+          </ac:spMkLst>
+        </pc:spChg>
+        <pc:spChg chg="add mod">
+          <ac:chgData name="Jonathan Mah" userId="5261b2f2f3e51194" providerId="LiveId" clId="{833092D5-9927-4807-BE3E-672C10A7E002}" dt="2023-08-02T18:39:39.608" v="2769" actId="1036"/>
+          <ac:spMkLst>
+            <pc:docMk/>
+            <pc:sldMk cId="1025585485" sldId="438"/>
+            <ac:spMk id="30" creationId="{70A009CF-F80D-EF92-49EA-28B6EADC84FD}"/>
+          </ac:spMkLst>
+        </pc:spChg>
+        <pc:spChg chg="add mod">
+          <ac:chgData name="Jonathan Mah" userId="5261b2f2f3e51194" providerId="LiveId" clId="{833092D5-9927-4807-BE3E-672C10A7E002}" dt="2023-08-02T18:39:49.424" v="2812" actId="1037"/>
+          <ac:spMkLst>
+            <pc:docMk/>
+            <pc:sldMk cId="1025585485" sldId="438"/>
+            <ac:spMk id="31" creationId="{C9D5EF84-FD14-8881-91E4-1178E28D10FB}"/>
+          </ac:spMkLst>
+        </pc:spChg>
+        <pc:spChg chg="add mod">
+          <ac:chgData name="Jonathan Mah" userId="5261b2f2f3e51194" providerId="LiveId" clId="{833092D5-9927-4807-BE3E-672C10A7E002}" dt="2023-08-02T18:41:00.894" v="2819" actId="20577"/>
+          <ac:spMkLst>
+            <pc:docMk/>
+            <pc:sldMk cId="1025585485" sldId="438"/>
+            <ac:spMk id="32" creationId="{E1E8201A-2651-7161-F467-436DD58C2C1E}"/>
+          </ac:spMkLst>
+        </pc:spChg>
+        <pc:spChg chg="add mod">
+          <ac:chgData name="Jonathan Mah" userId="5261b2f2f3e51194" providerId="LiveId" clId="{833092D5-9927-4807-BE3E-672C10A7E002}" dt="2023-08-02T18:41:10.568" v="2822" actId="20577"/>
+          <ac:spMkLst>
+            <pc:docMk/>
+            <pc:sldMk cId="1025585485" sldId="438"/>
+            <ac:spMk id="33" creationId="{E2514CAE-C01F-D60A-80D8-F6E470C59732}"/>
+          </ac:spMkLst>
+        </pc:spChg>
+        <pc:spChg chg="add mod">
+          <ac:chgData name="Jonathan Mah" userId="5261b2f2f3e51194" providerId="LiveId" clId="{833092D5-9927-4807-BE3E-672C10A7E002}" dt="2023-08-02T18:41:28.497" v="2833" actId="20577"/>
+          <ac:spMkLst>
+            <pc:docMk/>
+            <pc:sldMk cId="1025585485" sldId="438"/>
+            <ac:spMk id="34" creationId="{C0CAA44D-4916-7B0E-0415-A928E1C3E6EE}"/>
+          </ac:spMkLst>
+        </pc:spChg>
+        <pc:picChg chg="add del mod">
+          <ac:chgData name="Jonathan Mah" userId="5261b2f2f3e51194" providerId="LiveId" clId="{833092D5-9927-4807-BE3E-672C10A7E002}" dt="2023-08-02T18:21:15.108" v="2678" actId="478"/>
+          <ac:picMkLst>
+            <pc:docMk/>
+            <pc:sldMk cId="1025585485" sldId="438"/>
+            <ac:picMk id="5" creationId="{8A9ADF42-42AC-0A07-B854-CBEA85AFE11A}"/>
+          </ac:picMkLst>
+        </pc:picChg>
+        <pc:picChg chg="add del mod">
+          <ac:chgData name="Jonathan Mah" userId="5261b2f2f3e51194" providerId="LiveId" clId="{833092D5-9927-4807-BE3E-672C10A7E002}" dt="2023-08-02T18:16:42.343" v="2674" actId="478"/>
+          <ac:picMkLst>
+            <pc:docMk/>
+            <pc:sldMk cId="1025585485" sldId="438"/>
+            <ac:picMk id="6" creationId="{F01F5FB4-A5E9-1DF0-959E-379B42F4A1C3}"/>
+          </ac:picMkLst>
+        </pc:picChg>
+        <pc:picChg chg="add del mod">
+          <ac:chgData name="Jonathan Mah" userId="5261b2f2f3e51194" providerId="LiveId" clId="{833092D5-9927-4807-BE3E-672C10A7E002}" dt="2023-08-02T18:16:42.343" v="2674" actId="478"/>
+          <ac:picMkLst>
+            <pc:docMk/>
+            <pc:sldMk cId="1025585485" sldId="438"/>
+            <ac:picMk id="7" creationId="{0C7C14BC-20B5-EB9C-119B-E481FBA120D5}"/>
+          </ac:picMkLst>
+        </pc:picChg>
+        <pc:picChg chg="add del mod">
+          <ac:chgData name="Jonathan Mah" userId="5261b2f2f3e51194" providerId="LiveId" clId="{833092D5-9927-4807-BE3E-672C10A7E002}" dt="2023-08-02T18:16:55.566" v="2677" actId="478"/>
+          <ac:picMkLst>
+            <pc:docMk/>
+            <pc:sldMk cId="1025585485" sldId="438"/>
+            <ac:picMk id="8" creationId="{598BF043-676B-36A5-1BDA-EA3647A09225}"/>
+          </ac:picMkLst>
+        </pc:picChg>
+        <pc:picChg chg="add del mod">
+          <ac:chgData name="Jonathan Mah" userId="5261b2f2f3e51194" providerId="LiveId" clId="{833092D5-9927-4807-BE3E-672C10A7E002}" dt="2023-08-02T18:16:55.566" v="2677" actId="478"/>
+          <ac:picMkLst>
+            <pc:docMk/>
+            <pc:sldMk cId="1025585485" sldId="438"/>
+            <ac:picMk id="9" creationId="{64055AB7-0279-4BB6-3AF0-0CBF0265B838}"/>
+          </ac:picMkLst>
+        </pc:picChg>
+        <pc:picChg chg="add del mod">
+          <ac:chgData name="Jonathan Mah" userId="5261b2f2f3e51194" providerId="LiveId" clId="{833092D5-9927-4807-BE3E-672C10A7E002}" dt="2023-08-02T18:24:22.947" v="2680" actId="478"/>
+          <ac:picMkLst>
+            <pc:docMk/>
+            <pc:sldMk cId="1025585485" sldId="438"/>
+            <ac:picMk id="11" creationId="{E83585C6-68C0-7AC5-0034-7F5ED689B6BF}"/>
+          </ac:picMkLst>
+        </pc:picChg>
+        <pc:picChg chg="add del mod">
+          <ac:chgData name="Jonathan Mah" userId="5261b2f2f3e51194" providerId="LiveId" clId="{833092D5-9927-4807-BE3E-672C10A7E002}" dt="2023-08-02T18:31:43.300" v="2717" actId="478"/>
+          <ac:picMkLst>
+            <pc:docMk/>
+            <pc:sldMk cId="1025585485" sldId="438"/>
+            <ac:picMk id="13" creationId="{762763DC-0AED-C764-A3BB-870E9B730D20}"/>
+          </ac:picMkLst>
+        </pc:picChg>
+        <pc:picChg chg="add mod">
+          <ac:chgData name="Jonathan Mah" userId="5261b2f2f3e51194" providerId="LiveId" clId="{833092D5-9927-4807-BE3E-672C10A7E002}" dt="2023-08-02T18:31:04.605" v="2714" actId="14100"/>
+          <ac:picMkLst>
+            <pc:docMk/>
+            <pc:sldMk cId="1025585485" sldId="438"/>
+            <ac:picMk id="14" creationId="{7D397709-39BB-CDDA-CBC2-13B1E06BDBDD}"/>
+          </ac:picMkLst>
+        </pc:picChg>
+        <pc:picChg chg="add del mod modCrop">
+          <ac:chgData name="Jonathan Mah" userId="5261b2f2f3e51194" providerId="LiveId" clId="{833092D5-9927-4807-BE3E-672C10A7E002}" dt="2023-08-02T18:29:55.566" v="2695" actId="478"/>
+          <ac:picMkLst>
+            <pc:docMk/>
+            <pc:sldMk cId="1025585485" sldId="438"/>
+            <ac:picMk id="15" creationId="{1EB6C7F6-D7D9-4AC1-B118-0FEF5DF1AB0E}"/>
+          </ac:picMkLst>
+        </pc:picChg>
+        <pc:picChg chg="add mod modCrop">
+          <ac:chgData name="Jonathan Mah" userId="5261b2f2f3e51194" providerId="LiveId" clId="{833092D5-9927-4807-BE3E-672C10A7E002}" dt="2023-08-02T18:31:18.317" v="2715" actId="14100"/>
+          <ac:picMkLst>
+            <pc:docMk/>
+            <pc:sldMk cId="1025585485" sldId="438"/>
+            <ac:picMk id="16" creationId="{A8CF3A43-D797-28AA-C369-460C438598FA}"/>
+          </ac:picMkLst>
+        </pc:picChg>
+        <pc:picChg chg="add del mod ord">
+          <ac:chgData name="Jonathan Mah" userId="5261b2f2f3e51194" providerId="LiveId" clId="{833092D5-9927-4807-BE3E-672C10A7E002}" dt="2023-08-02T18:32:29.315" v="2720" actId="478"/>
+          <ac:picMkLst>
+            <pc:docMk/>
+            <pc:sldMk cId="1025585485" sldId="438"/>
+            <ac:picMk id="18" creationId="{67270E2C-7D31-58CF-3B8D-D46ECF53ADA1}"/>
+          </ac:picMkLst>
+        </pc:picChg>
+        <pc:picChg chg="add del mod ord">
+          <ac:chgData name="Jonathan Mah" userId="5261b2f2f3e51194" providerId="LiveId" clId="{833092D5-9927-4807-BE3E-672C10A7E002}" dt="2023-08-02T18:34:39.016" v="2724" actId="478"/>
+          <ac:picMkLst>
+            <pc:docMk/>
+            <pc:sldMk cId="1025585485" sldId="438"/>
+            <ac:picMk id="20" creationId="{F6CD5BAC-1D5B-F039-2A6F-5472FBEBDB55}"/>
+          </ac:picMkLst>
+        </pc:picChg>
+        <pc:picChg chg="add del mod ord">
+          <ac:chgData name="Jonathan Mah" userId="5261b2f2f3e51194" providerId="LiveId" clId="{833092D5-9927-4807-BE3E-672C10A7E002}" dt="2023-08-02T18:36:01.638" v="2727" actId="478"/>
+          <ac:picMkLst>
+            <pc:docMk/>
+            <pc:sldMk cId="1025585485" sldId="438"/>
+            <ac:picMk id="22" creationId="{AB196FAA-3838-8B54-6FBD-10608F8B7BA6}"/>
+          </ac:picMkLst>
+        </pc:picChg>
+        <pc:picChg chg="add del mod ord">
+          <ac:chgData name="Jonathan Mah" userId="5261b2f2f3e51194" providerId="LiveId" clId="{833092D5-9927-4807-BE3E-672C10A7E002}" dt="2023-08-02T18:38:27.093" v="2731" actId="478"/>
+          <ac:picMkLst>
+            <pc:docMk/>
+            <pc:sldMk cId="1025585485" sldId="438"/>
+            <ac:picMk id="24" creationId="{43AB49EB-214D-8AAA-CE4F-67E3A6EF0C7A}"/>
+          </ac:picMkLst>
+        </pc:picChg>
+        <pc:picChg chg="add mod ord">
+          <ac:chgData name="Jonathan Mah" userId="5261b2f2f3e51194" providerId="LiveId" clId="{833092D5-9927-4807-BE3E-672C10A7E002}" dt="2023-08-02T18:38:36.491" v="2733" actId="167"/>
+          <ac:picMkLst>
+            <pc:docMk/>
+            <pc:sldMk cId="1025585485" sldId="438"/>
+            <ac:picMk id="26" creationId="{4AF9EB9C-3EE1-2A91-3AC7-511ADCC6AA66}"/>
+          </ac:picMkLst>
+        </pc:picChg>
+      </pc:sldChg>
+      <pc:sldChg chg="addSp delSp modSp new mod">
+        <pc:chgData name="Jonathan Mah" userId="5261b2f2f3e51194" providerId="LiveId" clId="{833092D5-9927-4807-BE3E-672C10A7E002}" dt="2023-08-02T23:39:27.155" v="2904" actId="1076"/>
+        <pc:sldMkLst>
+          <pc:docMk/>
+          <pc:sldMk cId="946828120" sldId="439"/>
+        </pc:sldMkLst>
+        <pc:spChg chg="del">
+          <ac:chgData name="Jonathan Mah" userId="5261b2f2f3e51194" providerId="LiveId" clId="{833092D5-9927-4807-BE3E-672C10A7E002}" dt="2023-08-02T20:50:59.312" v="2835" actId="478"/>
+          <ac:spMkLst>
+            <pc:docMk/>
+            <pc:sldMk cId="946828120" sldId="439"/>
+            <ac:spMk id="2" creationId="{9A760CAF-EF33-5EDA-0339-193D392C99C8}"/>
+          </ac:spMkLst>
+        </pc:spChg>
+        <pc:spChg chg="del">
+          <ac:chgData name="Jonathan Mah" userId="5261b2f2f3e51194" providerId="LiveId" clId="{833092D5-9927-4807-BE3E-672C10A7E002}" dt="2023-08-02T20:50:59.312" v="2835" actId="478"/>
+          <ac:spMkLst>
+            <pc:docMk/>
+            <pc:sldMk cId="946828120" sldId="439"/>
+            <ac:spMk id="3" creationId="{57DAC04A-F9D7-5813-E04F-CF6C00B9C6E8}"/>
+          </ac:spMkLst>
+        </pc:spChg>
+        <pc:picChg chg="add mod modCrop">
+          <ac:chgData name="Jonathan Mah" userId="5261b2f2f3e51194" providerId="LiveId" clId="{833092D5-9927-4807-BE3E-672C10A7E002}" dt="2023-08-02T21:23:34.701" v="2865" actId="14100"/>
+          <ac:picMkLst>
+            <pc:docMk/>
+            <pc:sldMk cId="946828120" sldId="439"/>
+            <ac:picMk id="5" creationId="{1D87A8BC-1F73-EF73-F802-6BD25B48BBEC}"/>
+          </ac:picMkLst>
+        </pc:picChg>
+        <pc:picChg chg="add del mod">
+          <ac:chgData name="Jonathan Mah" userId="5261b2f2f3e51194" providerId="LiveId" clId="{833092D5-9927-4807-BE3E-672C10A7E002}" dt="2023-08-02T20:58:28.267" v="2841" actId="478"/>
+          <ac:picMkLst>
+            <pc:docMk/>
+            <pc:sldMk cId="946828120" sldId="439"/>
+            <ac:picMk id="7" creationId="{C9D6FA3C-51BC-B0E0-A9CA-0E0626B081A4}"/>
+          </ac:picMkLst>
+        </pc:picChg>
+        <pc:picChg chg="add del mod">
+          <ac:chgData name="Jonathan Mah" userId="5261b2f2f3e51194" providerId="LiveId" clId="{833092D5-9927-4807-BE3E-672C10A7E002}" dt="2023-08-02T21:15:38.262" v="2845" actId="478"/>
+          <ac:picMkLst>
+            <pc:docMk/>
+            <pc:sldMk cId="946828120" sldId="439"/>
+            <ac:picMk id="9" creationId="{433260C7-BBDC-B50C-738B-5882F7B9ECB8}"/>
+          </ac:picMkLst>
+        </pc:picChg>
+        <pc:picChg chg="add del mod">
+          <ac:chgData name="Jonathan Mah" userId="5261b2f2f3e51194" providerId="LiveId" clId="{833092D5-9927-4807-BE3E-672C10A7E002}" dt="2023-08-02T21:22:34.415" v="2855" actId="478"/>
+          <ac:picMkLst>
+            <pc:docMk/>
+            <pc:sldMk cId="946828120" sldId="439"/>
+            <ac:picMk id="11" creationId="{E6F653E3-7217-5ACC-201F-9D97B22DFA8F}"/>
+          </ac:picMkLst>
+        </pc:picChg>
+        <pc:picChg chg="add del mod">
+          <ac:chgData name="Jonathan Mah" userId="5261b2f2f3e51194" providerId="LiveId" clId="{833092D5-9927-4807-BE3E-672C10A7E002}" dt="2023-08-02T21:30:10.022" v="2866" actId="478"/>
+          <ac:picMkLst>
+            <pc:docMk/>
+            <pc:sldMk cId="946828120" sldId="439"/>
+            <ac:picMk id="13" creationId="{AF41CC58-3401-7059-9933-A9DCB55DA95A}"/>
+          </ac:picMkLst>
+        </pc:picChg>
+        <pc:picChg chg="add del mod">
+          <ac:chgData name="Jonathan Mah" userId="5261b2f2f3e51194" providerId="LiveId" clId="{833092D5-9927-4807-BE3E-672C10A7E002}" dt="2023-08-02T23:39:09.989" v="2869" actId="478"/>
+          <ac:picMkLst>
+            <pc:docMk/>
+            <pc:sldMk cId="946828120" sldId="439"/>
+            <ac:picMk id="15" creationId="{577D2ED3-3A05-DA77-C7D4-8DC993C6BE22}"/>
+          </ac:picMkLst>
+        </pc:picChg>
+        <pc:picChg chg="add mod">
+          <ac:chgData name="Jonathan Mah" userId="5261b2f2f3e51194" providerId="LiveId" clId="{833092D5-9927-4807-BE3E-672C10A7E002}" dt="2023-08-02T23:39:27.155" v="2904" actId="1076"/>
+          <ac:picMkLst>
+            <pc:docMk/>
+            <pc:sldMk cId="946828120" sldId="439"/>
+            <ac:picMk id="17" creationId="{E67A5301-6DFF-5322-EF42-F755F5DCBD36}"/>
           </ac:picMkLst>
         </pc:picChg>
       </pc:sldChg>
@@ -5388,7 +5803,7 @@
           <a:p>
             <a:fld id="{224F4B04-6A50-4A51-B675-D86EC6563060}" type="datetimeFigureOut">
               <a:rPr lang="en-US" smtClean="0"/>
-              <a:t>7/27/2023</a:t>
+              <a:t>8/2/2023</a:t>
             </a:fld>
             <a:endParaRPr lang="en-US"/>
           </a:p>
@@ -5561,8 +5976,8 @@
   </p:cSld>
   <p:clrMap bg1="lt1" tx1="dk1" bg2="lt2" tx2="dk2" accent1="accent1" accent2="accent2" accent3="accent3" accent4="accent4" accent5="accent5" accent6="accent6" hlink="hlink" folHlink="folHlink"/>
   <p:notesStyle>
-    <a:lvl1pPr marL="0" algn="l" defTabSz="1755648" rtl="0" eaLnBrk="1" latinLnBrk="0" hangingPunct="1">
-      <a:defRPr sz="2304" kern="1200">
+    <a:lvl1pPr marL="0" algn="l" defTabSz="2194560" rtl="0" eaLnBrk="1" latinLnBrk="0" hangingPunct="1">
+      <a:defRPr sz="2880" kern="1200">
         <a:solidFill>
           <a:schemeClr val="tx1"/>
         </a:solidFill>
@@ -5571,8 +5986,8 @@
         <a:cs typeface="+mn-cs"/>
       </a:defRPr>
     </a:lvl1pPr>
-    <a:lvl2pPr marL="877824" algn="l" defTabSz="1755648" rtl="0" eaLnBrk="1" latinLnBrk="0" hangingPunct="1">
-      <a:defRPr sz="2304" kern="1200">
+    <a:lvl2pPr marL="1097280" algn="l" defTabSz="2194560" rtl="0" eaLnBrk="1" latinLnBrk="0" hangingPunct="1">
+      <a:defRPr sz="2880" kern="1200">
         <a:solidFill>
           <a:schemeClr val="tx1"/>
         </a:solidFill>
@@ -5581,8 +5996,8 @@
         <a:cs typeface="+mn-cs"/>
       </a:defRPr>
     </a:lvl2pPr>
-    <a:lvl3pPr marL="1755648" algn="l" defTabSz="1755648" rtl="0" eaLnBrk="1" latinLnBrk="0" hangingPunct="1">
-      <a:defRPr sz="2304" kern="1200">
+    <a:lvl3pPr marL="2194560" algn="l" defTabSz="2194560" rtl="0" eaLnBrk="1" latinLnBrk="0" hangingPunct="1">
+      <a:defRPr sz="2880" kern="1200">
         <a:solidFill>
           <a:schemeClr val="tx1"/>
         </a:solidFill>
@@ -5591,8 +6006,8 @@
         <a:cs typeface="+mn-cs"/>
       </a:defRPr>
     </a:lvl3pPr>
-    <a:lvl4pPr marL="2633472" algn="l" defTabSz="1755648" rtl="0" eaLnBrk="1" latinLnBrk="0" hangingPunct="1">
-      <a:defRPr sz="2304" kern="1200">
+    <a:lvl4pPr marL="3291840" algn="l" defTabSz="2194560" rtl="0" eaLnBrk="1" latinLnBrk="0" hangingPunct="1">
+      <a:defRPr sz="2880" kern="1200">
         <a:solidFill>
           <a:schemeClr val="tx1"/>
         </a:solidFill>
@@ -5601,8 +6016,8 @@
         <a:cs typeface="+mn-cs"/>
       </a:defRPr>
     </a:lvl4pPr>
-    <a:lvl5pPr marL="3511296" algn="l" defTabSz="1755648" rtl="0" eaLnBrk="1" latinLnBrk="0" hangingPunct="1">
-      <a:defRPr sz="2304" kern="1200">
+    <a:lvl5pPr marL="4389120" algn="l" defTabSz="2194560" rtl="0" eaLnBrk="1" latinLnBrk="0" hangingPunct="1">
+      <a:defRPr sz="2880" kern="1200">
         <a:solidFill>
           <a:schemeClr val="tx1"/>
         </a:solidFill>
@@ -5611,8 +6026,8 @@
         <a:cs typeface="+mn-cs"/>
       </a:defRPr>
     </a:lvl5pPr>
-    <a:lvl6pPr marL="4389120" algn="l" defTabSz="1755648" rtl="0" eaLnBrk="1" latinLnBrk="0" hangingPunct="1">
-      <a:defRPr sz="2304" kern="1200">
+    <a:lvl6pPr marL="5486400" algn="l" defTabSz="2194560" rtl="0" eaLnBrk="1" latinLnBrk="0" hangingPunct="1">
+      <a:defRPr sz="2880" kern="1200">
         <a:solidFill>
           <a:schemeClr val="tx1"/>
         </a:solidFill>
@@ -5621,8 +6036,8 @@
         <a:cs typeface="+mn-cs"/>
       </a:defRPr>
     </a:lvl6pPr>
-    <a:lvl7pPr marL="5266944" algn="l" defTabSz="1755648" rtl="0" eaLnBrk="1" latinLnBrk="0" hangingPunct="1">
-      <a:defRPr sz="2304" kern="1200">
+    <a:lvl7pPr marL="6583680" algn="l" defTabSz="2194560" rtl="0" eaLnBrk="1" latinLnBrk="0" hangingPunct="1">
+      <a:defRPr sz="2880" kern="1200">
         <a:solidFill>
           <a:schemeClr val="tx1"/>
         </a:solidFill>
@@ -5631,8 +6046,8 @@
         <a:cs typeface="+mn-cs"/>
       </a:defRPr>
     </a:lvl7pPr>
-    <a:lvl8pPr marL="6144768" algn="l" defTabSz="1755648" rtl="0" eaLnBrk="1" latinLnBrk="0" hangingPunct="1">
-      <a:defRPr sz="2304" kern="1200">
+    <a:lvl8pPr marL="7680960" algn="l" defTabSz="2194560" rtl="0" eaLnBrk="1" latinLnBrk="0" hangingPunct="1">
+      <a:defRPr sz="2880" kern="1200">
         <a:solidFill>
           <a:schemeClr val="tx1"/>
         </a:solidFill>
@@ -5641,8 +6056,8 @@
         <a:cs typeface="+mn-cs"/>
       </a:defRPr>
     </a:lvl8pPr>
-    <a:lvl9pPr marL="7022592" algn="l" defTabSz="1755648" rtl="0" eaLnBrk="1" latinLnBrk="0" hangingPunct="1">
-      <a:defRPr sz="2304" kern="1200">
+    <a:lvl9pPr marL="8778240" algn="l" defTabSz="2194560" rtl="0" eaLnBrk="1" latinLnBrk="0" hangingPunct="1">
+      <a:defRPr sz="2880" kern="1200">
         <a:solidFill>
           <a:schemeClr val="tx1"/>
         </a:solidFill>
@@ -6436,15 +6851,15 @@
         </p:nvSpPr>
         <p:spPr>
           <a:xfrm>
-            <a:off x="1371600" y="2992968"/>
-            <a:ext cx="15544800" cy="6366933"/>
+            <a:off x="1714500" y="3741210"/>
+            <a:ext cx="19431000" cy="7958667"/>
           </a:xfrm>
         </p:spPr>
         <p:txBody>
           <a:bodyPr anchor="b"/>
           <a:lstStyle>
             <a:lvl1pPr algn="ctr">
-              <a:defRPr sz="12000"/>
+              <a:defRPr sz="15000"/>
             </a:lvl1pPr>
           </a:lstStyle>
           <a:p>
@@ -6468,8 +6883,8 @@
         </p:nvSpPr>
         <p:spPr>
           <a:xfrm>
-            <a:off x="2286000" y="9605435"/>
-            <a:ext cx="13716000" cy="4415365"/>
+            <a:off x="2857500" y="12006793"/>
+            <a:ext cx="17145000" cy="5519207"/>
           </a:xfrm>
         </p:spPr>
         <p:txBody>
@@ -6477,39 +6892,39 @@
           <a:lstStyle>
             <a:lvl1pPr marL="0" indent="0" algn="ctr">
               <a:buNone/>
-              <a:defRPr sz="4800"/>
+              <a:defRPr sz="6000"/>
             </a:lvl1pPr>
-            <a:lvl2pPr marL="914400" indent="0" algn="ctr">
+            <a:lvl2pPr marL="1143000" indent="0" algn="ctr">
+              <a:buNone/>
+              <a:defRPr sz="5000"/>
+            </a:lvl2pPr>
+            <a:lvl3pPr marL="2286000" indent="0" algn="ctr">
+              <a:buNone/>
+              <a:defRPr sz="4500"/>
+            </a:lvl3pPr>
+            <a:lvl4pPr marL="3429000" indent="0" algn="ctr">
               <a:buNone/>
               <a:defRPr sz="4000"/>
-            </a:lvl2pPr>
-            <a:lvl3pPr marL="1828800" indent="0" algn="ctr">
+            </a:lvl4pPr>
+            <a:lvl5pPr marL="4572000" indent="0" algn="ctr">
               <a:buNone/>
-              <a:defRPr sz="3600"/>
-            </a:lvl3pPr>
-            <a:lvl4pPr marL="2743200" indent="0" algn="ctr">
+              <a:defRPr sz="4000"/>
+            </a:lvl5pPr>
+            <a:lvl6pPr marL="5715000" indent="0" algn="ctr">
               <a:buNone/>
-              <a:defRPr sz="3200"/>
-            </a:lvl4pPr>
-            <a:lvl5pPr marL="3657600" indent="0" algn="ctr">
+              <a:defRPr sz="4000"/>
+            </a:lvl6pPr>
+            <a:lvl7pPr marL="6858000" indent="0" algn="ctr">
               <a:buNone/>
-              <a:defRPr sz="3200"/>
-            </a:lvl5pPr>
-            <a:lvl6pPr marL="4572000" indent="0" algn="ctr">
+              <a:defRPr sz="4000"/>
+            </a:lvl7pPr>
+            <a:lvl8pPr marL="8001000" indent="0" algn="ctr">
               <a:buNone/>
-              <a:defRPr sz="3200"/>
-            </a:lvl6pPr>
-            <a:lvl7pPr marL="5486400" indent="0" algn="ctr">
+              <a:defRPr sz="4000"/>
+            </a:lvl8pPr>
+            <a:lvl9pPr marL="9144000" indent="0" algn="ctr">
               <a:buNone/>
-              <a:defRPr sz="3200"/>
-            </a:lvl7pPr>
-            <a:lvl8pPr marL="6400800" indent="0" algn="ctr">
-              <a:buNone/>
-              <a:defRPr sz="3200"/>
-            </a:lvl8pPr>
-            <a:lvl9pPr marL="7315200" indent="0" algn="ctr">
-              <a:buNone/>
-              <a:defRPr sz="3200"/>
+              <a:defRPr sz="4000"/>
             </a:lvl9pPr>
           </a:lstStyle>
           <a:p>
@@ -6538,7 +6953,7 @@
           <a:p>
             <a:fld id="{54E435BD-4569-4C00-96FD-DE6EEAA430DA}" type="datetimeFigureOut">
               <a:rPr lang="en-US" smtClean="0"/>
-              <a:t>7/27/2023</a:t>
+              <a:t>8/2/2023</a:t>
             </a:fld>
             <a:endParaRPr lang="en-US"/>
           </a:p>
@@ -6589,7 +7004,7 @@
     </p:spTree>
     <p:extLst>
       <p:ext uri="{BB962C8B-B14F-4D97-AF65-F5344CB8AC3E}">
-        <p14:creationId xmlns:p14="http://schemas.microsoft.com/office/powerpoint/2010/main" val="3839972139"/>
+        <p14:creationId xmlns:p14="http://schemas.microsoft.com/office/powerpoint/2010/main" val="1646833987"/>
       </p:ext>
     </p:extLst>
   </p:cSld>
@@ -6708,7 +7123,7 @@
           <a:p>
             <a:fld id="{54E435BD-4569-4C00-96FD-DE6EEAA430DA}" type="datetimeFigureOut">
               <a:rPr lang="en-US" smtClean="0"/>
-              <a:t>7/27/2023</a:t>
+              <a:t>8/2/2023</a:t>
             </a:fld>
             <a:endParaRPr lang="en-US"/>
           </a:p>
@@ -6759,7 +7174,7 @@
     </p:spTree>
     <p:extLst>
       <p:ext uri="{BB962C8B-B14F-4D97-AF65-F5344CB8AC3E}">
-        <p14:creationId xmlns:p14="http://schemas.microsoft.com/office/powerpoint/2010/main" val="420775377"/>
+        <p14:creationId xmlns:p14="http://schemas.microsoft.com/office/powerpoint/2010/main" val="2286485625"/>
       </p:ext>
     </p:extLst>
   </p:cSld>
@@ -6798,8 +7213,8 @@
         </p:nvSpPr>
         <p:spPr>
           <a:xfrm>
-            <a:off x="13087351" y="973667"/>
-            <a:ext cx="3943350" cy="15498235"/>
+            <a:off x="16359189" y="1217084"/>
+            <a:ext cx="4929188" cy="19372793"/>
           </a:xfrm>
         </p:spPr>
         <p:txBody>
@@ -6826,8 +7241,8 @@
         </p:nvSpPr>
         <p:spPr>
           <a:xfrm>
-            <a:off x="1257301" y="973667"/>
-            <a:ext cx="11601450" cy="15498235"/>
+            <a:off x="1571626" y="1217084"/>
+            <a:ext cx="14501813" cy="19372793"/>
           </a:xfrm>
         </p:spPr>
         <p:txBody>
@@ -6888,7 +7303,7 @@
           <a:p>
             <a:fld id="{54E435BD-4569-4C00-96FD-DE6EEAA430DA}" type="datetimeFigureOut">
               <a:rPr lang="en-US" smtClean="0"/>
-              <a:t>7/27/2023</a:t>
+              <a:t>8/2/2023</a:t>
             </a:fld>
             <a:endParaRPr lang="en-US"/>
           </a:p>
@@ -6939,7 +7354,7 @@
     </p:spTree>
     <p:extLst>
       <p:ext uri="{BB962C8B-B14F-4D97-AF65-F5344CB8AC3E}">
-        <p14:creationId xmlns:p14="http://schemas.microsoft.com/office/powerpoint/2010/main" val="2446618379"/>
+        <p14:creationId xmlns:p14="http://schemas.microsoft.com/office/powerpoint/2010/main" val="2617087414"/>
       </p:ext>
     </p:extLst>
   </p:cSld>
@@ -7058,7 +7473,7 @@
           <a:p>
             <a:fld id="{54E435BD-4569-4C00-96FD-DE6EEAA430DA}" type="datetimeFigureOut">
               <a:rPr lang="en-US" smtClean="0"/>
-              <a:t>7/27/2023</a:t>
+              <a:t>8/2/2023</a:t>
             </a:fld>
             <a:endParaRPr lang="en-US"/>
           </a:p>
@@ -7109,7 +7524,7 @@
     </p:spTree>
     <p:extLst>
       <p:ext uri="{BB962C8B-B14F-4D97-AF65-F5344CB8AC3E}">
-        <p14:creationId xmlns:p14="http://schemas.microsoft.com/office/powerpoint/2010/main" val="2281681627"/>
+        <p14:creationId xmlns:p14="http://schemas.microsoft.com/office/powerpoint/2010/main" val="1267485952"/>
       </p:ext>
     </p:extLst>
   </p:cSld>
@@ -7148,15 +7563,15 @@
         </p:nvSpPr>
         <p:spPr>
           <a:xfrm>
-            <a:off x="1247776" y="4559305"/>
-            <a:ext cx="15773400" cy="7607299"/>
+            <a:off x="1559720" y="5699132"/>
+            <a:ext cx="19716750" cy="9509123"/>
           </a:xfrm>
         </p:spPr>
         <p:txBody>
           <a:bodyPr anchor="b"/>
           <a:lstStyle>
             <a:lvl1pPr>
-              <a:defRPr sz="12000"/>
+              <a:defRPr sz="15000"/>
             </a:lvl1pPr>
           </a:lstStyle>
           <a:p>
@@ -7180,8 +7595,8 @@
         </p:nvSpPr>
         <p:spPr>
           <a:xfrm>
-            <a:off x="1247776" y="12238572"/>
-            <a:ext cx="15773400" cy="4000499"/>
+            <a:off x="1559720" y="15298215"/>
+            <a:ext cx="19716750" cy="5000623"/>
           </a:xfrm>
         </p:spPr>
         <p:txBody>
@@ -7189,13 +7604,33 @@
           <a:lstStyle>
             <a:lvl1pPr marL="0" indent="0">
               <a:buNone/>
-              <a:defRPr sz="4800">
+              <a:defRPr sz="6000">
                 <a:solidFill>
                   <a:schemeClr val="tx1"/>
                 </a:solidFill>
               </a:defRPr>
             </a:lvl1pPr>
-            <a:lvl2pPr marL="914400" indent="0">
+            <a:lvl2pPr marL="1143000" indent="0">
+              <a:buNone/>
+              <a:defRPr sz="5000">
+                <a:solidFill>
+                  <a:schemeClr val="tx1">
+                    <a:tint val="75000"/>
+                  </a:schemeClr>
+                </a:solidFill>
+              </a:defRPr>
+            </a:lvl2pPr>
+            <a:lvl3pPr marL="2286000" indent="0">
+              <a:buNone/>
+              <a:defRPr sz="4500">
+                <a:solidFill>
+                  <a:schemeClr val="tx1">
+                    <a:tint val="75000"/>
+                  </a:schemeClr>
+                </a:solidFill>
+              </a:defRPr>
+            </a:lvl3pPr>
+            <a:lvl4pPr marL="3429000" indent="0">
               <a:buNone/>
               <a:defRPr sz="4000">
                 <a:solidFill>
@@ -7204,30 +7639,10 @@
                   </a:schemeClr>
                 </a:solidFill>
               </a:defRPr>
-            </a:lvl2pPr>
-            <a:lvl3pPr marL="1828800" indent="0">
+            </a:lvl4pPr>
+            <a:lvl5pPr marL="4572000" indent="0">
               <a:buNone/>
-              <a:defRPr sz="3600">
-                <a:solidFill>
-                  <a:schemeClr val="tx1">
-                    <a:tint val="75000"/>
-                  </a:schemeClr>
-                </a:solidFill>
-              </a:defRPr>
-            </a:lvl3pPr>
-            <a:lvl4pPr marL="2743200" indent="0">
-              <a:buNone/>
-              <a:defRPr sz="3200">
-                <a:solidFill>
-                  <a:schemeClr val="tx1">
-                    <a:tint val="75000"/>
-                  </a:schemeClr>
-                </a:solidFill>
-              </a:defRPr>
-            </a:lvl4pPr>
-            <a:lvl5pPr marL="3657600" indent="0">
-              <a:buNone/>
-              <a:defRPr sz="3200">
+              <a:defRPr sz="4000">
                 <a:solidFill>
                   <a:schemeClr val="tx1">
                     <a:tint val="75000"/>
@@ -7235,9 +7650,9 @@
                 </a:solidFill>
               </a:defRPr>
             </a:lvl5pPr>
-            <a:lvl6pPr marL="4572000" indent="0">
+            <a:lvl6pPr marL="5715000" indent="0">
               <a:buNone/>
-              <a:defRPr sz="3200">
+              <a:defRPr sz="4000">
                 <a:solidFill>
                   <a:schemeClr val="tx1">
                     <a:tint val="75000"/>
@@ -7245,9 +7660,9 @@
                 </a:solidFill>
               </a:defRPr>
             </a:lvl6pPr>
-            <a:lvl7pPr marL="5486400" indent="0">
+            <a:lvl7pPr marL="6858000" indent="0">
               <a:buNone/>
-              <a:defRPr sz="3200">
+              <a:defRPr sz="4000">
                 <a:solidFill>
                   <a:schemeClr val="tx1">
                     <a:tint val="75000"/>
@@ -7255,9 +7670,9 @@
                 </a:solidFill>
               </a:defRPr>
             </a:lvl7pPr>
-            <a:lvl8pPr marL="6400800" indent="0">
+            <a:lvl8pPr marL="8001000" indent="0">
               <a:buNone/>
-              <a:defRPr sz="3200">
+              <a:defRPr sz="4000">
                 <a:solidFill>
                   <a:schemeClr val="tx1">
                     <a:tint val="75000"/>
@@ -7265,9 +7680,9 @@
                 </a:solidFill>
               </a:defRPr>
             </a:lvl8pPr>
-            <a:lvl9pPr marL="7315200" indent="0">
+            <a:lvl9pPr marL="9144000" indent="0">
               <a:buNone/>
-              <a:defRPr sz="3200">
+              <a:defRPr sz="4000">
                 <a:solidFill>
                   <a:schemeClr val="tx1">
                     <a:tint val="75000"/>
@@ -7302,7 +7717,7 @@
           <a:p>
             <a:fld id="{54E435BD-4569-4C00-96FD-DE6EEAA430DA}" type="datetimeFigureOut">
               <a:rPr lang="en-US" smtClean="0"/>
-              <a:t>7/27/2023</a:t>
+              <a:t>8/2/2023</a:t>
             </a:fld>
             <a:endParaRPr lang="en-US"/>
           </a:p>
@@ -7353,7 +7768,7 @@
     </p:spTree>
     <p:extLst>
       <p:ext uri="{BB962C8B-B14F-4D97-AF65-F5344CB8AC3E}">
-        <p14:creationId xmlns:p14="http://schemas.microsoft.com/office/powerpoint/2010/main" val="1039652625"/>
+        <p14:creationId xmlns:p14="http://schemas.microsoft.com/office/powerpoint/2010/main" val="1881340692"/>
       </p:ext>
     </p:extLst>
   </p:cSld>
@@ -7415,8 +7830,8 @@
         </p:nvSpPr>
         <p:spPr>
           <a:xfrm>
-            <a:off x="1257300" y="4868333"/>
-            <a:ext cx="7772400" cy="11603568"/>
+            <a:off x="1571625" y="6085417"/>
+            <a:ext cx="9715500" cy="14504460"/>
           </a:xfrm>
         </p:spPr>
         <p:txBody>
@@ -7472,8 +7887,8 @@
         </p:nvSpPr>
         <p:spPr>
           <a:xfrm>
-            <a:off x="9258300" y="4868333"/>
-            <a:ext cx="7772400" cy="11603568"/>
+            <a:off x="11572875" y="6085417"/>
+            <a:ext cx="9715500" cy="14504460"/>
           </a:xfrm>
         </p:spPr>
         <p:txBody>
@@ -7534,7 +7949,7 @@
           <a:p>
             <a:fld id="{54E435BD-4569-4C00-96FD-DE6EEAA430DA}" type="datetimeFigureOut">
               <a:rPr lang="en-US" smtClean="0"/>
-              <a:t>7/27/2023</a:t>
+              <a:t>8/2/2023</a:t>
             </a:fld>
             <a:endParaRPr lang="en-US"/>
           </a:p>
@@ -7585,7 +8000,7 @@
     </p:spTree>
     <p:extLst>
       <p:ext uri="{BB962C8B-B14F-4D97-AF65-F5344CB8AC3E}">
-        <p14:creationId xmlns:p14="http://schemas.microsoft.com/office/powerpoint/2010/main" val="862464647"/>
+        <p14:creationId xmlns:p14="http://schemas.microsoft.com/office/powerpoint/2010/main" val="2433150448"/>
       </p:ext>
     </p:extLst>
   </p:cSld>
@@ -7624,8 +8039,8 @@
         </p:nvSpPr>
         <p:spPr>
           <a:xfrm>
-            <a:off x="1259682" y="973671"/>
-            <a:ext cx="15773400" cy="3534835"/>
+            <a:off x="1574603" y="1217089"/>
+            <a:ext cx="19716750" cy="4418543"/>
           </a:xfrm>
         </p:spPr>
         <p:txBody>
@@ -7652,8 +8067,8 @@
         </p:nvSpPr>
         <p:spPr>
           <a:xfrm>
-            <a:off x="1259684" y="4483101"/>
-            <a:ext cx="7736680" cy="2197099"/>
+            <a:off x="1574605" y="5603877"/>
+            <a:ext cx="9670850" cy="2746373"/>
           </a:xfrm>
         </p:spPr>
         <p:txBody>
@@ -7661,39 +8076,39 @@
           <a:lstStyle>
             <a:lvl1pPr marL="0" indent="0">
               <a:buNone/>
-              <a:defRPr sz="4800" b="1"/>
+              <a:defRPr sz="6000" b="1"/>
             </a:lvl1pPr>
-            <a:lvl2pPr marL="914400" indent="0">
+            <a:lvl2pPr marL="1143000" indent="0">
+              <a:buNone/>
+              <a:defRPr sz="5000" b="1"/>
+            </a:lvl2pPr>
+            <a:lvl3pPr marL="2286000" indent="0">
+              <a:buNone/>
+              <a:defRPr sz="4500" b="1"/>
+            </a:lvl3pPr>
+            <a:lvl4pPr marL="3429000" indent="0">
               <a:buNone/>
               <a:defRPr sz="4000" b="1"/>
-            </a:lvl2pPr>
-            <a:lvl3pPr marL="1828800" indent="0">
+            </a:lvl4pPr>
+            <a:lvl5pPr marL="4572000" indent="0">
               <a:buNone/>
-              <a:defRPr sz="3600" b="1"/>
-            </a:lvl3pPr>
-            <a:lvl4pPr marL="2743200" indent="0">
+              <a:defRPr sz="4000" b="1"/>
+            </a:lvl5pPr>
+            <a:lvl6pPr marL="5715000" indent="0">
               <a:buNone/>
-              <a:defRPr sz="3200" b="1"/>
-            </a:lvl4pPr>
-            <a:lvl5pPr marL="3657600" indent="0">
+              <a:defRPr sz="4000" b="1"/>
+            </a:lvl6pPr>
+            <a:lvl7pPr marL="6858000" indent="0">
               <a:buNone/>
-              <a:defRPr sz="3200" b="1"/>
-            </a:lvl5pPr>
-            <a:lvl6pPr marL="4572000" indent="0">
+              <a:defRPr sz="4000" b="1"/>
+            </a:lvl7pPr>
+            <a:lvl8pPr marL="8001000" indent="0">
               <a:buNone/>
-              <a:defRPr sz="3200" b="1"/>
-            </a:lvl6pPr>
-            <a:lvl7pPr marL="5486400" indent="0">
+              <a:defRPr sz="4000" b="1"/>
+            </a:lvl8pPr>
+            <a:lvl9pPr marL="9144000" indent="0">
               <a:buNone/>
-              <a:defRPr sz="3200" b="1"/>
-            </a:lvl7pPr>
-            <a:lvl8pPr marL="6400800" indent="0">
-              <a:buNone/>
-              <a:defRPr sz="3200" b="1"/>
-            </a:lvl8pPr>
-            <a:lvl9pPr marL="7315200" indent="0">
-              <a:buNone/>
-              <a:defRPr sz="3200" b="1"/>
+              <a:defRPr sz="4000" b="1"/>
             </a:lvl9pPr>
           </a:lstStyle>
           <a:p>
@@ -7717,8 +8132,8 @@
         </p:nvSpPr>
         <p:spPr>
           <a:xfrm>
-            <a:off x="1259684" y="6680200"/>
-            <a:ext cx="7736680" cy="9825568"/>
+            <a:off x="1574605" y="8350250"/>
+            <a:ext cx="9670850" cy="12281960"/>
           </a:xfrm>
         </p:spPr>
         <p:txBody>
@@ -7774,8 +8189,8 @@
         </p:nvSpPr>
         <p:spPr>
           <a:xfrm>
-            <a:off x="9258301" y="4483101"/>
-            <a:ext cx="7774782" cy="2197099"/>
+            <a:off x="11572876" y="5603877"/>
+            <a:ext cx="9718478" cy="2746373"/>
           </a:xfrm>
         </p:spPr>
         <p:txBody>
@@ -7783,39 +8198,39 @@
           <a:lstStyle>
             <a:lvl1pPr marL="0" indent="0">
               <a:buNone/>
-              <a:defRPr sz="4800" b="1"/>
+              <a:defRPr sz="6000" b="1"/>
             </a:lvl1pPr>
-            <a:lvl2pPr marL="914400" indent="0">
+            <a:lvl2pPr marL="1143000" indent="0">
+              <a:buNone/>
+              <a:defRPr sz="5000" b="1"/>
+            </a:lvl2pPr>
+            <a:lvl3pPr marL="2286000" indent="0">
+              <a:buNone/>
+              <a:defRPr sz="4500" b="1"/>
+            </a:lvl3pPr>
+            <a:lvl4pPr marL="3429000" indent="0">
               <a:buNone/>
               <a:defRPr sz="4000" b="1"/>
-            </a:lvl2pPr>
-            <a:lvl3pPr marL="1828800" indent="0">
+            </a:lvl4pPr>
+            <a:lvl5pPr marL="4572000" indent="0">
               <a:buNone/>
-              <a:defRPr sz="3600" b="1"/>
-            </a:lvl3pPr>
-            <a:lvl4pPr marL="2743200" indent="0">
+              <a:defRPr sz="4000" b="1"/>
+            </a:lvl5pPr>
+            <a:lvl6pPr marL="5715000" indent="0">
               <a:buNone/>
-              <a:defRPr sz="3200" b="1"/>
-            </a:lvl4pPr>
-            <a:lvl5pPr marL="3657600" indent="0">
+              <a:defRPr sz="4000" b="1"/>
+            </a:lvl6pPr>
+            <a:lvl7pPr marL="6858000" indent="0">
               <a:buNone/>
-              <a:defRPr sz="3200" b="1"/>
-            </a:lvl5pPr>
-            <a:lvl6pPr marL="4572000" indent="0">
+              <a:defRPr sz="4000" b="1"/>
+            </a:lvl7pPr>
+            <a:lvl8pPr marL="8001000" indent="0">
               <a:buNone/>
-              <a:defRPr sz="3200" b="1"/>
-            </a:lvl6pPr>
-            <a:lvl7pPr marL="5486400" indent="0">
+              <a:defRPr sz="4000" b="1"/>
+            </a:lvl8pPr>
+            <a:lvl9pPr marL="9144000" indent="0">
               <a:buNone/>
-              <a:defRPr sz="3200" b="1"/>
-            </a:lvl7pPr>
-            <a:lvl8pPr marL="6400800" indent="0">
-              <a:buNone/>
-              <a:defRPr sz="3200" b="1"/>
-            </a:lvl8pPr>
-            <a:lvl9pPr marL="7315200" indent="0">
-              <a:buNone/>
-              <a:defRPr sz="3200" b="1"/>
+              <a:defRPr sz="4000" b="1"/>
             </a:lvl9pPr>
           </a:lstStyle>
           <a:p>
@@ -7839,8 +8254,8 @@
         </p:nvSpPr>
         <p:spPr>
           <a:xfrm>
-            <a:off x="9258301" y="6680200"/>
-            <a:ext cx="7774782" cy="9825568"/>
+            <a:off x="11572876" y="8350250"/>
+            <a:ext cx="9718478" cy="12281960"/>
           </a:xfrm>
         </p:spPr>
         <p:txBody>
@@ -7901,7 +8316,7 @@
           <a:p>
             <a:fld id="{54E435BD-4569-4C00-96FD-DE6EEAA430DA}" type="datetimeFigureOut">
               <a:rPr lang="en-US" smtClean="0"/>
-              <a:t>7/27/2023</a:t>
+              <a:t>8/2/2023</a:t>
             </a:fld>
             <a:endParaRPr lang="en-US"/>
           </a:p>
@@ -7952,7 +8367,7 @@
     </p:spTree>
     <p:extLst>
       <p:ext uri="{BB962C8B-B14F-4D97-AF65-F5344CB8AC3E}">
-        <p14:creationId xmlns:p14="http://schemas.microsoft.com/office/powerpoint/2010/main" val="3103050904"/>
+        <p14:creationId xmlns:p14="http://schemas.microsoft.com/office/powerpoint/2010/main" val="1992497372"/>
       </p:ext>
     </p:extLst>
   </p:cSld>
@@ -8019,7 +8434,7 @@
           <a:p>
             <a:fld id="{54E435BD-4569-4C00-96FD-DE6EEAA430DA}" type="datetimeFigureOut">
               <a:rPr lang="en-US" smtClean="0"/>
-              <a:t>7/27/2023</a:t>
+              <a:t>8/2/2023</a:t>
             </a:fld>
             <a:endParaRPr lang="en-US"/>
           </a:p>
@@ -8070,7 +8485,7 @@
     </p:spTree>
     <p:extLst>
       <p:ext uri="{BB962C8B-B14F-4D97-AF65-F5344CB8AC3E}">
-        <p14:creationId xmlns:p14="http://schemas.microsoft.com/office/powerpoint/2010/main" val="4211439757"/>
+        <p14:creationId xmlns:p14="http://schemas.microsoft.com/office/powerpoint/2010/main" val="2161850741"/>
       </p:ext>
     </p:extLst>
   </p:cSld>
@@ -8114,7 +8529,7 @@
           <a:p>
             <a:fld id="{54E435BD-4569-4C00-96FD-DE6EEAA430DA}" type="datetimeFigureOut">
               <a:rPr lang="en-US" smtClean="0"/>
-              <a:t>7/27/2023</a:t>
+              <a:t>8/2/2023</a:t>
             </a:fld>
             <a:endParaRPr lang="en-US"/>
           </a:p>
@@ -8165,7 +8580,7 @@
     </p:spTree>
     <p:extLst>
       <p:ext uri="{BB962C8B-B14F-4D97-AF65-F5344CB8AC3E}">
-        <p14:creationId xmlns:p14="http://schemas.microsoft.com/office/powerpoint/2010/main" val="3908551617"/>
+        <p14:creationId xmlns:p14="http://schemas.microsoft.com/office/powerpoint/2010/main" val="3654460303"/>
       </p:ext>
     </p:extLst>
   </p:cSld>
@@ -8204,15 +8619,15 @@
         </p:nvSpPr>
         <p:spPr>
           <a:xfrm>
-            <a:off x="1259682" y="1219200"/>
-            <a:ext cx="5898356" cy="4267200"/>
+            <a:off x="1574603" y="1524000"/>
+            <a:ext cx="7372945" cy="5334000"/>
           </a:xfrm>
         </p:spPr>
         <p:txBody>
           <a:bodyPr anchor="b"/>
           <a:lstStyle>
             <a:lvl1pPr>
-              <a:defRPr sz="6400"/>
+              <a:defRPr sz="8000"/>
             </a:lvl1pPr>
           </a:lstStyle>
           <a:p>
@@ -8236,39 +8651,39 @@
         </p:nvSpPr>
         <p:spPr>
           <a:xfrm>
-            <a:off x="7774782" y="2633138"/>
-            <a:ext cx="9258300" cy="12996333"/>
+            <a:off x="9718477" y="3291422"/>
+            <a:ext cx="11572875" cy="16245417"/>
           </a:xfrm>
         </p:spPr>
         <p:txBody>
           <a:bodyPr/>
           <a:lstStyle>
             <a:lvl1pPr>
-              <a:defRPr sz="6400"/>
+              <a:defRPr sz="8000"/>
             </a:lvl1pPr>
             <a:lvl2pPr>
-              <a:defRPr sz="5600"/>
+              <a:defRPr sz="7000"/>
             </a:lvl2pPr>
             <a:lvl3pPr>
-              <a:defRPr sz="4800"/>
+              <a:defRPr sz="6000"/>
             </a:lvl3pPr>
             <a:lvl4pPr>
-              <a:defRPr sz="4000"/>
+              <a:defRPr sz="5000"/>
             </a:lvl4pPr>
             <a:lvl5pPr>
-              <a:defRPr sz="4000"/>
+              <a:defRPr sz="5000"/>
             </a:lvl5pPr>
             <a:lvl6pPr>
-              <a:defRPr sz="4000"/>
+              <a:defRPr sz="5000"/>
             </a:lvl6pPr>
             <a:lvl7pPr>
-              <a:defRPr sz="4000"/>
+              <a:defRPr sz="5000"/>
             </a:lvl7pPr>
             <a:lvl8pPr>
-              <a:defRPr sz="4000"/>
+              <a:defRPr sz="5000"/>
             </a:lvl8pPr>
             <a:lvl9pPr>
-              <a:defRPr sz="4000"/>
+              <a:defRPr sz="5000"/>
             </a:lvl9pPr>
           </a:lstStyle>
           <a:p>
@@ -8321,8 +8736,8 @@
         </p:nvSpPr>
         <p:spPr>
           <a:xfrm>
-            <a:off x="1259682" y="5486400"/>
-            <a:ext cx="5898356" cy="10164235"/>
+            <a:off x="1574603" y="6858000"/>
+            <a:ext cx="7372945" cy="12705293"/>
           </a:xfrm>
         </p:spPr>
         <p:txBody>
@@ -8330,39 +8745,39 @@
           <a:lstStyle>
             <a:lvl1pPr marL="0" indent="0">
               <a:buNone/>
-              <a:defRPr sz="3200"/>
+              <a:defRPr sz="4000"/>
             </a:lvl1pPr>
-            <a:lvl2pPr marL="914400" indent="0">
+            <a:lvl2pPr marL="1143000" indent="0">
               <a:buNone/>
-              <a:defRPr sz="2800"/>
+              <a:defRPr sz="3500"/>
             </a:lvl2pPr>
-            <a:lvl3pPr marL="1828800" indent="0">
+            <a:lvl3pPr marL="2286000" indent="0">
               <a:buNone/>
-              <a:defRPr sz="2400"/>
+              <a:defRPr sz="3000"/>
             </a:lvl3pPr>
-            <a:lvl4pPr marL="2743200" indent="0">
+            <a:lvl4pPr marL="3429000" indent="0">
               <a:buNone/>
-              <a:defRPr sz="2000"/>
+              <a:defRPr sz="2500"/>
             </a:lvl4pPr>
-            <a:lvl5pPr marL="3657600" indent="0">
+            <a:lvl5pPr marL="4572000" indent="0">
               <a:buNone/>
-              <a:defRPr sz="2000"/>
+              <a:defRPr sz="2500"/>
             </a:lvl5pPr>
-            <a:lvl6pPr marL="4572000" indent="0">
+            <a:lvl6pPr marL="5715000" indent="0">
               <a:buNone/>
-              <a:defRPr sz="2000"/>
+              <a:defRPr sz="2500"/>
             </a:lvl6pPr>
-            <a:lvl7pPr marL="5486400" indent="0">
+            <a:lvl7pPr marL="6858000" indent="0">
               <a:buNone/>
-              <a:defRPr sz="2000"/>
+              <a:defRPr sz="2500"/>
             </a:lvl7pPr>
-            <a:lvl8pPr marL="6400800" indent="0">
+            <a:lvl8pPr marL="8001000" indent="0">
               <a:buNone/>
-              <a:defRPr sz="2000"/>
+              <a:defRPr sz="2500"/>
             </a:lvl8pPr>
-            <a:lvl9pPr marL="7315200" indent="0">
+            <a:lvl9pPr marL="9144000" indent="0">
               <a:buNone/>
-              <a:defRPr sz="2000"/>
+              <a:defRPr sz="2500"/>
             </a:lvl9pPr>
           </a:lstStyle>
           <a:p>
@@ -8391,7 +8806,7 @@
           <a:p>
             <a:fld id="{54E435BD-4569-4C00-96FD-DE6EEAA430DA}" type="datetimeFigureOut">
               <a:rPr lang="en-US" smtClean="0"/>
-              <a:t>7/27/2023</a:t>
+              <a:t>8/2/2023</a:t>
             </a:fld>
             <a:endParaRPr lang="en-US"/>
           </a:p>
@@ -8442,7 +8857,7 @@
     </p:spTree>
     <p:extLst>
       <p:ext uri="{BB962C8B-B14F-4D97-AF65-F5344CB8AC3E}">
-        <p14:creationId xmlns:p14="http://schemas.microsoft.com/office/powerpoint/2010/main" val="2741487941"/>
+        <p14:creationId xmlns:p14="http://schemas.microsoft.com/office/powerpoint/2010/main" val="2133264428"/>
       </p:ext>
     </p:extLst>
   </p:cSld>
@@ -8481,15 +8896,15 @@
         </p:nvSpPr>
         <p:spPr>
           <a:xfrm>
-            <a:off x="1259682" y="1219200"/>
-            <a:ext cx="5898356" cy="4267200"/>
+            <a:off x="1574603" y="1524000"/>
+            <a:ext cx="7372945" cy="5334000"/>
           </a:xfrm>
         </p:spPr>
         <p:txBody>
           <a:bodyPr anchor="b"/>
           <a:lstStyle>
             <a:lvl1pPr>
-              <a:defRPr sz="6400"/>
+              <a:defRPr sz="8000"/>
             </a:lvl1pPr>
           </a:lstStyle>
           <a:p>
@@ -8513,8 +8928,8 @@
         </p:nvSpPr>
         <p:spPr>
           <a:xfrm>
-            <a:off x="7774782" y="2633138"/>
-            <a:ext cx="9258300" cy="12996333"/>
+            <a:off x="9718477" y="3291422"/>
+            <a:ext cx="11572875" cy="16245417"/>
           </a:xfrm>
         </p:spPr>
         <p:txBody>
@@ -8522,39 +8937,39 @@
           <a:lstStyle>
             <a:lvl1pPr marL="0" indent="0">
               <a:buNone/>
-              <a:defRPr sz="6400"/>
+              <a:defRPr sz="8000"/>
             </a:lvl1pPr>
-            <a:lvl2pPr marL="914400" indent="0">
+            <a:lvl2pPr marL="1143000" indent="0">
               <a:buNone/>
-              <a:defRPr sz="5600"/>
+              <a:defRPr sz="7000"/>
             </a:lvl2pPr>
-            <a:lvl3pPr marL="1828800" indent="0">
+            <a:lvl3pPr marL="2286000" indent="0">
               <a:buNone/>
-              <a:defRPr sz="4800"/>
+              <a:defRPr sz="6000"/>
             </a:lvl3pPr>
-            <a:lvl4pPr marL="2743200" indent="0">
+            <a:lvl4pPr marL="3429000" indent="0">
               <a:buNone/>
-              <a:defRPr sz="4000"/>
+              <a:defRPr sz="5000"/>
             </a:lvl4pPr>
-            <a:lvl5pPr marL="3657600" indent="0">
+            <a:lvl5pPr marL="4572000" indent="0">
               <a:buNone/>
-              <a:defRPr sz="4000"/>
+              <a:defRPr sz="5000"/>
             </a:lvl5pPr>
-            <a:lvl6pPr marL="4572000" indent="0">
+            <a:lvl6pPr marL="5715000" indent="0">
               <a:buNone/>
-              <a:defRPr sz="4000"/>
+              <a:defRPr sz="5000"/>
             </a:lvl6pPr>
-            <a:lvl7pPr marL="5486400" indent="0">
+            <a:lvl7pPr marL="6858000" indent="0">
               <a:buNone/>
-              <a:defRPr sz="4000"/>
+              <a:defRPr sz="5000"/>
             </a:lvl7pPr>
-            <a:lvl8pPr marL="6400800" indent="0">
+            <a:lvl8pPr marL="8001000" indent="0">
               <a:buNone/>
-              <a:defRPr sz="4000"/>
+              <a:defRPr sz="5000"/>
             </a:lvl8pPr>
-            <a:lvl9pPr marL="7315200" indent="0">
+            <a:lvl9pPr marL="9144000" indent="0">
               <a:buNone/>
-              <a:defRPr sz="4000"/>
+              <a:defRPr sz="5000"/>
             </a:lvl9pPr>
           </a:lstStyle>
           <a:p>
@@ -8578,8 +8993,8 @@
         </p:nvSpPr>
         <p:spPr>
           <a:xfrm>
-            <a:off x="1259682" y="5486400"/>
-            <a:ext cx="5898356" cy="10164235"/>
+            <a:off x="1574603" y="6858000"/>
+            <a:ext cx="7372945" cy="12705293"/>
           </a:xfrm>
         </p:spPr>
         <p:txBody>
@@ -8587,39 +9002,39 @@
           <a:lstStyle>
             <a:lvl1pPr marL="0" indent="0">
               <a:buNone/>
-              <a:defRPr sz="3200"/>
+              <a:defRPr sz="4000"/>
             </a:lvl1pPr>
-            <a:lvl2pPr marL="914400" indent="0">
+            <a:lvl2pPr marL="1143000" indent="0">
               <a:buNone/>
-              <a:defRPr sz="2800"/>
+              <a:defRPr sz="3500"/>
             </a:lvl2pPr>
-            <a:lvl3pPr marL="1828800" indent="0">
+            <a:lvl3pPr marL="2286000" indent="0">
               <a:buNone/>
-              <a:defRPr sz="2400"/>
+              <a:defRPr sz="3000"/>
             </a:lvl3pPr>
-            <a:lvl4pPr marL="2743200" indent="0">
+            <a:lvl4pPr marL="3429000" indent="0">
               <a:buNone/>
-              <a:defRPr sz="2000"/>
+              <a:defRPr sz="2500"/>
             </a:lvl4pPr>
-            <a:lvl5pPr marL="3657600" indent="0">
+            <a:lvl5pPr marL="4572000" indent="0">
               <a:buNone/>
-              <a:defRPr sz="2000"/>
+              <a:defRPr sz="2500"/>
             </a:lvl5pPr>
-            <a:lvl6pPr marL="4572000" indent="0">
+            <a:lvl6pPr marL="5715000" indent="0">
               <a:buNone/>
-              <a:defRPr sz="2000"/>
+              <a:defRPr sz="2500"/>
             </a:lvl6pPr>
-            <a:lvl7pPr marL="5486400" indent="0">
+            <a:lvl7pPr marL="6858000" indent="0">
               <a:buNone/>
-              <a:defRPr sz="2000"/>
+              <a:defRPr sz="2500"/>
             </a:lvl7pPr>
-            <a:lvl8pPr marL="6400800" indent="0">
+            <a:lvl8pPr marL="8001000" indent="0">
               <a:buNone/>
-              <a:defRPr sz="2000"/>
+              <a:defRPr sz="2500"/>
             </a:lvl8pPr>
-            <a:lvl9pPr marL="7315200" indent="0">
+            <a:lvl9pPr marL="9144000" indent="0">
               <a:buNone/>
-              <a:defRPr sz="2000"/>
+              <a:defRPr sz="2500"/>
             </a:lvl9pPr>
           </a:lstStyle>
           <a:p>
@@ -8648,7 +9063,7 @@
           <a:p>
             <a:fld id="{54E435BD-4569-4C00-96FD-DE6EEAA430DA}" type="datetimeFigureOut">
               <a:rPr lang="en-US" smtClean="0"/>
-              <a:t>7/27/2023</a:t>
+              <a:t>8/2/2023</a:t>
             </a:fld>
             <a:endParaRPr lang="en-US"/>
           </a:p>
@@ -8699,7 +9114,7 @@
     </p:spTree>
     <p:extLst>
       <p:ext uri="{BB962C8B-B14F-4D97-AF65-F5344CB8AC3E}">
-        <p14:creationId xmlns:p14="http://schemas.microsoft.com/office/powerpoint/2010/main" val="3890805467"/>
+        <p14:creationId xmlns:p14="http://schemas.microsoft.com/office/powerpoint/2010/main" val="272294400"/>
       </p:ext>
     </p:extLst>
   </p:cSld>
@@ -8743,8 +9158,8 @@
         </p:nvSpPr>
         <p:spPr>
           <a:xfrm>
-            <a:off x="1257300" y="973671"/>
-            <a:ext cx="15773400" cy="3534835"/>
+            <a:off x="1571625" y="1217089"/>
+            <a:ext cx="19716750" cy="4418543"/>
           </a:xfrm>
           <a:prstGeom prst="rect">
             <a:avLst/>
@@ -8776,8 +9191,8 @@
         </p:nvSpPr>
         <p:spPr>
           <a:xfrm>
-            <a:off x="1257300" y="4868333"/>
-            <a:ext cx="15773400" cy="11603568"/>
+            <a:off x="1571625" y="6085417"/>
+            <a:ext cx="19716750" cy="14504460"/>
           </a:xfrm>
           <a:prstGeom prst="rect">
             <a:avLst/>
@@ -8838,8 +9253,8 @@
         </p:nvSpPr>
         <p:spPr>
           <a:xfrm>
-            <a:off x="1257300" y="16950271"/>
-            <a:ext cx="4114800" cy="973667"/>
+            <a:off x="1571625" y="21187839"/>
+            <a:ext cx="5143500" cy="1217083"/>
           </a:xfrm>
           <a:prstGeom prst="rect">
             <a:avLst/>
@@ -8849,7 +9264,7 @@
           <a:bodyPr vert="horz" lIns="91440" tIns="45720" rIns="91440" bIns="45720" rtlCol="0" anchor="ctr"/>
           <a:lstStyle>
             <a:lvl1pPr algn="l">
-              <a:defRPr sz="2400">
+              <a:defRPr sz="3000">
                 <a:solidFill>
                   <a:schemeClr val="tx1">
                     <a:tint val="75000"/>
@@ -8861,7 +9276,7 @@
           <a:p>
             <a:fld id="{54E435BD-4569-4C00-96FD-DE6EEAA430DA}" type="datetimeFigureOut">
               <a:rPr lang="en-US" smtClean="0"/>
-              <a:t>7/27/2023</a:t>
+              <a:t>8/2/2023</a:t>
             </a:fld>
             <a:endParaRPr lang="en-US"/>
           </a:p>
@@ -8879,8 +9294,8 @@
         </p:nvSpPr>
         <p:spPr>
           <a:xfrm>
-            <a:off x="6057900" y="16950271"/>
-            <a:ext cx="6172200" cy="973667"/>
+            <a:off x="7572375" y="21187839"/>
+            <a:ext cx="7715250" cy="1217083"/>
           </a:xfrm>
           <a:prstGeom prst="rect">
             <a:avLst/>
@@ -8890,7 +9305,7 @@
           <a:bodyPr vert="horz" lIns="91440" tIns="45720" rIns="91440" bIns="45720" rtlCol="0" anchor="ctr"/>
           <a:lstStyle>
             <a:lvl1pPr algn="ctr">
-              <a:defRPr sz="2400">
+              <a:defRPr sz="3000">
                 <a:solidFill>
                   <a:schemeClr val="tx1">
                     <a:tint val="75000"/>
@@ -8916,8 +9331,8 @@
         </p:nvSpPr>
         <p:spPr>
           <a:xfrm>
-            <a:off x="12915900" y="16950271"/>
-            <a:ext cx="4114800" cy="973667"/>
+            <a:off x="16144875" y="21187839"/>
+            <a:ext cx="5143500" cy="1217083"/>
           </a:xfrm>
           <a:prstGeom prst="rect">
             <a:avLst/>
@@ -8927,7 +9342,7 @@
           <a:bodyPr vert="horz" lIns="91440" tIns="45720" rIns="91440" bIns="45720" rtlCol="0" anchor="ctr"/>
           <a:lstStyle>
             <a:lvl1pPr algn="r">
-              <a:defRPr sz="2400">
+              <a:defRPr sz="3000">
                 <a:solidFill>
                   <a:schemeClr val="tx1">
                     <a:tint val="75000"/>
@@ -8948,27 +9363,27 @@
     </p:spTree>
     <p:extLst>
       <p:ext uri="{BB962C8B-B14F-4D97-AF65-F5344CB8AC3E}">
-        <p14:creationId xmlns:p14="http://schemas.microsoft.com/office/powerpoint/2010/main" val="3406459073"/>
+        <p14:creationId xmlns:p14="http://schemas.microsoft.com/office/powerpoint/2010/main" val="1488885718"/>
       </p:ext>
     </p:extLst>
   </p:cSld>
   <p:clrMap bg1="lt1" tx1="dk1" bg2="lt2" tx2="dk2" accent1="accent1" accent2="accent2" accent3="accent3" accent4="accent4" accent5="accent5" accent6="accent6" hlink="hlink" folHlink="folHlink"/>
   <p:sldLayoutIdLst>
-    <p:sldLayoutId id="2147483661" r:id="rId1"/>
-    <p:sldLayoutId id="2147483662" r:id="rId2"/>
-    <p:sldLayoutId id="2147483663" r:id="rId3"/>
-    <p:sldLayoutId id="2147483664" r:id="rId4"/>
-    <p:sldLayoutId id="2147483665" r:id="rId5"/>
-    <p:sldLayoutId id="2147483666" r:id="rId6"/>
-    <p:sldLayoutId id="2147483667" r:id="rId7"/>
-    <p:sldLayoutId id="2147483668" r:id="rId8"/>
-    <p:sldLayoutId id="2147483669" r:id="rId9"/>
-    <p:sldLayoutId id="2147483670" r:id="rId10"/>
-    <p:sldLayoutId id="2147483671" r:id="rId11"/>
+    <p:sldLayoutId id="2147483673" r:id="rId1"/>
+    <p:sldLayoutId id="2147483674" r:id="rId2"/>
+    <p:sldLayoutId id="2147483675" r:id="rId3"/>
+    <p:sldLayoutId id="2147483676" r:id="rId4"/>
+    <p:sldLayoutId id="2147483677" r:id="rId5"/>
+    <p:sldLayoutId id="2147483678" r:id="rId6"/>
+    <p:sldLayoutId id="2147483679" r:id="rId7"/>
+    <p:sldLayoutId id="2147483680" r:id="rId8"/>
+    <p:sldLayoutId id="2147483681" r:id="rId9"/>
+    <p:sldLayoutId id="2147483682" r:id="rId10"/>
+    <p:sldLayoutId id="2147483683" r:id="rId11"/>
   </p:sldLayoutIdLst>
   <p:txStyles>
     <p:titleStyle>
-      <a:lvl1pPr algn="l" defTabSz="1828800" rtl="0" eaLnBrk="1" latinLnBrk="0" hangingPunct="1">
+      <a:lvl1pPr algn="l" defTabSz="2286000" rtl="0" eaLnBrk="1" latinLnBrk="0" hangingPunct="1">
         <a:lnSpc>
           <a:spcPct val="90000"/>
         </a:lnSpc>
@@ -8976,7 +9391,7 @@
           <a:spcPct val="0"/>
         </a:spcBef>
         <a:buNone/>
-        <a:defRPr sz="8800" kern="1200">
+        <a:defRPr sz="11000" kern="1200">
           <a:solidFill>
             <a:schemeClr val="tx1"/>
           </a:solidFill>
@@ -8987,16 +9402,16 @@
       </a:lvl1pPr>
     </p:titleStyle>
     <p:bodyStyle>
-      <a:lvl1pPr marL="457200" indent="-457200" algn="l" defTabSz="1828800" rtl="0" eaLnBrk="1" latinLnBrk="0" hangingPunct="1">
+      <a:lvl1pPr marL="571500" indent="-571500" algn="l" defTabSz="2286000" rtl="0" eaLnBrk="1" latinLnBrk="0" hangingPunct="1">
         <a:lnSpc>
           <a:spcPct val="90000"/>
         </a:lnSpc>
         <a:spcBef>
-          <a:spcPts val="2000"/>
+          <a:spcPts val="2500"/>
         </a:spcBef>
         <a:buFont typeface="Arial" panose="020B0604020202020204" pitchFamily="34" charset="0"/>
         <a:buChar char="•"/>
-        <a:defRPr sz="5600" kern="1200">
+        <a:defRPr sz="7000" kern="1200">
           <a:solidFill>
             <a:schemeClr val="tx1"/>
           </a:solidFill>
@@ -9005,16 +9420,16 @@
           <a:cs typeface="+mn-cs"/>
         </a:defRPr>
       </a:lvl1pPr>
-      <a:lvl2pPr marL="1371600" indent="-457200" algn="l" defTabSz="1828800" rtl="0" eaLnBrk="1" latinLnBrk="0" hangingPunct="1">
+      <a:lvl2pPr marL="1714500" indent="-571500" algn="l" defTabSz="2286000" rtl="0" eaLnBrk="1" latinLnBrk="0" hangingPunct="1">
         <a:lnSpc>
           <a:spcPct val="90000"/>
         </a:lnSpc>
         <a:spcBef>
-          <a:spcPts val="1000"/>
+          <a:spcPts val="1250"/>
         </a:spcBef>
         <a:buFont typeface="Arial" panose="020B0604020202020204" pitchFamily="34" charset="0"/>
         <a:buChar char="•"/>
-        <a:defRPr sz="4800" kern="1200">
+        <a:defRPr sz="6000" kern="1200">
           <a:solidFill>
             <a:schemeClr val="tx1"/>
           </a:solidFill>
@@ -9023,16 +9438,16 @@
           <a:cs typeface="+mn-cs"/>
         </a:defRPr>
       </a:lvl2pPr>
-      <a:lvl3pPr marL="2286000" indent="-457200" algn="l" defTabSz="1828800" rtl="0" eaLnBrk="1" latinLnBrk="0" hangingPunct="1">
+      <a:lvl3pPr marL="2857500" indent="-571500" algn="l" defTabSz="2286000" rtl="0" eaLnBrk="1" latinLnBrk="0" hangingPunct="1">
         <a:lnSpc>
           <a:spcPct val="90000"/>
         </a:lnSpc>
         <a:spcBef>
-          <a:spcPts val="1000"/>
+          <a:spcPts val="1250"/>
         </a:spcBef>
         <a:buFont typeface="Arial" panose="020B0604020202020204" pitchFamily="34" charset="0"/>
         <a:buChar char="•"/>
-        <a:defRPr sz="4000" kern="1200">
+        <a:defRPr sz="5000" kern="1200">
           <a:solidFill>
             <a:schemeClr val="tx1"/>
           </a:solidFill>
@@ -9041,16 +9456,16 @@
           <a:cs typeface="+mn-cs"/>
         </a:defRPr>
       </a:lvl3pPr>
-      <a:lvl4pPr marL="3200400" indent="-457200" algn="l" defTabSz="1828800" rtl="0" eaLnBrk="1" latinLnBrk="0" hangingPunct="1">
+      <a:lvl4pPr marL="4000500" indent="-571500" algn="l" defTabSz="2286000" rtl="0" eaLnBrk="1" latinLnBrk="0" hangingPunct="1">
         <a:lnSpc>
           <a:spcPct val="90000"/>
         </a:lnSpc>
         <a:spcBef>
-          <a:spcPts val="1000"/>
+          <a:spcPts val="1250"/>
         </a:spcBef>
         <a:buFont typeface="Arial" panose="020B0604020202020204" pitchFamily="34" charset="0"/>
         <a:buChar char="•"/>
-        <a:defRPr sz="3600" kern="1200">
+        <a:defRPr sz="4500" kern="1200">
           <a:solidFill>
             <a:schemeClr val="tx1"/>
           </a:solidFill>
@@ -9059,16 +9474,16 @@
           <a:cs typeface="+mn-cs"/>
         </a:defRPr>
       </a:lvl4pPr>
-      <a:lvl5pPr marL="4114800" indent="-457200" algn="l" defTabSz="1828800" rtl="0" eaLnBrk="1" latinLnBrk="0" hangingPunct="1">
+      <a:lvl5pPr marL="5143500" indent="-571500" algn="l" defTabSz="2286000" rtl="0" eaLnBrk="1" latinLnBrk="0" hangingPunct="1">
         <a:lnSpc>
           <a:spcPct val="90000"/>
         </a:lnSpc>
         <a:spcBef>
-          <a:spcPts val="1000"/>
+          <a:spcPts val="1250"/>
         </a:spcBef>
         <a:buFont typeface="Arial" panose="020B0604020202020204" pitchFamily="34" charset="0"/>
         <a:buChar char="•"/>
-        <a:defRPr sz="3600" kern="1200">
+        <a:defRPr sz="4500" kern="1200">
           <a:solidFill>
             <a:schemeClr val="tx1"/>
           </a:solidFill>
@@ -9077,16 +9492,16 @@
           <a:cs typeface="+mn-cs"/>
         </a:defRPr>
       </a:lvl5pPr>
-      <a:lvl6pPr marL="5029200" indent="-457200" algn="l" defTabSz="1828800" rtl="0" eaLnBrk="1" latinLnBrk="0" hangingPunct="1">
+      <a:lvl6pPr marL="6286500" indent="-571500" algn="l" defTabSz="2286000" rtl="0" eaLnBrk="1" latinLnBrk="0" hangingPunct="1">
         <a:lnSpc>
           <a:spcPct val="90000"/>
         </a:lnSpc>
         <a:spcBef>
-          <a:spcPts val="1000"/>
+          <a:spcPts val="1250"/>
         </a:spcBef>
         <a:buFont typeface="Arial" panose="020B0604020202020204" pitchFamily="34" charset="0"/>
         <a:buChar char="•"/>
-        <a:defRPr sz="3600" kern="1200">
+        <a:defRPr sz="4500" kern="1200">
           <a:solidFill>
             <a:schemeClr val="tx1"/>
           </a:solidFill>
@@ -9095,16 +9510,16 @@
           <a:cs typeface="+mn-cs"/>
         </a:defRPr>
       </a:lvl6pPr>
-      <a:lvl7pPr marL="5943600" indent="-457200" algn="l" defTabSz="1828800" rtl="0" eaLnBrk="1" latinLnBrk="0" hangingPunct="1">
+      <a:lvl7pPr marL="7429500" indent="-571500" algn="l" defTabSz="2286000" rtl="0" eaLnBrk="1" latinLnBrk="0" hangingPunct="1">
         <a:lnSpc>
           <a:spcPct val="90000"/>
         </a:lnSpc>
         <a:spcBef>
-          <a:spcPts val="1000"/>
+          <a:spcPts val="1250"/>
         </a:spcBef>
         <a:buFont typeface="Arial" panose="020B0604020202020204" pitchFamily="34" charset="0"/>
         <a:buChar char="•"/>
-        <a:defRPr sz="3600" kern="1200">
+        <a:defRPr sz="4500" kern="1200">
           <a:solidFill>
             <a:schemeClr val="tx1"/>
           </a:solidFill>
@@ -9113,16 +9528,16 @@
           <a:cs typeface="+mn-cs"/>
         </a:defRPr>
       </a:lvl7pPr>
-      <a:lvl8pPr marL="6858000" indent="-457200" algn="l" defTabSz="1828800" rtl="0" eaLnBrk="1" latinLnBrk="0" hangingPunct="1">
+      <a:lvl8pPr marL="8572500" indent="-571500" algn="l" defTabSz="2286000" rtl="0" eaLnBrk="1" latinLnBrk="0" hangingPunct="1">
         <a:lnSpc>
           <a:spcPct val="90000"/>
         </a:lnSpc>
         <a:spcBef>
-          <a:spcPts val="1000"/>
+          <a:spcPts val="1250"/>
         </a:spcBef>
         <a:buFont typeface="Arial" panose="020B0604020202020204" pitchFamily="34" charset="0"/>
         <a:buChar char="•"/>
-        <a:defRPr sz="3600" kern="1200">
+        <a:defRPr sz="4500" kern="1200">
           <a:solidFill>
             <a:schemeClr val="tx1"/>
           </a:solidFill>
@@ -9131,16 +9546,16 @@
           <a:cs typeface="+mn-cs"/>
         </a:defRPr>
       </a:lvl8pPr>
-      <a:lvl9pPr marL="7772400" indent="-457200" algn="l" defTabSz="1828800" rtl="0" eaLnBrk="1" latinLnBrk="0" hangingPunct="1">
+      <a:lvl9pPr marL="9715500" indent="-571500" algn="l" defTabSz="2286000" rtl="0" eaLnBrk="1" latinLnBrk="0" hangingPunct="1">
         <a:lnSpc>
           <a:spcPct val="90000"/>
         </a:lnSpc>
         <a:spcBef>
-          <a:spcPts val="1000"/>
+          <a:spcPts val="1250"/>
         </a:spcBef>
         <a:buFont typeface="Arial" panose="020B0604020202020204" pitchFamily="34" charset="0"/>
         <a:buChar char="•"/>
-        <a:defRPr sz="3600" kern="1200">
+        <a:defRPr sz="4500" kern="1200">
           <a:solidFill>
             <a:schemeClr val="tx1"/>
           </a:solidFill>
@@ -9154,8 +9569,8 @@
       <a:defPPr>
         <a:defRPr lang="en-US"/>
       </a:defPPr>
-      <a:lvl1pPr marL="0" algn="l" defTabSz="1828800" rtl="0" eaLnBrk="1" latinLnBrk="0" hangingPunct="1">
-        <a:defRPr sz="3600" kern="1200">
+      <a:lvl1pPr marL="0" algn="l" defTabSz="2286000" rtl="0" eaLnBrk="1" latinLnBrk="0" hangingPunct="1">
+        <a:defRPr sz="4500" kern="1200">
           <a:solidFill>
             <a:schemeClr val="tx1"/>
           </a:solidFill>
@@ -9164,8 +9579,8 @@
           <a:cs typeface="+mn-cs"/>
         </a:defRPr>
       </a:lvl1pPr>
-      <a:lvl2pPr marL="914400" algn="l" defTabSz="1828800" rtl="0" eaLnBrk="1" latinLnBrk="0" hangingPunct="1">
-        <a:defRPr sz="3600" kern="1200">
+      <a:lvl2pPr marL="1143000" algn="l" defTabSz="2286000" rtl="0" eaLnBrk="1" latinLnBrk="0" hangingPunct="1">
+        <a:defRPr sz="4500" kern="1200">
           <a:solidFill>
             <a:schemeClr val="tx1"/>
           </a:solidFill>
@@ -9174,8 +9589,8 @@
           <a:cs typeface="+mn-cs"/>
         </a:defRPr>
       </a:lvl2pPr>
-      <a:lvl3pPr marL="1828800" algn="l" defTabSz="1828800" rtl="0" eaLnBrk="1" latinLnBrk="0" hangingPunct="1">
-        <a:defRPr sz="3600" kern="1200">
+      <a:lvl3pPr marL="2286000" algn="l" defTabSz="2286000" rtl="0" eaLnBrk="1" latinLnBrk="0" hangingPunct="1">
+        <a:defRPr sz="4500" kern="1200">
           <a:solidFill>
             <a:schemeClr val="tx1"/>
           </a:solidFill>
@@ -9184,8 +9599,8 @@
           <a:cs typeface="+mn-cs"/>
         </a:defRPr>
       </a:lvl3pPr>
-      <a:lvl4pPr marL="2743200" algn="l" defTabSz="1828800" rtl="0" eaLnBrk="1" latinLnBrk="0" hangingPunct="1">
-        <a:defRPr sz="3600" kern="1200">
+      <a:lvl4pPr marL="3429000" algn="l" defTabSz="2286000" rtl="0" eaLnBrk="1" latinLnBrk="0" hangingPunct="1">
+        <a:defRPr sz="4500" kern="1200">
           <a:solidFill>
             <a:schemeClr val="tx1"/>
           </a:solidFill>
@@ -9194,8 +9609,8 @@
           <a:cs typeface="+mn-cs"/>
         </a:defRPr>
       </a:lvl4pPr>
-      <a:lvl5pPr marL="3657600" algn="l" defTabSz="1828800" rtl="0" eaLnBrk="1" latinLnBrk="0" hangingPunct="1">
-        <a:defRPr sz="3600" kern="1200">
+      <a:lvl5pPr marL="4572000" algn="l" defTabSz="2286000" rtl="0" eaLnBrk="1" latinLnBrk="0" hangingPunct="1">
+        <a:defRPr sz="4500" kern="1200">
           <a:solidFill>
             <a:schemeClr val="tx1"/>
           </a:solidFill>
@@ -9204,8 +9619,8 @@
           <a:cs typeface="+mn-cs"/>
         </a:defRPr>
       </a:lvl5pPr>
-      <a:lvl6pPr marL="4572000" algn="l" defTabSz="1828800" rtl="0" eaLnBrk="1" latinLnBrk="0" hangingPunct="1">
-        <a:defRPr sz="3600" kern="1200">
+      <a:lvl6pPr marL="5715000" algn="l" defTabSz="2286000" rtl="0" eaLnBrk="1" latinLnBrk="0" hangingPunct="1">
+        <a:defRPr sz="4500" kern="1200">
           <a:solidFill>
             <a:schemeClr val="tx1"/>
           </a:solidFill>
@@ -9214,8 +9629,8 @@
           <a:cs typeface="+mn-cs"/>
         </a:defRPr>
       </a:lvl6pPr>
-      <a:lvl7pPr marL="5486400" algn="l" defTabSz="1828800" rtl="0" eaLnBrk="1" latinLnBrk="0" hangingPunct="1">
-        <a:defRPr sz="3600" kern="1200">
+      <a:lvl7pPr marL="6858000" algn="l" defTabSz="2286000" rtl="0" eaLnBrk="1" latinLnBrk="0" hangingPunct="1">
+        <a:defRPr sz="4500" kern="1200">
           <a:solidFill>
             <a:schemeClr val="tx1"/>
           </a:solidFill>
@@ -9224,8 +9639,8 @@
           <a:cs typeface="+mn-cs"/>
         </a:defRPr>
       </a:lvl7pPr>
-      <a:lvl8pPr marL="6400800" algn="l" defTabSz="1828800" rtl="0" eaLnBrk="1" latinLnBrk="0" hangingPunct="1">
-        <a:defRPr sz="3600" kern="1200">
+      <a:lvl8pPr marL="8001000" algn="l" defTabSz="2286000" rtl="0" eaLnBrk="1" latinLnBrk="0" hangingPunct="1">
+        <a:defRPr sz="4500" kern="1200">
           <a:solidFill>
             <a:schemeClr val="tx1"/>
           </a:solidFill>
@@ -9234,8 +9649,8 @@
           <a:cs typeface="+mn-cs"/>
         </a:defRPr>
       </a:lvl8pPr>
-      <a:lvl9pPr marL="7315200" algn="l" defTabSz="1828800" rtl="0" eaLnBrk="1" latinLnBrk="0" hangingPunct="1">
-        <a:defRPr sz="3600" kern="1200">
+      <a:lvl9pPr marL="9144000" algn="l" defTabSz="2286000" rtl="0" eaLnBrk="1" latinLnBrk="0" hangingPunct="1">
+        <a:defRPr sz="4500" kern="1200">
           <a:solidFill>
             <a:schemeClr val="tx1"/>
           </a:solidFill>
@@ -9294,8 +9709,8 @@
         </p:blipFill>
         <p:spPr>
           <a:xfrm>
-            <a:off x="1999253" y="4857152"/>
-            <a:ext cx="14289494" cy="8573696"/>
+            <a:off x="2499066" y="6071440"/>
+            <a:ext cx="17861868" cy="10717120"/>
           </a:xfrm>
           <a:prstGeom prst="rect">
             <a:avLst/>
@@ -9316,8 +9731,8 @@
         </p:nvSpPr>
         <p:spPr>
           <a:xfrm>
-            <a:off x="2242928" y="4626319"/>
-            <a:ext cx="570122" cy="461665"/>
+            <a:off x="2803660" y="5782899"/>
+            <a:ext cx="712653" cy="553998"/>
           </a:xfrm>
           <a:prstGeom prst="rect">
             <a:avLst/>
@@ -9331,7 +9746,7 @@
           <a:lstStyle/>
           <a:p>
             <a:r>
-              <a:rPr lang="en-US" sz="2400" b="1" dirty="0">
+              <a:rPr lang="en-US" sz="3000" b="1" dirty="0">
                 <a:latin typeface="Arial" panose="020B0604020202020204" pitchFamily="34" charset="0"/>
                 <a:ea typeface="Yu Gothic" panose="020B0400000000000000" pitchFamily="34" charset="-128"/>
                 <a:cs typeface="Arial" panose="020B0604020202020204" pitchFamily="34" charset="0"/>
@@ -9355,8 +9770,8 @@
         </p:nvSpPr>
         <p:spPr>
           <a:xfrm>
-            <a:off x="11502135" y="4626319"/>
-            <a:ext cx="570122" cy="461665"/>
+            <a:off x="14377669" y="5782899"/>
+            <a:ext cx="712653" cy="553998"/>
           </a:xfrm>
           <a:prstGeom prst="rect">
             <a:avLst/>
@@ -9370,7 +9785,7 @@
           <a:lstStyle/>
           <a:p>
             <a:r>
-              <a:rPr lang="en-US" sz="2400" b="1" dirty="0">
+              <a:rPr lang="en-US" sz="3000" b="1" dirty="0">
                 <a:latin typeface="Arial" panose="020B0604020202020204" pitchFamily="34" charset="0"/>
                 <a:ea typeface="Yu Gothic" panose="020B0400000000000000" pitchFamily="34" charset="-128"/>
                 <a:cs typeface="Arial" panose="020B0604020202020204" pitchFamily="34" charset="0"/>
@@ -9437,8 +9852,8 @@
         </p:blipFill>
         <p:spPr>
           <a:xfrm>
-            <a:off x="8835773" y="1003787"/>
-            <a:ext cx="4435246" cy="15242126"/>
+            <a:off x="11044716" y="1254734"/>
+            <a:ext cx="5544058" cy="19052658"/>
           </a:xfrm>
           <a:prstGeom prst="rect">
             <a:avLst/>
@@ -9478,8 +9893,8 @@
         </p:blipFill>
         <p:spPr>
           <a:xfrm>
-            <a:off x="2109284" y="1003786"/>
-            <a:ext cx="6668431" cy="15242127"/>
+            <a:off x="2636606" y="1254733"/>
+            <a:ext cx="8335539" cy="19052659"/>
           </a:xfrm>
           <a:prstGeom prst="rect">
             <a:avLst/>
@@ -9548,8 +9963,8 @@
         </p:blipFill>
         <p:spPr>
           <a:xfrm>
-            <a:off x="2975644" y="4836190"/>
-            <a:ext cx="4472906" cy="8696930"/>
+            <a:off x="4386896" y="6026187"/>
+            <a:ext cx="4542792" cy="8680413"/>
           </a:xfrm>
           <a:prstGeom prst="rect">
             <a:avLst/>
@@ -9583,8 +9998,8 @@
         </p:blipFill>
         <p:spPr>
           <a:xfrm rot="10800000">
-            <a:off x="12799459" y="4657125"/>
-            <a:ext cx="355600" cy="1620748"/>
+            <a:off x="14266074" y="6026187"/>
+            <a:ext cx="444500" cy="2025935"/>
           </a:xfrm>
           <a:prstGeom prst="rect">
             <a:avLst/>
@@ -9593,10 +10008,10 @@
       </p:pic>
       <p:pic>
         <p:nvPicPr>
-          <p:cNvPr id="28" name="Picture 27" descr="A screenshot of a graph&#10;&#10;Description automatically generated">
+          <p:cNvPr id="5" name="Picture 4" descr="A screenshot of a graph&#10;&#10;Description automatically generated">
             <a:extLst>
               <a:ext uri="{FF2B5EF4-FFF2-40B4-BE49-F238E27FC236}">
-                <a16:creationId xmlns:a16="http://schemas.microsoft.com/office/drawing/2014/main" id="{46528D09-AD4C-D99C-408E-F6D6D440FFC5}"/>
+                <a16:creationId xmlns:a16="http://schemas.microsoft.com/office/drawing/2014/main" id="{943857E5-B1C2-CA97-73F6-11E965BEE7E3}"/>
               </a:ext>
             </a:extLst>
           </p:cNvPr>
@@ -9613,13 +10028,13 @@
               </a:ext>
             </a:extLst>
           </a:blip>
-          <a:srcRect l="6031"/>
+          <a:srcRect l="6388"/>
           <a:stretch/>
         </p:blipFill>
         <p:spPr>
           <a:xfrm>
-            <a:off x="7446736" y="4657125"/>
-            <a:ext cx="5371084" cy="9526329"/>
+            <a:off x="8915400" y="5911887"/>
+            <a:ext cx="5350674" cy="9526329"/>
           </a:xfrm>
           <a:prstGeom prst="rect">
             <a:avLst/>
@@ -9683,8 +10098,8 @@
         </p:blipFill>
         <p:spPr>
           <a:xfrm>
-            <a:off x="3204244" y="4559901"/>
-            <a:ext cx="4472906" cy="8696930"/>
+            <a:off x="4005305" y="5699876"/>
+            <a:ext cx="5591133" cy="10871163"/>
           </a:xfrm>
           <a:prstGeom prst="rect">
             <a:avLst/>
@@ -9718,8 +10133,8 @@
         </p:blipFill>
         <p:spPr>
           <a:xfrm rot="10800000">
-            <a:off x="13028059" y="4380836"/>
-            <a:ext cx="355600" cy="1620748"/>
+            <a:off x="16285074" y="5476045"/>
+            <a:ext cx="444500" cy="2025935"/>
           </a:xfrm>
           <a:prstGeom prst="rect">
             <a:avLst/>
@@ -9753,8 +10168,8 @@
         </p:blipFill>
         <p:spPr>
           <a:xfrm>
-            <a:off x="7677149" y="4380835"/>
-            <a:ext cx="5350909" cy="9526329"/>
+            <a:off x="9596437" y="5476045"/>
+            <a:ext cx="6688636" cy="11907911"/>
           </a:xfrm>
           <a:prstGeom prst="rect">
             <a:avLst/>
@@ -9818,8 +10233,8 @@
         </p:blipFill>
         <p:spPr>
           <a:xfrm>
-            <a:off x="4671095" y="4438649"/>
-            <a:ext cx="4472906" cy="8818181"/>
+            <a:off x="5838869" y="5548312"/>
+            <a:ext cx="5591133" cy="11022726"/>
           </a:xfrm>
           <a:prstGeom prst="rect">
             <a:avLst/>
@@ -9853,8 +10268,8 @@
         </p:blipFill>
         <p:spPr>
           <a:xfrm rot="10800000">
-            <a:off x="14494910" y="4380836"/>
-            <a:ext cx="355600" cy="1620748"/>
+            <a:off x="18118638" y="5476045"/>
+            <a:ext cx="444500" cy="2025935"/>
           </a:xfrm>
           <a:prstGeom prst="rect">
             <a:avLst/>
@@ -9888,8 +10303,8 @@
         </p:blipFill>
         <p:spPr>
           <a:xfrm>
-            <a:off x="9144000" y="4380835"/>
-            <a:ext cx="5350909" cy="9526329"/>
+            <a:off x="11430001" y="5476045"/>
+            <a:ext cx="6688636" cy="11907911"/>
           </a:xfrm>
           <a:prstGeom prst="rect">
             <a:avLst/>
@@ -9953,8 +10368,8 @@
         </p:blipFill>
         <p:spPr>
           <a:xfrm>
-            <a:off x="4671095" y="4438649"/>
-            <a:ext cx="4472906" cy="8818181"/>
+            <a:off x="5838869" y="5548312"/>
+            <a:ext cx="5591133" cy="11022726"/>
           </a:xfrm>
           <a:prstGeom prst="rect">
             <a:avLst/>
@@ -9988,8 +10403,8 @@
         </p:blipFill>
         <p:spPr>
           <a:xfrm rot="10800000">
-            <a:off x="14494910" y="4380836"/>
-            <a:ext cx="355600" cy="1620748"/>
+            <a:off x="18118638" y="5476045"/>
+            <a:ext cx="444500" cy="2025935"/>
           </a:xfrm>
           <a:prstGeom prst="rect">
             <a:avLst/>
@@ -10023,8 +10438,8 @@
         </p:blipFill>
         <p:spPr>
           <a:xfrm>
-            <a:off x="9144000" y="4380836"/>
-            <a:ext cx="5350910" cy="9526329"/>
+            <a:off x="11430000" y="5476046"/>
+            <a:ext cx="6688638" cy="11907911"/>
           </a:xfrm>
           <a:prstGeom prst="rect">
             <a:avLst/>
@@ -10088,8 +10503,8 @@
         </p:blipFill>
         <p:spPr>
           <a:xfrm>
-            <a:off x="4690145" y="4483099"/>
-            <a:ext cx="4472906" cy="8737601"/>
+            <a:off x="5862681" y="5603875"/>
+            <a:ext cx="5591133" cy="10922001"/>
           </a:xfrm>
           <a:prstGeom prst="rect">
             <a:avLst/>
@@ -10123,8 +10538,8 @@
         </p:blipFill>
         <p:spPr>
           <a:xfrm rot="10800000">
-            <a:off x="14494910" y="4380836"/>
-            <a:ext cx="355600" cy="1620748"/>
+            <a:off x="18118638" y="5476045"/>
+            <a:ext cx="444500" cy="2025935"/>
           </a:xfrm>
           <a:prstGeom prst="rect">
             <a:avLst/>
@@ -10158,8 +10573,8 @@
         </p:blipFill>
         <p:spPr>
           <a:xfrm>
-            <a:off x="9144000" y="4323022"/>
-            <a:ext cx="5350910" cy="9526329"/>
+            <a:off x="11430000" y="5403778"/>
+            <a:ext cx="6688638" cy="11907911"/>
           </a:xfrm>
           <a:prstGeom prst="rect">
             <a:avLst/>
@@ -10223,8 +10638,8 @@
         </p:blipFill>
         <p:spPr>
           <a:xfrm>
-            <a:off x="4690145" y="4444999"/>
-            <a:ext cx="4472906" cy="8826501"/>
+            <a:off x="5862681" y="5556250"/>
+            <a:ext cx="5591133" cy="11033126"/>
           </a:xfrm>
           <a:prstGeom prst="rect">
             <a:avLst/>
@@ -10258,8 +10673,8 @@
         </p:blipFill>
         <p:spPr>
           <a:xfrm rot="10800000">
-            <a:off x="14494910" y="4380836"/>
-            <a:ext cx="355600" cy="1620748"/>
+            <a:off x="18118638" y="5476045"/>
+            <a:ext cx="444500" cy="2025935"/>
           </a:xfrm>
           <a:prstGeom prst="rect">
             <a:avLst/>
@@ -10293,8 +10708,8 @@
         </p:blipFill>
         <p:spPr>
           <a:xfrm>
-            <a:off x="9144000" y="4380835"/>
-            <a:ext cx="5350910" cy="9526329"/>
+            <a:off x="11430000" y="5476045"/>
+            <a:ext cx="6688638" cy="11907911"/>
           </a:xfrm>
           <a:prstGeom prst="rect">
             <a:avLst/>
@@ -10358,8 +10773,8 @@
         </p:blipFill>
         <p:spPr>
           <a:xfrm>
-            <a:off x="187546" y="5912434"/>
-            <a:ext cx="2505075" cy="6876882"/>
+            <a:off x="234433" y="7390542"/>
+            <a:ext cx="3131344" cy="8596103"/>
           </a:xfrm>
           <a:prstGeom prst="rect">
             <a:avLst/>
@@ -10393,8 +10808,8 @@
         </p:blipFill>
         <p:spPr>
           <a:xfrm>
-            <a:off x="2692621" y="5784902"/>
-            <a:ext cx="2172389" cy="7742412"/>
+            <a:off x="3365777" y="7231128"/>
+            <a:ext cx="2715486" cy="9678015"/>
           </a:xfrm>
           <a:prstGeom prst="rect">
             <a:avLst/>
@@ -10428,8 +10843,8 @@
         </p:blipFill>
         <p:spPr>
           <a:xfrm rot="5400000" flipV="1">
-            <a:off x="9659599" y="-1786825"/>
-            <a:ext cx="2850126" cy="12263322"/>
+            <a:off x="12074499" y="-2233532"/>
+            <a:ext cx="3562658" cy="15329153"/>
           </a:xfrm>
           <a:prstGeom prst="rect">
             <a:avLst/>
@@ -10450,8 +10865,8 @@
         </p:nvSpPr>
         <p:spPr>
           <a:xfrm>
-            <a:off x="17216321" y="5369789"/>
-            <a:ext cx="1187793" cy="400110"/>
+            <a:off x="21520402" y="6712236"/>
+            <a:ext cx="1484741" cy="477054"/>
           </a:xfrm>
           <a:prstGeom prst="rect">
             <a:avLst/>
@@ -10465,7 +10880,7 @@
           <a:lstStyle/>
           <a:p>
             <a:r>
-              <a:rPr lang="en-US" sz="1000" b="1" dirty="0">
+              <a:rPr lang="en-US" sz="1250" b="1" dirty="0">
                 <a:latin typeface="Arial" panose="020B0604020202020204" pitchFamily="34" charset="0"/>
                 <a:cs typeface="Arial" panose="020B0604020202020204" pitchFamily="34" charset="0"/>
               </a:rPr>
@@ -10474,7 +10889,7 @@
           </a:p>
           <a:p>
             <a:r>
-              <a:rPr lang="en-US" sz="1000" b="1" dirty="0">
+              <a:rPr lang="en-US" sz="1250" b="1" dirty="0">
                 <a:latin typeface="Arial" panose="020B0604020202020204" pitchFamily="34" charset="0"/>
                 <a:cs typeface="Arial" panose="020B0604020202020204" pitchFamily="34" charset="0"/>
               </a:rPr>
@@ -10505,8 +10920,8 @@
         </p:blipFill>
         <p:spPr>
           <a:xfrm>
-            <a:off x="4865010" y="5784902"/>
-            <a:ext cx="13011150" cy="7096125"/>
+            <a:off x="6081262" y="7231128"/>
+            <a:ext cx="16263938" cy="8870156"/>
           </a:xfrm>
           <a:prstGeom prst="rect">
             <a:avLst/>
@@ -10570,8 +10985,8 @@
         </p:blipFill>
         <p:spPr>
           <a:xfrm>
-            <a:off x="3947347" y="3797300"/>
-            <a:ext cx="4472906" cy="8774372"/>
+            <a:off x="4934184" y="4746625"/>
+            <a:ext cx="5591133" cy="10967965"/>
           </a:xfrm>
           <a:prstGeom prst="rect">
             <a:avLst/>
@@ -10580,10 +10995,10 @@
       </p:pic>
       <p:pic>
         <p:nvPicPr>
-          <p:cNvPr id="10" name="Picture 9" descr="A screen shot of a graph&#10;&#10;Description automatically generated">
+          <p:cNvPr id="5" name="Picture 4" descr="A screen shot of a chart&#10;&#10;Description automatically generated">
             <a:extLst>
               <a:ext uri="{FF2B5EF4-FFF2-40B4-BE49-F238E27FC236}">
-                <a16:creationId xmlns:a16="http://schemas.microsoft.com/office/drawing/2014/main" id="{D2B13C56-66BE-C26A-3298-0A5464FB309B}"/>
+                <a16:creationId xmlns:a16="http://schemas.microsoft.com/office/drawing/2014/main" id="{7B675086-53DC-1256-669D-AAD061F1A8DD}"/>
               </a:ext>
             </a:extLst>
           </p:cNvPr>
@@ -10600,13 +11015,13 @@
               </a:ext>
             </a:extLst>
           </a:blip>
-          <a:srcRect l="3553"/>
+          <a:srcRect r="46209"/>
           <a:stretch/>
         </p:blipFill>
         <p:spPr>
           <a:xfrm>
-            <a:off x="8420253" y="3746500"/>
-            <a:ext cx="5512751" cy="9526329"/>
+            <a:off x="10525317" y="5171864"/>
+            <a:ext cx="3074569" cy="11446993"/>
           </a:xfrm>
           <a:prstGeom prst="rect">
             <a:avLst/>
@@ -10670,8 +11085,8 @@
         </p:blipFill>
         <p:spPr>
           <a:xfrm>
-            <a:off x="3947347" y="3797300"/>
-            <a:ext cx="4472906" cy="8774372"/>
+            <a:off x="4934184" y="4746625"/>
+            <a:ext cx="5591133" cy="11279188"/>
           </a:xfrm>
           <a:prstGeom prst="rect">
             <a:avLst/>
@@ -10680,10 +11095,10 @@
       </p:pic>
       <p:pic>
         <p:nvPicPr>
-          <p:cNvPr id="3" name="Picture 2" descr="A screenshot of a graph&#10;&#10;Description automatically generated">
+          <p:cNvPr id="6" name="Picture 5" descr="A screenshot of a graph&#10;&#10;Description automatically generated">
             <a:extLst>
               <a:ext uri="{FF2B5EF4-FFF2-40B4-BE49-F238E27FC236}">
-                <a16:creationId xmlns:a16="http://schemas.microsoft.com/office/drawing/2014/main" id="{2B940F56-2590-47EF-FBC2-7D8985B1FE57}"/>
+                <a16:creationId xmlns:a16="http://schemas.microsoft.com/office/drawing/2014/main" id="{AB3539CA-2542-006D-3FC2-7BFE0A09881C}"/>
               </a:ext>
             </a:extLst>
           </p:cNvPr>
@@ -10700,13 +11115,13 @@
               </a:ext>
             </a:extLst>
           </a:blip>
-          <a:srcRect l="3528"/>
+          <a:srcRect l="2854"/>
           <a:stretch/>
         </p:blipFill>
         <p:spPr>
           <a:xfrm>
-            <a:off x="8369299" y="3733800"/>
-            <a:ext cx="5514153" cy="9526329"/>
+            <a:off x="10525316" y="4675188"/>
+            <a:ext cx="8097605" cy="11907911"/>
           </a:xfrm>
           <a:prstGeom prst="rect">
             <a:avLst/>
@@ -10759,8 +11174,8 @@
         </p:nvCxnSpPr>
         <p:spPr>
           <a:xfrm>
-            <a:off x="6367934" y="1121467"/>
-            <a:ext cx="0" cy="1125273"/>
+            <a:off x="7959918" y="1401835"/>
+            <a:ext cx="0" cy="1406591"/>
           </a:xfrm>
           <a:prstGeom prst="line">
             <a:avLst/>
@@ -10798,8 +11213,8 @@
         </p:nvCxnSpPr>
         <p:spPr>
           <a:xfrm>
-            <a:off x="6310784" y="2188267"/>
-            <a:ext cx="424583" cy="0"/>
+            <a:off x="7888481" y="2735334"/>
+            <a:ext cx="530729" cy="0"/>
           </a:xfrm>
           <a:prstGeom prst="line">
             <a:avLst/>
@@ -10837,8 +11252,8 @@
         </p:nvCxnSpPr>
         <p:spPr>
           <a:xfrm>
-            <a:off x="7261265" y="2193030"/>
-            <a:ext cx="424583" cy="0"/>
+            <a:off x="9076582" y="2741288"/>
+            <a:ext cx="530729" cy="0"/>
           </a:xfrm>
           <a:prstGeom prst="line">
             <a:avLst/>
@@ -10876,8 +11291,8 @@
         </p:nvCxnSpPr>
         <p:spPr>
           <a:xfrm>
-            <a:off x="6773466" y="2132733"/>
-            <a:ext cx="0" cy="355511"/>
+            <a:off x="8466833" y="2665917"/>
+            <a:ext cx="0" cy="444389"/>
           </a:xfrm>
           <a:prstGeom prst="line">
             <a:avLst/>
@@ -10915,8 +11330,8 @@
         </p:nvCxnSpPr>
         <p:spPr>
           <a:xfrm>
-            <a:off x="7315547" y="2150168"/>
-            <a:ext cx="0" cy="355511"/>
+            <a:off x="9144434" y="2687711"/>
+            <a:ext cx="0" cy="444389"/>
           </a:xfrm>
           <a:prstGeom prst="line">
             <a:avLst/>
@@ -10954,8 +11369,8 @@
         </p:nvCxnSpPr>
         <p:spPr>
           <a:xfrm>
-            <a:off x="7629996" y="1121467"/>
-            <a:ext cx="0" cy="1125273"/>
+            <a:off x="9537495" y="1401835"/>
+            <a:ext cx="0" cy="1406591"/>
           </a:xfrm>
           <a:prstGeom prst="line">
             <a:avLst/>
@@ -10991,8 +11406,8 @@
         </p:nvSpPr>
         <p:spPr>
           <a:xfrm>
-            <a:off x="7105710" y="113666"/>
-            <a:ext cx="3487710" cy="461665"/>
+            <a:off x="8882137" y="142082"/>
+            <a:ext cx="4359638" cy="553998"/>
           </a:xfrm>
           <a:prstGeom prst="rect">
             <a:avLst/>
@@ -11006,7 +11421,7 @@
           <a:lstStyle/>
           <a:p>
             <a:r>
-              <a:rPr lang="en-US" sz="2400" dirty="0">
+              <a:rPr lang="en-US" sz="3000" dirty="0">
                 <a:latin typeface="Arial" panose="020B0604020202020204" pitchFamily="34" charset="0"/>
                 <a:ea typeface="Yu Gothic" panose="020B0400000000000000" pitchFamily="34" charset="-128"/>
                 <a:cs typeface="Arial" panose="020B0604020202020204" pitchFamily="34" charset="0"/>
@@ -11032,8 +11447,8 @@
         </p:nvCxnSpPr>
         <p:spPr>
           <a:xfrm>
-            <a:off x="8995209" y="1121467"/>
-            <a:ext cx="0" cy="1125273"/>
+            <a:off x="11244011" y="1401835"/>
+            <a:ext cx="0" cy="1406591"/>
           </a:xfrm>
           <a:prstGeom prst="line">
             <a:avLst/>
@@ -11071,8 +11486,8 @@
         </p:nvCxnSpPr>
         <p:spPr>
           <a:xfrm>
-            <a:off x="8626559" y="2214597"/>
-            <a:ext cx="424583" cy="0"/>
+            <a:off x="10783199" y="2768246"/>
+            <a:ext cx="530729" cy="0"/>
           </a:xfrm>
           <a:prstGeom prst="line">
             <a:avLst/>
@@ -11110,8 +11525,8 @@
         </p:nvCxnSpPr>
         <p:spPr>
           <a:xfrm>
-            <a:off x="9588262" y="2206468"/>
-            <a:ext cx="424583" cy="0"/>
+            <a:off x="11985328" y="2758085"/>
+            <a:ext cx="530729" cy="0"/>
           </a:xfrm>
           <a:prstGeom prst="line">
             <a:avLst/>
@@ -11149,8 +11564,8 @@
         </p:nvCxnSpPr>
         <p:spPr>
           <a:xfrm>
-            <a:off x="8682915" y="2202702"/>
-            <a:ext cx="0" cy="340563"/>
+            <a:off x="10853644" y="2753378"/>
+            <a:ext cx="0" cy="425704"/>
           </a:xfrm>
           <a:prstGeom prst="line">
             <a:avLst/>
@@ -11188,8 +11603,8 @@
         </p:nvCxnSpPr>
         <p:spPr>
           <a:xfrm>
-            <a:off x="9955694" y="2171699"/>
-            <a:ext cx="0" cy="407642"/>
+            <a:off x="12444618" y="2714624"/>
+            <a:ext cx="0" cy="509553"/>
           </a:xfrm>
           <a:prstGeom prst="line">
             <a:avLst/>
@@ -11227,8 +11642,8 @@
         </p:nvCxnSpPr>
         <p:spPr>
           <a:xfrm>
-            <a:off x="9645413" y="1121467"/>
-            <a:ext cx="0" cy="1125273"/>
+            <a:off x="12056766" y="1401835"/>
+            <a:ext cx="0" cy="1406591"/>
           </a:xfrm>
           <a:prstGeom prst="line">
             <a:avLst/>
@@ -11264,8 +11679,8 @@
         </p:nvSpPr>
         <p:spPr>
           <a:xfrm>
-            <a:off x="7908936" y="1315532"/>
-            <a:ext cx="940629" cy="461665"/>
+            <a:off x="9886171" y="1644415"/>
+            <a:ext cx="1175786" cy="553998"/>
           </a:xfrm>
           <a:prstGeom prst="rect">
             <a:avLst/>
@@ -11279,7 +11694,7 @@
           <a:lstStyle/>
           <a:p>
             <a:r>
-              <a:rPr lang="en-US" sz="2400" dirty="0">
+              <a:rPr lang="en-US" sz="3000" dirty="0">
                 <a:latin typeface="Arial" panose="020B0604020202020204" pitchFamily="34" charset="0"/>
                 <a:ea typeface="Yu Gothic" panose="020B0400000000000000" pitchFamily="34" charset="-128"/>
                 <a:cs typeface="Arial" panose="020B0604020202020204" pitchFamily="34" charset="0"/>
@@ -11303,8 +11718,8 @@
         </p:nvSpPr>
         <p:spPr>
           <a:xfrm>
-            <a:off x="5982580" y="2799819"/>
-            <a:ext cx="2550047" cy="461665"/>
+            <a:off x="7478226" y="3499774"/>
+            <a:ext cx="3187559" cy="553998"/>
           </a:xfrm>
           <a:prstGeom prst="rect">
             <a:avLst/>
@@ -11318,7 +11733,7 @@
           <a:lstStyle/>
           <a:p>
             <a:r>
-              <a:rPr lang="en-US" sz="2400" dirty="0">
+              <a:rPr lang="en-US" sz="3000" dirty="0">
                 <a:latin typeface="Arial" panose="020B0604020202020204" pitchFamily="34" charset="0"/>
                 <a:ea typeface="Yu Gothic" panose="020B0400000000000000" pitchFamily="34" charset="-128"/>
                 <a:cs typeface="Arial" panose="020B0604020202020204" pitchFamily="34" charset="0"/>
@@ -11342,8 +11757,8 @@
         </p:nvSpPr>
         <p:spPr>
           <a:xfrm>
-            <a:off x="8555170" y="2831061"/>
-            <a:ext cx="2550047" cy="461665"/>
+            <a:off x="10693963" y="3538826"/>
+            <a:ext cx="3187559" cy="553998"/>
           </a:xfrm>
           <a:prstGeom prst="rect">
             <a:avLst/>
@@ -11357,7 +11772,7 @@
           <a:lstStyle/>
           <a:p>
             <a:r>
-              <a:rPr lang="en-US" sz="2400" dirty="0">
+              <a:rPr lang="en-US" sz="3000" dirty="0">
                 <a:latin typeface="Arial" panose="020B0604020202020204" pitchFamily="34" charset="0"/>
                 <a:ea typeface="Yu Gothic" panose="020B0400000000000000" pitchFamily="34" charset="-128"/>
                 <a:cs typeface="Arial" panose="020B0604020202020204" pitchFamily="34" charset="0"/>
@@ -11381,8 +11796,8 @@
         </p:nvSpPr>
         <p:spPr>
           <a:xfrm>
-            <a:off x="11747933" y="-13170"/>
-            <a:ext cx="3487710" cy="461665"/>
+            <a:off x="14684916" y="-16463"/>
+            <a:ext cx="4359638" cy="553998"/>
           </a:xfrm>
           <a:prstGeom prst="rect">
             <a:avLst/>
@@ -11396,7 +11811,7 @@
           <a:lstStyle/>
           <a:p>
             <a:r>
-              <a:rPr lang="en-US" sz="2400" dirty="0">
+              <a:rPr lang="en-US" sz="3000" dirty="0">
                 <a:latin typeface="Arial" panose="020B0604020202020204" pitchFamily="34" charset="0"/>
                 <a:ea typeface="Yu Gothic" panose="020B0400000000000000" pitchFamily="34" charset="-128"/>
                 <a:cs typeface="Arial" panose="020B0604020202020204" pitchFamily="34" charset="0"/>
@@ -11422,8 +11837,8 @@
         </p:nvCxnSpPr>
         <p:spPr>
           <a:xfrm>
-            <a:off x="11491511" y="940609"/>
-            <a:ext cx="0" cy="286782"/>
+            <a:off x="14364389" y="1175761"/>
+            <a:ext cx="0" cy="358478"/>
           </a:xfrm>
           <a:prstGeom prst="line">
             <a:avLst/>
@@ -11461,8 +11876,8 @@
         </p:nvCxnSpPr>
         <p:spPr>
           <a:xfrm>
-            <a:off x="12207093" y="953368"/>
-            <a:ext cx="0" cy="296343"/>
+            <a:off x="15258866" y="1191711"/>
+            <a:ext cx="0" cy="370429"/>
           </a:xfrm>
           <a:prstGeom prst="line">
             <a:avLst/>
@@ -11500,8 +11915,8 @@
         </p:nvCxnSpPr>
         <p:spPr>
           <a:xfrm>
-            <a:off x="11195556" y="1199701"/>
-            <a:ext cx="351348" cy="0"/>
+            <a:off x="13994445" y="1499626"/>
+            <a:ext cx="439185" cy="0"/>
           </a:xfrm>
           <a:prstGeom prst="line">
             <a:avLst/>
@@ -11539,8 +11954,8 @@
         </p:nvCxnSpPr>
         <p:spPr>
           <a:xfrm>
-            <a:off x="12148971" y="1199703"/>
-            <a:ext cx="351348" cy="0"/>
+            <a:off x="15186214" y="1499629"/>
+            <a:ext cx="439185" cy="0"/>
           </a:xfrm>
           <a:prstGeom prst="line">
             <a:avLst/>
@@ -11578,8 +11993,8 @@
         </p:nvCxnSpPr>
         <p:spPr>
           <a:xfrm>
-            <a:off x="11195556" y="1144883"/>
-            <a:ext cx="0" cy="369389"/>
+            <a:off x="13994445" y="1431105"/>
+            <a:ext cx="0" cy="461736"/>
           </a:xfrm>
           <a:prstGeom prst="line">
             <a:avLst/>
@@ -11617,8 +12032,8 @@
         </p:nvCxnSpPr>
         <p:spPr>
           <a:xfrm>
-            <a:off x="12500321" y="1142550"/>
-            <a:ext cx="0" cy="371721"/>
+            <a:off x="15625401" y="1428188"/>
+            <a:ext cx="0" cy="464651"/>
           </a:xfrm>
           <a:prstGeom prst="line">
             <a:avLst/>
@@ -11656,8 +12071,8 @@
         </p:nvCxnSpPr>
         <p:spPr>
           <a:xfrm>
-            <a:off x="11154647" y="1457112"/>
-            <a:ext cx="460152" cy="0"/>
+            <a:off x="13943309" y="1821390"/>
+            <a:ext cx="575190" cy="0"/>
           </a:xfrm>
           <a:prstGeom prst="line">
             <a:avLst/>
@@ -11695,8 +12110,8 @@
         </p:nvCxnSpPr>
         <p:spPr>
           <a:xfrm>
-            <a:off x="12055271" y="1457112"/>
-            <a:ext cx="467963" cy="0"/>
+            <a:off x="15069089" y="1821390"/>
+            <a:ext cx="584954" cy="0"/>
           </a:xfrm>
           <a:prstGeom prst="line">
             <a:avLst/>
@@ -11734,8 +12149,8 @@
         </p:nvCxnSpPr>
         <p:spPr>
           <a:xfrm>
-            <a:off x="12112424" y="1492834"/>
-            <a:ext cx="0" cy="296343"/>
+            <a:off x="15140530" y="1866043"/>
+            <a:ext cx="0" cy="370429"/>
           </a:xfrm>
           <a:prstGeom prst="line">
             <a:avLst/>
@@ -11773,8 +12188,8 @@
         </p:nvCxnSpPr>
         <p:spPr>
           <a:xfrm>
-            <a:off x="11558046" y="1492834"/>
-            <a:ext cx="0" cy="296343"/>
+            <a:off x="14447558" y="1866043"/>
+            <a:ext cx="0" cy="370429"/>
           </a:xfrm>
           <a:prstGeom prst="line">
             <a:avLst/>
@@ -11812,8 +12227,8 @@
         </p:nvCxnSpPr>
         <p:spPr>
           <a:xfrm>
-            <a:off x="13552428" y="1038928"/>
-            <a:ext cx="0" cy="298641"/>
+            <a:off x="16940535" y="1298661"/>
+            <a:ext cx="0" cy="373301"/>
           </a:xfrm>
           <a:prstGeom prst="line">
             <a:avLst/>
@@ -11851,8 +12266,8 @@
         </p:nvCxnSpPr>
         <p:spPr>
           <a:xfrm>
-            <a:off x="14465768" y="1033129"/>
-            <a:ext cx="0" cy="308598"/>
+            <a:off x="18082210" y="1291411"/>
+            <a:ext cx="0" cy="385748"/>
           </a:xfrm>
           <a:prstGeom prst="line">
             <a:avLst/>
@@ -11890,8 +12305,8 @@
         </p:nvCxnSpPr>
         <p:spPr>
           <a:xfrm>
-            <a:off x="13495135" y="1284483"/>
-            <a:ext cx="331532" cy="0"/>
+            <a:off x="16868919" y="1605604"/>
+            <a:ext cx="414415" cy="0"/>
           </a:xfrm>
           <a:prstGeom prst="line">
             <a:avLst/>
@@ -11929,8 +12344,8 @@
         </p:nvCxnSpPr>
         <p:spPr>
           <a:xfrm>
-            <a:off x="14183372" y="1289245"/>
-            <a:ext cx="331532" cy="0"/>
+            <a:off x="17729215" y="1611556"/>
+            <a:ext cx="414415" cy="0"/>
           </a:xfrm>
           <a:prstGeom prst="line">
             <a:avLst/>
@@ -11968,8 +12383,8 @@
         </p:nvCxnSpPr>
         <p:spPr>
           <a:xfrm>
-            <a:off x="13823028" y="1227391"/>
-            <a:ext cx="0" cy="384663"/>
+            <a:off x="17278785" y="1534239"/>
+            <a:ext cx="0" cy="480829"/>
           </a:xfrm>
           <a:prstGeom prst="line">
             <a:avLst/>
@@ -12007,8 +12422,8 @@
         </p:nvCxnSpPr>
         <p:spPr>
           <a:xfrm>
-            <a:off x="14240525" y="1232094"/>
-            <a:ext cx="0" cy="387093"/>
+            <a:off x="17800656" y="1540118"/>
+            <a:ext cx="0" cy="483866"/>
           </a:xfrm>
           <a:prstGeom prst="line">
             <a:avLst/>
@@ -12046,8 +12461,8 @@
         </p:nvCxnSpPr>
         <p:spPr>
           <a:xfrm>
-            <a:off x="13443803" y="1612054"/>
-            <a:ext cx="434196" cy="0"/>
+            <a:off x="16804754" y="2015068"/>
+            <a:ext cx="542745" cy="0"/>
           </a:xfrm>
           <a:prstGeom prst="line">
             <a:avLst/>
@@ -12085,8 +12500,8 @@
         </p:nvCxnSpPr>
         <p:spPr>
           <a:xfrm>
-            <a:off x="14182124" y="1619185"/>
-            <a:ext cx="441566" cy="0"/>
+            <a:off x="17727655" y="2023981"/>
+            <a:ext cx="551958" cy="0"/>
           </a:xfrm>
           <a:prstGeom prst="line">
             <a:avLst/>
@@ -12124,8 +12539,8 @@
         </p:nvCxnSpPr>
         <p:spPr>
           <a:xfrm>
-            <a:off x="14628452" y="1562215"/>
-            <a:ext cx="0" cy="308598"/>
+            <a:off x="18285565" y="1952769"/>
+            <a:ext cx="0" cy="385748"/>
           </a:xfrm>
           <a:prstGeom prst="line">
             <a:avLst/>
@@ -12163,8 +12578,8 @@
         </p:nvCxnSpPr>
         <p:spPr>
           <a:xfrm>
-            <a:off x="13497674" y="1579875"/>
-            <a:ext cx="0" cy="308598"/>
+            <a:off x="16872093" y="1974844"/>
+            <a:ext cx="0" cy="385748"/>
           </a:xfrm>
           <a:prstGeom prst="line">
             <a:avLst/>
@@ -12202,8 +12617,8 @@
         </p:nvCxnSpPr>
         <p:spPr>
           <a:xfrm>
-            <a:off x="11017328" y="2648780"/>
-            <a:ext cx="0" cy="288362"/>
+            <a:off x="13771660" y="3310975"/>
+            <a:ext cx="0" cy="360453"/>
           </a:xfrm>
           <a:prstGeom prst="line">
             <a:avLst/>
@@ -12241,8 +12656,8 @@
         </p:nvCxnSpPr>
         <p:spPr>
           <a:xfrm>
-            <a:off x="12724751" y="2609379"/>
-            <a:ext cx="0" cy="297974"/>
+            <a:off x="15905939" y="3261724"/>
+            <a:ext cx="0" cy="372468"/>
           </a:xfrm>
           <a:prstGeom prst="line">
             <a:avLst/>
@@ -12280,8 +12695,8 @@
         </p:nvCxnSpPr>
         <p:spPr>
           <a:xfrm>
-            <a:off x="10960568" y="2887312"/>
-            <a:ext cx="355875" cy="0"/>
+            <a:off x="13700711" y="3609140"/>
+            <a:ext cx="444844" cy="0"/>
           </a:xfrm>
           <a:prstGeom prst="line">
             <a:avLst/>
@@ -12319,8 +12734,8 @@
         </p:nvCxnSpPr>
         <p:spPr>
           <a:xfrm>
-            <a:off x="12420234" y="2856594"/>
-            <a:ext cx="355875" cy="0"/>
+            <a:off x="15525293" y="3570743"/>
+            <a:ext cx="444844" cy="0"/>
           </a:xfrm>
           <a:prstGeom prst="line">
             <a:avLst/>
@@ -12358,8 +12773,8 @@
         </p:nvCxnSpPr>
         <p:spPr>
           <a:xfrm>
-            <a:off x="11258654" y="2853022"/>
-            <a:ext cx="0" cy="315198"/>
+            <a:off x="14073318" y="3566277"/>
+            <a:ext cx="0" cy="393998"/>
           </a:xfrm>
           <a:prstGeom prst="line">
             <a:avLst/>
@@ -12397,8 +12812,8 @@
         </p:nvCxnSpPr>
         <p:spPr>
           <a:xfrm>
-            <a:off x="12478556" y="2801596"/>
-            <a:ext cx="0" cy="373767"/>
+            <a:off x="15598195" y="3501996"/>
+            <a:ext cx="0" cy="467209"/>
           </a:xfrm>
           <a:prstGeom prst="line">
             <a:avLst/>
@@ -12436,8 +12851,8 @@
         </p:nvCxnSpPr>
         <p:spPr>
           <a:xfrm>
-            <a:off x="11202438" y="3117205"/>
-            <a:ext cx="466080" cy="0"/>
+            <a:off x="14003048" y="3896506"/>
+            <a:ext cx="582600" cy="0"/>
           </a:xfrm>
           <a:prstGeom prst="line">
             <a:avLst/>
@@ -12475,8 +12890,8 @@
         </p:nvCxnSpPr>
         <p:spPr>
           <a:xfrm>
-            <a:off x="12057490" y="3120397"/>
-            <a:ext cx="473990" cy="0"/>
+            <a:off x="15071862" y="3900496"/>
+            <a:ext cx="592488" cy="0"/>
           </a:xfrm>
           <a:prstGeom prst="line">
             <a:avLst/>
@@ -12514,8 +12929,8 @@
         </p:nvCxnSpPr>
         <p:spPr>
           <a:xfrm>
-            <a:off x="12117800" y="3095096"/>
-            <a:ext cx="0" cy="297974"/>
+            <a:off x="15147250" y="3868870"/>
+            <a:ext cx="0" cy="372468"/>
           </a:xfrm>
           <a:prstGeom prst="line">
             <a:avLst/>
@@ -12553,8 +12968,8 @@
         </p:nvCxnSpPr>
         <p:spPr>
           <a:xfrm>
-            <a:off x="11611227" y="3100580"/>
-            <a:ext cx="0" cy="297974"/>
+            <a:off x="14514034" y="3875725"/>
+            <a:ext cx="0" cy="372468"/>
           </a:xfrm>
           <a:prstGeom prst="line">
             <a:avLst/>
@@ -12590,8 +13005,8 @@
         </p:nvGrpSpPr>
         <p:grpSpPr>
           <a:xfrm>
-            <a:off x="13143722" y="2653741"/>
-            <a:ext cx="1684097" cy="786306"/>
+            <a:off x="16429653" y="3317176"/>
+            <a:ext cx="2105121" cy="982883"/>
             <a:chOff x="9902941" y="2803914"/>
             <a:chExt cx="1122731" cy="524204"/>
           </a:xfrm>
@@ -13001,8 +13416,8 @@
         </p:nvSpPr>
         <p:spPr>
           <a:xfrm>
-            <a:off x="11195557" y="3549988"/>
-            <a:ext cx="4078934" cy="830997"/>
+            <a:off x="13994446" y="4437486"/>
+            <a:ext cx="5098668" cy="1015663"/>
           </a:xfrm>
           <a:prstGeom prst="rect">
             <a:avLst/>
@@ -13016,7 +13431,7 @@
           <a:lstStyle/>
           <a:p>
             <a:r>
-              <a:rPr lang="en-US" sz="2400" dirty="0">
+              <a:rPr lang="en-US" sz="3000" dirty="0">
                 <a:latin typeface="Arial" panose="020B0604020202020204" pitchFamily="34" charset="0"/>
                 <a:ea typeface="Yu Gothic" panose="020B0400000000000000" pitchFamily="34" charset="-128"/>
                 <a:cs typeface="Arial" panose="020B0604020202020204" pitchFamily="34" charset="0"/>
@@ -13040,8 +13455,8 @@
         </p:nvSpPr>
         <p:spPr>
           <a:xfrm>
-            <a:off x="6472493" y="3527574"/>
-            <a:ext cx="4078934" cy="830997"/>
+            <a:off x="8090616" y="4409468"/>
+            <a:ext cx="5098668" cy="1015663"/>
           </a:xfrm>
           <a:prstGeom prst="rect">
             <a:avLst/>
@@ -13055,7 +13470,7 @@
           <a:lstStyle/>
           <a:p>
             <a:r>
-              <a:rPr lang="en-US" sz="2400" dirty="0">
+              <a:rPr lang="en-US" sz="3000" dirty="0">
                 <a:latin typeface="Arial" panose="020B0604020202020204" pitchFamily="34" charset="0"/>
                 <a:ea typeface="Yu Gothic" panose="020B0400000000000000" pitchFamily="34" charset="-128"/>
                 <a:cs typeface="Arial" panose="020B0604020202020204" pitchFamily="34" charset="0"/>
@@ -13079,8 +13494,8 @@
         </p:nvSpPr>
         <p:spPr>
           <a:xfrm>
-            <a:off x="12628002" y="1950218"/>
-            <a:ext cx="940629" cy="461665"/>
+            <a:off x="15785003" y="2437772"/>
+            <a:ext cx="1175786" cy="553998"/>
           </a:xfrm>
           <a:prstGeom prst="rect">
             <a:avLst/>
@@ -13094,7 +13509,7 @@
           <a:lstStyle/>
           <a:p>
             <a:r>
-              <a:rPr lang="en-US" sz="2400" dirty="0">
+              <a:rPr lang="en-US" sz="3000" dirty="0">
                 <a:latin typeface="Arial" panose="020B0604020202020204" pitchFamily="34" charset="0"/>
                 <a:ea typeface="Yu Gothic" panose="020B0400000000000000" pitchFamily="34" charset="-128"/>
                 <a:cs typeface="Arial" panose="020B0604020202020204" pitchFamily="34" charset="0"/>
@@ -13120,8 +13535,8 @@
         </p:nvCxnSpPr>
         <p:spPr>
           <a:xfrm>
-            <a:off x="3964491" y="1121468"/>
-            <a:ext cx="0" cy="1305950"/>
+            <a:off x="4955614" y="1401835"/>
+            <a:ext cx="0" cy="1632438"/>
           </a:xfrm>
           <a:prstGeom prst="line">
             <a:avLst/>
@@ -13159,8 +13574,8 @@
         </p:nvCxnSpPr>
         <p:spPr>
           <a:xfrm>
-            <a:off x="5112254" y="1140824"/>
-            <a:ext cx="0" cy="1286594"/>
+            <a:off x="6390318" y="1426030"/>
+            <a:ext cx="0" cy="1608243"/>
           </a:xfrm>
           <a:prstGeom prst="line">
             <a:avLst/>
@@ -13196,8 +13611,8 @@
         </p:nvSpPr>
         <p:spPr>
           <a:xfrm>
-            <a:off x="3395735" y="175365"/>
-            <a:ext cx="2550047" cy="461665"/>
+            <a:off x="4244669" y="219206"/>
+            <a:ext cx="3187559" cy="553998"/>
           </a:xfrm>
           <a:prstGeom prst="rect">
             <a:avLst/>
@@ -13211,7 +13626,7 @@
           <a:lstStyle/>
           <a:p>
             <a:r>
-              <a:rPr lang="en-US" sz="2400" dirty="0">
+              <a:rPr lang="en-US" sz="3000" dirty="0">
                 <a:latin typeface="Arial" panose="020B0604020202020204" pitchFamily="34" charset="0"/>
                 <a:ea typeface="Yu Gothic" panose="020B0400000000000000" pitchFamily="34" charset="-128"/>
                 <a:cs typeface="Arial" panose="020B0604020202020204" pitchFamily="34" charset="0"/>
@@ -13235,8 +13650,8 @@
         </p:nvSpPr>
         <p:spPr>
           <a:xfrm>
-            <a:off x="3265703" y="2427417"/>
-            <a:ext cx="2843624" cy="830997"/>
+            <a:off x="4082129" y="3034272"/>
+            <a:ext cx="3554530" cy="1015663"/>
           </a:xfrm>
           <a:prstGeom prst="rect">
             <a:avLst/>
@@ -13250,7 +13665,7 @@
           <a:lstStyle/>
           <a:p>
             <a:r>
-              <a:rPr lang="en-US" sz="2400" dirty="0">
+              <a:rPr lang="en-US" sz="3000" dirty="0">
                 <a:latin typeface="Arial" panose="020B0604020202020204" pitchFamily="34" charset="0"/>
                 <a:ea typeface="Yu Gothic" panose="020B0400000000000000" pitchFamily="34" charset="-128"/>
                 <a:cs typeface="Arial" panose="020B0604020202020204" pitchFamily="34" charset="0"/>
@@ -13260,7 +13675,7 @@
           </a:p>
           <a:p>
             <a:r>
-              <a:rPr lang="en-US" sz="2400" dirty="0">
+              <a:rPr lang="en-US" sz="3000" dirty="0">
                 <a:latin typeface="Arial" panose="020B0604020202020204" pitchFamily="34" charset="0"/>
                 <a:ea typeface="Yu Gothic" panose="020B0400000000000000" pitchFamily="34" charset="-128"/>
                 <a:cs typeface="Arial" panose="020B0604020202020204" pitchFamily="34" charset="0"/>
@@ -13284,8 +13699,8 @@
         </p:nvSpPr>
         <p:spPr>
           <a:xfrm>
-            <a:off x="3395735" y="3596823"/>
-            <a:ext cx="2410706" cy="1200329"/>
+            <a:off x="4244669" y="4496029"/>
+            <a:ext cx="3013383" cy="1477328"/>
           </a:xfrm>
           <a:prstGeom prst="rect">
             <a:avLst/>
@@ -13300,7 +13715,7 @@
           <a:p>
             <a:pPr algn="ctr"/>
             <a:r>
-              <a:rPr lang="en-US" sz="2400" dirty="0">
+              <a:rPr lang="en-US" sz="3000" dirty="0">
                 <a:latin typeface="Arial" panose="020B0604020202020204" pitchFamily="34" charset="0"/>
                 <a:ea typeface="Yu Gothic" panose="020B0400000000000000" pitchFamily="34" charset="-128"/>
                 <a:cs typeface="Arial" panose="020B0604020202020204" pitchFamily="34" charset="0"/>
@@ -13311,7 +13726,7 @@
           <a:p>
             <a:pPr algn="ctr"/>
             <a:r>
-              <a:rPr lang="en-US" sz="2400" dirty="0">
+              <a:rPr lang="en-US" sz="3000" dirty="0">
                 <a:latin typeface="Arial" panose="020B0604020202020204" pitchFamily="34" charset="0"/>
                 <a:ea typeface="Yu Gothic" panose="020B0400000000000000" pitchFamily="34" charset="-128"/>
                 <a:cs typeface="Arial" panose="020B0604020202020204" pitchFamily="34" charset="0"/>
@@ -13335,8 +13750,8 @@
         </p:nvSpPr>
         <p:spPr>
           <a:xfrm>
-            <a:off x="5512265" y="1315532"/>
-            <a:ext cx="940629" cy="461665"/>
+            <a:off x="6890332" y="1644415"/>
+            <a:ext cx="1175786" cy="553998"/>
           </a:xfrm>
           <a:prstGeom prst="rect">
             <a:avLst/>
@@ -13350,7 +13765,7 @@
           <a:lstStyle/>
           <a:p>
             <a:r>
-              <a:rPr lang="en-US" sz="2400" dirty="0">
+              <a:rPr lang="en-US" sz="3000" dirty="0">
                 <a:latin typeface="Arial" panose="020B0604020202020204" pitchFamily="34" charset="0"/>
                 <a:ea typeface="Yu Gothic" panose="020B0400000000000000" pitchFamily="34" charset="-128"/>
                 <a:cs typeface="Arial" panose="020B0604020202020204" pitchFamily="34" charset="0"/>
@@ -13374,8 +13789,8 @@
         </p:nvSpPr>
         <p:spPr>
           <a:xfrm>
-            <a:off x="6720386" y="5275158"/>
-            <a:ext cx="1691024" cy="461665"/>
+            <a:off x="8400483" y="6593948"/>
+            <a:ext cx="2113780" cy="553998"/>
           </a:xfrm>
           <a:prstGeom prst="rect">
             <a:avLst/>
@@ -13389,7 +13804,7 @@
           <a:lstStyle/>
           <a:p>
             <a:r>
-              <a:rPr lang="en-US" sz="2400" dirty="0">
+              <a:rPr lang="en-US" sz="3000" dirty="0">
                 <a:latin typeface="Arial" panose="020B0604020202020204" pitchFamily="34" charset="0"/>
                 <a:ea typeface="Yu Gothic" panose="020B0400000000000000" pitchFamily="34" charset="-128"/>
                 <a:cs typeface="Arial" panose="020B0604020202020204" pitchFamily="34" charset="0"/>
@@ -13413,8 +13828,8 @@
         </p:nvSpPr>
         <p:spPr>
           <a:xfrm>
-            <a:off x="11238358" y="5275158"/>
-            <a:ext cx="1935394" cy="461665"/>
+            <a:off x="14047947" y="6593948"/>
+            <a:ext cx="2419243" cy="553998"/>
           </a:xfrm>
           <a:prstGeom prst="rect">
             <a:avLst/>
@@ -13428,7 +13843,7 @@
           <a:lstStyle/>
           <a:p>
             <a:r>
-              <a:rPr lang="en-US" sz="2400" dirty="0">
+              <a:rPr lang="en-US" sz="3000" dirty="0">
                 <a:latin typeface="Arial" panose="020B0604020202020204" pitchFamily="34" charset="0"/>
                 <a:ea typeface="Yu Gothic" panose="020B0400000000000000" pitchFamily="34" charset="-128"/>
                 <a:cs typeface="Arial" panose="020B0604020202020204" pitchFamily="34" charset="0"/>
@@ -13452,8 +13867,8 @@
         </p:nvSpPr>
         <p:spPr>
           <a:xfrm>
-            <a:off x="10753790" y="8576910"/>
-            <a:ext cx="3303794" cy="830997"/>
+            <a:off x="13442237" y="10721138"/>
+            <a:ext cx="4129743" cy="1015663"/>
           </a:xfrm>
           <a:prstGeom prst="rect">
             <a:avLst/>
@@ -13468,7 +13883,7 @@
           <a:p>
             <a:pPr algn="ctr"/>
             <a:r>
-              <a:rPr lang="en-US" sz="2400" dirty="0">
+              <a:rPr lang="en-US" sz="3000" dirty="0">
                 <a:latin typeface="Arial" panose="020B0604020202020204" pitchFamily="34" charset="0"/>
                 <a:ea typeface="Yu Gothic" panose="020B0400000000000000" pitchFamily="34" charset="-128"/>
                 <a:cs typeface="Arial" panose="020B0604020202020204" pitchFamily="34" charset="0"/>
@@ -13492,8 +13907,8 @@
         </p:nvSpPr>
         <p:spPr>
           <a:xfrm>
-            <a:off x="5919165" y="8576911"/>
-            <a:ext cx="3211649" cy="830997"/>
+            <a:off x="7398957" y="10721139"/>
+            <a:ext cx="4014561" cy="1015663"/>
           </a:xfrm>
           <a:prstGeom prst="rect">
             <a:avLst/>
@@ -13508,7 +13923,7 @@
           <a:p>
             <a:pPr algn="ctr"/>
             <a:r>
-              <a:rPr lang="en-US" sz="2400" dirty="0">
+              <a:rPr lang="en-US" sz="3000" dirty="0">
                 <a:latin typeface="Arial" panose="020B0604020202020204" pitchFamily="34" charset="0"/>
                 <a:ea typeface="Yu Gothic" panose="020B0400000000000000" pitchFamily="34" charset="-128"/>
                 <a:cs typeface="Arial" panose="020B0604020202020204" pitchFamily="34" charset="0"/>
@@ -13532,8 +13947,8 @@
         </p:nvSpPr>
         <p:spPr>
           <a:xfrm>
-            <a:off x="3484371" y="5279163"/>
-            <a:ext cx="1714824" cy="461665"/>
+            <a:off x="4355464" y="6598954"/>
+            <a:ext cx="2143530" cy="553998"/>
           </a:xfrm>
           <a:prstGeom prst="rect">
             <a:avLst/>
@@ -13547,7 +13962,7 @@
           <a:lstStyle/>
           <a:p>
             <a:r>
-              <a:rPr lang="en-US" sz="2400" dirty="0">
+              <a:rPr lang="en-US" sz="3000" dirty="0">
                 <a:latin typeface="Arial" panose="020B0604020202020204" pitchFamily="34" charset="0"/>
                 <a:ea typeface="Yu Gothic" panose="020B0400000000000000" pitchFamily="34" charset="-128"/>
                 <a:cs typeface="Arial" panose="020B0604020202020204" pitchFamily="34" charset="0"/>
@@ -13571,8 +13986,8 @@
         </p:nvSpPr>
         <p:spPr>
           <a:xfrm>
-            <a:off x="2832303" y="8576911"/>
-            <a:ext cx="2843624" cy="830997"/>
+            <a:off x="3540379" y="10721139"/>
+            <a:ext cx="3554530" cy="1015663"/>
           </a:xfrm>
           <a:prstGeom prst="rect">
             <a:avLst/>
@@ -13587,7 +14002,7 @@
           <a:p>
             <a:pPr algn="ctr"/>
             <a:r>
-              <a:rPr lang="en-US" sz="2400" dirty="0">
+              <a:rPr lang="en-US" sz="3000" dirty="0">
                 <a:latin typeface="Arial" panose="020B0604020202020204" pitchFamily="34" charset="0"/>
                 <a:ea typeface="Yu Gothic" panose="020B0400000000000000" pitchFamily="34" charset="-128"/>
                 <a:cs typeface="Arial" panose="020B0604020202020204" pitchFamily="34" charset="0"/>
@@ -13598,7 +14013,7 @@
           <a:p>
             <a:pPr algn="ctr"/>
             <a:r>
-              <a:rPr lang="en-US" sz="2400" dirty="0">
+              <a:rPr lang="en-US" sz="3000" dirty="0">
                 <a:latin typeface="Arial" panose="020B0604020202020204" pitchFamily="34" charset="0"/>
                 <a:ea typeface="Yu Gothic" panose="020B0400000000000000" pitchFamily="34" charset="-128"/>
                 <a:cs typeface="Arial" panose="020B0604020202020204" pitchFamily="34" charset="0"/>
@@ -13622,8 +14037,8 @@
         </p:nvSpPr>
         <p:spPr>
           <a:xfrm>
-            <a:off x="3799078" y="5755873"/>
-            <a:ext cx="910074" cy="2735523"/>
+            <a:off x="4748847" y="7194842"/>
+            <a:ext cx="1137593" cy="3419404"/>
           </a:xfrm>
           <a:prstGeom prst="rect">
             <a:avLst/>
@@ -13659,7 +14074,7 @@
           <a:lstStyle/>
           <a:p>
             <a:pPr algn="ctr"/>
-            <a:endParaRPr lang="en-US" sz="2400" dirty="0">
+            <a:endParaRPr lang="en-US" sz="3000" dirty="0">
               <a:latin typeface="Arial" panose="020B0604020202020204" pitchFamily="34" charset="0"/>
               <a:cs typeface="Arial" panose="020B0604020202020204" pitchFamily="34" charset="0"/>
             </a:endParaRPr>
@@ -13680,8 +14095,8 @@
         </p:nvSpPr>
         <p:spPr>
           <a:xfrm>
-            <a:off x="6263049" y="5755873"/>
-            <a:ext cx="1173569" cy="1116980"/>
+            <a:off x="7828812" y="7194841"/>
+            <a:ext cx="1466961" cy="1396225"/>
           </a:xfrm>
           <a:prstGeom prst="rect">
             <a:avLst/>
@@ -13717,7 +14132,7 @@
           <a:lstStyle/>
           <a:p>
             <a:pPr algn="ctr"/>
-            <a:endParaRPr lang="en-US" sz="2400" dirty="0">
+            <a:endParaRPr lang="en-US" sz="3000" dirty="0">
               <a:latin typeface="Arial" panose="020B0604020202020204" pitchFamily="34" charset="0"/>
               <a:cs typeface="Arial" panose="020B0604020202020204" pitchFamily="34" charset="0"/>
             </a:endParaRPr>
@@ -13738,8 +14153,8 @@
         </p:nvSpPr>
         <p:spPr>
           <a:xfrm>
-            <a:off x="6520260" y="6872853"/>
-            <a:ext cx="659145" cy="1618543"/>
+            <a:off x="8150326" y="8591067"/>
+            <a:ext cx="823931" cy="2023179"/>
           </a:xfrm>
           <a:prstGeom prst="rect">
             <a:avLst/>
@@ -13775,7 +14190,7 @@
           <a:lstStyle/>
           <a:p>
             <a:pPr algn="ctr"/>
-            <a:endParaRPr lang="en-US" sz="2400" dirty="0">
+            <a:endParaRPr lang="en-US" sz="3000" dirty="0">
               <a:latin typeface="Arial" panose="020B0604020202020204" pitchFamily="34" charset="0"/>
               <a:cs typeface="Arial" panose="020B0604020202020204" pitchFamily="34" charset="0"/>
             </a:endParaRPr>
@@ -13796,8 +14211,8 @@
         </p:nvSpPr>
         <p:spPr>
           <a:xfrm>
-            <a:off x="7844307" y="5755873"/>
-            <a:ext cx="465506" cy="2412976"/>
+            <a:off x="9805384" y="7194841"/>
+            <a:ext cx="581883" cy="3016220"/>
           </a:xfrm>
           <a:prstGeom prst="rect">
             <a:avLst/>
@@ -13833,7 +14248,7 @@
           <a:lstStyle/>
           <a:p>
             <a:pPr algn="ctr"/>
-            <a:endParaRPr lang="en-US" sz="2400" dirty="0">
+            <a:endParaRPr lang="en-US" sz="3000" dirty="0">
               <a:latin typeface="Arial" panose="020B0604020202020204" pitchFamily="34" charset="0"/>
               <a:cs typeface="Arial" panose="020B0604020202020204" pitchFamily="34" charset="0"/>
             </a:endParaRPr>
@@ -13854,8 +14269,8 @@
         </p:nvSpPr>
         <p:spPr>
           <a:xfrm>
-            <a:off x="7358577" y="8168849"/>
-            <a:ext cx="1435328" cy="322547"/>
+            <a:off x="9198221" y="10211062"/>
+            <a:ext cx="1794160" cy="403184"/>
           </a:xfrm>
           <a:prstGeom prst="rect">
             <a:avLst/>
@@ -13891,7 +14306,7 @@
           <a:lstStyle/>
           <a:p>
             <a:pPr algn="ctr"/>
-            <a:endParaRPr lang="en-US" sz="2400" dirty="0">
+            <a:endParaRPr lang="en-US" sz="3000" dirty="0">
               <a:latin typeface="Arial" panose="020B0604020202020204" pitchFamily="34" charset="0"/>
               <a:cs typeface="Arial" panose="020B0604020202020204" pitchFamily="34" charset="0"/>
             </a:endParaRPr>
@@ -13912,8 +14327,8 @@
         </p:nvSpPr>
         <p:spPr>
           <a:xfrm>
-            <a:off x="11218005" y="5755874"/>
-            <a:ext cx="534596" cy="842510"/>
+            <a:off x="14022506" y="7194842"/>
+            <a:ext cx="668245" cy="1053138"/>
           </a:xfrm>
           <a:prstGeom prst="rect">
             <a:avLst/>
@@ -13949,7 +14364,7 @@
           <a:lstStyle/>
           <a:p>
             <a:pPr algn="ctr"/>
-            <a:endParaRPr lang="en-US" sz="2400" dirty="0">
+            <a:endParaRPr lang="en-US" sz="3000" dirty="0">
               <a:latin typeface="Arial" panose="020B0604020202020204" pitchFamily="34" charset="0"/>
               <a:cs typeface="Arial" panose="020B0604020202020204" pitchFamily="34" charset="0"/>
             </a:endParaRPr>
@@ -13970,8 +14385,8 @@
         </p:nvSpPr>
         <p:spPr>
           <a:xfrm>
-            <a:off x="10937885" y="6598383"/>
-            <a:ext cx="1094835" cy="811926"/>
+            <a:off x="13672357" y="8247979"/>
+            <a:ext cx="1368544" cy="1014908"/>
           </a:xfrm>
           <a:prstGeom prst="rect">
             <a:avLst/>
@@ -14007,7 +14422,7 @@
           <a:lstStyle/>
           <a:p>
             <a:pPr algn="ctr"/>
-            <a:endParaRPr lang="en-US" sz="2400" dirty="0">
+            <a:endParaRPr lang="en-US" sz="3000" dirty="0">
               <a:latin typeface="Arial" panose="020B0604020202020204" pitchFamily="34" charset="0"/>
               <a:cs typeface="Arial" panose="020B0604020202020204" pitchFamily="34" charset="0"/>
             </a:endParaRPr>
@@ -14028,8 +14443,8 @@
         </p:nvSpPr>
         <p:spPr>
           <a:xfrm>
-            <a:off x="11087921" y="7410309"/>
-            <a:ext cx="794761" cy="1083836"/>
+            <a:off x="13859902" y="9262886"/>
+            <a:ext cx="993451" cy="1354795"/>
           </a:xfrm>
           <a:prstGeom prst="rect">
             <a:avLst/>
@@ -14065,7 +14480,7 @@
           <a:lstStyle/>
           <a:p>
             <a:pPr algn="ctr"/>
-            <a:endParaRPr lang="en-US" sz="2400" dirty="0">
+            <a:endParaRPr lang="en-US" sz="3000" dirty="0">
               <a:latin typeface="Arial" panose="020B0604020202020204" pitchFamily="34" charset="0"/>
               <a:cs typeface="Arial" panose="020B0604020202020204" pitchFamily="34" charset="0"/>
             </a:endParaRPr>
@@ -14086,8 +14501,8 @@
         </p:nvSpPr>
         <p:spPr>
           <a:xfrm>
-            <a:off x="12405687" y="5755873"/>
-            <a:ext cx="1550481" cy="469068"/>
+            <a:off x="15507110" y="7194841"/>
+            <a:ext cx="1938101" cy="586335"/>
           </a:xfrm>
           <a:prstGeom prst="rect">
             <a:avLst/>
@@ -14123,7 +14538,7 @@
           <a:lstStyle/>
           <a:p>
             <a:pPr algn="ctr"/>
-            <a:endParaRPr lang="en-US" sz="2400" dirty="0">
+            <a:endParaRPr lang="en-US" sz="3000" dirty="0">
               <a:latin typeface="Arial" panose="020B0604020202020204" pitchFamily="34" charset="0"/>
               <a:cs typeface="Arial" panose="020B0604020202020204" pitchFamily="34" charset="0"/>
             </a:endParaRPr>
@@ -14144,8 +14559,8 @@
         </p:nvSpPr>
         <p:spPr>
           <a:xfrm>
-            <a:off x="12654452" y="6221470"/>
-            <a:ext cx="1052949" cy="469068"/>
+            <a:off x="15818066" y="7776838"/>
+            <a:ext cx="1316186" cy="586335"/>
           </a:xfrm>
           <a:prstGeom prst="rect">
             <a:avLst/>
@@ -14181,7 +14596,7 @@
           <a:lstStyle/>
           <a:p>
             <a:pPr algn="ctr"/>
-            <a:endParaRPr lang="en-US" sz="2400" dirty="0">
+            <a:endParaRPr lang="en-US" sz="3000" dirty="0">
               <a:latin typeface="Arial" panose="020B0604020202020204" pitchFamily="34" charset="0"/>
               <a:cs typeface="Arial" panose="020B0604020202020204" pitchFamily="34" charset="0"/>
             </a:endParaRPr>
@@ -14202,8 +14617,8 @@
         </p:nvSpPr>
         <p:spPr>
           <a:xfrm>
-            <a:off x="12884260" y="6654566"/>
-            <a:ext cx="593332" cy="1836830"/>
+            <a:off x="16105325" y="8318207"/>
+            <a:ext cx="741665" cy="2296038"/>
           </a:xfrm>
           <a:prstGeom prst="rect">
             <a:avLst/>
@@ -14239,7 +14654,7 @@
           <a:lstStyle/>
           <a:p>
             <a:pPr algn="ctr"/>
-            <a:endParaRPr lang="en-US" sz="2400" dirty="0">
+            <a:endParaRPr lang="en-US" sz="3000" dirty="0">
               <a:latin typeface="Arial" panose="020B0604020202020204" pitchFamily="34" charset="0"/>
               <a:cs typeface="Arial" panose="020B0604020202020204" pitchFamily="34" charset="0"/>
             </a:endParaRPr>
@@ -14260,8 +14675,8 @@
         </p:nvSpPr>
         <p:spPr>
           <a:xfrm>
-            <a:off x="14658937" y="5755873"/>
-            <a:ext cx="577093" cy="1834236"/>
+            <a:off x="18323672" y="7194841"/>
+            <a:ext cx="721366" cy="2292795"/>
           </a:xfrm>
           <a:prstGeom prst="rect">
             <a:avLst/>
@@ -14297,7 +14712,7 @@
           <a:lstStyle/>
           <a:p>
             <a:pPr algn="ctr"/>
-            <a:endParaRPr lang="en-US" sz="2400" dirty="0">
+            <a:endParaRPr lang="en-US" sz="3000" dirty="0">
               <a:latin typeface="Arial" panose="020B0604020202020204" pitchFamily="34" charset="0"/>
               <a:cs typeface="Arial" panose="020B0604020202020204" pitchFamily="34" charset="0"/>
             </a:endParaRPr>
@@ -14318,8 +14733,8 @@
         </p:nvSpPr>
         <p:spPr>
           <a:xfrm>
-            <a:off x="14395504" y="7590109"/>
-            <a:ext cx="1101294" cy="449209"/>
+            <a:off x="17994380" y="9487637"/>
+            <a:ext cx="1376618" cy="561511"/>
           </a:xfrm>
           <a:prstGeom prst="rect">
             <a:avLst/>
@@ -14355,7 +14770,7 @@
           <a:lstStyle/>
           <a:p>
             <a:pPr algn="ctr"/>
-            <a:endParaRPr lang="en-US" sz="2400" dirty="0">
+            <a:endParaRPr lang="en-US" sz="3000" dirty="0">
               <a:latin typeface="Arial" panose="020B0604020202020204" pitchFamily="34" charset="0"/>
               <a:cs typeface="Arial" panose="020B0604020202020204" pitchFamily="34" charset="0"/>
             </a:endParaRPr>
@@ -14376,8 +14791,8 @@
         </p:nvSpPr>
         <p:spPr>
           <a:xfrm>
-            <a:off x="14140665" y="8039318"/>
-            <a:ext cx="1610973" cy="452078"/>
+            <a:off x="17675832" y="10049147"/>
+            <a:ext cx="2013716" cy="565098"/>
           </a:xfrm>
           <a:prstGeom prst="rect">
             <a:avLst/>
@@ -14413,7 +14828,7 @@
           <a:lstStyle/>
           <a:p>
             <a:pPr algn="ctr"/>
-            <a:endParaRPr lang="en-US" sz="2400" dirty="0">
+            <a:endParaRPr lang="en-US" sz="3000" dirty="0">
               <a:latin typeface="Arial" panose="020B0604020202020204" pitchFamily="34" charset="0"/>
               <a:cs typeface="Arial" panose="020B0604020202020204" pitchFamily="34" charset="0"/>
             </a:endParaRPr>
@@ -14434,8 +14849,8 @@
         </p:nvSpPr>
         <p:spPr>
           <a:xfrm>
-            <a:off x="9844311" y="5755873"/>
-            <a:ext cx="700836" cy="1459838"/>
+            <a:off x="12305389" y="7194841"/>
+            <a:ext cx="876045" cy="1824798"/>
           </a:xfrm>
           <a:prstGeom prst="rect">
             <a:avLst/>
@@ -14471,7 +14886,7 @@
           <a:lstStyle/>
           <a:p>
             <a:pPr algn="ctr"/>
-            <a:endParaRPr lang="en-US" sz="2400" dirty="0">
+            <a:endParaRPr lang="en-US" sz="3000" dirty="0">
               <a:latin typeface="Arial" panose="020B0604020202020204" pitchFamily="34" charset="0"/>
               <a:cs typeface="Arial" panose="020B0604020202020204" pitchFamily="34" charset="0"/>
             </a:endParaRPr>
@@ -14492,8 +14907,8 @@
         </p:nvSpPr>
         <p:spPr>
           <a:xfrm>
-            <a:off x="9662087" y="8267199"/>
-            <a:ext cx="1065284" cy="224197"/>
+            <a:off x="12077609" y="10334000"/>
+            <a:ext cx="1331605" cy="280246"/>
           </a:xfrm>
           <a:prstGeom prst="rect">
             <a:avLst/>
@@ -14529,7 +14944,7 @@
           <a:lstStyle/>
           <a:p>
             <a:pPr algn="ctr"/>
-            <a:endParaRPr lang="en-US" sz="2400" dirty="0">
+            <a:endParaRPr lang="en-US" sz="3000" dirty="0">
               <a:latin typeface="Arial" panose="020B0604020202020204" pitchFamily="34" charset="0"/>
               <a:cs typeface="Arial" panose="020B0604020202020204" pitchFamily="34" charset="0"/>
             </a:endParaRPr>
@@ -14550,8 +14965,8 @@
         </p:nvSpPr>
         <p:spPr>
           <a:xfrm>
-            <a:off x="10002735" y="7215711"/>
-            <a:ext cx="383988" cy="1051488"/>
+            <a:off x="12503419" y="9019639"/>
+            <a:ext cx="479985" cy="1314360"/>
           </a:xfrm>
           <a:prstGeom prst="rect">
             <a:avLst/>
@@ -14587,7 +15002,7 @@
           <a:lstStyle/>
           <a:p>
             <a:pPr algn="ctr"/>
-            <a:endParaRPr lang="en-US" sz="2400" dirty="0">
+            <a:endParaRPr lang="en-US" sz="3000" dirty="0">
               <a:latin typeface="Arial" panose="020B0604020202020204" pitchFamily="34" charset="0"/>
               <a:cs typeface="Arial" panose="020B0604020202020204" pitchFamily="34" charset="0"/>
             </a:endParaRPr>
@@ -14608,8 +15023,8 @@
         </p:nvCxnSpPr>
         <p:spPr>
           <a:xfrm>
-            <a:off x="2669246" y="5755873"/>
-            <a:ext cx="0" cy="2821037"/>
+            <a:off x="3336558" y="7194842"/>
+            <a:ext cx="0" cy="3526296"/>
           </a:xfrm>
           <a:prstGeom prst="straightConnector1">
             <a:avLst/>
@@ -14647,8 +15062,8 @@
         </p:nvSpPr>
         <p:spPr>
           <a:xfrm rot="16200000">
-            <a:off x="1861096" y="6888412"/>
-            <a:ext cx="857410" cy="461665"/>
+            <a:off x="2326370" y="8622057"/>
+            <a:ext cx="1071763" cy="553998"/>
           </a:xfrm>
           <a:prstGeom prst="rect">
             <a:avLst/>
@@ -14662,7 +15077,7 @@
           <a:lstStyle/>
           <a:p>
             <a:r>
-              <a:rPr lang="en-US" sz="2400" dirty="0">
+              <a:rPr lang="en-US" sz="3000" dirty="0">
                 <a:latin typeface="Arial" panose="020B0604020202020204" pitchFamily="34" charset="0"/>
                 <a:ea typeface="Yu Gothic" panose="020B0400000000000000" pitchFamily="34" charset="-128"/>
                 <a:cs typeface="Arial" panose="020B0604020202020204" pitchFamily="34" charset="0"/>
@@ -14688,8 +15103,8 @@
         </p:nvCxnSpPr>
         <p:spPr>
           <a:xfrm>
-            <a:off x="3484371" y="16949931"/>
-            <a:ext cx="11952560" cy="0"/>
+            <a:off x="4355464" y="21187414"/>
+            <a:ext cx="14940700" cy="0"/>
           </a:xfrm>
           <a:prstGeom prst="straightConnector1">
             <a:avLst/>
@@ -14728,8 +15143,8 @@
         </p:nvSpPr>
         <p:spPr>
           <a:xfrm>
-            <a:off x="6596919" y="11763690"/>
-            <a:ext cx="2652209" cy="584775"/>
+            <a:off x="8246150" y="14704613"/>
+            <a:ext cx="3315261" cy="707886"/>
           </a:xfrm>
           <a:prstGeom prst="rect">
             <a:avLst/>
@@ -14743,7 +15158,7 @@
           <a:lstStyle/>
           <a:p>
             <a:r>
-              <a:rPr lang="en-US" sz="3200" b="1" dirty="0">
+              <a:rPr lang="en-US" sz="4000" b="1" dirty="0">
                 <a:latin typeface="Arial" panose="020B0604020202020204" pitchFamily="34" charset="0"/>
                 <a:ea typeface="Yu Gothic" panose="020B0400000000000000" pitchFamily="34" charset="-128"/>
                 <a:cs typeface="Arial" panose="020B0604020202020204" pitchFamily="34" charset="0"/>
@@ -14767,8 +15182,8 @@
         </p:nvSpPr>
         <p:spPr>
           <a:xfrm>
-            <a:off x="11486234" y="11778808"/>
-            <a:ext cx="2848673" cy="584775"/>
+            <a:off x="14357793" y="14723511"/>
+            <a:ext cx="3560841" cy="707886"/>
           </a:xfrm>
           <a:prstGeom prst="rect">
             <a:avLst/>
@@ -14782,7 +15197,7 @@
           <a:lstStyle/>
           <a:p>
             <a:r>
-              <a:rPr lang="en-US" sz="3200" b="1" dirty="0">
+              <a:rPr lang="en-US" sz="4000" b="1" dirty="0">
                 <a:latin typeface="Arial" panose="020B0604020202020204" pitchFamily="34" charset="0"/>
                 <a:ea typeface="Yu Gothic" panose="020B0400000000000000" pitchFamily="34" charset="-128"/>
                 <a:cs typeface="Arial" panose="020B0604020202020204" pitchFamily="34" charset="0"/>
@@ -14806,8 +15221,8 @@
         </p:nvSpPr>
         <p:spPr>
           <a:xfrm>
-            <a:off x="11157582" y="12440227"/>
-            <a:ext cx="3303794" cy="830997"/>
+            <a:off x="13946977" y="15550284"/>
+            <a:ext cx="4129743" cy="1015663"/>
           </a:xfrm>
           <a:prstGeom prst="rect">
             <a:avLst/>
@@ -14822,7 +15237,7 @@
           <a:p>
             <a:pPr algn="ctr"/>
             <a:r>
-              <a:rPr lang="en-US" sz="2400" dirty="0">
+              <a:rPr lang="en-US" sz="3000" dirty="0">
                 <a:latin typeface="Arial" panose="020B0604020202020204" pitchFamily="34" charset="0"/>
                 <a:ea typeface="Yu Gothic" panose="020B0400000000000000" pitchFamily="34" charset="-128"/>
                 <a:cs typeface="Arial" panose="020B0604020202020204" pitchFamily="34" charset="0"/>
@@ -14846,8 +15261,8 @@
         </p:nvSpPr>
         <p:spPr>
           <a:xfrm>
-            <a:off x="6208657" y="12440228"/>
-            <a:ext cx="3211649" cy="830997"/>
+            <a:off x="7760822" y="15550285"/>
+            <a:ext cx="4014561" cy="1015663"/>
           </a:xfrm>
           <a:prstGeom prst="rect">
             <a:avLst/>
@@ -14862,7 +15277,7 @@
           <a:p>
             <a:pPr algn="ctr"/>
             <a:r>
-              <a:rPr lang="en-US" sz="2400" dirty="0">
+              <a:rPr lang="en-US" sz="3000" dirty="0">
                 <a:latin typeface="Arial" panose="020B0604020202020204" pitchFamily="34" charset="0"/>
                 <a:ea typeface="Yu Gothic" panose="020B0400000000000000" pitchFamily="34" charset="-128"/>
                 <a:cs typeface="Arial" panose="020B0604020202020204" pitchFamily="34" charset="0"/>
@@ -14886,8 +15301,8 @@
         </p:nvSpPr>
         <p:spPr>
           <a:xfrm>
-            <a:off x="3363249" y="11767695"/>
-            <a:ext cx="2656384" cy="584775"/>
+            <a:off x="4204061" y="14709619"/>
+            <a:ext cx="3320480" cy="707886"/>
           </a:xfrm>
           <a:prstGeom prst="rect">
             <a:avLst/>
@@ -14901,7 +15316,7 @@
           <a:lstStyle/>
           <a:p>
             <a:r>
-              <a:rPr lang="en-US" sz="3200" b="1" dirty="0">
+              <a:rPr lang="en-US" sz="4000" b="1" dirty="0">
                 <a:latin typeface="Arial" panose="020B0604020202020204" pitchFamily="34" charset="0"/>
                 <a:ea typeface="Yu Gothic" panose="020B0400000000000000" pitchFamily="34" charset="-128"/>
                 <a:cs typeface="Arial" panose="020B0604020202020204" pitchFamily="34" charset="0"/>
@@ -14925,8 +15340,8 @@
         </p:nvSpPr>
         <p:spPr>
           <a:xfrm>
-            <a:off x="3121795" y="12440228"/>
-            <a:ext cx="2843624" cy="830997"/>
+            <a:off x="3902244" y="15550285"/>
+            <a:ext cx="3554530" cy="1015663"/>
           </a:xfrm>
           <a:prstGeom prst="rect">
             <a:avLst/>
@@ -14941,7 +15356,7 @@
           <a:p>
             <a:pPr algn="ctr"/>
             <a:r>
-              <a:rPr lang="en-US" sz="2400" dirty="0">
+              <a:rPr lang="en-US" sz="3000" dirty="0">
                 <a:latin typeface="Arial" panose="020B0604020202020204" pitchFamily="34" charset="0"/>
                 <a:ea typeface="Yu Gothic" panose="020B0400000000000000" pitchFamily="34" charset="-128"/>
                 <a:cs typeface="Arial" panose="020B0604020202020204" pitchFamily="34" charset="0"/>
@@ -14952,7 +15367,7 @@
           <a:p>
             <a:pPr algn="ctr"/>
             <a:r>
-              <a:rPr lang="en-US" sz="2400" dirty="0">
+              <a:rPr lang="en-US" sz="3000" dirty="0">
                 <a:latin typeface="Arial" panose="020B0604020202020204" pitchFamily="34" charset="0"/>
                 <a:ea typeface="Yu Gothic" panose="020B0400000000000000" pitchFamily="34" charset="-128"/>
                 <a:cs typeface="Arial" panose="020B0604020202020204" pitchFamily="34" charset="0"/>
@@ -14976,8 +15391,8 @@
         </p:nvSpPr>
         <p:spPr>
           <a:xfrm>
-            <a:off x="4088570" y="13571764"/>
-            <a:ext cx="910074" cy="2735523"/>
+            <a:off x="5110712" y="16964706"/>
+            <a:ext cx="1137593" cy="3419404"/>
           </a:xfrm>
           <a:prstGeom prst="rect">
             <a:avLst/>
@@ -15013,7 +15428,7 @@
           <a:lstStyle/>
           <a:p>
             <a:pPr algn="ctr"/>
-            <a:endParaRPr lang="en-US" sz="2400" dirty="0">
+            <a:endParaRPr lang="en-US" sz="3000" dirty="0">
               <a:latin typeface="Arial" panose="020B0604020202020204" pitchFamily="34" charset="0"/>
               <a:cs typeface="Arial" panose="020B0604020202020204" pitchFamily="34" charset="0"/>
             </a:endParaRPr>
@@ -15034,8 +15449,8 @@
         </p:nvSpPr>
         <p:spPr>
           <a:xfrm>
-            <a:off x="6552541" y="13571764"/>
-            <a:ext cx="1173569" cy="1116980"/>
+            <a:off x="8190677" y="16964705"/>
+            <a:ext cx="1466961" cy="1396225"/>
           </a:xfrm>
           <a:prstGeom prst="rect">
             <a:avLst/>
@@ -15071,7 +15486,7 @@
           <a:lstStyle/>
           <a:p>
             <a:pPr algn="ctr"/>
-            <a:endParaRPr lang="en-US" sz="2400" dirty="0">
+            <a:endParaRPr lang="en-US" sz="3000" dirty="0">
               <a:latin typeface="Arial" panose="020B0604020202020204" pitchFamily="34" charset="0"/>
               <a:cs typeface="Arial" panose="020B0604020202020204" pitchFamily="34" charset="0"/>
             </a:endParaRPr>
@@ -15092,8 +15507,8 @@
         </p:nvSpPr>
         <p:spPr>
           <a:xfrm>
-            <a:off x="6809752" y="14688744"/>
-            <a:ext cx="659145" cy="1618543"/>
+            <a:off x="8512191" y="18360931"/>
+            <a:ext cx="823931" cy="2023179"/>
           </a:xfrm>
           <a:prstGeom prst="rect">
             <a:avLst/>
@@ -15129,7 +15544,7 @@
           <a:lstStyle/>
           <a:p>
             <a:pPr algn="ctr"/>
-            <a:endParaRPr lang="en-US" sz="2400" dirty="0">
+            <a:endParaRPr lang="en-US" sz="3000" dirty="0">
               <a:latin typeface="Arial" panose="020B0604020202020204" pitchFamily="34" charset="0"/>
               <a:cs typeface="Arial" panose="020B0604020202020204" pitchFamily="34" charset="0"/>
             </a:endParaRPr>
@@ -15150,8 +15565,8 @@
         </p:nvSpPr>
         <p:spPr>
           <a:xfrm>
-            <a:off x="8133799" y="13571764"/>
-            <a:ext cx="465506" cy="2412976"/>
+            <a:off x="10167249" y="16964705"/>
+            <a:ext cx="581883" cy="3016220"/>
           </a:xfrm>
           <a:prstGeom prst="rect">
             <a:avLst/>
@@ -15187,7 +15602,7 @@
           <a:lstStyle/>
           <a:p>
             <a:pPr algn="ctr"/>
-            <a:endParaRPr lang="en-US" sz="2400" dirty="0">
+            <a:endParaRPr lang="en-US" sz="3000" dirty="0">
               <a:latin typeface="Arial" panose="020B0604020202020204" pitchFamily="34" charset="0"/>
               <a:cs typeface="Arial" panose="020B0604020202020204" pitchFamily="34" charset="0"/>
             </a:endParaRPr>
@@ -15208,8 +15623,8 @@
         </p:nvSpPr>
         <p:spPr>
           <a:xfrm>
-            <a:off x="7648069" y="15984740"/>
-            <a:ext cx="1435328" cy="322547"/>
+            <a:off x="9560086" y="19980926"/>
+            <a:ext cx="1794160" cy="403184"/>
           </a:xfrm>
           <a:prstGeom prst="rect">
             <a:avLst/>
@@ -15245,7 +15660,7 @@
           <a:lstStyle/>
           <a:p>
             <a:pPr algn="ctr"/>
-            <a:endParaRPr lang="en-US" sz="2400" dirty="0">
+            <a:endParaRPr lang="en-US" sz="3000" dirty="0">
               <a:latin typeface="Arial" panose="020B0604020202020204" pitchFamily="34" charset="0"/>
               <a:cs typeface="Arial" panose="020B0604020202020204" pitchFamily="34" charset="0"/>
             </a:endParaRPr>
@@ -15266,8 +15681,8 @@
         </p:nvSpPr>
         <p:spPr>
           <a:xfrm>
-            <a:off x="12019123" y="13571765"/>
-            <a:ext cx="534596" cy="842510"/>
+            <a:off x="15023904" y="16964706"/>
+            <a:ext cx="668245" cy="1053138"/>
           </a:xfrm>
           <a:prstGeom prst="rect">
             <a:avLst/>
@@ -15303,7 +15718,7 @@
           <a:lstStyle/>
           <a:p>
             <a:pPr algn="ctr"/>
-            <a:endParaRPr lang="en-US" sz="2400" dirty="0">
+            <a:endParaRPr lang="en-US" sz="3000" dirty="0">
               <a:latin typeface="Arial" panose="020B0604020202020204" pitchFamily="34" charset="0"/>
               <a:cs typeface="Arial" panose="020B0604020202020204" pitchFamily="34" charset="0"/>
             </a:endParaRPr>
@@ -15324,8 +15739,8 @@
         </p:nvSpPr>
         <p:spPr>
           <a:xfrm>
-            <a:off x="11739003" y="14414274"/>
-            <a:ext cx="1094835" cy="811926"/>
+            <a:off x="14673754" y="18017842"/>
+            <a:ext cx="1368544" cy="1014908"/>
           </a:xfrm>
           <a:prstGeom prst="rect">
             <a:avLst/>
@@ -15361,7 +15776,7 @@
           <a:lstStyle/>
           <a:p>
             <a:pPr algn="ctr"/>
-            <a:endParaRPr lang="en-US" sz="2400" dirty="0">
+            <a:endParaRPr lang="en-US" sz="3000" dirty="0">
               <a:latin typeface="Arial" panose="020B0604020202020204" pitchFamily="34" charset="0"/>
               <a:cs typeface="Arial" panose="020B0604020202020204" pitchFamily="34" charset="0"/>
             </a:endParaRPr>
@@ -15382,8 +15797,8 @@
         </p:nvSpPr>
         <p:spPr>
           <a:xfrm>
-            <a:off x="11889039" y="15226200"/>
-            <a:ext cx="794761" cy="1083836"/>
+            <a:off x="14861300" y="19032750"/>
+            <a:ext cx="993451" cy="1354795"/>
           </a:xfrm>
           <a:prstGeom prst="rect">
             <a:avLst/>
@@ -15419,7 +15834,7 @@
           <a:lstStyle/>
           <a:p>
             <a:pPr algn="ctr"/>
-            <a:endParaRPr lang="en-US" sz="2400" dirty="0">
+            <a:endParaRPr lang="en-US" sz="3000" dirty="0">
               <a:latin typeface="Arial" panose="020B0604020202020204" pitchFamily="34" charset="0"/>
               <a:cs typeface="Arial" panose="020B0604020202020204" pitchFamily="34" charset="0"/>
             </a:endParaRPr>
@@ -15440,8 +15855,8 @@
         </p:nvSpPr>
         <p:spPr>
           <a:xfrm>
-            <a:off x="12980929" y="13571764"/>
-            <a:ext cx="1550481" cy="469068"/>
+            <a:off x="16226162" y="16964705"/>
+            <a:ext cx="1938101" cy="586335"/>
           </a:xfrm>
           <a:prstGeom prst="rect">
             <a:avLst/>
@@ -15477,7 +15892,7 @@
           <a:lstStyle/>
           <a:p>
             <a:pPr algn="ctr"/>
-            <a:endParaRPr lang="en-US" sz="2400" dirty="0">
+            <a:endParaRPr lang="en-US" sz="3000" dirty="0">
               <a:latin typeface="Arial" panose="020B0604020202020204" pitchFamily="34" charset="0"/>
               <a:cs typeface="Arial" panose="020B0604020202020204" pitchFamily="34" charset="0"/>
             </a:endParaRPr>
@@ -15498,8 +15913,8 @@
         </p:nvSpPr>
         <p:spPr>
           <a:xfrm>
-            <a:off x="13229694" y="14037361"/>
-            <a:ext cx="1052949" cy="469068"/>
+            <a:off x="16537118" y="17546701"/>
+            <a:ext cx="1316186" cy="586335"/>
           </a:xfrm>
           <a:prstGeom prst="rect">
             <a:avLst/>
@@ -15535,7 +15950,7 @@
           <a:lstStyle/>
           <a:p>
             <a:pPr algn="ctr"/>
-            <a:endParaRPr lang="en-US" sz="2400" dirty="0">
+            <a:endParaRPr lang="en-US" sz="3000" dirty="0">
               <a:latin typeface="Arial" panose="020B0604020202020204" pitchFamily="34" charset="0"/>
               <a:cs typeface="Arial" panose="020B0604020202020204" pitchFamily="34" charset="0"/>
             </a:endParaRPr>
@@ -15556,8 +15971,8 @@
         </p:nvSpPr>
         <p:spPr>
           <a:xfrm>
-            <a:off x="13459502" y="14470457"/>
-            <a:ext cx="593332" cy="1836830"/>
+            <a:off x="16824378" y="18088071"/>
+            <a:ext cx="741665" cy="2296038"/>
           </a:xfrm>
           <a:prstGeom prst="rect">
             <a:avLst/>
@@ -15593,7 +16008,7 @@
           <a:lstStyle/>
           <a:p>
             <a:pPr algn="ctr"/>
-            <a:endParaRPr lang="en-US" sz="2400" dirty="0">
+            <a:endParaRPr lang="en-US" sz="3000" dirty="0">
               <a:latin typeface="Arial" panose="020B0604020202020204" pitchFamily="34" charset="0"/>
               <a:cs typeface="Arial" panose="020B0604020202020204" pitchFamily="34" charset="0"/>
             </a:endParaRPr>
@@ -15614,8 +16029,8 @@
         </p:nvSpPr>
         <p:spPr>
           <a:xfrm>
-            <a:off x="14853179" y="13571764"/>
-            <a:ext cx="577093" cy="1834236"/>
+            <a:off x="18566475" y="16964705"/>
+            <a:ext cx="721366" cy="2292795"/>
           </a:xfrm>
           <a:prstGeom prst="rect">
             <a:avLst/>
@@ -15651,7 +16066,7 @@
           <a:lstStyle/>
           <a:p>
             <a:pPr algn="ctr"/>
-            <a:endParaRPr lang="en-US" sz="2400" dirty="0">
+            <a:endParaRPr lang="en-US" sz="3000" dirty="0">
               <a:latin typeface="Arial" panose="020B0604020202020204" pitchFamily="34" charset="0"/>
               <a:cs typeface="Arial" panose="020B0604020202020204" pitchFamily="34" charset="0"/>
             </a:endParaRPr>
@@ -15672,8 +16087,8 @@
         </p:nvSpPr>
         <p:spPr>
           <a:xfrm>
-            <a:off x="14589746" y="15406000"/>
-            <a:ext cx="1101294" cy="449209"/>
+            <a:off x="18237182" y="19257501"/>
+            <a:ext cx="1376618" cy="561511"/>
           </a:xfrm>
           <a:prstGeom prst="rect">
             <a:avLst/>
@@ -15709,7 +16124,7 @@
           <a:lstStyle/>
           <a:p>
             <a:pPr algn="ctr"/>
-            <a:endParaRPr lang="en-US" sz="2400" dirty="0">
+            <a:endParaRPr lang="en-US" sz="3000" dirty="0">
               <a:latin typeface="Arial" panose="020B0604020202020204" pitchFamily="34" charset="0"/>
               <a:cs typeface="Arial" panose="020B0604020202020204" pitchFamily="34" charset="0"/>
             </a:endParaRPr>
@@ -15730,8 +16145,8 @@
         </p:nvSpPr>
         <p:spPr>
           <a:xfrm>
-            <a:off x="14334907" y="15855209"/>
-            <a:ext cx="1610973" cy="452078"/>
+            <a:off x="17918635" y="19819011"/>
+            <a:ext cx="2013716" cy="565098"/>
           </a:xfrm>
           <a:prstGeom prst="rect">
             <a:avLst/>
@@ -15767,7 +16182,7 @@
           <a:lstStyle/>
           <a:p>
             <a:pPr algn="ctr"/>
-            <a:endParaRPr lang="en-US" sz="2400" dirty="0">
+            <a:endParaRPr lang="en-US" sz="3000" dirty="0">
               <a:latin typeface="Arial" panose="020B0604020202020204" pitchFamily="34" charset="0"/>
               <a:cs typeface="Arial" panose="020B0604020202020204" pitchFamily="34" charset="0"/>
             </a:endParaRPr>
@@ -15788,8 +16203,8 @@
         </p:nvSpPr>
         <p:spPr>
           <a:xfrm>
-            <a:off x="10645429" y="13571764"/>
-            <a:ext cx="700836" cy="1459838"/>
+            <a:off x="13306786" y="16964705"/>
+            <a:ext cx="876045" cy="1824798"/>
           </a:xfrm>
           <a:prstGeom prst="rect">
             <a:avLst/>
@@ -15825,7 +16240,7 @@
           <a:lstStyle/>
           <a:p>
             <a:pPr algn="ctr"/>
-            <a:endParaRPr lang="en-US" sz="2400" dirty="0">
+            <a:endParaRPr lang="en-US" sz="3000" dirty="0">
               <a:latin typeface="Arial" panose="020B0604020202020204" pitchFamily="34" charset="0"/>
               <a:cs typeface="Arial" panose="020B0604020202020204" pitchFamily="34" charset="0"/>
             </a:endParaRPr>
@@ -15846,8 +16261,8 @@
         </p:nvSpPr>
         <p:spPr>
           <a:xfrm>
-            <a:off x="10463205" y="16083090"/>
-            <a:ext cx="1065284" cy="224197"/>
+            <a:off x="13079006" y="20103863"/>
+            <a:ext cx="1331605" cy="280246"/>
           </a:xfrm>
           <a:prstGeom prst="rect">
             <a:avLst/>
@@ -15883,7 +16298,7 @@
           <a:lstStyle/>
           <a:p>
             <a:pPr algn="ctr"/>
-            <a:endParaRPr lang="en-US" sz="2400" dirty="0">
+            <a:endParaRPr lang="en-US" sz="3000" dirty="0">
               <a:latin typeface="Arial" panose="020B0604020202020204" pitchFamily="34" charset="0"/>
               <a:cs typeface="Arial" panose="020B0604020202020204" pitchFamily="34" charset="0"/>
             </a:endParaRPr>
@@ -15904,8 +16319,8 @@
         </p:nvSpPr>
         <p:spPr>
           <a:xfrm>
-            <a:off x="10803853" y="15031602"/>
-            <a:ext cx="383988" cy="1051488"/>
+            <a:off x="13504816" y="18789503"/>
+            <a:ext cx="479985" cy="1314360"/>
           </a:xfrm>
           <a:prstGeom prst="rect">
             <a:avLst/>
@@ -15941,7 +16356,7 @@
           <a:lstStyle/>
           <a:p>
             <a:pPr algn="ctr"/>
-            <a:endParaRPr lang="en-US" sz="2400" dirty="0">
+            <a:endParaRPr lang="en-US" sz="3000" dirty="0">
               <a:latin typeface="Arial" panose="020B0604020202020204" pitchFamily="34" charset="0"/>
               <a:cs typeface="Arial" panose="020B0604020202020204" pitchFamily="34" charset="0"/>
             </a:endParaRPr>
@@ -15962,8 +16377,8 @@
         </p:nvCxnSpPr>
         <p:spPr>
           <a:xfrm>
-            <a:off x="2958738" y="13571764"/>
-            <a:ext cx="0" cy="2821037"/>
+            <a:off x="3698423" y="16964706"/>
+            <a:ext cx="0" cy="3526296"/>
           </a:xfrm>
           <a:prstGeom prst="straightConnector1">
             <a:avLst/>
@@ -16001,8 +16416,8 @@
         </p:nvSpPr>
         <p:spPr>
           <a:xfrm rot="16200000">
-            <a:off x="2150588" y="14704303"/>
-            <a:ext cx="857410" cy="461665"/>
+            <a:off x="2688235" y="18391921"/>
+            <a:ext cx="1071763" cy="553998"/>
           </a:xfrm>
           <a:prstGeom prst="rect">
             <a:avLst/>
@@ -16016,7 +16431,7 @@
           <a:lstStyle/>
           <a:p>
             <a:r>
-              <a:rPr lang="en-US" sz="2400" dirty="0">
+              <a:rPr lang="en-US" sz="3000" dirty="0">
                 <a:latin typeface="Arial" panose="020B0604020202020204" pitchFamily="34" charset="0"/>
                 <a:ea typeface="Yu Gothic" panose="020B0400000000000000" pitchFamily="34" charset="-128"/>
                 <a:cs typeface="Arial" panose="020B0604020202020204" pitchFamily="34" charset="0"/>
@@ -16040,8 +16455,8 @@
         </p:nvSpPr>
         <p:spPr>
           <a:xfrm>
-            <a:off x="7569040" y="16396112"/>
-            <a:ext cx="3969359" cy="461665"/>
+            <a:off x="9461301" y="20495141"/>
+            <a:ext cx="4961699" cy="553998"/>
           </a:xfrm>
           <a:prstGeom prst="rect">
             <a:avLst/>
@@ -16056,7 +16471,7 @@
           <a:p>
             <a:pPr algn="ctr"/>
             <a:r>
-              <a:rPr lang="en-US" sz="2400" dirty="0">
+              <a:rPr lang="en-US" sz="3000" dirty="0">
                 <a:latin typeface="Arial" panose="020B0604020202020204" pitchFamily="34" charset="0"/>
                 <a:ea typeface="Yu Gothic" panose="020B0400000000000000" pitchFamily="34" charset="-128"/>
                 <a:cs typeface="Arial" panose="020B0604020202020204" pitchFamily="34" charset="0"/>
@@ -16080,8 +16495,8 @@
         </p:nvSpPr>
         <p:spPr>
           <a:xfrm>
-            <a:off x="2673677" y="11149854"/>
-            <a:ext cx="570122" cy="830997"/>
+            <a:off x="3342096" y="13937318"/>
+            <a:ext cx="712653" cy="1015663"/>
           </a:xfrm>
           <a:prstGeom prst="rect">
             <a:avLst/>
@@ -16095,7 +16510,7 @@
           <a:lstStyle/>
           <a:p>
             <a:r>
-              <a:rPr lang="en-US" sz="4800" b="1" dirty="0">
+              <a:rPr lang="en-US" sz="6000" b="1" dirty="0">
                 <a:latin typeface="Arial" panose="020B0604020202020204" pitchFamily="34" charset="0"/>
                 <a:ea typeface="Yu Gothic" panose="020B0400000000000000" pitchFamily="34" charset="-128"/>
                 <a:cs typeface="Arial" panose="020B0604020202020204" pitchFamily="34" charset="0"/>
@@ -16119,8 +16534,8 @@
         </p:nvSpPr>
         <p:spPr>
           <a:xfrm>
-            <a:off x="6139083" y="11149853"/>
-            <a:ext cx="570122" cy="830997"/>
+            <a:off x="7673854" y="13937317"/>
+            <a:ext cx="712653" cy="1015663"/>
           </a:xfrm>
           <a:prstGeom prst="rect">
             <a:avLst/>
@@ -16134,7 +16549,7 @@
           <a:lstStyle/>
           <a:p>
             <a:r>
-              <a:rPr lang="en-US" sz="4800" b="1" dirty="0">
+              <a:rPr lang="en-US" sz="6000" b="1" dirty="0">
                 <a:latin typeface="Arial" panose="020B0604020202020204" pitchFamily="34" charset="0"/>
                 <a:ea typeface="Yu Gothic" panose="020B0400000000000000" pitchFamily="34" charset="-128"/>
                 <a:cs typeface="Arial" panose="020B0604020202020204" pitchFamily="34" charset="0"/>
@@ -16158,8 +16573,8 @@
         </p:nvSpPr>
         <p:spPr>
           <a:xfrm>
-            <a:off x="11117961" y="11154252"/>
-            <a:ext cx="570122" cy="830997"/>
+            <a:off x="13897451" y="13942816"/>
+            <a:ext cx="712653" cy="1015663"/>
           </a:xfrm>
           <a:prstGeom prst="rect">
             <a:avLst/>
@@ -16173,7 +16588,7 @@
           <a:lstStyle/>
           <a:p>
             <a:r>
-              <a:rPr lang="en-US" sz="4800" b="1" dirty="0">
+              <a:rPr lang="en-US" sz="6000" b="1" dirty="0">
                 <a:latin typeface="Arial" panose="020B0604020202020204" pitchFamily="34" charset="0"/>
                 <a:ea typeface="Yu Gothic" panose="020B0400000000000000" pitchFamily="34" charset="-128"/>
                 <a:cs typeface="Arial" panose="020B0604020202020204" pitchFamily="34" charset="0"/>
@@ -16187,6 +16602,555 @@
     <p:extLst>
       <p:ext uri="{BB962C8B-B14F-4D97-AF65-F5344CB8AC3E}">
         <p14:creationId xmlns:p14="http://schemas.microsoft.com/office/powerpoint/2010/main" val="2548783154"/>
+      </p:ext>
+    </p:extLst>
+  </p:cSld>
+  <p:clrMapOvr>
+    <a:masterClrMapping/>
+  </p:clrMapOvr>
+</p:sld>
+</file>
+
+<file path=ppt/slides/slide20.xml><?xml version="1.0" encoding="utf-8"?>
+<p:sld xmlns:a="http://schemas.openxmlformats.org/drawingml/2006/main" xmlns:r="http://schemas.openxmlformats.org/officeDocument/2006/relationships" xmlns:p="http://schemas.openxmlformats.org/presentationml/2006/main">
+  <p:cSld>
+    <p:spTree>
+      <p:nvGrpSpPr>
+        <p:cNvPr id="1" name=""/>
+        <p:cNvGrpSpPr/>
+        <p:nvPr/>
+      </p:nvGrpSpPr>
+      <p:grpSpPr>
+        <a:xfrm>
+          <a:off x="0" y="0"/>
+          <a:ext cx="0" cy="0"/>
+          <a:chOff x="0" y="0"/>
+          <a:chExt cx="0" cy="0"/>
+        </a:xfrm>
+      </p:grpSpPr>
+      <p:pic>
+        <p:nvPicPr>
+          <p:cNvPr id="26" name="Picture 25" descr="A screenshot of a graph&#10;&#10;Description automatically generated">
+            <a:extLst>
+              <a:ext uri="{FF2B5EF4-FFF2-40B4-BE49-F238E27FC236}">
+                <a16:creationId xmlns:a16="http://schemas.microsoft.com/office/drawing/2014/main" id="{4AF9EB9C-3EE1-2A91-3AC7-511ADCC6AA66}"/>
+              </a:ext>
+            </a:extLst>
+          </p:cNvPr>
+          <p:cNvPicPr>
+            <a:picLocks noChangeAspect="1"/>
+          </p:cNvPicPr>
+          <p:nvPr/>
+        </p:nvPicPr>
+        <p:blipFill>
+          <a:blip r:embed="rId2">
+            <a:extLst>
+              <a:ext uri="{28A0092B-C50C-407E-A947-70E740481C1C}">
+                <a14:useLocalDpi xmlns:a14="http://schemas.microsoft.com/office/drawing/2010/main" val="0"/>
+              </a:ext>
+            </a:extLst>
+          </a:blip>
+          <a:stretch>
+            <a:fillRect/>
+          </a:stretch>
+        </p:blipFill>
+        <p:spPr>
+          <a:xfrm>
+            <a:off x="1903670" y="2379987"/>
+            <a:ext cx="19052659" cy="18100026"/>
+          </a:xfrm>
+          <a:prstGeom prst="rect">
+            <a:avLst/>
+          </a:prstGeom>
+        </p:spPr>
+      </p:pic>
+      <p:pic>
+        <p:nvPicPr>
+          <p:cNvPr id="14" name="Picture 13" descr="A black background with a black square&#10;&#10;Description automatically generated">
+            <a:extLst>
+              <a:ext uri="{FF2B5EF4-FFF2-40B4-BE49-F238E27FC236}">
+                <a16:creationId xmlns:a16="http://schemas.microsoft.com/office/drawing/2014/main" id="{7D397709-39BB-CDDA-CBC2-13B1E06BDBDD}"/>
+              </a:ext>
+            </a:extLst>
+          </p:cNvPr>
+          <p:cNvPicPr>
+            <a:picLocks noChangeAspect="1"/>
+          </p:cNvPicPr>
+          <p:nvPr/>
+        </p:nvPicPr>
+        <p:blipFill rotWithShape="1">
+          <a:blip r:embed="rId3">
+            <a:extLst>
+              <a:ext uri="{28A0092B-C50C-407E-A947-70E740481C1C}">
+                <a14:useLocalDpi xmlns:a14="http://schemas.microsoft.com/office/drawing/2010/main" val="0"/>
+              </a:ext>
+            </a:extLst>
+          </a:blip>
+          <a:srcRect l="38737" r="19484" b="6693"/>
+          <a:stretch/>
+        </p:blipFill>
+        <p:spPr>
+          <a:xfrm>
+            <a:off x="1903670" y="9506857"/>
+            <a:ext cx="4961587" cy="9974605"/>
+          </a:xfrm>
+          <a:prstGeom prst="rect">
+            <a:avLst/>
+          </a:prstGeom>
+        </p:spPr>
+      </p:pic>
+      <p:pic>
+        <p:nvPicPr>
+          <p:cNvPr id="16" name="Picture 15" descr="A screen shot of a chart&#10;&#10;Description automatically generated">
+            <a:extLst>
+              <a:ext uri="{FF2B5EF4-FFF2-40B4-BE49-F238E27FC236}">
+                <a16:creationId xmlns:a16="http://schemas.microsoft.com/office/drawing/2014/main" id="{A8CF3A43-D797-28AA-C369-460C438598FA}"/>
+              </a:ext>
+            </a:extLst>
+          </p:cNvPr>
+          <p:cNvPicPr>
+            <a:picLocks noChangeAspect="1"/>
+          </p:cNvPicPr>
+          <p:nvPr/>
+        </p:nvPicPr>
+        <p:blipFill rotWithShape="1">
+          <a:blip r:embed="rId4">
+            <a:extLst>
+              <a:ext uri="{28A0092B-C50C-407E-A947-70E740481C1C}">
+                <a14:useLocalDpi xmlns:a14="http://schemas.microsoft.com/office/drawing/2010/main" val="0"/>
+              </a:ext>
+            </a:extLst>
+          </a:blip>
+          <a:srcRect l="3766" r="46209"/>
+          <a:stretch/>
+        </p:blipFill>
+        <p:spPr>
+          <a:xfrm>
+            <a:off x="6865257" y="9455785"/>
+            <a:ext cx="2801257" cy="10965815"/>
+          </a:xfrm>
+          <a:prstGeom prst="rect">
+            <a:avLst/>
+          </a:prstGeom>
+        </p:spPr>
+      </p:pic>
+      <p:sp>
+        <p:nvSpPr>
+          <p:cNvPr id="27" name="TextBox 26">
+            <a:extLst>
+              <a:ext uri="{FF2B5EF4-FFF2-40B4-BE49-F238E27FC236}">
+                <a16:creationId xmlns:a16="http://schemas.microsoft.com/office/drawing/2014/main" id="{30C1E999-2148-CA7F-91A6-D8182AEE3997}"/>
+              </a:ext>
+            </a:extLst>
+          </p:cNvPr>
+          <p:cNvSpPr txBox="1"/>
+          <p:nvPr/>
+        </p:nvSpPr>
+        <p:spPr>
+          <a:xfrm>
+            <a:off x="1903670" y="2008967"/>
+            <a:ext cx="712653" cy="553998"/>
+          </a:xfrm>
+          <a:prstGeom prst="rect">
+            <a:avLst/>
+          </a:prstGeom>
+          <a:noFill/>
+        </p:spPr>
+        <p:txBody>
+          <a:bodyPr wrap="square" rtlCol="0">
+            <a:spAutoFit/>
+          </a:bodyPr>
+          <a:lstStyle/>
+          <a:p>
+            <a:r>
+              <a:rPr lang="en-US" sz="3000" b="1" dirty="0">
+                <a:latin typeface="Arial" panose="020B0604020202020204" pitchFamily="34" charset="0"/>
+                <a:ea typeface="Yu Gothic" panose="020B0400000000000000" pitchFamily="34" charset="-128"/>
+                <a:cs typeface="Arial" panose="020B0604020202020204" pitchFamily="34" charset="0"/>
+              </a:rPr>
+              <a:t>A</a:t>
+            </a:r>
+          </a:p>
+        </p:txBody>
+      </p:sp>
+      <p:sp>
+        <p:nvSpPr>
+          <p:cNvPr id="28" name="TextBox 27">
+            <a:extLst>
+              <a:ext uri="{FF2B5EF4-FFF2-40B4-BE49-F238E27FC236}">
+                <a16:creationId xmlns:a16="http://schemas.microsoft.com/office/drawing/2014/main" id="{70A1ACF4-3F6E-F703-F8B5-A408D687D633}"/>
+              </a:ext>
+            </a:extLst>
+          </p:cNvPr>
+          <p:cNvSpPr txBox="1"/>
+          <p:nvPr/>
+        </p:nvSpPr>
+        <p:spPr>
+          <a:xfrm>
+            <a:off x="1903670" y="5480912"/>
+            <a:ext cx="712653" cy="553998"/>
+          </a:xfrm>
+          <a:prstGeom prst="rect">
+            <a:avLst/>
+          </a:prstGeom>
+          <a:noFill/>
+        </p:spPr>
+        <p:txBody>
+          <a:bodyPr wrap="square" rtlCol="0">
+            <a:spAutoFit/>
+          </a:bodyPr>
+          <a:lstStyle/>
+          <a:p>
+            <a:r>
+              <a:rPr lang="en-US" sz="3000" b="1" dirty="0">
+                <a:latin typeface="Arial" panose="020B0604020202020204" pitchFamily="34" charset="0"/>
+                <a:ea typeface="Yu Gothic" panose="020B0400000000000000" pitchFamily="34" charset="-128"/>
+                <a:cs typeface="Arial" panose="020B0604020202020204" pitchFamily="34" charset="0"/>
+              </a:rPr>
+              <a:t>B</a:t>
+            </a:r>
+          </a:p>
+        </p:txBody>
+      </p:sp>
+      <p:sp>
+        <p:nvSpPr>
+          <p:cNvPr id="29" name="TextBox 28">
+            <a:extLst>
+              <a:ext uri="{FF2B5EF4-FFF2-40B4-BE49-F238E27FC236}">
+                <a16:creationId xmlns:a16="http://schemas.microsoft.com/office/drawing/2014/main" id="{158A0881-D6A5-BDF5-C935-3605B046D560}"/>
+              </a:ext>
+            </a:extLst>
+          </p:cNvPr>
+          <p:cNvSpPr txBox="1"/>
+          <p:nvPr/>
+        </p:nvSpPr>
+        <p:spPr>
+          <a:xfrm>
+            <a:off x="5956332" y="5480912"/>
+            <a:ext cx="712653" cy="553998"/>
+          </a:xfrm>
+          <a:prstGeom prst="rect">
+            <a:avLst/>
+          </a:prstGeom>
+          <a:noFill/>
+        </p:spPr>
+        <p:txBody>
+          <a:bodyPr wrap="square" rtlCol="0">
+            <a:spAutoFit/>
+          </a:bodyPr>
+          <a:lstStyle/>
+          <a:p>
+            <a:r>
+              <a:rPr lang="en-US" sz="3000" b="1" dirty="0">
+                <a:latin typeface="Arial" panose="020B0604020202020204" pitchFamily="34" charset="0"/>
+                <a:ea typeface="Yu Gothic" panose="020B0400000000000000" pitchFamily="34" charset="-128"/>
+                <a:cs typeface="Arial" panose="020B0604020202020204" pitchFamily="34" charset="0"/>
+              </a:rPr>
+              <a:t>D</a:t>
+            </a:r>
+          </a:p>
+        </p:txBody>
+      </p:sp>
+      <p:sp>
+        <p:nvSpPr>
+          <p:cNvPr id="30" name="TextBox 29">
+            <a:extLst>
+              <a:ext uri="{FF2B5EF4-FFF2-40B4-BE49-F238E27FC236}">
+                <a16:creationId xmlns:a16="http://schemas.microsoft.com/office/drawing/2014/main" id="{70A009CF-F80D-EF92-49EA-28B6EADC84FD}"/>
+              </a:ext>
+            </a:extLst>
+          </p:cNvPr>
+          <p:cNvSpPr txBox="1"/>
+          <p:nvPr/>
+        </p:nvSpPr>
+        <p:spPr>
+          <a:xfrm>
+            <a:off x="5956333" y="2008966"/>
+            <a:ext cx="712653" cy="553998"/>
+          </a:xfrm>
+          <a:prstGeom prst="rect">
+            <a:avLst/>
+          </a:prstGeom>
+          <a:noFill/>
+        </p:spPr>
+        <p:txBody>
+          <a:bodyPr wrap="square" rtlCol="0">
+            <a:spAutoFit/>
+          </a:bodyPr>
+          <a:lstStyle/>
+          <a:p>
+            <a:r>
+              <a:rPr lang="en-US" sz="3000" b="1" dirty="0">
+                <a:latin typeface="Arial" panose="020B0604020202020204" pitchFamily="34" charset="0"/>
+                <a:ea typeface="Yu Gothic" panose="020B0400000000000000" pitchFamily="34" charset="-128"/>
+                <a:cs typeface="Arial" panose="020B0604020202020204" pitchFamily="34" charset="0"/>
+              </a:rPr>
+              <a:t>C</a:t>
+            </a:r>
+          </a:p>
+        </p:txBody>
+      </p:sp>
+      <p:sp>
+        <p:nvSpPr>
+          <p:cNvPr id="31" name="TextBox 30">
+            <a:extLst>
+              <a:ext uri="{FF2B5EF4-FFF2-40B4-BE49-F238E27FC236}">
+                <a16:creationId xmlns:a16="http://schemas.microsoft.com/office/drawing/2014/main" id="{C9D5EF84-FD14-8881-91E4-1178E28D10FB}"/>
+              </a:ext>
+            </a:extLst>
+          </p:cNvPr>
+          <p:cNvSpPr txBox="1"/>
+          <p:nvPr/>
+        </p:nvSpPr>
+        <p:spPr>
+          <a:xfrm>
+            <a:off x="9202729" y="2008966"/>
+            <a:ext cx="712653" cy="553998"/>
+          </a:xfrm>
+          <a:prstGeom prst="rect">
+            <a:avLst/>
+          </a:prstGeom>
+          <a:noFill/>
+        </p:spPr>
+        <p:txBody>
+          <a:bodyPr wrap="square" rtlCol="0">
+            <a:spAutoFit/>
+          </a:bodyPr>
+          <a:lstStyle/>
+          <a:p>
+            <a:r>
+              <a:rPr lang="en-US" sz="3000" b="1" dirty="0">
+                <a:latin typeface="Arial" panose="020B0604020202020204" pitchFamily="34" charset="0"/>
+                <a:ea typeface="Yu Gothic" panose="020B0400000000000000" pitchFamily="34" charset="-128"/>
+                <a:cs typeface="Arial" panose="020B0604020202020204" pitchFamily="34" charset="0"/>
+              </a:rPr>
+              <a:t>E</a:t>
+            </a:r>
+          </a:p>
+        </p:txBody>
+      </p:sp>
+      <p:sp>
+        <p:nvSpPr>
+          <p:cNvPr id="32" name="TextBox 31">
+            <a:extLst>
+              <a:ext uri="{FF2B5EF4-FFF2-40B4-BE49-F238E27FC236}">
+                <a16:creationId xmlns:a16="http://schemas.microsoft.com/office/drawing/2014/main" id="{E1E8201A-2651-7161-F467-436DD58C2C1E}"/>
+              </a:ext>
+            </a:extLst>
+          </p:cNvPr>
+          <p:cNvSpPr txBox="1"/>
+          <p:nvPr/>
+        </p:nvSpPr>
+        <p:spPr>
+          <a:xfrm>
+            <a:off x="1903670" y="9412836"/>
+            <a:ext cx="712653" cy="553998"/>
+          </a:xfrm>
+          <a:prstGeom prst="rect">
+            <a:avLst/>
+          </a:prstGeom>
+          <a:noFill/>
+        </p:spPr>
+        <p:txBody>
+          <a:bodyPr wrap="square" rtlCol="0">
+            <a:spAutoFit/>
+          </a:bodyPr>
+          <a:lstStyle/>
+          <a:p>
+            <a:r>
+              <a:rPr lang="en-US" sz="3000" b="1" dirty="0">
+                <a:latin typeface="Arial" panose="020B0604020202020204" pitchFamily="34" charset="0"/>
+                <a:ea typeface="Yu Gothic" panose="020B0400000000000000" pitchFamily="34" charset="-128"/>
+                <a:cs typeface="Arial" panose="020B0604020202020204" pitchFamily="34" charset="0"/>
+              </a:rPr>
+              <a:t>F</a:t>
+            </a:r>
+          </a:p>
+        </p:txBody>
+      </p:sp>
+      <p:sp>
+        <p:nvSpPr>
+          <p:cNvPr id="33" name="TextBox 32">
+            <a:extLst>
+              <a:ext uri="{FF2B5EF4-FFF2-40B4-BE49-F238E27FC236}">
+                <a16:creationId xmlns:a16="http://schemas.microsoft.com/office/drawing/2014/main" id="{E2514CAE-C01F-D60A-80D8-F6E470C59732}"/>
+              </a:ext>
+            </a:extLst>
+          </p:cNvPr>
+          <p:cNvSpPr txBox="1"/>
+          <p:nvPr/>
+        </p:nvSpPr>
+        <p:spPr>
+          <a:xfrm>
+            <a:off x="9202728" y="9412836"/>
+            <a:ext cx="712653" cy="553998"/>
+          </a:xfrm>
+          <a:prstGeom prst="rect">
+            <a:avLst/>
+          </a:prstGeom>
+          <a:noFill/>
+        </p:spPr>
+        <p:txBody>
+          <a:bodyPr wrap="square" rtlCol="0">
+            <a:spAutoFit/>
+          </a:bodyPr>
+          <a:lstStyle/>
+          <a:p>
+            <a:r>
+              <a:rPr lang="en-US" sz="3000" b="1" dirty="0">
+                <a:latin typeface="Arial" panose="020B0604020202020204" pitchFamily="34" charset="0"/>
+                <a:ea typeface="Yu Gothic" panose="020B0400000000000000" pitchFamily="34" charset="-128"/>
+                <a:cs typeface="Arial" panose="020B0604020202020204" pitchFamily="34" charset="0"/>
+              </a:rPr>
+              <a:t>G</a:t>
+            </a:r>
+          </a:p>
+        </p:txBody>
+      </p:sp>
+      <p:sp>
+        <p:nvSpPr>
+          <p:cNvPr id="34" name="TextBox 33">
+            <a:extLst>
+              <a:ext uri="{FF2B5EF4-FFF2-40B4-BE49-F238E27FC236}">
+                <a16:creationId xmlns:a16="http://schemas.microsoft.com/office/drawing/2014/main" id="{C0CAA44D-4916-7B0E-0415-A928E1C3E6EE}"/>
+              </a:ext>
+            </a:extLst>
+          </p:cNvPr>
+          <p:cNvSpPr txBox="1"/>
+          <p:nvPr/>
+        </p:nvSpPr>
+        <p:spPr>
+          <a:xfrm>
+            <a:off x="15037382" y="9412836"/>
+            <a:ext cx="712653" cy="553998"/>
+          </a:xfrm>
+          <a:prstGeom prst="rect">
+            <a:avLst/>
+          </a:prstGeom>
+          <a:noFill/>
+        </p:spPr>
+        <p:txBody>
+          <a:bodyPr wrap="square" rtlCol="0">
+            <a:spAutoFit/>
+          </a:bodyPr>
+          <a:lstStyle/>
+          <a:p>
+            <a:r>
+              <a:rPr lang="en-US" sz="3000" b="1" dirty="0">
+                <a:latin typeface="Arial" panose="020B0604020202020204" pitchFamily="34" charset="0"/>
+                <a:ea typeface="Yu Gothic" panose="020B0400000000000000" pitchFamily="34" charset="-128"/>
+                <a:cs typeface="Arial" panose="020B0604020202020204" pitchFamily="34" charset="0"/>
+              </a:rPr>
+              <a:t>H</a:t>
+            </a:r>
+          </a:p>
+        </p:txBody>
+      </p:sp>
+    </p:spTree>
+    <p:extLst>
+      <p:ext uri="{BB962C8B-B14F-4D97-AF65-F5344CB8AC3E}">
+        <p14:creationId xmlns:p14="http://schemas.microsoft.com/office/powerpoint/2010/main" val="1025585485"/>
+      </p:ext>
+    </p:extLst>
+  </p:cSld>
+  <p:clrMapOvr>
+    <a:masterClrMapping/>
+  </p:clrMapOvr>
+</p:sld>
+</file>
+
+<file path=ppt/slides/slide21.xml><?xml version="1.0" encoding="utf-8"?>
+<p:sld xmlns:a="http://schemas.openxmlformats.org/drawingml/2006/main" xmlns:r="http://schemas.openxmlformats.org/officeDocument/2006/relationships" xmlns:p="http://schemas.openxmlformats.org/presentationml/2006/main">
+  <p:cSld>
+    <p:spTree>
+      <p:nvGrpSpPr>
+        <p:cNvPr id="1" name=""/>
+        <p:cNvGrpSpPr/>
+        <p:nvPr/>
+      </p:nvGrpSpPr>
+      <p:grpSpPr>
+        <a:xfrm>
+          <a:off x="0" y="0"/>
+          <a:ext cx="0" cy="0"/>
+          <a:chOff x="0" y="0"/>
+          <a:chExt cx="0" cy="0"/>
+        </a:xfrm>
+      </p:grpSpPr>
+      <p:pic>
+        <p:nvPicPr>
+          <p:cNvPr id="5" name="Picture 4" descr="A diagram of a number of bacteria&#10;&#10;Description automatically generated">
+            <a:extLst>
+              <a:ext uri="{FF2B5EF4-FFF2-40B4-BE49-F238E27FC236}">
+                <a16:creationId xmlns:a16="http://schemas.microsoft.com/office/drawing/2014/main" id="{1D87A8BC-1F73-EF73-F802-6BD25B48BBEC}"/>
+              </a:ext>
+            </a:extLst>
+          </p:cNvPr>
+          <p:cNvPicPr>
+            <a:picLocks noChangeAspect="1"/>
+          </p:cNvPicPr>
+          <p:nvPr/>
+        </p:nvPicPr>
+        <p:blipFill rotWithShape="1">
+          <a:blip r:embed="rId2">
+            <a:extLst>
+              <a:ext uri="{28A0092B-C50C-407E-A947-70E740481C1C}">
+                <a14:useLocalDpi xmlns:a14="http://schemas.microsoft.com/office/drawing/2010/main" val="0"/>
+              </a:ext>
+            </a:extLst>
+          </a:blip>
+          <a:srcRect t="2091" r="32281" b="8017"/>
+          <a:stretch/>
+        </p:blipFill>
+        <p:spPr>
+          <a:xfrm>
+            <a:off x="5143500" y="0"/>
+            <a:ext cx="7677150" cy="20078700"/>
+          </a:xfrm>
+          <a:prstGeom prst="rect">
+            <a:avLst/>
+          </a:prstGeom>
+        </p:spPr>
+      </p:pic>
+      <p:pic>
+        <p:nvPicPr>
+          <p:cNvPr id="17" name="Picture 16" descr="A graph of different types of genes&#10;&#10;Description automatically generated with medium confidence">
+            <a:extLst>
+              <a:ext uri="{FF2B5EF4-FFF2-40B4-BE49-F238E27FC236}">
+                <a16:creationId xmlns:a16="http://schemas.microsoft.com/office/drawing/2014/main" id="{E67A5301-6DFF-5322-EF42-F755F5DCBD36}"/>
+              </a:ext>
+            </a:extLst>
+          </p:cNvPr>
+          <p:cNvPicPr>
+            <a:picLocks noChangeAspect="1"/>
+          </p:cNvPicPr>
+          <p:nvPr/>
+        </p:nvPicPr>
+        <p:blipFill>
+          <a:blip r:embed="rId3">
+            <a:extLst>
+              <a:ext uri="{28A0092B-C50C-407E-A947-70E740481C1C}">
+                <a14:useLocalDpi xmlns:a14="http://schemas.microsoft.com/office/drawing/2010/main" val="0"/>
+              </a:ext>
+            </a:extLst>
+          </a:blip>
+          <a:stretch>
+            <a:fillRect/>
+          </a:stretch>
+        </p:blipFill>
+        <p:spPr>
+          <a:xfrm>
+            <a:off x="12820650" y="0"/>
+            <a:ext cx="5715000" cy="22860000"/>
+          </a:xfrm>
+          <a:prstGeom prst="rect">
+            <a:avLst/>
+          </a:prstGeom>
+        </p:spPr>
+      </p:pic>
+    </p:spTree>
+    <p:extLst>
+      <p:ext uri="{BB962C8B-B14F-4D97-AF65-F5344CB8AC3E}">
+        <p14:creationId xmlns:p14="http://schemas.microsoft.com/office/powerpoint/2010/main" val="946828120"/>
       </p:ext>
     </p:extLst>
   </p:cSld>
@@ -16227,8 +17191,8 @@
         </p:nvSpPr>
         <p:spPr>
           <a:xfrm>
-            <a:off x="7182135" y="2583114"/>
-            <a:ext cx="2652209" cy="584775"/>
+            <a:off x="8977670" y="3228893"/>
+            <a:ext cx="3315261" cy="707886"/>
           </a:xfrm>
           <a:prstGeom prst="rect">
             <a:avLst/>
@@ -16242,7 +17206,7 @@
           <a:lstStyle/>
           <a:p>
             <a:r>
-              <a:rPr lang="en-US" sz="3200" b="1" dirty="0">
+              <a:rPr lang="en-US" sz="4000" b="1" dirty="0">
                 <a:latin typeface="Arial" panose="020B0604020202020204" pitchFamily="34" charset="0"/>
                 <a:ea typeface="Yu Gothic" panose="020B0400000000000000" pitchFamily="34" charset="-128"/>
                 <a:cs typeface="Arial" panose="020B0604020202020204" pitchFamily="34" charset="0"/>
@@ -16266,8 +17230,8 @@
         </p:nvSpPr>
         <p:spPr>
           <a:xfrm>
-            <a:off x="12802970" y="2598232"/>
-            <a:ext cx="2848673" cy="584775"/>
+            <a:off x="16003713" y="3247791"/>
+            <a:ext cx="3560841" cy="707886"/>
           </a:xfrm>
           <a:prstGeom prst="rect">
             <a:avLst/>
@@ -16281,7 +17245,7 @@
           <a:lstStyle/>
           <a:p>
             <a:r>
-              <a:rPr lang="en-US" sz="3200" b="1" dirty="0">
+              <a:rPr lang="en-US" sz="4000" b="1" dirty="0">
                 <a:latin typeface="Arial" panose="020B0604020202020204" pitchFamily="34" charset="0"/>
                 <a:ea typeface="Yu Gothic" panose="020B0400000000000000" pitchFamily="34" charset="-128"/>
                 <a:cs typeface="Arial" panose="020B0604020202020204" pitchFamily="34" charset="0"/>
@@ -16305,8 +17269,8 @@
         </p:nvSpPr>
         <p:spPr>
           <a:xfrm>
-            <a:off x="12474318" y="3259651"/>
-            <a:ext cx="3303794" cy="830997"/>
+            <a:off x="15592897" y="4074564"/>
+            <a:ext cx="4129743" cy="1015663"/>
           </a:xfrm>
           <a:prstGeom prst="rect">
             <a:avLst/>
@@ -16321,7 +17285,7 @@
           <a:p>
             <a:pPr algn="ctr"/>
             <a:r>
-              <a:rPr lang="en-US" sz="2400" dirty="0">
+              <a:rPr lang="en-US" sz="3000" dirty="0">
                 <a:latin typeface="Arial" panose="020B0604020202020204" pitchFamily="34" charset="0"/>
                 <a:ea typeface="Yu Gothic" panose="020B0400000000000000" pitchFamily="34" charset="-128"/>
                 <a:cs typeface="Arial" panose="020B0604020202020204" pitchFamily="34" charset="0"/>
@@ -16345,8 +17309,8 @@
         </p:nvSpPr>
         <p:spPr>
           <a:xfrm>
-            <a:off x="6793873" y="3259652"/>
-            <a:ext cx="3211649" cy="830997"/>
+            <a:off x="8492342" y="4074565"/>
+            <a:ext cx="4014561" cy="1015663"/>
           </a:xfrm>
           <a:prstGeom prst="rect">
             <a:avLst/>
@@ -16361,7 +17325,7 @@
           <a:p>
             <a:pPr algn="ctr"/>
             <a:r>
-              <a:rPr lang="en-US" sz="2400" dirty="0">
+              <a:rPr lang="en-US" sz="3000" dirty="0">
                 <a:latin typeface="Arial" panose="020B0604020202020204" pitchFamily="34" charset="0"/>
                 <a:ea typeface="Yu Gothic" panose="020B0400000000000000" pitchFamily="34" charset="-128"/>
                 <a:cs typeface="Arial" panose="020B0604020202020204" pitchFamily="34" charset="0"/>
@@ -16385,8 +17349,8 @@
         </p:nvSpPr>
         <p:spPr>
           <a:xfrm>
-            <a:off x="2704881" y="2587119"/>
-            <a:ext cx="2656384" cy="584775"/>
+            <a:off x="3381101" y="3233899"/>
+            <a:ext cx="3320480" cy="707886"/>
           </a:xfrm>
           <a:prstGeom prst="rect">
             <a:avLst/>
@@ -16400,7 +17364,7 @@
           <a:lstStyle/>
           <a:p>
             <a:r>
-              <a:rPr lang="en-US" sz="3200" b="1" dirty="0">
+              <a:rPr lang="en-US" sz="4000" b="1" dirty="0">
                 <a:latin typeface="Arial" panose="020B0604020202020204" pitchFamily="34" charset="0"/>
                 <a:ea typeface="Yu Gothic" panose="020B0400000000000000" pitchFamily="34" charset="-128"/>
                 <a:cs typeface="Arial" panose="020B0604020202020204" pitchFamily="34" charset="0"/>
@@ -16424,8 +17388,8 @@
         </p:nvSpPr>
         <p:spPr>
           <a:xfrm>
-            <a:off x="2463427" y="3259652"/>
-            <a:ext cx="2843624" cy="830997"/>
+            <a:off x="3079284" y="4074565"/>
+            <a:ext cx="3554530" cy="1015663"/>
           </a:xfrm>
           <a:prstGeom prst="rect">
             <a:avLst/>
@@ -16440,7 +17404,7 @@
           <a:p>
             <a:pPr algn="ctr"/>
             <a:r>
-              <a:rPr lang="en-US" sz="2400" dirty="0">
+              <a:rPr lang="en-US" sz="3000" dirty="0">
                 <a:latin typeface="Arial" panose="020B0604020202020204" pitchFamily="34" charset="0"/>
                 <a:ea typeface="Yu Gothic" panose="020B0400000000000000" pitchFamily="34" charset="-128"/>
                 <a:cs typeface="Arial" panose="020B0604020202020204" pitchFamily="34" charset="0"/>
@@ -16451,7 +17415,7 @@
           <a:p>
             <a:pPr algn="ctr"/>
             <a:r>
-              <a:rPr lang="en-US" sz="2400" dirty="0">
+              <a:rPr lang="en-US" sz="3000" dirty="0">
                 <a:latin typeface="Arial" panose="020B0604020202020204" pitchFamily="34" charset="0"/>
                 <a:ea typeface="Yu Gothic" panose="020B0400000000000000" pitchFamily="34" charset="-128"/>
                 <a:cs typeface="Arial" panose="020B0604020202020204" pitchFamily="34" charset="0"/>
@@ -16475,8 +17439,8 @@
         </p:nvSpPr>
         <p:spPr>
           <a:xfrm>
-            <a:off x="3430202" y="4391188"/>
-            <a:ext cx="910074" cy="2735523"/>
+            <a:off x="4287752" y="5488986"/>
+            <a:ext cx="1137593" cy="3419404"/>
           </a:xfrm>
           <a:prstGeom prst="rect">
             <a:avLst/>
@@ -16512,7 +17476,7 @@
           <a:lstStyle/>
           <a:p>
             <a:pPr algn="ctr"/>
-            <a:endParaRPr lang="en-US" sz="2400" dirty="0">
+            <a:endParaRPr lang="en-US" sz="3000" dirty="0">
               <a:latin typeface="Arial" panose="020B0604020202020204" pitchFamily="34" charset="0"/>
               <a:cs typeface="Arial" panose="020B0604020202020204" pitchFamily="34" charset="0"/>
             </a:endParaRPr>
@@ -16533,8 +17497,8 @@
         </p:nvSpPr>
         <p:spPr>
           <a:xfrm>
-            <a:off x="7137757" y="4391188"/>
-            <a:ext cx="1173569" cy="1116980"/>
+            <a:off x="8922197" y="5488985"/>
+            <a:ext cx="1466961" cy="1396225"/>
           </a:xfrm>
           <a:prstGeom prst="rect">
             <a:avLst/>
@@ -16570,7 +17534,7 @@
           <a:lstStyle/>
           <a:p>
             <a:pPr algn="ctr"/>
-            <a:endParaRPr lang="en-US" sz="2400" dirty="0">
+            <a:endParaRPr lang="en-US" sz="3000" dirty="0">
               <a:latin typeface="Arial" panose="020B0604020202020204" pitchFamily="34" charset="0"/>
               <a:cs typeface="Arial" panose="020B0604020202020204" pitchFamily="34" charset="0"/>
             </a:endParaRPr>
@@ -16591,8 +17555,8 @@
         </p:nvSpPr>
         <p:spPr>
           <a:xfrm>
-            <a:off x="7394968" y="5508168"/>
-            <a:ext cx="659145" cy="1618543"/>
+            <a:off x="9243711" y="6885211"/>
+            <a:ext cx="823931" cy="2023179"/>
           </a:xfrm>
           <a:prstGeom prst="rect">
             <a:avLst/>
@@ -16628,7 +17592,7 @@
           <a:lstStyle/>
           <a:p>
             <a:pPr algn="ctr"/>
-            <a:endParaRPr lang="en-US" sz="2400" dirty="0">
+            <a:endParaRPr lang="en-US" sz="3000" dirty="0">
               <a:latin typeface="Arial" panose="020B0604020202020204" pitchFamily="34" charset="0"/>
               <a:cs typeface="Arial" panose="020B0604020202020204" pitchFamily="34" charset="0"/>
             </a:endParaRPr>
@@ -16649,8 +17613,8 @@
         </p:nvSpPr>
         <p:spPr>
           <a:xfrm>
-            <a:off x="8719015" y="4391188"/>
-            <a:ext cx="465506" cy="2412976"/>
+            <a:off x="10898769" y="5488985"/>
+            <a:ext cx="581883" cy="3016220"/>
           </a:xfrm>
           <a:prstGeom prst="rect">
             <a:avLst/>
@@ -16686,7 +17650,7 @@
           <a:lstStyle/>
           <a:p>
             <a:pPr algn="ctr"/>
-            <a:endParaRPr lang="en-US" sz="2400" dirty="0">
+            <a:endParaRPr lang="en-US" sz="3000" dirty="0">
               <a:latin typeface="Arial" panose="020B0604020202020204" pitchFamily="34" charset="0"/>
               <a:cs typeface="Arial" panose="020B0604020202020204" pitchFamily="34" charset="0"/>
             </a:endParaRPr>
@@ -16707,8 +17671,8 @@
         </p:nvSpPr>
         <p:spPr>
           <a:xfrm>
-            <a:off x="8233285" y="6804164"/>
-            <a:ext cx="1435328" cy="322547"/>
+            <a:off x="10291606" y="8505206"/>
+            <a:ext cx="1794160" cy="403184"/>
           </a:xfrm>
           <a:prstGeom prst="rect">
             <a:avLst/>
@@ -16744,7 +17708,7 @@
           <a:lstStyle/>
           <a:p>
             <a:pPr algn="ctr"/>
-            <a:endParaRPr lang="en-US" sz="2400" dirty="0">
+            <a:endParaRPr lang="en-US" sz="3000" dirty="0">
               <a:latin typeface="Arial" panose="020B0604020202020204" pitchFamily="34" charset="0"/>
               <a:cs typeface="Arial" panose="020B0604020202020204" pitchFamily="34" charset="0"/>
             </a:endParaRPr>
@@ -16765,8 +17729,8 @@
         </p:nvSpPr>
         <p:spPr>
           <a:xfrm>
-            <a:off x="12970099" y="4391189"/>
-            <a:ext cx="534596" cy="842510"/>
+            <a:off x="16212624" y="5488986"/>
+            <a:ext cx="668245" cy="1053138"/>
           </a:xfrm>
           <a:prstGeom prst="rect">
             <a:avLst/>
@@ -16802,7 +17766,7 @@
           <a:lstStyle/>
           <a:p>
             <a:pPr algn="ctr"/>
-            <a:endParaRPr lang="en-US" sz="2400" dirty="0">
+            <a:endParaRPr lang="en-US" sz="3000" dirty="0">
               <a:latin typeface="Arial" panose="020B0604020202020204" pitchFamily="34" charset="0"/>
               <a:cs typeface="Arial" panose="020B0604020202020204" pitchFamily="34" charset="0"/>
             </a:endParaRPr>
@@ -16823,8 +17787,8 @@
         </p:nvSpPr>
         <p:spPr>
           <a:xfrm>
-            <a:off x="12689979" y="5233698"/>
-            <a:ext cx="1094835" cy="811926"/>
+            <a:off x="15862474" y="6542122"/>
+            <a:ext cx="1368544" cy="1014908"/>
           </a:xfrm>
           <a:prstGeom prst="rect">
             <a:avLst/>
@@ -16860,7 +17824,7 @@
           <a:lstStyle/>
           <a:p>
             <a:pPr algn="ctr"/>
-            <a:endParaRPr lang="en-US" sz="2400" dirty="0">
+            <a:endParaRPr lang="en-US" sz="3000" dirty="0">
               <a:latin typeface="Arial" panose="020B0604020202020204" pitchFamily="34" charset="0"/>
               <a:cs typeface="Arial" panose="020B0604020202020204" pitchFamily="34" charset="0"/>
             </a:endParaRPr>
@@ -16881,8 +17845,8 @@
         </p:nvSpPr>
         <p:spPr>
           <a:xfrm>
-            <a:off x="12840015" y="6045624"/>
-            <a:ext cx="794761" cy="1083836"/>
+            <a:off x="16050020" y="7557030"/>
+            <a:ext cx="993451" cy="1354795"/>
           </a:xfrm>
           <a:prstGeom prst="rect">
             <a:avLst/>
@@ -16918,7 +17882,7 @@
           <a:lstStyle/>
           <a:p>
             <a:pPr algn="ctr"/>
-            <a:endParaRPr lang="en-US" sz="2400" dirty="0">
+            <a:endParaRPr lang="en-US" sz="3000" dirty="0">
               <a:latin typeface="Arial" panose="020B0604020202020204" pitchFamily="34" charset="0"/>
               <a:cs typeface="Arial" panose="020B0604020202020204" pitchFamily="34" charset="0"/>
             </a:endParaRPr>
@@ -16939,8 +17903,8 @@
         </p:nvSpPr>
         <p:spPr>
           <a:xfrm>
-            <a:off x="13931905" y="4391188"/>
-            <a:ext cx="1550481" cy="469068"/>
+            <a:off x="17414882" y="5488985"/>
+            <a:ext cx="1938101" cy="586335"/>
           </a:xfrm>
           <a:prstGeom prst="rect">
             <a:avLst/>
@@ -16976,7 +17940,7 @@
           <a:lstStyle/>
           <a:p>
             <a:pPr algn="ctr"/>
-            <a:endParaRPr lang="en-US" sz="2400" dirty="0">
+            <a:endParaRPr lang="en-US" sz="3000" dirty="0">
               <a:latin typeface="Arial" panose="020B0604020202020204" pitchFamily="34" charset="0"/>
               <a:cs typeface="Arial" panose="020B0604020202020204" pitchFamily="34" charset="0"/>
             </a:endParaRPr>
@@ -16997,8 +17961,8 @@
         </p:nvSpPr>
         <p:spPr>
           <a:xfrm>
-            <a:off x="14180670" y="4856785"/>
-            <a:ext cx="1052949" cy="469068"/>
+            <a:off x="17725838" y="6070981"/>
+            <a:ext cx="1316186" cy="586335"/>
           </a:xfrm>
           <a:prstGeom prst="rect">
             <a:avLst/>
@@ -17034,7 +17998,7 @@
           <a:lstStyle/>
           <a:p>
             <a:pPr algn="ctr"/>
-            <a:endParaRPr lang="en-US" sz="2400" dirty="0">
+            <a:endParaRPr lang="en-US" sz="3000" dirty="0">
               <a:latin typeface="Arial" panose="020B0604020202020204" pitchFamily="34" charset="0"/>
               <a:cs typeface="Arial" panose="020B0604020202020204" pitchFamily="34" charset="0"/>
             </a:endParaRPr>
@@ -17055,8 +18019,8 @@
         </p:nvSpPr>
         <p:spPr>
           <a:xfrm>
-            <a:off x="14410478" y="5289881"/>
-            <a:ext cx="593332" cy="1836830"/>
+            <a:off x="18013098" y="6612351"/>
+            <a:ext cx="741665" cy="2296038"/>
           </a:xfrm>
           <a:prstGeom prst="rect">
             <a:avLst/>
@@ -17092,7 +18056,7 @@
           <a:lstStyle/>
           <a:p>
             <a:pPr algn="ctr"/>
-            <a:endParaRPr lang="en-US" sz="2400" dirty="0">
+            <a:endParaRPr lang="en-US" sz="3000" dirty="0">
               <a:latin typeface="Arial" panose="020B0604020202020204" pitchFamily="34" charset="0"/>
               <a:cs typeface="Arial" panose="020B0604020202020204" pitchFamily="34" charset="0"/>
             </a:endParaRPr>
@@ -17113,8 +18077,8 @@
         </p:nvSpPr>
         <p:spPr>
           <a:xfrm>
-            <a:off x="15804155" y="4391188"/>
-            <a:ext cx="577093" cy="1834236"/>
+            <a:off x="19755195" y="5488985"/>
+            <a:ext cx="721366" cy="2292795"/>
           </a:xfrm>
           <a:prstGeom prst="rect">
             <a:avLst/>
@@ -17150,7 +18114,7 @@
           <a:lstStyle/>
           <a:p>
             <a:pPr algn="ctr"/>
-            <a:endParaRPr lang="en-US" sz="2400" dirty="0">
+            <a:endParaRPr lang="en-US" sz="3000" dirty="0">
               <a:latin typeface="Arial" panose="020B0604020202020204" pitchFamily="34" charset="0"/>
               <a:cs typeface="Arial" panose="020B0604020202020204" pitchFamily="34" charset="0"/>
             </a:endParaRPr>
@@ -17171,8 +18135,8 @@
         </p:nvSpPr>
         <p:spPr>
           <a:xfrm>
-            <a:off x="15540722" y="6225424"/>
-            <a:ext cx="1101294" cy="449209"/>
+            <a:off x="19425902" y="7781781"/>
+            <a:ext cx="1376618" cy="561511"/>
           </a:xfrm>
           <a:prstGeom prst="rect">
             <a:avLst/>
@@ -17208,7 +18172,7 @@
           <a:lstStyle/>
           <a:p>
             <a:pPr algn="ctr"/>
-            <a:endParaRPr lang="en-US" sz="2400" dirty="0">
+            <a:endParaRPr lang="en-US" sz="3000" dirty="0">
               <a:latin typeface="Arial" panose="020B0604020202020204" pitchFamily="34" charset="0"/>
               <a:cs typeface="Arial" panose="020B0604020202020204" pitchFamily="34" charset="0"/>
             </a:endParaRPr>
@@ -17229,8 +18193,8 @@
         </p:nvSpPr>
         <p:spPr>
           <a:xfrm>
-            <a:off x="15285883" y="6674633"/>
-            <a:ext cx="1610973" cy="452078"/>
+            <a:off x="19107355" y="8343291"/>
+            <a:ext cx="2013716" cy="565098"/>
           </a:xfrm>
           <a:prstGeom prst="rect">
             <a:avLst/>
@@ -17266,7 +18230,7 @@
           <a:lstStyle/>
           <a:p>
             <a:pPr algn="ctr"/>
-            <a:endParaRPr lang="en-US" sz="2400" dirty="0">
+            <a:endParaRPr lang="en-US" sz="3000" dirty="0">
               <a:latin typeface="Arial" panose="020B0604020202020204" pitchFamily="34" charset="0"/>
               <a:cs typeface="Arial" panose="020B0604020202020204" pitchFamily="34" charset="0"/>
             </a:endParaRPr>
@@ -17287,8 +18251,8 @@
         </p:nvSpPr>
         <p:spPr>
           <a:xfrm>
-            <a:off x="11596405" y="4391188"/>
-            <a:ext cx="700836" cy="1459838"/>
+            <a:off x="14495506" y="5488985"/>
+            <a:ext cx="876045" cy="1824798"/>
           </a:xfrm>
           <a:prstGeom prst="rect">
             <a:avLst/>
@@ -17324,7 +18288,7 @@
           <a:lstStyle/>
           <a:p>
             <a:pPr algn="ctr"/>
-            <a:endParaRPr lang="en-US" sz="2400" dirty="0">
+            <a:endParaRPr lang="en-US" sz="3000" dirty="0">
               <a:latin typeface="Arial" panose="020B0604020202020204" pitchFamily="34" charset="0"/>
               <a:cs typeface="Arial" panose="020B0604020202020204" pitchFamily="34" charset="0"/>
             </a:endParaRPr>
@@ -17345,8 +18309,8 @@
         </p:nvSpPr>
         <p:spPr>
           <a:xfrm>
-            <a:off x="11414181" y="6902514"/>
-            <a:ext cx="1065284" cy="224197"/>
+            <a:off x="14267726" y="8628143"/>
+            <a:ext cx="1331605" cy="280246"/>
           </a:xfrm>
           <a:prstGeom prst="rect">
             <a:avLst/>
@@ -17382,7 +18346,7 @@
           <a:lstStyle/>
           <a:p>
             <a:pPr algn="ctr"/>
-            <a:endParaRPr lang="en-US" sz="2400" dirty="0">
+            <a:endParaRPr lang="en-US" sz="3000" dirty="0">
               <a:latin typeface="Arial" panose="020B0604020202020204" pitchFamily="34" charset="0"/>
               <a:cs typeface="Arial" panose="020B0604020202020204" pitchFamily="34" charset="0"/>
             </a:endParaRPr>
@@ -17403,8 +18367,8 @@
         </p:nvSpPr>
         <p:spPr>
           <a:xfrm>
-            <a:off x="11754829" y="5851026"/>
-            <a:ext cx="383988" cy="1051488"/>
+            <a:off x="14693536" y="7313783"/>
+            <a:ext cx="479985" cy="1314360"/>
           </a:xfrm>
           <a:prstGeom prst="rect">
             <a:avLst/>
@@ -17440,7 +18404,7 @@
           <a:lstStyle/>
           <a:p>
             <a:pPr algn="ctr"/>
-            <a:endParaRPr lang="en-US" sz="2400" dirty="0">
+            <a:endParaRPr lang="en-US" sz="3000" dirty="0">
               <a:latin typeface="Arial" panose="020B0604020202020204" pitchFamily="34" charset="0"/>
               <a:cs typeface="Arial" panose="020B0604020202020204" pitchFamily="34" charset="0"/>
             </a:endParaRPr>
@@ -17461,8 +18425,8 @@
         </p:nvCxnSpPr>
         <p:spPr>
           <a:xfrm>
-            <a:off x="2300370" y="4391188"/>
-            <a:ext cx="0" cy="2821037"/>
+            <a:off x="2875463" y="5488986"/>
+            <a:ext cx="0" cy="3526296"/>
           </a:xfrm>
           <a:prstGeom prst="straightConnector1">
             <a:avLst/>
@@ -17500,8 +18464,8 @@
         </p:nvSpPr>
         <p:spPr>
           <a:xfrm rot="16200000">
-            <a:off x="1492220" y="5523727"/>
-            <a:ext cx="857410" cy="461665"/>
+            <a:off x="1865275" y="6916201"/>
+            <a:ext cx="1071763" cy="553998"/>
           </a:xfrm>
           <a:prstGeom prst="rect">
             <a:avLst/>
@@ -17515,7 +18479,7 @@
           <a:lstStyle/>
           <a:p>
             <a:r>
-              <a:rPr lang="en-US" sz="2400" dirty="0">
+              <a:rPr lang="en-US" sz="3000" dirty="0">
                 <a:latin typeface="Arial" panose="020B0604020202020204" pitchFamily="34" charset="0"/>
                 <a:ea typeface="Yu Gothic" panose="020B0400000000000000" pitchFamily="34" charset="-128"/>
                 <a:cs typeface="Arial" panose="020B0604020202020204" pitchFamily="34" charset="0"/>
@@ -17539,8 +18503,8 @@
         </p:nvSpPr>
         <p:spPr>
           <a:xfrm>
-            <a:off x="2015309" y="7802914"/>
-            <a:ext cx="3969359" cy="461665"/>
+            <a:off x="2519137" y="9753643"/>
+            <a:ext cx="4961699" cy="553998"/>
           </a:xfrm>
           <a:prstGeom prst="rect">
             <a:avLst/>
@@ -17555,7 +18519,7 @@
           <a:p>
             <a:pPr algn="ctr"/>
             <a:r>
-              <a:rPr lang="en-US" sz="2400" dirty="0">
+              <a:rPr lang="en-US" sz="3000" dirty="0">
                 <a:latin typeface="Arial" panose="020B0604020202020204" pitchFamily="34" charset="0"/>
                 <a:ea typeface="Yu Gothic" panose="020B0400000000000000" pitchFamily="34" charset="-128"/>
                 <a:cs typeface="Arial" panose="020B0604020202020204" pitchFamily="34" charset="0"/>
@@ -17579,8 +18543,8 @@
         </p:nvSpPr>
         <p:spPr>
           <a:xfrm>
-            <a:off x="2015309" y="1969278"/>
-            <a:ext cx="570122" cy="830997"/>
+            <a:off x="2519136" y="2461598"/>
+            <a:ext cx="712653" cy="1015663"/>
           </a:xfrm>
           <a:prstGeom prst="rect">
             <a:avLst/>
@@ -17594,7 +18558,7 @@
           <a:lstStyle/>
           <a:p>
             <a:r>
-              <a:rPr lang="en-US" sz="4800" b="1" dirty="0">
+              <a:rPr lang="en-US" sz="6000" b="1" dirty="0">
                 <a:latin typeface="Arial" panose="020B0604020202020204" pitchFamily="34" charset="0"/>
                 <a:ea typeface="Yu Gothic" panose="020B0400000000000000" pitchFamily="34" charset="-128"/>
                 <a:cs typeface="Arial" panose="020B0604020202020204" pitchFamily="34" charset="0"/>
@@ -17618,8 +18582,8 @@
         </p:nvSpPr>
         <p:spPr>
           <a:xfrm>
-            <a:off x="6724299" y="1969277"/>
-            <a:ext cx="570122" cy="830997"/>
+            <a:off x="8405374" y="2461597"/>
+            <a:ext cx="712653" cy="1015663"/>
           </a:xfrm>
           <a:prstGeom prst="rect">
             <a:avLst/>
@@ -17633,7 +18597,7 @@
           <a:lstStyle/>
           <a:p>
             <a:r>
-              <a:rPr lang="en-US" sz="4800" b="1" dirty="0">
+              <a:rPr lang="en-US" sz="6000" b="1" dirty="0">
                 <a:latin typeface="Arial" panose="020B0604020202020204" pitchFamily="34" charset="0"/>
                 <a:ea typeface="Yu Gothic" panose="020B0400000000000000" pitchFamily="34" charset="-128"/>
                 <a:cs typeface="Arial" panose="020B0604020202020204" pitchFamily="34" charset="0"/>
@@ -17657,8 +18621,8 @@
         </p:nvSpPr>
         <p:spPr>
           <a:xfrm>
-            <a:off x="12434697" y="1973676"/>
-            <a:ext cx="570122" cy="830997"/>
+            <a:off x="15543371" y="2467096"/>
+            <a:ext cx="712653" cy="1015663"/>
           </a:xfrm>
           <a:prstGeom prst="rect">
             <a:avLst/>
@@ -17672,7 +18636,7 @@
           <a:lstStyle/>
           <a:p>
             <a:r>
-              <a:rPr lang="en-US" sz="4800" b="1" dirty="0">
+              <a:rPr lang="en-US" sz="6000" b="1" dirty="0">
                 <a:latin typeface="Arial" panose="020B0604020202020204" pitchFamily="34" charset="0"/>
                 <a:ea typeface="Yu Gothic" panose="020B0400000000000000" pitchFamily="34" charset="-128"/>
                 <a:cs typeface="Arial" panose="020B0604020202020204" pitchFamily="34" charset="0"/>
@@ -17698,8 +18662,8 @@
         </p:nvCxnSpPr>
         <p:spPr>
           <a:xfrm>
-            <a:off x="2996615" y="7655868"/>
-            <a:ext cx="1828800" cy="0"/>
+            <a:off x="3745769" y="9569835"/>
+            <a:ext cx="2286000" cy="0"/>
           </a:xfrm>
           <a:prstGeom prst="straightConnector1">
             <a:avLst/>
@@ -17738,8 +18702,8 @@
         </p:nvSpPr>
         <p:spPr>
           <a:xfrm>
-            <a:off x="7260176" y="10894232"/>
-            <a:ext cx="2652209" cy="584775"/>
+            <a:off x="9075221" y="13617791"/>
+            <a:ext cx="3315261" cy="707886"/>
           </a:xfrm>
           <a:prstGeom prst="rect">
             <a:avLst/>
@@ -17753,7 +18717,7 @@
           <a:lstStyle/>
           <a:p>
             <a:r>
-              <a:rPr lang="en-US" sz="3200" b="1" dirty="0">
+              <a:rPr lang="en-US" sz="4000" b="1" dirty="0">
                 <a:latin typeface="Arial" panose="020B0604020202020204" pitchFamily="34" charset="0"/>
                 <a:ea typeface="Yu Gothic" panose="020B0400000000000000" pitchFamily="34" charset="-128"/>
                 <a:cs typeface="Arial" panose="020B0604020202020204" pitchFamily="34" charset="0"/>
@@ -17777,8 +18741,8 @@
         </p:nvSpPr>
         <p:spPr>
           <a:xfrm>
-            <a:off x="12954163" y="10909350"/>
-            <a:ext cx="2848673" cy="584775"/>
+            <a:off x="16192705" y="13636688"/>
+            <a:ext cx="3560841" cy="707886"/>
           </a:xfrm>
           <a:prstGeom prst="rect">
             <a:avLst/>
@@ -17792,7 +18756,7 @@
           <a:lstStyle/>
           <a:p>
             <a:r>
-              <a:rPr lang="en-US" sz="3200" b="1" dirty="0">
+              <a:rPr lang="en-US" sz="4000" b="1" dirty="0">
                 <a:latin typeface="Arial" panose="020B0604020202020204" pitchFamily="34" charset="0"/>
                 <a:ea typeface="Yu Gothic" panose="020B0400000000000000" pitchFamily="34" charset="-128"/>
                 <a:cs typeface="Arial" panose="020B0604020202020204" pitchFamily="34" charset="0"/>
@@ -17816,8 +18780,8 @@
         </p:nvSpPr>
         <p:spPr>
           <a:xfrm>
-            <a:off x="12552359" y="14643153"/>
-            <a:ext cx="3303794" cy="830997"/>
+            <a:off x="15690449" y="18303941"/>
+            <a:ext cx="4129743" cy="1015663"/>
           </a:xfrm>
           <a:prstGeom prst="rect">
             <a:avLst/>
@@ -17832,7 +18796,7 @@
           <a:p>
             <a:pPr algn="ctr"/>
             <a:r>
-              <a:rPr lang="en-US" sz="2400" dirty="0">
+              <a:rPr lang="en-US" sz="3000" dirty="0">
                 <a:latin typeface="Arial" panose="020B0604020202020204" pitchFamily="34" charset="0"/>
                 <a:ea typeface="Yu Gothic" panose="020B0400000000000000" pitchFamily="34" charset="-128"/>
                 <a:cs typeface="Arial" panose="020B0604020202020204" pitchFamily="34" charset="0"/>
@@ -17856,8 +18820,8 @@
         </p:nvSpPr>
         <p:spPr>
           <a:xfrm>
-            <a:off x="6871914" y="14643154"/>
-            <a:ext cx="3211649" cy="830997"/>
+            <a:off x="8589893" y="18303943"/>
+            <a:ext cx="4014561" cy="1015663"/>
           </a:xfrm>
           <a:prstGeom prst="rect">
             <a:avLst/>
@@ -17872,7 +18836,7 @@
           <a:p>
             <a:pPr algn="ctr"/>
             <a:r>
-              <a:rPr lang="en-US" sz="2400" dirty="0">
+              <a:rPr lang="en-US" sz="3000" dirty="0">
                 <a:latin typeface="Arial" panose="020B0604020202020204" pitchFamily="34" charset="0"/>
                 <a:ea typeface="Yu Gothic" panose="020B0400000000000000" pitchFamily="34" charset="-128"/>
                 <a:cs typeface="Arial" panose="020B0604020202020204" pitchFamily="34" charset="0"/>
@@ -17896,8 +18860,8 @@
         </p:nvSpPr>
         <p:spPr>
           <a:xfrm>
-            <a:off x="2782922" y="10898237"/>
-            <a:ext cx="2656384" cy="584775"/>
+            <a:off x="3478653" y="13622797"/>
+            <a:ext cx="3320480" cy="707886"/>
           </a:xfrm>
           <a:prstGeom prst="rect">
             <a:avLst/>
@@ -17911,7 +18875,7 @@
           <a:lstStyle/>
           <a:p>
             <a:r>
-              <a:rPr lang="en-US" sz="3200" b="1" dirty="0">
+              <a:rPr lang="en-US" sz="4000" b="1" dirty="0">
                 <a:latin typeface="Arial" panose="020B0604020202020204" pitchFamily="34" charset="0"/>
                 <a:ea typeface="Yu Gothic" panose="020B0400000000000000" pitchFamily="34" charset="-128"/>
                 <a:cs typeface="Arial" panose="020B0604020202020204" pitchFamily="34" charset="0"/>
@@ -17935,8 +18899,8 @@
         </p:nvSpPr>
         <p:spPr>
           <a:xfrm>
-            <a:off x="2541468" y="14643154"/>
-            <a:ext cx="2843624" cy="830997"/>
+            <a:off x="3176835" y="18303943"/>
+            <a:ext cx="3554530" cy="1015663"/>
           </a:xfrm>
           <a:prstGeom prst="rect">
             <a:avLst/>
@@ -17951,7 +18915,7 @@
           <a:p>
             <a:pPr algn="ctr"/>
             <a:r>
-              <a:rPr lang="en-US" sz="2400" dirty="0">
+              <a:rPr lang="en-US" sz="3000" dirty="0">
                 <a:latin typeface="Arial" panose="020B0604020202020204" pitchFamily="34" charset="0"/>
                 <a:ea typeface="Yu Gothic" panose="020B0400000000000000" pitchFamily="34" charset="-128"/>
                 <a:cs typeface="Arial" panose="020B0604020202020204" pitchFamily="34" charset="0"/>
@@ -17962,7 +18926,7 @@
           <a:p>
             <a:pPr algn="ctr"/>
             <a:r>
-              <a:rPr lang="en-US" sz="2400" dirty="0">
+              <a:rPr lang="en-US" sz="3000" dirty="0">
                 <a:latin typeface="Arial" panose="020B0604020202020204" pitchFamily="34" charset="0"/>
                 <a:ea typeface="Yu Gothic" panose="020B0400000000000000" pitchFamily="34" charset="-128"/>
                 <a:cs typeface="Arial" panose="020B0604020202020204" pitchFamily="34" charset="0"/>
@@ -17986,8 +18950,8 @@
         </p:nvSpPr>
         <p:spPr>
           <a:xfrm>
-            <a:off x="3508243" y="11714754"/>
-            <a:ext cx="910074" cy="2735523"/>
+            <a:off x="4385304" y="14643443"/>
+            <a:ext cx="1137593" cy="3419404"/>
           </a:xfrm>
           <a:prstGeom prst="rect">
             <a:avLst/>
@@ -18023,7 +18987,7 @@
           <a:lstStyle/>
           <a:p>
             <a:pPr algn="ctr"/>
-            <a:endParaRPr lang="en-US" sz="2400" dirty="0">
+            <a:endParaRPr lang="en-US" sz="3000" dirty="0">
               <a:latin typeface="Arial" panose="020B0604020202020204" pitchFamily="34" charset="0"/>
               <a:cs typeface="Arial" panose="020B0604020202020204" pitchFamily="34" charset="0"/>
             </a:endParaRPr>
@@ -18044,8 +19008,8 @@
         </p:nvSpPr>
         <p:spPr>
           <a:xfrm>
-            <a:off x="7215798" y="11714754"/>
-            <a:ext cx="1173569" cy="1116980"/>
+            <a:off x="9019748" y="14643443"/>
+            <a:ext cx="1466961" cy="1396225"/>
           </a:xfrm>
           <a:prstGeom prst="rect">
             <a:avLst/>
@@ -18081,7 +19045,7 @@
           <a:lstStyle/>
           <a:p>
             <a:pPr algn="ctr"/>
-            <a:endParaRPr lang="en-US" sz="2400" dirty="0">
+            <a:endParaRPr lang="en-US" sz="3000" dirty="0">
               <a:latin typeface="Arial" panose="020B0604020202020204" pitchFamily="34" charset="0"/>
               <a:cs typeface="Arial" panose="020B0604020202020204" pitchFamily="34" charset="0"/>
             </a:endParaRPr>
@@ -18102,8 +19066,8 @@
         </p:nvSpPr>
         <p:spPr>
           <a:xfrm>
-            <a:off x="7473009" y="12831734"/>
-            <a:ext cx="659145" cy="1618543"/>
+            <a:off x="9341262" y="16039668"/>
+            <a:ext cx="823931" cy="2023179"/>
           </a:xfrm>
           <a:prstGeom prst="rect">
             <a:avLst/>
@@ -18139,7 +19103,7 @@
           <a:lstStyle/>
           <a:p>
             <a:pPr algn="ctr"/>
-            <a:endParaRPr lang="en-US" sz="2400" dirty="0">
+            <a:endParaRPr lang="en-US" sz="3000" dirty="0">
               <a:latin typeface="Arial" panose="020B0604020202020204" pitchFamily="34" charset="0"/>
               <a:cs typeface="Arial" panose="020B0604020202020204" pitchFamily="34" charset="0"/>
             </a:endParaRPr>
@@ -18160,8 +19124,8 @@
         </p:nvSpPr>
         <p:spPr>
           <a:xfrm>
-            <a:off x="8797056" y="11714754"/>
-            <a:ext cx="465506" cy="2412976"/>
+            <a:off x="10996320" y="14643443"/>
+            <a:ext cx="581883" cy="3016220"/>
           </a:xfrm>
           <a:prstGeom prst="rect">
             <a:avLst/>
@@ -18197,7 +19161,7 @@
           <a:lstStyle/>
           <a:p>
             <a:pPr algn="ctr"/>
-            <a:endParaRPr lang="en-US" sz="2400" dirty="0">
+            <a:endParaRPr lang="en-US" sz="3000" dirty="0">
               <a:latin typeface="Arial" panose="020B0604020202020204" pitchFamily="34" charset="0"/>
               <a:cs typeface="Arial" panose="020B0604020202020204" pitchFamily="34" charset="0"/>
             </a:endParaRPr>
@@ -18218,8 +19182,8 @@
         </p:nvSpPr>
         <p:spPr>
           <a:xfrm>
-            <a:off x="8311326" y="14127730"/>
-            <a:ext cx="1435328" cy="322547"/>
+            <a:off x="10389158" y="17659663"/>
+            <a:ext cx="1794160" cy="403184"/>
           </a:xfrm>
           <a:prstGeom prst="rect">
             <a:avLst/>
@@ -18255,7 +19219,7 @@
           <a:lstStyle/>
           <a:p>
             <a:pPr algn="ctr"/>
-            <a:endParaRPr lang="en-US" sz="2400" dirty="0">
+            <a:endParaRPr lang="en-US" sz="3000" dirty="0">
               <a:latin typeface="Arial" panose="020B0604020202020204" pitchFamily="34" charset="0"/>
               <a:cs typeface="Arial" panose="020B0604020202020204" pitchFamily="34" charset="0"/>
             </a:endParaRPr>
@@ -18276,8 +19240,8 @@
         </p:nvSpPr>
         <p:spPr>
           <a:xfrm>
-            <a:off x="13048140" y="11714755"/>
-            <a:ext cx="534596" cy="842510"/>
+            <a:off x="16310175" y="14643444"/>
+            <a:ext cx="668245" cy="1053138"/>
           </a:xfrm>
           <a:prstGeom prst="rect">
             <a:avLst/>
@@ -18313,7 +19277,7 @@
           <a:lstStyle/>
           <a:p>
             <a:pPr algn="ctr"/>
-            <a:endParaRPr lang="en-US" sz="2400" dirty="0">
+            <a:endParaRPr lang="en-US" sz="3000" dirty="0">
               <a:latin typeface="Arial" panose="020B0604020202020204" pitchFamily="34" charset="0"/>
               <a:cs typeface="Arial" panose="020B0604020202020204" pitchFamily="34" charset="0"/>
             </a:endParaRPr>
@@ -18334,8 +19298,8 @@
         </p:nvSpPr>
         <p:spPr>
           <a:xfrm>
-            <a:off x="12768020" y="12557264"/>
-            <a:ext cx="1094835" cy="811926"/>
+            <a:off x="15960026" y="15696580"/>
+            <a:ext cx="1368544" cy="1014908"/>
           </a:xfrm>
           <a:prstGeom prst="rect">
             <a:avLst/>
@@ -18371,7 +19335,7 @@
           <a:lstStyle/>
           <a:p>
             <a:pPr algn="ctr"/>
-            <a:endParaRPr lang="en-US" sz="2400" dirty="0">
+            <a:endParaRPr lang="en-US" sz="3000" dirty="0">
               <a:latin typeface="Arial" panose="020B0604020202020204" pitchFamily="34" charset="0"/>
               <a:cs typeface="Arial" panose="020B0604020202020204" pitchFamily="34" charset="0"/>
             </a:endParaRPr>
@@ -18392,8 +19356,8 @@
         </p:nvSpPr>
         <p:spPr>
           <a:xfrm>
-            <a:off x="12918056" y="13369190"/>
-            <a:ext cx="794761" cy="1083836"/>
+            <a:off x="16147571" y="16711488"/>
+            <a:ext cx="993451" cy="1354795"/>
           </a:xfrm>
           <a:prstGeom prst="rect">
             <a:avLst/>
@@ -18429,7 +19393,7 @@
           <a:lstStyle/>
           <a:p>
             <a:pPr algn="ctr"/>
-            <a:endParaRPr lang="en-US" sz="2400" dirty="0">
+            <a:endParaRPr lang="en-US" sz="3000" dirty="0">
               <a:latin typeface="Arial" panose="020B0604020202020204" pitchFamily="34" charset="0"/>
               <a:cs typeface="Arial" panose="020B0604020202020204" pitchFamily="34" charset="0"/>
             </a:endParaRPr>
@@ -18450,8 +19414,8 @@
         </p:nvSpPr>
         <p:spPr>
           <a:xfrm>
-            <a:off x="14009946" y="11714754"/>
-            <a:ext cx="1550481" cy="469068"/>
+            <a:off x="17512433" y="14643443"/>
+            <a:ext cx="1938101" cy="586335"/>
           </a:xfrm>
           <a:prstGeom prst="rect">
             <a:avLst/>
@@ -18487,7 +19451,7 @@
           <a:lstStyle/>
           <a:p>
             <a:pPr algn="ctr"/>
-            <a:endParaRPr lang="en-US" sz="2400" dirty="0">
+            <a:endParaRPr lang="en-US" sz="3000" dirty="0">
               <a:latin typeface="Arial" panose="020B0604020202020204" pitchFamily="34" charset="0"/>
               <a:cs typeface="Arial" panose="020B0604020202020204" pitchFamily="34" charset="0"/>
             </a:endParaRPr>
@@ -18508,8 +19472,8 @@
         </p:nvSpPr>
         <p:spPr>
           <a:xfrm>
-            <a:off x="14258711" y="12180351"/>
-            <a:ext cx="1052949" cy="469068"/>
+            <a:off x="17823390" y="15225439"/>
+            <a:ext cx="1316186" cy="586335"/>
           </a:xfrm>
           <a:prstGeom prst="rect">
             <a:avLst/>
@@ -18545,7 +19509,7 @@
           <a:lstStyle/>
           <a:p>
             <a:pPr algn="ctr"/>
-            <a:endParaRPr lang="en-US" sz="2400" dirty="0">
+            <a:endParaRPr lang="en-US" sz="3000" dirty="0">
               <a:latin typeface="Arial" panose="020B0604020202020204" pitchFamily="34" charset="0"/>
               <a:cs typeface="Arial" panose="020B0604020202020204" pitchFamily="34" charset="0"/>
             </a:endParaRPr>
@@ -18566,8 +19530,8 @@
         </p:nvSpPr>
         <p:spPr>
           <a:xfrm>
-            <a:off x="14488519" y="12613447"/>
-            <a:ext cx="593332" cy="1836830"/>
+            <a:off x="18110649" y="15766809"/>
+            <a:ext cx="741665" cy="2296038"/>
           </a:xfrm>
           <a:prstGeom prst="rect">
             <a:avLst/>
@@ -18603,7 +19567,7 @@
           <a:lstStyle/>
           <a:p>
             <a:pPr algn="ctr"/>
-            <a:endParaRPr lang="en-US" sz="2400" dirty="0">
+            <a:endParaRPr lang="en-US" sz="3000" dirty="0">
               <a:latin typeface="Arial" panose="020B0604020202020204" pitchFamily="34" charset="0"/>
               <a:cs typeface="Arial" panose="020B0604020202020204" pitchFamily="34" charset="0"/>
             </a:endParaRPr>
@@ -18624,8 +19588,8 @@
         </p:nvSpPr>
         <p:spPr>
           <a:xfrm>
-            <a:off x="15882196" y="11714754"/>
-            <a:ext cx="577093" cy="1834236"/>
+            <a:off x="19852746" y="14643443"/>
+            <a:ext cx="721366" cy="2292795"/>
           </a:xfrm>
           <a:prstGeom prst="rect">
             <a:avLst/>
@@ -18661,7 +19625,7 @@
           <a:lstStyle/>
           <a:p>
             <a:pPr algn="ctr"/>
-            <a:endParaRPr lang="en-US" sz="2400" dirty="0">
+            <a:endParaRPr lang="en-US" sz="3000" dirty="0">
               <a:latin typeface="Arial" panose="020B0604020202020204" pitchFamily="34" charset="0"/>
               <a:cs typeface="Arial" panose="020B0604020202020204" pitchFamily="34" charset="0"/>
             </a:endParaRPr>
@@ -18682,8 +19646,8 @@
         </p:nvSpPr>
         <p:spPr>
           <a:xfrm>
-            <a:off x="15618763" y="13548990"/>
-            <a:ext cx="1101294" cy="449209"/>
+            <a:off x="19523454" y="16936238"/>
+            <a:ext cx="1376618" cy="561511"/>
           </a:xfrm>
           <a:prstGeom prst="rect">
             <a:avLst/>
@@ -18719,7 +19683,7 @@
           <a:lstStyle/>
           <a:p>
             <a:pPr algn="ctr"/>
-            <a:endParaRPr lang="en-US" sz="2400" dirty="0">
+            <a:endParaRPr lang="en-US" sz="3000" dirty="0">
               <a:latin typeface="Arial" panose="020B0604020202020204" pitchFamily="34" charset="0"/>
               <a:cs typeface="Arial" panose="020B0604020202020204" pitchFamily="34" charset="0"/>
             </a:endParaRPr>
@@ -18740,8 +19704,8 @@
         </p:nvSpPr>
         <p:spPr>
           <a:xfrm>
-            <a:off x="15363924" y="13998199"/>
-            <a:ext cx="1610973" cy="452078"/>
+            <a:off x="19204906" y="17497749"/>
+            <a:ext cx="2013716" cy="565098"/>
           </a:xfrm>
           <a:prstGeom prst="rect">
             <a:avLst/>
@@ -18777,7 +19741,7 @@
           <a:lstStyle/>
           <a:p>
             <a:pPr algn="ctr"/>
-            <a:endParaRPr lang="en-US" sz="2400" dirty="0">
+            <a:endParaRPr lang="en-US" sz="3000" dirty="0">
               <a:latin typeface="Arial" panose="020B0604020202020204" pitchFamily="34" charset="0"/>
               <a:cs typeface="Arial" panose="020B0604020202020204" pitchFamily="34" charset="0"/>
             </a:endParaRPr>
@@ -18798,8 +19762,8 @@
         </p:nvSpPr>
         <p:spPr>
           <a:xfrm>
-            <a:off x="11674446" y="11714754"/>
-            <a:ext cx="700836" cy="1459838"/>
+            <a:off x="14593058" y="14643442"/>
+            <a:ext cx="876045" cy="1824798"/>
           </a:xfrm>
           <a:prstGeom prst="rect">
             <a:avLst/>
@@ -18835,7 +19799,7 @@
           <a:lstStyle/>
           <a:p>
             <a:pPr algn="ctr"/>
-            <a:endParaRPr lang="en-US" sz="2400" dirty="0">
+            <a:endParaRPr lang="en-US" sz="3000" dirty="0">
               <a:latin typeface="Arial" panose="020B0604020202020204" pitchFamily="34" charset="0"/>
               <a:cs typeface="Arial" panose="020B0604020202020204" pitchFamily="34" charset="0"/>
             </a:endParaRPr>
@@ -18856,8 +19820,8 @@
         </p:nvSpPr>
         <p:spPr>
           <a:xfrm>
-            <a:off x="11492222" y="14226080"/>
-            <a:ext cx="1065284" cy="224197"/>
+            <a:off x="14365278" y="17782601"/>
+            <a:ext cx="1331605" cy="280246"/>
           </a:xfrm>
           <a:prstGeom prst="rect">
             <a:avLst/>
@@ -18893,7 +19857,7 @@
           <a:lstStyle/>
           <a:p>
             <a:pPr algn="ctr"/>
-            <a:endParaRPr lang="en-US" sz="2400" dirty="0">
+            <a:endParaRPr lang="en-US" sz="3000" dirty="0">
               <a:latin typeface="Arial" panose="020B0604020202020204" pitchFamily="34" charset="0"/>
               <a:cs typeface="Arial" panose="020B0604020202020204" pitchFamily="34" charset="0"/>
             </a:endParaRPr>
@@ -18914,8 +19878,8 @@
         </p:nvSpPr>
         <p:spPr>
           <a:xfrm>
-            <a:off x="11832870" y="13174592"/>
-            <a:ext cx="383988" cy="1051488"/>
+            <a:off x="14791088" y="16468240"/>
+            <a:ext cx="479985" cy="1314360"/>
           </a:xfrm>
           <a:prstGeom prst="rect">
             <a:avLst/>
@@ -18951,7 +19915,7 @@
           <a:lstStyle/>
           <a:p>
             <a:pPr algn="ctr"/>
-            <a:endParaRPr lang="en-US" sz="2400" dirty="0">
+            <a:endParaRPr lang="en-US" sz="3000" dirty="0">
               <a:latin typeface="Arial" panose="020B0604020202020204" pitchFamily="34" charset="0"/>
               <a:cs typeface="Arial" panose="020B0604020202020204" pitchFamily="34" charset="0"/>
             </a:endParaRPr>
@@ -18972,8 +19936,8 @@
         </p:nvCxnSpPr>
         <p:spPr>
           <a:xfrm>
-            <a:off x="2378411" y="11714754"/>
-            <a:ext cx="0" cy="2821037"/>
+            <a:off x="2973014" y="14643443"/>
+            <a:ext cx="0" cy="3526296"/>
           </a:xfrm>
           <a:prstGeom prst="straightConnector1">
             <a:avLst/>
@@ -19011,8 +19975,8 @@
         </p:nvSpPr>
         <p:spPr>
           <a:xfrm rot="16200000">
-            <a:off x="1570261" y="12847293"/>
-            <a:ext cx="857410" cy="461665"/>
+            <a:off x="1962826" y="16070658"/>
+            <a:ext cx="1071763" cy="553998"/>
           </a:xfrm>
           <a:prstGeom prst="rect">
             <a:avLst/>
@@ -19026,7 +19990,7 @@
           <a:lstStyle/>
           <a:p>
             <a:r>
-              <a:rPr lang="en-US" sz="2400" dirty="0">
+              <a:rPr lang="en-US" sz="3000" dirty="0">
                 <a:latin typeface="Arial" panose="020B0604020202020204" pitchFamily="34" charset="0"/>
                 <a:ea typeface="Yu Gothic" panose="020B0400000000000000" pitchFamily="34" charset="-128"/>
                 <a:cs typeface="Arial" panose="020B0604020202020204" pitchFamily="34" charset="0"/>
@@ -19050,8 +20014,8 @@
         </p:nvSpPr>
         <p:spPr>
           <a:xfrm>
-            <a:off x="2093350" y="10280396"/>
-            <a:ext cx="570122" cy="830997"/>
+            <a:off x="2616687" y="12850496"/>
+            <a:ext cx="712653" cy="1015663"/>
           </a:xfrm>
           <a:prstGeom prst="rect">
             <a:avLst/>
@@ -19065,7 +20029,7 @@
           <a:lstStyle/>
           <a:p>
             <a:r>
-              <a:rPr lang="en-US" sz="4800" b="1" dirty="0">
+              <a:rPr lang="en-US" sz="6000" b="1" dirty="0">
                 <a:latin typeface="Arial" panose="020B0604020202020204" pitchFamily="34" charset="0"/>
                 <a:ea typeface="Yu Gothic" panose="020B0400000000000000" pitchFamily="34" charset="-128"/>
                 <a:cs typeface="Arial" panose="020B0604020202020204" pitchFamily="34" charset="0"/>
@@ -19089,8 +20053,8 @@
         </p:nvSpPr>
         <p:spPr>
           <a:xfrm>
-            <a:off x="6802340" y="10280395"/>
-            <a:ext cx="570122" cy="830997"/>
+            <a:off x="8502925" y="12850494"/>
+            <a:ext cx="712653" cy="1015663"/>
           </a:xfrm>
           <a:prstGeom prst="rect">
             <a:avLst/>
@@ -19104,7 +20068,7 @@
           <a:lstStyle/>
           <a:p>
             <a:r>
-              <a:rPr lang="en-US" sz="4800" b="1" dirty="0">
+              <a:rPr lang="en-US" sz="6000" b="1" dirty="0">
                 <a:latin typeface="Arial" panose="020B0604020202020204" pitchFamily="34" charset="0"/>
                 <a:ea typeface="Yu Gothic" panose="020B0400000000000000" pitchFamily="34" charset="-128"/>
                 <a:cs typeface="Arial" panose="020B0604020202020204" pitchFamily="34" charset="0"/>
@@ -19128,8 +20092,8 @@
         </p:nvSpPr>
         <p:spPr>
           <a:xfrm>
-            <a:off x="12585890" y="10284794"/>
-            <a:ext cx="570122" cy="830997"/>
+            <a:off x="15732362" y="12855993"/>
+            <a:ext cx="712653" cy="1015663"/>
           </a:xfrm>
           <a:prstGeom prst="rect">
             <a:avLst/>
@@ -19143,7 +20107,7 @@
           <a:lstStyle/>
           <a:p>
             <a:r>
-              <a:rPr lang="en-US" sz="4800" b="1" dirty="0">
+              <a:rPr lang="en-US" sz="6000" b="1" dirty="0">
                 <a:latin typeface="Arial" panose="020B0604020202020204" pitchFamily="34" charset="0"/>
                 <a:ea typeface="Yu Gothic" panose="020B0400000000000000" pitchFamily="34" charset="-128"/>
                 <a:cs typeface="Arial" panose="020B0604020202020204" pitchFamily="34" charset="0"/>
@@ -19197,8 +20161,8 @@
         </p:nvSpPr>
         <p:spPr>
           <a:xfrm>
-            <a:off x="6765119" y="6842098"/>
-            <a:ext cx="1691024" cy="461665"/>
+            <a:off x="8456399" y="8552623"/>
+            <a:ext cx="2113780" cy="553998"/>
           </a:xfrm>
           <a:prstGeom prst="rect">
             <a:avLst/>
@@ -19306,7 +20270,7 @@
           </a:lstStyle>
           <a:p>
             <a:r>
-              <a:rPr lang="en-US" sz="2400" dirty="0">
+              <a:rPr lang="en-US" sz="3000" dirty="0">
                 <a:latin typeface="Arial" panose="020B0604020202020204" pitchFamily="34" charset="0"/>
                 <a:ea typeface="Yu Gothic" panose="020B0400000000000000" pitchFamily="34" charset="-128"/>
                 <a:cs typeface="Arial" panose="020B0604020202020204" pitchFamily="34" charset="0"/>
@@ -19330,8 +20294,8 @@
         </p:nvSpPr>
         <p:spPr>
           <a:xfrm>
-            <a:off x="12280617" y="6786679"/>
-            <a:ext cx="1935394" cy="461665"/>
+            <a:off x="15350771" y="8483349"/>
+            <a:ext cx="2419243" cy="553998"/>
           </a:xfrm>
           <a:prstGeom prst="rect">
             <a:avLst/>
@@ -19439,7 +20403,7 @@
           </a:lstStyle>
           <a:p>
             <a:r>
-              <a:rPr lang="en-US" sz="2400" dirty="0">
+              <a:rPr lang="en-US" sz="3000" dirty="0">
                 <a:latin typeface="Arial" panose="020B0604020202020204" pitchFamily="34" charset="0"/>
                 <a:ea typeface="Yu Gothic" panose="020B0400000000000000" pitchFamily="34" charset="-128"/>
                 <a:cs typeface="Arial" panose="020B0604020202020204" pitchFamily="34" charset="0"/>
@@ -19463,8 +20427,8 @@
         </p:nvSpPr>
         <p:spPr>
           <a:xfrm>
-            <a:off x="10992486" y="10670322"/>
-            <a:ext cx="4755844" cy="461665"/>
+            <a:off x="13740608" y="13337903"/>
+            <a:ext cx="5944805" cy="553998"/>
           </a:xfrm>
           <a:prstGeom prst="rect">
             <a:avLst/>
@@ -19573,7 +20537,7 @@
           <a:p>
             <a:pPr algn="ctr"/>
             <a:r>
-              <a:rPr lang="en-US" sz="2400" dirty="0">
+              <a:rPr lang="en-US" sz="3000" dirty="0">
                 <a:latin typeface="Arial" panose="020B0604020202020204" pitchFamily="34" charset="0"/>
                 <a:ea typeface="Yu Gothic" panose="020B0400000000000000" pitchFamily="34" charset="-128"/>
                 <a:cs typeface="Arial" panose="020B0604020202020204" pitchFamily="34" charset="0"/>
@@ -19597,8 +20561,8 @@
         </p:nvSpPr>
         <p:spPr>
           <a:xfrm>
-            <a:off x="6185571" y="10670323"/>
-            <a:ext cx="3211649" cy="830997"/>
+            <a:off x="7731965" y="13337904"/>
+            <a:ext cx="4014561" cy="1015663"/>
           </a:xfrm>
           <a:prstGeom prst="rect">
             <a:avLst/>
@@ -19707,7 +20671,7 @@
           <a:p>
             <a:pPr algn="ctr"/>
             <a:r>
-              <a:rPr lang="en-US" sz="2400" dirty="0">
+              <a:rPr lang="en-US" sz="3000" dirty="0">
                 <a:latin typeface="Arial" panose="020B0604020202020204" pitchFamily="34" charset="0"/>
                 <a:ea typeface="Yu Gothic" panose="020B0400000000000000" pitchFamily="34" charset="-128"/>
                 <a:cs typeface="Arial" panose="020B0604020202020204" pitchFamily="34" charset="0"/>
@@ -19731,8 +20695,8 @@
         </p:nvSpPr>
         <p:spPr>
           <a:xfrm>
-            <a:off x="3279724" y="6873812"/>
-            <a:ext cx="1714824" cy="461665"/>
+            <a:off x="4099655" y="8592266"/>
+            <a:ext cx="2143530" cy="553998"/>
           </a:xfrm>
           <a:prstGeom prst="rect">
             <a:avLst/>
@@ -19840,7 +20804,7 @@
           </a:lstStyle>
           <a:p>
             <a:r>
-              <a:rPr lang="en-US" sz="2400" dirty="0">
+              <a:rPr lang="en-US" sz="3000" dirty="0">
                 <a:latin typeface="Arial" panose="020B0604020202020204" pitchFamily="34" charset="0"/>
                 <a:ea typeface="Yu Gothic" panose="020B0400000000000000" pitchFamily="34" charset="-128"/>
                 <a:cs typeface="Arial" panose="020B0604020202020204" pitchFamily="34" charset="0"/>
@@ -19864,8 +20828,8 @@
         </p:nvSpPr>
         <p:spPr>
           <a:xfrm>
-            <a:off x="2710783" y="10614905"/>
-            <a:ext cx="2843624" cy="830997"/>
+            <a:off x="3388479" y="13268631"/>
+            <a:ext cx="3554530" cy="1015663"/>
           </a:xfrm>
           <a:prstGeom prst="rect">
             <a:avLst/>
@@ -19974,7 +20938,7 @@
           <a:p>
             <a:pPr algn="ctr"/>
             <a:r>
-              <a:rPr lang="en-US" sz="2400" dirty="0">
+              <a:rPr lang="en-US" sz="3000" dirty="0">
                 <a:latin typeface="Arial" panose="020B0604020202020204" pitchFamily="34" charset="0"/>
                 <a:ea typeface="Yu Gothic" panose="020B0400000000000000" pitchFamily="34" charset="-128"/>
                 <a:cs typeface="Arial" panose="020B0604020202020204" pitchFamily="34" charset="0"/>
@@ -19985,7 +20949,7 @@
           <a:p>
             <a:pPr algn="ctr"/>
             <a:r>
-              <a:rPr lang="en-US" sz="2400" dirty="0">
+              <a:rPr lang="en-US" sz="3000" dirty="0">
                 <a:latin typeface="Arial" panose="020B0604020202020204" pitchFamily="34" charset="0"/>
                 <a:ea typeface="Yu Gothic" panose="020B0400000000000000" pitchFamily="34" charset="-128"/>
                 <a:cs typeface="Arial" panose="020B0604020202020204" pitchFamily="34" charset="0"/>
@@ -20009,8 +20973,8 @@
         </p:nvSpPr>
         <p:spPr>
           <a:xfrm>
-            <a:off x="3677558" y="7655322"/>
-            <a:ext cx="910074" cy="2735523"/>
+            <a:off x="4596947" y="9569153"/>
+            <a:ext cx="1137593" cy="3419404"/>
           </a:xfrm>
           <a:prstGeom prst="rect">
             <a:avLst/>
@@ -20140,7 +21104,7 @@
           </a:lstStyle>
           <a:p>
             <a:pPr algn="ctr"/>
-            <a:endParaRPr lang="en-US" sz="2400" dirty="0">
+            <a:endParaRPr lang="en-US" sz="3000" dirty="0">
               <a:latin typeface="Arial" panose="020B0604020202020204" pitchFamily="34" charset="0"/>
               <a:cs typeface="Arial" panose="020B0604020202020204" pitchFamily="34" charset="0"/>
             </a:endParaRPr>
@@ -20161,8 +21125,8 @@
         </p:nvSpPr>
         <p:spPr>
           <a:xfrm>
-            <a:off x="6529455" y="7655322"/>
-            <a:ext cx="1173569" cy="1116980"/>
+            <a:off x="8161820" y="9569153"/>
+            <a:ext cx="1466961" cy="1396225"/>
           </a:xfrm>
           <a:prstGeom prst="rect">
             <a:avLst/>
@@ -20292,7 +21256,7 @@
           </a:lstStyle>
           <a:p>
             <a:pPr algn="ctr"/>
-            <a:endParaRPr lang="en-US" sz="2400" dirty="0">
+            <a:endParaRPr lang="en-US" sz="3000" dirty="0">
               <a:latin typeface="Arial" panose="020B0604020202020204" pitchFamily="34" charset="0"/>
               <a:cs typeface="Arial" panose="020B0604020202020204" pitchFamily="34" charset="0"/>
             </a:endParaRPr>
@@ -20313,8 +21277,8 @@
         </p:nvSpPr>
         <p:spPr>
           <a:xfrm>
-            <a:off x="6786666" y="8772302"/>
-            <a:ext cx="659145" cy="1618543"/>
+            <a:off x="8483333" y="10965378"/>
+            <a:ext cx="823931" cy="2023179"/>
           </a:xfrm>
           <a:prstGeom prst="rect">
             <a:avLst/>
@@ -20444,7 +21408,7 @@
           </a:lstStyle>
           <a:p>
             <a:pPr algn="ctr"/>
-            <a:endParaRPr lang="en-US" sz="2400" dirty="0">
+            <a:endParaRPr lang="en-US" sz="3000" dirty="0">
               <a:latin typeface="Arial" panose="020B0604020202020204" pitchFamily="34" charset="0"/>
               <a:cs typeface="Arial" panose="020B0604020202020204" pitchFamily="34" charset="0"/>
             </a:endParaRPr>
@@ -20465,8 +21429,8 @@
         </p:nvSpPr>
         <p:spPr>
           <a:xfrm>
-            <a:off x="8110713" y="7655322"/>
-            <a:ext cx="465506" cy="2412976"/>
+            <a:off x="10138391" y="9569153"/>
+            <a:ext cx="581883" cy="3016220"/>
           </a:xfrm>
           <a:prstGeom prst="rect">
             <a:avLst/>
@@ -20596,7 +21560,7 @@
           </a:lstStyle>
           <a:p>
             <a:pPr algn="ctr"/>
-            <a:endParaRPr lang="en-US" sz="2400" dirty="0">
+            <a:endParaRPr lang="en-US" sz="3000" dirty="0">
               <a:latin typeface="Arial" panose="020B0604020202020204" pitchFamily="34" charset="0"/>
               <a:cs typeface="Arial" panose="020B0604020202020204" pitchFamily="34" charset="0"/>
             </a:endParaRPr>
@@ -20617,8 +21581,8 @@
         </p:nvSpPr>
         <p:spPr>
           <a:xfrm>
-            <a:off x="7624983" y="10068298"/>
-            <a:ext cx="1435328" cy="322547"/>
+            <a:off x="9531229" y="12585373"/>
+            <a:ext cx="1794160" cy="403184"/>
           </a:xfrm>
           <a:prstGeom prst="rect">
             <a:avLst/>
@@ -20748,7 +21712,7 @@
           </a:lstStyle>
           <a:p>
             <a:pPr algn="ctr"/>
-            <a:endParaRPr lang="en-US" sz="2400" dirty="0">
+            <a:endParaRPr lang="en-US" sz="3000" dirty="0">
               <a:latin typeface="Arial" panose="020B0604020202020204" pitchFamily="34" charset="0"/>
               <a:cs typeface="Arial" panose="020B0604020202020204" pitchFamily="34" charset="0"/>
             </a:endParaRPr>
@@ -20769,8 +21733,8 @@
         </p:nvSpPr>
         <p:spPr>
           <a:xfrm>
-            <a:off x="12066300" y="7655323"/>
-            <a:ext cx="534596" cy="842510"/>
+            <a:off x="15082875" y="9569154"/>
+            <a:ext cx="668245" cy="1053138"/>
           </a:xfrm>
           <a:prstGeom prst="rect">
             <a:avLst/>
@@ -20900,7 +21864,7 @@
           </a:lstStyle>
           <a:p>
             <a:pPr algn="ctr"/>
-            <a:endParaRPr lang="en-US" sz="2400" dirty="0">
+            <a:endParaRPr lang="en-US" sz="3000" dirty="0">
               <a:latin typeface="Arial" panose="020B0604020202020204" pitchFamily="34" charset="0"/>
               <a:cs typeface="Arial" panose="020B0604020202020204" pitchFamily="34" charset="0"/>
             </a:endParaRPr>
@@ -20921,8 +21885,8 @@
         </p:nvSpPr>
         <p:spPr>
           <a:xfrm>
-            <a:off x="11786180" y="8497832"/>
-            <a:ext cx="1094835" cy="811926"/>
+            <a:off x="14732726" y="10622290"/>
+            <a:ext cx="1368544" cy="1014908"/>
           </a:xfrm>
           <a:prstGeom prst="rect">
             <a:avLst/>
@@ -21052,7 +22016,7 @@
           </a:lstStyle>
           <a:p>
             <a:pPr algn="ctr"/>
-            <a:endParaRPr lang="en-US" sz="2400" dirty="0">
+            <a:endParaRPr lang="en-US" sz="3000" dirty="0">
               <a:latin typeface="Arial" panose="020B0604020202020204" pitchFamily="34" charset="0"/>
               <a:cs typeface="Arial" panose="020B0604020202020204" pitchFamily="34" charset="0"/>
             </a:endParaRPr>
@@ -21073,8 +22037,8 @@
         </p:nvSpPr>
         <p:spPr>
           <a:xfrm>
-            <a:off x="11936216" y="9309758"/>
-            <a:ext cx="794761" cy="1083836"/>
+            <a:off x="14920271" y="11637198"/>
+            <a:ext cx="993451" cy="1354795"/>
           </a:xfrm>
           <a:prstGeom prst="rect">
             <a:avLst/>
@@ -21204,7 +22168,7 @@
           </a:lstStyle>
           <a:p>
             <a:pPr algn="ctr"/>
-            <a:endParaRPr lang="en-US" sz="2400" dirty="0">
+            <a:endParaRPr lang="en-US" sz="3000" dirty="0">
               <a:latin typeface="Arial" panose="020B0604020202020204" pitchFamily="34" charset="0"/>
               <a:cs typeface="Arial" panose="020B0604020202020204" pitchFamily="34" charset="0"/>
             </a:endParaRPr>
@@ -21225,8 +22189,8 @@
         </p:nvSpPr>
         <p:spPr>
           <a:xfrm>
-            <a:off x="13087728" y="7655322"/>
-            <a:ext cx="1550481" cy="469068"/>
+            <a:off x="16359661" y="9569153"/>
+            <a:ext cx="1938101" cy="586335"/>
           </a:xfrm>
           <a:prstGeom prst="rect">
             <a:avLst/>
@@ -21356,7 +22320,7 @@
           </a:lstStyle>
           <a:p>
             <a:pPr algn="ctr"/>
-            <a:endParaRPr lang="en-US" sz="2400" dirty="0">
+            <a:endParaRPr lang="en-US" sz="3000" dirty="0">
               <a:latin typeface="Arial" panose="020B0604020202020204" pitchFamily="34" charset="0"/>
               <a:cs typeface="Arial" panose="020B0604020202020204" pitchFamily="34" charset="0"/>
             </a:endParaRPr>
@@ -21377,8 +22341,8 @@
         </p:nvSpPr>
         <p:spPr>
           <a:xfrm>
-            <a:off x="13336493" y="8120919"/>
-            <a:ext cx="1052949" cy="469068"/>
+            <a:off x="16670617" y="10151149"/>
+            <a:ext cx="1316186" cy="586335"/>
           </a:xfrm>
           <a:prstGeom prst="rect">
             <a:avLst/>
@@ -21508,7 +22472,7 @@
           </a:lstStyle>
           <a:p>
             <a:pPr algn="ctr"/>
-            <a:endParaRPr lang="en-US" sz="2400" dirty="0">
+            <a:endParaRPr lang="en-US" sz="3000" dirty="0">
               <a:latin typeface="Arial" panose="020B0604020202020204" pitchFamily="34" charset="0"/>
               <a:cs typeface="Arial" panose="020B0604020202020204" pitchFamily="34" charset="0"/>
             </a:endParaRPr>
@@ -21529,8 +22493,8 @@
         </p:nvSpPr>
         <p:spPr>
           <a:xfrm>
-            <a:off x="13566301" y="8554015"/>
-            <a:ext cx="593332" cy="1836830"/>
+            <a:off x="16957876" y="10692519"/>
+            <a:ext cx="741665" cy="2296038"/>
           </a:xfrm>
           <a:prstGeom prst="rect">
             <a:avLst/>
@@ -21660,7 +22624,7 @@
           </a:lstStyle>
           <a:p>
             <a:pPr algn="ctr"/>
-            <a:endParaRPr lang="en-US" sz="2400" dirty="0">
+            <a:endParaRPr lang="en-US" sz="3000" dirty="0">
               <a:latin typeface="Arial" panose="020B0604020202020204" pitchFamily="34" charset="0"/>
               <a:cs typeface="Arial" panose="020B0604020202020204" pitchFamily="34" charset="0"/>
             </a:endParaRPr>
@@ -21681,8 +22645,8 @@
         </p:nvSpPr>
         <p:spPr>
           <a:xfrm>
-            <a:off x="15257851" y="7655322"/>
-            <a:ext cx="577093" cy="1834236"/>
+            <a:off x="19072315" y="9569153"/>
+            <a:ext cx="721366" cy="2292795"/>
           </a:xfrm>
           <a:prstGeom prst="rect">
             <a:avLst/>
@@ -21812,7 +22776,7 @@
           </a:lstStyle>
           <a:p>
             <a:pPr algn="ctr"/>
-            <a:endParaRPr lang="en-US" sz="2400" dirty="0">
+            <a:endParaRPr lang="en-US" sz="3000" dirty="0">
               <a:latin typeface="Arial" panose="020B0604020202020204" pitchFamily="34" charset="0"/>
               <a:cs typeface="Arial" panose="020B0604020202020204" pitchFamily="34" charset="0"/>
             </a:endParaRPr>
@@ -21833,8 +22797,8 @@
         </p:nvSpPr>
         <p:spPr>
           <a:xfrm>
-            <a:off x="14994418" y="9489558"/>
-            <a:ext cx="1101294" cy="449209"/>
+            <a:off x="18743022" y="11861948"/>
+            <a:ext cx="1376618" cy="561511"/>
           </a:xfrm>
           <a:prstGeom prst="rect">
             <a:avLst/>
@@ -21964,7 +22928,7 @@
           </a:lstStyle>
           <a:p>
             <a:pPr algn="ctr"/>
-            <a:endParaRPr lang="en-US" sz="2400" dirty="0">
+            <a:endParaRPr lang="en-US" sz="3000" dirty="0">
               <a:latin typeface="Arial" panose="020B0604020202020204" pitchFamily="34" charset="0"/>
               <a:cs typeface="Arial" panose="020B0604020202020204" pitchFamily="34" charset="0"/>
             </a:endParaRPr>
@@ -21985,8 +22949,8 @@
         </p:nvSpPr>
         <p:spPr>
           <a:xfrm>
-            <a:off x="14739579" y="9938767"/>
-            <a:ext cx="1610973" cy="452078"/>
+            <a:off x="18424475" y="12423459"/>
+            <a:ext cx="2013716" cy="565098"/>
           </a:xfrm>
           <a:prstGeom prst="rect">
             <a:avLst/>
@@ -22116,7 +23080,7 @@
           </a:lstStyle>
           <a:p>
             <a:pPr algn="ctr"/>
-            <a:endParaRPr lang="en-US" sz="2400" dirty="0">
+            <a:endParaRPr lang="en-US" sz="3000" dirty="0">
               <a:latin typeface="Arial" panose="020B0604020202020204" pitchFamily="34" charset="0"/>
               <a:cs typeface="Arial" panose="020B0604020202020204" pitchFamily="34" charset="0"/>
             </a:endParaRPr>
@@ -22137,8 +23101,8 @@
         </p:nvSpPr>
         <p:spPr>
           <a:xfrm>
-            <a:off x="10692606" y="7655322"/>
-            <a:ext cx="700836" cy="1459838"/>
+            <a:off x="13365758" y="9569152"/>
+            <a:ext cx="876045" cy="1824798"/>
           </a:xfrm>
           <a:prstGeom prst="rect">
             <a:avLst/>
@@ -22268,7 +23232,7 @@
           </a:lstStyle>
           <a:p>
             <a:pPr algn="ctr"/>
-            <a:endParaRPr lang="en-US" sz="2400" dirty="0">
+            <a:endParaRPr lang="en-US" sz="3000" dirty="0">
               <a:latin typeface="Arial" panose="020B0604020202020204" pitchFamily="34" charset="0"/>
               <a:cs typeface="Arial" panose="020B0604020202020204" pitchFamily="34" charset="0"/>
             </a:endParaRPr>
@@ -22289,8 +23253,8 @@
         </p:nvSpPr>
         <p:spPr>
           <a:xfrm>
-            <a:off x="10510382" y="10166648"/>
-            <a:ext cx="1065284" cy="224197"/>
+            <a:off x="13137978" y="12708311"/>
+            <a:ext cx="1331605" cy="280246"/>
           </a:xfrm>
           <a:prstGeom prst="rect">
             <a:avLst/>
@@ -22420,7 +23384,7 @@
           </a:lstStyle>
           <a:p>
             <a:pPr algn="ctr"/>
-            <a:endParaRPr lang="en-US" sz="2400" dirty="0">
+            <a:endParaRPr lang="en-US" sz="3000" dirty="0">
               <a:latin typeface="Arial" panose="020B0604020202020204" pitchFamily="34" charset="0"/>
               <a:cs typeface="Arial" panose="020B0604020202020204" pitchFamily="34" charset="0"/>
             </a:endParaRPr>
@@ -22441,8 +23405,8 @@
         </p:nvSpPr>
         <p:spPr>
           <a:xfrm>
-            <a:off x="10851030" y="9115160"/>
-            <a:ext cx="383988" cy="1051488"/>
+            <a:off x="13563788" y="11393950"/>
+            <a:ext cx="479985" cy="1314360"/>
           </a:xfrm>
           <a:prstGeom prst="rect">
             <a:avLst/>
@@ -22572,7 +23536,7 @@
           </a:lstStyle>
           <a:p>
             <a:pPr algn="ctr"/>
-            <a:endParaRPr lang="en-US" sz="2400" dirty="0">
+            <a:endParaRPr lang="en-US" sz="3000" dirty="0">
               <a:latin typeface="Arial" panose="020B0604020202020204" pitchFamily="34" charset="0"/>
               <a:cs typeface="Arial" panose="020B0604020202020204" pitchFamily="34" charset="0"/>
             </a:endParaRPr>
@@ -22593,8 +23557,8 @@
         </p:nvCxnSpPr>
         <p:spPr>
           <a:xfrm>
-            <a:off x="2547726" y="7655322"/>
-            <a:ext cx="0" cy="2821037"/>
+            <a:off x="3184658" y="9569153"/>
+            <a:ext cx="0" cy="3526296"/>
           </a:xfrm>
           <a:prstGeom prst="straightConnector1">
             <a:avLst/>
@@ -22632,8 +23596,8 @@
         </p:nvSpPr>
         <p:spPr>
           <a:xfrm rot="16200000">
-            <a:off x="1739576" y="8787861"/>
-            <a:ext cx="857410" cy="461665"/>
+            <a:off x="2174470" y="10996368"/>
+            <a:ext cx="1071763" cy="553998"/>
           </a:xfrm>
           <a:prstGeom prst="rect">
             <a:avLst/>
@@ -22741,7 +23705,7 @@
           </a:lstStyle>
           <a:p>
             <a:r>
-              <a:rPr lang="en-US" sz="2400" dirty="0">
+              <a:rPr lang="en-US" sz="3000" dirty="0">
                 <a:latin typeface="Arial" panose="020B0604020202020204" pitchFamily="34" charset="0"/>
                 <a:ea typeface="Yu Gothic" panose="020B0400000000000000" pitchFamily="34" charset="-128"/>
                 <a:cs typeface="Arial" panose="020B0604020202020204" pitchFamily="34" charset="0"/>
@@ -22765,8 +23729,8 @@
         </p:nvSpPr>
         <p:spPr>
           <a:xfrm>
-            <a:off x="1080036" y="7555842"/>
-            <a:ext cx="1467690" cy="461665"/>
+            <a:off x="1350045" y="9444803"/>
+            <a:ext cx="1834613" cy="553998"/>
           </a:xfrm>
           <a:prstGeom prst="rect">
             <a:avLst/>
@@ -22874,7 +23838,7 @@
           </a:lstStyle>
           <a:p>
             <a:r>
-              <a:rPr lang="en-US" sz="2400" dirty="0">
+              <a:rPr lang="en-US" sz="3000" dirty="0">
                 <a:latin typeface="Arial" panose="020B0604020202020204" pitchFamily="34" charset="0"/>
                 <a:ea typeface="Yu Gothic" panose="020B0400000000000000" pitchFamily="34" charset="-128"/>
                 <a:cs typeface="Arial" panose="020B0604020202020204" pitchFamily="34" charset="0"/>
@@ -22898,8 +23862,8 @@
         </p:nvSpPr>
         <p:spPr>
           <a:xfrm>
-            <a:off x="1081813" y="10039661"/>
-            <a:ext cx="1331811" cy="461665"/>
+            <a:off x="1352267" y="12549577"/>
+            <a:ext cx="1664764" cy="553998"/>
           </a:xfrm>
           <a:prstGeom prst="rect">
             <a:avLst/>
@@ -23007,7 +23971,7 @@
           </a:lstStyle>
           <a:p>
             <a:r>
-              <a:rPr lang="en-US" sz="2400" dirty="0">
+              <a:rPr lang="en-US" sz="3000" dirty="0">
                 <a:latin typeface="Arial" panose="020B0604020202020204" pitchFamily="34" charset="0"/>
                 <a:ea typeface="Yu Gothic" panose="020B0400000000000000" pitchFamily="34" charset="-128"/>
                 <a:cs typeface="Arial" panose="020B0604020202020204" pitchFamily="34" charset="0"/>
@@ -23075,8 +24039,8 @@
         </p:blipFill>
         <p:spPr>
           <a:xfrm>
-            <a:off x="0" y="5029200"/>
-            <a:ext cx="18288000" cy="8229599"/>
+            <a:off x="0" y="6286501"/>
+            <a:ext cx="22860000" cy="10286999"/>
           </a:xfrm>
           <a:prstGeom prst="rect">
             <a:avLst/>
@@ -23097,8 +24061,8 @@
         </p:nvSpPr>
         <p:spPr>
           <a:xfrm>
-            <a:off x="0" y="5029200"/>
-            <a:ext cx="570122" cy="461665"/>
+            <a:off x="0" y="6286500"/>
+            <a:ext cx="712653" cy="553998"/>
           </a:xfrm>
           <a:prstGeom prst="rect">
             <a:avLst/>
@@ -23112,7 +24076,7 @@
           <a:lstStyle/>
           <a:p>
             <a:r>
-              <a:rPr lang="en-US" sz="2400" b="1" dirty="0">
+              <a:rPr lang="en-US" sz="3000" b="1" dirty="0">
                 <a:latin typeface="Arial" panose="020B0604020202020204" pitchFamily="34" charset="0"/>
                 <a:ea typeface="Yu Gothic" panose="020B0400000000000000" pitchFamily="34" charset="-128"/>
                 <a:cs typeface="Arial" panose="020B0604020202020204" pitchFamily="34" charset="0"/>
@@ -23136,8 +24100,8 @@
         </p:nvSpPr>
         <p:spPr>
           <a:xfrm>
-            <a:off x="0" y="8913167"/>
-            <a:ext cx="570122" cy="461665"/>
+            <a:off x="0" y="11141459"/>
+            <a:ext cx="712653" cy="553998"/>
           </a:xfrm>
           <a:prstGeom prst="rect">
             <a:avLst/>
@@ -23151,7 +24115,7 @@
           <a:lstStyle/>
           <a:p>
             <a:r>
-              <a:rPr lang="en-US" sz="2400" b="1" dirty="0">
+              <a:rPr lang="en-US" sz="3000" b="1" dirty="0">
                 <a:latin typeface="Arial" panose="020B0604020202020204" pitchFamily="34" charset="0"/>
                 <a:ea typeface="Yu Gothic" panose="020B0400000000000000" pitchFamily="34" charset="-128"/>
                 <a:cs typeface="Arial" panose="020B0604020202020204" pitchFamily="34" charset="0"/>
@@ -23175,8 +24139,8 @@
         </p:nvSpPr>
         <p:spPr>
           <a:xfrm>
-            <a:off x="4229100" y="8913167"/>
-            <a:ext cx="570122" cy="461665"/>
+            <a:off x="5286375" y="11141459"/>
+            <a:ext cx="712653" cy="553998"/>
           </a:xfrm>
           <a:prstGeom prst="rect">
             <a:avLst/>
@@ -23190,7 +24154,7 @@
           <a:lstStyle/>
           <a:p>
             <a:r>
-              <a:rPr lang="en-US" sz="2400" b="1" dirty="0">
+              <a:rPr lang="en-US" sz="3000" b="1" dirty="0">
                 <a:latin typeface="Arial" panose="020B0604020202020204" pitchFamily="34" charset="0"/>
                 <a:ea typeface="Yu Gothic" panose="020B0400000000000000" pitchFamily="34" charset="-128"/>
                 <a:cs typeface="Arial" panose="020B0604020202020204" pitchFamily="34" charset="0"/>
@@ -23214,8 +24178,8 @@
         </p:nvSpPr>
         <p:spPr>
           <a:xfrm>
-            <a:off x="4229100" y="5029199"/>
-            <a:ext cx="570122" cy="461665"/>
+            <a:off x="5286375" y="6286499"/>
+            <a:ext cx="712653" cy="553998"/>
           </a:xfrm>
           <a:prstGeom prst="rect">
             <a:avLst/>
@@ -23229,7 +24193,7 @@
           <a:lstStyle/>
           <a:p>
             <a:r>
-              <a:rPr lang="en-US" sz="2400" b="1" dirty="0">
+              <a:rPr lang="en-US" sz="3000" b="1" dirty="0">
                 <a:latin typeface="Arial" panose="020B0604020202020204" pitchFamily="34" charset="0"/>
                 <a:ea typeface="Yu Gothic" panose="020B0400000000000000" pitchFamily="34" charset="-128"/>
                 <a:cs typeface="Arial" panose="020B0604020202020204" pitchFamily="34" charset="0"/>
@@ -23253,8 +24217,8 @@
         </p:nvSpPr>
         <p:spPr>
           <a:xfrm>
-            <a:off x="8173139" y="5029199"/>
-            <a:ext cx="570122" cy="461665"/>
+            <a:off x="10216424" y="6286499"/>
+            <a:ext cx="712653" cy="553998"/>
           </a:xfrm>
           <a:prstGeom prst="rect">
             <a:avLst/>
@@ -23268,7 +24232,7 @@
           <a:lstStyle/>
           <a:p>
             <a:r>
-              <a:rPr lang="en-US" sz="2400" b="1" dirty="0">
+              <a:rPr lang="en-US" sz="3000" b="1" dirty="0">
                 <a:latin typeface="Arial" panose="020B0604020202020204" pitchFamily="34" charset="0"/>
                 <a:ea typeface="Yu Gothic" panose="020B0400000000000000" pitchFamily="34" charset="-128"/>
                 <a:cs typeface="Arial" panose="020B0604020202020204" pitchFamily="34" charset="0"/>
@@ -23335,8 +24299,8 @@
         </p:blipFill>
         <p:spPr>
           <a:xfrm>
-            <a:off x="0" y="5029200"/>
-            <a:ext cx="3836020" cy="4114799"/>
+            <a:off x="0" y="6286501"/>
+            <a:ext cx="4795025" cy="5143499"/>
           </a:xfrm>
           <a:prstGeom prst="rect">
             <a:avLst/>
@@ -23387,10 +24351,10 @@
         </p:nvGrpSpPr>
         <p:grpSpPr>
           <a:xfrm>
-            <a:off x="794324" y="5001139"/>
-            <a:ext cx="16007777" cy="6506588"/>
-            <a:chOff x="529549" y="667092"/>
-            <a:chExt cx="10671851" cy="4337725"/>
+            <a:off x="1004480" y="6251425"/>
+            <a:ext cx="19998147" cy="8110086"/>
+            <a:chOff x="535722" y="667092"/>
+            <a:chExt cx="10665678" cy="4325379"/>
           </a:xfrm>
         </p:grpSpPr>
         <p:sp>
@@ -23408,25 +24372,25 @@
           <p:spPr>
             <a:xfrm>
               <a:off x="1697135" y="1462065"/>
-              <a:ext cx="4261962" cy="355867"/>
+              <a:ext cx="4261962" cy="355901"/>
             </a:xfrm>
             <a:prstGeom prst="rect">
               <a:avLst/>
             </a:prstGeom>
           </p:spPr>
           <p:txBody>
-            <a:bodyPr vert="horz" wrap="square" lIns="0" tIns="14288" rIns="0" bIns="0" rtlCol="0">
+            <a:bodyPr vert="horz" wrap="square" lIns="0" tIns="17860" rIns="0" bIns="0" rtlCol="0">
               <a:spAutoFit/>
             </a:bodyPr>
             <a:lstStyle/>
             <a:p>
-              <a:pPr marL="14288">
+              <a:pPr marL="17860">
                 <a:spcBef>
-                  <a:spcPts val="113"/>
+                  <a:spcPts val="141"/>
                 </a:spcBef>
               </a:pPr>
               <a:r>
-                <a:rPr sz="3375" b="1" spc="-6" dirty="0">
+                <a:rPr sz="4219" b="1" spc="-8" dirty="0">
                   <a:latin typeface="Yu Gothic" panose="020B0400000000000000" pitchFamily="34" charset="-128"/>
                   <a:ea typeface="Yu Gothic" panose="020B0400000000000000" pitchFamily="34" charset="-128"/>
                   <a:cs typeface="Arial"/>
@@ -23434,7 +24398,7 @@
                 <a:t>Site </a:t>
               </a:r>
               <a:r>
-                <a:rPr sz="3375" b="1" spc="-23" dirty="0">
+                <a:rPr sz="4219" b="1" spc="-29" dirty="0">
                   <a:latin typeface="Yu Gothic" panose="020B0400000000000000" pitchFamily="34" charset="-128"/>
                   <a:ea typeface="Yu Gothic" panose="020B0400000000000000" pitchFamily="34" charset="-128"/>
                   <a:cs typeface="Arial"/>
@@ -23442,7 +24406,7 @@
                 <a:t>Frequency</a:t>
               </a:r>
               <a:r>
-                <a:rPr sz="3375" b="1" spc="-45" dirty="0">
+                <a:rPr sz="4219" b="1" spc="-56" dirty="0">
                   <a:latin typeface="Yu Gothic" panose="020B0400000000000000" pitchFamily="34" charset="-128"/>
                   <a:ea typeface="Yu Gothic" panose="020B0400000000000000" pitchFamily="34" charset="-128"/>
                   <a:cs typeface="Arial"/>
@@ -23450,14 +24414,14 @@
                 <a:t> </a:t>
               </a:r>
               <a:r>
-                <a:rPr sz="3375" b="1" spc="23" dirty="0">
+                <a:rPr sz="4219" b="1" spc="29" dirty="0">
                   <a:latin typeface="Yu Gothic" panose="020B0400000000000000" pitchFamily="34" charset="-128"/>
                   <a:ea typeface="Yu Gothic" panose="020B0400000000000000" pitchFamily="34" charset="-128"/>
                   <a:cs typeface="Arial"/>
                 </a:rPr>
                 <a:t>Spectra</a:t>
               </a:r>
-              <a:endParaRPr sz="3375" dirty="0">
+              <a:endParaRPr sz="4219" dirty="0">
                 <a:latin typeface="Yu Gothic" panose="020B0400000000000000" pitchFamily="34" charset="-128"/>
                 <a:ea typeface="Yu Gothic" panose="020B0400000000000000" pitchFamily="34" charset="-128"/>
                 <a:cs typeface="Arial"/>
@@ -23509,7 +24473,7 @@
             <a:bodyPr wrap="square" lIns="0" tIns="0" rIns="0" bIns="0" rtlCol="0"/>
             <a:lstStyle/>
             <a:p>
-              <a:endParaRPr sz="2025" dirty="0">
+              <a:endParaRPr sz="2531" dirty="0">
                 <a:latin typeface="Yu Gothic" panose="020B0400000000000000" pitchFamily="34" charset="-128"/>
                 <a:ea typeface="Yu Gothic" panose="020B0400000000000000" pitchFamily="34" charset="-128"/>
               </a:endParaRPr>
@@ -23560,7 +24524,7 @@
             <a:bodyPr wrap="square" lIns="0" tIns="0" rIns="0" bIns="0" rtlCol="0"/>
             <a:lstStyle/>
             <a:p>
-              <a:endParaRPr sz="2025" dirty="0">
+              <a:endParaRPr sz="2531" dirty="0">
                 <a:latin typeface="Yu Gothic" panose="020B0400000000000000" pitchFamily="34" charset="-128"/>
                 <a:ea typeface="Yu Gothic" panose="020B0400000000000000" pitchFamily="34" charset="-128"/>
               </a:endParaRPr>
@@ -23611,7 +24575,7 @@
             <a:bodyPr wrap="square" lIns="0" tIns="0" rIns="0" bIns="0" rtlCol="0"/>
             <a:lstStyle/>
             <a:p>
-              <a:endParaRPr sz="2025" dirty="0">
+              <a:endParaRPr sz="2531" dirty="0">
                 <a:latin typeface="Yu Gothic" panose="020B0400000000000000" pitchFamily="34" charset="-128"/>
                 <a:ea typeface="Yu Gothic" panose="020B0400000000000000" pitchFamily="34" charset="-128"/>
               </a:endParaRPr>
@@ -23662,7 +24626,7 @@
             <a:bodyPr wrap="square" lIns="0" tIns="0" rIns="0" bIns="0" rtlCol="0"/>
             <a:lstStyle/>
             <a:p>
-              <a:endParaRPr sz="2025" dirty="0">
+              <a:endParaRPr sz="2531" dirty="0">
                 <a:latin typeface="Yu Gothic" panose="020B0400000000000000" pitchFamily="34" charset="-128"/>
                 <a:ea typeface="Yu Gothic" panose="020B0400000000000000" pitchFamily="34" charset="-128"/>
               </a:endParaRPr>
@@ -23713,7 +24677,7 @@
             <a:bodyPr wrap="square" lIns="0" tIns="0" rIns="0" bIns="0" rtlCol="0"/>
             <a:lstStyle/>
             <a:p>
-              <a:endParaRPr sz="2025" dirty="0">
+              <a:endParaRPr sz="2531" dirty="0">
                 <a:latin typeface="Yu Gothic" panose="020B0400000000000000" pitchFamily="34" charset="-128"/>
                 <a:ea typeface="Yu Gothic" panose="020B0400000000000000" pitchFamily="34" charset="-128"/>
               </a:endParaRPr>
@@ -23764,7 +24728,7 @@
             <a:bodyPr wrap="square" lIns="0" tIns="0" rIns="0" bIns="0" rtlCol="0"/>
             <a:lstStyle/>
             <a:p>
-              <a:endParaRPr sz="2025" dirty="0">
+              <a:endParaRPr sz="2531" dirty="0">
                 <a:latin typeface="Yu Gothic" panose="020B0400000000000000" pitchFamily="34" charset="-128"/>
                 <a:ea typeface="Yu Gothic" panose="020B0400000000000000" pitchFamily="34" charset="-128"/>
               </a:endParaRPr>
@@ -23815,7 +24779,7 @@
             <a:bodyPr wrap="square" lIns="0" tIns="0" rIns="0" bIns="0" rtlCol="0"/>
             <a:lstStyle/>
             <a:p>
-              <a:endParaRPr sz="2025" dirty="0">
+              <a:endParaRPr sz="2531" dirty="0">
                 <a:latin typeface="Yu Gothic" panose="020B0400000000000000" pitchFamily="34" charset="-128"/>
                 <a:ea typeface="Yu Gothic" panose="020B0400000000000000" pitchFamily="34" charset="-128"/>
               </a:endParaRPr>
@@ -23866,7 +24830,7 @@
             <a:bodyPr wrap="square" lIns="0" tIns="0" rIns="0" bIns="0" rtlCol="0"/>
             <a:lstStyle/>
             <a:p>
-              <a:endParaRPr sz="2025" dirty="0">
+              <a:endParaRPr sz="2531" dirty="0">
                 <a:latin typeface="Yu Gothic" panose="020B0400000000000000" pitchFamily="34" charset="-128"/>
                 <a:ea typeface="Yu Gothic" panose="020B0400000000000000" pitchFamily="34" charset="-128"/>
               </a:endParaRPr>
@@ -23917,7 +24881,7 @@
             <a:bodyPr wrap="square" lIns="0" tIns="0" rIns="0" bIns="0" rtlCol="0"/>
             <a:lstStyle/>
             <a:p>
-              <a:endParaRPr sz="2025" dirty="0">
+              <a:endParaRPr sz="2531" dirty="0">
                 <a:latin typeface="Yu Gothic" panose="020B0400000000000000" pitchFamily="34" charset="-128"/>
                 <a:ea typeface="Yu Gothic" panose="020B0400000000000000" pitchFamily="34" charset="-128"/>
               </a:endParaRPr>
@@ -23968,7 +24932,7 @@
             <a:bodyPr wrap="square" lIns="0" tIns="0" rIns="0" bIns="0" rtlCol="0"/>
             <a:lstStyle/>
             <a:p>
-              <a:endParaRPr sz="2025" dirty="0">
+              <a:endParaRPr sz="2531" dirty="0">
                 <a:latin typeface="Yu Gothic" panose="020B0400000000000000" pitchFamily="34" charset="-128"/>
                 <a:ea typeface="Yu Gothic" panose="020B0400000000000000" pitchFamily="34" charset="-128"/>
               </a:endParaRPr>
@@ -24019,7 +24983,7 @@
             <a:bodyPr wrap="square" lIns="0" tIns="0" rIns="0" bIns="0" rtlCol="0"/>
             <a:lstStyle/>
             <a:p>
-              <a:endParaRPr sz="2025" dirty="0">
+              <a:endParaRPr sz="2531" dirty="0">
                 <a:latin typeface="Yu Gothic" panose="020B0400000000000000" pitchFamily="34" charset="-128"/>
                 <a:ea typeface="Yu Gothic" panose="020B0400000000000000" pitchFamily="34" charset="-128"/>
               </a:endParaRPr>
@@ -24070,7 +25034,7 @@
             <a:bodyPr wrap="square" lIns="0" tIns="0" rIns="0" bIns="0" rtlCol="0"/>
             <a:lstStyle/>
             <a:p>
-              <a:endParaRPr sz="2025" dirty="0">
+              <a:endParaRPr sz="2531" dirty="0">
                 <a:latin typeface="Yu Gothic" panose="020B0400000000000000" pitchFamily="34" charset="-128"/>
                 <a:ea typeface="Yu Gothic" panose="020B0400000000000000" pitchFamily="34" charset="-128"/>
               </a:endParaRPr>
@@ -24121,7 +25085,7 @@
             <a:bodyPr wrap="square" lIns="0" tIns="0" rIns="0" bIns="0" rtlCol="0"/>
             <a:lstStyle/>
             <a:p>
-              <a:endParaRPr sz="2025" dirty="0">
+              <a:endParaRPr sz="2531" dirty="0">
                 <a:latin typeface="Yu Gothic" panose="020B0400000000000000" pitchFamily="34" charset="-128"/>
                 <a:ea typeface="Yu Gothic" panose="020B0400000000000000" pitchFamily="34" charset="-128"/>
               </a:endParaRPr>
@@ -24172,7 +25136,7 @@
             <a:bodyPr wrap="square" lIns="0" tIns="0" rIns="0" bIns="0" rtlCol="0"/>
             <a:lstStyle/>
             <a:p>
-              <a:endParaRPr sz="2025" dirty="0">
+              <a:endParaRPr sz="2531" dirty="0">
                 <a:latin typeface="Yu Gothic" panose="020B0400000000000000" pitchFamily="34" charset="-128"/>
                 <a:ea typeface="Yu Gothic" panose="020B0400000000000000" pitchFamily="34" charset="-128"/>
               </a:endParaRPr>
@@ -24194,32 +25158,32 @@
           <p:spPr>
             <a:xfrm>
               <a:off x="992286" y="4416425"/>
-              <a:ext cx="300037" cy="125035"/>
+              <a:ext cx="300037" cy="125001"/>
             </a:xfrm>
             <a:prstGeom prst="rect">
               <a:avLst/>
             </a:prstGeom>
           </p:spPr>
           <p:txBody>
-            <a:bodyPr vert="horz" wrap="square" lIns="0" tIns="14288" rIns="0" bIns="0" rtlCol="0">
+            <a:bodyPr vert="horz" wrap="square" lIns="0" tIns="17860" rIns="0" bIns="0" rtlCol="0">
               <a:spAutoFit/>
             </a:bodyPr>
             <a:lstStyle/>
             <a:p>
-              <a:pPr marL="14288">
+              <a:pPr marL="17860">
                 <a:spcBef>
-                  <a:spcPts val="113"/>
+                  <a:spcPts val="141"/>
                 </a:spcBef>
               </a:pPr>
               <a:r>
-                <a:rPr sz="1125" spc="23" dirty="0">
+                <a:rPr sz="1406" spc="29" dirty="0">
                   <a:latin typeface="Yu Gothic" panose="020B0400000000000000" pitchFamily="34" charset="-128"/>
                   <a:ea typeface="Yu Gothic" panose="020B0400000000000000" pitchFamily="34" charset="-128"/>
                   <a:cs typeface="Arial"/>
                 </a:rPr>
                 <a:t>0.00%</a:t>
               </a:r>
-              <a:endParaRPr sz="1125" dirty="0">
+              <a:endParaRPr sz="1406" dirty="0">
                 <a:latin typeface="Yu Gothic" panose="020B0400000000000000" pitchFamily="34" charset="-128"/>
                 <a:ea typeface="Yu Gothic" panose="020B0400000000000000" pitchFamily="34" charset="-128"/>
                 <a:cs typeface="Arial"/>
@@ -24242,32 +25206,32 @@
           <p:spPr>
             <a:xfrm>
               <a:off x="992286" y="3787774"/>
-              <a:ext cx="300037" cy="125035"/>
+              <a:ext cx="300037" cy="125001"/>
             </a:xfrm>
             <a:prstGeom prst="rect">
               <a:avLst/>
             </a:prstGeom>
           </p:spPr>
           <p:txBody>
-            <a:bodyPr vert="horz" wrap="square" lIns="0" tIns="14288" rIns="0" bIns="0" rtlCol="0">
+            <a:bodyPr vert="horz" wrap="square" lIns="0" tIns="17860" rIns="0" bIns="0" rtlCol="0">
               <a:spAutoFit/>
             </a:bodyPr>
             <a:lstStyle/>
             <a:p>
-              <a:pPr marL="14288">
+              <a:pPr marL="17860">
                 <a:spcBef>
-                  <a:spcPts val="113"/>
+                  <a:spcPts val="141"/>
                 </a:spcBef>
               </a:pPr>
               <a:r>
-                <a:rPr sz="1125" spc="23" dirty="0">
+                <a:rPr sz="1406" spc="29" dirty="0">
                   <a:latin typeface="Yu Gothic" panose="020B0400000000000000" pitchFamily="34" charset="-128"/>
                   <a:ea typeface="Yu Gothic" panose="020B0400000000000000" pitchFamily="34" charset="-128"/>
                   <a:cs typeface="Arial"/>
                 </a:rPr>
                 <a:t>7.50%</a:t>
               </a:r>
-              <a:endParaRPr sz="1125" dirty="0">
+              <a:endParaRPr sz="1406" dirty="0">
                 <a:latin typeface="Yu Gothic" panose="020B0400000000000000" pitchFamily="34" charset="-128"/>
                 <a:ea typeface="Yu Gothic" panose="020B0400000000000000" pitchFamily="34" charset="-128"/>
                 <a:cs typeface="Arial"/>
@@ -24290,32 +25254,32 @@
           <p:spPr>
             <a:xfrm>
               <a:off x="935136" y="3159125"/>
-              <a:ext cx="352900" cy="125035"/>
+              <a:ext cx="352900" cy="125001"/>
             </a:xfrm>
             <a:prstGeom prst="rect">
               <a:avLst/>
             </a:prstGeom>
           </p:spPr>
           <p:txBody>
-            <a:bodyPr vert="horz" wrap="square" lIns="0" tIns="14288" rIns="0" bIns="0" rtlCol="0">
+            <a:bodyPr vert="horz" wrap="square" lIns="0" tIns="17860" rIns="0" bIns="0" rtlCol="0">
               <a:spAutoFit/>
             </a:bodyPr>
             <a:lstStyle/>
             <a:p>
-              <a:pPr marL="14288">
+              <a:pPr marL="17860">
                 <a:spcBef>
-                  <a:spcPts val="113"/>
+                  <a:spcPts val="141"/>
                 </a:spcBef>
               </a:pPr>
               <a:r>
-                <a:rPr sz="1125" spc="18" dirty="0">
+                <a:rPr sz="1406" spc="23" dirty="0">
                   <a:latin typeface="Yu Gothic" panose="020B0400000000000000" pitchFamily="34" charset="-128"/>
                   <a:ea typeface="Yu Gothic" panose="020B0400000000000000" pitchFamily="34" charset="-128"/>
                   <a:cs typeface="Arial"/>
                 </a:rPr>
                 <a:t>15.00%</a:t>
               </a:r>
-              <a:endParaRPr sz="1125" dirty="0">
+              <a:endParaRPr sz="1406" dirty="0">
                 <a:latin typeface="Yu Gothic" panose="020B0400000000000000" pitchFamily="34" charset="-128"/>
                 <a:ea typeface="Yu Gothic" panose="020B0400000000000000" pitchFamily="34" charset="-128"/>
                 <a:cs typeface="Arial"/>
@@ -24338,32 +25302,32 @@
           <p:spPr>
             <a:xfrm>
               <a:off x="935136" y="2530475"/>
-              <a:ext cx="352900" cy="125035"/>
+              <a:ext cx="352900" cy="125001"/>
             </a:xfrm>
             <a:prstGeom prst="rect">
               <a:avLst/>
             </a:prstGeom>
           </p:spPr>
           <p:txBody>
-            <a:bodyPr vert="horz" wrap="square" lIns="0" tIns="14288" rIns="0" bIns="0" rtlCol="0">
+            <a:bodyPr vert="horz" wrap="square" lIns="0" tIns="17860" rIns="0" bIns="0" rtlCol="0">
               <a:spAutoFit/>
             </a:bodyPr>
             <a:lstStyle/>
             <a:p>
-              <a:pPr marL="14288">
+              <a:pPr marL="17860">
                 <a:spcBef>
-                  <a:spcPts val="113"/>
+                  <a:spcPts val="141"/>
                 </a:spcBef>
               </a:pPr>
               <a:r>
-                <a:rPr sz="1125" spc="18" dirty="0">
+                <a:rPr sz="1406" spc="23" dirty="0">
                   <a:latin typeface="Yu Gothic" panose="020B0400000000000000" pitchFamily="34" charset="-128"/>
                   <a:ea typeface="Yu Gothic" panose="020B0400000000000000" pitchFamily="34" charset="-128"/>
                   <a:cs typeface="Arial"/>
                 </a:rPr>
                 <a:t>22.50%</a:t>
               </a:r>
-              <a:endParaRPr sz="1125" dirty="0">
+              <a:endParaRPr sz="1406" dirty="0">
                 <a:latin typeface="Yu Gothic" panose="020B0400000000000000" pitchFamily="34" charset="-128"/>
                 <a:ea typeface="Yu Gothic" panose="020B0400000000000000" pitchFamily="34" charset="-128"/>
                 <a:cs typeface="Arial"/>
@@ -24386,32 +25350,32 @@
           <p:spPr>
             <a:xfrm>
               <a:off x="935136" y="1911350"/>
-              <a:ext cx="352900" cy="125035"/>
+              <a:ext cx="352900" cy="125001"/>
             </a:xfrm>
             <a:prstGeom prst="rect">
               <a:avLst/>
             </a:prstGeom>
           </p:spPr>
           <p:txBody>
-            <a:bodyPr vert="horz" wrap="square" lIns="0" tIns="14288" rIns="0" bIns="0" rtlCol="0">
+            <a:bodyPr vert="horz" wrap="square" lIns="0" tIns="17860" rIns="0" bIns="0" rtlCol="0">
               <a:spAutoFit/>
             </a:bodyPr>
             <a:lstStyle/>
             <a:p>
-              <a:pPr marL="14288">
+              <a:pPr marL="17860">
                 <a:spcBef>
-                  <a:spcPts val="113"/>
+                  <a:spcPts val="141"/>
                 </a:spcBef>
               </a:pPr>
               <a:r>
-                <a:rPr sz="1125" spc="18" dirty="0">
+                <a:rPr sz="1406" spc="23" dirty="0">
                   <a:latin typeface="Yu Gothic" panose="020B0400000000000000" pitchFamily="34" charset="-128"/>
                   <a:ea typeface="Yu Gothic" panose="020B0400000000000000" pitchFamily="34" charset="-128"/>
                   <a:cs typeface="Arial"/>
                 </a:rPr>
                 <a:t>30.00%</a:t>
               </a:r>
-              <a:endParaRPr sz="1125" dirty="0">
+              <a:endParaRPr sz="1406" dirty="0">
                 <a:latin typeface="Yu Gothic" panose="020B0400000000000000" pitchFamily="34" charset="-128"/>
                 <a:ea typeface="Yu Gothic" panose="020B0400000000000000" pitchFamily="34" charset="-128"/>
                 <a:cs typeface="Arial"/>
@@ -24463,7 +25427,7 @@
             <a:bodyPr wrap="square" lIns="0" tIns="0" rIns="0" bIns="0" rtlCol="0"/>
             <a:lstStyle/>
             <a:p>
-              <a:endParaRPr sz="2025" dirty="0">
+              <a:endParaRPr sz="2531" dirty="0">
                 <a:latin typeface="Yu Gothic" panose="020B0400000000000000" pitchFamily="34" charset="-128"/>
                 <a:ea typeface="Yu Gothic" panose="020B0400000000000000" pitchFamily="34" charset="-128"/>
               </a:endParaRPr>
@@ -24492,25 +25456,25 @@
             </a:prstGeom>
           </p:spPr>
           <p:txBody>
-            <a:bodyPr vert="horz" wrap="square" lIns="0" tIns="14288" rIns="0" bIns="0" rtlCol="0">
+            <a:bodyPr vert="horz" wrap="square" lIns="0" tIns="17860" rIns="0" bIns="0" rtlCol="0">
               <a:spAutoFit/>
             </a:bodyPr>
             <a:lstStyle/>
             <a:p>
-              <a:pPr marL="14288">
+              <a:pPr marL="17860">
                 <a:spcBef>
-                  <a:spcPts val="113"/>
+                  <a:spcPts val="141"/>
                 </a:spcBef>
               </a:pPr>
               <a:r>
-                <a:rPr sz="1800" spc="-6" dirty="0">
+                <a:rPr spc="-8" dirty="0">
                   <a:latin typeface="Yu Gothic" panose="020B0400000000000000" pitchFamily="34" charset="-128"/>
                   <a:ea typeface="Yu Gothic" panose="020B0400000000000000" pitchFamily="34" charset="-128"/>
                   <a:cs typeface="Arial"/>
                 </a:rPr>
                 <a:t>5</a:t>
               </a:r>
-              <a:endParaRPr sz="1800" dirty="0">
+              <a:endParaRPr dirty="0">
                 <a:latin typeface="Yu Gothic" panose="020B0400000000000000" pitchFamily="34" charset="-128"/>
                 <a:ea typeface="Yu Gothic" panose="020B0400000000000000" pitchFamily="34" charset="-128"/>
                 <a:cs typeface="Arial"/>
@@ -24540,25 +25504,25 @@
             </a:prstGeom>
           </p:spPr>
           <p:txBody>
-            <a:bodyPr vert="horz" wrap="square" lIns="0" tIns="14288" rIns="0" bIns="0" rtlCol="0">
+            <a:bodyPr vert="horz" wrap="square" lIns="0" tIns="17860" rIns="0" bIns="0" rtlCol="0">
               <a:spAutoFit/>
             </a:bodyPr>
             <a:lstStyle/>
             <a:p>
-              <a:pPr marL="14288">
+              <a:pPr marL="17860">
                 <a:spcBef>
-                  <a:spcPts val="113"/>
+                  <a:spcPts val="141"/>
                 </a:spcBef>
               </a:pPr>
               <a:r>
-                <a:rPr sz="1800" spc="-6" dirty="0">
+                <a:rPr spc="-8" dirty="0">
                   <a:latin typeface="Yu Gothic" panose="020B0400000000000000" pitchFamily="34" charset="-128"/>
                   <a:ea typeface="Yu Gothic" panose="020B0400000000000000" pitchFamily="34" charset="-128"/>
                   <a:cs typeface="Arial"/>
                 </a:rPr>
                 <a:t>6</a:t>
               </a:r>
-              <a:endParaRPr sz="1800" dirty="0">
+              <a:endParaRPr dirty="0">
                 <a:latin typeface="Yu Gothic" panose="020B0400000000000000" pitchFamily="34" charset="-128"/>
                 <a:ea typeface="Yu Gothic" panose="020B0400000000000000" pitchFamily="34" charset="-128"/>
                 <a:cs typeface="Arial"/>
@@ -24588,25 +25552,25 @@
             </a:prstGeom>
           </p:spPr>
           <p:txBody>
-            <a:bodyPr vert="horz" wrap="square" lIns="0" tIns="14288" rIns="0" bIns="0" rtlCol="0">
+            <a:bodyPr vert="horz" wrap="square" lIns="0" tIns="17860" rIns="0" bIns="0" rtlCol="0">
               <a:spAutoFit/>
             </a:bodyPr>
             <a:lstStyle/>
             <a:p>
-              <a:pPr marL="14288">
+              <a:pPr marL="17860">
                 <a:spcBef>
-                  <a:spcPts val="113"/>
+                  <a:spcPts val="141"/>
                 </a:spcBef>
               </a:pPr>
               <a:r>
-                <a:rPr sz="1800" spc="-6" dirty="0">
+                <a:rPr spc="-8" dirty="0">
                   <a:latin typeface="Yu Gothic" panose="020B0400000000000000" pitchFamily="34" charset="-128"/>
                   <a:ea typeface="Yu Gothic" panose="020B0400000000000000" pitchFamily="34" charset="-128"/>
                   <a:cs typeface="Arial"/>
                 </a:rPr>
                 <a:t>7</a:t>
               </a:r>
-              <a:endParaRPr sz="1800" dirty="0">
+              <a:endParaRPr dirty="0">
                 <a:latin typeface="Yu Gothic" panose="020B0400000000000000" pitchFamily="34" charset="-128"/>
                 <a:ea typeface="Yu Gothic" panose="020B0400000000000000" pitchFamily="34" charset="-128"/>
                 <a:cs typeface="Arial"/>
@@ -24636,25 +25600,25 @@
             </a:prstGeom>
           </p:spPr>
           <p:txBody>
-            <a:bodyPr vert="horz" wrap="square" lIns="0" tIns="14288" rIns="0" bIns="0" rtlCol="0">
+            <a:bodyPr vert="horz" wrap="square" lIns="0" tIns="17860" rIns="0" bIns="0" rtlCol="0">
               <a:spAutoFit/>
             </a:bodyPr>
             <a:lstStyle/>
             <a:p>
-              <a:pPr marL="14288">
+              <a:pPr marL="17860">
                 <a:spcBef>
-                  <a:spcPts val="113"/>
+                  <a:spcPts val="141"/>
                 </a:spcBef>
               </a:pPr>
               <a:r>
-                <a:rPr sz="1800" spc="-6" dirty="0">
+                <a:rPr spc="-8" dirty="0">
                   <a:latin typeface="Yu Gothic" panose="020B0400000000000000" pitchFamily="34" charset="-128"/>
                   <a:ea typeface="Yu Gothic" panose="020B0400000000000000" pitchFamily="34" charset="-128"/>
                   <a:cs typeface="Arial"/>
                 </a:rPr>
                 <a:t>8</a:t>
               </a:r>
-              <a:endParaRPr sz="1800" dirty="0">
+              <a:endParaRPr dirty="0">
                 <a:latin typeface="Yu Gothic" panose="020B0400000000000000" pitchFamily="34" charset="-128"/>
                 <a:ea typeface="Yu Gothic" panose="020B0400000000000000" pitchFamily="34" charset="-128"/>
                 <a:cs typeface="Arial"/>
@@ -24714,7 +25678,7 @@
             <a:bodyPr wrap="square" lIns="0" tIns="0" rIns="0" bIns="0" rtlCol="0"/>
             <a:lstStyle/>
             <a:p>
-              <a:endParaRPr sz="2025" dirty="0">
+              <a:endParaRPr sz="2531" dirty="0">
                 <a:latin typeface="Yu Gothic" panose="020B0400000000000000" pitchFamily="34" charset="-128"/>
                 <a:ea typeface="Yu Gothic" panose="020B0400000000000000" pitchFamily="34" charset="-128"/>
               </a:endParaRPr>
@@ -24773,7 +25737,7 @@
             <a:bodyPr wrap="square" lIns="0" tIns="0" rIns="0" bIns="0" rtlCol="0"/>
             <a:lstStyle/>
             <a:p>
-              <a:endParaRPr sz="2025" dirty="0">
+              <a:endParaRPr sz="2531" dirty="0">
                 <a:latin typeface="Yu Gothic" panose="020B0400000000000000" pitchFamily="34" charset="-128"/>
                 <a:ea typeface="Yu Gothic" panose="020B0400000000000000" pitchFamily="34" charset="-128"/>
               </a:endParaRPr>
@@ -24832,7 +25796,7 @@
             <a:bodyPr wrap="square" lIns="0" tIns="0" rIns="0" bIns="0" rtlCol="0"/>
             <a:lstStyle/>
             <a:p>
-              <a:endParaRPr sz="2025" dirty="0">
+              <a:endParaRPr sz="2531" dirty="0">
                 <a:latin typeface="Yu Gothic" panose="020B0400000000000000" pitchFamily="34" charset="-128"/>
                 <a:ea typeface="Yu Gothic" panose="020B0400000000000000" pitchFamily="34" charset="-128"/>
               </a:endParaRPr>
@@ -24891,7 +25855,7 @@
             <a:bodyPr wrap="square" lIns="0" tIns="0" rIns="0" bIns="0" rtlCol="0"/>
             <a:lstStyle/>
             <a:p>
-              <a:endParaRPr sz="2025" dirty="0">
+              <a:endParaRPr sz="2531" dirty="0">
                 <a:latin typeface="Yu Gothic" panose="020B0400000000000000" pitchFamily="34" charset="-128"/>
                 <a:ea typeface="Yu Gothic" panose="020B0400000000000000" pitchFamily="34" charset="-128"/>
               </a:endParaRPr>
@@ -24950,7 +25914,7 @@
             <a:bodyPr wrap="square" lIns="0" tIns="0" rIns="0" bIns="0" rtlCol="0"/>
             <a:lstStyle/>
             <a:p>
-              <a:endParaRPr sz="2025" dirty="0">
+              <a:endParaRPr sz="2531" dirty="0">
                 <a:latin typeface="Yu Gothic" panose="020B0400000000000000" pitchFamily="34" charset="-128"/>
                 <a:ea typeface="Yu Gothic" panose="020B0400000000000000" pitchFamily="34" charset="-128"/>
               </a:endParaRPr>
@@ -25009,7 +25973,7 @@
             <a:bodyPr wrap="square" lIns="0" tIns="0" rIns="0" bIns="0" rtlCol="0"/>
             <a:lstStyle/>
             <a:p>
-              <a:endParaRPr sz="2025" dirty="0">
+              <a:endParaRPr sz="2531" dirty="0">
                 <a:latin typeface="Yu Gothic" panose="020B0400000000000000" pitchFamily="34" charset="-128"/>
                 <a:ea typeface="Yu Gothic" panose="020B0400000000000000" pitchFamily="34" charset="-128"/>
               </a:endParaRPr>
@@ -25068,7 +26032,7 @@
             <a:bodyPr wrap="square" lIns="0" tIns="0" rIns="0" bIns="0" rtlCol="0"/>
             <a:lstStyle/>
             <a:p>
-              <a:endParaRPr sz="2025" dirty="0">
+              <a:endParaRPr sz="2531" dirty="0">
                 <a:latin typeface="Yu Gothic" panose="020B0400000000000000" pitchFamily="34" charset="-128"/>
                 <a:ea typeface="Yu Gothic" panose="020B0400000000000000" pitchFamily="34" charset="-128"/>
               </a:endParaRPr>
@@ -25127,7 +26091,7 @@
             <a:bodyPr wrap="square" lIns="0" tIns="0" rIns="0" bIns="0" rtlCol="0"/>
             <a:lstStyle/>
             <a:p>
-              <a:endParaRPr sz="2025" dirty="0">
+              <a:endParaRPr sz="2531" dirty="0">
                 <a:latin typeface="Yu Gothic" panose="020B0400000000000000" pitchFamily="34" charset="-128"/>
                 <a:ea typeface="Yu Gothic" panose="020B0400000000000000" pitchFamily="34" charset="-128"/>
               </a:endParaRPr>
@@ -25149,37 +26113,37 @@
           <p:spPr>
             <a:xfrm>
               <a:off x="1430435" y="4463669"/>
-              <a:ext cx="1853565" cy="261611"/>
+              <a:ext cx="1853565" cy="261612"/>
             </a:xfrm>
             <a:prstGeom prst="rect">
               <a:avLst/>
             </a:prstGeom>
           </p:spPr>
           <p:txBody>
-            <a:bodyPr vert="horz" wrap="square" lIns="0" tIns="114302" rIns="0" bIns="0" rtlCol="0">
+            <a:bodyPr vert="horz" wrap="square" lIns="0" tIns="142878" rIns="0" bIns="0" rtlCol="0">
               <a:spAutoFit/>
             </a:bodyPr>
             <a:lstStyle/>
             <a:p>
-              <a:pPr marL="60722" algn="ctr">
+              <a:pPr marL="75903" algn="ctr">
                 <a:spcBef>
-                  <a:spcPts val="899"/>
+                  <a:spcPts val="1124"/>
                 </a:spcBef>
                 <a:tabLst>
-                  <a:tab pos="803669" algn="l"/>
-                  <a:tab pos="1546614" algn="l"/>
-                  <a:tab pos="2289563" algn="l"/>
+                  <a:tab pos="1004586" algn="l"/>
+                  <a:tab pos="1933268" algn="l"/>
+                  <a:tab pos="2861954" algn="l"/>
                 </a:tabLst>
               </a:pPr>
               <a:r>
-                <a:rPr sz="1800" spc="-6" dirty="0">
+                <a:rPr spc="-8" dirty="0">
                   <a:latin typeface="Yu Gothic" panose="020B0400000000000000" pitchFamily="34" charset="-128"/>
                   <a:ea typeface="Yu Gothic" panose="020B0400000000000000" pitchFamily="34" charset="-128"/>
                   <a:cs typeface="Arial"/>
                 </a:rPr>
                 <a:t>1	2	3	4</a:t>
               </a:r>
-              <a:endParaRPr lang="en-US" sz="1800" spc="-6" dirty="0">
+              <a:endParaRPr lang="en-US" spc="-8" dirty="0">
                 <a:latin typeface="Yu Gothic" panose="020B0400000000000000" pitchFamily="34" charset="-128"/>
                 <a:ea typeface="Yu Gothic" panose="020B0400000000000000" pitchFamily="34" charset="-128"/>
                 <a:cs typeface="Arial"/>
@@ -25201,8 +26165,8 @@
           </p:nvSpPr>
           <p:spPr>
             <a:xfrm>
-              <a:off x="1169176" y="4735512"/>
-              <a:ext cx="4399195" cy="269305"/>
+              <a:off x="1179885" y="4735512"/>
+              <a:ext cx="4377779" cy="256959"/>
             </a:xfrm>
             <a:prstGeom prst="rect">
               <a:avLst/>
@@ -25216,18 +26180,18 @@
             <a:p>
               <a:pPr algn="ctr">
                 <a:spcBef>
-                  <a:spcPts val="990"/>
+                  <a:spcPts val="1238"/>
                 </a:spcBef>
               </a:pPr>
               <a:r>
-                <a:rPr lang="fr-FR" sz="2025" spc="-28" dirty="0">
+                <a:rPr lang="fr-FR" sz="2531" spc="-35" dirty="0">
                   <a:latin typeface="Yu Gothic" panose="020B0400000000000000" pitchFamily="34" charset="-128"/>
                   <a:ea typeface="Yu Gothic" panose="020B0400000000000000" pitchFamily="34" charset="-128"/>
                   <a:cs typeface="Arial"/>
                 </a:rPr>
                 <a:t>Mutation class (Singletons, doubletons, tripletons, etc.)</a:t>
               </a:r>
-              <a:endParaRPr lang="fr-FR" sz="2025" dirty="0">
+              <a:endParaRPr lang="fr-FR" sz="2531" dirty="0">
                 <a:latin typeface="Yu Gothic" panose="020B0400000000000000" pitchFamily="34" charset="-128"/>
                 <a:ea typeface="Yu Gothic" panose="020B0400000000000000" pitchFamily="34" charset="-128"/>
                 <a:cs typeface="Arial"/>
@@ -25249,8 +26213,8 @@
           </p:nvSpPr>
           <p:spPr>
             <a:xfrm rot="16200000">
-              <a:off x="-303969" y="3044798"/>
-              <a:ext cx="1936342" cy="269305"/>
+              <a:off x="-293154" y="3050970"/>
+              <a:ext cx="1914712" cy="256959"/>
             </a:xfrm>
             <a:prstGeom prst="rect">
               <a:avLst/>
@@ -25264,18 +26228,18 @@
             <a:p>
               <a:pPr algn="ctr">
                 <a:spcBef>
-                  <a:spcPts val="990"/>
+                  <a:spcPts val="1238"/>
                 </a:spcBef>
               </a:pPr>
               <a:r>
-                <a:rPr lang="fr-FR" sz="2025" spc="-28" dirty="0">
+                <a:rPr lang="fr-FR" sz="2531" spc="-35" dirty="0">
                   <a:latin typeface="Yu Gothic" panose="020B0400000000000000" pitchFamily="34" charset="-128"/>
                   <a:ea typeface="Yu Gothic" panose="020B0400000000000000" pitchFamily="34" charset="-128"/>
                   <a:cs typeface="Arial"/>
                 </a:rPr>
                 <a:t>Proportional Frequency</a:t>
               </a:r>
-              <a:endParaRPr lang="fr-FR" sz="2025" dirty="0">
+              <a:endParaRPr lang="fr-FR" sz="2531" dirty="0">
                 <a:latin typeface="Yu Gothic" panose="020B0400000000000000" pitchFamily="34" charset="-128"/>
                 <a:ea typeface="Yu Gothic" panose="020B0400000000000000" pitchFamily="34" charset="-128"/>
                 <a:cs typeface="Arial"/>
@@ -25298,25 +26262,25 @@
           <p:spPr>
             <a:xfrm>
               <a:off x="6939438" y="1442634"/>
-              <a:ext cx="4261962" cy="355867"/>
+              <a:ext cx="4261962" cy="355901"/>
             </a:xfrm>
             <a:prstGeom prst="rect">
               <a:avLst/>
             </a:prstGeom>
           </p:spPr>
           <p:txBody>
-            <a:bodyPr vert="horz" wrap="square" lIns="0" tIns="14288" rIns="0" bIns="0" rtlCol="0">
+            <a:bodyPr vert="horz" wrap="square" lIns="0" tIns="17860" rIns="0" bIns="0" rtlCol="0">
               <a:spAutoFit/>
             </a:bodyPr>
             <a:lstStyle/>
             <a:p>
-              <a:pPr marL="14288">
+              <a:pPr marL="17860">
                 <a:spcBef>
-                  <a:spcPts val="113"/>
+                  <a:spcPts val="141"/>
                 </a:spcBef>
               </a:pPr>
               <a:r>
-                <a:rPr sz="3375" b="1" spc="-6" dirty="0">
+                <a:rPr sz="4219" b="1" spc="-8" dirty="0">
                   <a:latin typeface="Yu Gothic" panose="020B0400000000000000" pitchFamily="34" charset="-128"/>
                   <a:ea typeface="Yu Gothic" panose="020B0400000000000000" pitchFamily="34" charset="-128"/>
                   <a:cs typeface="Arial"/>
@@ -25324,7 +26288,7 @@
                 <a:t>Site </a:t>
               </a:r>
               <a:r>
-                <a:rPr sz="3375" b="1" spc="-23" dirty="0">
+                <a:rPr sz="4219" b="1" spc="-29" dirty="0">
                   <a:latin typeface="Yu Gothic" panose="020B0400000000000000" pitchFamily="34" charset="-128"/>
                   <a:ea typeface="Yu Gothic" panose="020B0400000000000000" pitchFamily="34" charset="-128"/>
                   <a:cs typeface="Arial"/>
@@ -25332,7 +26296,7 @@
                 <a:t>Frequency</a:t>
               </a:r>
               <a:r>
-                <a:rPr sz="3375" b="1" spc="-45" dirty="0">
+                <a:rPr sz="4219" b="1" spc="-56" dirty="0">
                   <a:latin typeface="Yu Gothic" panose="020B0400000000000000" pitchFamily="34" charset="-128"/>
                   <a:ea typeface="Yu Gothic" panose="020B0400000000000000" pitchFamily="34" charset="-128"/>
                   <a:cs typeface="Arial"/>
@@ -25340,14 +26304,14 @@
                 <a:t> </a:t>
               </a:r>
               <a:r>
-                <a:rPr sz="3375" b="1" spc="23" dirty="0">
+                <a:rPr sz="4219" b="1" spc="29" dirty="0">
                   <a:latin typeface="Yu Gothic" panose="020B0400000000000000" pitchFamily="34" charset="-128"/>
                   <a:ea typeface="Yu Gothic" panose="020B0400000000000000" pitchFamily="34" charset="-128"/>
                   <a:cs typeface="Arial"/>
                 </a:rPr>
                 <a:t>Spectra</a:t>
               </a:r>
-              <a:endParaRPr sz="3375" dirty="0">
+              <a:endParaRPr sz="4219" dirty="0">
                 <a:latin typeface="Yu Gothic" panose="020B0400000000000000" pitchFamily="34" charset="-128"/>
                 <a:ea typeface="Yu Gothic" panose="020B0400000000000000" pitchFamily="34" charset="-128"/>
                 <a:cs typeface="Arial"/>
@@ -25399,7 +26363,7 @@
             <a:bodyPr wrap="square" lIns="0" tIns="0" rIns="0" bIns="0" rtlCol="0"/>
             <a:lstStyle/>
             <a:p>
-              <a:endParaRPr sz="2025" dirty="0">
+              <a:endParaRPr sz="2531" dirty="0">
                 <a:latin typeface="Yu Gothic" panose="020B0400000000000000" pitchFamily="34" charset="-128"/>
                 <a:ea typeface="Yu Gothic" panose="020B0400000000000000" pitchFamily="34" charset="-128"/>
               </a:endParaRPr>
@@ -25450,7 +26414,7 @@
             <a:bodyPr wrap="square" lIns="0" tIns="0" rIns="0" bIns="0" rtlCol="0"/>
             <a:lstStyle/>
             <a:p>
-              <a:endParaRPr sz="2025" dirty="0">
+              <a:endParaRPr sz="2531" dirty="0">
                 <a:latin typeface="Yu Gothic" panose="020B0400000000000000" pitchFamily="34" charset="-128"/>
                 <a:ea typeface="Yu Gothic" panose="020B0400000000000000" pitchFamily="34" charset="-128"/>
               </a:endParaRPr>
@@ -25501,7 +26465,7 @@
             <a:bodyPr wrap="square" lIns="0" tIns="0" rIns="0" bIns="0" rtlCol="0"/>
             <a:lstStyle/>
             <a:p>
-              <a:endParaRPr sz="2025" dirty="0">
+              <a:endParaRPr sz="2531" dirty="0">
                 <a:latin typeface="Yu Gothic" panose="020B0400000000000000" pitchFamily="34" charset="-128"/>
                 <a:ea typeface="Yu Gothic" panose="020B0400000000000000" pitchFamily="34" charset="-128"/>
               </a:endParaRPr>
@@ -25552,7 +26516,7 @@
             <a:bodyPr wrap="square" lIns="0" tIns="0" rIns="0" bIns="0" rtlCol="0"/>
             <a:lstStyle/>
             <a:p>
-              <a:endParaRPr sz="2025" dirty="0">
+              <a:endParaRPr sz="2531" dirty="0">
                 <a:latin typeface="Yu Gothic" panose="020B0400000000000000" pitchFamily="34" charset="-128"/>
                 <a:ea typeface="Yu Gothic" panose="020B0400000000000000" pitchFamily="34" charset="-128"/>
               </a:endParaRPr>
@@ -25603,7 +26567,7 @@
             <a:bodyPr wrap="square" lIns="0" tIns="0" rIns="0" bIns="0" rtlCol="0"/>
             <a:lstStyle/>
             <a:p>
-              <a:endParaRPr sz="2025" dirty="0">
+              <a:endParaRPr sz="2531" dirty="0">
                 <a:latin typeface="Yu Gothic" panose="020B0400000000000000" pitchFamily="34" charset="-128"/>
                 <a:ea typeface="Yu Gothic" panose="020B0400000000000000" pitchFamily="34" charset="-128"/>
               </a:endParaRPr>
@@ -25654,7 +26618,7 @@
             <a:bodyPr wrap="square" lIns="0" tIns="0" rIns="0" bIns="0" rtlCol="0"/>
             <a:lstStyle/>
             <a:p>
-              <a:endParaRPr sz="2025" dirty="0">
+              <a:endParaRPr sz="2531" dirty="0">
                 <a:latin typeface="Yu Gothic" panose="020B0400000000000000" pitchFamily="34" charset="-128"/>
                 <a:ea typeface="Yu Gothic" panose="020B0400000000000000" pitchFamily="34" charset="-128"/>
               </a:endParaRPr>
@@ -25705,7 +26669,7 @@
             <a:bodyPr wrap="square" lIns="0" tIns="0" rIns="0" bIns="0" rtlCol="0"/>
             <a:lstStyle/>
             <a:p>
-              <a:endParaRPr sz="2025" dirty="0">
+              <a:endParaRPr sz="2531" dirty="0">
                 <a:latin typeface="Yu Gothic" panose="020B0400000000000000" pitchFamily="34" charset="-128"/>
                 <a:ea typeface="Yu Gothic" panose="020B0400000000000000" pitchFamily="34" charset="-128"/>
               </a:endParaRPr>
@@ -25756,7 +26720,7 @@
             <a:bodyPr wrap="square" lIns="0" tIns="0" rIns="0" bIns="0" rtlCol="0"/>
             <a:lstStyle/>
             <a:p>
-              <a:endParaRPr sz="2025" dirty="0">
+              <a:endParaRPr sz="2531" dirty="0">
                 <a:latin typeface="Yu Gothic" panose="020B0400000000000000" pitchFamily="34" charset="-128"/>
                 <a:ea typeface="Yu Gothic" panose="020B0400000000000000" pitchFamily="34" charset="-128"/>
               </a:endParaRPr>
@@ -25807,7 +26771,7 @@
             <a:bodyPr wrap="square" lIns="0" tIns="0" rIns="0" bIns="0" rtlCol="0"/>
             <a:lstStyle/>
             <a:p>
-              <a:endParaRPr sz="2025" dirty="0">
+              <a:endParaRPr sz="2531" dirty="0">
                 <a:latin typeface="Yu Gothic" panose="020B0400000000000000" pitchFamily="34" charset="-128"/>
                 <a:ea typeface="Yu Gothic" panose="020B0400000000000000" pitchFamily="34" charset="-128"/>
               </a:endParaRPr>
@@ -25858,7 +26822,7 @@
             <a:bodyPr wrap="square" lIns="0" tIns="0" rIns="0" bIns="0" rtlCol="0"/>
             <a:lstStyle/>
             <a:p>
-              <a:endParaRPr sz="2025" dirty="0">
+              <a:endParaRPr sz="2531" dirty="0">
                 <a:latin typeface="Yu Gothic" panose="020B0400000000000000" pitchFamily="34" charset="-128"/>
                 <a:ea typeface="Yu Gothic" panose="020B0400000000000000" pitchFamily="34" charset="-128"/>
               </a:endParaRPr>
@@ -25909,7 +26873,7 @@
             <a:bodyPr wrap="square" lIns="0" tIns="0" rIns="0" bIns="0" rtlCol="0"/>
             <a:lstStyle/>
             <a:p>
-              <a:endParaRPr sz="2025" dirty="0">
+              <a:endParaRPr sz="2531" dirty="0">
                 <a:latin typeface="Yu Gothic" panose="020B0400000000000000" pitchFamily="34" charset="-128"/>
                 <a:ea typeface="Yu Gothic" panose="020B0400000000000000" pitchFamily="34" charset="-128"/>
               </a:endParaRPr>
@@ -25960,7 +26924,7 @@
             <a:bodyPr wrap="square" lIns="0" tIns="0" rIns="0" bIns="0" rtlCol="0"/>
             <a:lstStyle/>
             <a:p>
-              <a:endParaRPr sz="2025" dirty="0">
+              <a:endParaRPr sz="2531" dirty="0">
                 <a:latin typeface="Yu Gothic" panose="020B0400000000000000" pitchFamily="34" charset="-128"/>
                 <a:ea typeface="Yu Gothic" panose="020B0400000000000000" pitchFamily="34" charset="-128"/>
               </a:endParaRPr>
@@ -25982,32 +26946,32 @@
           <p:spPr>
             <a:xfrm>
               <a:off x="6234589" y="4396994"/>
-              <a:ext cx="300037" cy="125035"/>
+              <a:ext cx="300037" cy="125001"/>
             </a:xfrm>
             <a:prstGeom prst="rect">
               <a:avLst/>
             </a:prstGeom>
           </p:spPr>
           <p:txBody>
-            <a:bodyPr vert="horz" wrap="square" lIns="0" tIns="14288" rIns="0" bIns="0" rtlCol="0">
+            <a:bodyPr vert="horz" wrap="square" lIns="0" tIns="17860" rIns="0" bIns="0" rtlCol="0">
               <a:spAutoFit/>
             </a:bodyPr>
             <a:lstStyle/>
             <a:p>
-              <a:pPr marL="14288">
+              <a:pPr marL="17860">
                 <a:spcBef>
-                  <a:spcPts val="113"/>
+                  <a:spcPts val="141"/>
                 </a:spcBef>
               </a:pPr>
               <a:r>
-                <a:rPr sz="1125" spc="23" dirty="0">
+                <a:rPr sz="1406" spc="29" dirty="0">
                   <a:latin typeface="Yu Gothic" panose="020B0400000000000000" pitchFamily="34" charset="-128"/>
                   <a:ea typeface="Yu Gothic" panose="020B0400000000000000" pitchFamily="34" charset="-128"/>
                   <a:cs typeface="Arial"/>
                 </a:rPr>
                 <a:t>0.00%</a:t>
               </a:r>
-              <a:endParaRPr sz="1125" dirty="0">
+              <a:endParaRPr sz="1406" dirty="0">
                 <a:latin typeface="Yu Gothic" panose="020B0400000000000000" pitchFamily="34" charset="-128"/>
                 <a:ea typeface="Yu Gothic" panose="020B0400000000000000" pitchFamily="34" charset="-128"/>
                 <a:cs typeface="Arial"/>
@@ -26030,32 +26994,32 @@
           <p:spPr>
             <a:xfrm>
               <a:off x="6234589" y="3768343"/>
-              <a:ext cx="300037" cy="125035"/>
+              <a:ext cx="300037" cy="125001"/>
             </a:xfrm>
             <a:prstGeom prst="rect">
               <a:avLst/>
             </a:prstGeom>
           </p:spPr>
           <p:txBody>
-            <a:bodyPr vert="horz" wrap="square" lIns="0" tIns="14288" rIns="0" bIns="0" rtlCol="0">
+            <a:bodyPr vert="horz" wrap="square" lIns="0" tIns="17860" rIns="0" bIns="0" rtlCol="0">
               <a:spAutoFit/>
             </a:bodyPr>
             <a:lstStyle/>
             <a:p>
-              <a:pPr marL="14288">
+              <a:pPr marL="17860">
                 <a:spcBef>
-                  <a:spcPts val="113"/>
+                  <a:spcPts val="141"/>
                 </a:spcBef>
               </a:pPr>
               <a:r>
-                <a:rPr sz="1125" spc="23" dirty="0">
+                <a:rPr sz="1406" spc="29" dirty="0">
                   <a:latin typeface="Yu Gothic" panose="020B0400000000000000" pitchFamily="34" charset="-128"/>
                   <a:ea typeface="Yu Gothic" panose="020B0400000000000000" pitchFamily="34" charset="-128"/>
                   <a:cs typeface="Arial"/>
                 </a:rPr>
                 <a:t>7.50%</a:t>
               </a:r>
-              <a:endParaRPr sz="1125" dirty="0">
+              <a:endParaRPr sz="1406" dirty="0">
                 <a:latin typeface="Yu Gothic" panose="020B0400000000000000" pitchFamily="34" charset="-128"/>
                 <a:ea typeface="Yu Gothic" panose="020B0400000000000000" pitchFamily="34" charset="-128"/>
                 <a:cs typeface="Arial"/>
@@ -26078,32 +27042,32 @@
           <p:spPr>
             <a:xfrm>
               <a:off x="6177439" y="3139694"/>
-              <a:ext cx="352900" cy="125035"/>
+              <a:ext cx="352900" cy="125001"/>
             </a:xfrm>
             <a:prstGeom prst="rect">
               <a:avLst/>
             </a:prstGeom>
           </p:spPr>
           <p:txBody>
-            <a:bodyPr vert="horz" wrap="square" lIns="0" tIns="14288" rIns="0" bIns="0" rtlCol="0">
+            <a:bodyPr vert="horz" wrap="square" lIns="0" tIns="17860" rIns="0" bIns="0" rtlCol="0">
               <a:spAutoFit/>
             </a:bodyPr>
             <a:lstStyle/>
             <a:p>
-              <a:pPr marL="14288">
+              <a:pPr marL="17860">
                 <a:spcBef>
-                  <a:spcPts val="113"/>
+                  <a:spcPts val="141"/>
                 </a:spcBef>
               </a:pPr>
               <a:r>
-                <a:rPr sz="1125" spc="18" dirty="0">
+                <a:rPr sz="1406" spc="23" dirty="0">
                   <a:latin typeface="Yu Gothic" panose="020B0400000000000000" pitchFamily="34" charset="-128"/>
                   <a:ea typeface="Yu Gothic" panose="020B0400000000000000" pitchFamily="34" charset="-128"/>
                   <a:cs typeface="Arial"/>
                 </a:rPr>
                 <a:t>15.00%</a:t>
               </a:r>
-              <a:endParaRPr sz="1125" dirty="0">
+              <a:endParaRPr sz="1406" dirty="0">
                 <a:latin typeface="Yu Gothic" panose="020B0400000000000000" pitchFamily="34" charset="-128"/>
                 <a:ea typeface="Yu Gothic" panose="020B0400000000000000" pitchFamily="34" charset="-128"/>
                 <a:cs typeface="Arial"/>
@@ -26126,32 +27090,32 @@
           <p:spPr>
             <a:xfrm>
               <a:off x="6177439" y="2511044"/>
-              <a:ext cx="352900" cy="125035"/>
+              <a:ext cx="352900" cy="125001"/>
             </a:xfrm>
             <a:prstGeom prst="rect">
               <a:avLst/>
             </a:prstGeom>
           </p:spPr>
           <p:txBody>
-            <a:bodyPr vert="horz" wrap="square" lIns="0" tIns="14288" rIns="0" bIns="0" rtlCol="0">
+            <a:bodyPr vert="horz" wrap="square" lIns="0" tIns="17860" rIns="0" bIns="0" rtlCol="0">
               <a:spAutoFit/>
             </a:bodyPr>
             <a:lstStyle/>
             <a:p>
-              <a:pPr marL="14288">
+              <a:pPr marL="17860">
                 <a:spcBef>
-                  <a:spcPts val="113"/>
+                  <a:spcPts val="141"/>
                 </a:spcBef>
               </a:pPr>
               <a:r>
-                <a:rPr sz="1125" spc="18" dirty="0">
+                <a:rPr sz="1406" spc="23" dirty="0">
                   <a:latin typeface="Yu Gothic" panose="020B0400000000000000" pitchFamily="34" charset="-128"/>
                   <a:ea typeface="Yu Gothic" panose="020B0400000000000000" pitchFamily="34" charset="-128"/>
                   <a:cs typeface="Arial"/>
                 </a:rPr>
                 <a:t>22.50%</a:t>
               </a:r>
-              <a:endParaRPr sz="1125" dirty="0">
+              <a:endParaRPr sz="1406" dirty="0">
                 <a:latin typeface="Yu Gothic" panose="020B0400000000000000" pitchFamily="34" charset="-128"/>
                 <a:ea typeface="Yu Gothic" panose="020B0400000000000000" pitchFamily="34" charset="-128"/>
                 <a:cs typeface="Arial"/>
@@ -26174,32 +27138,32 @@
           <p:spPr>
             <a:xfrm>
               <a:off x="6177439" y="1891919"/>
-              <a:ext cx="352900" cy="125035"/>
+              <a:ext cx="352900" cy="125001"/>
             </a:xfrm>
             <a:prstGeom prst="rect">
               <a:avLst/>
             </a:prstGeom>
           </p:spPr>
           <p:txBody>
-            <a:bodyPr vert="horz" wrap="square" lIns="0" tIns="14288" rIns="0" bIns="0" rtlCol="0">
+            <a:bodyPr vert="horz" wrap="square" lIns="0" tIns="17860" rIns="0" bIns="0" rtlCol="0">
               <a:spAutoFit/>
             </a:bodyPr>
             <a:lstStyle/>
             <a:p>
-              <a:pPr marL="14288">
+              <a:pPr marL="17860">
                 <a:spcBef>
-                  <a:spcPts val="113"/>
+                  <a:spcPts val="141"/>
                 </a:spcBef>
               </a:pPr>
               <a:r>
-                <a:rPr sz="1125" spc="18" dirty="0">
+                <a:rPr sz="1406" spc="23" dirty="0">
                   <a:latin typeface="Yu Gothic" panose="020B0400000000000000" pitchFamily="34" charset="-128"/>
                   <a:ea typeface="Yu Gothic" panose="020B0400000000000000" pitchFamily="34" charset="-128"/>
                   <a:cs typeface="Arial"/>
                 </a:rPr>
                 <a:t>30.00%</a:t>
               </a:r>
-              <a:endParaRPr sz="1125" dirty="0">
+              <a:endParaRPr sz="1406" dirty="0">
                 <a:latin typeface="Yu Gothic" panose="020B0400000000000000" pitchFamily="34" charset="-128"/>
                 <a:ea typeface="Yu Gothic" panose="020B0400000000000000" pitchFamily="34" charset="-128"/>
                 <a:cs typeface="Arial"/>
@@ -26251,7 +27215,7 @@
             <a:bodyPr wrap="square" lIns="0" tIns="0" rIns="0" bIns="0" rtlCol="0"/>
             <a:lstStyle/>
             <a:p>
-              <a:endParaRPr sz="2025" dirty="0">
+              <a:endParaRPr sz="2531" dirty="0">
                 <a:latin typeface="Yu Gothic" panose="020B0400000000000000" pitchFamily="34" charset="-128"/>
                 <a:ea typeface="Yu Gothic" panose="020B0400000000000000" pitchFamily="34" charset="-128"/>
               </a:endParaRPr>
@@ -26280,25 +27244,25 @@
             </a:prstGeom>
           </p:spPr>
           <p:txBody>
-            <a:bodyPr vert="horz" wrap="square" lIns="0" tIns="14288" rIns="0" bIns="0" rtlCol="0">
+            <a:bodyPr vert="horz" wrap="square" lIns="0" tIns="17860" rIns="0" bIns="0" rtlCol="0">
               <a:spAutoFit/>
             </a:bodyPr>
             <a:lstStyle/>
             <a:p>
-              <a:pPr marL="14288">
+              <a:pPr marL="17860">
                 <a:spcBef>
-                  <a:spcPts val="113"/>
+                  <a:spcPts val="141"/>
                 </a:spcBef>
               </a:pPr>
               <a:r>
-                <a:rPr sz="1800" spc="-6" dirty="0">
+                <a:rPr spc="-8" dirty="0">
                   <a:latin typeface="Yu Gothic" panose="020B0400000000000000" pitchFamily="34" charset="-128"/>
                   <a:ea typeface="Yu Gothic" panose="020B0400000000000000" pitchFamily="34" charset="-128"/>
                   <a:cs typeface="Arial"/>
                 </a:rPr>
                 <a:t>5</a:t>
               </a:r>
-              <a:endParaRPr sz="1800" dirty="0">
+              <a:endParaRPr dirty="0">
                 <a:latin typeface="Yu Gothic" panose="020B0400000000000000" pitchFamily="34" charset="-128"/>
                 <a:ea typeface="Yu Gothic" panose="020B0400000000000000" pitchFamily="34" charset="-128"/>
                 <a:cs typeface="Arial"/>
@@ -26328,25 +27292,25 @@
             </a:prstGeom>
           </p:spPr>
           <p:txBody>
-            <a:bodyPr vert="horz" wrap="square" lIns="0" tIns="14288" rIns="0" bIns="0" rtlCol="0">
+            <a:bodyPr vert="horz" wrap="square" lIns="0" tIns="17860" rIns="0" bIns="0" rtlCol="0">
               <a:spAutoFit/>
             </a:bodyPr>
             <a:lstStyle/>
             <a:p>
-              <a:pPr marL="14288">
+              <a:pPr marL="17860">
                 <a:spcBef>
-                  <a:spcPts val="113"/>
+                  <a:spcPts val="141"/>
                 </a:spcBef>
               </a:pPr>
               <a:r>
-                <a:rPr sz="1800" spc="-6" dirty="0">
+                <a:rPr spc="-8" dirty="0">
                   <a:latin typeface="Yu Gothic" panose="020B0400000000000000" pitchFamily="34" charset="-128"/>
                   <a:ea typeface="Yu Gothic" panose="020B0400000000000000" pitchFamily="34" charset="-128"/>
                   <a:cs typeface="Arial"/>
                 </a:rPr>
                 <a:t>6</a:t>
               </a:r>
-              <a:endParaRPr sz="1800" dirty="0">
+              <a:endParaRPr dirty="0">
                 <a:latin typeface="Yu Gothic" panose="020B0400000000000000" pitchFamily="34" charset="-128"/>
                 <a:ea typeface="Yu Gothic" panose="020B0400000000000000" pitchFamily="34" charset="-128"/>
                 <a:cs typeface="Arial"/>
@@ -26376,25 +27340,25 @@
             </a:prstGeom>
           </p:spPr>
           <p:txBody>
-            <a:bodyPr vert="horz" wrap="square" lIns="0" tIns="14288" rIns="0" bIns="0" rtlCol="0">
+            <a:bodyPr vert="horz" wrap="square" lIns="0" tIns="17860" rIns="0" bIns="0" rtlCol="0">
               <a:spAutoFit/>
             </a:bodyPr>
             <a:lstStyle/>
             <a:p>
-              <a:pPr marL="14288">
+              <a:pPr marL="17860">
                 <a:spcBef>
-                  <a:spcPts val="113"/>
+                  <a:spcPts val="141"/>
                 </a:spcBef>
               </a:pPr>
               <a:r>
-                <a:rPr sz="1800" spc="-6" dirty="0">
+                <a:rPr spc="-8" dirty="0">
                   <a:latin typeface="Yu Gothic" panose="020B0400000000000000" pitchFamily="34" charset="-128"/>
                   <a:ea typeface="Yu Gothic" panose="020B0400000000000000" pitchFamily="34" charset="-128"/>
                   <a:cs typeface="Arial"/>
                 </a:rPr>
                 <a:t>7</a:t>
               </a:r>
-              <a:endParaRPr sz="1800" dirty="0">
+              <a:endParaRPr dirty="0">
                 <a:latin typeface="Yu Gothic" panose="020B0400000000000000" pitchFamily="34" charset="-128"/>
                 <a:ea typeface="Yu Gothic" panose="020B0400000000000000" pitchFamily="34" charset="-128"/>
                 <a:cs typeface="Arial"/>
@@ -26424,25 +27388,25 @@
             </a:prstGeom>
           </p:spPr>
           <p:txBody>
-            <a:bodyPr vert="horz" wrap="square" lIns="0" tIns="14288" rIns="0" bIns="0" rtlCol="0">
+            <a:bodyPr vert="horz" wrap="square" lIns="0" tIns="17860" rIns="0" bIns="0" rtlCol="0">
               <a:spAutoFit/>
             </a:bodyPr>
             <a:lstStyle/>
             <a:p>
-              <a:pPr marL="14288">
+              <a:pPr marL="17860">
                 <a:spcBef>
-                  <a:spcPts val="113"/>
+                  <a:spcPts val="141"/>
                 </a:spcBef>
               </a:pPr>
               <a:r>
-                <a:rPr sz="1800" spc="-6" dirty="0">
+                <a:rPr spc="-8" dirty="0">
                   <a:latin typeface="Yu Gothic" panose="020B0400000000000000" pitchFamily="34" charset="-128"/>
                   <a:ea typeface="Yu Gothic" panose="020B0400000000000000" pitchFamily="34" charset="-128"/>
                   <a:cs typeface="Arial"/>
                 </a:rPr>
                 <a:t>8</a:t>
               </a:r>
-              <a:endParaRPr sz="1800" dirty="0">
+              <a:endParaRPr dirty="0">
                 <a:latin typeface="Yu Gothic" panose="020B0400000000000000" pitchFamily="34" charset="-128"/>
                 <a:ea typeface="Yu Gothic" panose="020B0400000000000000" pitchFamily="34" charset="-128"/>
                 <a:cs typeface="Arial"/>
@@ -26502,7 +27466,7 @@
             <a:bodyPr wrap="square" lIns="0" tIns="0" rIns="0" bIns="0" rtlCol="0"/>
             <a:lstStyle/>
             <a:p>
-              <a:endParaRPr sz="2025" dirty="0">
+              <a:endParaRPr sz="2531" dirty="0">
                 <a:latin typeface="Yu Gothic" panose="020B0400000000000000" pitchFamily="34" charset="-128"/>
                 <a:ea typeface="Yu Gothic" panose="020B0400000000000000" pitchFamily="34" charset="-128"/>
               </a:endParaRPr>
@@ -26561,7 +27525,7 @@
             <a:bodyPr wrap="square" lIns="0" tIns="0" rIns="0" bIns="0" rtlCol="0"/>
             <a:lstStyle/>
             <a:p>
-              <a:endParaRPr sz="2025" dirty="0">
+              <a:endParaRPr sz="2531" dirty="0">
                 <a:latin typeface="Yu Gothic" panose="020B0400000000000000" pitchFamily="34" charset="-128"/>
                 <a:ea typeface="Yu Gothic" panose="020B0400000000000000" pitchFamily="34" charset="-128"/>
               </a:endParaRPr>
@@ -26620,7 +27584,7 @@
             <a:bodyPr wrap="square" lIns="0" tIns="0" rIns="0" bIns="0" rtlCol="0"/>
             <a:lstStyle/>
             <a:p>
-              <a:endParaRPr sz="2025" dirty="0">
+              <a:endParaRPr sz="2531" dirty="0">
                 <a:latin typeface="Yu Gothic" panose="020B0400000000000000" pitchFamily="34" charset="-128"/>
                 <a:ea typeface="Yu Gothic" panose="020B0400000000000000" pitchFamily="34" charset="-128"/>
               </a:endParaRPr>
@@ -26679,7 +27643,7 @@
             <a:bodyPr wrap="square" lIns="0" tIns="0" rIns="0" bIns="0" rtlCol="0"/>
             <a:lstStyle/>
             <a:p>
-              <a:endParaRPr sz="2025" dirty="0">
+              <a:endParaRPr sz="2531" dirty="0">
                 <a:latin typeface="Yu Gothic" panose="020B0400000000000000" pitchFamily="34" charset="-128"/>
                 <a:ea typeface="Yu Gothic" panose="020B0400000000000000" pitchFamily="34" charset="-128"/>
               </a:endParaRPr>
@@ -26738,7 +27702,7 @@
             <a:bodyPr wrap="square" lIns="0" tIns="0" rIns="0" bIns="0" rtlCol="0"/>
             <a:lstStyle/>
             <a:p>
-              <a:endParaRPr sz="2025" dirty="0">
+              <a:endParaRPr sz="2531" dirty="0">
                 <a:latin typeface="Yu Gothic" panose="020B0400000000000000" pitchFamily="34" charset="-128"/>
                 <a:ea typeface="Yu Gothic" panose="020B0400000000000000" pitchFamily="34" charset="-128"/>
               </a:endParaRPr>
@@ -26797,7 +27761,7 @@
             <a:bodyPr wrap="square" lIns="0" tIns="0" rIns="0" bIns="0" rtlCol="0"/>
             <a:lstStyle/>
             <a:p>
-              <a:endParaRPr sz="2025" dirty="0">
+              <a:endParaRPr sz="2531" dirty="0">
                 <a:latin typeface="Yu Gothic" panose="020B0400000000000000" pitchFamily="34" charset="-128"/>
                 <a:ea typeface="Yu Gothic" panose="020B0400000000000000" pitchFamily="34" charset="-128"/>
               </a:endParaRPr>
@@ -26856,7 +27820,7 @@
             <a:bodyPr wrap="square" lIns="0" tIns="0" rIns="0" bIns="0" rtlCol="0"/>
             <a:lstStyle/>
             <a:p>
-              <a:endParaRPr sz="2025" dirty="0">
+              <a:endParaRPr sz="2531" dirty="0">
                 <a:latin typeface="Yu Gothic" panose="020B0400000000000000" pitchFamily="34" charset="-128"/>
                 <a:ea typeface="Yu Gothic" panose="020B0400000000000000" pitchFamily="34" charset="-128"/>
               </a:endParaRPr>
@@ -26915,7 +27879,7 @@
             <a:bodyPr wrap="square" lIns="0" tIns="0" rIns="0" bIns="0" rtlCol="0"/>
             <a:lstStyle/>
             <a:p>
-              <a:endParaRPr sz="2025" dirty="0">
+              <a:endParaRPr sz="2531" dirty="0">
                 <a:latin typeface="Yu Gothic" panose="020B0400000000000000" pitchFamily="34" charset="-128"/>
                 <a:ea typeface="Yu Gothic" panose="020B0400000000000000" pitchFamily="34" charset="-128"/>
               </a:endParaRPr>
@@ -26937,37 +27901,37 @@
           <p:spPr>
             <a:xfrm>
               <a:off x="6672738" y="4444238"/>
-              <a:ext cx="1853565" cy="261611"/>
+              <a:ext cx="1853565" cy="261612"/>
             </a:xfrm>
             <a:prstGeom prst="rect">
               <a:avLst/>
             </a:prstGeom>
           </p:spPr>
           <p:txBody>
-            <a:bodyPr vert="horz" wrap="square" lIns="0" tIns="114302" rIns="0" bIns="0" rtlCol="0">
+            <a:bodyPr vert="horz" wrap="square" lIns="0" tIns="142878" rIns="0" bIns="0" rtlCol="0">
               <a:spAutoFit/>
             </a:bodyPr>
             <a:lstStyle/>
             <a:p>
-              <a:pPr marL="60722" algn="ctr">
+              <a:pPr marL="75903" algn="ctr">
                 <a:spcBef>
-                  <a:spcPts val="899"/>
+                  <a:spcPts val="1124"/>
                 </a:spcBef>
                 <a:tabLst>
-                  <a:tab pos="803669" algn="l"/>
-                  <a:tab pos="1546614" algn="l"/>
-                  <a:tab pos="2289563" algn="l"/>
+                  <a:tab pos="1004586" algn="l"/>
+                  <a:tab pos="1933268" algn="l"/>
+                  <a:tab pos="2861954" algn="l"/>
                 </a:tabLst>
               </a:pPr>
               <a:r>
-                <a:rPr sz="1800" spc="-6" dirty="0">
+                <a:rPr spc="-8" dirty="0">
                   <a:latin typeface="Yu Gothic" panose="020B0400000000000000" pitchFamily="34" charset="-128"/>
                   <a:ea typeface="Yu Gothic" panose="020B0400000000000000" pitchFamily="34" charset="-128"/>
                   <a:cs typeface="Arial"/>
                 </a:rPr>
                 <a:t>1	2	3	4</a:t>
               </a:r>
-              <a:endParaRPr lang="en-US" sz="1800" spc="-6" dirty="0">
+              <a:endParaRPr lang="en-US" spc="-8" dirty="0">
                 <a:latin typeface="Yu Gothic" panose="020B0400000000000000" pitchFamily="34" charset="-128"/>
                 <a:ea typeface="Yu Gothic" panose="020B0400000000000000" pitchFamily="34" charset="-128"/>
                 <a:cs typeface="Arial"/>
@@ -26989,8 +27953,8 @@
           </p:nvSpPr>
           <p:spPr>
             <a:xfrm>
-              <a:off x="6411479" y="4716081"/>
-              <a:ext cx="4399195" cy="269305"/>
+              <a:off x="6422186" y="4716081"/>
+              <a:ext cx="4377779" cy="256959"/>
             </a:xfrm>
             <a:prstGeom prst="rect">
               <a:avLst/>
@@ -27004,18 +27968,18 @@
             <a:p>
               <a:pPr algn="ctr">
                 <a:spcBef>
-                  <a:spcPts val="990"/>
+                  <a:spcPts val="1238"/>
                 </a:spcBef>
               </a:pPr>
               <a:r>
-                <a:rPr lang="fr-FR" sz="2025" spc="-28" dirty="0">
+                <a:rPr lang="fr-FR" sz="2531" spc="-35" dirty="0">
                   <a:latin typeface="Yu Gothic" panose="020B0400000000000000" pitchFamily="34" charset="-128"/>
                   <a:ea typeface="Yu Gothic" panose="020B0400000000000000" pitchFamily="34" charset="-128"/>
                   <a:cs typeface="Arial"/>
                 </a:rPr>
                 <a:t>Mutation class (Singletons, doubletons, tripletons, etc.)</a:t>
               </a:r>
-              <a:endParaRPr lang="fr-FR" sz="2025" dirty="0">
+              <a:endParaRPr lang="fr-FR" sz="2531" dirty="0">
                 <a:latin typeface="Yu Gothic" panose="020B0400000000000000" pitchFamily="34" charset="-128"/>
                 <a:ea typeface="Yu Gothic" panose="020B0400000000000000" pitchFamily="34" charset="-128"/>
                 <a:cs typeface="Arial"/>
@@ -27037,8 +28001,8 @@
           </p:nvSpPr>
           <p:spPr>
             <a:xfrm rot="16200000">
-              <a:off x="4938334" y="3025367"/>
-              <a:ext cx="1936342" cy="269305"/>
+              <a:off x="4949149" y="3031539"/>
+              <a:ext cx="1914712" cy="256959"/>
             </a:xfrm>
             <a:prstGeom prst="rect">
               <a:avLst/>
@@ -27052,18 +28016,18 @@
             <a:p>
               <a:pPr algn="ctr">
                 <a:spcBef>
-                  <a:spcPts val="990"/>
+                  <a:spcPts val="1238"/>
                 </a:spcBef>
               </a:pPr>
               <a:r>
-                <a:rPr lang="fr-FR" sz="2025" spc="-28" dirty="0">
+                <a:rPr lang="fr-FR" sz="2531" spc="-35" dirty="0">
                   <a:latin typeface="Yu Gothic" panose="020B0400000000000000" pitchFamily="34" charset="-128"/>
                   <a:ea typeface="Yu Gothic" panose="020B0400000000000000" pitchFamily="34" charset="-128"/>
                   <a:cs typeface="Arial"/>
                 </a:rPr>
                 <a:t>Proportional Frequency</a:t>
               </a:r>
-              <a:endParaRPr lang="fr-FR" sz="2025" dirty="0">
+              <a:endParaRPr lang="fr-FR" sz="2531" dirty="0">
                 <a:latin typeface="Yu Gothic" panose="020B0400000000000000" pitchFamily="34" charset="-128"/>
                 <a:ea typeface="Yu Gothic" panose="020B0400000000000000" pitchFamily="34" charset="-128"/>
                 <a:cs typeface="Arial"/>
@@ -27086,32 +28050,32 @@
           <p:spPr>
             <a:xfrm>
               <a:off x="2130522" y="667092"/>
-              <a:ext cx="4261962" cy="355867"/>
+              <a:ext cx="4261962" cy="355901"/>
             </a:xfrm>
             <a:prstGeom prst="rect">
               <a:avLst/>
             </a:prstGeom>
           </p:spPr>
           <p:txBody>
-            <a:bodyPr vert="horz" wrap="square" lIns="0" tIns="14288" rIns="0" bIns="0" rtlCol="0">
+            <a:bodyPr vert="horz" wrap="square" lIns="0" tIns="17860" rIns="0" bIns="0" rtlCol="0">
               <a:spAutoFit/>
             </a:bodyPr>
             <a:lstStyle/>
             <a:p>
-              <a:pPr marL="14288">
+              <a:pPr marL="17860">
                 <a:spcBef>
-                  <a:spcPts val="113"/>
+                  <a:spcPts val="141"/>
                 </a:spcBef>
               </a:pPr>
               <a:r>
-                <a:rPr lang="en-US" sz="3375" b="1" spc="-6" dirty="0">
+                <a:rPr lang="en-US" sz="4219" b="1" spc="-8" dirty="0">
                   <a:latin typeface="Yu Gothic" panose="020B0400000000000000" pitchFamily="34" charset="-128"/>
                   <a:ea typeface="Yu Gothic" panose="020B0400000000000000" pitchFamily="34" charset="-128"/>
                   <a:cs typeface="Arial"/>
                 </a:rPr>
                 <a:t>Expansion</a:t>
               </a:r>
-              <a:endParaRPr sz="3375" dirty="0">
+              <a:endParaRPr sz="4219" dirty="0">
                 <a:latin typeface="Yu Gothic" panose="020B0400000000000000" pitchFamily="34" charset="-128"/>
                 <a:ea typeface="Yu Gothic" panose="020B0400000000000000" pitchFamily="34" charset="-128"/>
                 <a:cs typeface="Arial"/>
@@ -27134,32 +28098,32 @@
           <p:spPr>
             <a:xfrm>
               <a:off x="6779180" y="677151"/>
-              <a:ext cx="4261962" cy="355867"/>
+              <a:ext cx="4261962" cy="355901"/>
             </a:xfrm>
             <a:prstGeom prst="rect">
               <a:avLst/>
             </a:prstGeom>
           </p:spPr>
           <p:txBody>
-            <a:bodyPr vert="horz" wrap="square" lIns="0" tIns="14288" rIns="0" bIns="0" rtlCol="0">
+            <a:bodyPr vert="horz" wrap="square" lIns="0" tIns="17860" rIns="0" bIns="0" rtlCol="0">
               <a:spAutoFit/>
             </a:bodyPr>
             <a:lstStyle/>
             <a:p>
-              <a:pPr marL="14288">
+              <a:pPr marL="17860">
                 <a:spcBef>
-                  <a:spcPts val="113"/>
+                  <a:spcPts val="141"/>
                 </a:spcBef>
               </a:pPr>
               <a:r>
-                <a:rPr lang="en-US" sz="3375" b="1" spc="-6" dirty="0">
+                <a:rPr lang="en-US" sz="4219" b="1" spc="-8" dirty="0">
                   <a:latin typeface="Yu Gothic" panose="020B0400000000000000" pitchFamily="34" charset="-128"/>
                   <a:ea typeface="Yu Gothic" panose="020B0400000000000000" pitchFamily="34" charset="-128"/>
                   <a:cs typeface="Arial"/>
                 </a:rPr>
                 <a:t>Contraction</a:t>
               </a:r>
-              <a:endParaRPr sz="3375" dirty="0">
+              <a:endParaRPr sz="4219" dirty="0">
                 <a:latin typeface="Yu Gothic" panose="020B0400000000000000" pitchFamily="34" charset="-128"/>
                 <a:ea typeface="Yu Gothic" panose="020B0400000000000000" pitchFamily="34" charset="-128"/>
                 <a:cs typeface="Arial"/>
@@ -27211,7 +28175,7 @@
             <a:bodyPr wrap="square" lIns="0" tIns="0" rIns="0" bIns="0" rtlCol="0"/>
             <a:lstStyle/>
             <a:p>
-              <a:endParaRPr sz="2025" dirty="0">
+              <a:endParaRPr sz="2531" dirty="0">
                 <a:latin typeface="Yu Gothic" panose="020B0400000000000000" pitchFamily="34" charset="-128"/>
                 <a:ea typeface="Yu Gothic" panose="020B0400000000000000" pitchFamily="34" charset="-128"/>
               </a:endParaRPr>
@@ -27276,8 +28240,8 @@
         </p:blipFill>
         <p:spPr>
           <a:xfrm>
-            <a:off x="3387236" y="4232618"/>
-            <a:ext cx="5051915" cy="10287000"/>
+            <a:off x="4234046" y="5290773"/>
+            <a:ext cx="6314894" cy="12858750"/>
           </a:xfrm>
           <a:prstGeom prst="rect">
             <a:avLst/>
@@ -27311,8 +28275,8 @@
         </p:blipFill>
         <p:spPr>
           <a:xfrm>
-            <a:off x="5822999" y="4774223"/>
-            <a:ext cx="2616152" cy="1287195"/>
+            <a:off x="7278749" y="5967779"/>
+            <a:ext cx="3270190" cy="1608994"/>
           </a:xfrm>
           <a:prstGeom prst="rect">
             <a:avLst/>
@@ -27377,8 +28341,8 @@
         </p:blipFill>
         <p:spPr>
           <a:xfrm>
-            <a:off x="1911503" y="487886"/>
-            <a:ext cx="6668431" cy="15242127"/>
+            <a:off x="2389379" y="609858"/>
+            <a:ext cx="8335539" cy="19052659"/>
           </a:xfrm>
           <a:prstGeom prst="rect">
             <a:avLst/>
@@ -27417,8 +28381,8 @@
         </p:blipFill>
         <p:spPr>
           <a:xfrm>
-            <a:off x="8618034" y="487885"/>
-            <a:ext cx="4507794" cy="15242127"/>
+            <a:off x="10772542" y="609857"/>
+            <a:ext cx="5634743" cy="19052659"/>
           </a:xfrm>
           <a:prstGeom prst="rect">
             <a:avLst/>

--- a/Summary/figures.pptx
+++ b/Summary/figures.pptx
@@ -139,7 +139,7 @@
 <file path=ppt/revisionInfo.xml><?xml version="1.0" encoding="utf-8"?>
 <p1510:revInfo xmlns:a="http://schemas.openxmlformats.org/drawingml/2006/main" xmlns:r="http://schemas.openxmlformats.org/officeDocument/2006/relationships" xmlns:p1510="http://schemas.microsoft.com/office/powerpoint/2015/10/main">
   <p1510:revLst>
-    <p1510:client id="{833092D5-9927-4807-BE3E-672C10A7E002}" v="271" dt="2023-08-30T00:29:53.305"/>
+    <p1510:client id="{833092D5-9927-4807-BE3E-672C10A7E002}" v="276" dt="2023-09-01T22:56:55.364"/>
   </p1510:revLst>
 </p1510:revInfo>
 </file>
@@ -189,7 +189,7 @@
   <pc:docChgLst>
     <pc:chgData name="Jonathan Mah" userId="5261b2f2f3e51194" providerId="LiveId" clId="{833092D5-9927-4807-BE3E-672C10A7E002}"/>
     <pc:docChg chg="undo redo custSel addSld delSld modSld sldOrd">
-      <pc:chgData name="Jonathan Mah" userId="5261b2f2f3e51194" providerId="LiveId" clId="{833092D5-9927-4807-BE3E-672C10A7E002}" dt="2023-08-30T00:29:53.642" v="3469" actId="478"/>
+      <pc:chgData name="Jonathan Mah" userId="5261b2f2f3e51194" providerId="LiveId" clId="{833092D5-9927-4807-BE3E-672C10A7E002}" dt="2023-09-01T22:57:26.329" v="3503" actId="167"/>
       <pc:docMkLst>
         <pc:docMk/>
       </pc:docMkLst>
@@ -6484,7 +6484,7 @@
         </pc:picChg>
       </pc:sldChg>
       <pc:sldChg chg="addSp delSp modSp add mod ord">
-        <pc:chgData name="Jonathan Mah" userId="5261b2f2f3e51194" providerId="LiveId" clId="{833092D5-9927-4807-BE3E-672C10A7E002}" dt="2023-08-29T23:13:22.923" v="3463" actId="1076"/>
+        <pc:chgData name="Jonathan Mah" userId="5261b2f2f3e51194" providerId="LiveId" clId="{833092D5-9927-4807-BE3E-672C10A7E002}" dt="2023-09-01T22:57:26.329" v="3503" actId="167"/>
         <pc:sldMkLst>
           <pc:docMk/>
           <pc:sldMk cId="454695809" sldId="450"/>
@@ -6513,8 +6513,8 @@
             <ac:picMk id="2" creationId="{D314149A-5E63-0DB4-E55E-65ACF8C0EF17}"/>
           </ac:picMkLst>
         </pc:picChg>
-        <pc:picChg chg="mod modCrop">
-          <ac:chgData name="Jonathan Mah" userId="5261b2f2f3e51194" providerId="LiveId" clId="{833092D5-9927-4807-BE3E-672C10A7E002}" dt="2023-08-29T23:12:19.422" v="3456" actId="732"/>
+        <pc:picChg chg="del mod modCrop">
+          <ac:chgData name="Jonathan Mah" userId="5261b2f2f3e51194" providerId="LiveId" clId="{833092D5-9927-4807-BE3E-672C10A7E002}" dt="2023-09-01T22:52:30.167" v="3478" actId="478"/>
           <ac:picMkLst>
             <pc:docMk/>
             <pc:sldMk cId="454695809" sldId="450"/>
@@ -6529,8 +6529,8 @@
             <ac:picMk id="5" creationId="{F64E9BAE-A69A-1B9F-C1EF-2A8E63B29BF2}"/>
           </ac:picMkLst>
         </pc:picChg>
-        <pc:picChg chg="add mod">
-          <ac:chgData name="Jonathan Mah" userId="5261b2f2f3e51194" providerId="LiveId" clId="{833092D5-9927-4807-BE3E-672C10A7E002}" dt="2023-08-29T23:12:38.661" v="3458" actId="1076"/>
+        <pc:picChg chg="add del mod">
+          <ac:chgData name="Jonathan Mah" userId="5261b2f2f3e51194" providerId="LiveId" clId="{833092D5-9927-4807-BE3E-672C10A7E002}" dt="2023-09-01T22:56:49.297" v="3498" actId="478"/>
           <ac:picMkLst>
             <pc:docMk/>
             <pc:sldMk cId="454695809" sldId="450"/>
@@ -6543,6 +6543,46 @@
             <pc:docMk/>
             <pc:sldMk cId="454695809" sldId="450"/>
             <ac:picMk id="9" creationId="{A749F997-C245-0140-06A1-5286119EDE33}"/>
+          </ac:picMkLst>
+        </pc:picChg>
+        <pc:picChg chg="add del mod">
+          <ac:chgData name="Jonathan Mah" userId="5261b2f2f3e51194" providerId="LiveId" clId="{833092D5-9927-4807-BE3E-672C10A7E002}" dt="2023-09-01T22:49:09.434" v="3472" actId="478"/>
+          <ac:picMkLst>
+            <pc:docMk/>
+            <pc:sldMk cId="454695809" sldId="450"/>
+            <ac:picMk id="10" creationId="{AB65F804-0B51-2D68-3727-8AE9F4D325F8}"/>
+          </ac:picMkLst>
+        </pc:picChg>
+        <pc:picChg chg="add del mod">
+          <ac:chgData name="Jonathan Mah" userId="5261b2f2f3e51194" providerId="LiveId" clId="{833092D5-9927-4807-BE3E-672C10A7E002}" dt="2023-09-01T22:54:10.671" v="3480" actId="478"/>
+          <ac:picMkLst>
+            <pc:docMk/>
+            <pc:sldMk cId="454695809" sldId="450"/>
+            <ac:picMk id="12" creationId="{AB13D598-7804-E2EF-DE6F-0CB8AFB4EC14}"/>
+          </ac:picMkLst>
+        </pc:picChg>
+        <pc:picChg chg="add del mod">
+          <ac:chgData name="Jonathan Mah" userId="5261b2f2f3e51194" providerId="LiveId" clId="{833092D5-9927-4807-BE3E-672C10A7E002}" dt="2023-09-01T22:54:41.831" v="3483" actId="478"/>
+          <ac:picMkLst>
+            <pc:docMk/>
+            <pc:sldMk cId="454695809" sldId="450"/>
+            <ac:picMk id="14" creationId="{8308728C-8715-900F-8224-131975465F61}"/>
+          </ac:picMkLst>
+        </pc:picChg>
+        <pc:picChg chg="add mod modCrop">
+          <ac:chgData name="Jonathan Mah" userId="5261b2f2f3e51194" providerId="LiveId" clId="{833092D5-9927-4807-BE3E-672C10A7E002}" dt="2023-09-01T22:56:35.483" v="3497" actId="732"/>
+          <ac:picMkLst>
+            <pc:docMk/>
+            <pc:sldMk cId="454695809" sldId="450"/>
+            <ac:picMk id="16" creationId="{D603C6C8-1417-7B6D-C607-B70038E9D0D3}"/>
+          </ac:picMkLst>
+        </pc:picChg>
+        <pc:picChg chg="add mod ord">
+          <ac:chgData name="Jonathan Mah" userId="5261b2f2f3e51194" providerId="LiveId" clId="{833092D5-9927-4807-BE3E-672C10A7E002}" dt="2023-09-01T22:57:26.329" v="3503" actId="167"/>
+          <ac:picMkLst>
+            <pc:docMk/>
+            <pc:sldMk cId="454695809" sldId="450"/>
+            <ac:picMk id="18" creationId="{73D5EF18-DA41-25D1-1323-9439E8D3190C}"/>
           </ac:picMkLst>
         </pc:picChg>
       </pc:sldChg>
@@ -6633,7 +6673,7 @@
           <a:p>
             <a:fld id="{224F4B04-6A50-4A51-B675-D86EC6563060}" type="datetimeFigureOut">
               <a:rPr lang="en-US" smtClean="0"/>
-              <a:t>8/29/2023</a:t>
+              <a:t>9/1/2023</a:t>
             </a:fld>
             <a:endParaRPr lang="en-US"/>
           </a:p>
@@ -7606,7 +7646,7 @@
           <a:p>
             <a:fld id="{54E435BD-4569-4C00-96FD-DE6EEAA430DA}" type="datetimeFigureOut">
               <a:rPr lang="en-US" smtClean="0"/>
-              <a:t>8/29/2023</a:t>
+              <a:t>9/1/2023</a:t>
             </a:fld>
             <a:endParaRPr lang="en-US"/>
           </a:p>
@@ -7776,7 +7816,7 @@
           <a:p>
             <a:fld id="{54E435BD-4569-4C00-96FD-DE6EEAA430DA}" type="datetimeFigureOut">
               <a:rPr lang="en-US" smtClean="0"/>
-              <a:t>8/29/2023</a:t>
+              <a:t>9/1/2023</a:t>
             </a:fld>
             <a:endParaRPr lang="en-US"/>
           </a:p>
@@ -7956,7 +7996,7 @@
           <a:p>
             <a:fld id="{54E435BD-4569-4C00-96FD-DE6EEAA430DA}" type="datetimeFigureOut">
               <a:rPr lang="en-US" smtClean="0"/>
-              <a:t>8/29/2023</a:t>
+              <a:t>9/1/2023</a:t>
             </a:fld>
             <a:endParaRPr lang="en-US"/>
           </a:p>
@@ -8126,7 +8166,7 @@
           <a:p>
             <a:fld id="{54E435BD-4569-4C00-96FD-DE6EEAA430DA}" type="datetimeFigureOut">
               <a:rPr lang="en-US" smtClean="0"/>
-              <a:t>8/29/2023</a:t>
+              <a:t>9/1/2023</a:t>
             </a:fld>
             <a:endParaRPr lang="en-US"/>
           </a:p>
@@ -8370,7 +8410,7 @@
           <a:p>
             <a:fld id="{54E435BD-4569-4C00-96FD-DE6EEAA430DA}" type="datetimeFigureOut">
               <a:rPr lang="en-US" smtClean="0"/>
-              <a:t>8/29/2023</a:t>
+              <a:t>9/1/2023</a:t>
             </a:fld>
             <a:endParaRPr lang="en-US"/>
           </a:p>
@@ -8602,7 +8642,7 @@
           <a:p>
             <a:fld id="{54E435BD-4569-4C00-96FD-DE6EEAA430DA}" type="datetimeFigureOut">
               <a:rPr lang="en-US" smtClean="0"/>
-              <a:t>8/29/2023</a:t>
+              <a:t>9/1/2023</a:t>
             </a:fld>
             <a:endParaRPr lang="en-US"/>
           </a:p>
@@ -8969,7 +9009,7 @@
           <a:p>
             <a:fld id="{54E435BD-4569-4C00-96FD-DE6EEAA430DA}" type="datetimeFigureOut">
               <a:rPr lang="en-US" smtClean="0"/>
-              <a:t>8/29/2023</a:t>
+              <a:t>9/1/2023</a:t>
             </a:fld>
             <a:endParaRPr lang="en-US"/>
           </a:p>
@@ -9087,7 +9127,7 @@
           <a:p>
             <a:fld id="{54E435BD-4569-4C00-96FD-DE6EEAA430DA}" type="datetimeFigureOut">
               <a:rPr lang="en-US" smtClean="0"/>
-              <a:t>8/29/2023</a:t>
+              <a:t>9/1/2023</a:t>
             </a:fld>
             <a:endParaRPr lang="en-US"/>
           </a:p>
@@ -9182,7 +9222,7 @@
           <a:p>
             <a:fld id="{54E435BD-4569-4C00-96FD-DE6EEAA430DA}" type="datetimeFigureOut">
               <a:rPr lang="en-US" smtClean="0"/>
-              <a:t>8/29/2023</a:t>
+              <a:t>9/1/2023</a:t>
             </a:fld>
             <a:endParaRPr lang="en-US"/>
           </a:p>
@@ -9459,7 +9499,7 @@
           <a:p>
             <a:fld id="{54E435BD-4569-4C00-96FD-DE6EEAA430DA}" type="datetimeFigureOut">
               <a:rPr lang="en-US" smtClean="0"/>
-              <a:t>8/29/2023</a:t>
+              <a:t>9/1/2023</a:t>
             </a:fld>
             <a:endParaRPr lang="en-US"/>
           </a:p>
@@ -9716,7 +9756,7 @@
           <a:p>
             <a:fld id="{54E435BD-4569-4C00-96FD-DE6EEAA430DA}" type="datetimeFigureOut">
               <a:rPr lang="en-US" smtClean="0"/>
-              <a:t>8/29/2023</a:t>
+              <a:t>9/1/2023</a:t>
             </a:fld>
             <a:endParaRPr lang="en-US"/>
           </a:p>
@@ -9929,7 +9969,7 @@
           <a:p>
             <a:fld id="{54E435BD-4569-4C00-96FD-DE6EEAA430DA}" type="datetimeFigureOut">
               <a:rPr lang="en-US" smtClean="0"/>
-              <a:t>8/29/2023</a:t>
+              <a:t>9/1/2023</a:t>
             </a:fld>
             <a:endParaRPr lang="en-US"/>
           </a:p>
@@ -17880,6 +17920,42 @@
       </p:grpSpPr>
       <p:pic>
         <p:nvPicPr>
+          <p:cNvPr id="18" name="Picture 17" descr="A triangle shaped pattern with different colored lines&#10;&#10;Description automatically generated with medium confidence">
+            <a:extLst>
+              <a:ext uri="{FF2B5EF4-FFF2-40B4-BE49-F238E27FC236}">
+                <a16:creationId xmlns:a16="http://schemas.microsoft.com/office/drawing/2014/main" id="{73D5EF18-DA41-25D1-1323-9439E8D3190C}"/>
+              </a:ext>
+            </a:extLst>
+          </p:cNvPr>
+          <p:cNvPicPr>
+            <a:picLocks noChangeAspect="1"/>
+          </p:cNvPicPr>
+          <p:nvPr/>
+        </p:nvPicPr>
+        <p:blipFill>
+          <a:blip r:embed="rId2">
+            <a:extLst>
+              <a:ext uri="{28A0092B-C50C-407E-A947-70E740481C1C}">
+                <a14:useLocalDpi xmlns:a14="http://schemas.microsoft.com/office/drawing/2010/main" val="0"/>
+              </a:ext>
+            </a:extLst>
+          </a:blip>
+          <a:stretch>
+            <a:fillRect/>
+          </a:stretch>
+        </p:blipFill>
+        <p:spPr>
+          <a:xfrm>
+            <a:off x="8561618" y="7619468"/>
+            <a:ext cx="11431595" cy="7621064"/>
+          </a:xfrm>
+          <a:prstGeom prst="rect">
+            <a:avLst/>
+          </a:prstGeom>
+        </p:spPr>
+      </p:pic>
+      <p:pic>
+        <p:nvPicPr>
           <p:cNvPr id="4" name="Picture 3" descr="A black background with a black square&#10;&#10;Description automatically generated">
             <a:extLst>
               <a:ext uri="{FF2B5EF4-FFF2-40B4-BE49-F238E27FC236}">
@@ -17893,7 +17969,7 @@
           <p:nvPr/>
         </p:nvPicPr>
         <p:blipFill rotWithShape="1">
-          <a:blip r:embed="rId2">
+          <a:blip r:embed="rId3">
             <a:extLst>
               <a:ext uri="{28A0092B-C50C-407E-A947-70E740481C1C}">
                 <a14:useLocalDpi xmlns:a14="http://schemas.microsoft.com/office/drawing/2010/main" val="0"/>
@@ -17915,10 +17991,10 @@
       </p:pic>
       <p:pic>
         <p:nvPicPr>
-          <p:cNvPr id="3" name="Picture 2" descr="A triangle shaped object with different colored squares&#10;&#10;Description automatically generated with medium confidence">
+          <p:cNvPr id="2" name="Picture 1" descr="A black background with a black square&#10;&#10;Description automatically generated">
             <a:extLst>
               <a:ext uri="{FF2B5EF4-FFF2-40B4-BE49-F238E27FC236}">
-                <a16:creationId xmlns:a16="http://schemas.microsoft.com/office/drawing/2014/main" id="{07F078AE-542E-BB34-AD7A-54141D643751}"/>
+                <a16:creationId xmlns:a16="http://schemas.microsoft.com/office/drawing/2014/main" id="{D314149A-5E63-0DB4-E55E-65ACF8C0EF17}"/>
               </a:ext>
             </a:extLst>
           </p:cNvPr>
@@ -17929,41 +18005,6 @@
         </p:nvPicPr>
         <p:blipFill rotWithShape="1">
           <a:blip r:embed="rId3">
-            <a:extLst>
-              <a:ext uri="{28A0092B-C50C-407E-A947-70E740481C1C}">
-                <a14:useLocalDpi xmlns:a14="http://schemas.microsoft.com/office/drawing/2010/main" val="0"/>
-              </a:ext>
-            </a:extLst>
-          </a:blip>
-          <a:srcRect b="29876"/>
-          <a:stretch/>
-        </p:blipFill>
-        <p:spPr>
-          <a:xfrm>
-            <a:off x="8582585" y="1577272"/>
-            <a:ext cx="11431595" cy="5344228"/>
-          </a:xfrm>
-          <a:prstGeom prst="rect">
-            <a:avLst/>
-          </a:prstGeom>
-        </p:spPr>
-      </p:pic>
-      <p:pic>
-        <p:nvPicPr>
-          <p:cNvPr id="2" name="Picture 1" descr="A black background with a black square&#10;&#10;Description automatically generated">
-            <a:extLst>
-              <a:ext uri="{FF2B5EF4-FFF2-40B4-BE49-F238E27FC236}">
-                <a16:creationId xmlns:a16="http://schemas.microsoft.com/office/drawing/2014/main" id="{D314149A-5E63-0DB4-E55E-65ACF8C0EF17}"/>
-              </a:ext>
-            </a:extLst>
-          </p:cNvPr>
-          <p:cNvPicPr>
-            <a:picLocks noChangeAspect="1"/>
-          </p:cNvPicPr>
-          <p:nvPr/>
-        </p:nvPicPr>
-        <p:blipFill rotWithShape="1">
-          <a:blip r:embed="rId2">
             <a:extLst>
               <a:ext uri="{28A0092B-C50C-407E-A947-70E740481C1C}">
                 <a14:useLocalDpi xmlns:a14="http://schemas.microsoft.com/office/drawing/2010/main" val="0"/>
@@ -17998,7 +18039,7 @@
           <p:nvPr/>
         </p:nvPicPr>
         <p:blipFill rotWithShape="1">
-          <a:blip r:embed="rId2">
+          <a:blip r:embed="rId3">
             <a:extLst>
               <a:ext uri="{28A0092B-C50C-407E-A947-70E740481C1C}">
                 <a14:useLocalDpi xmlns:a14="http://schemas.microsoft.com/office/drawing/2010/main" val="0"/>
@@ -18012,42 +18053,6 @@
           <a:xfrm>
             <a:off x="3812720" y="7682969"/>
             <a:ext cx="4769865" cy="5344228"/>
-          </a:xfrm>
-          <a:prstGeom prst="rect">
-            <a:avLst/>
-          </a:prstGeom>
-        </p:spPr>
-      </p:pic>
-      <p:pic>
-        <p:nvPicPr>
-          <p:cNvPr id="6" name="Picture 5" descr="A triangle shaped object with different colored squares&#10;&#10;Description automatically generated with medium confidence">
-            <a:extLst>
-              <a:ext uri="{FF2B5EF4-FFF2-40B4-BE49-F238E27FC236}">
-                <a16:creationId xmlns:a16="http://schemas.microsoft.com/office/drawing/2014/main" id="{C75E825C-4855-B342-CF3D-4E75C24302E7}"/>
-              </a:ext>
-            </a:extLst>
-          </p:cNvPr>
-          <p:cNvPicPr>
-            <a:picLocks noChangeAspect="1"/>
-          </p:cNvPicPr>
-          <p:nvPr/>
-        </p:nvPicPr>
-        <p:blipFill>
-          <a:blip r:embed="rId4">
-            <a:extLst>
-              <a:ext uri="{28A0092B-C50C-407E-A947-70E740481C1C}">
-                <a14:useLocalDpi xmlns:a14="http://schemas.microsoft.com/office/drawing/2010/main" val="0"/>
-              </a:ext>
-            </a:extLst>
-          </a:blip>
-          <a:stretch>
-            <a:fillRect/>
-          </a:stretch>
-        </p:blipFill>
-        <p:spPr>
-          <a:xfrm>
-            <a:off x="8582585" y="7619468"/>
-            <a:ext cx="11431595" cy="7621064"/>
           </a:xfrm>
           <a:prstGeom prst="rect">
             <a:avLst/>
@@ -18132,6 +18137,41 @@
           </a:p>
         </p:txBody>
       </p:sp>
+      <p:pic>
+        <p:nvPicPr>
+          <p:cNvPr id="16" name="Picture 15" descr="A triangle shaped object with many small colored squares&#10;&#10;Description automatically generated with medium confidence">
+            <a:extLst>
+              <a:ext uri="{FF2B5EF4-FFF2-40B4-BE49-F238E27FC236}">
+                <a16:creationId xmlns:a16="http://schemas.microsoft.com/office/drawing/2014/main" id="{D603C6C8-1417-7B6D-C607-B70038E9D0D3}"/>
+              </a:ext>
+            </a:extLst>
+          </p:cNvPr>
+          <p:cNvPicPr>
+            <a:picLocks noChangeAspect="1"/>
+          </p:cNvPicPr>
+          <p:nvPr/>
+        </p:nvPicPr>
+        <p:blipFill rotWithShape="1">
+          <a:blip r:embed="rId4">
+            <a:extLst>
+              <a:ext uri="{28A0092B-C50C-407E-A947-70E740481C1C}">
+                <a14:useLocalDpi xmlns:a14="http://schemas.microsoft.com/office/drawing/2010/main" val="0"/>
+              </a:ext>
+            </a:extLst>
+          </a:blip>
+          <a:srcRect b="29876"/>
+          <a:stretch/>
+        </p:blipFill>
+        <p:spPr>
+          <a:xfrm>
+            <a:off x="8561619" y="1560871"/>
+            <a:ext cx="11431595" cy="5344228"/>
+          </a:xfrm>
+          <a:prstGeom prst="rect">
+            <a:avLst/>
+          </a:prstGeom>
+        </p:spPr>
+      </p:pic>
     </p:spTree>
     <p:extLst>
       <p:ext uri="{BB962C8B-B14F-4D97-AF65-F5344CB8AC3E}">

--- a/Summary/figures.pptx
+++ b/Summary/figures.pptx
@@ -5,7 +5,7 @@
     <p:sldMasterId id="2147483672" r:id="rId1"/>
   </p:sldMasterIdLst>
   <p:notesMasterIdLst>
-    <p:notesMasterId r:id="rId24"/>
+    <p:notesMasterId r:id="rId22"/>
   </p:notesMasterIdLst>
   <p:sldIdLst>
     <p:sldId id="420" r:id="rId2"/>
@@ -16,20 +16,18 @@
     <p:sldId id="427" r:id="rId7"/>
     <p:sldId id="413" r:id="rId8"/>
     <p:sldId id="414" r:id="rId9"/>
-    <p:sldId id="415" r:id="rId10"/>
-    <p:sldId id="416" r:id="rId11"/>
-    <p:sldId id="430" r:id="rId12"/>
-    <p:sldId id="432" r:id="rId13"/>
-    <p:sldId id="433" r:id="rId14"/>
-    <p:sldId id="434" r:id="rId15"/>
-    <p:sldId id="435" r:id="rId16"/>
-    <p:sldId id="442" r:id="rId17"/>
-    <p:sldId id="448" r:id="rId18"/>
-    <p:sldId id="438" r:id="rId19"/>
-    <p:sldId id="439" r:id="rId20"/>
-    <p:sldId id="446" r:id="rId21"/>
-    <p:sldId id="449" r:id="rId22"/>
-    <p:sldId id="450" r:id="rId23"/>
+    <p:sldId id="430" r:id="rId10"/>
+    <p:sldId id="432" r:id="rId11"/>
+    <p:sldId id="433" r:id="rId12"/>
+    <p:sldId id="434" r:id="rId13"/>
+    <p:sldId id="435" r:id="rId14"/>
+    <p:sldId id="442" r:id="rId15"/>
+    <p:sldId id="448" r:id="rId16"/>
+    <p:sldId id="438" r:id="rId17"/>
+    <p:sldId id="439" r:id="rId18"/>
+    <p:sldId id="446" r:id="rId19"/>
+    <p:sldId id="449" r:id="rId20"/>
+    <p:sldId id="450" r:id="rId21"/>
   </p:sldIdLst>
   <p:sldSz cx="22860000" cy="22860000"/>
   <p:notesSz cx="6858000" cy="9144000"/>
@@ -139,7 +137,7 @@
 <file path=ppt/revisionInfo.xml><?xml version="1.0" encoding="utf-8"?>
 <p1510:revInfo xmlns:a="http://schemas.openxmlformats.org/drawingml/2006/main" xmlns:r="http://schemas.openxmlformats.org/officeDocument/2006/relationships" xmlns:p1510="http://schemas.microsoft.com/office/powerpoint/2015/10/main">
   <p1510:revLst>
-    <p1510:client id="{833092D5-9927-4807-BE3E-672C10A7E002}" v="276" dt="2023-09-01T22:56:55.364"/>
+    <p1510:client id="{833092D5-9927-4807-BE3E-672C10A7E002}" v="281" dt="2023-09-06T23:43:31.069"/>
   </p1510:revLst>
 </p1510:revInfo>
 </file>
@@ -189,7 +187,7 @@
   <pc:docChgLst>
     <pc:chgData name="Jonathan Mah" userId="5261b2f2f3e51194" providerId="LiveId" clId="{833092D5-9927-4807-BE3E-672C10A7E002}"/>
     <pc:docChg chg="undo redo custSel addSld delSld modSld sldOrd">
-      <pc:chgData name="Jonathan Mah" userId="5261b2f2f3e51194" providerId="LiveId" clId="{833092D5-9927-4807-BE3E-672C10A7E002}" dt="2023-09-01T22:57:26.329" v="3503" actId="167"/>
+      <pc:chgData name="Jonathan Mah" userId="5261b2f2f3e51194" providerId="LiveId" clId="{833092D5-9927-4807-BE3E-672C10A7E002}" dt="2023-09-07T00:02:43.506" v="3558" actId="47"/>
       <pc:docMkLst>
         <pc:docMk/>
       </pc:docMkLst>
@@ -1839,8 +1837,8 @@
           </ac:picMkLst>
         </pc:picChg>
       </pc:sldChg>
-      <pc:sldChg chg="addSp delSp modSp new mod">
-        <pc:chgData name="Jonathan Mah" userId="5261b2f2f3e51194" providerId="LiveId" clId="{833092D5-9927-4807-BE3E-672C10A7E002}" dt="2023-06-01T01:05:39.589" v="97" actId="1037"/>
+      <pc:sldChg chg="addSp delSp modSp new del mod">
+        <pc:chgData name="Jonathan Mah" userId="5261b2f2f3e51194" providerId="LiveId" clId="{833092D5-9927-4807-BE3E-672C10A7E002}" dt="2023-09-07T00:02:43.506" v="3558" actId="47"/>
         <pc:sldMkLst>
           <pc:docMk/>
           <pc:sldMk cId="3213471130" sldId="415"/>
@@ -1966,8 +1964,8 @@
           </ac:picMkLst>
         </pc:picChg>
       </pc:sldChg>
-      <pc:sldChg chg="addSp delSp modSp new mod">
-        <pc:chgData name="Jonathan Mah" userId="5261b2f2f3e51194" providerId="LiveId" clId="{833092D5-9927-4807-BE3E-672C10A7E002}" dt="2023-06-01T01:03:06.962" v="80" actId="1037"/>
+      <pc:sldChg chg="addSp delSp modSp new del mod">
+        <pc:chgData name="Jonathan Mah" userId="5261b2f2f3e51194" providerId="LiveId" clId="{833092D5-9927-4807-BE3E-672C10A7E002}" dt="2023-09-07T00:02:40.888" v="3557" actId="47"/>
         <pc:sldMkLst>
           <pc:docMk/>
           <pc:sldMk cId="540664807" sldId="416"/>
@@ -4438,7 +4436,7 @@
         </pc:picChg>
       </pc:sldChg>
       <pc:sldChg chg="addSp delSp modSp new mod">
-        <pc:chgData name="Jonathan Mah" userId="5261b2f2f3e51194" providerId="LiveId" clId="{833092D5-9927-4807-BE3E-672C10A7E002}" dt="2023-08-30T00:29:53.642" v="3469" actId="478"/>
+        <pc:chgData name="Jonathan Mah" userId="5261b2f2f3e51194" providerId="LiveId" clId="{833092D5-9927-4807-BE3E-672C10A7E002}" dt="2023-09-06T23:43:51.321" v="3556" actId="1035"/>
         <pc:sldMkLst>
           <pc:docMk/>
           <pc:sldMk cId="3690159507" sldId="425"/>
@@ -4508,11 +4506,19 @@
           </ac:picMkLst>
         </pc:picChg>
         <pc:picChg chg="add del mod ord">
-          <ac:chgData name="Jonathan Mah" userId="5261b2f2f3e51194" providerId="LiveId" clId="{833092D5-9927-4807-BE3E-672C10A7E002}" dt="2023-08-30T00:29:53.642" v="3469" actId="478"/>
+          <ac:chgData name="Jonathan Mah" userId="5261b2f2f3e51194" providerId="LiveId" clId="{833092D5-9927-4807-BE3E-672C10A7E002}" dt="2023-09-06T23:43:47.944" v="3546" actId="478"/>
           <ac:picMkLst>
             <pc:docMk/>
             <pc:sldMk cId="3690159507" sldId="425"/>
             <ac:picMk id="3" creationId="{ECE1B504-E8FC-F91E-31B0-927F22CFDE3C}"/>
+          </ac:picMkLst>
+        </pc:picChg>
+        <pc:picChg chg="add del mod">
+          <ac:chgData name="Jonathan Mah" userId="5261b2f2f3e51194" providerId="LiveId" clId="{833092D5-9927-4807-BE3E-672C10A7E002}" dt="2023-09-06T23:43:24.576" v="3535" actId="478"/>
+          <ac:picMkLst>
+            <pc:docMk/>
+            <pc:sldMk cId="3690159507" sldId="425"/>
+            <ac:picMk id="4" creationId="{9FBACEA0-FAEF-E7A3-4C1E-C634B8AA4112}"/>
           </ac:picMkLst>
         </pc:picChg>
         <pc:picChg chg="add del mod">
@@ -4537,6 +4543,14 @@
             <pc:docMk/>
             <pc:sldMk cId="3690159507" sldId="425"/>
             <ac:picMk id="5" creationId="{F078F9C3-92EB-F9F2-A4E4-977B20ABD6A6}"/>
+          </ac:picMkLst>
+        </pc:picChg>
+        <pc:picChg chg="add mod ord">
+          <ac:chgData name="Jonathan Mah" userId="5261b2f2f3e51194" providerId="LiveId" clId="{833092D5-9927-4807-BE3E-672C10A7E002}" dt="2023-09-06T23:43:51.321" v="3556" actId="1035"/>
+          <ac:picMkLst>
+            <pc:docMk/>
+            <pc:sldMk cId="3690159507" sldId="425"/>
+            <ac:picMk id="11" creationId="{1025E53C-4161-BDC3-5C88-0F5EDD32E92E}"/>
           </ac:picMkLst>
         </pc:picChg>
         <pc:picChg chg="add del mod ord">
@@ -5782,8 +5796,8 @@
           </ac:picMkLst>
         </pc:picChg>
       </pc:sldChg>
-      <pc:sldChg chg="addSp delSp modSp new mod">
-        <pc:chgData name="Jonathan Mah" userId="5261b2f2f3e51194" providerId="LiveId" clId="{833092D5-9927-4807-BE3E-672C10A7E002}" dt="2023-08-10T00:42:10.596" v="3129" actId="20577"/>
+      <pc:sldChg chg="addSp delSp modSp new mod modNotesTx">
+        <pc:chgData name="Jonathan Mah" userId="5261b2f2f3e51194" providerId="LiveId" clId="{833092D5-9927-4807-BE3E-672C10A7E002}" dt="2023-09-06T23:16:53.822" v="3531" actId="1076"/>
         <pc:sldMkLst>
           <pc:docMk/>
           <pc:sldMk cId="946828120" sldId="439"/>
@@ -5805,35 +5819,59 @@
           </ac:spMkLst>
         </pc:spChg>
         <pc:spChg chg="add mod">
-          <ac:chgData name="Jonathan Mah" userId="5261b2f2f3e51194" providerId="LiveId" clId="{833092D5-9927-4807-BE3E-672C10A7E002}" dt="2023-08-10T00:41:46.888" v="3123" actId="1076"/>
+          <ac:chgData name="Jonathan Mah" userId="5261b2f2f3e51194" providerId="LiveId" clId="{833092D5-9927-4807-BE3E-672C10A7E002}" dt="2023-09-06T23:16:49.942" v="3530" actId="1076"/>
+          <ac:spMkLst>
+            <pc:docMk/>
+            <pc:sldMk cId="946828120" sldId="439"/>
+            <ac:spMk id="7" creationId="{B0FFBC70-CFBA-52AE-8026-4620E350A1E6}"/>
+          </ac:spMkLst>
+        </pc:spChg>
+        <pc:spChg chg="add mod">
+          <ac:chgData name="Jonathan Mah" userId="5261b2f2f3e51194" providerId="LiveId" clId="{833092D5-9927-4807-BE3E-672C10A7E002}" dt="2023-09-06T23:16:53.822" v="3531" actId="1076"/>
+          <ac:spMkLst>
+            <pc:docMk/>
+            <pc:sldMk cId="946828120" sldId="439"/>
+            <ac:spMk id="8" creationId="{F1079067-BCD7-CE94-18E7-962339D5C1FC}"/>
+          </ac:spMkLst>
+        </pc:spChg>
+        <pc:spChg chg="add del mod">
+          <ac:chgData name="Jonathan Mah" userId="5261b2f2f3e51194" providerId="LiveId" clId="{833092D5-9927-4807-BE3E-672C10A7E002}" dt="2023-09-06T22:17:47.874" v="3513" actId="478"/>
           <ac:spMkLst>
             <pc:docMk/>
             <pc:sldMk cId="946828120" sldId="439"/>
             <ac:spMk id="11" creationId="{FD539714-DAAA-F325-4B79-169741A3DF76}"/>
           </ac:spMkLst>
         </pc:spChg>
-        <pc:spChg chg="add mod">
-          <ac:chgData name="Jonathan Mah" userId="5261b2f2f3e51194" providerId="LiveId" clId="{833092D5-9927-4807-BE3E-672C10A7E002}" dt="2023-08-10T00:42:08.921" v="3128" actId="20577"/>
+        <pc:spChg chg="add del mod">
+          <ac:chgData name="Jonathan Mah" userId="5261b2f2f3e51194" providerId="LiveId" clId="{833092D5-9927-4807-BE3E-672C10A7E002}" dt="2023-09-06T22:17:47.874" v="3513" actId="478"/>
           <ac:spMkLst>
             <pc:docMk/>
             <pc:sldMk cId="946828120" sldId="439"/>
             <ac:spMk id="12" creationId="{58E043C6-9779-F717-74C9-EC8295B72485}"/>
           </ac:spMkLst>
         </pc:spChg>
-        <pc:spChg chg="add mod">
-          <ac:chgData name="Jonathan Mah" userId="5261b2f2f3e51194" providerId="LiveId" clId="{833092D5-9927-4807-BE3E-672C10A7E002}" dt="2023-08-10T00:42:10.596" v="3129" actId="20577"/>
+        <pc:spChg chg="add del mod">
+          <ac:chgData name="Jonathan Mah" userId="5261b2f2f3e51194" providerId="LiveId" clId="{833092D5-9927-4807-BE3E-672C10A7E002}" dt="2023-09-06T22:17:47.874" v="3513" actId="478"/>
           <ac:spMkLst>
             <pc:docMk/>
             <pc:sldMk cId="946828120" sldId="439"/>
             <ac:spMk id="13" creationId="{F28E095C-0CF3-5D0E-141C-7F163AB55D1F}"/>
           </ac:spMkLst>
         </pc:spChg>
-        <pc:picChg chg="add mod modCrop">
-          <ac:chgData name="Jonathan Mah" userId="5261b2f2f3e51194" providerId="LiveId" clId="{833092D5-9927-4807-BE3E-672C10A7E002}" dt="2023-08-10T00:41:31.909" v="3121" actId="1076"/>
+        <pc:picChg chg="add del mod modCrop">
+          <ac:chgData name="Jonathan Mah" userId="5261b2f2f3e51194" providerId="LiveId" clId="{833092D5-9927-4807-BE3E-672C10A7E002}" dt="2023-09-06T22:17:47.874" v="3513" actId="478"/>
           <ac:picMkLst>
             <pc:docMk/>
             <pc:sldMk cId="946828120" sldId="439"/>
             <ac:picMk id="3" creationId="{015A4347-7522-A427-66B1-2DCE3C629FAC}"/>
+          </ac:picMkLst>
+        </pc:picChg>
+        <pc:picChg chg="add mod">
+          <ac:chgData name="Jonathan Mah" userId="5261b2f2f3e51194" providerId="LiveId" clId="{833092D5-9927-4807-BE3E-672C10A7E002}" dt="2023-09-06T23:16:26.463" v="3527" actId="1076"/>
+          <ac:picMkLst>
+            <pc:docMk/>
+            <pc:sldMk cId="946828120" sldId="439"/>
+            <ac:picMk id="4" creationId="{4DADA4C1-ED86-8572-A0AF-DFF1BAEC02D5}"/>
           </ac:picMkLst>
         </pc:picChg>
         <pc:picChg chg="add del mod modCrop">
@@ -5852,6 +5890,14 @@
             <ac:picMk id="6" creationId="{37C89976-7D88-E08C-187E-A34B5DD80288}"/>
           </ac:picMkLst>
         </pc:picChg>
+        <pc:picChg chg="add mod modCrop">
+          <ac:chgData name="Jonathan Mah" userId="5261b2f2f3e51194" providerId="LiveId" clId="{833092D5-9927-4807-BE3E-672C10A7E002}" dt="2023-09-06T23:16:26.463" v="3527" actId="1076"/>
+          <ac:picMkLst>
+            <pc:docMk/>
+            <pc:sldMk cId="946828120" sldId="439"/>
+            <ac:picMk id="6" creationId="{CD40B072-67BD-20EC-F0AF-E77E9F317F28}"/>
+          </ac:picMkLst>
+        </pc:picChg>
         <pc:picChg chg="add del mod">
           <ac:chgData name="Jonathan Mah" userId="5261b2f2f3e51194" providerId="LiveId" clId="{833092D5-9927-4807-BE3E-672C10A7E002}" dt="2023-08-02T20:58:28.267" v="2841" actId="478"/>
           <ac:picMkLst>
@@ -5876,8 +5922,8 @@
             <ac:picMk id="9" creationId="{433260C7-BBDC-B50C-738B-5882F7B9ECB8}"/>
           </ac:picMkLst>
         </pc:picChg>
-        <pc:picChg chg="add mod">
-          <ac:chgData name="Jonathan Mah" userId="5261b2f2f3e51194" providerId="LiveId" clId="{833092D5-9927-4807-BE3E-672C10A7E002}" dt="2023-08-10T00:40:28.358" v="3116" actId="1076"/>
+        <pc:picChg chg="add del mod">
+          <ac:chgData name="Jonathan Mah" userId="5261b2f2f3e51194" providerId="LiveId" clId="{833092D5-9927-4807-BE3E-672C10A7E002}" dt="2023-09-06T22:17:46.146" v="3512" actId="478"/>
           <ac:picMkLst>
             <pc:docMk/>
             <pc:sldMk cId="946828120" sldId="439"/>
@@ -6673,7 +6719,7 @@
           <a:p>
             <a:fld id="{224F4B04-6A50-4A51-B675-D86EC6563060}" type="datetimeFigureOut">
               <a:rPr lang="en-US" smtClean="0"/>
-              <a:t>9/1/2023</a:t>
+              <a:t>9/6/2023</a:t>
             </a:fld>
             <a:endParaRPr lang="en-US"/>
           </a:p>
@@ -7233,7 +7279,7 @@
           <a:p>
             <a:fld id="{D3E66EEF-0D0A-4529-B3B7-A8E483F72DC0}" type="slidenum">
               <a:rPr lang="en-US" smtClean="0"/>
-              <a:t>11</a:t>
+              <a:t>9</a:t>
             </a:fld>
             <a:endParaRPr lang="en-US"/>
           </a:p>
@@ -7320,7 +7366,7 @@
           <a:p>
             <a:fld id="{D3E66EEF-0D0A-4529-B3B7-A8E483F72DC0}" type="slidenum">
               <a:rPr lang="en-US" smtClean="0"/>
-              <a:t>12</a:t>
+              <a:t>10</a:t>
             </a:fld>
             <a:endParaRPr lang="en-US"/>
           </a:p>
@@ -7408,7 +7454,7 @@
           <a:p>
             <a:fld id="{D3E66EEF-0D0A-4529-B3B7-A8E483F72DC0}" type="slidenum">
               <a:rPr lang="en-US" smtClean="0"/>
-              <a:t>13</a:t>
+              <a:t>11</a:t>
             </a:fld>
             <a:endParaRPr lang="en-US"/>
           </a:p>
@@ -7496,7 +7542,7 @@
           <a:p>
             <a:fld id="{D3E66EEF-0D0A-4529-B3B7-A8E483F72DC0}" type="slidenum">
               <a:rPr lang="en-US" smtClean="0"/>
-              <a:t>14</a:t>
+              <a:t>12</a:t>
             </a:fld>
             <a:endParaRPr lang="en-US"/>
           </a:p>
@@ -7506,6 +7552,93 @@
     <p:extLst>
       <p:ext uri="{BB962C8B-B14F-4D97-AF65-F5344CB8AC3E}">
         <p14:creationId xmlns:p14="http://schemas.microsoft.com/office/powerpoint/2010/main" val="2529525553"/>
+      </p:ext>
+    </p:extLst>
+  </p:cSld>
+  <p:clrMapOvr>
+    <a:masterClrMapping/>
+  </p:clrMapOvr>
+</p:notes>
+</file>
+
+<file path=ppt/notesSlides/notesSlide7.xml><?xml version="1.0" encoding="utf-8"?>
+<p:notes xmlns:a="http://schemas.openxmlformats.org/drawingml/2006/main" xmlns:r="http://schemas.openxmlformats.org/officeDocument/2006/relationships" xmlns:p="http://schemas.openxmlformats.org/presentationml/2006/main">
+  <p:cSld>
+    <p:spTree>
+      <p:nvGrpSpPr>
+        <p:cNvPr id="1" name=""/>
+        <p:cNvGrpSpPr/>
+        <p:nvPr/>
+      </p:nvGrpSpPr>
+      <p:grpSpPr>
+        <a:xfrm>
+          <a:off x="0" y="0"/>
+          <a:ext cx="0" cy="0"/>
+          <a:chOff x="0" y="0"/>
+          <a:chExt cx="0" cy="0"/>
+        </a:xfrm>
+      </p:grpSpPr>
+      <p:sp>
+        <p:nvSpPr>
+          <p:cNvPr id="2" name="Slide Image Placeholder 1"/>
+          <p:cNvSpPr>
+            <a:spLocks noGrp="1" noRot="1" noChangeAspect="1"/>
+          </p:cNvSpPr>
+          <p:nvPr>
+            <p:ph type="sldImg"/>
+          </p:nvPr>
+        </p:nvSpPr>
+        <p:spPr/>
+      </p:sp>
+      <p:sp>
+        <p:nvSpPr>
+          <p:cNvPr id="3" name="Notes Placeholder 2"/>
+          <p:cNvSpPr>
+            <a:spLocks noGrp="1"/>
+          </p:cNvSpPr>
+          <p:nvPr>
+            <p:ph type="body" idx="1"/>
+          </p:nvPr>
+        </p:nvSpPr>
+        <p:spPr/>
+        <p:txBody>
+          <a:bodyPr/>
+          <a:lstStyle/>
+          <a:p>
+            <a:r>
+              <a:rPr lang="en-US" dirty="0"/>
+              <a:t>Figure 5</a:t>
+            </a:r>
+          </a:p>
+        </p:txBody>
+      </p:sp>
+      <p:sp>
+        <p:nvSpPr>
+          <p:cNvPr id="4" name="Slide Number Placeholder 3"/>
+          <p:cNvSpPr>
+            <a:spLocks noGrp="1"/>
+          </p:cNvSpPr>
+          <p:nvPr>
+            <p:ph type="sldNum" sz="quarter" idx="5"/>
+          </p:nvPr>
+        </p:nvSpPr>
+        <p:spPr/>
+        <p:txBody>
+          <a:bodyPr/>
+          <a:lstStyle/>
+          <a:p>
+            <a:fld id="{D3E66EEF-0D0A-4529-B3B7-A8E483F72DC0}" type="slidenum">
+              <a:rPr lang="en-US" smtClean="0"/>
+              <a:t>17</a:t>
+            </a:fld>
+            <a:endParaRPr lang="en-US"/>
+          </a:p>
+        </p:txBody>
+      </p:sp>
+    </p:spTree>
+    <p:extLst>
+      <p:ext uri="{BB962C8B-B14F-4D97-AF65-F5344CB8AC3E}">
+        <p14:creationId xmlns:p14="http://schemas.microsoft.com/office/powerpoint/2010/main" val="2980321789"/>
       </p:ext>
     </p:extLst>
   </p:cSld>
@@ -7646,7 +7779,7 @@
           <a:p>
             <a:fld id="{54E435BD-4569-4C00-96FD-DE6EEAA430DA}" type="datetimeFigureOut">
               <a:rPr lang="en-US" smtClean="0"/>
-              <a:t>9/1/2023</a:t>
+              <a:t>9/6/2023</a:t>
             </a:fld>
             <a:endParaRPr lang="en-US"/>
           </a:p>
@@ -7816,7 +7949,7 @@
           <a:p>
             <a:fld id="{54E435BD-4569-4C00-96FD-DE6EEAA430DA}" type="datetimeFigureOut">
               <a:rPr lang="en-US" smtClean="0"/>
-              <a:t>9/1/2023</a:t>
+              <a:t>9/6/2023</a:t>
             </a:fld>
             <a:endParaRPr lang="en-US"/>
           </a:p>
@@ -7996,7 +8129,7 @@
           <a:p>
             <a:fld id="{54E435BD-4569-4C00-96FD-DE6EEAA430DA}" type="datetimeFigureOut">
               <a:rPr lang="en-US" smtClean="0"/>
-              <a:t>9/1/2023</a:t>
+              <a:t>9/6/2023</a:t>
             </a:fld>
             <a:endParaRPr lang="en-US"/>
           </a:p>
@@ -8166,7 +8299,7 @@
           <a:p>
             <a:fld id="{54E435BD-4569-4C00-96FD-DE6EEAA430DA}" type="datetimeFigureOut">
               <a:rPr lang="en-US" smtClean="0"/>
-              <a:t>9/1/2023</a:t>
+              <a:t>9/6/2023</a:t>
             </a:fld>
             <a:endParaRPr lang="en-US"/>
           </a:p>
@@ -8410,7 +8543,7 @@
           <a:p>
             <a:fld id="{54E435BD-4569-4C00-96FD-DE6EEAA430DA}" type="datetimeFigureOut">
               <a:rPr lang="en-US" smtClean="0"/>
-              <a:t>9/1/2023</a:t>
+              <a:t>9/6/2023</a:t>
             </a:fld>
             <a:endParaRPr lang="en-US"/>
           </a:p>
@@ -8642,7 +8775,7 @@
           <a:p>
             <a:fld id="{54E435BD-4569-4C00-96FD-DE6EEAA430DA}" type="datetimeFigureOut">
               <a:rPr lang="en-US" smtClean="0"/>
-              <a:t>9/1/2023</a:t>
+              <a:t>9/6/2023</a:t>
             </a:fld>
             <a:endParaRPr lang="en-US"/>
           </a:p>
@@ -9009,7 +9142,7 @@
           <a:p>
             <a:fld id="{54E435BD-4569-4C00-96FD-DE6EEAA430DA}" type="datetimeFigureOut">
               <a:rPr lang="en-US" smtClean="0"/>
-              <a:t>9/1/2023</a:t>
+              <a:t>9/6/2023</a:t>
             </a:fld>
             <a:endParaRPr lang="en-US"/>
           </a:p>
@@ -9127,7 +9260,7 @@
           <a:p>
             <a:fld id="{54E435BD-4569-4C00-96FD-DE6EEAA430DA}" type="datetimeFigureOut">
               <a:rPr lang="en-US" smtClean="0"/>
-              <a:t>9/1/2023</a:t>
+              <a:t>9/6/2023</a:t>
             </a:fld>
             <a:endParaRPr lang="en-US"/>
           </a:p>
@@ -9222,7 +9355,7 @@
           <a:p>
             <a:fld id="{54E435BD-4569-4C00-96FD-DE6EEAA430DA}" type="datetimeFigureOut">
               <a:rPr lang="en-US" smtClean="0"/>
-              <a:t>9/1/2023</a:t>
+              <a:t>9/6/2023</a:t>
             </a:fld>
             <a:endParaRPr lang="en-US"/>
           </a:p>
@@ -9499,7 +9632,7 @@
           <a:p>
             <a:fld id="{54E435BD-4569-4C00-96FD-DE6EEAA430DA}" type="datetimeFigureOut">
               <a:rPr lang="en-US" smtClean="0"/>
-              <a:t>9/1/2023</a:t>
+              <a:t>9/6/2023</a:t>
             </a:fld>
             <a:endParaRPr lang="en-US"/>
           </a:p>
@@ -9756,7 +9889,7 @@
           <a:p>
             <a:fld id="{54E435BD-4569-4C00-96FD-DE6EEAA430DA}" type="datetimeFigureOut">
               <a:rPr lang="en-US" smtClean="0"/>
-              <a:t>9/1/2023</a:t>
+              <a:t>9/6/2023</a:t>
             </a:fld>
             <a:endParaRPr lang="en-US"/>
           </a:p>
@@ -9969,7 +10102,7 @@
           <a:p>
             <a:fld id="{54E435BD-4569-4C00-96FD-DE6EEAA430DA}" type="datetimeFigureOut">
               <a:rPr lang="en-US" smtClean="0"/>
-              <a:t>9/1/2023</a:t>
+              <a:t>9/6/2023</a:t>
             </a:fld>
             <a:endParaRPr lang="en-US"/>
           </a:p>
@@ -10520,252 +10653,6 @@
       </p:grpSpPr>
       <p:pic>
         <p:nvPicPr>
-          <p:cNvPr id="8" name="Picture 7" descr="A picture containing text, screenshot, font, number&#10;&#10;Description automatically generated">
-            <a:extLst>
-              <a:ext uri="{FF2B5EF4-FFF2-40B4-BE49-F238E27FC236}">
-                <a16:creationId xmlns:a16="http://schemas.microsoft.com/office/drawing/2014/main" id="{38D8B649-D976-05E4-70E0-031959DFCC3C}"/>
-              </a:ext>
-            </a:extLst>
-          </p:cNvPr>
-          <p:cNvPicPr>
-            <a:picLocks noChangeAspect="1"/>
-          </p:cNvPicPr>
-          <p:nvPr/>
-        </p:nvPicPr>
-        <p:blipFill rotWithShape="1">
-          <a:blip r:embed="rId2">
-            <a:extLst>
-              <a:ext uri="{28A0092B-C50C-407E-A947-70E740481C1C}">
-                <a14:useLocalDpi xmlns:a14="http://schemas.microsoft.com/office/drawing/2010/main" val="0"/>
-              </a:ext>
-            </a:extLst>
-          </a:blip>
-          <a:srcRect l="33489"/>
-          <a:stretch/>
-        </p:blipFill>
-        <p:spPr>
-          <a:xfrm>
-            <a:off x="11044716" y="1254734"/>
-            <a:ext cx="5544058" cy="19052658"/>
-          </a:xfrm>
-          <a:prstGeom prst="rect">
-            <a:avLst/>
-          </a:prstGeom>
-          <a:ln w="38100">
-            <a:solidFill>
-              <a:srgbClr val="002060"/>
-            </a:solidFill>
-          </a:ln>
-        </p:spPr>
-      </p:pic>
-      <p:pic>
-        <p:nvPicPr>
-          <p:cNvPr id="9" name="Picture 8" descr="A picture containing text, screenshot, font, colorfulness&#10;&#10;Description automatically generated">
-            <a:extLst>
-              <a:ext uri="{FF2B5EF4-FFF2-40B4-BE49-F238E27FC236}">
-                <a16:creationId xmlns:a16="http://schemas.microsoft.com/office/drawing/2014/main" id="{D000D737-6BAF-FE83-543B-7F7DC45251BE}"/>
-              </a:ext>
-            </a:extLst>
-          </p:cNvPr>
-          <p:cNvPicPr>
-            <a:picLocks noChangeAspect="1"/>
-          </p:cNvPicPr>
-          <p:nvPr/>
-        </p:nvPicPr>
-        <p:blipFill>
-          <a:blip r:embed="rId3">
-            <a:extLst>
-              <a:ext uri="{28A0092B-C50C-407E-A947-70E740481C1C}">
-                <a14:useLocalDpi xmlns:a14="http://schemas.microsoft.com/office/drawing/2010/main" val="0"/>
-              </a:ext>
-            </a:extLst>
-          </a:blip>
-          <a:stretch>
-            <a:fillRect/>
-          </a:stretch>
-        </p:blipFill>
-        <p:spPr>
-          <a:xfrm>
-            <a:off x="2636606" y="1254733"/>
-            <a:ext cx="8335539" cy="19052659"/>
-          </a:xfrm>
-          <a:prstGeom prst="rect">
-            <a:avLst/>
-          </a:prstGeom>
-          <a:ln w="38100">
-            <a:solidFill>
-              <a:srgbClr val="002060"/>
-            </a:solidFill>
-          </a:ln>
-        </p:spPr>
-      </p:pic>
-    </p:spTree>
-    <p:extLst>
-      <p:ext uri="{BB962C8B-B14F-4D97-AF65-F5344CB8AC3E}">
-        <p14:creationId xmlns:p14="http://schemas.microsoft.com/office/powerpoint/2010/main" val="540664807"/>
-      </p:ext>
-    </p:extLst>
-  </p:cSld>
-  <p:clrMapOvr>
-    <a:masterClrMapping/>
-  </p:clrMapOvr>
-</p:sld>
-</file>
-
-<file path=ppt/slides/slide11.xml><?xml version="1.0" encoding="utf-8"?>
-<p:sld xmlns:a="http://schemas.openxmlformats.org/drawingml/2006/main" xmlns:r="http://schemas.openxmlformats.org/officeDocument/2006/relationships" xmlns:p="http://schemas.openxmlformats.org/presentationml/2006/main">
-  <p:cSld>
-    <p:spTree>
-      <p:nvGrpSpPr>
-        <p:cNvPr id="1" name=""/>
-        <p:cNvGrpSpPr/>
-        <p:nvPr/>
-      </p:nvGrpSpPr>
-      <p:grpSpPr>
-        <a:xfrm>
-          <a:off x="0" y="0"/>
-          <a:ext cx="0" cy="0"/>
-          <a:chOff x="0" y="0"/>
-          <a:chExt cx="0" cy="0"/>
-        </a:xfrm>
-      </p:grpSpPr>
-      <p:pic>
-        <p:nvPicPr>
-          <p:cNvPr id="17" name="Picture 16" descr="A black background with a black square&#10;&#10;Description automatically generated">
-            <a:extLst>
-              <a:ext uri="{FF2B5EF4-FFF2-40B4-BE49-F238E27FC236}">
-                <a16:creationId xmlns:a16="http://schemas.microsoft.com/office/drawing/2014/main" id="{22F61B2E-BCBC-32D9-1CFA-AAC0818DEF6A}"/>
-              </a:ext>
-            </a:extLst>
-          </p:cNvPr>
-          <p:cNvPicPr>
-            <a:picLocks noChangeAspect="1"/>
-          </p:cNvPicPr>
-          <p:nvPr/>
-        </p:nvPicPr>
-        <p:blipFill rotWithShape="1">
-          <a:blip r:embed="rId3">
-            <a:extLst>
-              <a:ext uri="{28A0092B-C50C-407E-A947-70E740481C1C}">
-                <a14:useLocalDpi xmlns:a14="http://schemas.microsoft.com/office/drawing/2010/main" val="0"/>
-              </a:ext>
-            </a:extLst>
-          </a:blip>
-          <a:srcRect l="38737" r="19484" b="6693"/>
-          <a:stretch/>
-        </p:blipFill>
-        <p:spPr>
-          <a:xfrm>
-            <a:off x="4005305" y="5699876"/>
-            <a:ext cx="5591133" cy="10871163"/>
-          </a:xfrm>
-          <a:prstGeom prst="rect">
-            <a:avLst/>
-          </a:prstGeom>
-        </p:spPr>
-      </p:pic>
-      <p:pic>
-        <p:nvPicPr>
-          <p:cNvPr id="24" name="Picture 23" descr="A chart of bacteria and viruses&#10;&#10;Description automatically generated">
-            <a:extLst>
-              <a:ext uri="{FF2B5EF4-FFF2-40B4-BE49-F238E27FC236}">
-                <a16:creationId xmlns:a16="http://schemas.microsoft.com/office/drawing/2014/main" id="{60D799C0-A1ED-918D-CC85-047A3B05FE30}"/>
-              </a:ext>
-            </a:extLst>
-          </p:cNvPr>
-          <p:cNvPicPr>
-            <a:picLocks noChangeAspect="1"/>
-          </p:cNvPicPr>
-          <p:nvPr/>
-        </p:nvPicPr>
-        <p:blipFill rotWithShape="1">
-          <a:blip r:embed="rId4">
-            <a:extLst>
-              <a:ext uri="{28A0092B-C50C-407E-A947-70E740481C1C}">
-                <a14:useLocalDpi xmlns:a14="http://schemas.microsoft.com/office/drawing/2010/main" val="0"/>
-              </a:ext>
-            </a:extLst>
-          </a:blip>
-          <a:srcRect r="93779" b="82987"/>
-          <a:stretch/>
-        </p:blipFill>
-        <p:spPr>
-          <a:xfrm rot="10800000">
-            <a:off x="16285074" y="5476045"/>
-            <a:ext cx="444500" cy="2025935"/>
-          </a:xfrm>
-          <a:prstGeom prst="rect">
-            <a:avLst/>
-          </a:prstGeom>
-        </p:spPr>
-      </p:pic>
-      <p:pic>
-        <p:nvPicPr>
-          <p:cNvPr id="3" name="Picture 2" descr="A screenshot of a graph&#10;&#10;Description automatically generated">
-            <a:extLst>
-              <a:ext uri="{FF2B5EF4-FFF2-40B4-BE49-F238E27FC236}">
-                <a16:creationId xmlns:a16="http://schemas.microsoft.com/office/drawing/2014/main" id="{31286943-3F6A-B6D7-6665-18681C7143D5}"/>
-              </a:ext>
-            </a:extLst>
-          </p:cNvPr>
-          <p:cNvPicPr>
-            <a:picLocks noChangeAspect="1"/>
-          </p:cNvPicPr>
-          <p:nvPr/>
-        </p:nvPicPr>
-        <p:blipFill rotWithShape="1">
-          <a:blip r:embed="rId5">
-            <a:extLst>
-              <a:ext uri="{28A0092B-C50C-407E-A947-70E740481C1C}">
-                <a14:useLocalDpi xmlns:a14="http://schemas.microsoft.com/office/drawing/2010/main" val="0"/>
-              </a:ext>
-            </a:extLst>
-          </a:blip>
-          <a:srcRect l="6384"/>
-          <a:stretch/>
-        </p:blipFill>
-        <p:spPr>
-          <a:xfrm>
-            <a:off x="9596437" y="5476045"/>
-            <a:ext cx="6688636" cy="11907911"/>
-          </a:xfrm>
-          <a:prstGeom prst="rect">
-            <a:avLst/>
-          </a:prstGeom>
-        </p:spPr>
-      </p:pic>
-    </p:spTree>
-    <p:extLst>
-      <p:ext uri="{BB962C8B-B14F-4D97-AF65-F5344CB8AC3E}">
-        <p14:creationId xmlns:p14="http://schemas.microsoft.com/office/powerpoint/2010/main" val="2775238939"/>
-      </p:ext>
-    </p:extLst>
-  </p:cSld>
-  <p:clrMapOvr>
-    <a:masterClrMapping/>
-  </p:clrMapOvr>
-</p:sld>
-</file>
-
-<file path=ppt/slides/slide12.xml><?xml version="1.0" encoding="utf-8"?>
-<p:sld xmlns:a="http://schemas.openxmlformats.org/drawingml/2006/main" xmlns:r="http://schemas.openxmlformats.org/officeDocument/2006/relationships" xmlns:p="http://schemas.openxmlformats.org/presentationml/2006/main">
-  <p:cSld>
-    <p:spTree>
-      <p:nvGrpSpPr>
-        <p:cNvPr id="1" name=""/>
-        <p:cNvGrpSpPr/>
-        <p:nvPr/>
-      </p:nvGrpSpPr>
-      <p:grpSpPr>
-        <a:xfrm>
-          <a:off x="0" y="0"/>
-          <a:ext cx="0" cy="0"/>
-          <a:chOff x="0" y="0"/>
-          <a:chExt cx="0" cy="0"/>
-        </a:xfrm>
-      </p:grpSpPr>
-      <p:pic>
-        <p:nvPicPr>
           <p:cNvPr id="17" name="Picture 16" descr="A black background with a black square&#10;&#10;Description automatically generated">
             <a:extLst>
               <a:ext uri="{FF2B5EF4-FFF2-40B4-BE49-F238E27FC236}">
@@ -10882,7 +10769,7 @@
 </p:sld>
 </file>
 
-<file path=ppt/slides/slide13.xml><?xml version="1.0" encoding="utf-8"?>
+<file path=ppt/slides/slide11.xml><?xml version="1.0" encoding="utf-8"?>
 <p:sld xmlns:a="http://schemas.openxmlformats.org/drawingml/2006/main" xmlns:r="http://schemas.openxmlformats.org/officeDocument/2006/relationships" xmlns:p="http://schemas.openxmlformats.org/presentationml/2006/main">
   <p:cSld>
     <p:spTree>
@@ -11017,7 +10904,7 @@
 </p:sld>
 </file>
 
-<file path=ppt/slides/slide14.xml><?xml version="1.0" encoding="utf-8"?>
+<file path=ppt/slides/slide12.xml><?xml version="1.0" encoding="utf-8"?>
 <p:sld xmlns:a="http://schemas.openxmlformats.org/drawingml/2006/main" xmlns:r="http://schemas.openxmlformats.org/officeDocument/2006/relationships" xmlns:p="http://schemas.openxmlformats.org/presentationml/2006/main">
   <p:cSld>
     <p:spTree>
@@ -11152,7 +11039,7 @@
 </p:sld>
 </file>
 
-<file path=ppt/slides/slide15.xml><?xml version="1.0" encoding="utf-8"?>
+<file path=ppt/slides/slide13.xml><?xml version="1.0" encoding="utf-8"?>
 <p:sld xmlns:a="http://schemas.openxmlformats.org/drawingml/2006/main" xmlns:r="http://schemas.openxmlformats.org/officeDocument/2006/relationships" xmlns:p="http://schemas.openxmlformats.org/presentationml/2006/main">
   <p:cSld>
     <p:spTree>
@@ -11252,7 +11139,7 @@
 </p:sld>
 </file>
 
-<file path=ppt/slides/slide16.xml><?xml version="1.0" encoding="utf-8"?>
+<file path=ppt/slides/slide14.xml><?xml version="1.0" encoding="utf-8"?>
 <p:sld xmlns:a="http://schemas.openxmlformats.org/drawingml/2006/main" xmlns:r="http://schemas.openxmlformats.org/officeDocument/2006/relationships" xmlns:p="http://schemas.openxmlformats.org/presentationml/2006/main">
   <p:cSld>
     <p:spTree>
@@ -11352,7 +11239,7 @@
 </p:sld>
 </file>
 
-<file path=ppt/slides/slide17.xml><?xml version="1.0" encoding="utf-8"?>
+<file path=ppt/slides/slide15.xml><?xml version="1.0" encoding="utf-8"?>
 <p:sld xmlns:a="http://schemas.openxmlformats.org/drawingml/2006/main" xmlns:r="http://schemas.openxmlformats.org/officeDocument/2006/relationships" xmlns:p="http://schemas.openxmlformats.org/presentationml/2006/main">
   <p:cSld>
     <p:spTree>
@@ -11488,7 +11375,7 @@
 </p:sld>
 </file>
 
-<file path=ppt/slides/slide18.xml><?xml version="1.0" encoding="utf-8"?>
+<file path=ppt/slides/slide16.xml><?xml version="1.0" encoding="utf-8"?>
 <p:sld xmlns:a="http://schemas.openxmlformats.org/drawingml/2006/main" xmlns:r="http://schemas.openxmlformats.org/officeDocument/2006/relationships" xmlns:p="http://schemas.openxmlformats.org/presentationml/2006/main">
   <p:cSld>
     <p:spTree>
@@ -11936,7 +11823,7 @@
 </p:sld>
 </file>
 
-<file path=ppt/slides/slide19.xml><?xml version="1.0" encoding="utf-8"?>
+<file path=ppt/slides/slide17.xml><?xml version="1.0" encoding="utf-8"?>
 <p:sld xmlns:a="http://schemas.openxmlformats.org/drawingml/2006/main" xmlns:r="http://schemas.openxmlformats.org/officeDocument/2006/relationships" xmlns:p="http://schemas.openxmlformats.org/presentationml/2006/main">
   <p:cSld>
     <p:spTree>
@@ -11955,45 +11842,10 @@
       </p:grpSpPr>
       <p:pic>
         <p:nvPicPr>
-          <p:cNvPr id="3" name="Picture 2" descr="A black background with a black square&#10;&#10;Description automatically generated with medium confidence">
+          <p:cNvPr id="4" name="Picture 3" descr="A graph of different colored bars&#10;&#10;Description automatically generated with medium confidence">
             <a:extLst>
               <a:ext uri="{FF2B5EF4-FFF2-40B4-BE49-F238E27FC236}">
-                <a16:creationId xmlns:a16="http://schemas.microsoft.com/office/drawing/2014/main" id="{015A4347-7522-A427-66B1-2DCE3C629FAC}"/>
-              </a:ext>
-            </a:extLst>
-          </p:cNvPr>
-          <p:cNvPicPr>
-            <a:picLocks noChangeAspect="1"/>
-          </p:cNvPicPr>
-          <p:nvPr/>
-        </p:nvPicPr>
-        <p:blipFill rotWithShape="1">
-          <a:blip r:embed="rId2">
-            <a:extLst>
-              <a:ext uri="{28A0092B-C50C-407E-A947-70E740481C1C}">
-                <a14:useLocalDpi xmlns:a14="http://schemas.microsoft.com/office/drawing/2010/main" val="0"/>
-              </a:ext>
-            </a:extLst>
-          </a:blip>
-          <a:srcRect r="48624" b="7120"/>
-          <a:stretch/>
-        </p:blipFill>
-        <p:spPr>
-          <a:xfrm>
-            <a:off x="4685236" y="3551009"/>
-            <a:ext cx="2133600" cy="11833679"/>
-          </a:xfrm>
-          <a:prstGeom prst="rect">
-            <a:avLst/>
-          </a:prstGeom>
-        </p:spPr>
-      </p:pic>
-      <p:pic>
-        <p:nvPicPr>
-          <p:cNvPr id="10" name="Picture 9" descr="A screenshot of a graph&#10;&#10;Description automatically generated">
-            <a:extLst>
-              <a:ext uri="{FF2B5EF4-FFF2-40B4-BE49-F238E27FC236}">
-                <a16:creationId xmlns:a16="http://schemas.microsoft.com/office/drawing/2014/main" id="{6CE684A9-9834-709A-8D0E-044BCDB0D233}"/>
+                <a16:creationId xmlns:a16="http://schemas.microsoft.com/office/drawing/2014/main" id="{4DADA4C1-ED86-8572-A0AF-DFF1BAEC02D5}"/>
               </a:ext>
             </a:extLst>
           </p:cNvPr>
@@ -12016,8 +11868,43 @@
         </p:blipFill>
         <p:spPr>
           <a:xfrm>
-            <a:off x="6818836" y="1846786"/>
-            <a:ext cx="15242127" cy="15242127"/>
+            <a:off x="8483237" y="0"/>
+            <a:ext cx="9797143" cy="22860000"/>
+          </a:xfrm>
+          <a:prstGeom prst="rect">
+            <a:avLst/>
+          </a:prstGeom>
+        </p:spPr>
+      </p:pic>
+      <p:pic>
+        <p:nvPicPr>
+          <p:cNvPr id="6" name="Picture 5" descr="A black background with a black square&#10;&#10;Description automatically generated with medium confidence">
+            <a:extLst>
+              <a:ext uri="{FF2B5EF4-FFF2-40B4-BE49-F238E27FC236}">
+                <a16:creationId xmlns:a16="http://schemas.microsoft.com/office/drawing/2014/main" id="{CD40B072-67BD-20EC-F0AF-E77E9F317F28}"/>
+              </a:ext>
+            </a:extLst>
+          </p:cNvPr>
+          <p:cNvPicPr>
+            <a:picLocks noChangeAspect="1"/>
+          </p:cNvPicPr>
+          <p:nvPr/>
+        </p:nvPicPr>
+        <p:blipFill rotWithShape="1">
+          <a:blip r:embed="rId4">
+            <a:extLst>
+              <a:ext uri="{28A0092B-C50C-407E-A947-70E740481C1C}">
+                <a14:useLocalDpi xmlns:a14="http://schemas.microsoft.com/office/drawing/2010/main" val="0"/>
+              </a:ext>
+            </a:extLst>
+          </a:blip>
+          <a:srcRect r="28266" b="6124"/>
+          <a:stretch/>
+        </p:blipFill>
+        <p:spPr>
+          <a:xfrm>
+            <a:off x="2209799" y="1270158"/>
+            <a:ext cx="6273437" cy="20319683"/>
           </a:xfrm>
           <a:prstGeom prst="rect">
             <a:avLst/>
@@ -12026,10 +11913,10 @@
       </p:pic>
       <p:sp>
         <p:nvSpPr>
-          <p:cNvPr id="11" name="TextBox 10">
+          <p:cNvPr id="7" name="TextBox 6">
             <a:extLst>
               <a:ext uri="{FF2B5EF4-FFF2-40B4-BE49-F238E27FC236}">
-                <a16:creationId xmlns:a16="http://schemas.microsoft.com/office/drawing/2014/main" id="{FD539714-DAAA-F325-4B79-169741A3DF76}"/>
+                <a16:creationId xmlns:a16="http://schemas.microsoft.com/office/drawing/2014/main" id="{B0FFBC70-CFBA-52AE-8026-4620E350A1E6}"/>
               </a:ext>
             </a:extLst>
           </p:cNvPr>
@@ -12038,7 +11925,7 @@
         </p:nvSpPr>
         <p:spPr>
           <a:xfrm>
-            <a:off x="6818836" y="1569785"/>
+            <a:off x="8483236" y="-1"/>
             <a:ext cx="712653" cy="553998"/>
           </a:xfrm>
           <a:prstGeom prst="rect">
@@ -12065,10 +11952,10 @@
       </p:sp>
       <p:sp>
         <p:nvSpPr>
-          <p:cNvPr id="12" name="TextBox 11">
+          <p:cNvPr id="8" name="TextBox 7">
             <a:extLst>
               <a:ext uri="{FF2B5EF4-FFF2-40B4-BE49-F238E27FC236}">
-                <a16:creationId xmlns:a16="http://schemas.microsoft.com/office/drawing/2014/main" id="{58E043C6-9779-F717-74C9-EC8295B72485}"/>
+                <a16:creationId xmlns:a16="http://schemas.microsoft.com/office/drawing/2014/main" id="{F1079067-BCD7-CE94-18E7-962339D5C1FC}"/>
               </a:ext>
             </a:extLst>
           </p:cNvPr>
@@ -12077,7 +11964,7 @@
         </p:nvSpPr>
         <p:spPr>
           <a:xfrm>
-            <a:off x="10717347" y="1569785"/>
+            <a:off x="11430000" y="-1"/>
             <a:ext cx="712653" cy="553998"/>
           </a:xfrm>
           <a:prstGeom prst="rect">
@@ -12102,54 +11989,282 @@
           </a:p>
         </p:txBody>
       </p:sp>
-      <p:sp>
-        <p:nvSpPr>
-          <p:cNvPr id="13" name="TextBox 12">
+    </p:spTree>
+    <p:extLst>
+      <p:ext uri="{BB962C8B-B14F-4D97-AF65-F5344CB8AC3E}">
+        <p14:creationId xmlns:p14="http://schemas.microsoft.com/office/powerpoint/2010/main" val="946828120"/>
+      </p:ext>
+    </p:extLst>
+  </p:cSld>
+  <p:clrMapOvr>
+    <a:masterClrMapping/>
+  </p:clrMapOvr>
+</p:sld>
+</file>
+
+<file path=ppt/slides/slide18.xml><?xml version="1.0" encoding="utf-8"?>
+<p:sld xmlns:a="http://schemas.openxmlformats.org/drawingml/2006/main" xmlns:r="http://schemas.openxmlformats.org/officeDocument/2006/relationships" xmlns:p="http://schemas.openxmlformats.org/presentationml/2006/main">
+  <p:cSld>
+    <p:spTree>
+      <p:nvGrpSpPr>
+        <p:cNvPr id="1" name=""/>
+        <p:cNvGrpSpPr/>
+        <p:nvPr/>
+      </p:nvGrpSpPr>
+      <p:grpSpPr>
+        <a:xfrm>
+          <a:off x="0" y="0"/>
+          <a:ext cx="0" cy="0"/>
+          <a:chOff x="0" y="0"/>
+          <a:chExt cx="0" cy="0"/>
+        </a:xfrm>
+      </p:grpSpPr>
+      <p:pic>
+        <p:nvPicPr>
+          <p:cNvPr id="9" name="Picture 8" descr="A black background with a black square&#10;&#10;Description automatically generated">
             <a:extLst>
               <a:ext uri="{FF2B5EF4-FFF2-40B4-BE49-F238E27FC236}">
-                <a16:creationId xmlns:a16="http://schemas.microsoft.com/office/drawing/2014/main" id="{F28E095C-0CF3-5D0E-141C-7F163AB55D1F}"/>
+                <a16:creationId xmlns:a16="http://schemas.microsoft.com/office/drawing/2014/main" id="{A749F997-C245-0140-06A1-5286119EDE33}"/>
               </a:ext>
             </a:extLst>
           </p:cNvPr>
-          <p:cNvSpPr txBox="1"/>
+          <p:cNvPicPr>
+            <a:picLocks noChangeAspect="1"/>
+          </p:cNvPicPr>
           <p:nvPr/>
-        </p:nvSpPr>
+        </p:nvPicPr>
+        <p:blipFill rotWithShape="1">
+          <a:blip r:embed="rId2">
+            <a:extLst>
+              <a:ext uri="{28A0092B-C50C-407E-A947-70E740481C1C}">
+                <a14:useLocalDpi xmlns:a14="http://schemas.microsoft.com/office/drawing/2010/main" val="0"/>
+              </a:ext>
+            </a:extLst>
+          </a:blip>
+          <a:srcRect l="38737" r="19484" b="6693"/>
+          <a:stretch/>
+        </p:blipFill>
         <p:spPr>
-          <a:xfrm>
-            <a:off x="14972186" y="1569785"/>
-            <a:ext cx="712653" cy="553998"/>
+          <a:xfrm rot="16200000">
+            <a:off x="13780107" y="6199885"/>
+            <a:ext cx="3235623" cy="9232523"/>
           </a:xfrm>
           <a:prstGeom prst="rect">
             <a:avLst/>
           </a:prstGeom>
-          <a:noFill/>
         </p:spPr>
-        <p:txBody>
-          <a:bodyPr wrap="square" rtlCol="0">
-            <a:spAutoFit/>
-          </a:bodyPr>
-          <a:lstStyle/>
-          <a:p>
-            <a:r>
-              <a:rPr lang="en-US" sz="3000" b="1">
-                <a:latin typeface="Arial" panose="020B0604020202020204" pitchFamily="34" charset="0"/>
-                <a:ea typeface="Yu Gothic" panose="020B0400000000000000" pitchFamily="34" charset="-128"/>
-                <a:cs typeface="Arial" panose="020B0604020202020204" pitchFamily="34" charset="0"/>
-              </a:rPr>
-              <a:t>C</a:t>
-            </a:r>
-            <a:endParaRPr lang="en-US" sz="3000" b="1" dirty="0">
-              <a:latin typeface="Arial" panose="020B0604020202020204" pitchFamily="34" charset="0"/>
-              <a:ea typeface="Yu Gothic" panose="020B0400000000000000" pitchFamily="34" charset="-128"/>
-              <a:cs typeface="Arial" panose="020B0604020202020204" pitchFamily="34" charset="0"/>
-            </a:endParaRPr>
-          </a:p>
-        </p:txBody>
-      </p:sp>
+      </p:pic>
+      <p:pic>
+        <p:nvPicPr>
+          <p:cNvPr id="4" name="Picture 3" descr="A black background with a black square&#10;&#10;Description automatically generated">
+            <a:extLst>
+              <a:ext uri="{FF2B5EF4-FFF2-40B4-BE49-F238E27FC236}">
+                <a16:creationId xmlns:a16="http://schemas.microsoft.com/office/drawing/2014/main" id="{624DAFEB-71FF-252A-7CD6-2AE2C3434498}"/>
+              </a:ext>
+            </a:extLst>
+          </p:cNvPr>
+          <p:cNvPicPr>
+            <a:picLocks noChangeAspect="1"/>
+          </p:cNvPicPr>
+          <p:nvPr/>
+        </p:nvPicPr>
+        <p:blipFill rotWithShape="1">
+          <a:blip r:embed="rId2">
+            <a:extLst>
+              <a:ext uri="{28A0092B-C50C-407E-A947-70E740481C1C}">
+                <a14:useLocalDpi xmlns:a14="http://schemas.microsoft.com/office/drawing/2010/main" val="0"/>
+              </a:ext>
+            </a:extLst>
+          </a:blip>
+          <a:srcRect l="38737" r="19484" b="6693"/>
+          <a:stretch/>
+        </p:blipFill>
+        <p:spPr>
+          <a:xfrm>
+            <a:off x="3812720" y="1640772"/>
+            <a:ext cx="4769865" cy="5344228"/>
+          </a:xfrm>
+          <a:prstGeom prst="rect">
+            <a:avLst/>
+          </a:prstGeom>
+        </p:spPr>
+      </p:pic>
+      <p:pic>
+        <p:nvPicPr>
+          <p:cNvPr id="3" name="Picture 2" descr="A triangle shaped object with different colored squares&#10;&#10;Description automatically generated with medium confidence">
+            <a:extLst>
+              <a:ext uri="{FF2B5EF4-FFF2-40B4-BE49-F238E27FC236}">
+                <a16:creationId xmlns:a16="http://schemas.microsoft.com/office/drawing/2014/main" id="{07F078AE-542E-BB34-AD7A-54141D643751}"/>
+              </a:ext>
+            </a:extLst>
+          </p:cNvPr>
+          <p:cNvPicPr>
+            <a:picLocks noChangeAspect="1"/>
+          </p:cNvPicPr>
+          <p:nvPr/>
+        </p:nvPicPr>
+        <p:blipFill>
+          <a:blip r:embed="rId3">
+            <a:extLst>
+              <a:ext uri="{28A0092B-C50C-407E-A947-70E740481C1C}">
+                <a14:useLocalDpi xmlns:a14="http://schemas.microsoft.com/office/drawing/2010/main" val="0"/>
+              </a:ext>
+            </a:extLst>
+          </a:blip>
+          <a:stretch>
+            <a:fillRect/>
+          </a:stretch>
+        </p:blipFill>
+        <p:spPr>
+          <a:xfrm>
+            <a:off x="8582585" y="1577271"/>
+            <a:ext cx="11431595" cy="7621064"/>
+          </a:xfrm>
+          <a:prstGeom prst="rect">
+            <a:avLst/>
+          </a:prstGeom>
+        </p:spPr>
+      </p:pic>
     </p:spTree>
     <p:extLst>
       <p:ext uri="{BB962C8B-B14F-4D97-AF65-F5344CB8AC3E}">
-        <p14:creationId xmlns:p14="http://schemas.microsoft.com/office/powerpoint/2010/main" val="946828120"/>
+        <p14:creationId xmlns:p14="http://schemas.microsoft.com/office/powerpoint/2010/main" val="1308277891"/>
+      </p:ext>
+    </p:extLst>
+  </p:cSld>
+  <p:clrMapOvr>
+    <a:masterClrMapping/>
+  </p:clrMapOvr>
+</p:sld>
+</file>
+
+<file path=ppt/slides/slide19.xml><?xml version="1.0" encoding="utf-8"?>
+<p:sld xmlns:a="http://schemas.openxmlformats.org/drawingml/2006/main" xmlns:r="http://schemas.openxmlformats.org/officeDocument/2006/relationships" xmlns:p="http://schemas.openxmlformats.org/presentationml/2006/main">
+  <p:cSld>
+    <p:spTree>
+      <p:nvGrpSpPr>
+        <p:cNvPr id="1" name=""/>
+        <p:cNvGrpSpPr/>
+        <p:nvPr/>
+      </p:nvGrpSpPr>
+      <p:grpSpPr>
+        <a:xfrm>
+          <a:off x="0" y="0"/>
+          <a:ext cx="0" cy="0"/>
+          <a:chOff x="0" y="0"/>
+          <a:chExt cx="0" cy="0"/>
+        </a:xfrm>
+      </p:grpSpPr>
+      <p:pic>
+        <p:nvPicPr>
+          <p:cNvPr id="9" name="Picture 8" descr="A black background with a black square&#10;&#10;Description automatically generated">
+            <a:extLst>
+              <a:ext uri="{FF2B5EF4-FFF2-40B4-BE49-F238E27FC236}">
+                <a16:creationId xmlns:a16="http://schemas.microsoft.com/office/drawing/2014/main" id="{A749F997-C245-0140-06A1-5286119EDE33}"/>
+              </a:ext>
+            </a:extLst>
+          </p:cNvPr>
+          <p:cNvPicPr>
+            <a:picLocks noChangeAspect="1"/>
+          </p:cNvPicPr>
+          <p:nvPr/>
+        </p:nvPicPr>
+        <p:blipFill rotWithShape="1">
+          <a:blip r:embed="rId2">
+            <a:extLst>
+              <a:ext uri="{28A0092B-C50C-407E-A947-70E740481C1C}">
+                <a14:useLocalDpi xmlns:a14="http://schemas.microsoft.com/office/drawing/2010/main" val="0"/>
+              </a:ext>
+            </a:extLst>
+          </a:blip>
+          <a:srcRect l="38737" r="19484" b="6693"/>
+          <a:stretch/>
+        </p:blipFill>
+        <p:spPr>
+          <a:xfrm rot="16200000">
+            <a:off x="13780107" y="6199885"/>
+            <a:ext cx="3235623" cy="9232523"/>
+          </a:xfrm>
+          <a:prstGeom prst="rect">
+            <a:avLst/>
+          </a:prstGeom>
+        </p:spPr>
+      </p:pic>
+      <p:pic>
+        <p:nvPicPr>
+          <p:cNvPr id="4" name="Picture 3" descr="A black background with a black square&#10;&#10;Description automatically generated">
+            <a:extLst>
+              <a:ext uri="{FF2B5EF4-FFF2-40B4-BE49-F238E27FC236}">
+                <a16:creationId xmlns:a16="http://schemas.microsoft.com/office/drawing/2014/main" id="{624DAFEB-71FF-252A-7CD6-2AE2C3434498}"/>
+              </a:ext>
+            </a:extLst>
+          </p:cNvPr>
+          <p:cNvPicPr>
+            <a:picLocks noChangeAspect="1"/>
+          </p:cNvPicPr>
+          <p:nvPr/>
+        </p:nvPicPr>
+        <p:blipFill rotWithShape="1">
+          <a:blip r:embed="rId2">
+            <a:extLst>
+              <a:ext uri="{28A0092B-C50C-407E-A947-70E740481C1C}">
+                <a14:useLocalDpi xmlns:a14="http://schemas.microsoft.com/office/drawing/2010/main" val="0"/>
+              </a:ext>
+            </a:extLst>
+          </a:blip>
+          <a:srcRect l="38737" r="19484" b="6693"/>
+          <a:stretch/>
+        </p:blipFill>
+        <p:spPr>
+          <a:xfrm>
+            <a:off x="3812720" y="1640772"/>
+            <a:ext cx="4769865" cy="5344228"/>
+          </a:xfrm>
+          <a:prstGeom prst="rect">
+            <a:avLst/>
+          </a:prstGeom>
+        </p:spPr>
+      </p:pic>
+      <p:pic>
+        <p:nvPicPr>
+          <p:cNvPr id="5" name="Picture 4" descr="A triangle shaped object with different colored squares&#10;&#10;Description automatically generated with medium confidence">
+            <a:extLst>
+              <a:ext uri="{FF2B5EF4-FFF2-40B4-BE49-F238E27FC236}">
+                <a16:creationId xmlns:a16="http://schemas.microsoft.com/office/drawing/2014/main" id="{B2F99717-2B5E-11AF-D2EA-671C2C60018C}"/>
+              </a:ext>
+            </a:extLst>
+          </p:cNvPr>
+          <p:cNvPicPr>
+            <a:picLocks noChangeAspect="1"/>
+          </p:cNvPicPr>
+          <p:nvPr/>
+        </p:nvPicPr>
+        <p:blipFill>
+          <a:blip r:embed="rId3">
+            <a:extLst>
+              <a:ext uri="{28A0092B-C50C-407E-A947-70E740481C1C}">
+                <a14:useLocalDpi xmlns:a14="http://schemas.microsoft.com/office/drawing/2010/main" val="0"/>
+              </a:ext>
+            </a:extLst>
+          </a:blip>
+          <a:stretch>
+            <a:fillRect/>
+          </a:stretch>
+        </p:blipFill>
+        <p:spPr>
+          <a:xfrm>
+            <a:off x="8582585" y="1577271"/>
+            <a:ext cx="11431595" cy="7621064"/>
+          </a:xfrm>
+          <a:prstGeom prst="rect">
+            <a:avLst/>
+          </a:prstGeom>
+        </p:spPr>
+      </p:pic>
+    </p:spTree>
+    <p:extLst>
+      <p:ext uri="{BB962C8B-B14F-4D97-AF65-F5344CB8AC3E}">
+        <p14:creationId xmlns:p14="http://schemas.microsoft.com/office/powerpoint/2010/main" val="3271002948"/>
       </p:ext>
     </p:extLst>
   </p:cSld>
@@ -17630,278 +17745,6 @@
 </file>
 
 <file path=ppt/slides/slide20.xml><?xml version="1.0" encoding="utf-8"?>
-<p:sld xmlns:a="http://schemas.openxmlformats.org/drawingml/2006/main" xmlns:r="http://schemas.openxmlformats.org/officeDocument/2006/relationships" xmlns:p="http://schemas.openxmlformats.org/presentationml/2006/main">
-  <p:cSld>
-    <p:spTree>
-      <p:nvGrpSpPr>
-        <p:cNvPr id="1" name=""/>
-        <p:cNvGrpSpPr/>
-        <p:nvPr/>
-      </p:nvGrpSpPr>
-      <p:grpSpPr>
-        <a:xfrm>
-          <a:off x="0" y="0"/>
-          <a:ext cx="0" cy="0"/>
-          <a:chOff x="0" y="0"/>
-          <a:chExt cx="0" cy="0"/>
-        </a:xfrm>
-      </p:grpSpPr>
-      <p:pic>
-        <p:nvPicPr>
-          <p:cNvPr id="9" name="Picture 8" descr="A black background with a black square&#10;&#10;Description automatically generated">
-            <a:extLst>
-              <a:ext uri="{FF2B5EF4-FFF2-40B4-BE49-F238E27FC236}">
-                <a16:creationId xmlns:a16="http://schemas.microsoft.com/office/drawing/2014/main" id="{A749F997-C245-0140-06A1-5286119EDE33}"/>
-              </a:ext>
-            </a:extLst>
-          </p:cNvPr>
-          <p:cNvPicPr>
-            <a:picLocks noChangeAspect="1"/>
-          </p:cNvPicPr>
-          <p:nvPr/>
-        </p:nvPicPr>
-        <p:blipFill rotWithShape="1">
-          <a:blip r:embed="rId2">
-            <a:extLst>
-              <a:ext uri="{28A0092B-C50C-407E-A947-70E740481C1C}">
-                <a14:useLocalDpi xmlns:a14="http://schemas.microsoft.com/office/drawing/2010/main" val="0"/>
-              </a:ext>
-            </a:extLst>
-          </a:blip>
-          <a:srcRect l="38737" r="19484" b="6693"/>
-          <a:stretch/>
-        </p:blipFill>
-        <p:spPr>
-          <a:xfrm rot="16200000">
-            <a:off x="13780107" y="6199885"/>
-            <a:ext cx="3235623" cy="9232523"/>
-          </a:xfrm>
-          <a:prstGeom prst="rect">
-            <a:avLst/>
-          </a:prstGeom>
-        </p:spPr>
-      </p:pic>
-      <p:pic>
-        <p:nvPicPr>
-          <p:cNvPr id="4" name="Picture 3" descr="A black background with a black square&#10;&#10;Description automatically generated">
-            <a:extLst>
-              <a:ext uri="{FF2B5EF4-FFF2-40B4-BE49-F238E27FC236}">
-                <a16:creationId xmlns:a16="http://schemas.microsoft.com/office/drawing/2014/main" id="{624DAFEB-71FF-252A-7CD6-2AE2C3434498}"/>
-              </a:ext>
-            </a:extLst>
-          </p:cNvPr>
-          <p:cNvPicPr>
-            <a:picLocks noChangeAspect="1"/>
-          </p:cNvPicPr>
-          <p:nvPr/>
-        </p:nvPicPr>
-        <p:blipFill rotWithShape="1">
-          <a:blip r:embed="rId2">
-            <a:extLst>
-              <a:ext uri="{28A0092B-C50C-407E-A947-70E740481C1C}">
-                <a14:useLocalDpi xmlns:a14="http://schemas.microsoft.com/office/drawing/2010/main" val="0"/>
-              </a:ext>
-            </a:extLst>
-          </a:blip>
-          <a:srcRect l="38737" r="19484" b="6693"/>
-          <a:stretch/>
-        </p:blipFill>
-        <p:spPr>
-          <a:xfrm>
-            <a:off x="3812720" y="1640772"/>
-            <a:ext cx="4769865" cy="5344228"/>
-          </a:xfrm>
-          <a:prstGeom prst="rect">
-            <a:avLst/>
-          </a:prstGeom>
-        </p:spPr>
-      </p:pic>
-      <p:pic>
-        <p:nvPicPr>
-          <p:cNvPr id="3" name="Picture 2" descr="A triangle shaped object with different colored squares&#10;&#10;Description automatically generated with medium confidence">
-            <a:extLst>
-              <a:ext uri="{FF2B5EF4-FFF2-40B4-BE49-F238E27FC236}">
-                <a16:creationId xmlns:a16="http://schemas.microsoft.com/office/drawing/2014/main" id="{07F078AE-542E-BB34-AD7A-54141D643751}"/>
-              </a:ext>
-            </a:extLst>
-          </p:cNvPr>
-          <p:cNvPicPr>
-            <a:picLocks noChangeAspect="1"/>
-          </p:cNvPicPr>
-          <p:nvPr/>
-        </p:nvPicPr>
-        <p:blipFill>
-          <a:blip r:embed="rId3">
-            <a:extLst>
-              <a:ext uri="{28A0092B-C50C-407E-A947-70E740481C1C}">
-                <a14:useLocalDpi xmlns:a14="http://schemas.microsoft.com/office/drawing/2010/main" val="0"/>
-              </a:ext>
-            </a:extLst>
-          </a:blip>
-          <a:stretch>
-            <a:fillRect/>
-          </a:stretch>
-        </p:blipFill>
-        <p:spPr>
-          <a:xfrm>
-            <a:off x="8582585" y="1577271"/>
-            <a:ext cx="11431595" cy="7621064"/>
-          </a:xfrm>
-          <a:prstGeom prst="rect">
-            <a:avLst/>
-          </a:prstGeom>
-        </p:spPr>
-      </p:pic>
-    </p:spTree>
-    <p:extLst>
-      <p:ext uri="{BB962C8B-B14F-4D97-AF65-F5344CB8AC3E}">
-        <p14:creationId xmlns:p14="http://schemas.microsoft.com/office/powerpoint/2010/main" val="1308277891"/>
-      </p:ext>
-    </p:extLst>
-  </p:cSld>
-  <p:clrMapOvr>
-    <a:masterClrMapping/>
-  </p:clrMapOvr>
-</p:sld>
-</file>
-
-<file path=ppt/slides/slide21.xml><?xml version="1.0" encoding="utf-8"?>
-<p:sld xmlns:a="http://schemas.openxmlformats.org/drawingml/2006/main" xmlns:r="http://schemas.openxmlformats.org/officeDocument/2006/relationships" xmlns:p="http://schemas.openxmlformats.org/presentationml/2006/main">
-  <p:cSld>
-    <p:spTree>
-      <p:nvGrpSpPr>
-        <p:cNvPr id="1" name=""/>
-        <p:cNvGrpSpPr/>
-        <p:nvPr/>
-      </p:nvGrpSpPr>
-      <p:grpSpPr>
-        <a:xfrm>
-          <a:off x="0" y="0"/>
-          <a:ext cx="0" cy="0"/>
-          <a:chOff x="0" y="0"/>
-          <a:chExt cx="0" cy="0"/>
-        </a:xfrm>
-      </p:grpSpPr>
-      <p:pic>
-        <p:nvPicPr>
-          <p:cNvPr id="9" name="Picture 8" descr="A black background with a black square&#10;&#10;Description automatically generated">
-            <a:extLst>
-              <a:ext uri="{FF2B5EF4-FFF2-40B4-BE49-F238E27FC236}">
-                <a16:creationId xmlns:a16="http://schemas.microsoft.com/office/drawing/2014/main" id="{A749F997-C245-0140-06A1-5286119EDE33}"/>
-              </a:ext>
-            </a:extLst>
-          </p:cNvPr>
-          <p:cNvPicPr>
-            <a:picLocks noChangeAspect="1"/>
-          </p:cNvPicPr>
-          <p:nvPr/>
-        </p:nvPicPr>
-        <p:blipFill rotWithShape="1">
-          <a:blip r:embed="rId2">
-            <a:extLst>
-              <a:ext uri="{28A0092B-C50C-407E-A947-70E740481C1C}">
-                <a14:useLocalDpi xmlns:a14="http://schemas.microsoft.com/office/drawing/2010/main" val="0"/>
-              </a:ext>
-            </a:extLst>
-          </a:blip>
-          <a:srcRect l="38737" r="19484" b="6693"/>
-          <a:stretch/>
-        </p:blipFill>
-        <p:spPr>
-          <a:xfrm rot="16200000">
-            <a:off x="13780107" y="6199885"/>
-            <a:ext cx="3235623" cy="9232523"/>
-          </a:xfrm>
-          <a:prstGeom prst="rect">
-            <a:avLst/>
-          </a:prstGeom>
-        </p:spPr>
-      </p:pic>
-      <p:pic>
-        <p:nvPicPr>
-          <p:cNvPr id="4" name="Picture 3" descr="A black background with a black square&#10;&#10;Description automatically generated">
-            <a:extLst>
-              <a:ext uri="{FF2B5EF4-FFF2-40B4-BE49-F238E27FC236}">
-                <a16:creationId xmlns:a16="http://schemas.microsoft.com/office/drawing/2014/main" id="{624DAFEB-71FF-252A-7CD6-2AE2C3434498}"/>
-              </a:ext>
-            </a:extLst>
-          </p:cNvPr>
-          <p:cNvPicPr>
-            <a:picLocks noChangeAspect="1"/>
-          </p:cNvPicPr>
-          <p:nvPr/>
-        </p:nvPicPr>
-        <p:blipFill rotWithShape="1">
-          <a:blip r:embed="rId2">
-            <a:extLst>
-              <a:ext uri="{28A0092B-C50C-407E-A947-70E740481C1C}">
-                <a14:useLocalDpi xmlns:a14="http://schemas.microsoft.com/office/drawing/2010/main" val="0"/>
-              </a:ext>
-            </a:extLst>
-          </a:blip>
-          <a:srcRect l="38737" r="19484" b="6693"/>
-          <a:stretch/>
-        </p:blipFill>
-        <p:spPr>
-          <a:xfrm>
-            <a:off x="3812720" y="1640772"/>
-            <a:ext cx="4769865" cy="5344228"/>
-          </a:xfrm>
-          <a:prstGeom prst="rect">
-            <a:avLst/>
-          </a:prstGeom>
-        </p:spPr>
-      </p:pic>
-      <p:pic>
-        <p:nvPicPr>
-          <p:cNvPr id="5" name="Picture 4" descr="A triangle shaped object with different colored squares&#10;&#10;Description automatically generated with medium confidence">
-            <a:extLst>
-              <a:ext uri="{FF2B5EF4-FFF2-40B4-BE49-F238E27FC236}">
-                <a16:creationId xmlns:a16="http://schemas.microsoft.com/office/drawing/2014/main" id="{B2F99717-2B5E-11AF-D2EA-671C2C60018C}"/>
-              </a:ext>
-            </a:extLst>
-          </p:cNvPr>
-          <p:cNvPicPr>
-            <a:picLocks noChangeAspect="1"/>
-          </p:cNvPicPr>
-          <p:nvPr/>
-        </p:nvPicPr>
-        <p:blipFill>
-          <a:blip r:embed="rId3">
-            <a:extLst>
-              <a:ext uri="{28A0092B-C50C-407E-A947-70E740481C1C}">
-                <a14:useLocalDpi xmlns:a14="http://schemas.microsoft.com/office/drawing/2010/main" val="0"/>
-              </a:ext>
-            </a:extLst>
-          </a:blip>
-          <a:stretch>
-            <a:fillRect/>
-          </a:stretch>
-        </p:blipFill>
-        <p:spPr>
-          <a:xfrm>
-            <a:off x="8582585" y="1577271"/>
-            <a:ext cx="11431595" cy="7621064"/>
-          </a:xfrm>
-          <a:prstGeom prst="rect">
-            <a:avLst/>
-          </a:prstGeom>
-        </p:spPr>
-      </p:pic>
-    </p:spTree>
-    <p:extLst>
-      <p:ext uri="{BB962C8B-B14F-4D97-AF65-F5344CB8AC3E}">
-        <p14:creationId xmlns:p14="http://schemas.microsoft.com/office/powerpoint/2010/main" val="3271002948"/>
-      </p:ext>
-    </p:extLst>
-  </p:cSld>
-  <p:clrMapOvr>
-    <a:masterClrMapping/>
-  </p:clrMapOvr>
-</p:sld>
-</file>
-
-<file path=ppt/slides/slide22.xml><?xml version="1.0" encoding="utf-8"?>
 <p:sld xmlns:a="http://schemas.openxmlformats.org/drawingml/2006/main" xmlns:r="http://schemas.openxmlformats.org/officeDocument/2006/relationships" xmlns:p="http://schemas.openxmlformats.org/presentationml/2006/main">
   <p:cSld>
     <p:spTree>
@@ -25038,10 +24881,10 @@
       </p:grpSpPr>
       <p:pic>
         <p:nvPicPr>
-          <p:cNvPr id="3" name="Picture 2" descr="A screenshot of a computer screen&#10;&#10;Description automatically generated">
+          <p:cNvPr id="11" name="Picture 10" descr="A blue and red diagram&#10;&#10;Description automatically generated with medium confidence">
             <a:extLst>
               <a:ext uri="{FF2B5EF4-FFF2-40B4-BE49-F238E27FC236}">
-                <a16:creationId xmlns:a16="http://schemas.microsoft.com/office/drawing/2014/main" id="{ECE1B504-E8FC-F91E-31B0-927F22CFDE3C}"/>
+                <a16:creationId xmlns:a16="http://schemas.microsoft.com/office/drawing/2014/main" id="{1025E53C-4161-BDC3-5C88-0F5EDD32E92E}"/>
               </a:ext>
             </a:extLst>
           </p:cNvPr>
@@ -25064,7 +24907,7 @@
         </p:blipFill>
         <p:spPr>
           <a:xfrm>
-            <a:off x="0" y="6563498"/>
+            <a:off x="0" y="6507092"/>
             <a:ext cx="19052659" cy="8573696"/>
           </a:xfrm>
           <a:prstGeom prst="rect">
@@ -29340,51 +29183,10 @@
       </p:grpSpPr>
       <p:pic>
         <p:nvPicPr>
-          <p:cNvPr id="17" name="Picture 16" descr="A picture containing text, screenshot, font, colorfulness&#10;&#10;Description automatically generated">
+          <p:cNvPr id="17" name="Picture 16" descr="A black background with a black square&#10;&#10;Description automatically generated">
             <a:extLst>
               <a:ext uri="{FF2B5EF4-FFF2-40B4-BE49-F238E27FC236}">
-                <a16:creationId xmlns:a16="http://schemas.microsoft.com/office/drawing/2014/main" id="{27E60B67-A0A6-F5F9-BF7F-6E7EBF1CF06C}"/>
-              </a:ext>
-            </a:extLst>
-          </p:cNvPr>
-          <p:cNvPicPr>
-            <a:picLocks noChangeAspect="1"/>
-          </p:cNvPicPr>
-          <p:nvPr/>
-        </p:nvPicPr>
-        <p:blipFill>
-          <a:blip r:embed="rId2">
-            <a:extLst>
-              <a:ext uri="{28A0092B-C50C-407E-A947-70E740481C1C}">
-                <a14:useLocalDpi xmlns:a14="http://schemas.microsoft.com/office/drawing/2010/main" val="0"/>
-              </a:ext>
-            </a:extLst>
-          </a:blip>
-          <a:stretch>
-            <a:fillRect/>
-          </a:stretch>
-        </p:blipFill>
-        <p:spPr>
-          <a:xfrm>
-            <a:off x="2389379" y="609858"/>
-            <a:ext cx="8335539" cy="19052659"/>
-          </a:xfrm>
-          <a:prstGeom prst="rect">
-            <a:avLst/>
-          </a:prstGeom>
-          <a:ln w="38100">
-            <a:solidFill>
-              <a:srgbClr val="002060"/>
-            </a:solidFill>
-          </a:ln>
-        </p:spPr>
-      </p:pic>
-      <p:pic>
-        <p:nvPicPr>
-          <p:cNvPr id="29" name="Picture 28" descr="A picture containing text, screenshot, colorfulness, font&#10;&#10;Description automatically generated">
-            <a:extLst>
-              <a:ext uri="{FF2B5EF4-FFF2-40B4-BE49-F238E27FC236}">
-                <a16:creationId xmlns:a16="http://schemas.microsoft.com/office/drawing/2014/main" id="{DE20CB9C-850C-69E7-EA85-FB716989F586}"/>
+                <a16:creationId xmlns:a16="http://schemas.microsoft.com/office/drawing/2014/main" id="{22F61B2E-BCBC-32D9-1CFA-AAC0818DEF6A}"/>
               </a:ext>
             </a:extLst>
           </p:cNvPr>
@@ -29401,28 +29203,93 @@
               </a:ext>
             </a:extLst>
           </a:blip>
-          <a:srcRect l="32401"/>
+          <a:srcRect l="38737" r="19484" b="6693"/>
           <a:stretch/>
         </p:blipFill>
         <p:spPr>
           <a:xfrm>
-            <a:off x="10772542" y="609857"/>
-            <a:ext cx="5634743" cy="19052659"/>
+            <a:off x="4005305" y="5699876"/>
+            <a:ext cx="5591133" cy="10871163"/>
           </a:xfrm>
           <a:prstGeom prst="rect">
             <a:avLst/>
           </a:prstGeom>
-          <a:ln w="38100">
-            <a:solidFill>
-              <a:srgbClr val="002060"/>
-            </a:solidFill>
-          </a:ln>
+        </p:spPr>
+      </p:pic>
+      <p:pic>
+        <p:nvPicPr>
+          <p:cNvPr id="24" name="Picture 23" descr="A chart of bacteria and viruses&#10;&#10;Description automatically generated">
+            <a:extLst>
+              <a:ext uri="{FF2B5EF4-FFF2-40B4-BE49-F238E27FC236}">
+                <a16:creationId xmlns:a16="http://schemas.microsoft.com/office/drawing/2014/main" id="{60D799C0-A1ED-918D-CC85-047A3B05FE30}"/>
+              </a:ext>
+            </a:extLst>
+          </p:cNvPr>
+          <p:cNvPicPr>
+            <a:picLocks noChangeAspect="1"/>
+          </p:cNvPicPr>
+          <p:nvPr/>
+        </p:nvPicPr>
+        <p:blipFill rotWithShape="1">
+          <a:blip r:embed="rId4">
+            <a:extLst>
+              <a:ext uri="{28A0092B-C50C-407E-A947-70E740481C1C}">
+                <a14:useLocalDpi xmlns:a14="http://schemas.microsoft.com/office/drawing/2010/main" val="0"/>
+              </a:ext>
+            </a:extLst>
+          </a:blip>
+          <a:srcRect r="93779" b="82987"/>
+          <a:stretch/>
+        </p:blipFill>
+        <p:spPr>
+          <a:xfrm rot="10800000">
+            <a:off x="16285074" y="5476045"/>
+            <a:ext cx="444500" cy="2025935"/>
+          </a:xfrm>
+          <a:prstGeom prst="rect">
+            <a:avLst/>
+          </a:prstGeom>
+        </p:spPr>
+      </p:pic>
+      <p:pic>
+        <p:nvPicPr>
+          <p:cNvPr id="3" name="Picture 2" descr="A screenshot of a graph&#10;&#10;Description automatically generated">
+            <a:extLst>
+              <a:ext uri="{FF2B5EF4-FFF2-40B4-BE49-F238E27FC236}">
+                <a16:creationId xmlns:a16="http://schemas.microsoft.com/office/drawing/2014/main" id="{31286943-3F6A-B6D7-6665-18681C7143D5}"/>
+              </a:ext>
+            </a:extLst>
+          </p:cNvPr>
+          <p:cNvPicPr>
+            <a:picLocks noChangeAspect="1"/>
+          </p:cNvPicPr>
+          <p:nvPr/>
+        </p:nvPicPr>
+        <p:blipFill rotWithShape="1">
+          <a:blip r:embed="rId5">
+            <a:extLst>
+              <a:ext uri="{28A0092B-C50C-407E-A947-70E740481C1C}">
+                <a14:useLocalDpi xmlns:a14="http://schemas.microsoft.com/office/drawing/2010/main" val="0"/>
+              </a:ext>
+            </a:extLst>
+          </a:blip>
+          <a:srcRect l="6384"/>
+          <a:stretch/>
+        </p:blipFill>
+        <p:spPr>
+          <a:xfrm>
+            <a:off x="9596437" y="5476045"/>
+            <a:ext cx="6688636" cy="11907911"/>
+          </a:xfrm>
+          <a:prstGeom prst="rect">
+            <a:avLst/>
+          </a:prstGeom>
         </p:spPr>
       </p:pic>
     </p:spTree>
     <p:extLst>
       <p:ext uri="{BB962C8B-B14F-4D97-AF65-F5344CB8AC3E}">
-        <p14:creationId xmlns:p14="http://schemas.microsoft.com/office/powerpoint/2010/main" val="3213471130"/>
+        <p14:creationId xmlns:p14="http://schemas.microsoft.com/office/powerpoint/2010/main" val="2775238939"/>
       </p:ext>
     </p:extLst>
   </p:cSld>

--- a/Summary/figures.pptx
+++ b/Summary/figures.pptx
@@ -5,7 +5,7 @@
     <p:sldMasterId id="2147483672" r:id="rId1"/>
   </p:sldMasterIdLst>
   <p:notesMasterIdLst>
-    <p:notesMasterId r:id="rId22"/>
+    <p:notesMasterId r:id="rId23"/>
   </p:notesMasterIdLst>
   <p:sldIdLst>
     <p:sldId id="420" r:id="rId2"/>
@@ -28,6 +28,7 @@
     <p:sldId id="446" r:id="rId19"/>
     <p:sldId id="449" r:id="rId20"/>
     <p:sldId id="450" r:id="rId21"/>
+    <p:sldId id="451" r:id="rId22"/>
   </p:sldIdLst>
   <p:sldSz cx="22860000" cy="22860000"/>
   <p:notesSz cx="6858000" cy="9144000"/>
@@ -137,7 +138,7 @@
 <file path=ppt/revisionInfo.xml><?xml version="1.0" encoding="utf-8"?>
 <p1510:revInfo xmlns:a="http://schemas.openxmlformats.org/drawingml/2006/main" xmlns:r="http://schemas.openxmlformats.org/officeDocument/2006/relationships" xmlns:p1510="http://schemas.microsoft.com/office/powerpoint/2015/10/main">
   <p1510:revLst>
-    <p1510:client id="{833092D5-9927-4807-BE3E-672C10A7E002}" v="281" dt="2023-09-06T23:43:31.069"/>
+    <p1510:client id="{833092D5-9927-4807-BE3E-672C10A7E002}" v="287" dt="2023-09-07T23:14:34.601"/>
   </p1510:revLst>
 </p1510:revInfo>
 </file>
@@ -187,7 +188,7 @@
   <pc:docChgLst>
     <pc:chgData name="Jonathan Mah" userId="5261b2f2f3e51194" providerId="LiveId" clId="{833092D5-9927-4807-BE3E-672C10A7E002}"/>
     <pc:docChg chg="undo redo custSel addSld delSld modSld sldOrd">
-      <pc:chgData name="Jonathan Mah" userId="5261b2f2f3e51194" providerId="LiveId" clId="{833092D5-9927-4807-BE3E-672C10A7E002}" dt="2023-09-07T00:02:43.506" v="3558" actId="47"/>
+      <pc:chgData name="Jonathan Mah" userId="5261b2f2f3e51194" providerId="LiveId" clId="{833092D5-9927-4807-BE3E-672C10A7E002}" dt="2023-09-07T23:15:09.067" v="3613" actId="1037"/>
       <pc:docMkLst>
         <pc:docMk/>
       </pc:docMkLst>
@@ -6631,6 +6632,108 @@
             <ac:picMk id="18" creationId="{73D5EF18-DA41-25D1-1323-9439E8D3190C}"/>
           </ac:picMkLst>
         </pc:picChg>
+      </pc:sldChg>
+      <pc:sldChg chg="addSp delSp modSp new mod">
+        <pc:chgData name="Jonathan Mah" userId="5261b2f2f3e51194" providerId="LiveId" clId="{833092D5-9927-4807-BE3E-672C10A7E002}" dt="2023-09-07T23:15:09.067" v="3613" actId="1037"/>
+        <pc:sldMkLst>
+          <pc:docMk/>
+          <pc:sldMk cId="2356087699" sldId="451"/>
+        </pc:sldMkLst>
+        <pc:spChg chg="del">
+          <ac:chgData name="Jonathan Mah" userId="5261b2f2f3e51194" providerId="LiveId" clId="{833092D5-9927-4807-BE3E-672C10A7E002}" dt="2023-09-07T22:56:31.806" v="3560" actId="478"/>
+          <ac:spMkLst>
+            <pc:docMk/>
+            <pc:sldMk cId="2356087699" sldId="451"/>
+            <ac:spMk id="2" creationId="{E35DE095-E6F7-BA35-B137-760B69F0EE5D}"/>
+          </ac:spMkLst>
+        </pc:spChg>
+        <pc:spChg chg="del">
+          <ac:chgData name="Jonathan Mah" userId="5261b2f2f3e51194" providerId="LiveId" clId="{833092D5-9927-4807-BE3E-672C10A7E002}" dt="2023-09-07T22:56:31.806" v="3560" actId="478"/>
+          <ac:spMkLst>
+            <pc:docMk/>
+            <pc:sldMk cId="2356087699" sldId="451"/>
+            <ac:spMk id="3" creationId="{63471CB2-552D-72B9-E17A-24D80177CC14}"/>
+          </ac:spMkLst>
+        </pc:spChg>
+        <pc:spChg chg="add mod">
+          <ac:chgData name="Jonathan Mah" userId="5261b2f2f3e51194" providerId="LiveId" clId="{833092D5-9927-4807-BE3E-672C10A7E002}" dt="2023-09-07T23:14:57.108" v="3599" actId="1035"/>
+          <ac:spMkLst>
+            <pc:docMk/>
+            <pc:sldMk cId="2356087699" sldId="451"/>
+            <ac:spMk id="14" creationId="{60CCCB66-61B9-C741-DC40-F0272FB22E6E}"/>
+          </ac:spMkLst>
+        </pc:spChg>
+        <pc:spChg chg="add mod">
+          <ac:chgData name="Jonathan Mah" userId="5261b2f2f3e51194" providerId="LiveId" clId="{833092D5-9927-4807-BE3E-672C10A7E002}" dt="2023-09-07T23:15:01.411" v="3605" actId="1036"/>
+          <ac:spMkLst>
+            <pc:docMk/>
+            <pc:sldMk cId="2356087699" sldId="451"/>
+            <ac:spMk id="15" creationId="{75B2786A-2B31-E21B-FB99-DA615016F636}"/>
+          </ac:spMkLst>
+        </pc:spChg>
+        <pc:spChg chg="add mod">
+          <ac:chgData name="Jonathan Mah" userId="5261b2f2f3e51194" providerId="LiveId" clId="{833092D5-9927-4807-BE3E-672C10A7E002}" dt="2023-09-07T23:15:09.067" v="3613" actId="1037"/>
+          <ac:spMkLst>
+            <pc:docMk/>
+            <pc:sldMk cId="2356087699" sldId="451"/>
+            <ac:spMk id="16" creationId="{883B248A-7C58-080D-8580-D9C8E0D9EDE0}"/>
+          </ac:spMkLst>
+        </pc:spChg>
+        <pc:spChg chg="add mod">
+          <ac:chgData name="Jonathan Mah" userId="5261b2f2f3e51194" providerId="LiveId" clId="{833092D5-9927-4807-BE3E-672C10A7E002}" dt="2023-09-07T23:15:09.067" v="3613" actId="1037"/>
+          <ac:spMkLst>
+            <pc:docMk/>
+            <pc:sldMk cId="2356087699" sldId="451"/>
+            <ac:spMk id="17" creationId="{94DC91AF-D060-E283-9459-A0C0DA967A6E}"/>
+          </ac:spMkLst>
+        </pc:spChg>
+        <pc:picChg chg="add del mod">
+          <ac:chgData name="Jonathan Mah" userId="5261b2f2f3e51194" providerId="LiveId" clId="{833092D5-9927-4807-BE3E-672C10A7E002}" dt="2023-09-07T22:58:23.262" v="3569" actId="478"/>
+          <ac:picMkLst>
+            <pc:docMk/>
+            <pc:sldMk cId="2356087699" sldId="451"/>
+            <ac:picMk id="5" creationId="{7389B340-1B3F-F120-1BAD-72D4A7D47530}"/>
+          </ac:picMkLst>
+        </pc:picChg>
+        <pc:picChg chg="add del mod">
+          <ac:chgData name="Jonathan Mah" userId="5261b2f2f3e51194" providerId="LiveId" clId="{833092D5-9927-4807-BE3E-672C10A7E002}" dt="2023-09-07T22:59:07.743" v="3573" actId="478"/>
+          <ac:picMkLst>
+            <pc:docMk/>
+            <pc:sldMk cId="2356087699" sldId="451"/>
+            <ac:picMk id="7" creationId="{8051D283-3E62-74AE-9DFD-6A6831EC79DF}"/>
+          </ac:picMkLst>
+        </pc:picChg>
+        <pc:picChg chg="add del mod">
+          <ac:chgData name="Jonathan Mah" userId="5261b2f2f3e51194" providerId="LiveId" clId="{833092D5-9927-4807-BE3E-672C10A7E002}" dt="2023-09-07T23:00:46.206" v="3576" actId="478"/>
+          <ac:picMkLst>
+            <pc:docMk/>
+            <pc:sldMk cId="2356087699" sldId="451"/>
+            <ac:picMk id="9" creationId="{CE671846-99F6-68CD-FF05-1AEF794033F1}"/>
+          </ac:picMkLst>
+        </pc:picChg>
+        <pc:picChg chg="add del mod">
+          <ac:chgData name="Jonathan Mah" userId="5261b2f2f3e51194" providerId="LiveId" clId="{833092D5-9927-4807-BE3E-672C10A7E002}" dt="2023-09-07T23:03:10.447" v="3578" actId="478"/>
+          <ac:picMkLst>
+            <pc:docMk/>
+            <pc:sldMk cId="2356087699" sldId="451"/>
+            <ac:picMk id="11" creationId="{935E17F5-C3FD-DF64-9380-FFCF64E3EE9E}"/>
+          </ac:picMkLst>
+        </pc:picChg>
+        <pc:picChg chg="add mod">
+          <ac:chgData name="Jonathan Mah" userId="5261b2f2f3e51194" providerId="LiveId" clId="{833092D5-9927-4807-BE3E-672C10A7E002}" dt="2023-09-07T23:03:19.048" v="3582" actId="1076"/>
+          <ac:picMkLst>
+            <pc:docMk/>
+            <pc:sldMk cId="2356087699" sldId="451"/>
+            <ac:picMk id="13" creationId="{38B3D51C-B543-3925-AD07-2C3B669795B5}"/>
+          </ac:picMkLst>
+        </pc:picChg>
+      </pc:sldChg>
+      <pc:sldChg chg="new del">
+        <pc:chgData name="Jonathan Mah" userId="5261b2f2f3e51194" providerId="LiveId" clId="{833092D5-9927-4807-BE3E-672C10A7E002}" dt="2023-09-07T23:03:12.587" v="3580" actId="680"/>
+        <pc:sldMkLst>
+          <pc:docMk/>
+          <pc:sldMk cId="905651646" sldId="452"/>
+        </pc:sldMkLst>
       </pc:sldChg>
     </pc:docChg>
   </pc:docChgLst>
@@ -6719,7 +6822,7 @@
           <a:p>
             <a:fld id="{224F4B04-6A50-4A51-B675-D86EC6563060}" type="datetimeFigureOut">
               <a:rPr lang="en-US" smtClean="0"/>
-              <a:t>9/6/2023</a:t>
+              <a:t>9/7/2023</a:t>
             </a:fld>
             <a:endParaRPr lang="en-US"/>
           </a:p>
@@ -7779,7 +7882,7 @@
           <a:p>
             <a:fld id="{54E435BD-4569-4C00-96FD-DE6EEAA430DA}" type="datetimeFigureOut">
               <a:rPr lang="en-US" smtClean="0"/>
-              <a:t>9/6/2023</a:t>
+              <a:t>9/7/2023</a:t>
             </a:fld>
             <a:endParaRPr lang="en-US"/>
           </a:p>
@@ -7949,7 +8052,7 @@
           <a:p>
             <a:fld id="{54E435BD-4569-4C00-96FD-DE6EEAA430DA}" type="datetimeFigureOut">
               <a:rPr lang="en-US" smtClean="0"/>
-              <a:t>9/6/2023</a:t>
+              <a:t>9/7/2023</a:t>
             </a:fld>
             <a:endParaRPr lang="en-US"/>
           </a:p>
@@ -8129,7 +8232,7 @@
           <a:p>
             <a:fld id="{54E435BD-4569-4C00-96FD-DE6EEAA430DA}" type="datetimeFigureOut">
               <a:rPr lang="en-US" smtClean="0"/>
-              <a:t>9/6/2023</a:t>
+              <a:t>9/7/2023</a:t>
             </a:fld>
             <a:endParaRPr lang="en-US"/>
           </a:p>
@@ -8299,7 +8402,7 @@
           <a:p>
             <a:fld id="{54E435BD-4569-4C00-96FD-DE6EEAA430DA}" type="datetimeFigureOut">
               <a:rPr lang="en-US" smtClean="0"/>
-              <a:t>9/6/2023</a:t>
+              <a:t>9/7/2023</a:t>
             </a:fld>
             <a:endParaRPr lang="en-US"/>
           </a:p>
@@ -8543,7 +8646,7 @@
           <a:p>
             <a:fld id="{54E435BD-4569-4C00-96FD-DE6EEAA430DA}" type="datetimeFigureOut">
               <a:rPr lang="en-US" smtClean="0"/>
-              <a:t>9/6/2023</a:t>
+              <a:t>9/7/2023</a:t>
             </a:fld>
             <a:endParaRPr lang="en-US"/>
           </a:p>
@@ -8775,7 +8878,7 @@
           <a:p>
             <a:fld id="{54E435BD-4569-4C00-96FD-DE6EEAA430DA}" type="datetimeFigureOut">
               <a:rPr lang="en-US" smtClean="0"/>
-              <a:t>9/6/2023</a:t>
+              <a:t>9/7/2023</a:t>
             </a:fld>
             <a:endParaRPr lang="en-US"/>
           </a:p>
@@ -9142,7 +9245,7 @@
           <a:p>
             <a:fld id="{54E435BD-4569-4C00-96FD-DE6EEAA430DA}" type="datetimeFigureOut">
               <a:rPr lang="en-US" smtClean="0"/>
-              <a:t>9/6/2023</a:t>
+              <a:t>9/7/2023</a:t>
             </a:fld>
             <a:endParaRPr lang="en-US"/>
           </a:p>
@@ -9260,7 +9363,7 @@
           <a:p>
             <a:fld id="{54E435BD-4569-4C00-96FD-DE6EEAA430DA}" type="datetimeFigureOut">
               <a:rPr lang="en-US" smtClean="0"/>
-              <a:t>9/6/2023</a:t>
+              <a:t>9/7/2023</a:t>
             </a:fld>
             <a:endParaRPr lang="en-US"/>
           </a:p>
@@ -9355,7 +9458,7 @@
           <a:p>
             <a:fld id="{54E435BD-4569-4C00-96FD-DE6EEAA430DA}" type="datetimeFigureOut">
               <a:rPr lang="en-US" smtClean="0"/>
-              <a:t>9/6/2023</a:t>
+              <a:t>9/7/2023</a:t>
             </a:fld>
             <a:endParaRPr lang="en-US"/>
           </a:p>
@@ -9632,7 +9735,7 @@
           <a:p>
             <a:fld id="{54E435BD-4569-4C00-96FD-DE6EEAA430DA}" type="datetimeFigureOut">
               <a:rPr lang="en-US" smtClean="0"/>
-              <a:t>9/6/2023</a:t>
+              <a:t>9/7/2023</a:t>
             </a:fld>
             <a:endParaRPr lang="en-US"/>
           </a:p>
@@ -9889,7 +9992,7 @@
           <a:p>
             <a:fld id="{54E435BD-4569-4C00-96FD-DE6EEAA430DA}" type="datetimeFigureOut">
               <a:rPr lang="en-US" smtClean="0"/>
-              <a:t>9/6/2023</a:t>
+              <a:t>9/7/2023</a:t>
             </a:fld>
             <a:endParaRPr lang="en-US"/>
           </a:p>
@@ -10102,7 +10205,7 @@
           <a:p>
             <a:fld id="{54E435BD-4569-4C00-96FD-DE6EEAA430DA}" type="datetimeFigureOut">
               <a:rPr lang="en-US" smtClean="0"/>
-              <a:t>9/6/2023</a:t>
+              <a:t>9/7/2023</a:t>
             </a:fld>
             <a:endParaRPr lang="en-US"/>
           </a:p>
@@ -18019,6 +18122,228 @@
     <p:extLst>
       <p:ext uri="{BB962C8B-B14F-4D97-AF65-F5344CB8AC3E}">
         <p14:creationId xmlns:p14="http://schemas.microsoft.com/office/powerpoint/2010/main" val="454695809"/>
+      </p:ext>
+    </p:extLst>
+  </p:cSld>
+  <p:clrMapOvr>
+    <a:masterClrMapping/>
+  </p:clrMapOvr>
+</p:sld>
+</file>
+
+<file path=ppt/slides/slide21.xml><?xml version="1.0" encoding="utf-8"?>
+<p:sld xmlns:a="http://schemas.openxmlformats.org/drawingml/2006/main" xmlns:r="http://schemas.openxmlformats.org/officeDocument/2006/relationships" xmlns:p="http://schemas.openxmlformats.org/presentationml/2006/main">
+  <p:cSld>
+    <p:spTree>
+      <p:nvGrpSpPr>
+        <p:cNvPr id="1" name=""/>
+        <p:cNvGrpSpPr/>
+        <p:nvPr/>
+      </p:nvGrpSpPr>
+      <p:grpSpPr>
+        <a:xfrm>
+          <a:off x="0" y="0"/>
+          <a:ext cx="0" cy="0"/>
+          <a:chOff x="0" y="0"/>
+          <a:chExt cx="0" cy="0"/>
+        </a:xfrm>
+      </p:grpSpPr>
+      <p:pic>
+        <p:nvPicPr>
+          <p:cNvPr id="13" name="Picture 12" descr="A screenshot of a graph&#10;&#10;Description automatically generated">
+            <a:extLst>
+              <a:ext uri="{FF2B5EF4-FFF2-40B4-BE49-F238E27FC236}">
+                <a16:creationId xmlns:a16="http://schemas.microsoft.com/office/drawing/2014/main" id="{38B3D51C-B543-3925-AD07-2C3B669795B5}"/>
+              </a:ext>
+            </a:extLst>
+          </p:cNvPr>
+          <p:cNvPicPr>
+            <a:picLocks noChangeAspect="1"/>
+          </p:cNvPicPr>
+          <p:nvPr/>
+        </p:nvPicPr>
+        <p:blipFill>
+          <a:blip r:embed="rId2">
+            <a:extLst>
+              <a:ext uri="{28A0092B-C50C-407E-A947-70E740481C1C}">
+                <a14:useLocalDpi xmlns:a14="http://schemas.microsoft.com/office/drawing/2010/main" val="0"/>
+              </a:ext>
+            </a:extLst>
+          </a:blip>
+          <a:stretch>
+            <a:fillRect/>
+          </a:stretch>
+        </p:blipFill>
+        <p:spPr>
+          <a:xfrm>
+            <a:off x="2100145" y="3511925"/>
+            <a:ext cx="11431595" cy="7621064"/>
+          </a:xfrm>
+          <a:prstGeom prst="rect">
+            <a:avLst/>
+          </a:prstGeom>
+        </p:spPr>
+      </p:pic>
+      <p:sp>
+        <p:nvSpPr>
+          <p:cNvPr id="14" name="TextBox 13">
+            <a:extLst>
+              <a:ext uri="{FF2B5EF4-FFF2-40B4-BE49-F238E27FC236}">
+                <a16:creationId xmlns:a16="http://schemas.microsoft.com/office/drawing/2014/main" id="{60CCCB66-61B9-C741-DC40-F0272FB22E6E}"/>
+              </a:ext>
+            </a:extLst>
+          </p:cNvPr>
+          <p:cNvSpPr txBox="1"/>
+          <p:nvPr/>
+        </p:nvSpPr>
+        <p:spPr>
+          <a:xfrm>
+            <a:off x="2100145" y="3169026"/>
+            <a:ext cx="712653" cy="553998"/>
+          </a:xfrm>
+          <a:prstGeom prst="rect">
+            <a:avLst/>
+          </a:prstGeom>
+          <a:noFill/>
+        </p:spPr>
+        <p:txBody>
+          <a:bodyPr wrap="square" rtlCol="0">
+            <a:spAutoFit/>
+          </a:bodyPr>
+          <a:lstStyle/>
+          <a:p>
+            <a:r>
+              <a:rPr lang="en-US" sz="3000" b="1" dirty="0">
+                <a:latin typeface="Arial" panose="020B0604020202020204" pitchFamily="34" charset="0"/>
+                <a:ea typeface="Yu Gothic" panose="020B0400000000000000" pitchFamily="34" charset="-128"/>
+                <a:cs typeface="Arial" panose="020B0604020202020204" pitchFamily="34" charset="0"/>
+              </a:rPr>
+              <a:t>A</a:t>
+            </a:r>
+          </a:p>
+        </p:txBody>
+      </p:sp>
+      <p:sp>
+        <p:nvSpPr>
+          <p:cNvPr id="15" name="TextBox 14">
+            <a:extLst>
+              <a:ext uri="{FF2B5EF4-FFF2-40B4-BE49-F238E27FC236}">
+                <a16:creationId xmlns:a16="http://schemas.microsoft.com/office/drawing/2014/main" id="{75B2786A-2B31-E21B-FB99-DA615016F636}"/>
+              </a:ext>
+            </a:extLst>
+          </p:cNvPr>
+          <p:cNvSpPr txBox="1"/>
+          <p:nvPr/>
+        </p:nvSpPr>
+        <p:spPr>
+          <a:xfrm>
+            <a:off x="2100145" y="7060071"/>
+            <a:ext cx="712653" cy="553998"/>
+          </a:xfrm>
+          <a:prstGeom prst="rect">
+            <a:avLst/>
+          </a:prstGeom>
+          <a:noFill/>
+        </p:spPr>
+        <p:txBody>
+          <a:bodyPr wrap="square" rtlCol="0">
+            <a:spAutoFit/>
+          </a:bodyPr>
+          <a:lstStyle/>
+          <a:p>
+            <a:r>
+              <a:rPr lang="en-US" sz="3000" b="1" dirty="0">
+                <a:latin typeface="Arial" panose="020B0604020202020204" pitchFamily="34" charset="0"/>
+                <a:ea typeface="Yu Gothic" panose="020B0400000000000000" pitchFamily="34" charset="-128"/>
+                <a:cs typeface="Arial" panose="020B0604020202020204" pitchFamily="34" charset="0"/>
+              </a:rPr>
+              <a:t>B</a:t>
+            </a:r>
+          </a:p>
+        </p:txBody>
+      </p:sp>
+      <p:sp>
+        <p:nvSpPr>
+          <p:cNvPr id="16" name="TextBox 15">
+            <a:extLst>
+              <a:ext uri="{FF2B5EF4-FFF2-40B4-BE49-F238E27FC236}">
+                <a16:creationId xmlns:a16="http://schemas.microsoft.com/office/drawing/2014/main" id="{883B248A-7C58-080D-8580-D9C8E0D9EDE0}"/>
+              </a:ext>
+            </a:extLst>
+          </p:cNvPr>
+          <p:cNvSpPr txBox="1"/>
+          <p:nvPr/>
+        </p:nvSpPr>
+        <p:spPr>
+          <a:xfrm>
+            <a:off x="6000407" y="7060071"/>
+            <a:ext cx="712653" cy="553998"/>
+          </a:xfrm>
+          <a:prstGeom prst="rect">
+            <a:avLst/>
+          </a:prstGeom>
+          <a:noFill/>
+        </p:spPr>
+        <p:txBody>
+          <a:bodyPr wrap="square" rtlCol="0">
+            <a:spAutoFit/>
+          </a:bodyPr>
+          <a:lstStyle/>
+          <a:p>
+            <a:r>
+              <a:rPr lang="en-US" sz="3000" b="1" dirty="0">
+                <a:latin typeface="Arial" panose="020B0604020202020204" pitchFamily="34" charset="0"/>
+                <a:ea typeface="Yu Gothic" panose="020B0400000000000000" pitchFamily="34" charset="-128"/>
+                <a:cs typeface="Arial" panose="020B0604020202020204" pitchFamily="34" charset="0"/>
+              </a:rPr>
+              <a:t>D</a:t>
+            </a:r>
+          </a:p>
+        </p:txBody>
+      </p:sp>
+      <p:sp>
+        <p:nvSpPr>
+          <p:cNvPr id="17" name="TextBox 16">
+            <a:extLst>
+              <a:ext uri="{FF2B5EF4-FFF2-40B4-BE49-F238E27FC236}">
+                <a16:creationId xmlns:a16="http://schemas.microsoft.com/office/drawing/2014/main" id="{94DC91AF-D060-E283-9459-A0C0DA967A6E}"/>
+              </a:ext>
+            </a:extLst>
+          </p:cNvPr>
+          <p:cNvSpPr txBox="1"/>
+          <p:nvPr/>
+        </p:nvSpPr>
+        <p:spPr>
+          <a:xfrm>
+            <a:off x="6000408" y="3264275"/>
+            <a:ext cx="712653" cy="553998"/>
+          </a:xfrm>
+          <a:prstGeom prst="rect">
+            <a:avLst/>
+          </a:prstGeom>
+          <a:noFill/>
+        </p:spPr>
+        <p:txBody>
+          <a:bodyPr wrap="square" rtlCol="0">
+            <a:spAutoFit/>
+          </a:bodyPr>
+          <a:lstStyle/>
+          <a:p>
+            <a:r>
+              <a:rPr lang="en-US" sz="3000" b="1" dirty="0">
+                <a:latin typeface="Arial" panose="020B0604020202020204" pitchFamily="34" charset="0"/>
+                <a:ea typeface="Yu Gothic" panose="020B0400000000000000" pitchFamily="34" charset="-128"/>
+                <a:cs typeface="Arial" panose="020B0604020202020204" pitchFamily="34" charset="0"/>
+              </a:rPr>
+              <a:t>C</a:t>
+            </a:r>
+          </a:p>
+        </p:txBody>
+      </p:sp>
+    </p:spTree>
+    <p:extLst>
+      <p:ext uri="{BB962C8B-B14F-4D97-AF65-F5344CB8AC3E}">
+        <p14:creationId xmlns:p14="http://schemas.microsoft.com/office/powerpoint/2010/main" val="2356087699"/>
       </p:ext>
     </p:extLst>
   </p:cSld>

--- a/Summary/figures.pptx
+++ b/Summary/figures.pptx
@@ -5,7 +5,7 @@
     <p:sldMasterId id="2147483672" r:id="rId1"/>
   </p:sldMasterIdLst>
   <p:notesMasterIdLst>
-    <p:notesMasterId r:id="rId23"/>
+    <p:notesMasterId r:id="rId24"/>
   </p:notesMasterIdLst>
   <p:sldIdLst>
     <p:sldId id="420" r:id="rId2"/>
@@ -29,6 +29,7 @@
     <p:sldId id="449" r:id="rId20"/>
     <p:sldId id="450" r:id="rId21"/>
     <p:sldId id="451" r:id="rId22"/>
+    <p:sldId id="452" r:id="rId23"/>
   </p:sldIdLst>
   <p:sldSz cx="22860000" cy="22860000"/>
   <p:notesSz cx="6858000" cy="9144000"/>
@@ -138,7 +139,7 @@
 <file path=ppt/revisionInfo.xml><?xml version="1.0" encoding="utf-8"?>
 <p1510:revInfo xmlns:a="http://schemas.openxmlformats.org/drawingml/2006/main" xmlns:r="http://schemas.openxmlformats.org/officeDocument/2006/relationships" xmlns:p1510="http://schemas.microsoft.com/office/powerpoint/2015/10/main">
   <p1510:revLst>
-    <p1510:client id="{833092D5-9927-4807-BE3E-672C10A7E002}" v="287" dt="2023-09-07T23:14:34.601"/>
+    <p1510:client id="{833092D5-9927-4807-BE3E-672C10A7E002}" v="290" dt="2023-09-11T23:54:04.262"/>
   </p1510:revLst>
 </p1510:revInfo>
 </file>
@@ -188,7 +189,7 @@
   <pc:docChgLst>
     <pc:chgData name="Jonathan Mah" userId="5261b2f2f3e51194" providerId="LiveId" clId="{833092D5-9927-4807-BE3E-672C10A7E002}"/>
     <pc:docChg chg="undo redo custSel addSld delSld modSld sldOrd">
-      <pc:chgData name="Jonathan Mah" userId="5261b2f2f3e51194" providerId="LiveId" clId="{833092D5-9927-4807-BE3E-672C10A7E002}" dt="2023-09-07T23:15:09.067" v="3613" actId="1037"/>
+      <pc:chgData name="Jonathan Mah" userId="5261b2f2f3e51194" providerId="LiveId" clId="{833092D5-9927-4807-BE3E-672C10A7E002}" dt="2023-09-11T23:54:42.721" v="3628" actId="1076"/>
       <pc:docMkLst>
         <pc:docMk/>
       </pc:docMkLst>
@@ -6734,6 +6735,69 @@
           <pc:docMk/>
           <pc:sldMk cId="905651646" sldId="452"/>
         </pc:sldMkLst>
+      </pc:sldChg>
+      <pc:sldChg chg="addSp delSp modSp new mod">
+        <pc:chgData name="Jonathan Mah" userId="5261b2f2f3e51194" providerId="LiveId" clId="{833092D5-9927-4807-BE3E-672C10A7E002}" dt="2023-09-11T23:54:42.721" v="3628" actId="1076"/>
+        <pc:sldMkLst>
+          <pc:docMk/>
+          <pc:sldMk cId="1287624721" sldId="452"/>
+        </pc:sldMkLst>
+        <pc:spChg chg="del">
+          <ac:chgData name="Jonathan Mah" userId="5261b2f2f3e51194" providerId="LiveId" clId="{833092D5-9927-4807-BE3E-672C10A7E002}" dt="2023-09-11T23:29:47.541" v="3615" actId="478"/>
+          <ac:spMkLst>
+            <pc:docMk/>
+            <pc:sldMk cId="1287624721" sldId="452"/>
+            <ac:spMk id="2" creationId="{F63C3075-4030-2B2D-4996-EE496434F2A4}"/>
+          </ac:spMkLst>
+        </pc:spChg>
+        <pc:spChg chg="del">
+          <ac:chgData name="Jonathan Mah" userId="5261b2f2f3e51194" providerId="LiveId" clId="{833092D5-9927-4807-BE3E-672C10A7E002}" dt="2023-09-11T23:29:47.541" v="3615" actId="478"/>
+          <ac:spMkLst>
+            <pc:docMk/>
+            <pc:sldMk cId="1287624721" sldId="452"/>
+            <ac:spMk id="3" creationId="{521E89B8-C7B3-2B1E-F0B9-5A627B67883A}"/>
+          </ac:spMkLst>
+        </pc:spChg>
+        <pc:spChg chg="add mod">
+          <ac:chgData name="Jonathan Mah" userId="5261b2f2f3e51194" providerId="LiveId" clId="{833092D5-9927-4807-BE3E-672C10A7E002}" dt="2023-09-11T23:54:34.233" v="3626" actId="1076"/>
+          <ac:spMkLst>
+            <pc:docMk/>
+            <pc:sldMk cId="1287624721" sldId="452"/>
+            <ac:spMk id="8" creationId="{DA8079D7-4913-CB62-1985-C5C6469C2CB2}"/>
+          </ac:spMkLst>
+        </pc:spChg>
+        <pc:spChg chg="add mod">
+          <ac:chgData name="Jonathan Mah" userId="5261b2f2f3e51194" providerId="LiveId" clId="{833092D5-9927-4807-BE3E-672C10A7E002}" dt="2023-09-11T23:54:39.082" v="3627" actId="1076"/>
+          <ac:spMkLst>
+            <pc:docMk/>
+            <pc:sldMk cId="1287624721" sldId="452"/>
+            <ac:spMk id="9" creationId="{E3A326EE-2037-863C-C9A7-623C1EB56194}"/>
+          </ac:spMkLst>
+        </pc:spChg>
+        <pc:spChg chg="add mod">
+          <ac:chgData name="Jonathan Mah" userId="5261b2f2f3e51194" providerId="LiveId" clId="{833092D5-9927-4807-BE3E-672C10A7E002}" dt="2023-09-11T23:54:42.721" v="3628" actId="1076"/>
+          <ac:spMkLst>
+            <pc:docMk/>
+            <pc:sldMk cId="1287624721" sldId="452"/>
+            <ac:spMk id="10" creationId="{E73BA91B-787B-FB99-2479-1173C43D197D}"/>
+          </ac:spMkLst>
+        </pc:spChg>
+        <pc:picChg chg="add del mod">
+          <ac:chgData name="Jonathan Mah" userId="5261b2f2f3e51194" providerId="LiveId" clId="{833092D5-9927-4807-BE3E-672C10A7E002}" dt="2023-09-11T23:53:36.140" v="3618" actId="478"/>
+          <ac:picMkLst>
+            <pc:docMk/>
+            <pc:sldMk cId="1287624721" sldId="452"/>
+            <ac:picMk id="5" creationId="{7E11FDFA-6111-830F-1048-1663AFC999BD}"/>
+          </ac:picMkLst>
+        </pc:picChg>
+        <pc:picChg chg="add mod">
+          <ac:chgData name="Jonathan Mah" userId="5261b2f2f3e51194" providerId="LiveId" clId="{833092D5-9927-4807-BE3E-672C10A7E002}" dt="2023-09-11T23:53:43.787" v="3619" actId="931"/>
+          <ac:picMkLst>
+            <pc:docMk/>
+            <pc:sldMk cId="1287624721" sldId="452"/>
+            <ac:picMk id="7" creationId="{AC6C21EF-AA3C-A803-0E4F-0B1536E11749}"/>
+          </ac:picMkLst>
+        </pc:picChg>
       </pc:sldChg>
     </pc:docChg>
   </pc:docChgLst>
@@ -6822,7 +6886,7 @@
           <a:p>
             <a:fld id="{224F4B04-6A50-4A51-B675-D86EC6563060}" type="datetimeFigureOut">
               <a:rPr lang="en-US" smtClean="0"/>
-              <a:t>9/7/2023</a:t>
+              <a:t>9/11/2023</a:t>
             </a:fld>
             <a:endParaRPr lang="en-US"/>
           </a:p>
@@ -7882,7 +7946,7 @@
           <a:p>
             <a:fld id="{54E435BD-4569-4C00-96FD-DE6EEAA430DA}" type="datetimeFigureOut">
               <a:rPr lang="en-US" smtClean="0"/>
-              <a:t>9/7/2023</a:t>
+              <a:t>9/11/2023</a:t>
             </a:fld>
             <a:endParaRPr lang="en-US"/>
           </a:p>
@@ -8052,7 +8116,7 @@
           <a:p>
             <a:fld id="{54E435BD-4569-4C00-96FD-DE6EEAA430DA}" type="datetimeFigureOut">
               <a:rPr lang="en-US" smtClean="0"/>
-              <a:t>9/7/2023</a:t>
+              <a:t>9/11/2023</a:t>
             </a:fld>
             <a:endParaRPr lang="en-US"/>
           </a:p>
@@ -8232,7 +8296,7 @@
           <a:p>
             <a:fld id="{54E435BD-4569-4C00-96FD-DE6EEAA430DA}" type="datetimeFigureOut">
               <a:rPr lang="en-US" smtClean="0"/>
-              <a:t>9/7/2023</a:t>
+              <a:t>9/11/2023</a:t>
             </a:fld>
             <a:endParaRPr lang="en-US"/>
           </a:p>
@@ -8402,7 +8466,7 @@
           <a:p>
             <a:fld id="{54E435BD-4569-4C00-96FD-DE6EEAA430DA}" type="datetimeFigureOut">
               <a:rPr lang="en-US" smtClean="0"/>
-              <a:t>9/7/2023</a:t>
+              <a:t>9/11/2023</a:t>
             </a:fld>
             <a:endParaRPr lang="en-US"/>
           </a:p>
@@ -8646,7 +8710,7 @@
           <a:p>
             <a:fld id="{54E435BD-4569-4C00-96FD-DE6EEAA430DA}" type="datetimeFigureOut">
               <a:rPr lang="en-US" smtClean="0"/>
-              <a:t>9/7/2023</a:t>
+              <a:t>9/11/2023</a:t>
             </a:fld>
             <a:endParaRPr lang="en-US"/>
           </a:p>
@@ -8878,7 +8942,7 @@
           <a:p>
             <a:fld id="{54E435BD-4569-4C00-96FD-DE6EEAA430DA}" type="datetimeFigureOut">
               <a:rPr lang="en-US" smtClean="0"/>
-              <a:t>9/7/2023</a:t>
+              <a:t>9/11/2023</a:t>
             </a:fld>
             <a:endParaRPr lang="en-US"/>
           </a:p>
@@ -9245,7 +9309,7 @@
           <a:p>
             <a:fld id="{54E435BD-4569-4C00-96FD-DE6EEAA430DA}" type="datetimeFigureOut">
               <a:rPr lang="en-US" smtClean="0"/>
-              <a:t>9/7/2023</a:t>
+              <a:t>9/11/2023</a:t>
             </a:fld>
             <a:endParaRPr lang="en-US"/>
           </a:p>
@@ -9363,7 +9427,7 @@
           <a:p>
             <a:fld id="{54E435BD-4569-4C00-96FD-DE6EEAA430DA}" type="datetimeFigureOut">
               <a:rPr lang="en-US" smtClean="0"/>
-              <a:t>9/7/2023</a:t>
+              <a:t>9/11/2023</a:t>
             </a:fld>
             <a:endParaRPr lang="en-US"/>
           </a:p>
@@ -9458,7 +9522,7 @@
           <a:p>
             <a:fld id="{54E435BD-4569-4C00-96FD-DE6EEAA430DA}" type="datetimeFigureOut">
               <a:rPr lang="en-US" smtClean="0"/>
-              <a:t>9/7/2023</a:t>
+              <a:t>9/11/2023</a:t>
             </a:fld>
             <a:endParaRPr lang="en-US"/>
           </a:p>
@@ -9735,7 +9799,7 @@
           <a:p>
             <a:fld id="{54E435BD-4569-4C00-96FD-DE6EEAA430DA}" type="datetimeFigureOut">
               <a:rPr lang="en-US" smtClean="0"/>
-              <a:t>9/7/2023</a:t>
+              <a:t>9/11/2023</a:t>
             </a:fld>
             <a:endParaRPr lang="en-US"/>
           </a:p>
@@ -9992,7 +10056,7 @@
           <a:p>
             <a:fld id="{54E435BD-4569-4C00-96FD-DE6EEAA430DA}" type="datetimeFigureOut">
               <a:rPr lang="en-US" smtClean="0"/>
-              <a:t>9/7/2023</a:t>
+              <a:t>9/11/2023</a:t>
             </a:fld>
             <a:endParaRPr lang="en-US"/>
           </a:p>
@@ -10205,7 +10269,7 @@
           <a:p>
             <a:fld id="{54E435BD-4569-4C00-96FD-DE6EEAA430DA}" type="datetimeFigureOut">
               <a:rPr lang="en-US" smtClean="0"/>
-              <a:t>9/7/2023</a:t>
+              <a:t>9/11/2023</a:t>
             </a:fld>
             <a:endParaRPr lang="en-US"/>
           </a:p>
@@ -18344,6 +18408,189 @@
     <p:extLst>
       <p:ext uri="{BB962C8B-B14F-4D97-AF65-F5344CB8AC3E}">
         <p14:creationId xmlns:p14="http://schemas.microsoft.com/office/powerpoint/2010/main" val="2356087699"/>
+      </p:ext>
+    </p:extLst>
+  </p:cSld>
+  <p:clrMapOvr>
+    <a:masterClrMapping/>
+  </p:clrMapOvr>
+</p:sld>
+</file>
+
+<file path=ppt/slides/slide22.xml><?xml version="1.0" encoding="utf-8"?>
+<p:sld xmlns:a="http://schemas.openxmlformats.org/drawingml/2006/main" xmlns:r="http://schemas.openxmlformats.org/officeDocument/2006/relationships" xmlns:p="http://schemas.openxmlformats.org/presentationml/2006/main">
+  <p:cSld>
+    <p:spTree>
+      <p:nvGrpSpPr>
+        <p:cNvPr id="1" name=""/>
+        <p:cNvGrpSpPr/>
+        <p:nvPr/>
+      </p:nvGrpSpPr>
+      <p:grpSpPr>
+        <a:xfrm>
+          <a:off x="0" y="0"/>
+          <a:ext cx="0" cy="0"/>
+          <a:chOff x="0" y="0"/>
+          <a:chExt cx="0" cy="0"/>
+        </a:xfrm>
+      </p:grpSpPr>
+      <p:pic>
+        <p:nvPicPr>
+          <p:cNvPr id="7" name="Picture 6" descr="A group of black and white graphs&#10;&#10;Description automatically generated">
+            <a:extLst>
+              <a:ext uri="{FF2B5EF4-FFF2-40B4-BE49-F238E27FC236}">
+                <a16:creationId xmlns:a16="http://schemas.microsoft.com/office/drawing/2014/main" id="{AC6C21EF-AA3C-A803-0E4F-0B1536E11749}"/>
+              </a:ext>
+            </a:extLst>
+          </p:cNvPr>
+          <p:cNvPicPr>
+            <a:picLocks noChangeAspect="1"/>
+          </p:cNvPicPr>
+          <p:nvPr/>
+        </p:nvPicPr>
+        <p:blipFill>
+          <a:blip r:embed="rId2">
+            <a:extLst>
+              <a:ext uri="{28A0092B-C50C-407E-A947-70E740481C1C}">
+                <a14:useLocalDpi xmlns:a14="http://schemas.microsoft.com/office/drawing/2010/main" val="0"/>
+              </a:ext>
+            </a:extLst>
+          </a:blip>
+          <a:stretch>
+            <a:fillRect/>
+          </a:stretch>
+        </p:blipFill>
+        <p:spPr>
+          <a:xfrm>
+            <a:off x="0" y="7620000"/>
+            <a:ext cx="22860000" cy="7620000"/>
+          </a:xfrm>
+          <a:prstGeom prst="rect">
+            <a:avLst/>
+          </a:prstGeom>
+        </p:spPr>
+      </p:pic>
+      <p:sp>
+        <p:nvSpPr>
+          <p:cNvPr id="8" name="TextBox 7">
+            <a:extLst>
+              <a:ext uri="{FF2B5EF4-FFF2-40B4-BE49-F238E27FC236}">
+                <a16:creationId xmlns:a16="http://schemas.microsoft.com/office/drawing/2014/main" id="{DA8079D7-4913-CB62-1985-C5C6469C2CB2}"/>
+              </a:ext>
+            </a:extLst>
+          </p:cNvPr>
+          <p:cNvSpPr txBox="1"/>
+          <p:nvPr/>
+        </p:nvSpPr>
+        <p:spPr>
+          <a:xfrm>
+            <a:off x="0" y="7484955"/>
+            <a:ext cx="712653" cy="553998"/>
+          </a:xfrm>
+          <a:prstGeom prst="rect">
+            <a:avLst/>
+          </a:prstGeom>
+          <a:noFill/>
+        </p:spPr>
+        <p:txBody>
+          <a:bodyPr wrap="square" rtlCol="0">
+            <a:spAutoFit/>
+          </a:bodyPr>
+          <a:lstStyle/>
+          <a:p>
+            <a:r>
+              <a:rPr lang="en-US" sz="3000" b="1" dirty="0">
+                <a:latin typeface="Arial" panose="020B0604020202020204" pitchFamily="34" charset="0"/>
+                <a:ea typeface="Yu Gothic" panose="020B0400000000000000" pitchFamily="34" charset="-128"/>
+                <a:cs typeface="Arial" panose="020B0604020202020204" pitchFamily="34" charset="0"/>
+              </a:rPr>
+              <a:t>A</a:t>
+            </a:r>
+          </a:p>
+        </p:txBody>
+      </p:sp>
+      <p:sp>
+        <p:nvSpPr>
+          <p:cNvPr id="9" name="TextBox 8">
+            <a:extLst>
+              <a:ext uri="{FF2B5EF4-FFF2-40B4-BE49-F238E27FC236}">
+                <a16:creationId xmlns:a16="http://schemas.microsoft.com/office/drawing/2014/main" id="{E3A326EE-2037-863C-C9A7-623C1EB56194}"/>
+              </a:ext>
+            </a:extLst>
+          </p:cNvPr>
+          <p:cNvSpPr txBox="1"/>
+          <p:nvPr/>
+        </p:nvSpPr>
+        <p:spPr>
+          <a:xfrm>
+            <a:off x="0" y="10000098"/>
+            <a:ext cx="712653" cy="553998"/>
+          </a:xfrm>
+          <a:prstGeom prst="rect">
+            <a:avLst/>
+          </a:prstGeom>
+          <a:noFill/>
+        </p:spPr>
+        <p:txBody>
+          <a:bodyPr wrap="square" rtlCol="0">
+            <a:spAutoFit/>
+          </a:bodyPr>
+          <a:lstStyle/>
+          <a:p>
+            <a:r>
+              <a:rPr lang="en-US" sz="3000" b="1" dirty="0">
+                <a:latin typeface="Arial" panose="020B0604020202020204" pitchFamily="34" charset="0"/>
+                <a:ea typeface="Yu Gothic" panose="020B0400000000000000" pitchFamily="34" charset="-128"/>
+                <a:cs typeface="Arial" panose="020B0604020202020204" pitchFamily="34" charset="0"/>
+              </a:rPr>
+              <a:t>B</a:t>
+            </a:r>
+          </a:p>
+        </p:txBody>
+      </p:sp>
+      <p:sp>
+        <p:nvSpPr>
+          <p:cNvPr id="10" name="TextBox 9">
+            <a:extLst>
+              <a:ext uri="{FF2B5EF4-FFF2-40B4-BE49-F238E27FC236}">
+                <a16:creationId xmlns:a16="http://schemas.microsoft.com/office/drawing/2014/main" id="{E73BA91B-787B-FB99-2479-1173C43D197D}"/>
+              </a:ext>
+            </a:extLst>
+          </p:cNvPr>
+          <p:cNvSpPr txBox="1"/>
+          <p:nvPr/>
+        </p:nvSpPr>
+        <p:spPr>
+          <a:xfrm>
+            <a:off x="0" y="12343050"/>
+            <a:ext cx="712653" cy="553998"/>
+          </a:xfrm>
+          <a:prstGeom prst="rect">
+            <a:avLst/>
+          </a:prstGeom>
+          <a:noFill/>
+        </p:spPr>
+        <p:txBody>
+          <a:bodyPr wrap="square" rtlCol="0">
+            <a:spAutoFit/>
+          </a:bodyPr>
+          <a:lstStyle/>
+          <a:p>
+            <a:r>
+              <a:rPr lang="en-US" sz="3000" b="1" dirty="0">
+                <a:latin typeface="Arial" panose="020B0604020202020204" pitchFamily="34" charset="0"/>
+                <a:ea typeface="Yu Gothic" panose="020B0400000000000000" pitchFamily="34" charset="-128"/>
+                <a:cs typeface="Arial" panose="020B0604020202020204" pitchFamily="34" charset="0"/>
+              </a:rPr>
+              <a:t>C</a:t>
+            </a:r>
+          </a:p>
+        </p:txBody>
+      </p:sp>
+    </p:spTree>
+    <p:extLst>
+      <p:ext uri="{BB962C8B-B14F-4D97-AF65-F5344CB8AC3E}">
+        <p14:creationId xmlns:p14="http://schemas.microsoft.com/office/powerpoint/2010/main" val="1287624721"/>
       </p:ext>
     </p:extLst>
   </p:cSld>

--- a/Summary/figures.pptx
+++ b/Summary/figures.pptx
@@ -5,31 +5,34 @@
     <p:sldMasterId id="2147483672" r:id="rId1"/>
   </p:sldMasterIdLst>
   <p:notesMasterIdLst>
-    <p:notesMasterId r:id="rId24"/>
+    <p:notesMasterId r:id="rId27"/>
   </p:notesMasterIdLst>
   <p:sldIdLst>
     <p:sldId id="420" r:id="rId2"/>
-    <p:sldId id="412" r:id="rId3"/>
-    <p:sldId id="422" r:id="rId4"/>
-    <p:sldId id="423" r:id="rId5"/>
-    <p:sldId id="425" r:id="rId6"/>
-    <p:sldId id="427" r:id="rId7"/>
-    <p:sldId id="413" r:id="rId8"/>
-    <p:sldId id="414" r:id="rId9"/>
-    <p:sldId id="430" r:id="rId10"/>
-    <p:sldId id="432" r:id="rId11"/>
-    <p:sldId id="433" r:id="rId12"/>
-    <p:sldId id="434" r:id="rId13"/>
-    <p:sldId id="435" r:id="rId14"/>
-    <p:sldId id="442" r:id="rId15"/>
-    <p:sldId id="448" r:id="rId16"/>
-    <p:sldId id="438" r:id="rId17"/>
-    <p:sldId id="439" r:id="rId18"/>
-    <p:sldId id="446" r:id="rId19"/>
-    <p:sldId id="449" r:id="rId20"/>
-    <p:sldId id="450" r:id="rId21"/>
-    <p:sldId id="451" r:id="rId22"/>
-    <p:sldId id="452" r:id="rId23"/>
+    <p:sldId id="454" r:id="rId3"/>
+    <p:sldId id="412" r:id="rId4"/>
+    <p:sldId id="422" r:id="rId5"/>
+    <p:sldId id="423" r:id="rId6"/>
+    <p:sldId id="425" r:id="rId7"/>
+    <p:sldId id="455" r:id="rId8"/>
+    <p:sldId id="427" r:id="rId9"/>
+    <p:sldId id="413" r:id="rId10"/>
+    <p:sldId id="414" r:id="rId11"/>
+    <p:sldId id="430" r:id="rId12"/>
+    <p:sldId id="432" r:id="rId13"/>
+    <p:sldId id="433" r:id="rId14"/>
+    <p:sldId id="434" r:id="rId15"/>
+    <p:sldId id="435" r:id="rId16"/>
+    <p:sldId id="442" r:id="rId17"/>
+    <p:sldId id="448" r:id="rId18"/>
+    <p:sldId id="438" r:id="rId19"/>
+    <p:sldId id="439" r:id="rId20"/>
+    <p:sldId id="446" r:id="rId21"/>
+    <p:sldId id="449" r:id="rId22"/>
+    <p:sldId id="450" r:id="rId23"/>
+    <p:sldId id="451" r:id="rId24"/>
+    <p:sldId id="452" r:id="rId25"/>
+    <p:sldId id="453" r:id="rId26"/>
   </p:sldIdLst>
   <p:sldSz cx="22860000" cy="22860000"/>
   <p:notesSz cx="6858000" cy="9144000"/>
@@ -139,7 +142,7 @@
 <file path=ppt/revisionInfo.xml><?xml version="1.0" encoding="utf-8"?>
 <p1510:revInfo xmlns:a="http://schemas.openxmlformats.org/drawingml/2006/main" xmlns:r="http://schemas.openxmlformats.org/officeDocument/2006/relationships" xmlns:p1510="http://schemas.microsoft.com/office/powerpoint/2015/10/main">
   <p1510:revLst>
-    <p1510:client id="{833092D5-9927-4807-BE3E-672C10A7E002}" v="290" dt="2023-09-11T23:54:04.262"/>
+    <p1510:client id="{833092D5-9927-4807-BE3E-672C10A7E002}" v="308" dt="2023-09-25T17:55:41.782"/>
   </p1510:revLst>
 </p1510:revInfo>
 </file>
@@ -189,7 +192,7 @@
   <pc:docChgLst>
     <pc:chgData name="Jonathan Mah" userId="5261b2f2f3e51194" providerId="LiveId" clId="{833092D5-9927-4807-BE3E-672C10A7E002}"/>
     <pc:docChg chg="undo redo custSel addSld delSld modSld sldOrd">
-      <pc:chgData name="Jonathan Mah" userId="5261b2f2f3e51194" providerId="LiveId" clId="{833092D5-9927-4807-BE3E-672C10A7E002}" dt="2023-09-11T23:54:42.721" v="3628" actId="1076"/>
+      <pc:chgData name="Jonathan Mah" userId="5261b2f2f3e51194" providerId="LiveId" clId="{833092D5-9927-4807-BE3E-672C10A7E002}" dt="2023-09-25T17:55:43.775" v="3702" actId="1076"/>
       <pc:docMkLst>
         <pc:docMk/>
       </pc:docMkLst>
@@ -6737,11 +6740,19 @@
         </pc:sldMkLst>
       </pc:sldChg>
       <pc:sldChg chg="addSp delSp modSp new mod">
-        <pc:chgData name="Jonathan Mah" userId="5261b2f2f3e51194" providerId="LiveId" clId="{833092D5-9927-4807-BE3E-672C10A7E002}" dt="2023-09-11T23:54:42.721" v="3628" actId="1076"/>
+        <pc:chgData name="Jonathan Mah" userId="5261b2f2f3e51194" providerId="LiveId" clId="{833092D5-9927-4807-BE3E-672C10A7E002}" dt="2023-09-18T20:41:47.155" v="3673" actId="1035"/>
         <pc:sldMkLst>
           <pc:docMk/>
           <pc:sldMk cId="1287624721" sldId="452"/>
         </pc:sldMkLst>
+        <pc:spChg chg="add del">
+          <ac:chgData name="Jonathan Mah" userId="5261b2f2f3e51194" providerId="LiveId" clId="{833092D5-9927-4807-BE3E-672C10A7E002}" dt="2023-09-18T20:39:54.325" v="3633"/>
+          <ac:spMkLst>
+            <pc:docMk/>
+            <pc:sldMk cId="1287624721" sldId="452"/>
+            <ac:spMk id="2" creationId="{EC560C4C-9032-D5C9-D9EB-00F23779C1C9}"/>
+          </ac:spMkLst>
+        </pc:spChg>
         <pc:spChg chg="del">
           <ac:chgData name="Jonathan Mah" userId="5261b2f2f3e51194" providerId="LiveId" clId="{833092D5-9927-4807-BE3E-672C10A7E002}" dt="2023-09-11T23:29:47.541" v="3615" actId="478"/>
           <ac:spMkLst>
@@ -6759,29 +6770,85 @@
           </ac:spMkLst>
         </pc:spChg>
         <pc:spChg chg="add mod">
-          <ac:chgData name="Jonathan Mah" userId="5261b2f2f3e51194" providerId="LiveId" clId="{833092D5-9927-4807-BE3E-672C10A7E002}" dt="2023-09-11T23:54:34.233" v="3626" actId="1076"/>
+          <ac:chgData name="Jonathan Mah" userId="5261b2f2f3e51194" providerId="LiveId" clId="{833092D5-9927-4807-BE3E-672C10A7E002}" dt="2023-09-18T20:41:14.505" v="3662" actId="14100"/>
+          <ac:spMkLst>
+            <pc:docMk/>
+            <pc:sldMk cId="1287624721" sldId="452"/>
+            <ac:spMk id="4" creationId="{CAF22837-C4C3-3AF8-B843-31E5F0921500}"/>
+          </ac:spMkLst>
+        </pc:spChg>
+        <pc:spChg chg="add mod">
+          <ac:chgData name="Jonathan Mah" userId="5261b2f2f3e51194" providerId="LiveId" clId="{833092D5-9927-4807-BE3E-672C10A7E002}" dt="2023-09-18T20:40:38.475" v="3652" actId="1037"/>
+          <ac:spMkLst>
+            <pc:docMk/>
+            <pc:sldMk cId="1287624721" sldId="452"/>
+            <ac:spMk id="5" creationId="{90027EC0-1389-99F2-5423-EF109892E53C}"/>
+          </ac:spMkLst>
+        </pc:spChg>
+        <pc:spChg chg="add del mod">
+          <ac:chgData name="Jonathan Mah" userId="5261b2f2f3e51194" providerId="LiveId" clId="{833092D5-9927-4807-BE3E-672C10A7E002}" dt="2023-09-18T20:41:05.565" v="3660" actId="478"/>
+          <ac:spMkLst>
+            <pc:docMk/>
+            <pc:sldMk cId="1287624721" sldId="452"/>
+            <ac:spMk id="6" creationId="{A70F33FE-BB66-3F94-B99B-90C8C2167240}"/>
+          </ac:spMkLst>
+        </pc:spChg>
+        <pc:spChg chg="add del mod">
+          <ac:chgData name="Jonathan Mah" userId="5261b2f2f3e51194" providerId="LiveId" clId="{833092D5-9927-4807-BE3E-672C10A7E002}" dt="2023-09-18T20:39:52.260" v="3631" actId="478"/>
           <ac:spMkLst>
             <pc:docMk/>
             <pc:sldMk cId="1287624721" sldId="452"/>
             <ac:spMk id="8" creationId="{DA8079D7-4913-CB62-1985-C5C6469C2CB2}"/>
           </ac:spMkLst>
         </pc:spChg>
-        <pc:spChg chg="add mod">
-          <ac:chgData name="Jonathan Mah" userId="5261b2f2f3e51194" providerId="LiveId" clId="{833092D5-9927-4807-BE3E-672C10A7E002}" dt="2023-09-11T23:54:39.082" v="3627" actId="1076"/>
+        <pc:spChg chg="add del mod">
+          <ac:chgData name="Jonathan Mah" userId="5261b2f2f3e51194" providerId="LiveId" clId="{833092D5-9927-4807-BE3E-672C10A7E002}" dt="2023-09-18T20:39:52.260" v="3631" actId="478"/>
           <ac:spMkLst>
             <pc:docMk/>
             <pc:sldMk cId="1287624721" sldId="452"/>
             <ac:spMk id="9" creationId="{E3A326EE-2037-863C-C9A7-623C1EB56194}"/>
           </ac:spMkLst>
         </pc:spChg>
-        <pc:spChg chg="add mod">
-          <ac:chgData name="Jonathan Mah" userId="5261b2f2f3e51194" providerId="LiveId" clId="{833092D5-9927-4807-BE3E-672C10A7E002}" dt="2023-09-11T23:54:42.721" v="3628" actId="1076"/>
+        <pc:spChg chg="add del mod">
+          <ac:chgData name="Jonathan Mah" userId="5261b2f2f3e51194" providerId="LiveId" clId="{833092D5-9927-4807-BE3E-672C10A7E002}" dt="2023-09-18T20:39:52.260" v="3631" actId="478"/>
           <ac:spMkLst>
             <pc:docMk/>
             <pc:sldMk cId="1287624721" sldId="452"/>
             <ac:spMk id="10" creationId="{E73BA91B-787B-FB99-2479-1173C43D197D}"/>
           </ac:spMkLst>
         </pc:spChg>
+        <pc:spChg chg="add del mod">
+          <ac:chgData name="Jonathan Mah" userId="5261b2f2f3e51194" providerId="LiveId" clId="{833092D5-9927-4807-BE3E-672C10A7E002}" dt="2023-09-18T20:41:07.245" v="3661" actId="478"/>
+          <ac:spMkLst>
+            <pc:docMk/>
+            <pc:sldMk cId="1287624721" sldId="452"/>
+            <ac:spMk id="11" creationId="{D4BD69B8-44AE-C725-EEE7-9E2E694C828B}"/>
+          </ac:spMkLst>
+        </pc:spChg>
+        <pc:spChg chg="add mod">
+          <ac:chgData name="Jonathan Mah" userId="5261b2f2f3e51194" providerId="LiveId" clId="{833092D5-9927-4807-BE3E-672C10A7E002}" dt="2023-09-18T20:41:44.805" v="3672" actId="1036"/>
+          <ac:spMkLst>
+            <pc:docMk/>
+            <pc:sldMk cId="1287624721" sldId="452"/>
+            <ac:spMk id="12" creationId="{46CC59FA-39E1-BD5F-4FE3-01D1366045E0}"/>
+          </ac:spMkLst>
+        </pc:spChg>
+        <pc:spChg chg="add mod">
+          <ac:chgData name="Jonathan Mah" userId="5261b2f2f3e51194" providerId="LiveId" clId="{833092D5-9927-4807-BE3E-672C10A7E002}" dt="2023-09-18T20:41:43.235" v="3670" actId="1036"/>
+          <ac:spMkLst>
+            <pc:docMk/>
+            <pc:sldMk cId="1287624721" sldId="452"/>
+            <ac:spMk id="13" creationId="{8782ECC7-B4CD-CA2D-74A8-6EFF1856E451}"/>
+          </ac:spMkLst>
+        </pc:spChg>
+        <pc:picChg chg="add mod">
+          <ac:chgData name="Jonathan Mah" userId="5261b2f2f3e51194" providerId="LiveId" clId="{833092D5-9927-4807-BE3E-672C10A7E002}" dt="2023-09-18T20:41:47.155" v="3673" actId="1035"/>
+          <ac:picMkLst>
+            <pc:docMk/>
+            <pc:sldMk cId="1287624721" sldId="452"/>
+            <ac:picMk id="3" creationId="{FC4F7D03-9813-EDB6-2279-04D39B681316}"/>
+          </ac:picMkLst>
+        </pc:picChg>
         <pc:picChg chg="add del mod">
           <ac:chgData name="Jonathan Mah" userId="5261b2f2f3e51194" providerId="LiveId" clId="{833092D5-9927-4807-BE3E-672C10A7E002}" dt="2023-09-11T23:53:36.140" v="3618" actId="478"/>
           <ac:picMkLst>
@@ -6790,12 +6857,161 @@
             <ac:picMk id="5" creationId="{7E11FDFA-6111-830F-1048-1663AFC999BD}"/>
           </ac:picMkLst>
         </pc:picChg>
-        <pc:picChg chg="add mod">
-          <ac:chgData name="Jonathan Mah" userId="5261b2f2f3e51194" providerId="LiveId" clId="{833092D5-9927-4807-BE3E-672C10A7E002}" dt="2023-09-11T23:53:43.787" v="3619" actId="931"/>
+        <pc:picChg chg="add del mod">
+          <ac:chgData name="Jonathan Mah" userId="5261b2f2f3e51194" providerId="LiveId" clId="{833092D5-9927-4807-BE3E-672C10A7E002}" dt="2023-09-18T20:39:52.260" v="3631" actId="478"/>
           <ac:picMkLst>
             <pc:docMk/>
             <pc:sldMk cId="1287624721" sldId="452"/>
             <ac:picMk id="7" creationId="{AC6C21EF-AA3C-A803-0E4F-0B1536E11749}"/>
+          </ac:picMkLst>
+        </pc:picChg>
+      </pc:sldChg>
+      <pc:sldChg chg="delSp new mod">
+        <pc:chgData name="Jonathan Mah" userId="5261b2f2f3e51194" providerId="LiveId" clId="{833092D5-9927-4807-BE3E-672C10A7E002}" dt="2023-09-18T20:13:07.248" v="3630" actId="478"/>
+        <pc:sldMkLst>
+          <pc:docMk/>
+          <pc:sldMk cId="3734765804" sldId="453"/>
+        </pc:sldMkLst>
+        <pc:spChg chg="del">
+          <ac:chgData name="Jonathan Mah" userId="5261b2f2f3e51194" providerId="LiveId" clId="{833092D5-9927-4807-BE3E-672C10A7E002}" dt="2023-09-18T20:13:07.248" v="3630" actId="478"/>
+          <ac:spMkLst>
+            <pc:docMk/>
+            <pc:sldMk cId="3734765804" sldId="453"/>
+            <ac:spMk id="2" creationId="{ADF7E0B3-FAF7-038B-67AA-C5B2941E36AE}"/>
+          </ac:spMkLst>
+        </pc:spChg>
+        <pc:spChg chg="del">
+          <ac:chgData name="Jonathan Mah" userId="5261b2f2f3e51194" providerId="LiveId" clId="{833092D5-9927-4807-BE3E-672C10A7E002}" dt="2023-09-18T20:13:07.248" v="3630" actId="478"/>
+          <ac:spMkLst>
+            <pc:docMk/>
+            <pc:sldMk cId="3734765804" sldId="453"/>
+            <ac:spMk id="3" creationId="{5A9FC7E2-16E1-8CE9-8F1B-C1AC67E68075}"/>
+          </ac:spMkLst>
+        </pc:spChg>
+      </pc:sldChg>
+      <pc:sldChg chg="addSp delSp modSp new mod">
+        <pc:chgData name="Jonathan Mah" userId="5261b2f2f3e51194" providerId="LiveId" clId="{833092D5-9927-4807-BE3E-672C10A7E002}" dt="2023-09-22T17:31:35.652" v="3677" actId="1076"/>
+        <pc:sldMkLst>
+          <pc:docMk/>
+          <pc:sldMk cId="1313585543" sldId="454"/>
+        </pc:sldMkLst>
+        <pc:spChg chg="del">
+          <ac:chgData name="Jonathan Mah" userId="5261b2f2f3e51194" providerId="LiveId" clId="{833092D5-9927-4807-BE3E-672C10A7E002}" dt="2023-09-22T17:31:28.034" v="3675" actId="478"/>
+          <ac:spMkLst>
+            <pc:docMk/>
+            <pc:sldMk cId="1313585543" sldId="454"/>
+            <ac:spMk id="2" creationId="{A99938F2-8B57-B17B-FF19-59B6AA69883E}"/>
+          </ac:spMkLst>
+        </pc:spChg>
+        <pc:spChg chg="del">
+          <ac:chgData name="Jonathan Mah" userId="5261b2f2f3e51194" providerId="LiveId" clId="{833092D5-9927-4807-BE3E-672C10A7E002}" dt="2023-09-22T17:31:28.034" v="3675" actId="478"/>
+          <ac:spMkLst>
+            <pc:docMk/>
+            <pc:sldMk cId="1313585543" sldId="454"/>
+            <ac:spMk id="3" creationId="{9CDF7624-47C6-6271-5920-14D7CF346AC2}"/>
+          </ac:spMkLst>
+        </pc:spChg>
+        <pc:picChg chg="add mod">
+          <ac:chgData name="Jonathan Mah" userId="5261b2f2f3e51194" providerId="LiveId" clId="{833092D5-9927-4807-BE3E-672C10A7E002}" dt="2023-09-22T17:31:35.652" v="3677" actId="1076"/>
+          <ac:picMkLst>
+            <pc:docMk/>
+            <pc:sldMk cId="1313585543" sldId="454"/>
+            <ac:picMk id="5" creationId="{D83B4D06-C6CB-3F68-E7B0-4B52C0615AD9}"/>
+          </ac:picMkLst>
+        </pc:picChg>
+      </pc:sldChg>
+      <pc:sldChg chg="addSp delSp modSp new mod">
+        <pc:chgData name="Jonathan Mah" userId="5261b2f2f3e51194" providerId="LiveId" clId="{833092D5-9927-4807-BE3E-672C10A7E002}" dt="2023-09-25T17:55:43.775" v="3702" actId="1076"/>
+        <pc:sldMkLst>
+          <pc:docMk/>
+          <pc:sldMk cId="1767038063" sldId="455"/>
+        </pc:sldMkLst>
+        <pc:spChg chg="del">
+          <ac:chgData name="Jonathan Mah" userId="5261b2f2f3e51194" providerId="LiveId" clId="{833092D5-9927-4807-BE3E-672C10A7E002}" dt="2023-09-25T17:46:12.705" v="3679" actId="478"/>
+          <ac:spMkLst>
+            <pc:docMk/>
+            <pc:sldMk cId="1767038063" sldId="455"/>
+            <ac:spMk id="2" creationId="{21875D7B-CB5B-011C-97EE-EB013C663666}"/>
+          </ac:spMkLst>
+        </pc:spChg>
+        <pc:spChg chg="del">
+          <ac:chgData name="Jonathan Mah" userId="5261b2f2f3e51194" providerId="LiveId" clId="{833092D5-9927-4807-BE3E-672C10A7E002}" dt="2023-09-25T17:46:12.705" v="3679" actId="478"/>
+          <ac:spMkLst>
+            <pc:docMk/>
+            <pc:sldMk cId="1767038063" sldId="455"/>
+            <ac:spMk id="3" creationId="{3D456934-58CD-D87C-5B68-9F189DB78C15}"/>
+          </ac:spMkLst>
+        </pc:spChg>
+        <pc:picChg chg="add del mod">
+          <ac:chgData name="Jonathan Mah" userId="5261b2f2f3e51194" providerId="LiveId" clId="{833092D5-9927-4807-BE3E-672C10A7E002}" dt="2023-09-25T17:49:24.992" v="3681" actId="478"/>
+          <ac:picMkLst>
+            <pc:docMk/>
+            <pc:sldMk cId="1767038063" sldId="455"/>
+            <ac:picMk id="5" creationId="{527AB4C9-1D89-D0B5-5CD4-1143D0B870F5}"/>
+          </ac:picMkLst>
+        </pc:picChg>
+        <pc:picChg chg="add del mod">
+          <ac:chgData name="Jonathan Mah" userId="5261b2f2f3e51194" providerId="LiveId" clId="{833092D5-9927-4807-BE3E-672C10A7E002}" dt="2023-09-25T17:49:58.215" v="3685" actId="478"/>
+          <ac:picMkLst>
+            <pc:docMk/>
+            <pc:sldMk cId="1767038063" sldId="455"/>
+            <ac:picMk id="7" creationId="{CA91C59C-55D4-96E9-E058-7A8AE64BFAC2}"/>
+          </ac:picMkLst>
+        </pc:picChg>
+        <pc:picChg chg="add del mod">
+          <ac:chgData name="Jonathan Mah" userId="5261b2f2f3e51194" providerId="LiveId" clId="{833092D5-9927-4807-BE3E-672C10A7E002}" dt="2023-09-25T17:50:17.295" v="3688" actId="478"/>
+          <ac:picMkLst>
+            <pc:docMk/>
+            <pc:sldMk cId="1767038063" sldId="455"/>
+            <ac:picMk id="9" creationId="{3CF07F07-1E43-5975-589D-61DF0BE94857}"/>
+          </ac:picMkLst>
+        </pc:picChg>
+        <pc:picChg chg="add del mod">
+          <ac:chgData name="Jonathan Mah" userId="5261b2f2f3e51194" providerId="LiveId" clId="{833092D5-9927-4807-BE3E-672C10A7E002}" dt="2023-09-25T17:51:29.256" v="3690" actId="478"/>
+          <ac:picMkLst>
+            <pc:docMk/>
+            <pc:sldMk cId="1767038063" sldId="455"/>
+            <ac:picMk id="11" creationId="{580D0FD4-61A4-7B96-B457-CCBDF8164278}"/>
+          </ac:picMkLst>
+        </pc:picChg>
+        <pc:picChg chg="add del mod">
+          <ac:chgData name="Jonathan Mah" userId="5261b2f2f3e51194" providerId="LiveId" clId="{833092D5-9927-4807-BE3E-672C10A7E002}" dt="2023-09-25T17:52:07.728" v="3692" actId="478"/>
+          <ac:picMkLst>
+            <pc:docMk/>
+            <pc:sldMk cId="1767038063" sldId="455"/>
+            <ac:picMk id="13" creationId="{DD58CD96-A77C-232A-CE09-5D48990CA702}"/>
+          </ac:picMkLst>
+        </pc:picChg>
+        <pc:picChg chg="add del mod">
+          <ac:chgData name="Jonathan Mah" userId="5261b2f2f3e51194" providerId="LiveId" clId="{833092D5-9927-4807-BE3E-672C10A7E002}" dt="2023-09-25T17:53:14.487" v="3695" actId="478"/>
+          <ac:picMkLst>
+            <pc:docMk/>
+            <pc:sldMk cId="1767038063" sldId="455"/>
+            <ac:picMk id="15" creationId="{D5E9F7E8-8184-5DF8-F38B-7CD96F0FA477}"/>
+          </ac:picMkLst>
+        </pc:picChg>
+        <pc:picChg chg="add del mod">
+          <ac:chgData name="Jonathan Mah" userId="5261b2f2f3e51194" providerId="LiveId" clId="{833092D5-9927-4807-BE3E-672C10A7E002}" dt="2023-09-25T17:53:54.038" v="3698" actId="478"/>
+          <ac:picMkLst>
+            <pc:docMk/>
+            <pc:sldMk cId="1767038063" sldId="455"/>
+            <ac:picMk id="17" creationId="{53CF5DB2-2A30-6BFB-E6E0-837A58A7B108}"/>
+          </ac:picMkLst>
+        </pc:picChg>
+        <pc:picChg chg="add del mod">
+          <ac:chgData name="Jonathan Mah" userId="5261b2f2f3e51194" providerId="LiveId" clId="{833092D5-9927-4807-BE3E-672C10A7E002}" dt="2023-09-25T17:55:38.031" v="3700" actId="478"/>
+          <ac:picMkLst>
+            <pc:docMk/>
+            <pc:sldMk cId="1767038063" sldId="455"/>
+            <ac:picMk id="19" creationId="{1A034D63-29CF-853F-E395-1F6EB1ABE0D4}"/>
+          </ac:picMkLst>
+        </pc:picChg>
+        <pc:picChg chg="add mod">
+          <ac:chgData name="Jonathan Mah" userId="5261b2f2f3e51194" providerId="LiveId" clId="{833092D5-9927-4807-BE3E-672C10A7E002}" dt="2023-09-25T17:55:43.775" v="3702" actId="1076"/>
+          <ac:picMkLst>
+            <pc:docMk/>
+            <pc:sldMk cId="1767038063" sldId="455"/>
+            <ac:picMk id="21" creationId="{98237FB5-660D-F8CD-39CD-48042FC68999}"/>
           </ac:picMkLst>
         </pc:picChg>
       </pc:sldChg>
@@ -6886,7 +7102,7 @@
           <a:p>
             <a:fld id="{224F4B04-6A50-4A51-B675-D86EC6563060}" type="datetimeFigureOut">
               <a:rPr lang="en-US" smtClean="0"/>
-              <a:t>9/11/2023</a:t>
+              <a:t>9/25/2023</a:t>
             </a:fld>
             <a:endParaRPr lang="en-US"/>
           </a:p>
@@ -7246,7 +7462,7 @@
           <a:p>
             <a:fld id="{599CC9A3-A707-4B34-82D4-E64BA4C5A8D1}" type="slidenum">
               <a:rPr lang="en-US" smtClean="0"/>
-              <a:t>2</a:t>
+              <a:t>3</a:t>
             </a:fld>
             <a:endParaRPr lang="en-US"/>
           </a:p>
@@ -7358,7 +7574,7 @@
           <a:p>
             <a:fld id="{599CC9A3-A707-4B34-82D4-E64BA4C5A8D1}" type="slidenum">
               <a:rPr lang="en-US" smtClean="0"/>
-              <a:t>3</a:t>
+              <a:t>4</a:t>
             </a:fld>
             <a:endParaRPr lang="en-US"/>
           </a:p>
@@ -7446,7 +7662,7 @@
           <a:p>
             <a:fld id="{D3E66EEF-0D0A-4529-B3B7-A8E483F72DC0}" type="slidenum">
               <a:rPr lang="en-US" smtClean="0"/>
-              <a:t>9</a:t>
+              <a:t>11</a:t>
             </a:fld>
             <a:endParaRPr lang="en-US"/>
           </a:p>
@@ -7533,7 +7749,7 @@
           <a:p>
             <a:fld id="{D3E66EEF-0D0A-4529-B3B7-A8E483F72DC0}" type="slidenum">
               <a:rPr lang="en-US" smtClean="0"/>
-              <a:t>10</a:t>
+              <a:t>12</a:t>
             </a:fld>
             <a:endParaRPr lang="en-US"/>
           </a:p>
@@ -7621,7 +7837,7 @@
           <a:p>
             <a:fld id="{D3E66EEF-0D0A-4529-B3B7-A8E483F72DC0}" type="slidenum">
               <a:rPr lang="en-US" smtClean="0"/>
-              <a:t>11</a:t>
+              <a:t>13</a:t>
             </a:fld>
             <a:endParaRPr lang="en-US"/>
           </a:p>
@@ -7709,7 +7925,7 @@
           <a:p>
             <a:fld id="{D3E66EEF-0D0A-4529-B3B7-A8E483F72DC0}" type="slidenum">
               <a:rPr lang="en-US" smtClean="0"/>
-              <a:t>12</a:t>
+              <a:t>14</a:t>
             </a:fld>
             <a:endParaRPr lang="en-US"/>
           </a:p>
@@ -7796,7 +8012,7 @@
           <a:p>
             <a:fld id="{D3E66EEF-0D0A-4529-B3B7-A8E483F72DC0}" type="slidenum">
               <a:rPr lang="en-US" smtClean="0"/>
-              <a:t>17</a:t>
+              <a:t>19</a:t>
             </a:fld>
             <a:endParaRPr lang="en-US"/>
           </a:p>
@@ -7946,7 +8162,7 @@
           <a:p>
             <a:fld id="{54E435BD-4569-4C00-96FD-DE6EEAA430DA}" type="datetimeFigureOut">
               <a:rPr lang="en-US" smtClean="0"/>
-              <a:t>9/11/2023</a:t>
+              <a:t>9/25/2023</a:t>
             </a:fld>
             <a:endParaRPr lang="en-US"/>
           </a:p>
@@ -8116,7 +8332,7 @@
           <a:p>
             <a:fld id="{54E435BD-4569-4C00-96FD-DE6EEAA430DA}" type="datetimeFigureOut">
               <a:rPr lang="en-US" smtClean="0"/>
-              <a:t>9/11/2023</a:t>
+              <a:t>9/25/2023</a:t>
             </a:fld>
             <a:endParaRPr lang="en-US"/>
           </a:p>
@@ -8296,7 +8512,7 @@
           <a:p>
             <a:fld id="{54E435BD-4569-4C00-96FD-DE6EEAA430DA}" type="datetimeFigureOut">
               <a:rPr lang="en-US" smtClean="0"/>
-              <a:t>9/11/2023</a:t>
+              <a:t>9/25/2023</a:t>
             </a:fld>
             <a:endParaRPr lang="en-US"/>
           </a:p>
@@ -8466,7 +8682,7 @@
           <a:p>
             <a:fld id="{54E435BD-4569-4C00-96FD-DE6EEAA430DA}" type="datetimeFigureOut">
               <a:rPr lang="en-US" smtClean="0"/>
-              <a:t>9/11/2023</a:t>
+              <a:t>9/25/2023</a:t>
             </a:fld>
             <a:endParaRPr lang="en-US"/>
           </a:p>
@@ -8710,7 +8926,7 @@
           <a:p>
             <a:fld id="{54E435BD-4569-4C00-96FD-DE6EEAA430DA}" type="datetimeFigureOut">
               <a:rPr lang="en-US" smtClean="0"/>
-              <a:t>9/11/2023</a:t>
+              <a:t>9/25/2023</a:t>
             </a:fld>
             <a:endParaRPr lang="en-US"/>
           </a:p>
@@ -8942,7 +9158,7 @@
           <a:p>
             <a:fld id="{54E435BD-4569-4C00-96FD-DE6EEAA430DA}" type="datetimeFigureOut">
               <a:rPr lang="en-US" smtClean="0"/>
-              <a:t>9/11/2023</a:t>
+              <a:t>9/25/2023</a:t>
             </a:fld>
             <a:endParaRPr lang="en-US"/>
           </a:p>
@@ -9309,7 +9525,7 @@
           <a:p>
             <a:fld id="{54E435BD-4569-4C00-96FD-DE6EEAA430DA}" type="datetimeFigureOut">
               <a:rPr lang="en-US" smtClean="0"/>
-              <a:t>9/11/2023</a:t>
+              <a:t>9/25/2023</a:t>
             </a:fld>
             <a:endParaRPr lang="en-US"/>
           </a:p>
@@ -9427,7 +9643,7 @@
           <a:p>
             <a:fld id="{54E435BD-4569-4C00-96FD-DE6EEAA430DA}" type="datetimeFigureOut">
               <a:rPr lang="en-US" smtClean="0"/>
-              <a:t>9/11/2023</a:t>
+              <a:t>9/25/2023</a:t>
             </a:fld>
             <a:endParaRPr lang="en-US"/>
           </a:p>
@@ -9522,7 +9738,7 @@
           <a:p>
             <a:fld id="{54E435BD-4569-4C00-96FD-DE6EEAA430DA}" type="datetimeFigureOut">
               <a:rPr lang="en-US" smtClean="0"/>
-              <a:t>9/11/2023</a:t>
+              <a:t>9/25/2023</a:t>
             </a:fld>
             <a:endParaRPr lang="en-US"/>
           </a:p>
@@ -9799,7 +10015,7 @@
           <a:p>
             <a:fld id="{54E435BD-4569-4C00-96FD-DE6EEAA430DA}" type="datetimeFigureOut">
               <a:rPr lang="en-US" smtClean="0"/>
-              <a:t>9/11/2023</a:t>
+              <a:t>9/25/2023</a:t>
             </a:fld>
             <a:endParaRPr lang="en-US"/>
           </a:p>
@@ -10056,7 +10272,7 @@
           <a:p>
             <a:fld id="{54E435BD-4569-4C00-96FD-DE6EEAA430DA}" type="datetimeFigureOut">
               <a:rPr lang="en-US" smtClean="0"/>
-              <a:t>9/11/2023</a:t>
+              <a:t>9/25/2023</a:t>
             </a:fld>
             <a:endParaRPr lang="en-US"/>
           </a:p>
@@ -10269,7 +10485,7 @@
           <a:p>
             <a:fld id="{54E435BD-4569-4C00-96FD-DE6EEAA430DA}" type="datetimeFigureOut">
               <a:rPr lang="en-US" smtClean="0"/>
-              <a:t>9/11/2023</a:t>
+              <a:t>9/25/2023</a:t>
             </a:fld>
             <a:endParaRPr lang="en-US"/>
           </a:p>
@@ -10820,10 +11036,10 @@
       </p:grpSpPr>
       <p:pic>
         <p:nvPicPr>
-          <p:cNvPr id="17" name="Picture 16" descr="A black background with a black square&#10;&#10;Description automatically generated">
+          <p:cNvPr id="5" name="Picture 4" descr="A picture containing text, screenshot, diagram, line&#10;&#10;Description automatically generated">
             <a:extLst>
               <a:ext uri="{FF2B5EF4-FFF2-40B4-BE49-F238E27FC236}">
-                <a16:creationId xmlns:a16="http://schemas.microsoft.com/office/drawing/2014/main" id="{22F61B2E-BCBC-32D9-1CFA-AAC0818DEF6A}"/>
+                <a16:creationId xmlns:a16="http://schemas.microsoft.com/office/drawing/2014/main" id="{779CD809-7536-DC24-5C61-50396C202178}"/>
               </a:ext>
             </a:extLst>
           </p:cNvPr>
@@ -10833,20 +11049,20 @@
           <p:nvPr/>
         </p:nvPicPr>
         <p:blipFill rotWithShape="1">
-          <a:blip r:embed="rId3">
+          <a:blip r:embed="rId2">
             <a:extLst>
               <a:ext uri="{28A0092B-C50C-407E-A947-70E740481C1C}">
                 <a14:useLocalDpi xmlns:a14="http://schemas.microsoft.com/office/drawing/2010/main" val="0"/>
               </a:ext>
             </a:extLst>
           </a:blip>
-          <a:srcRect l="38737" r="19484" b="6693"/>
+          <a:srcRect r="34521"/>
           <a:stretch/>
         </p:blipFill>
         <p:spPr>
           <a:xfrm>
-            <a:off x="6200817" y="5548312"/>
-            <a:ext cx="5591133" cy="8834438"/>
+            <a:off x="4234046" y="5290773"/>
+            <a:ext cx="6314894" cy="12858750"/>
           </a:xfrm>
           <a:prstGeom prst="rect">
             <a:avLst/>
@@ -10855,10 +11071,10 @@
       </p:pic>
       <p:pic>
         <p:nvPicPr>
-          <p:cNvPr id="4" name="Picture 3" descr="A chart of different colored squares&#10;&#10;Description automatically generated with medium confidence">
+          <p:cNvPr id="6" name="Picture 5" descr="A picture containing text, screenshot, diagram, line&#10;&#10;Description automatically generated">
             <a:extLst>
               <a:ext uri="{FF2B5EF4-FFF2-40B4-BE49-F238E27FC236}">
-                <a16:creationId xmlns:a16="http://schemas.microsoft.com/office/drawing/2014/main" id="{173D987E-AD6B-AB26-7220-07F8DCC70FC4}"/>
+                <a16:creationId xmlns:a16="http://schemas.microsoft.com/office/drawing/2014/main" id="{8D4F5922-40FA-A64E-3944-9CA090DC556C}"/>
               </a:ext>
             </a:extLst>
           </p:cNvPr>
@@ -10868,55 +11084,20 @@
           <p:nvPr/>
         </p:nvPicPr>
         <p:blipFill rotWithShape="1">
-          <a:blip r:embed="rId4">
+          <a:blip r:embed="rId2">
             <a:extLst>
               <a:ext uri="{28A0092B-C50C-407E-A947-70E740481C1C}">
                 <a14:useLocalDpi xmlns:a14="http://schemas.microsoft.com/office/drawing/2010/main" val="0"/>
               </a:ext>
             </a:extLst>
           </a:blip>
-          <a:srcRect l="6332"/>
+          <a:srcRect l="66091" t="11487" b="76000"/>
           <a:stretch/>
         </p:blipFill>
         <p:spPr>
           <a:xfrm>
-            <a:off x="11791950" y="5548312"/>
-            <a:ext cx="5353848" cy="9526329"/>
-          </a:xfrm>
-          <a:prstGeom prst="rect">
-            <a:avLst/>
-          </a:prstGeom>
-        </p:spPr>
-      </p:pic>
-      <p:pic>
-        <p:nvPicPr>
-          <p:cNvPr id="5" name="Picture 4" descr="A chart of different colored squares&#10;&#10;Description automatically generated with medium confidence">
-            <a:extLst>
-              <a:ext uri="{FF2B5EF4-FFF2-40B4-BE49-F238E27FC236}">
-                <a16:creationId xmlns:a16="http://schemas.microsoft.com/office/drawing/2014/main" id="{390626F5-69D8-4283-EDCF-30AFE8C04FE1}"/>
-              </a:ext>
-            </a:extLst>
-          </p:cNvPr>
-          <p:cNvPicPr>
-            <a:picLocks noChangeAspect="1"/>
-          </p:cNvPicPr>
-          <p:nvPr/>
-        </p:nvPicPr>
-        <p:blipFill rotWithShape="1">
-          <a:blip r:embed="rId4">
-            <a:extLst>
-              <a:ext uri="{28A0092B-C50C-407E-A947-70E740481C1C}">
-                <a14:useLocalDpi xmlns:a14="http://schemas.microsoft.com/office/drawing/2010/main" val="0"/>
-              </a:ext>
-            </a:extLst>
-          </a:blip>
-          <a:srcRect r="93668" b="82852"/>
-          <a:stretch/>
-        </p:blipFill>
-        <p:spPr>
-          <a:xfrm rot="10800000">
-            <a:off x="17145798" y="5548312"/>
-            <a:ext cx="361950" cy="1633538"/>
+            <a:off x="7278749" y="5967779"/>
+            <a:ext cx="3270190" cy="1608994"/>
           </a:xfrm>
           <a:prstGeom prst="rect">
             <a:avLst/>
@@ -10926,7 +11107,7 @@
     </p:spTree>
     <p:extLst>
       <p:ext uri="{BB962C8B-B14F-4D97-AF65-F5344CB8AC3E}">
-        <p14:creationId xmlns:p14="http://schemas.microsoft.com/office/powerpoint/2010/main" val="1679589188"/>
+        <p14:creationId xmlns:p14="http://schemas.microsoft.com/office/powerpoint/2010/main" val="3956265726"/>
       </p:ext>
     </p:extLst>
   </p:cSld>
@@ -10980,8 +11161,8 @@
         </p:blipFill>
         <p:spPr>
           <a:xfrm>
-            <a:off x="5862681" y="5603875"/>
-            <a:ext cx="5591133" cy="10922001"/>
+            <a:off x="4005305" y="5699876"/>
+            <a:ext cx="5591133" cy="10871163"/>
           </a:xfrm>
           <a:prstGeom prst="rect">
             <a:avLst/>
@@ -11015,7 +11196,7 @@
         </p:blipFill>
         <p:spPr>
           <a:xfrm rot="10800000">
-            <a:off x="18118638" y="5476045"/>
+            <a:off x="16285074" y="5476045"/>
             <a:ext cx="444500" cy="2025935"/>
           </a:xfrm>
           <a:prstGeom prst="rect">
@@ -11025,10 +11206,10 @@
       </p:pic>
       <p:pic>
         <p:nvPicPr>
-          <p:cNvPr id="4" name="Picture 3" descr="A screen shot of a chart&#10;&#10;Description automatically generated">
+          <p:cNvPr id="3" name="Picture 2" descr="A screenshot of a graph&#10;&#10;Description automatically generated">
             <a:extLst>
               <a:ext uri="{FF2B5EF4-FFF2-40B4-BE49-F238E27FC236}">
-                <a16:creationId xmlns:a16="http://schemas.microsoft.com/office/drawing/2014/main" id="{CEF3C1FD-1090-FD8F-786B-19B3D08F51F6}"/>
+                <a16:creationId xmlns:a16="http://schemas.microsoft.com/office/drawing/2014/main" id="{31286943-3F6A-B6D7-6665-18681C7143D5}"/>
               </a:ext>
             </a:extLst>
           </p:cNvPr>
@@ -11050,8 +11231,8 @@
         </p:blipFill>
         <p:spPr>
           <a:xfrm>
-            <a:off x="11430000" y="5403778"/>
-            <a:ext cx="6688638" cy="11907911"/>
+            <a:off x="9596437" y="5476045"/>
+            <a:ext cx="6688636" cy="11907911"/>
           </a:xfrm>
           <a:prstGeom prst="rect">
             <a:avLst/>
@@ -11061,7 +11242,7 @@
     </p:spTree>
     <p:extLst>
       <p:ext uri="{BB962C8B-B14F-4D97-AF65-F5344CB8AC3E}">
-        <p14:creationId xmlns:p14="http://schemas.microsoft.com/office/powerpoint/2010/main" val="1330139619"/>
+        <p14:creationId xmlns:p14="http://schemas.microsoft.com/office/powerpoint/2010/main" val="2775238939"/>
       </p:ext>
     </p:extLst>
   </p:cSld>
@@ -11115,8 +11296,8 @@
         </p:blipFill>
         <p:spPr>
           <a:xfrm>
-            <a:off x="5862681" y="5556250"/>
-            <a:ext cx="5591133" cy="11033126"/>
+            <a:off x="6200817" y="5548312"/>
+            <a:ext cx="5591133" cy="8834438"/>
           </a:xfrm>
           <a:prstGeom prst="rect">
             <a:avLst/>
@@ -11125,10 +11306,10 @@
       </p:pic>
       <p:pic>
         <p:nvPicPr>
-          <p:cNvPr id="24" name="Picture 23" descr="A chart of bacteria and viruses&#10;&#10;Description automatically generated">
+          <p:cNvPr id="4" name="Picture 3" descr="A chart of different colored squares&#10;&#10;Description automatically generated with medium confidence">
             <a:extLst>
               <a:ext uri="{FF2B5EF4-FFF2-40B4-BE49-F238E27FC236}">
-                <a16:creationId xmlns:a16="http://schemas.microsoft.com/office/drawing/2014/main" id="{60D799C0-A1ED-918D-CC85-047A3B05FE30}"/>
+                <a16:creationId xmlns:a16="http://schemas.microsoft.com/office/drawing/2014/main" id="{173D987E-AD6B-AB26-7220-07F8DCC70FC4}"/>
               </a:ext>
             </a:extLst>
           </p:cNvPr>
@@ -11145,13 +11326,13 @@
               </a:ext>
             </a:extLst>
           </a:blip>
-          <a:srcRect r="93779" b="82987"/>
+          <a:srcRect l="6332"/>
           <a:stretch/>
         </p:blipFill>
         <p:spPr>
-          <a:xfrm rot="10800000">
-            <a:off x="18118638" y="5476045"/>
-            <a:ext cx="444500" cy="2025935"/>
+          <a:xfrm>
+            <a:off x="11791950" y="5548312"/>
+            <a:ext cx="5353848" cy="9526329"/>
           </a:xfrm>
           <a:prstGeom prst="rect">
             <a:avLst/>
@@ -11160,10 +11341,10 @@
       </p:pic>
       <p:pic>
         <p:nvPicPr>
-          <p:cNvPr id="3" name="Picture 2" descr="A screenshot of a computer screen&#10;&#10;Description automatically generated">
+          <p:cNvPr id="5" name="Picture 4" descr="A chart of different colored squares&#10;&#10;Description automatically generated with medium confidence">
             <a:extLst>
               <a:ext uri="{FF2B5EF4-FFF2-40B4-BE49-F238E27FC236}">
-                <a16:creationId xmlns:a16="http://schemas.microsoft.com/office/drawing/2014/main" id="{D4E7424C-B1F0-D4C7-8DED-256E0E9CF609}"/>
+                <a16:creationId xmlns:a16="http://schemas.microsoft.com/office/drawing/2014/main" id="{390626F5-69D8-4283-EDCF-30AFE8C04FE1}"/>
               </a:ext>
             </a:extLst>
           </p:cNvPr>
@@ -11173,20 +11354,20 @@
           <p:nvPr/>
         </p:nvPicPr>
         <p:blipFill rotWithShape="1">
-          <a:blip r:embed="rId5">
+          <a:blip r:embed="rId4">
             <a:extLst>
               <a:ext uri="{28A0092B-C50C-407E-A947-70E740481C1C}">
                 <a14:useLocalDpi xmlns:a14="http://schemas.microsoft.com/office/drawing/2010/main" val="0"/>
               </a:ext>
             </a:extLst>
           </a:blip>
-          <a:srcRect l="6384"/>
+          <a:srcRect r="93668" b="82852"/>
           <a:stretch/>
         </p:blipFill>
         <p:spPr>
-          <a:xfrm>
-            <a:off x="11430000" y="5476045"/>
-            <a:ext cx="6688638" cy="11907911"/>
+          <a:xfrm rot="10800000">
+            <a:off x="17145798" y="5548312"/>
+            <a:ext cx="361950" cy="1633538"/>
           </a:xfrm>
           <a:prstGeom prst="rect">
             <a:avLst/>
@@ -11196,7 +11377,7 @@
     </p:spTree>
     <p:extLst>
       <p:ext uri="{BB962C8B-B14F-4D97-AF65-F5344CB8AC3E}">
-        <p14:creationId xmlns:p14="http://schemas.microsoft.com/office/powerpoint/2010/main" val="777357300"/>
+        <p14:creationId xmlns:p14="http://schemas.microsoft.com/office/powerpoint/2010/main" val="1679589188"/>
       </p:ext>
     </p:extLst>
   </p:cSld>
@@ -11225,10 +11406,10 @@
       </p:grpSpPr>
       <p:pic>
         <p:nvPicPr>
-          <p:cNvPr id="8" name="Picture 7" descr="A black background with a black square&#10;&#10;Description automatically generated">
+          <p:cNvPr id="17" name="Picture 16" descr="A black background with a black square&#10;&#10;Description automatically generated">
             <a:extLst>
               <a:ext uri="{FF2B5EF4-FFF2-40B4-BE49-F238E27FC236}">
-                <a16:creationId xmlns:a16="http://schemas.microsoft.com/office/drawing/2014/main" id="{FCCB2D35-7979-88D1-3762-2C4970F8AB04}"/>
+                <a16:creationId xmlns:a16="http://schemas.microsoft.com/office/drawing/2014/main" id="{22F61B2E-BCBC-32D9-1CFA-AAC0818DEF6A}"/>
               </a:ext>
             </a:extLst>
           </p:cNvPr>
@@ -11238,7 +11419,7 @@
           <p:nvPr/>
         </p:nvPicPr>
         <p:blipFill rotWithShape="1">
-          <a:blip r:embed="rId2">
+          <a:blip r:embed="rId3">
             <a:extLst>
               <a:ext uri="{28A0092B-C50C-407E-A947-70E740481C1C}">
                 <a14:useLocalDpi xmlns:a14="http://schemas.microsoft.com/office/drawing/2010/main" val="0"/>
@@ -11250,8 +11431,8 @@
         </p:blipFill>
         <p:spPr>
           <a:xfrm>
-            <a:off x="4934184" y="4860925"/>
-            <a:ext cx="5591133" cy="8531225"/>
+            <a:off x="5862681" y="5603875"/>
+            <a:ext cx="5591133" cy="10922001"/>
           </a:xfrm>
           <a:prstGeom prst="rect">
             <a:avLst/>
@@ -11260,10 +11441,10 @@
       </p:pic>
       <p:pic>
         <p:nvPicPr>
-          <p:cNvPr id="11" name="Picture 10" descr="A graph with blue and red lines&#10;&#10;Description automatically generated">
+          <p:cNvPr id="24" name="Picture 23" descr="A chart of bacteria and viruses&#10;&#10;Description automatically generated">
             <a:extLst>
               <a:ext uri="{FF2B5EF4-FFF2-40B4-BE49-F238E27FC236}">
-                <a16:creationId xmlns:a16="http://schemas.microsoft.com/office/drawing/2014/main" id="{DE4DBE62-9EC2-2E15-7BA6-E8C53B37F2D0}"/>
+                <a16:creationId xmlns:a16="http://schemas.microsoft.com/office/drawing/2014/main" id="{60D799C0-A1ED-918D-CC85-047A3B05FE30}"/>
               </a:ext>
             </a:extLst>
           </p:cNvPr>
@@ -11273,20 +11454,55 @@
           <p:nvPr/>
         </p:nvPicPr>
         <p:blipFill rotWithShape="1">
-          <a:blip r:embed="rId3">
+          <a:blip r:embed="rId4">
             <a:extLst>
               <a:ext uri="{28A0092B-C50C-407E-A947-70E740481C1C}">
                 <a14:useLocalDpi xmlns:a14="http://schemas.microsoft.com/office/drawing/2010/main" val="0"/>
               </a:ext>
             </a:extLst>
           </a:blip>
-          <a:srcRect l="2109"/>
+          <a:srcRect r="93779" b="82987"/>
+          <a:stretch/>
+        </p:blipFill>
+        <p:spPr>
+          <a:xfrm rot="10800000">
+            <a:off x="18118638" y="5476045"/>
+            <a:ext cx="444500" cy="2025935"/>
+          </a:xfrm>
+          <a:prstGeom prst="rect">
+            <a:avLst/>
+          </a:prstGeom>
+        </p:spPr>
+      </p:pic>
+      <p:pic>
+        <p:nvPicPr>
+          <p:cNvPr id="4" name="Picture 3" descr="A screen shot of a chart&#10;&#10;Description automatically generated">
+            <a:extLst>
+              <a:ext uri="{FF2B5EF4-FFF2-40B4-BE49-F238E27FC236}">
+                <a16:creationId xmlns:a16="http://schemas.microsoft.com/office/drawing/2014/main" id="{CEF3C1FD-1090-FD8F-786B-19B3D08F51F6}"/>
+              </a:ext>
+            </a:extLst>
+          </p:cNvPr>
+          <p:cNvPicPr>
+            <a:picLocks noChangeAspect="1"/>
+          </p:cNvPicPr>
+          <p:nvPr/>
+        </p:nvPicPr>
+        <p:blipFill rotWithShape="1">
+          <a:blip r:embed="rId5">
+            <a:extLst>
+              <a:ext uri="{28A0092B-C50C-407E-A947-70E740481C1C}">
+                <a14:useLocalDpi xmlns:a14="http://schemas.microsoft.com/office/drawing/2010/main" val="0"/>
+              </a:ext>
+            </a:extLst>
+          </a:blip>
+          <a:srcRect l="6384"/>
           <a:stretch/>
         </p:blipFill>
         <p:spPr>
           <a:xfrm>
-            <a:off x="10525317" y="4746625"/>
-            <a:ext cx="9325447" cy="9526329"/>
+            <a:off x="11430000" y="5403778"/>
+            <a:ext cx="6688638" cy="11907911"/>
           </a:xfrm>
           <a:prstGeom prst="rect">
             <a:avLst/>
@@ -11296,7 +11512,7 @@
     </p:spTree>
     <p:extLst>
       <p:ext uri="{BB962C8B-B14F-4D97-AF65-F5344CB8AC3E}">
-        <p14:creationId xmlns:p14="http://schemas.microsoft.com/office/powerpoint/2010/main" val="2611612387"/>
+        <p14:creationId xmlns:p14="http://schemas.microsoft.com/office/powerpoint/2010/main" val="1330139619"/>
       </p:ext>
     </p:extLst>
   </p:cSld>
@@ -11325,10 +11541,10 @@
       </p:grpSpPr>
       <p:pic>
         <p:nvPicPr>
-          <p:cNvPr id="8" name="Picture 7" descr="A black background with a black square&#10;&#10;Description automatically generated">
+          <p:cNvPr id="17" name="Picture 16" descr="A black background with a black square&#10;&#10;Description automatically generated">
             <a:extLst>
               <a:ext uri="{FF2B5EF4-FFF2-40B4-BE49-F238E27FC236}">
-                <a16:creationId xmlns:a16="http://schemas.microsoft.com/office/drawing/2014/main" id="{FCCB2D35-7979-88D1-3762-2C4970F8AB04}"/>
+                <a16:creationId xmlns:a16="http://schemas.microsoft.com/office/drawing/2014/main" id="{22F61B2E-BCBC-32D9-1CFA-AAC0818DEF6A}"/>
               </a:ext>
             </a:extLst>
           </p:cNvPr>
@@ -11338,7 +11554,7 @@
           <p:nvPr/>
         </p:nvPicPr>
         <p:blipFill rotWithShape="1">
-          <a:blip r:embed="rId2">
+          <a:blip r:embed="rId3">
             <a:extLst>
               <a:ext uri="{28A0092B-C50C-407E-A947-70E740481C1C}">
                 <a14:useLocalDpi xmlns:a14="http://schemas.microsoft.com/office/drawing/2010/main" val="0"/>
@@ -11350,8 +11566,8 @@
         </p:blipFill>
         <p:spPr>
           <a:xfrm>
-            <a:off x="4934184" y="4933950"/>
-            <a:ext cx="5591133" cy="8934450"/>
+            <a:off x="5862681" y="5556250"/>
+            <a:ext cx="5591133" cy="11033126"/>
           </a:xfrm>
           <a:prstGeom prst="rect">
             <a:avLst/>
@@ -11360,10 +11576,10 @@
       </p:pic>
       <p:pic>
         <p:nvPicPr>
-          <p:cNvPr id="5" name="Picture 4" descr="A chart with text and numbers&#10;&#10;Description automatically generated with medium confidence">
+          <p:cNvPr id="24" name="Picture 23" descr="A chart of bacteria and viruses&#10;&#10;Description automatically generated">
             <a:extLst>
               <a:ext uri="{FF2B5EF4-FFF2-40B4-BE49-F238E27FC236}">
-                <a16:creationId xmlns:a16="http://schemas.microsoft.com/office/drawing/2014/main" id="{A6C5AF9B-FF2A-339D-45B8-CE1198870358}"/>
+                <a16:creationId xmlns:a16="http://schemas.microsoft.com/office/drawing/2014/main" id="{60D799C0-A1ED-918D-CC85-047A3B05FE30}"/>
               </a:ext>
             </a:extLst>
           </p:cNvPr>
@@ -11373,20 +11589,55 @@
           <p:nvPr/>
         </p:nvPicPr>
         <p:blipFill rotWithShape="1">
-          <a:blip r:embed="rId3">
+          <a:blip r:embed="rId4">
             <a:extLst>
               <a:ext uri="{28A0092B-C50C-407E-A947-70E740481C1C}">
                 <a14:useLocalDpi xmlns:a14="http://schemas.microsoft.com/office/drawing/2010/main" val="0"/>
               </a:ext>
             </a:extLst>
           </a:blip>
-          <a:srcRect l="2898"/>
+          <a:srcRect r="93779" b="82987"/>
+          <a:stretch/>
+        </p:blipFill>
+        <p:spPr>
+          <a:xfrm rot="10800000">
+            <a:off x="18118638" y="5476045"/>
+            <a:ext cx="444500" cy="2025935"/>
+          </a:xfrm>
+          <a:prstGeom prst="rect">
+            <a:avLst/>
+          </a:prstGeom>
+        </p:spPr>
+      </p:pic>
+      <p:pic>
+        <p:nvPicPr>
+          <p:cNvPr id="3" name="Picture 2" descr="A screenshot of a computer screen&#10;&#10;Description automatically generated">
+            <a:extLst>
+              <a:ext uri="{FF2B5EF4-FFF2-40B4-BE49-F238E27FC236}">
+                <a16:creationId xmlns:a16="http://schemas.microsoft.com/office/drawing/2014/main" id="{D4E7424C-B1F0-D4C7-8DED-256E0E9CF609}"/>
+              </a:ext>
+            </a:extLst>
+          </p:cNvPr>
+          <p:cNvPicPr>
+            <a:picLocks noChangeAspect="1"/>
+          </p:cNvPicPr>
+          <p:nvPr/>
+        </p:nvPicPr>
+        <p:blipFill rotWithShape="1">
+          <a:blip r:embed="rId5">
+            <a:extLst>
+              <a:ext uri="{28A0092B-C50C-407E-A947-70E740481C1C}">
+                <a14:useLocalDpi xmlns:a14="http://schemas.microsoft.com/office/drawing/2010/main" val="0"/>
+              </a:ext>
+            </a:extLst>
+          </a:blip>
+          <a:srcRect l="6384"/>
           <a:stretch/>
         </p:blipFill>
         <p:spPr>
           <a:xfrm>
-            <a:off x="10525317" y="4857750"/>
-            <a:ext cx="9250296" cy="9526329"/>
+            <a:off x="11430000" y="5476045"/>
+            <a:ext cx="6688638" cy="11907911"/>
           </a:xfrm>
           <a:prstGeom prst="rect">
             <a:avLst/>
@@ -11396,7 +11647,7 @@
     </p:spTree>
     <p:extLst>
       <p:ext uri="{BB962C8B-B14F-4D97-AF65-F5344CB8AC3E}">
-        <p14:creationId xmlns:p14="http://schemas.microsoft.com/office/powerpoint/2010/main" val="2893417591"/>
+        <p14:creationId xmlns:p14="http://schemas.microsoft.com/office/powerpoint/2010/main" val="777357300"/>
       </p:ext>
     </p:extLst>
   </p:cSld>
@@ -11425,6 +11676,206 @@
       </p:grpSpPr>
       <p:pic>
         <p:nvPicPr>
+          <p:cNvPr id="8" name="Picture 7" descr="A black background with a black square&#10;&#10;Description automatically generated">
+            <a:extLst>
+              <a:ext uri="{FF2B5EF4-FFF2-40B4-BE49-F238E27FC236}">
+                <a16:creationId xmlns:a16="http://schemas.microsoft.com/office/drawing/2014/main" id="{FCCB2D35-7979-88D1-3762-2C4970F8AB04}"/>
+              </a:ext>
+            </a:extLst>
+          </p:cNvPr>
+          <p:cNvPicPr>
+            <a:picLocks noChangeAspect="1"/>
+          </p:cNvPicPr>
+          <p:nvPr/>
+        </p:nvPicPr>
+        <p:blipFill rotWithShape="1">
+          <a:blip r:embed="rId2">
+            <a:extLst>
+              <a:ext uri="{28A0092B-C50C-407E-A947-70E740481C1C}">
+                <a14:useLocalDpi xmlns:a14="http://schemas.microsoft.com/office/drawing/2010/main" val="0"/>
+              </a:ext>
+            </a:extLst>
+          </a:blip>
+          <a:srcRect l="38737" r="19484" b="6693"/>
+          <a:stretch/>
+        </p:blipFill>
+        <p:spPr>
+          <a:xfrm>
+            <a:off x="4934184" y="4860925"/>
+            <a:ext cx="5591133" cy="8531225"/>
+          </a:xfrm>
+          <a:prstGeom prst="rect">
+            <a:avLst/>
+          </a:prstGeom>
+        </p:spPr>
+      </p:pic>
+      <p:pic>
+        <p:nvPicPr>
+          <p:cNvPr id="11" name="Picture 10" descr="A graph with blue and red lines&#10;&#10;Description automatically generated">
+            <a:extLst>
+              <a:ext uri="{FF2B5EF4-FFF2-40B4-BE49-F238E27FC236}">
+                <a16:creationId xmlns:a16="http://schemas.microsoft.com/office/drawing/2014/main" id="{DE4DBE62-9EC2-2E15-7BA6-E8C53B37F2D0}"/>
+              </a:ext>
+            </a:extLst>
+          </p:cNvPr>
+          <p:cNvPicPr>
+            <a:picLocks noChangeAspect="1"/>
+          </p:cNvPicPr>
+          <p:nvPr/>
+        </p:nvPicPr>
+        <p:blipFill rotWithShape="1">
+          <a:blip r:embed="rId3">
+            <a:extLst>
+              <a:ext uri="{28A0092B-C50C-407E-A947-70E740481C1C}">
+                <a14:useLocalDpi xmlns:a14="http://schemas.microsoft.com/office/drawing/2010/main" val="0"/>
+              </a:ext>
+            </a:extLst>
+          </a:blip>
+          <a:srcRect l="2109"/>
+          <a:stretch/>
+        </p:blipFill>
+        <p:spPr>
+          <a:xfrm>
+            <a:off x="10525317" y="4746625"/>
+            <a:ext cx="9325447" cy="9526329"/>
+          </a:xfrm>
+          <a:prstGeom prst="rect">
+            <a:avLst/>
+          </a:prstGeom>
+        </p:spPr>
+      </p:pic>
+    </p:spTree>
+    <p:extLst>
+      <p:ext uri="{BB962C8B-B14F-4D97-AF65-F5344CB8AC3E}">
+        <p14:creationId xmlns:p14="http://schemas.microsoft.com/office/powerpoint/2010/main" val="2611612387"/>
+      </p:ext>
+    </p:extLst>
+  </p:cSld>
+  <p:clrMapOvr>
+    <a:masterClrMapping/>
+  </p:clrMapOvr>
+</p:sld>
+</file>
+
+<file path=ppt/slides/slide16.xml><?xml version="1.0" encoding="utf-8"?>
+<p:sld xmlns:a="http://schemas.openxmlformats.org/drawingml/2006/main" xmlns:r="http://schemas.openxmlformats.org/officeDocument/2006/relationships" xmlns:p="http://schemas.openxmlformats.org/presentationml/2006/main">
+  <p:cSld>
+    <p:spTree>
+      <p:nvGrpSpPr>
+        <p:cNvPr id="1" name=""/>
+        <p:cNvGrpSpPr/>
+        <p:nvPr/>
+      </p:nvGrpSpPr>
+      <p:grpSpPr>
+        <a:xfrm>
+          <a:off x="0" y="0"/>
+          <a:ext cx="0" cy="0"/>
+          <a:chOff x="0" y="0"/>
+          <a:chExt cx="0" cy="0"/>
+        </a:xfrm>
+      </p:grpSpPr>
+      <p:pic>
+        <p:nvPicPr>
+          <p:cNvPr id="8" name="Picture 7" descr="A black background with a black square&#10;&#10;Description automatically generated">
+            <a:extLst>
+              <a:ext uri="{FF2B5EF4-FFF2-40B4-BE49-F238E27FC236}">
+                <a16:creationId xmlns:a16="http://schemas.microsoft.com/office/drawing/2014/main" id="{FCCB2D35-7979-88D1-3762-2C4970F8AB04}"/>
+              </a:ext>
+            </a:extLst>
+          </p:cNvPr>
+          <p:cNvPicPr>
+            <a:picLocks noChangeAspect="1"/>
+          </p:cNvPicPr>
+          <p:nvPr/>
+        </p:nvPicPr>
+        <p:blipFill rotWithShape="1">
+          <a:blip r:embed="rId2">
+            <a:extLst>
+              <a:ext uri="{28A0092B-C50C-407E-A947-70E740481C1C}">
+                <a14:useLocalDpi xmlns:a14="http://schemas.microsoft.com/office/drawing/2010/main" val="0"/>
+              </a:ext>
+            </a:extLst>
+          </a:blip>
+          <a:srcRect l="38737" r="19484" b="6693"/>
+          <a:stretch/>
+        </p:blipFill>
+        <p:spPr>
+          <a:xfrm>
+            <a:off x="4934184" y="4933950"/>
+            <a:ext cx="5591133" cy="8934450"/>
+          </a:xfrm>
+          <a:prstGeom prst="rect">
+            <a:avLst/>
+          </a:prstGeom>
+        </p:spPr>
+      </p:pic>
+      <p:pic>
+        <p:nvPicPr>
+          <p:cNvPr id="5" name="Picture 4" descr="A chart with text and numbers&#10;&#10;Description automatically generated with medium confidence">
+            <a:extLst>
+              <a:ext uri="{FF2B5EF4-FFF2-40B4-BE49-F238E27FC236}">
+                <a16:creationId xmlns:a16="http://schemas.microsoft.com/office/drawing/2014/main" id="{A6C5AF9B-FF2A-339D-45B8-CE1198870358}"/>
+              </a:ext>
+            </a:extLst>
+          </p:cNvPr>
+          <p:cNvPicPr>
+            <a:picLocks noChangeAspect="1"/>
+          </p:cNvPicPr>
+          <p:nvPr/>
+        </p:nvPicPr>
+        <p:blipFill rotWithShape="1">
+          <a:blip r:embed="rId3">
+            <a:extLst>
+              <a:ext uri="{28A0092B-C50C-407E-A947-70E740481C1C}">
+                <a14:useLocalDpi xmlns:a14="http://schemas.microsoft.com/office/drawing/2010/main" val="0"/>
+              </a:ext>
+            </a:extLst>
+          </a:blip>
+          <a:srcRect l="2898"/>
+          <a:stretch/>
+        </p:blipFill>
+        <p:spPr>
+          <a:xfrm>
+            <a:off x="10525317" y="4857750"/>
+            <a:ext cx="9250296" cy="9526329"/>
+          </a:xfrm>
+          <a:prstGeom prst="rect">
+            <a:avLst/>
+          </a:prstGeom>
+        </p:spPr>
+      </p:pic>
+    </p:spTree>
+    <p:extLst>
+      <p:ext uri="{BB962C8B-B14F-4D97-AF65-F5344CB8AC3E}">
+        <p14:creationId xmlns:p14="http://schemas.microsoft.com/office/powerpoint/2010/main" val="2893417591"/>
+      </p:ext>
+    </p:extLst>
+  </p:cSld>
+  <p:clrMapOvr>
+    <a:masterClrMapping/>
+  </p:clrMapOvr>
+</p:sld>
+</file>
+
+<file path=ppt/slides/slide17.xml><?xml version="1.0" encoding="utf-8"?>
+<p:sld xmlns:a="http://schemas.openxmlformats.org/drawingml/2006/main" xmlns:r="http://schemas.openxmlformats.org/officeDocument/2006/relationships" xmlns:p="http://schemas.openxmlformats.org/presentationml/2006/main">
+  <p:cSld>
+    <p:spTree>
+      <p:nvGrpSpPr>
+        <p:cNvPr id="1" name=""/>
+        <p:cNvGrpSpPr/>
+        <p:nvPr/>
+      </p:nvGrpSpPr>
+      <p:grpSpPr>
+        <a:xfrm>
+          <a:off x="0" y="0"/>
+          <a:ext cx="0" cy="0"/>
+          <a:chOff x="0" y="0"/>
+          <a:chExt cx="0" cy="0"/>
+        </a:xfrm>
+      </p:grpSpPr>
+      <p:pic>
+        <p:nvPicPr>
           <p:cNvPr id="4" name="Picture 3" descr="A black background with a black square&#10;&#10;Description automatically generated">
             <a:extLst>
               <a:ext uri="{FF2B5EF4-FFF2-40B4-BE49-F238E27FC236}">
@@ -11542,7 +11993,7 @@
 </p:sld>
 </file>
 
-<file path=ppt/slides/slide16.xml><?xml version="1.0" encoding="utf-8"?>
+<file path=ppt/slides/slide18.xml><?xml version="1.0" encoding="utf-8"?>
 <p:sld xmlns:a="http://schemas.openxmlformats.org/drawingml/2006/main" xmlns:r="http://schemas.openxmlformats.org/officeDocument/2006/relationships" xmlns:p="http://schemas.openxmlformats.org/presentationml/2006/main">
   <p:cSld>
     <p:spTree>
@@ -11990,7 +12441,7 @@
 </p:sld>
 </file>
 
-<file path=ppt/slides/slide17.xml><?xml version="1.0" encoding="utf-8"?>
+<file path=ppt/slides/slide19.xml><?xml version="1.0" encoding="utf-8"?>
 <p:sld xmlns:a="http://schemas.openxmlformats.org/drawingml/2006/main" xmlns:r="http://schemas.openxmlformats.org/officeDocument/2006/relationships" xmlns:p="http://schemas.openxmlformats.org/presentationml/2006/main">
   <p:cSld>
     <p:spTree>
@@ -12169,7 +12620,73 @@
 </p:sld>
 </file>
 
-<file path=ppt/slides/slide18.xml><?xml version="1.0" encoding="utf-8"?>
+<file path=ppt/slides/slide2.xml><?xml version="1.0" encoding="utf-8"?>
+<p:sld xmlns:a="http://schemas.openxmlformats.org/drawingml/2006/main" xmlns:r="http://schemas.openxmlformats.org/officeDocument/2006/relationships" xmlns:p="http://schemas.openxmlformats.org/presentationml/2006/main">
+  <p:cSld>
+    <p:spTree>
+      <p:nvGrpSpPr>
+        <p:cNvPr id="1" name=""/>
+        <p:cNvGrpSpPr/>
+        <p:nvPr/>
+      </p:nvGrpSpPr>
+      <p:grpSpPr>
+        <a:xfrm>
+          <a:off x="0" y="0"/>
+          <a:ext cx="0" cy="0"/>
+          <a:chOff x="0" y="0"/>
+          <a:chExt cx="0" cy="0"/>
+        </a:xfrm>
+      </p:grpSpPr>
+      <p:pic>
+        <p:nvPicPr>
+          <p:cNvPr id="5" name="Picture 4" descr="A black background with colorful lines&#10;&#10;Description automatically generated">
+            <a:extLst>
+              <a:ext uri="{FF2B5EF4-FFF2-40B4-BE49-F238E27FC236}">
+                <a16:creationId xmlns:a16="http://schemas.microsoft.com/office/drawing/2014/main" id="{D83B4D06-C6CB-3F68-E7B0-4B52C0615AD9}"/>
+              </a:ext>
+            </a:extLst>
+          </p:cNvPr>
+          <p:cNvPicPr>
+            <a:picLocks noChangeAspect="1"/>
+          </p:cNvPicPr>
+          <p:nvPr/>
+        </p:nvPicPr>
+        <p:blipFill>
+          <a:blip r:embed="rId2">
+            <a:extLst>
+              <a:ext uri="{28A0092B-C50C-407E-A947-70E740481C1C}">
+                <a14:useLocalDpi xmlns:a14="http://schemas.microsoft.com/office/drawing/2010/main" val="0"/>
+              </a:ext>
+            </a:extLst>
+          </a:blip>
+          <a:stretch>
+            <a:fillRect/>
+          </a:stretch>
+        </p:blipFill>
+        <p:spPr>
+          <a:xfrm>
+            <a:off x="3100610" y="4742402"/>
+            <a:ext cx="7606219" cy="1762315"/>
+          </a:xfrm>
+          <a:prstGeom prst="rect">
+            <a:avLst/>
+          </a:prstGeom>
+        </p:spPr>
+      </p:pic>
+    </p:spTree>
+    <p:extLst>
+      <p:ext uri="{BB962C8B-B14F-4D97-AF65-F5344CB8AC3E}">
+        <p14:creationId xmlns:p14="http://schemas.microsoft.com/office/powerpoint/2010/main" val="1313585543"/>
+      </p:ext>
+    </p:extLst>
+  </p:cSld>
+  <p:clrMapOvr>
+    <a:masterClrMapping/>
+  </p:clrMapOvr>
+</p:sld>
+</file>
+
+<file path=ppt/slides/slide20.xml><?xml version="1.0" encoding="utf-8"?>
 <p:sld xmlns:a="http://schemas.openxmlformats.org/drawingml/2006/main" xmlns:r="http://schemas.openxmlformats.org/officeDocument/2006/relationships" xmlns:p="http://schemas.openxmlformats.org/presentationml/2006/main">
   <p:cSld>
     <p:spTree>
@@ -12305,7 +12822,7 @@
 </p:sld>
 </file>
 
-<file path=ppt/slides/slide19.xml><?xml version="1.0" encoding="utf-8"?>
+<file path=ppt/slides/slide21.xml><?xml version="1.0" encoding="utf-8"?>
 <p:sld xmlns:a="http://schemas.openxmlformats.org/drawingml/2006/main" xmlns:r="http://schemas.openxmlformats.org/officeDocument/2006/relationships" xmlns:p="http://schemas.openxmlformats.org/presentationml/2006/main">
   <p:cSld>
     <p:spTree>
@@ -12441,7 +12958,811 @@
 </p:sld>
 </file>
 
-<file path=ppt/slides/slide2.xml><?xml version="1.0" encoding="utf-8"?>
+<file path=ppt/slides/slide22.xml><?xml version="1.0" encoding="utf-8"?>
+<p:sld xmlns:a="http://schemas.openxmlformats.org/drawingml/2006/main" xmlns:r="http://schemas.openxmlformats.org/officeDocument/2006/relationships" xmlns:p="http://schemas.openxmlformats.org/presentationml/2006/main">
+  <p:cSld>
+    <p:spTree>
+      <p:nvGrpSpPr>
+        <p:cNvPr id="1" name=""/>
+        <p:cNvGrpSpPr/>
+        <p:nvPr/>
+      </p:nvGrpSpPr>
+      <p:grpSpPr>
+        <a:xfrm>
+          <a:off x="0" y="0"/>
+          <a:ext cx="0" cy="0"/>
+          <a:chOff x="0" y="0"/>
+          <a:chExt cx="0" cy="0"/>
+        </a:xfrm>
+      </p:grpSpPr>
+      <p:pic>
+        <p:nvPicPr>
+          <p:cNvPr id="18" name="Picture 17" descr="A triangle shaped pattern with different colored lines&#10;&#10;Description automatically generated with medium confidence">
+            <a:extLst>
+              <a:ext uri="{FF2B5EF4-FFF2-40B4-BE49-F238E27FC236}">
+                <a16:creationId xmlns:a16="http://schemas.microsoft.com/office/drawing/2014/main" id="{73D5EF18-DA41-25D1-1323-9439E8D3190C}"/>
+              </a:ext>
+            </a:extLst>
+          </p:cNvPr>
+          <p:cNvPicPr>
+            <a:picLocks noChangeAspect="1"/>
+          </p:cNvPicPr>
+          <p:nvPr/>
+        </p:nvPicPr>
+        <p:blipFill>
+          <a:blip r:embed="rId2">
+            <a:extLst>
+              <a:ext uri="{28A0092B-C50C-407E-A947-70E740481C1C}">
+                <a14:useLocalDpi xmlns:a14="http://schemas.microsoft.com/office/drawing/2010/main" val="0"/>
+              </a:ext>
+            </a:extLst>
+          </a:blip>
+          <a:stretch>
+            <a:fillRect/>
+          </a:stretch>
+        </p:blipFill>
+        <p:spPr>
+          <a:xfrm>
+            <a:off x="8561618" y="7619468"/>
+            <a:ext cx="11431595" cy="7621064"/>
+          </a:xfrm>
+          <a:prstGeom prst="rect">
+            <a:avLst/>
+          </a:prstGeom>
+        </p:spPr>
+      </p:pic>
+      <p:pic>
+        <p:nvPicPr>
+          <p:cNvPr id="4" name="Picture 3" descr="A black background with a black square&#10;&#10;Description automatically generated">
+            <a:extLst>
+              <a:ext uri="{FF2B5EF4-FFF2-40B4-BE49-F238E27FC236}">
+                <a16:creationId xmlns:a16="http://schemas.microsoft.com/office/drawing/2014/main" id="{624DAFEB-71FF-252A-7CD6-2AE2C3434498}"/>
+              </a:ext>
+            </a:extLst>
+          </p:cNvPr>
+          <p:cNvPicPr>
+            <a:picLocks noChangeAspect="1"/>
+          </p:cNvPicPr>
+          <p:nvPr/>
+        </p:nvPicPr>
+        <p:blipFill rotWithShape="1">
+          <a:blip r:embed="rId3">
+            <a:extLst>
+              <a:ext uri="{28A0092B-C50C-407E-A947-70E740481C1C}">
+                <a14:useLocalDpi xmlns:a14="http://schemas.microsoft.com/office/drawing/2010/main" val="0"/>
+              </a:ext>
+            </a:extLst>
+          </a:blip>
+          <a:srcRect l="38737" r="19484" b="6693"/>
+          <a:stretch/>
+        </p:blipFill>
+        <p:spPr>
+          <a:xfrm>
+            <a:off x="3812720" y="1640772"/>
+            <a:ext cx="4769865" cy="5344228"/>
+          </a:xfrm>
+          <a:prstGeom prst="rect">
+            <a:avLst/>
+          </a:prstGeom>
+        </p:spPr>
+      </p:pic>
+      <p:pic>
+        <p:nvPicPr>
+          <p:cNvPr id="2" name="Picture 1" descr="A black background with a black square&#10;&#10;Description automatically generated">
+            <a:extLst>
+              <a:ext uri="{FF2B5EF4-FFF2-40B4-BE49-F238E27FC236}">
+                <a16:creationId xmlns:a16="http://schemas.microsoft.com/office/drawing/2014/main" id="{D314149A-5E63-0DB4-E55E-65ACF8C0EF17}"/>
+              </a:ext>
+            </a:extLst>
+          </p:cNvPr>
+          <p:cNvPicPr>
+            <a:picLocks noChangeAspect="1"/>
+          </p:cNvPicPr>
+          <p:nvPr/>
+        </p:nvPicPr>
+        <p:blipFill rotWithShape="1">
+          <a:blip r:embed="rId3">
+            <a:extLst>
+              <a:ext uri="{28A0092B-C50C-407E-A947-70E740481C1C}">
+                <a14:useLocalDpi xmlns:a14="http://schemas.microsoft.com/office/drawing/2010/main" val="0"/>
+              </a:ext>
+            </a:extLst>
+          </a:blip>
+          <a:srcRect l="38737" r="19484" b="6693"/>
+          <a:stretch/>
+        </p:blipFill>
+        <p:spPr>
+          <a:xfrm rot="16200000">
+            <a:off x="13780107" y="12242082"/>
+            <a:ext cx="3235623" cy="9232523"/>
+          </a:xfrm>
+          <a:prstGeom prst="rect">
+            <a:avLst/>
+          </a:prstGeom>
+        </p:spPr>
+      </p:pic>
+      <p:pic>
+        <p:nvPicPr>
+          <p:cNvPr id="5" name="Picture 4" descr="A black background with a black square&#10;&#10;Description automatically generated">
+            <a:extLst>
+              <a:ext uri="{FF2B5EF4-FFF2-40B4-BE49-F238E27FC236}">
+                <a16:creationId xmlns:a16="http://schemas.microsoft.com/office/drawing/2014/main" id="{F64E9BAE-A69A-1B9F-C1EF-2A8E63B29BF2}"/>
+              </a:ext>
+            </a:extLst>
+          </p:cNvPr>
+          <p:cNvPicPr>
+            <a:picLocks noChangeAspect="1"/>
+          </p:cNvPicPr>
+          <p:nvPr/>
+        </p:nvPicPr>
+        <p:blipFill rotWithShape="1">
+          <a:blip r:embed="rId3">
+            <a:extLst>
+              <a:ext uri="{28A0092B-C50C-407E-A947-70E740481C1C}">
+                <a14:useLocalDpi xmlns:a14="http://schemas.microsoft.com/office/drawing/2010/main" val="0"/>
+              </a:ext>
+            </a:extLst>
+          </a:blip>
+          <a:srcRect l="38737" r="19484" b="6693"/>
+          <a:stretch/>
+        </p:blipFill>
+        <p:spPr>
+          <a:xfrm>
+            <a:off x="3812720" y="7682969"/>
+            <a:ext cx="4769865" cy="5344228"/>
+          </a:xfrm>
+          <a:prstGeom prst="rect">
+            <a:avLst/>
+          </a:prstGeom>
+        </p:spPr>
+      </p:pic>
+      <p:sp>
+        <p:nvSpPr>
+          <p:cNvPr id="7" name="TextBox 6">
+            <a:extLst>
+              <a:ext uri="{FF2B5EF4-FFF2-40B4-BE49-F238E27FC236}">
+                <a16:creationId xmlns:a16="http://schemas.microsoft.com/office/drawing/2014/main" id="{37697AC7-D1E9-9CEC-536D-BC07438269F5}"/>
+              </a:ext>
+            </a:extLst>
+          </p:cNvPr>
+          <p:cNvSpPr txBox="1"/>
+          <p:nvPr/>
+        </p:nvSpPr>
+        <p:spPr>
+          <a:xfrm>
+            <a:off x="8582585" y="1121539"/>
+            <a:ext cx="712653" cy="553998"/>
+          </a:xfrm>
+          <a:prstGeom prst="rect">
+            <a:avLst/>
+          </a:prstGeom>
+          <a:noFill/>
+        </p:spPr>
+        <p:txBody>
+          <a:bodyPr wrap="square" rtlCol="0">
+            <a:spAutoFit/>
+          </a:bodyPr>
+          <a:lstStyle/>
+          <a:p>
+            <a:r>
+              <a:rPr lang="en-US" sz="3000" b="1" dirty="0">
+                <a:latin typeface="Arial" panose="020B0604020202020204" pitchFamily="34" charset="0"/>
+                <a:ea typeface="Yu Gothic" panose="020B0400000000000000" pitchFamily="34" charset="-128"/>
+                <a:cs typeface="Arial" panose="020B0604020202020204" pitchFamily="34" charset="0"/>
+              </a:rPr>
+              <a:t>A</a:t>
+            </a:r>
+          </a:p>
+        </p:txBody>
+      </p:sp>
+      <p:sp>
+        <p:nvSpPr>
+          <p:cNvPr id="8" name="TextBox 7">
+            <a:extLst>
+              <a:ext uri="{FF2B5EF4-FFF2-40B4-BE49-F238E27FC236}">
+                <a16:creationId xmlns:a16="http://schemas.microsoft.com/office/drawing/2014/main" id="{50A06CC4-D23B-8260-9BD3-2CEFD86A4A1E}"/>
+              </a:ext>
+            </a:extLst>
+          </p:cNvPr>
+          <p:cNvSpPr txBox="1"/>
+          <p:nvPr/>
+        </p:nvSpPr>
+        <p:spPr>
+          <a:xfrm>
+            <a:off x="8582585" y="7278969"/>
+            <a:ext cx="712653" cy="553998"/>
+          </a:xfrm>
+          <a:prstGeom prst="rect">
+            <a:avLst/>
+          </a:prstGeom>
+          <a:noFill/>
+        </p:spPr>
+        <p:txBody>
+          <a:bodyPr wrap="square" rtlCol="0">
+            <a:spAutoFit/>
+          </a:bodyPr>
+          <a:lstStyle/>
+          <a:p>
+            <a:r>
+              <a:rPr lang="en-US" sz="3000" b="1" dirty="0">
+                <a:latin typeface="Arial" panose="020B0604020202020204" pitchFamily="34" charset="0"/>
+                <a:ea typeface="Yu Gothic" panose="020B0400000000000000" pitchFamily="34" charset="-128"/>
+                <a:cs typeface="Arial" panose="020B0604020202020204" pitchFamily="34" charset="0"/>
+              </a:rPr>
+              <a:t>B</a:t>
+            </a:r>
+          </a:p>
+        </p:txBody>
+      </p:sp>
+      <p:pic>
+        <p:nvPicPr>
+          <p:cNvPr id="16" name="Picture 15" descr="A triangle shaped object with many small colored squares&#10;&#10;Description automatically generated with medium confidence">
+            <a:extLst>
+              <a:ext uri="{FF2B5EF4-FFF2-40B4-BE49-F238E27FC236}">
+                <a16:creationId xmlns:a16="http://schemas.microsoft.com/office/drawing/2014/main" id="{D603C6C8-1417-7B6D-C607-B70038E9D0D3}"/>
+              </a:ext>
+            </a:extLst>
+          </p:cNvPr>
+          <p:cNvPicPr>
+            <a:picLocks noChangeAspect="1"/>
+          </p:cNvPicPr>
+          <p:nvPr/>
+        </p:nvPicPr>
+        <p:blipFill rotWithShape="1">
+          <a:blip r:embed="rId4">
+            <a:extLst>
+              <a:ext uri="{28A0092B-C50C-407E-A947-70E740481C1C}">
+                <a14:useLocalDpi xmlns:a14="http://schemas.microsoft.com/office/drawing/2010/main" val="0"/>
+              </a:ext>
+            </a:extLst>
+          </a:blip>
+          <a:srcRect b="29876"/>
+          <a:stretch/>
+        </p:blipFill>
+        <p:spPr>
+          <a:xfrm>
+            <a:off x="8561619" y="1560871"/>
+            <a:ext cx="11431595" cy="5344228"/>
+          </a:xfrm>
+          <a:prstGeom prst="rect">
+            <a:avLst/>
+          </a:prstGeom>
+        </p:spPr>
+      </p:pic>
+    </p:spTree>
+    <p:extLst>
+      <p:ext uri="{BB962C8B-B14F-4D97-AF65-F5344CB8AC3E}">
+        <p14:creationId xmlns:p14="http://schemas.microsoft.com/office/powerpoint/2010/main" val="454695809"/>
+      </p:ext>
+    </p:extLst>
+  </p:cSld>
+  <p:clrMapOvr>
+    <a:masterClrMapping/>
+  </p:clrMapOvr>
+</p:sld>
+</file>
+
+<file path=ppt/slides/slide23.xml><?xml version="1.0" encoding="utf-8"?>
+<p:sld xmlns:a="http://schemas.openxmlformats.org/drawingml/2006/main" xmlns:r="http://schemas.openxmlformats.org/officeDocument/2006/relationships" xmlns:p="http://schemas.openxmlformats.org/presentationml/2006/main">
+  <p:cSld>
+    <p:spTree>
+      <p:nvGrpSpPr>
+        <p:cNvPr id="1" name=""/>
+        <p:cNvGrpSpPr/>
+        <p:nvPr/>
+      </p:nvGrpSpPr>
+      <p:grpSpPr>
+        <a:xfrm>
+          <a:off x="0" y="0"/>
+          <a:ext cx="0" cy="0"/>
+          <a:chOff x="0" y="0"/>
+          <a:chExt cx="0" cy="0"/>
+        </a:xfrm>
+      </p:grpSpPr>
+      <p:pic>
+        <p:nvPicPr>
+          <p:cNvPr id="13" name="Picture 12" descr="A screenshot of a graph&#10;&#10;Description automatically generated">
+            <a:extLst>
+              <a:ext uri="{FF2B5EF4-FFF2-40B4-BE49-F238E27FC236}">
+                <a16:creationId xmlns:a16="http://schemas.microsoft.com/office/drawing/2014/main" id="{38B3D51C-B543-3925-AD07-2C3B669795B5}"/>
+              </a:ext>
+            </a:extLst>
+          </p:cNvPr>
+          <p:cNvPicPr>
+            <a:picLocks noChangeAspect="1"/>
+          </p:cNvPicPr>
+          <p:nvPr/>
+        </p:nvPicPr>
+        <p:blipFill>
+          <a:blip r:embed="rId2">
+            <a:extLst>
+              <a:ext uri="{28A0092B-C50C-407E-A947-70E740481C1C}">
+                <a14:useLocalDpi xmlns:a14="http://schemas.microsoft.com/office/drawing/2010/main" val="0"/>
+              </a:ext>
+            </a:extLst>
+          </a:blip>
+          <a:stretch>
+            <a:fillRect/>
+          </a:stretch>
+        </p:blipFill>
+        <p:spPr>
+          <a:xfrm>
+            <a:off x="2100145" y="3511925"/>
+            <a:ext cx="11431595" cy="7621064"/>
+          </a:xfrm>
+          <a:prstGeom prst="rect">
+            <a:avLst/>
+          </a:prstGeom>
+        </p:spPr>
+      </p:pic>
+      <p:sp>
+        <p:nvSpPr>
+          <p:cNvPr id="14" name="TextBox 13">
+            <a:extLst>
+              <a:ext uri="{FF2B5EF4-FFF2-40B4-BE49-F238E27FC236}">
+                <a16:creationId xmlns:a16="http://schemas.microsoft.com/office/drawing/2014/main" id="{60CCCB66-61B9-C741-DC40-F0272FB22E6E}"/>
+              </a:ext>
+            </a:extLst>
+          </p:cNvPr>
+          <p:cNvSpPr txBox="1"/>
+          <p:nvPr/>
+        </p:nvSpPr>
+        <p:spPr>
+          <a:xfrm>
+            <a:off x="2100145" y="3169026"/>
+            <a:ext cx="712653" cy="553998"/>
+          </a:xfrm>
+          <a:prstGeom prst="rect">
+            <a:avLst/>
+          </a:prstGeom>
+          <a:noFill/>
+        </p:spPr>
+        <p:txBody>
+          <a:bodyPr wrap="square" rtlCol="0">
+            <a:spAutoFit/>
+          </a:bodyPr>
+          <a:lstStyle/>
+          <a:p>
+            <a:r>
+              <a:rPr lang="en-US" sz="3000" b="1" dirty="0">
+                <a:latin typeface="Arial" panose="020B0604020202020204" pitchFamily="34" charset="0"/>
+                <a:ea typeface="Yu Gothic" panose="020B0400000000000000" pitchFamily="34" charset="-128"/>
+                <a:cs typeface="Arial" panose="020B0604020202020204" pitchFamily="34" charset="0"/>
+              </a:rPr>
+              <a:t>A</a:t>
+            </a:r>
+          </a:p>
+        </p:txBody>
+      </p:sp>
+      <p:sp>
+        <p:nvSpPr>
+          <p:cNvPr id="15" name="TextBox 14">
+            <a:extLst>
+              <a:ext uri="{FF2B5EF4-FFF2-40B4-BE49-F238E27FC236}">
+                <a16:creationId xmlns:a16="http://schemas.microsoft.com/office/drawing/2014/main" id="{75B2786A-2B31-E21B-FB99-DA615016F636}"/>
+              </a:ext>
+            </a:extLst>
+          </p:cNvPr>
+          <p:cNvSpPr txBox="1"/>
+          <p:nvPr/>
+        </p:nvSpPr>
+        <p:spPr>
+          <a:xfrm>
+            <a:off x="2100145" y="7060071"/>
+            <a:ext cx="712653" cy="553998"/>
+          </a:xfrm>
+          <a:prstGeom prst="rect">
+            <a:avLst/>
+          </a:prstGeom>
+          <a:noFill/>
+        </p:spPr>
+        <p:txBody>
+          <a:bodyPr wrap="square" rtlCol="0">
+            <a:spAutoFit/>
+          </a:bodyPr>
+          <a:lstStyle/>
+          <a:p>
+            <a:r>
+              <a:rPr lang="en-US" sz="3000" b="1" dirty="0">
+                <a:latin typeface="Arial" panose="020B0604020202020204" pitchFamily="34" charset="0"/>
+                <a:ea typeface="Yu Gothic" panose="020B0400000000000000" pitchFamily="34" charset="-128"/>
+                <a:cs typeface="Arial" panose="020B0604020202020204" pitchFamily="34" charset="0"/>
+              </a:rPr>
+              <a:t>B</a:t>
+            </a:r>
+          </a:p>
+        </p:txBody>
+      </p:sp>
+      <p:sp>
+        <p:nvSpPr>
+          <p:cNvPr id="16" name="TextBox 15">
+            <a:extLst>
+              <a:ext uri="{FF2B5EF4-FFF2-40B4-BE49-F238E27FC236}">
+                <a16:creationId xmlns:a16="http://schemas.microsoft.com/office/drawing/2014/main" id="{883B248A-7C58-080D-8580-D9C8E0D9EDE0}"/>
+              </a:ext>
+            </a:extLst>
+          </p:cNvPr>
+          <p:cNvSpPr txBox="1"/>
+          <p:nvPr/>
+        </p:nvSpPr>
+        <p:spPr>
+          <a:xfrm>
+            <a:off x="6000407" y="7060071"/>
+            <a:ext cx="712653" cy="553998"/>
+          </a:xfrm>
+          <a:prstGeom prst="rect">
+            <a:avLst/>
+          </a:prstGeom>
+          <a:noFill/>
+        </p:spPr>
+        <p:txBody>
+          <a:bodyPr wrap="square" rtlCol="0">
+            <a:spAutoFit/>
+          </a:bodyPr>
+          <a:lstStyle/>
+          <a:p>
+            <a:r>
+              <a:rPr lang="en-US" sz="3000" b="1" dirty="0">
+                <a:latin typeface="Arial" panose="020B0604020202020204" pitchFamily="34" charset="0"/>
+                <a:ea typeface="Yu Gothic" panose="020B0400000000000000" pitchFamily="34" charset="-128"/>
+                <a:cs typeface="Arial" panose="020B0604020202020204" pitchFamily="34" charset="0"/>
+              </a:rPr>
+              <a:t>D</a:t>
+            </a:r>
+          </a:p>
+        </p:txBody>
+      </p:sp>
+      <p:sp>
+        <p:nvSpPr>
+          <p:cNvPr id="17" name="TextBox 16">
+            <a:extLst>
+              <a:ext uri="{FF2B5EF4-FFF2-40B4-BE49-F238E27FC236}">
+                <a16:creationId xmlns:a16="http://schemas.microsoft.com/office/drawing/2014/main" id="{94DC91AF-D060-E283-9459-A0C0DA967A6E}"/>
+              </a:ext>
+            </a:extLst>
+          </p:cNvPr>
+          <p:cNvSpPr txBox="1"/>
+          <p:nvPr/>
+        </p:nvSpPr>
+        <p:spPr>
+          <a:xfrm>
+            <a:off x="6000408" y="3264275"/>
+            <a:ext cx="712653" cy="553998"/>
+          </a:xfrm>
+          <a:prstGeom prst="rect">
+            <a:avLst/>
+          </a:prstGeom>
+          <a:noFill/>
+        </p:spPr>
+        <p:txBody>
+          <a:bodyPr wrap="square" rtlCol="0">
+            <a:spAutoFit/>
+          </a:bodyPr>
+          <a:lstStyle/>
+          <a:p>
+            <a:r>
+              <a:rPr lang="en-US" sz="3000" b="1" dirty="0">
+                <a:latin typeface="Arial" panose="020B0604020202020204" pitchFamily="34" charset="0"/>
+                <a:ea typeface="Yu Gothic" panose="020B0400000000000000" pitchFamily="34" charset="-128"/>
+                <a:cs typeface="Arial" panose="020B0604020202020204" pitchFamily="34" charset="0"/>
+              </a:rPr>
+              <a:t>C</a:t>
+            </a:r>
+          </a:p>
+        </p:txBody>
+      </p:sp>
+    </p:spTree>
+    <p:extLst>
+      <p:ext uri="{BB962C8B-B14F-4D97-AF65-F5344CB8AC3E}">
+        <p14:creationId xmlns:p14="http://schemas.microsoft.com/office/powerpoint/2010/main" val="2356087699"/>
+      </p:ext>
+    </p:extLst>
+  </p:cSld>
+  <p:clrMapOvr>
+    <a:masterClrMapping/>
+  </p:clrMapOvr>
+</p:sld>
+</file>
+
+<file path=ppt/slides/slide24.xml><?xml version="1.0" encoding="utf-8"?>
+<p:sld xmlns:a="http://schemas.openxmlformats.org/drawingml/2006/main" xmlns:r="http://schemas.openxmlformats.org/officeDocument/2006/relationships" xmlns:p="http://schemas.openxmlformats.org/presentationml/2006/main">
+  <p:cSld>
+    <p:spTree>
+      <p:nvGrpSpPr>
+        <p:cNvPr id="1" name=""/>
+        <p:cNvGrpSpPr/>
+        <p:nvPr/>
+      </p:nvGrpSpPr>
+      <p:grpSpPr>
+        <a:xfrm>
+          <a:off x="0" y="0"/>
+          <a:ext cx="0" cy="0"/>
+          <a:chOff x="0" y="0"/>
+          <a:chExt cx="0" cy="0"/>
+        </a:xfrm>
+      </p:grpSpPr>
+      <p:pic>
+        <p:nvPicPr>
+          <p:cNvPr id="3" name="Picture 2">
+            <a:extLst>
+              <a:ext uri="{FF2B5EF4-FFF2-40B4-BE49-F238E27FC236}">
+                <a16:creationId xmlns:a16="http://schemas.microsoft.com/office/drawing/2014/main" id="{FC4F7D03-9813-EDB6-2279-04D39B681316}"/>
+              </a:ext>
+            </a:extLst>
+          </p:cNvPr>
+          <p:cNvPicPr>
+            <a:picLocks noChangeAspect="1"/>
+          </p:cNvPicPr>
+          <p:nvPr/>
+        </p:nvPicPr>
+        <p:blipFill>
+          <a:blip r:embed="rId2"/>
+          <a:stretch>
+            <a:fillRect/>
+          </a:stretch>
+        </p:blipFill>
+        <p:spPr>
+          <a:xfrm>
+            <a:off x="4238625" y="3721417"/>
+            <a:ext cx="13011150" cy="7096125"/>
+          </a:xfrm>
+          <a:prstGeom prst="rect">
+            <a:avLst/>
+          </a:prstGeom>
+        </p:spPr>
+      </p:pic>
+      <p:sp>
+        <p:nvSpPr>
+          <p:cNvPr id="4" name="Rectangle 3">
+            <a:extLst>
+              <a:ext uri="{FF2B5EF4-FFF2-40B4-BE49-F238E27FC236}">
+                <a16:creationId xmlns:a16="http://schemas.microsoft.com/office/drawing/2014/main" id="{CAF22837-C4C3-3AF8-B843-31E5F0921500}"/>
+              </a:ext>
+            </a:extLst>
+          </p:cNvPr>
+          <p:cNvSpPr/>
+          <p:nvPr/>
+        </p:nvSpPr>
+        <p:spPr>
+          <a:xfrm>
+            <a:off x="10083800" y="8039100"/>
+            <a:ext cx="6604000" cy="146050"/>
+          </a:xfrm>
+          <a:prstGeom prst="rect">
+            <a:avLst/>
+          </a:prstGeom>
+          <a:solidFill>
+            <a:schemeClr val="bg1"/>
+          </a:solidFill>
+          <a:ln>
+            <a:solidFill>
+              <a:schemeClr val="bg1"/>
+            </a:solidFill>
+          </a:ln>
+        </p:spPr>
+        <p:style>
+          <a:lnRef idx="2">
+            <a:schemeClr val="accent6"/>
+          </a:lnRef>
+          <a:fillRef idx="1">
+            <a:schemeClr val="lt1"/>
+          </a:fillRef>
+          <a:effectRef idx="0">
+            <a:schemeClr val="accent6"/>
+          </a:effectRef>
+          <a:fontRef idx="minor">
+            <a:schemeClr val="dk1"/>
+          </a:fontRef>
+        </p:style>
+        <p:txBody>
+          <a:bodyPr rtlCol="0" anchor="ctr"/>
+          <a:lstStyle/>
+          <a:p>
+            <a:pPr algn="ctr"/>
+            <a:endParaRPr lang="en-US" dirty="0"/>
+          </a:p>
+        </p:txBody>
+      </p:sp>
+      <p:sp>
+        <p:nvSpPr>
+          <p:cNvPr id="5" name="Rectangle 4">
+            <a:extLst>
+              <a:ext uri="{FF2B5EF4-FFF2-40B4-BE49-F238E27FC236}">
+                <a16:creationId xmlns:a16="http://schemas.microsoft.com/office/drawing/2014/main" id="{90027EC0-1389-99F2-5423-EF109892E53C}"/>
+              </a:ext>
+            </a:extLst>
+          </p:cNvPr>
+          <p:cNvSpPr/>
+          <p:nvPr/>
+        </p:nvSpPr>
+        <p:spPr>
+          <a:xfrm>
+            <a:off x="10064750" y="7785100"/>
+            <a:ext cx="6604000" cy="203200"/>
+          </a:xfrm>
+          <a:prstGeom prst="rect">
+            <a:avLst/>
+          </a:prstGeom>
+          <a:solidFill>
+            <a:schemeClr val="bg1"/>
+          </a:solidFill>
+          <a:ln>
+            <a:solidFill>
+              <a:schemeClr val="bg1"/>
+            </a:solidFill>
+          </a:ln>
+        </p:spPr>
+        <p:style>
+          <a:lnRef idx="2">
+            <a:schemeClr val="accent6"/>
+          </a:lnRef>
+          <a:fillRef idx="1">
+            <a:schemeClr val="lt1"/>
+          </a:fillRef>
+          <a:effectRef idx="0">
+            <a:schemeClr val="accent6"/>
+          </a:effectRef>
+          <a:fontRef idx="minor">
+            <a:schemeClr val="dk1"/>
+          </a:fontRef>
+        </p:style>
+        <p:txBody>
+          <a:bodyPr rtlCol="0" anchor="ctr"/>
+          <a:lstStyle/>
+          <a:p>
+            <a:pPr algn="ctr"/>
+            <a:endParaRPr lang="en-US" dirty="0"/>
+          </a:p>
+        </p:txBody>
+      </p:sp>
+      <p:sp>
+        <p:nvSpPr>
+          <p:cNvPr id="12" name="Rectangle 11">
+            <a:extLst>
+              <a:ext uri="{FF2B5EF4-FFF2-40B4-BE49-F238E27FC236}">
+                <a16:creationId xmlns:a16="http://schemas.microsoft.com/office/drawing/2014/main" id="{46CC59FA-39E1-BD5F-4FE3-01D1366045E0}"/>
+              </a:ext>
+            </a:extLst>
+          </p:cNvPr>
+          <p:cNvSpPr/>
+          <p:nvPr/>
+        </p:nvSpPr>
+        <p:spPr>
+          <a:xfrm>
+            <a:off x="6896100" y="10353040"/>
+            <a:ext cx="9791700" cy="146050"/>
+          </a:xfrm>
+          <a:prstGeom prst="rect">
+            <a:avLst/>
+          </a:prstGeom>
+          <a:solidFill>
+            <a:schemeClr val="bg1"/>
+          </a:solidFill>
+          <a:ln>
+            <a:solidFill>
+              <a:schemeClr val="bg1"/>
+            </a:solidFill>
+          </a:ln>
+        </p:spPr>
+        <p:style>
+          <a:lnRef idx="2">
+            <a:schemeClr val="accent6"/>
+          </a:lnRef>
+          <a:fillRef idx="1">
+            <a:schemeClr val="lt1"/>
+          </a:fillRef>
+          <a:effectRef idx="0">
+            <a:schemeClr val="accent6"/>
+          </a:effectRef>
+          <a:fontRef idx="minor">
+            <a:schemeClr val="dk1"/>
+          </a:fontRef>
+        </p:style>
+        <p:txBody>
+          <a:bodyPr rtlCol="0" anchor="ctr"/>
+          <a:lstStyle/>
+          <a:p>
+            <a:pPr algn="ctr"/>
+            <a:endParaRPr lang="en-US" dirty="0"/>
+          </a:p>
+        </p:txBody>
+      </p:sp>
+      <p:sp>
+        <p:nvSpPr>
+          <p:cNvPr id="13" name="Rectangle 12">
+            <a:extLst>
+              <a:ext uri="{FF2B5EF4-FFF2-40B4-BE49-F238E27FC236}">
+                <a16:creationId xmlns:a16="http://schemas.microsoft.com/office/drawing/2014/main" id="{8782ECC7-B4CD-CA2D-74A8-6EFF1856E451}"/>
+              </a:ext>
+            </a:extLst>
+          </p:cNvPr>
+          <p:cNvSpPr/>
+          <p:nvPr/>
+        </p:nvSpPr>
+        <p:spPr>
+          <a:xfrm>
+            <a:off x="6908800" y="10140950"/>
+            <a:ext cx="9791700" cy="146050"/>
+          </a:xfrm>
+          <a:prstGeom prst="rect">
+            <a:avLst/>
+          </a:prstGeom>
+          <a:solidFill>
+            <a:schemeClr val="bg1"/>
+          </a:solidFill>
+          <a:ln>
+            <a:solidFill>
+              <a:schemeClr val="bg1"/>
+            </a:solidFill>
+          </a:ln>
+        </p:spPr>
+        <p:style>
+          <a:lnRef idx="2">
+            <a:schemeClr val="accent6"/>
+          </a:lnRef>
+          <a:fillRef idx="1">
+            <a:schemeClr val="lt1"/>
+          </a:fillRef>
+          <a:effectRef idx="0">
+            <a:schemeClr val="accent6"/>
+          </a:effectRef>
+          <a:fontRef idx="minor">
+            <a:schemeClr val="dk1"/>
+          </a:fontRef>
+        </p:style>
+        <p:txBody>
+          <a:bodyPr rtlCol="0" anchor="ctr"/>
+          <a:lstStyle/>
+          <a:p>
+            <a:pPr algn="ctr"/>
+            <a:endParaRPr lang="en-US" dirty="0"/>
+          </a:p>
+        </p:txBody>
+      </p:sp>
+    </p:spTree>
+    <p:extLst>
+      <p:ext uri="{BB962C8B-B14F-4D97-AF65-F5344CB8AC3E}">
+        <p14:creationId xmlns:p14="http://schemas.microsoft.com/office/powerpoint/2010/main" val="1287624721"/>
+      </p:ext>
+    </p:extLst>
+  </p:cSld>
+  <p:clrMapOvr>
+    <a:masterClrMapping/>
+  </p:clrMapOvr>
+</p:sld>
+</file>
+
+<file path=ppt/slides/slide25.xml><?xml version="1.0" encoding="utf-8"?>
+<p:sld xmlns:a="http://schemas.openxmlformats.org/drawingml/2006/main" xmlns:r="http://schemas.openxmlformats.org/officeDocument/2006/relationships" xmlns:p="http://schemas.openxmlformats.org/presentationml/2006/main">
+  <p:cSld>
+    <p:spTree>
+      <p:nvGrpSpPr>
+        <p:cNvPr id="1" name=""/>
+        <p:cNvGrpSpPr/>
+        <p:nvPr/>
+      </p:nvGrpSpPr>
+      <p:grpSpPr>
+        <a:xfrm>
+          <a:off x="0" y="0"/>
+          <a:ext cx="0" cy="0"/>
+          <a:chOff x="0" y="0"/>
+          <a:chExt cx="0" cy="0"/>
+        </a:xfrm>
+      </p:grpSpPr>
+    </p:spTree>
+    <p:extLst>
+      <p:ext uri="{BB962C8B-B14F-4D97-AF65-F5344CB8AC3E}">
+        <p14:creationId xmlns:p14="http://schemas.microsoft.com/office/powerpoint/2010/main" val="3734765804"/>
+      </p:ext>
+    </p:extLst>
+  </p:cSld>
+  <p:clrMapOvr>
+    <a:masterClrMapping/>
+  </p:clrMapOvr>
+</p:sld>
+</file>
+
+<file path=ppt/slides/slide3.xml><?xml version="1.0" encoding="utf-8"?>
 <p:sld xmlns:a="http://schemas.openxmlformats.org/drawingml/2006/main" xmlns:r="http://schemas.openxmlformats.org/officeDocument/2006/relationships" xmlns:p="http://schemas.openxmlformats.org/presentationml/2006/main">
   <p:cSld>
     <p:spTree>
@@ -17911,696 +19232,7 @@
 </p:sld>
 </file>
 
-<file path=ppt/slides/slide20.xml><?xml version="1.0" encoding="utf-8"?>
-<p:sld xmlns:a="http://schemas.openxmlformats.org/drawingml/2006/main" xmlns:r="http://schemas.openxmlformats.org/officeDocument/2006/relationships" xmlns:p="http://schemas.openxmlformats.org/presentationml/2006/main">
-  <p:cSld>
-    <p:spTree>
-      <p:nvGrpSpPr>
-        <p:cNvPr id="1" name=""/>
-        <p:cNvGrpSpPr/>
-        <p:nvPr/>
-      </p:nvGrpSpPr>
-      <p:grpSpPr>
-        <a:xfrm>
-          <a:off x="0" y="0"/>
-          <a:ext cx="0" cy="0"/>
-          <a:chOff x="0" y="0"/>
-          <a:chExt cx="0" cy="0"/>
-        </a:xfrm>
-      </p:grpSpPr>
-      <p:pic>
-        <p:nvPicPr>
-          <p:cNvPr id="18" name="Picture 17" descr="A triangle shaped pattern with different colored lines&#10;&#10;Description automatically generated with medium confidence">
-            <a:extLst>
-              <a:ext uri="{FF2B5EF4-FFF2-40B4-BE49-F238E27FC236}">
-                <a16:creationId xmlns:a16="http://schemas.microsoft.com/office/drawing/2014/main" id="{73D5EF18-DA41-25D1-1323-9439E8D3190C}"/>
-              </a:ext>
-            </a:extLst>
-          </p:cNvPr>
-          <p:cNvPicPr>
-            <a:picLocks noChangeAspect="1"/>
-          </p:cNvPicPr>
-          <p:nvPr/>
-        </p:nvPicPr>
-        <p:blipFill>
-          <a:blip r:embed="rId2">
-            <a:extLst>
-              <a:ext uri="{28A0092B-C50C-407E-A947-70E740481C1C}">
-                <a14:useLocalDpi xmlns:a14="http://schemas.microsoft.com/office/drawing/2010/main" val="0"/>
-              </a:ext>
-            </a:extLst>
-          </a:blip>
-          <a:stretch>
-            <a:fillRect/>
-          </a:stretch>
-        </p:blipFill>
-        <p:spPr>
-          <a:xfrm>
-            <a:off x="8561618" y="7619468"/>
-            <a:ext cx="11431595" cy="7621064"/>
-          </a:xfrm>
-          <a:prstGeom prst="rect">
-            <a:avLst/>
-          </a:prstGeom>
-        </p:spPr>
-      </p:pic>
-      <p:pic>
-        <p:nvPicPr>
-          <p:cNvPr id="4" name="Picture 3" descr="A black background with a black square&#10;&#10;Description automatically generated">
-            <a:extLst>
-              <a:ext uri="{FF2B5EF4-FFF2-40B4-BE49-F238E27FC236}">
-                <a16:creationId xmlns:a16="http://schemas.microsoft.com/office/drawing/2014/main" id="{624DAFEB-71FF-252A-7CD6-2AE2C3434498}"/>
-              </a:ext>
-            </a:extLst>
-          </p:cNvPr>
-          <p:cNvPicPr>
-            <a:picLocks noChangeAspect="1"/>
-          </p:cNvPicPr>
-          <p:nvPr/>
-        </p:nvPicPr>
-        <p:blipFill rotWithShape="1">
-          <a:blip r:embed="rId3">
-            <a:extLst>
-              <a:ext uri="{28A0092B-C50C-407E-A947-70E740481C1C}">
-                <a14:useLocalDpi xmlns:a14="http://schemas.microsoft.com/office/drawing/2010/main" val="0"/>
-              </a:ext>
-            </a:extLst>
-          </a:blip>
-          <a:srcRect l="38737" r="19484" b="6693"/>
-          <a:stretch/>
-        </p:blipFill>
-        <p:spPr>
-          <a:xfrm>
-            <a:off x="3812720" y="1640772"/>
-            <a:ext cx="4769865" cy="5344228"/>
-          </a:xfrm>
-          <a:prstGeom prst="rect">
-            <a:avLst/>
-          </a:prstGeom>
-        </p:spPr>
-      </p:pic>
-      <p:pic>
-        <p:nvPicPr>
-          <p:cNvPr id="2" name="Picture 1" descr="A black background with a black square&#10;&#10;Description automatically generated">
-            <a:extLst>
-              <a:ext uri="{FF2B5EF4-FFF2-40B4-BE49-F238E27FC236}">
-                <a16:creationId xmlns:a16="http://schemas.microsoft.com/office/drawing/2014/main" id="{D314149A-5E63-0DB4-E55E-65ACF8C0EF17}"/>
-              </a:ext>
-            </a:extLst>
-          </p:cNvPr>
-          <p:cNvPicPr>
-            <a:picLocks noChangeAspect="1"/>
-          </p:cNvPicPr>
-          <p:nvPr/>
-        </p:nvPicPr>
-        <p:blipFill rotWithShape="1">
-          <a:blip r:embed="rId3">
-            <a:extLst>
-              <a:ext uri="{28A0092B-C50C-407E-A947-70E740481C1C}">
-                <a14:useLocalDpi xmlns:a14="http://schemas.microsoft.com/office/drawing/2010/main" val="0"/>
-              </a:ext>
-            </a:extLst>
-          </a:blip>
-          <a:srcRect l="38737" r="19484" b="6693"/>
-          <a:stretch/>
-        </p:blipFill>
-        <p:spPr>
-          <a:xfrm rot="16200000">
-            <a:off x="13780107" y="12242082"/>
-            <a:ext cx="3235623" cy="9232523"/>
-          </a:xfrm>
-          <a:prstGeom prst="rect">
-            <a:avLst/>
-          </a:prstGeom>
-        </p:spPr>
-      </p:pic>
-      <p:pic>
-        <p:nvPicPr>
-          <p:cNvPr id="5" name="Picture 4" descr="A black background with a black square&#10;&#10;Description automatically generated">
-            <a:extLst>
-              <a:ext uri="{FF2B5EF4-FFF2-40B4-BE49-F238E27FC236}">
-                <a16:creationId xmlns:a16="http://schemas.microsoft.com/office/drawing/2014/main" id="{F64E9BAE-A69A-1B9F-C1EF-2A8E63B29BF2}"/>
-              </a:ext>
-            </a:extLst>
-          </p:cNvPr>
-          <p:cNvPicPr>
-            <a:picLocks noChangeAspect="1"/>
-          </p:cNvPicPr>
-          <p:nvPr/>
-        </p:nvPicPr>
-        <p:blipFill rotWithShape="1">
-          <a:blip r:embed="rId3">
-            <a:extLst>
-              <a:ext uri="{28A0092B-C50C-407E-A947-70E740481C1C}">
-                <a14:useLocalDpi xmlns:a14="http://schemas.microsoft.com/office/drawing/2010/main" val="0"/>
-              </a:ext>
-            </a:extLst>
-          </a:blip>
-          <a:srcRect l="38737" r="19484" b="6693"/>
-          <a:stretch/>
-        </p:blipFill>
-        <p:spPr>
-          <a:xfrm>
-            <a:off x="3812720" y="7682969"/>
-            <a:ext cx="4769865" cy="5344228"/>
-          </a:xfrm>
-          <a:prstGeom prst="rect">
-            <a:avLst/>
-          </a:prstGeom>
-        </p:spPr>
-      </p:pic>
-      <p:sp>
-        <p:nvSpPr>
-          <p:cNvPr id="7" name="TextBox 6">
-            <a:extLst>
-              <a:ext uri="{FF2B5EF4-FFF2-40B4-BE49-F238E27FC236}">
-                <a16:creationId xmlns:a16="http://schemas.microsoft.com/office/drawing/2014/main" id="{37697AC7-D1E9-9CEC-536D-BC07438269F5}"/>
-              </a:ext>
-            </a:extLst>
-          </p:cNvPr>
-          <p:cNvSpPr txBox="1"/>
-          <p:nvPr/>
-        </p:nvSpPr>
-        <p:spPr>
-          <a:xfrm>
-            <a:off x="8582585" y="1121539"/>
-            <a:ext cx="712653" cy="553998"/>
-          </a:xfrm>
-          <a:prstGeom prst="rect">
-            <a:avLst/>
-          </a:prstGeom>
-          <a:noFill/>
-        </p:spPr>
-        <p:txBody>
-          <a:bodyPr wrap="square" rtlCol="0">
-            <a:spAutoFit/>
-          </a:bodyPr>
-          <a:lstStyle/>
-          <a:p>
-            <a:r>
-              <a:rPr lang="en-US" sz="3000" b="1" dirty="0">
-                <a:latin typeface="Arial" panose="020B0604020202020204" pitchFamily="34" charset="0"/>
-                <a:ea typeface="Yu Gothic" panose="020B0400000000000000" pitchFamily="34" charset="-128"/>
-                <a:cs typeface="Arial" panose="020B0604020202020204" pitchFamily="34" charset="0"/>
-              </a:rPr>
-              <a:t>A</a:t>
-            </a:r>
-          </a:p>
-        </p:txBody>
-      </p:sp>
-      <p:sp>
-        <p:nvSpPr>
-          <p:cNvPr id="8" name="TextBox 7">
-            <a:extLst>
-              <a:ext uri="{FF2B5EF4-FFF2-40B4-BE49-F238E27FC236}">
-                <a16:creationId xmlns:a16="http://schemas.microsoft.com/office/drawing/2014/main" id="{50A06CC4-D23B-8260-9BD3-2CEFD86A4A1E}"/>
-              </a:ext>
-            </a:extLst>
-          </p:cNvPr>
-          <p:cNvSpPr txBox="1"/>
-          <p:nvPr/>
-        </p:nvSpPr>
-        <p:spPr>
-          <a:xfrm>
-            <a:off x="8582585" y="7278969"/>
-            <a:ext cx="712653" cy="553998"/>
-          </a:xfrm>
-          <a:prstGeom prst="rect">
-            <a:avLst/>
-          </a:prstGeom>
-          <a:noFill/>
-        </p:spPr>
-        <p:txBody>
-          <a:bodyPr wrap="square" rtlCol="0">
-            <a:spAutoFit/>
-          </a:bodyPr>
-          <a:lstStyle/>
-          <a:p>
-            <a:r>
-              <a:rPr lang="en-US" sz="3000" b="1" dirty="0">
-                <a:latin typeface="Arial" panose="020B0604020202020204" pitchFamily="34" charset="0"/>
-                <a:ea typeface="Yu Gothic" panose="020B0400000000000000" pitchFamily="34" charset="-128"/>
-                <a:cs typeface="Arial" panose="020B0604020202020204" pitchFamily="34" charset="0"/>
-              </a:rPr>
-              <a:t>B</a:t>
-            </a:r>
-          </a:p>
-        </p:txBody>
-      </p:sp>
-      <p:pic>
-        <p:nvPicPr>
-          <p:cNvPr id="16" name="Picture 15" descr="A triangle shaped object with many small colored squares&#10;&#10;Description automatically generated with medium confidence">
-            <a:extLst>
-              <a:ext uri="{FF2B5EF4-FFF2-40B4-BE49-F238E27FC236}">
-                <a16:creationId xmlns:a16="http://schemas.microsoft.com/office/drawing/2014/main" id="{D603C6C8-1417-7B6D-C607-B70038E9D0D3}"/>
-              </a:ext>
-            </a:extLst>
-          </p:cNvPr>
-          <p:cNvPicPr>
-            <a:picLocks noChangeAspect="1"/>
-          </p:cNvPicPr>
-          <p:nvPr/>
-        </p:nvPicPr>
-        <p:blipFill rotWithShape="1">
-          <a:blip r:embed="rId4">
-            <a:extLst>
-              <a:ext uri="{28A0092B-C50C-407E-A947-70E740481C1C}">
-                <a14:useLocalDpi xmlns:a14="http://schemas.microsoft.com/office/drawing/2010/main" val="0"/>
-              </a:ext>
-            </a:extLst>
-          </a:blip>
-          <a:srcRect b="29876"/>
-          <a:stretch/>
-        </p:blipFill>
-        <p:spPr>
-          <a:xfrm>
-            <a:off x="8561619" y="1560871"/>
-            <a:ext cx="11431595" cy="5344228"/>
-          </a:xfrm>
-          <a:prstGeom prst="rect">
-            <a:avLst/>
-          </a:prstGeom>
-        </p:spPr>
-      </p:pic>
-    </p:spTree>
-    <p:extLst>
-      <p:ext uri="{BB962C8B-B14F-4D97-AF65-F5344CB8AC3E}">
-        <p14:creationId xmlns:p14="http://schemas.microsoft.com/office/powerpoint/2010/main" val="454695809"/>
-      </p:ext>
-    </p:extLst>
-  </p:cSld>
-  <p:clrMapOvr>
-    <a:masterClrMapping/>
-  </p:clrMapOvr>
-</p:sld>
-</file>
-
-<file path=ppt/slides/slide21.xml><?xml version="1.0" encoding="utf-8"?>
-<p:sld xmlns:a="http://schemas.openxmlformats.org/drawingml/2006/main" xmlns:r="http://schemas.openxmlformats.org/officeDocument/2006/relationships" xmlns:p="http://schemas.openxmlformats.org/presentationml/2006/main">
-  <p:cSld>
-    <p:spTree>
-      <p:nvGrpSpPr>
-        <p:cNvPr id="1" name=""/>
-        <p:cNvGrpSpPr/>
-        <p:nvPr/>
-      </p:nvGrpSpPr>
-      <p:grpSpPr>
-        <a:xfrm>
-          <a:off x="0" y="0"/>
-          <a:ext cx="0" cy="0"/>
-          <a:chOff x="0" y="0"/>
-          <a:chExt cx="0" cy="0"/>
-        </a:xfrm>
-      </p:grpSpPr>
-      <p:pic>
-        <p:nvPicPr>
-          <p:cNvPr id="13" name="Picture 12" descr="A screenshot of a graph&#10;&#10;Description automatically generated">
-            <a:extLst>
-              <a:ext uri="{FF2B5EF4-FFF2-40B4-BE49-F238E27FC236}">
-                <a16:creationId xmlns:a16="http://schemas.microsoft.com/office/drawing/2014/main" id="{38B3D51C-B543-3925-AD07-2C3B669795B5}"/>
-              </a:ext>
-            </a:extLst>
-          </p:cNvPr>
-          <p:cNvPicPr>
-            <a:picLocks noChangeAspect="1"/>
-          </p:cNvPicPr>
-          <p:nvPr/>
-        </p:nvPicPr>
-        <p:blipFill>
-          <a:blip r:embed="rId2">
-            <a:extLst>
-              <a:ext uri="{28A0092B-C50C-407E-A947-70E740481C1C}">
-                <a14:useLocalDpi xmlns:a14="http://schemas.microsoft.com/office/drawing/2010/main" val="0"/>
-              </a:ext>
-            </a:extLst>
-          </a:blip>
-          <a:stretch>
-            <a:fillRect/>
-          </a:stretch>
-        </p:blipFill>
-        <p:spPr>
-          <a:xfrm>
-            <a:off x="2100145" y="3511925"/>
-            <a:ext cx="11431595" cy="7621064"/>
-          </a:xfrm>
-          <a:prstGeom prst="rect">
-            <a:avLst/>
-          </a:prstGeom>
-        </p:spPr>
-      </p:pic>
-      <p:sp>
-        <p:nvSpPr>
-          <p:cNvPr id="14" name="TextBox 13">
-            <a:extLst>
-              <a:ext uri="{FF2B5EF4-FFF2-40B4-BE49-F238E27FC236}">
-                <a16:creationId xmlns:a16="http://schemas.microsoft.com/office/drawing/2014/main" id="{60CCCB66-61B9-C741-DC40-F0272FB22E6E}"/>
-              </a:ext>
-            </a:extLst>
-          </p:cNvPr>
-          <p:cNvSpPr txBox="1"/>
-          <p:nvPr/>
-        </p:nvSpPr>
-        <p:spPr>
-          <a:xfrm>
-            <a:off x="2100145" y="3169026"/>
-            <a:ext cx="712653" cy="553998"/>
-          </a:xfrm>
-          <a:prstGeom prst="rect">
-            <a:avLst/>
-          </a:prstGeom>
-          <a:noFill/>
-        </p:spPr>
-        <p:txBody>
-          <a:bodyPr wrap="square" rtlCol="0">
-            <a:spAutoFit/>
-          </a:bodyPr>
-          <a:lstStyle/>
-          <a:p>
-            <a:r>
-              <a:rPr lang="en-US" sz="3000" b="1" dirty="0">
-                <a:latin typeface="Arial" panose="020B0604020202020204" pitchFamily="34" charset="0"/>
-                <a:ea typeface="Yu Gothic" panose="020B0400000000000000" pitchFamily="34" charset="-128"/>
-                <a:cs typeface="Arial" panose="020B0604020202020204" pitchFamily="34" charset="0"/>
-              </a:rPr>
-              <a:t>A</a:t>
-            </a:r>
-          </a:p>
-        </p:txBody>
-      </p:sp>
-      <p:sp>
-        <p:nvSpPr>
-          <p:cNvPr id="15" name="TextBox 14">
-            <a:extLst>
-              <a:ext uri="{FF2B5EF4-FFF2-40B4-BE49-F238E27FC236}">
-                <a16:creationId xmlns:a16="http://schemas.microsoft.com/office/drawing/2014/main" id="{75B2786A-2B31-E21B-FB99-DA615016F636}"/>
-              </a:ext>
-            </a:extLst>
-          </p:cNvPr>
-          <p:cNvSpPr txBox="1"/>
-          <p:nvPr/>
-        </p:nvSpPr>
-        <p:spPr>
-          <a:xfrm>
-            <a:off x="2100145" y="7060071"/>
-            <a:ext cx="712653" cy="553998"/>
-          </a:xfrm>
-          <a:prstGeom prst="rect">
-            <a:avLst/>
-          </a:prstGeom>
-          <a:noFill/>
-        </p:spPr>
-        <p:txBody>
-          <a:bodyPr wrap="square" rtlCol="0">
-            <a:spAutoFit/>
-          </a:bodyPr>
-          <a:lstStyle/>
-          <a:p>
-            <a:r>
-              <a:rPr lang="en-US" sz="3000" b="1" dirty="0">
-                <a:latin typeface="Arial" panose="020B0604020202020204" pitchFamily="34" charset="0"/>
-                <a:ea typeface="Yu Gothic" panose="020B0400000000000000" pitchFamily="34" charset="-128"/>
-                <a:cs typeface="Arial" panose="020B0604020202020204" pitchFamily="34" charset="0"/>
-              </a:rPr>
-              <a:t>B</a:t>
-            </a:r>
-          </a:p>
-        </p:txBody>
-      </p:sp>
-      <p:sp>
-        <p:nvSpPr>
-          <p:cNvPr id="16" name="TextBox 15">
-            <a:extLst>
-              <a:ext uri="{FF2B5EF4-FFF2-40B4-BE49-F238E27FC236}">
-                <a16:creationId xmlns:a16="http://schemas.microsoft.com/office/drawing/2014/main" id="{883B248A-7C58-080D-8580-D9C8E0D9EDE0}"/>
-              </a:ext>
-            </a:extLst>
-          </p:cNvPr>
-          <p:cNvSpPr txBox="1"/>
-          <p:nvPr/>
-        </p:nvSpPr>
-        <p:spPr>
-          <a:xfrm>
-            <a:off x="6000407" y="7060071"/>
-            <a:ext cx="712653" cy="553998"/>
-          </a:xfrm>
-          <a:prstGeom prst="rect">
-            <a:avLst/>
-          </a:prstGeom>
-          <a:noFill/>
-        </p:spPr>
-        <p:txBody>
-          <a:bodyPr wrap="square" rtlCol="0">
-            <a:spAutoFit/>
-          </a:bodyPr>
-          <a:lstStyle/>
-          <a:p>
-            <a:r>
-              <a:rPr lang="en-US" sz="3000" b="1" dirty="0">
-                <a:latin typeface="Arial" panose="020B0604020202020204" pitchFamily="34" charset="0"/>
-                <a:ea typeface="Yu Gothic" panose="020B0400000000000000" pitchFamily="34" charset="-128"/>
-                <a:cs typeface="Arial" panose="020B0604020202020204" pitchFamily="34" charset="0"/>
-              </a:rPr>
-              <a:t>D</a:t>
-            </a:r>
-          </a:p>
-        </p:txBody>
-      </p:sp>
-      <p:sp>
-        <p:nvSpPr>
-          <p:cNvPr id="17" name="TextBox 16">
-            <a:extLst>
-              <a:ext uri="{FF2B5EF4-FFF2-40B4-BE49-F238E27FC236}">
-                <a16:creationId xmlns:a16="http://schemas.microsoft.com/office/drawing/2014/main" id="{94DC91AF-D060-E283-9459-A0C0DA967A6E}"/>
-              </a:ext>
-            </a:extLst>
-          </p:cNvPr>
-          <p:cNvSpPr txBox="1"/>
-          <p:nvPr/>
-        </p:nvSpPr>
-        <p:spPr>
-          <a:xfrm>
-            <a:off x="6000408" y="3264275"/>
-            <a:ext cx="712653" cy="553998"/>
-          </a:xfrm>
-          <a:prstGeom prst="rect">
-            <a:avLst/>
-          </a:prstGeom>
-          <a:noFill/>
-        </p:spPr>
-        <p:txBody>
-          <a:bodyPr wrap="square" rtlCol="0">
-            <a:spAutoFit/>
-          </a:bodyPr>
-          <a:lstStyle/>
-          <a:p>
-            <a:r>
-              <a:rPr lang="en-US" sz="3000" b="1" dirty="0">
-                <a:latin typeface="Arial" panose="020B0604020202020204" pitchFamily="34" charset="0"/>
-                <a:ea typeface="Yu Gothic" panose="020B0400000000000000" pitchFamily="34" charset="-128"/>
-                <a:cs typeface="Arial" panose="020B0604020202020204" pitchFamily="34" charset="0"/>
-              </a:rPr>
-              <a:t>C</a:t>
-            </a:r>
-          </a:p>
-        </p:txBody>
-      </p:sp>
-    </p:spTree>
-    <p:extLst>
-      <p:ext uri="{BB962C8B-B14F-4D97-AF65-F5344CB8AC3E}">
-        <p14:creationId xmlns:p14="http://schemas.microsoft.com/office/powerpoint/2010/main" val="2356087699"/>
-      </p:ext>
-    </p:extLst>
-  </p:cSld>
-  <p:clrMapOvr>
-    <a:masterClrMapping/>
-  </p:clrMapOvr>
-</p:sld>
-</file>
-
-<file path=ppt/slides/slide22.xml><?xml version="1.0" encoding="utf-8"?>
-<p:sld xmlns:a="http://schemas.openxmlformats.org/drawingml/2006/main" xmlns:r="http://schemas.openxmlformats.org/officeDocument/2006/relationships" xmlns:p="http://schemas.openxmlformats.org/presentationml/2006/main">
-  <p:cSld>
-    <p:spTree>
-      <p:nvGrpSpPr>
-        <p:cNvPr id="1" name=""/>
-        <p:cNvGrpSpPr/>
-        <p:nvPr/>
-      </p:nvGrpSpPr>
-      <p:grpSpPr>
-        <a:xfrm>
-          <a:off x="0" y="0"/>
-          <a:ext cx="0" cy="0"/>
-          <a:chOff x="0" y="0"/>
-          <a:chExt cx="0" cy="0"/>
-        </a:xfrm>
-      </p:grpSpPr>
-      <p:pic>
-        <p:nvPicPr>
-          <p:cNvPr id="7" name="Picture 6" descr="A group of black and white graphs&#10;&#10;Description automatically generated">
-            <a:extLst>
-              <a:ext uri="{FF2B5EF4-FFF2-40B4-BE49-F238E27FC236}">
-                <a16:creationId xmlns:a16="http://schemas.microsoft.com/office/drawing/2014/main" id="{AC6C21EF-AA3C-A803-0E4F-0B1536E11749}"/>
-              </a:ext>
-            </a:extLst>
-          </p:cNvPr>
-          <p:cNvPicPr>
-            <a:picLocks noChangeAspect="1"/>
-          </p:cNvPicPr>
-          <p:nvPr/>
-        </p:nvPicPr>
-        <p:blipFill>
-          <a:blip r:embed="rId2">
-            <a:extLst>
-              <a:ext uri="{28A0092B-C50C-407E-A947-70E740481C1C}">
-                <a14:useLocalDpi xmlns:a14="http://schemas.microsoft.com/office/drawing/2010/main" val="0"/>
-              </a:ext>
-            </a:extLst>
-          </a:blip>
-          <a:stretch>
-            <a:fillRect/>
-          </a:stretch>
-        </p:blipFill>
-        <p:spPr>
-          <a:xfrm>
-            <a:off x="0" y="7620000"/>
-            <a:ext cx="22860000" cy="7620000"/>
-          </a:xfrm>
-          <a:prstGeom prst="rect">
-            <a:avLst/>
-          </a:prstGeom>
-        </p:spPr>
-      </p:pic>
-      <p:sp>
-        <p:nvSpPr>
-          <p:cNvPr id="8" name="TextBox 7">
-            <a:extLst>
-              <a:ext uri="{FF2B5EF4-FFF2-40B4-BE49-F238E27FC236}">
-                <a16:creationId xmlns:a16="http://schemas.microsoft.com/office/drawing/2014/main" id="{DA8079D7-4913-CB62-1985-C5C6469C2CB2}"/>
-              </a:ext>
-            </a:extLst>
-          </p:cNvPr>
-          <p:cNvSpPr txBox="1"/>
-          <p:nvPr/>
-        </p:nvSpPr>
-        <p:spPr>
-          <a:xfrm>
-            <a:off x="0" y="7484955"/>
-            <a:ext cx="712653" cy="553998"/>
-          </a:xfrm>
-          <a:prstGeom prst="rect">
-            <a:avLst/>
-          </a:prstGeom>
-          <a:noFill/>
-        </p:spPr>
-        <p:txBody>
-          <a:bodyPr wrap="square" rtlCol="0">
-            <a:spAutoFit/>
-          </a:bodyPr>
-          <a:lstStyle/>
-          <a:p>
-            <a:r>
-              <a:rPr lang="en-US" sz="3000" b="1" dirty="0">
-                <a:latin typeface="Arial" panose="020B0604020202020204" pitchFamily="34" charset="0"/>
-                <a:ea typeface="Yu Gothic" panose="020B0400000000000000" pitchFamily="34" charset="-128"/>
-                <a:cs typeface="Arial" panose="020B0604020202020204" pitchFamily="34" charset="0"/>
-              </a:rPr>
-              <a:t>A</a:t>
-            </a:r>
-          </a:p>
-        </p:txBody>
-      </p:sp>
-      <p:sp>
-        <p:nvSpPr>
-          <p:cNvPr id="9" name="TextBox 8">
-            <a:extLst>
-              <a:ext uri="{FF2B5EF4-FFF2-40B4-BE49-F238E27FC236}">
-                <a16:creationId xmlns:a16="http://schemas.microsoft.com/office/drawing/2014/main" id="{E3A326EE-2037-863C-C9A7-623C1EB56194}"/>
-              </a:ext>
-            </a:extLst>
-          </p:cNvPr>
-          <p:cNvSpPr txBox="1"/>
-          <p:nvPr/>
-        </p:nvSpPr>
-        <p:spPr>
-          <a:xfrm>
-            <a:off x="0" y="10000098"/>
-            <a:ext cx="712653" cy="553998"/>
-          </a:xfrm>
-          <a:prstGeom prst="rect">
-            <a:avLst/>
-          </a:prstGeom>
-          <a:noFill/>
-        </p:spPr>
-        <p:txBody>
-          <a:bodyPr wrap="square" rtlCol="0">
-            <a:spAutoFit/>
-          </a:bodyPr>
-          <a:lstStyle/>
-          <a:p>
-            <a:r>
-              <a:rPr lang="en-US" sz="3000" b="1" dirty="0">
-                <a:latin typeface="Arial" panose="020B0604020202020204" pitchFamily="34" charset="0"/>
-                <a:ea typeface="Yu Gothic" panose="020B0400000000000000" pitchFamily="34" charset="-128"/>
-                <a:cs typeface="Arial" panose="020B0604020202020204" pitchFamily="34" charset="0"/>
-              </a:rPr>
-              <a:t>B</a:t>
-            </a:r>
-          </a:p>
-        </p:txBody>
-      </p:sp>
-      <p:sp>
-        <p:nvSpPr>
-          <p:cNvPr id="10" name="TextBox 9">
-            <a:extLst>
-              <a:ext uri="{FF2B5EF4-FFF2-40B4-BE49-F238E27FC236}">
-                <a16:creationId xmlns:a16="http://schemas.microsoft.com/office/drawing/2014/main" id="{E73BA91B-787B-FB99-2479-1173C43D197D}"/>
-              </a:ext>
-            </a:extLst>
-          </p:cNvPr>
-          <p:cNvSpPr txBox="1"/>
-          <p:nvPr/>
-        </p:nvSpPr>
-        <p:spPr>
-          <a:xfrm>
-            <a:off x="0" y="12343050"/>
-            <a:ext cx="712653" cy="553998"/>
-          </a:xfrm>
-          <a:prstGeom prst="rect">
-            <a:avLst/>
-          </a:prstGeom>
-          <a:noFill/>
-        </p:spPr>
-        <p:txBody>
-          <a:bodyPr wrap="square" rtlCol="0">
-            <a:spAutoFit/>
-          </a:bodyPr>
-          <a:lstStyle/>
-          <a:p>
-            <a:r>
-              <a:rPr lang="en-US" sz="3000" b="1" dirty="0">
-                <a:latin typeface="Arial" panose="020B0604020202020204" pitchFamily="34" charset="0"/>
-                <a:ea typeface="Yu Gothic" panose="020B0400000000000000" pitchFamily="34" charset="-128"/>
-                <a:cs typeface="Arial" panose="020B0604020202020204" pitchFamily="34" charset="0"/>
-              </a:rPr>
-              <a:t>C</a:t>
-            </a:r>
-          </a:p>
-        </p:txBody>
-      </p:sp>
-    </p:spTree>
-    <p:extLst>
-      <p:ext uri="{BB962C8B-B14F-4D97-AF65-F5344CB8AC3E}">
-        <p14:creationId xmlns:p14="http://schemas.microsoft.com/office/powerpoint/2010/main" val="1287624721"/>
-      </p:ext>
-    </p:extLst>
-  </p:cSld>
-  <p:clrMapOvr>
-    <a:masterClrMapping/>
-  </p:clrMapOvr>
-</p:sld>
-</file>
-
-<file path=ppt/slides/slide3.xml><?xml version="1.0" encoding="utf-8"?>
+<file path=ppt/slides/slide4.xml><?xml version="1.0" encoding="utf-8"?>
 <p:sld xmlns:a="http://schemas.openxmlformats.org/drawingml/2006/main" xmlns:r="http://schemas.openxmlformats.org/officeDocument/2006/relationships" xmlns:p="http://schemas.openxmlformats.org/presentationml/2006/main">
   <p:cSld>
     <p:spTree>
@@ -21570,7 +22202,7 @@
 </p:sld>
 </file>
 
-<file path=ppt/slides/slide4.xml><?xml version="1.0" encoding="utf-8"?>
+<file path=ppt/slides/slide5.xml><?xml version="1.0" encoding="utf-8"?>
 <p:sld xmlns:a="http://schemas.openxmlformats.org/drawingml/2006/main" xmlns:r="http://schemas.openxmlformats.org/officeDocument/2006/relationships" xmlns:p="http://schemas.openxmlformats.org/presentationml/2006/main">
   <p:cSld>
     <p:spTree>
@@ -25434,7 +26066,7 @@
 </p:sld>
 </file>
 
-<file path=ppt/slides/slide5.xml><?xml version="1.0" encoding="utf-8"?>
+<file path=ppt/slides/slide6.xml><?xml version="1.0" encoding="utf-8"?>
 <p:sld xmlns:a="http://schemas.openxmlformats.org/drawingml/2006/main" xmlns:r="http://schemas.openxmlformats.org/officeDocument/2006/relationships" xmlns:p="http://schemas.openxmlformats.org/presentationml/2006/main">
   <p:cSld>
     <p:spTree>
@@ -25695,7 +26327,73 @@
 </p:sld>
 </file>
 
-<file path=ppt/slides/slide6.xml><?xml version="1.0" encoding="utf-8"?>
+<file path=ppt/slides/slide7.xml><?xml version="1.0" encoding="utf-8"?>
+<p:sld xmlns:a="http://schemas.openxmlformats.org/drawingml/2006/main" xmlns:r="http://schemas.openxmlformats.org/officeDocument/2006/relationships" xmlns:p="http://schemas.openxmlformats.org/presentationml/2006/main">
+  <p:cSld>
+    <p:spTree>
+      <p:nvGrpSpPr>
+        <p:cNvPr id="1" name=""/>
+        <p:cNvGrpSpPr/>
+        <p:nvPr/>
+      </p:nvGrpSpPr>
+      <p:grpSpPr>
+        <a:xfrm>
+          <a:off x="0" y="0"/>
+          <a:ext cx="0" cy="0"/>
+          <a:chOff x="0" y="0"/>
+          <a:chExt cx="0" cy="0"/>
+        </a:xfrm>
+      </p:grpSpPr>
+      <p:pic>
+        <p:nvPicPr>
+          <p:cNvPr id="21" name="Picture 20" descr="A screenshot of a graph&#10;&#10;Description automatically generated">
+            <a:extLst>
+              <a:ext uri="{FF2B5EF4-FFF2-40B4-BE49-F238E27FC236}">
+                <a16:creationId xmlns:a16="http://schemas.microsoft.com/office/drawing/2014/main" id="{98237FB5-660D-F8CD-39CD-48042FC68999}"/>
+              </a:ext>
+            </a:extLst>
+          </p:cNvPr>
+          <p:cNvPicPr>
+            <a:picLocks noChangeAspect="1"/>
+          </p:cNvPicPr>
+          <p:nvPr/>
+        </p:nvPicPr>
+        <p:blipFill>
+          <a:blip r:embed="rId2">
+            <a:extLst>
+              <a:ext uri="{28A0092B-C50C-407E-A947-70E740481C1C}">
+                <a14:useLocalDpi xmlns:a14="http://schemas.microsoft.com/office/drawing/2010/main" val="0"/>
+              </a:ext>
+            </a:extLst>
+          </a:blip>
+          <a:stretch>
+            <a:fillRect/>
+          </a:stretch>
+        </p:blipFill>
+        <p:spPr>
+          <a:xfrm>
+            <a:off x="5257002" y="7543334"/>
+            <a:ext cx="11431595" cy="6668431"/>
+          </a:xfrm>
+          <a:prstGeom prst="rect">
+            <a:avLst/>
+          </a:prstGeom>
+        </p:spPr>
+      </p:pic>
+    </p:spTree>
+    <p:extLst>
+      <p:ext uri="{BB962C8B-B14F-4D97-AF65-F5344CB8AC3E}">
+        <p14:creationId xmlns:p14="http://schemas.microsoft.com/office/powerpoint/2010/main" val="1767038063"/>
+      </p:ext>
+    </p:extLst>
+  </p:cSld>
+  <p:clrMapOvr>
+    <a:masterClrMapping/>
+  </p:clrMapOvr>
+</p:sld>
+</file>
+
+<file path=ppt/slides/slide8.xml><?xml version="1.0" encoding="utf-8"?>
 <p:sld xmlns:a="http://schemas.openxmlformats.org/drawingml/2006/main" xmlns:r="http://schemas.openxmlformats.org/officeDocument/2006/relationships" xmlns:p="http://schemas.openxmlformats.org/presentationml/2006/main">
   <p:cSld>
     <p:spTree>
@@ -25760,7 +26458,7 @@
 </p:sld>
 </file>
 
-<file path=ppt/slides/slide7.xml><?xml version="1.0" encoding="utf-8"?>
+<file path=ppt/slides/slide9.xml><?xml version="1.0" encoding="utf-8"?>
 <p:sld xmlns:a="http://schemas.openxmlformats.org/drawingml/2006/main" xmlns:r="http://schemas.openxmlformats.org/officeDocument/2006/relationships" xmlns:p="http://schemas.openxmlformats.org/presentationml/2006/main">
   <p:cSld>
     <p:spTree>
@@ -29636,241 +30334,6 @@
 </p:sld>
 </file>
 
-<file path=ppt/slides/slide8.xml><?xml version="1.0" encoding="utf-8"?>
-<p:sld xmlns:a="http://schemas.openxmlformats.org/drawingml/2006/main" xmlns:r="http://schemas.openxmlformats.org/officeDocument/2006/relationships" xmlns:p="http://schemas.openxmlformats.org/presentationml/2006/main">
-  <p:cSld>
-    <p:spTree>
-      <p:nvGrpSpPr>
-        <p:cNvPr id="1" name=""/>
-        <p:cNvGrpSpPr/>
-        <p:nvPr/>
-      </p:nvGrpSpPr>
-      <p:grpSpPr>
-        <a:xfrm>
-          <a:off x="0" y="0"/>
-          <a:ext cx="0" cy="0"/>
-          <a:chOff x="0" y="0"/>
-          <a:chExt cx="0" cy="0"/>
-        </a:xfrm>
-      </p:grpSpPr>
-      <p:pic>
-        <p:nvPicPr>
-          <p:cNvPr id="5" name="Picture 4" descr="A picture containing text, screenshot, diagram, line&#10;&#10;Description automatically generated">
-            <a:extLst>
-              <a:ext uri="{FF2B5EF4-FFF2-40B4-BE49-F238E27FC236}">
-                <a16:creationId xmlns:a16="http://schemas.microsoft.com/office/drawing/2014/main" id="{779CD809-7536-DC24-5C61-50396C202178}"/>
-              </a:ext>
-            </a:extLst>
-          </p:cNvPr>
-          <p:cNvPicPr>
-            <a:picLocks noChangeAspect="1"/>
-          </p:cNvPicPr>
-          <p:nvPr/>
-        </p:nvPicPr>
-        <p:blipFill rotWithShape="1">
-          <a:blip r:embed="rId2">
-            <a:extLst>
-              <a:ext uri="{28A0092B-C50C-407E-A947-70E740481C1C}">
-                <a14:useLocalDpi xmlns:a14="http://schemas.microsoft.com/office/drawing/2010/main" val="0"/>
-              </a:ext>
-            </a:extLst>
-          </a:blip>
-          <a:srcRect r="34521"/>
-          <a:stretch/>
-        </p:blipFill>
-        <p:spPr>
-          <a:xfrm>
-            <a:off x="4234046" y="5290773"/>
-            <a:ext cx="6314894" cy="12858750"/>
-          </a:xfrm>
-          <a:prstGeom prst="rect">
-            <a:avLst/>
-          </a:prstGeom>
-        </p:spPr>
-      </p:pic>
-      <p:pic>
-        <p:nvPicPr>
-          <p:cNvPr id="6" name="Picture 5" descr="A picture containing text, screenshot, diagram, line&#10;&#10;Description automatically generated">
-            <a:extLst>
-              <a:ext uri="{FF2B5EF4-FFF2-40B4-BE49-F238E27FC236}">
-                <a16:creationId xmlns:a16="http://schemas.microsoft.com/office/drawing/2014/main" id="{8D4F5922-40FA-A64E-3944-9CA090DC556C}"/>
-              </a:ext>
-            </a:extLst>
-          </p:cNvPr>
-          <p:cNvPicPr>
-            <a:picLocks noChangeAspect="1"/>
-          </p:cNvPicPr>
-          <p:nvPr/>
-        </p:nvPicPr>
-        <p:blipFill rotWithShape="1">
-          <a:blip r:embed="rId2">
-            <a:extLst>
-              <a:ext uri="{28A0092B-C50C-407E-A947-70E740481C1C}">
-                <a14:useLocalDpi xmlns:a14="http://schemas.microsoft.com/office/drawing/2010/main" val="0"/>
-              </a:ext>
-            </a:extLst>
-          </a:blip>
-          <a:srcRect l="66091" t="11487" b="76000"/>
-          <a:stretch/>
-        </p:blipFill>
-        <p:spPr>
-          <a:xfrm>
-            <a:off x="7278749" y="5967779"/>
-            <a:ext cx="3270190" cy="1608994"/>
-          </a:xfrm>
-          <a:prstGeom prst="rect">
-            <a:avLst/>
-          </a:prstGeom>
-        </p:spPr>
-      </p:pic>
-    </p:spTree>
-    <p:extLst>
-      <p:ext uri="{BB962C8B-B14F-4D97-AF65-F5344CB8AC3E}">
-        <p14:creationId xmlns:p14="http://schemas.microsoft.com/office/powerpoint/2010/main" val="3956265726"/>
-      </p:ext>
-    </p:extLst>
-  </p:cSld>
-  <p:clrMapOvr>
-    <a:masterClrMapping/>
-  </p:clrMapOvr>
-</p:sld>
-</file>
-
-<file path=ppt/slides/slide9.xml><?xml version="1.0" encoding="utf-8"?>
-<p:sld xmlns:a="http://schemas.openxmlformats.org/drawingml/2006/main" xmlns:r="http://schemas.openxmlformats.org/officeDocument/2006/relationships" xmlns:p="http://schemas.openxmlformats.org/presentationml/2006/main">
-  <p:cSld>
-    <p:spTree>
-      <p:nvGrpSpPr>
-        <p:cNvPr id="1" name=""/>
-        <p:cNvGrpSpPr/>
-        <p:nvPr/>
-      </p:nvGrpSpPr>
-      <p:grpSpPr>
-        <a:xfrm>
-          <a:off x="0" y="0"/>
-          <a:ext cx="0" cy="0"/>
-          <a:chOff x="0" y="0"/>
-          <a:chExt cx="0" cy="0"/>
-        </a:xfrm>
-      </p:grpSpPr>
-      <p:pic>
-        <p:nvPicPr>
-          <p:cNvPr id="17" name="Picture 16" descr="A black background with a black square&#10;&#10;Description automatically generated">
-            <a:extLst>
-              <a:ext uri="{FF2B5EF4-FFF2-40B4-BE49-F238E27FC236}">
-                <a16:creationId xmlns:a16="http://schemas.microsoft.com/office/drawing/2014/main" id="{22F61B2E-BCBC-32D9-1CFA-AAC0818DEF6A}"/>
-              </a:ext>
-            </a:extLst>
-          </p:cNvPr>
-          <p:cNvPicPr>
-            <a:picLocks noChangeAspect="1"/>
-          </p:cNvPicPr>
-          <p:nvPr/>
-        </p:nvPicPr>
-        <p:blipFill rotWithShape="1">
-          <a:blip r:embed="rId3">
-            <a:extLst>
-              <a:ext uri="{28A0092B-C50C-407E-A947-70E740481C1C}">
-                <a14:useLocalDpi xmlns:a14="http://schemas.microsoft.com/office/drawing/2010/main" val="0"/>
-              </a:ext>
-            </a:extLst>
-          </a:blip>
-          <a:srcRect l="38737" r="19484" b="6693"/>
-          <a:stretch/>
-        </p:blipFill>
-        <p:spPr>
-          <a:xfrm>
-            <a:off x="4005305" y="5699876"/>
-            <a:ext cx="5591133" cy="10871163"/>
-          </a:xfrm>
-          <a:prstGeom prst="rect">
-            <a:avLst/>
-          </a:prstGeom>
-        </p:spPr>
-      </p:pic>
-      <p:pic>
-        <p:nvPicPr>
-          <p:cNvPr id="24" name="Picture 23" descr="A chart of bacteria and viruses&#10;&#10;Description automatically generated">
-            <a:extLst>
-              <a:ext uri="{FF2B5EF4-FFF2-40B4-BE49-F238E27FC236}">
-                <a16:creationId xmlns:a16="http://schemas.microsoft.com/office/drawing/2014/main" id="{60D799C0-A1ED-918D-CC85-047A3B05FE30}"/>
-              </a:ext>
-            </a:extLst>
-          </p:cNvPr>
-          <p:cNvPicPr>
-            <a:picLocks noChangeAspect="1"/>
-          </p:cNvPicPr>
-          <p:nvPr/>
-        </p:nvPicPr>
-        <p:blipFill rotWithShape="1">
-          <a:blip r:embed="rId4">
-            <a:extLst>
-              <a:ext uri="{28A0092B-C50C-407E-A947-70E740481C1C}">
-                <a14:useLocalDpi xmlns:a14="http://schemas.microsoft.com/office/drawing/2010/main" val="0"/>
-              </a:ext>
-            </a:extLst>
-          </a:blip>
-          <a:srcRect r="93779" b="82987"/>
-          <a:stretch/>
-        </p:blipFill>
-        <p:spPr>
-          <a:xfrm rot="10800000">
-            <a:off x="16285074" y="5476045"/>
-            <a:ext cx="444500" cy="2025935"/>
-          </a:xfrm>
-          <a:prstGeom prst="rect">
-            <a:avLst/>
-          </a:prstGeom>
-        </p:spPr>
-      </p:pic>
-      <p:pic>
-        <p:nvPicPr>
-          <p:cNvPr id="3" name="Picture 2" descr="A screenshot of a graph&#10;&#10;Description automatically generated">
-            <a:extLst>
-              <a:ext uri="{FF2B5EF4-FFF2-40B4-BE49-F238E27FC236}">
-                <a16:creationId xmlns:a16="http://schemas.microsoft.com/office/drawing/2014/main" id="{31286943-3F6A-B6D7-6665-18681C7143D5}"/>
-              </a:ext>
-            </a:extLst>
-          </p:cNvPr>
-          <p:cNvPicPr>
-            <a:picLocks noChangeAspect="1"/>
-          </p:cNvPicPr>
-          <p:nvPr/>
-        </p:nvPicPr>
-        <p:blipFill rotWithShape="1">
-          <a:blip r:embed="rId5">
-            <a:extLst>
-              <a:ext uri="{28A0092B-C50C-407E-A947-70E740481C1C}">
-                <a14:useLocalDpi xmlns:a14="http://schemas.microsoft.com/office/drawing/2010/main" val="0"/>
-              </a:ext>
-            </a:extLst>
-          </a:blip>
-          <a:srcRect l="6384"/>
-          <a:stretch/>
-        </p:blipFill>
-        <p:spPr>
-          <a:xfrm>
-            <a:off x="9596437" y="5476045"/>
-            <a:ext cx="6688636" cy="11907911"/>
-          </a:xfrm>
-          <a:prstGeom prst="rect">
-            <a:avLst/>
-          </a:prstGeom>
-        </p:spPr>
-      </p:pic>
-    </p:spTree>
-    <p:extLst>
-      <p:ext uri="{BB962C8B-B14F-4D97-AF65-F5344CB8AC3E}">
-        <p14:creationId xmlns:p14="http://schemas.microsoft.com/office/powerpoint/2010/main" val="2775238939"/>
-      </p:ext>
-    </p:extLst>
-  </p:cSld>
-  <p:clrMapOvr>
-    <a:masterClrMapping/>
-  </p:clrMapOvr>
-</p:sld>
-</file>
-
 <file path=ppt/theme/theme1.xml><?xml version="1.0" encoding="utf-8"?>
 <a:theme xmlns:a="http://schemas.openxmlformats.org/drawingml/2006/main" name="Office Theme">
   <a:themeElements>

--- a/Summary/figures.pptx
+++ b/Summary/figures.pptx
@@ -5,7 +5,7 @@
     <p:sldMasterId id="2147483672" r:id="rId1"/>
   </p:sldMasterIdLst>
   <p:notesMasterIdLst>
-    <p:notesMasterId r:id="rId27"/>
+    <p:notesMasterId r:id="rId33"/>
   </p:notesMasterIdLst>
   <p:sldIdLst>
     <p:sldId id="420" r:id="rId2"/>
@@ -33,6 +33,12 @@
     <p:sldId id="451" r:id="rId24"/>
     <p:sldId id="452" r:id="rId25"/>
     <p:sldId id="453" r:id="rId26"/>
+    <p:sldId id="456" r:id="rId27"/>
+    <p:sldId id="457" r:id="rId28"/>
+    <p:sldId id="458" r:id="rId29"/>
+    <p:sldId id="459" r:id="rId30"/>
+    <p:sldId id="460" r:id="rId31"/>
+    <p:sldId id="461" r:id="rId32"/>
   </p:sldIdLst>
   <p:sldSz cx="22860000" cy="22860000"/>
   <p:notesSz cx="6858000" cy="9144000"/>
@@ -142,7 +148,7 @@
 <file path=ppt/revisionInfo.xml><?xml version="1.0" encoding="utf-8"?>
 <p1510:revInfo xmlns:a="http://schemas.openxmlformats.org/drawingml/2006/main" xmlns:r="http://schemas.openxmlformats.org/officeDocument/2006/relationships" xmlns:p1510="http://schemas.microsoft.com/office/powerpoint/2015/10/main">
   <p1510:revLst>
-    <p1510:client id="{833092D5-9927-4807-BE3E-672C10A7E002}" v="308" dt="2023-09-25T17:55:41.782"/>
+    <p1510:client id="{833092D5-9927-4807-BE3E-672C10A7E002}" v="324" dt="2023-10-05T22:03:29.318"/>
   </p1510:revLst>
 </p1510:revInfo>
 </file>
@@ -192,7 +198,7 @@
   <pc:docChgLst>
     <pc:chgData name="Jonathan Mah" userId="5261b2f2f3e51194" providerId="LiveId" clId="{833092D5-9927-4807-BE3E-672C10A7E002}"/>
     <pc:docChg chg="undo redo custSel addSld delSld modSld sldOrd">
-      <pc:chgData name="Jonathan Mah" userId="5261b2f2f3e51194" providerId="LiveId" clId="{833092D5-9927-4807-BE3E-672C10A7E002}" dt="2023-09-25T17:55:43.775" v="3702" actId="1076"/>
+      <pc:chgData name="Jonathan Mah" userId="5261b2f2f3e51194" providerId="LiveId" clId="{833092D5-9927-4807-BE3E-672C10A7E002}" dt="2023-10-06T00:13:54.081" v="3749" actId="1076"/>
       <pc:docMkLst>
         <pc:docMk/>
       </pc:docMkLst>
@@ -4441,7 +4447,7 @@
         </pc:picChg>
       </pc:sldChg>
       <pc:sldChg chg="addSp delSp modSp new mod">
-        <pc:chgData name="Jonathan Mah" userId="5261b2f2f3e51194" providerId="LiveId" clId="{833092D5-9927-4807-BE3E-672C10A7E002}" dt="2023-09-06T23:43:51.321" v="3556" actId="1035"/>
+        <pc:chgData name="Jonathan Mah" userId="5261b2f2f3e51194" providerId="LiveId" clId="{833092D5-9927-4807-BE3E-672C10A7E002}" dt="2023-10-06T00:13:54.081" v="3749" actId="1076"/>
         <pc:sldMkLst>
           <pc:docMk/>
           <pc:sldMk cId="3690159507" sldId="425"/>
@@ -4502,6 +4508,14 @@
             <ac:spMk id="10" creationId="{4D7692BF-9251-A594-95CD-EA81867F6D67}"/>
           </ac:spMkLst>
         </pc:spChg>
+        <pc:picChg chg="add del mod">
+          <ac:chgData name="Jonathan Mah" userId="5261b2f2f3e51194" providerId="LiveId" clId="{833092D5-9927-4807-BE3E-672C10A7E002}" dt="2023-10-05T21:59:35.853" v="3723" actId="478"/>
+          <ac:picMkLst>
+            <pc:docMk/>
+            <pc:sldMk cId="3690159507" sldId="425"/>
+            <ac:picMk id="3" creationId="{89040A80-B777-77DD-00BD-319006296979}"/>
+          </ac:picMkLst>
+        </pc:picChg>
         <pc:picChg chg="add del mod ord">
           <ac:chgData name="Jonathan Mah" userId="5261b2f2f3e51194" providerId="LiveId" clId="{833092D5-9927-4807-BE3E-672C10A7E002}" dt="2023-07-05T18:25:58.131" v="1967" actId="478"/>
           <ac:picMkLst>
@@ -4542,6 +4556,14 @@
             <ac:picMk id="5" creationId="{2B7591D3-B0A6-2321-FF9B-0FE0E1307AD0}"/>
           </ac:picMkLst>
         </pc:picChg>
+        <pc:picChg chg="add del mod ord">
+          <ac:chgData name="Jonathan Mah" userId="5261b2f2f3e51194" providerId="LiveId" clId="{833092D5-9927-4807-BE3E-672C10A7E002}" dt="2023-10-05T22:01:13.187" v="3727" actId="478"/>
+          <ac:picMkLst>
+            <pc:docMk/>
+            <pc:sldMk cId="3690159507" sldId="425"/>
+            <ac:picMk id="5" creationId="{792EFAF8-84EA-E253-D76E-55897E18CAC0}"/>
+          </ac:picMkLst>
+        </pc:picChg>
         <pc:picChg chg="add del">
           <ac:chgData name="Jonathan Mah" userId="5261b2f2f3e51194" providerId="LiveId" clId="{833092D5-9927-4807-BE3E-672C10A7E002}" dt="2023-06-28T21:03:36.242" v="1745" actId="478"/>
           <ac:picMkLst>
@@ -4550,8 +4572,8 @@
             <ac:picMk id="5" creationId="{F078F9C3-92EB-F9F2-A4E4-977B20ABD6A6}"/>
           </ac:picMkLst>
         </pc:picChg>
-        <pc:picChg chg="add mod ord">
-          <ac:chgData name="Jonathan Mah" userId="5261b2f2f3e51194" providerId="LiveId" clId="{833092D5-9927-4807-BE3E-672C10A7E002}" dt="2023-09-06T23:43:51.321" v="3556" actId="1035"/>
+        <pc:picChg chg="add del mod ord">
+          <ac:chgData name="Jonathan Mah" userId="5261b2f2f3e51194" providerId="LiveId" clId="{833092D5-9927-4807-BE3E-672C10A7E002}" dt="2023-10-05T22:00:39.923" v="3724" actId="478"/>
           <ac:picMkLst>
             <pc:docMk/>
             <pc:sldMk cId="3690159507" sldId="425"/>
@@ -4574,12 +4596,28 @@
             <ac:picMk id="12" creationId="{93158C25-725B-B62F-68DD-FC42C68AC8D8}"/>
           </ac:picMkLst>
         </pc:picChg>
+        <pc:picChg chg="add del mod ord">
+          <ac:chgData name="Jonathan Mah" userId="5261b2f2f3e51194" providerId="LiveId" clId="{833092D5-9927-4807-BE3E-672C10A7E002}" dt="2023-10-05T22:03:21.042" v="3733" actId="478"/>
+          <ac:picMkLst>
+            <pc:docMk/>
+            <pc:sldMk cId="3690159507" sldId="425"/>
+            <ac:picMk id="13" creationId="{5373F150-8966-558F-9A20-34C9A79A3DE5}"/>
+          </ac:picMkLst>
+        </pc:picChg>
         <pc:picChg chg="add del mod">
           <ac:chgData name="Jonathan Mah" userId="5261b2f2f3e51194" providerId="LiveId" clId="{833092D5-9927-4807-BE3E-672C10A7E002}" dt="2023-06-28T23:51:12.349" v="1794" actId="478"/>
           <ac:picMkLst>
             <pc:docMk/>
             <pc:sldMk cId="3690159507" sldId="425"/>
             <ac:picMk id="14" creationId="{55C4AF18-9652-A6CE-3730-FB94C8A694A5}"/>
+          </ac:picMkLst>
+        </pc:picChg>
+        <pc:picChg chg="add mod ord">
+          <ac:chgData name="Jonathan Mah" userId="5261b2f2f3e51194" providerId="LiveId" clId="{833092D5-9927-4807-BE3E-672C10A7E002}" dt="2023-10-06T00:13:54.081" v="3749" actId="1076"/>
+          <ac:picMkLst>
+            <pc:docMk/>
+            <pc:sldMk cId="3690159507" sldId="425"/>
+            <ac:picMk id="15" creationId="{15B7A2D7-94AC-3739-DF87-A6B2AB78F166}"/>
           </ac:picMkLst>
         </pc:picChg>
         <pc:picChg chg="add del mod ord">
@@ -5595,7 +5633,7 @@
         </pc:picChg>
       </pc:sldChg>
       <pc:sldChg chg="addSp delSp modSp new mod">
-        <pc:chgData name="Jonathan Mah" userId="5261b2f2f3e51194" providerId="LiveId" clId="{833092D5-9927-4807-BE3E-672C10A7E002}" dt="2023-08-02T18:41:28.497" v="2833" actId="20577"/>
+        <pc:chgData name="Jonathan Mah" userId="5261b2f2f3e51194" providerId="LiveId" clId="{833092D5-9927-4807-BE3E-672C10A7E002}" dt="2023-10-05T21:58:43.087" v="3720" actId="478"/>
         <pc:sldMkLst>
           <pc:docMk/>
           <pc:sldMk cId="1025585485" sldId="438"/>
@@ -5680,6 +5718,14 @@
             <ac:spMk id="34" creationId="{C0CAA44D-4916-7B0E-0415-A928E1C3E6EE}"/>
           </ac:spMkLst>
         </pc:spChg>
+        <pc:picChg chg="add del mod">
+          <ac:chgData name="Jonathan Mah" userId="5261b2f2f3e51194" providerId="LiveId" clId="{833092D5-9927-4807-BE3E-672C10A7E002}" dt="2023-10-05T21:58:42.636" v="3719" actId="931"/>
+          <ac:picMkLst>
+            <pc:docMk/>
+            <pc:sldMk cId="1025585485" sldId="438"/>
+            <ac:picMk id="3" creationId="{884C19C1-458E-428C-3B0D-B86ECE5099BA}"/>
+          </ac:picMkLst>
+        </pc:picChg>
         <pc:picChg chg="add del mod">
           <ac:chgData name="Jonathan Mah" userId="5261b2f2f3e51194" providerId="LiveId" clId="{833092D5-9927-4807-BE3E-672C10A7E002}" dt="2023-08-02T18:21:15.108" v="2678" actId="478"/>
           <ac:picMkLst>
@@ -5792,8 +5838,8 @@
             <ac:picMk id="24" creationId="{43AB49EB-214D-8AAA-CE4F-67E3A6EF0C7A}"/>
           </ac:picMkLst>
         </pc:picChg>
-        <pc:picChg chg="add mod ord">
-          <ac:chgData name="Jonathan Mah" userId="5261b2f2f3e51194" providerId="LiveId" clId="{833092D5-9927-4807-BE3E-672C10A7E002}" dt="2023-08-02T18:38:36.491" v="2733" actId="167"/>
+        <pc:picChg chg="add del mod ord">
+          <ac:chgData name="Jonathan Mah" userId="5261b2f2f3e51194" providerId="LiveId" clId="{833092D5-9927-4807-BE3E-672C10A7E002}" dt="2023-10-05T21:58:43.087" v="3720" actId="478"/>
           <ac:picMkLst>
             <pc:docMk/>
             <pc:sldMk cId="1025585485" sldId="438"/>
@@ -6866,8 +6912,8 @@
           </ac:picMkLst>
         </pc:picChg>
       </pc:sldChg>
-      <pc:sldChg chg="delSp new mod">
-        <pc:chgData name="Jonathan Mah" userId="5261b2f2f3e51194" providerId="LiveId" clId="{833092D5-9927-4807-BE3E-672C10A7E002}" dt="2023-09-18T20:13:07.248" v="3630" actId="478"/>
+      <pc:sldChg chg="addSp delSp modSp new mod">
+        <pc:chgData name="Jonathan Mah" userId="5261b2f2f3e51194" providerId="LiveId" clId="{833092D5-9927-4807-BE3E-672C10A7E002}" dt="2023-10-03T17:22:33.133" v="3714" actId="931"/>
         <pc:sldMkLst>
           <pc:docMk/>
           <pc:sldMk cId="3734765804" sldId="453"/>
@@ -6888,6 +6934,30 @@
             <ac:spMk id="3" creationId="{5A9FC7E2-16E1-8CE9-8F1B-C1AC67E68075}"/>
           </ac:spMkLst>
         </pc:spChg>
+        <pc:picChg chg="add del mod">
+          <ac:chgData name="Jonathan Mah" userId="5261b2f2f3e51194" providerId="LiveId" clId="{833092D5-9927-4807-BE3E-672C10A7E002}" dt="2023-10-03T17:21:25.633" v="3711" actId="478"/>
+          <ac:picMkLst>
+            <pc:docMk/>
+            <pc:sldMk cId="3734765804" sldId="453"/>
+            <ac:picMk id="3" creationId="{226F07FB-40D9-515E-8E4C-0CE984719BE5}"/>
+          </ac:picMkLst>
+        </pc:picChg>
+        <pc:picChg chg="add del mod">
+          <ac:chgData name="Jonathan Mah" userId="5261b2f2f3e51194" providerId="LiveId" clId="{833092D5-9927-4807-BE3E-672C10A7E002}" dt="2023-10-03T17:22:28.580" v="3713" actId="478"/>
+          <ac:picMkLst>
+            <pc:docMk/>
+            <pc:sldMk cId="3734765804" sldId="453"/>
+            <ac:picMk id="5" creationId="{7B6D1D5D-3FBA-4845-64E3-DFE627D293D0}"/>
+          </ac:picMkLst>
+        </pc:picChg>
+        <pc:picChg chg="add mod">
+          <ac:chgData name="Jonathan Mah" userId="5261b2f2f3e51194" providerId="LiveId" clId="{833092D5-9927-4807-BE3E-672C10A7E002}" dt="2023-10-03T17:22:33.133" v="3714" actId="931"/>
+          <ac:picMkLst>
+            <pc:docMk/>
+            <pc:sldMk cId="3734765804" sldId="453"/>
+            <ac:picMk id="7" creationId="{DC2A0D2E-27A3-F6E9-CED9-5056936258A6}"/>
+          </ac:picMkLst>
+        </pc:picChg>
       </pc:sldChg>
       <pc:sldChg chg="addSp delSp modSp new mod">
         <pc:chgData name="Jonathan Mah" userId="5261b2f2f3e51194" providerId="LiveId" clId="{833092D5-9927-4807-BE3E-672C10A7E002}" dt="2023-09-22T17:31:35.652" v="3677" actId="1076"/>
@@ -7014,6 +7084,56 @@
             <ac:picMk id="21" creationId="{98237FB5-660D-F8CD-39CD-48042FC68999}"/>
           </ac:picMkLst>
         </pc:picChg>
+      </pc:sldChg>
+      <pc:sldChg chg="addSp modSp add mod">
+        <pc:chgData name="Jonathan Mah" userId="5261b2f2f3e51194" providerId="LiveId" clId="{833092D5-9927-4807-BE3E-672C10A7E002}" dt="2023-10-03T21:23:39.046" v="3716" actId="1076"/>
+        <pc:sldMkLst>
+          <pc:docMk/>
+          <pc:sldMk cId="2098746185" sldId="456"/>
+        </pc:sldMkLst>
+        <pc:picChg chg="add mod">
+          <ac:chgData name="Jonathan Mah" userId="5261b2f2f3e51194" providerId="LiveId" clId="{833092D5-9927-4807-BE3E-672C10A7E002}" dt="2023-10-03T21:23:39.046" v="3716" actId="1076"/>
+          <ac:picMkLst>
+            <pc:docMk/>
+            <pc:sldMk cId="2098746185" sldId="456"/>
+            <ac:picMk id="3" creationId="{59A03E0A-9FE4-004A-F62B-1A2BE7F6B001}"/>
+          </ac:picMkLst>
+        </pc:picChg>
+      </pc:sldChg>
+      <pc:sldChg chg="add">
+        <pc:chgData name="Jonathan Mah" userId="5261b2f2f3e51194" providerId="LiveId" clId="{833092D5-9927-4807-BE3E-672C10A7E002}" dt="2023-10-03T17:18:47.806" v="3704"/>
+        <pc:sldMkLst>
+          <pc:docMk/>
+          <pc:sldMk cId="3606136103" sldId="457"/>
+        </pc:sldMkLst>
+      </pc:sldChg>
+      <pc:sldChg chg="add">
+        <pc:chgData name="Jonathan Mah" userId="5261b2f2f3e51194" providerId="LiveId" clId="{833092D5-9927-4807-BE3E-672C10A7E002}" dt="2023-10-03T17:18:47.973" v="3705"/>
+        <pc:sldMkLst>
+          <pc:docMk/>
+          <pc:sldMk cId="2839755505" sldId="458"/>
+        </pc:sldMkLst>
+      </pc:sldChg>
+      <pc:sldChg chg="add">
+        <pc:chgData name="Jonathan Mah" userId="5261b2f2f3e51194" providerId="LiveId" clId="{833092D5-9927-4807-BE3E-672C10A7E002}" dt="2023-10-03T17:18:48.113" v="3706"/>
+        <pc:sldMkLst>
+          <pc:docMk/>
+          <pc:sldMk cId="3270000141" sldId="459"/>
+        </pc:sldMkLst>
+      </pc:sldChg>
+      <pc:sldChg chg="add">
+        <pc:chgData name="Jonathan Mah" userId="5261b2f2f3e51194" providerId="LiveId" clId="{833092D5-9927-4807-BE3E-672C10A7E002}" dt="2023-10-03T17:18:48.252" v="3707"/>
+        <pc:sldMkLst>
+          <pc:docMk/>
+          <pc:sldMk cId="1334374382" sldId="460"/>
+        </pc:sldMkLst>
+      </pc:sldChg>
+      <pc:sldChg chg="add">
+        <pc:chgData name="Jonathan Mah" userId="5261b2f2f3e51194" providerId="LiveId" clId="{833092D5-9927-4807-BE3E-672C10A7E002}" dt="2023-10-03T17:18:48.397" v="3708"/>
+        <pc:sldMkLst>
+          <pc:docMk/>
+          <pc:sldMk cId="603531214" sldId="461"/>
+        </pc:sldMkLst>
       </pc:sldChg>
     </pc:docChg>
   </pc:docChgLst>
@@ -7102,7 +7222,7 @@
           <a:p>
             <a:fld id="{224F4B04-6A50-4A51-B675-D86EC6563060}" type="datetimeFigureOut">
               <a:rPr lang="en-US" smtClean="0"/>
-              <a:t>9/25/2023</a:t>
+              <a:t>10/5/2023</a:t>
             </a:fld>
             <a:endParaRPr lang="en-US"/>
           </a:p>
@@ -8162,7 +8282,7 @@
           <a:p>
             <a:fld id="{54E435BD-4569-4C00-96FD-DE6EEAA430DA}" type="datetimeFigureOut">
               <a:rPr lang="en-US" smtClean="0"/>
-              <a:t>9/25/2023</a:t>
+              <a:t>10/5/2023</a:t>
             </a:fld>
             <a:endParaRPr lang="en-US"/>
           </a:p>
@@ -8332,7 +8452,7 @@
           <a:p>
             <a:fld id="{54E435BD-4569-4C00-96FD-DE6EEAA430DA}" type="datetimeFigureOut">
               <a:rPr lang="en-US" smtClean="0"/>
-              <a:t>9/25/2023</a:t>
+              <a:t>10/5/2023</a:t>
             </a:fld>
             <a:endParaRPr lang="en-US"/>
           </a:p>
@@ -8512,7 +8632,7 @@
           <a:p>
             <a:fld id="{54E435BD-4569-4C00-96FD-DE6EEAA430DA}" type="datetimeFigureOut">
               <a:rPr lang="en-US" smtClean="0"/>
-              <a:t>9/25/2023</a:t>
+              <a:t>10/5/2023</a:t>
             </a:fld>
             <a:endParaRPr lang="en-US"/>
           </a:p>
@@ -8682,7 +8802,7 @@
           <a:p>
             <a:fld id="{54E435BD-4569-4C00-96FD-DE6EEAA430DA}" type="datetimeFigureOut">
               <a:rPr lang="en-US" smtClean="0"/>
-              <a:t>9/25/2023</a:t>
+              <a:t>10/5/2023</a:t>
             </a:fld>
             <a:endParaRPr lang="en-US"/>
           </a:p>
@@ -8926,7 +9046,7 @@
           <a:p>
             <a:fld id="{54E435BD-4569-4C00-96FD-DE6EEAA430DA}" type="datetimeFigureOut">
               <a:rPr lang="en-US" smtClean="0"/>
-              <a:t>9/25/2023</a:t>
+              <a:t>10/5/2023</a:t>
             </a:fld>
             <a:endParaRPr lang="en-US"/>
           </a:p>
@@ -9158,7 +9278,7 @@
           <a:p>
             <a:fld id="{54E435BD-4569-4C00-96FD-DE6EEAA430DA}" type="datetimeFigureOut">
               <a:rPr lang="en-US" smtClean="0"/>
-              <a:t>9/25/2023</a:t>
+              <a:t>10/5/2023</a:t>
             </a:fld>
             <a:endParaRPr lang="en-US"/>
           </a:p>
@@ -9525,7 +9645,7 @@
           <a:p>
             <a:fld id="{54E435BD-4569-4C00-96FD-DE6EEAA430DA}" type="datetimeFigureOut">
               <a:rPr lang="en-US" smtClean="0"/>
-              <a:t>9/25/2023</a:t>
+              <a:t>10/5/2023</a:t>
             </a:fld>
             <a:endParaRPr lang="en-US"/>
           </a:p>
@@ -9643,7 +9763,7 @@
           <a:p>
             <a:fld id="{54E435BD-4569-4C00-96FD-DE6EEAA430DA}" type="datetimeFigureOut">
               <a:rPr lang="en-US" smtClean="0"/>
-              <a:t>9/25/2023</a:t>
+              <a:t>10/5/2023</a:t>
             </a:fld>
             <a:endParaRPr lang="en-US"/>
           </a:p>
@@ -9738,7 +9858,7 @@
           <a:p>
             <a:fld id="{54E435BD-4569-4C00-96FD-DE6EEAA430DA}" type="datetimeFigureOut">
               <a:rPr lang="en-US" smtClean="0"/>
-              <a:t>9/25/2023</a:t>
+              <a:t>10/5/2023</a:t>
             </a:fld>
             <a:endParaRPr lang="en-US"/>
           </a:p>
@@ -10015,7 +10135,7 @@
           <a:p>
             <a:fld id="{54E435BD-4569-4C00-96FD-DE6EEAA430DA}" type="datetimeFigureOut">
               <a:rPr lang="en-US" smtClean="0"/>
-              <a:t>9/25/2023</a:t>
+              <a:t>10/5/2023</a:t>
             </a:fld>
             <a:endParaRPr lang="en-US"/>
           </a:p>
@@ -10272,7 +10392,7 @@
           <a:p>
             <a:fld id="{54E435BD-4569-4C00-96FD-DE6EEAA430DA}" type="datetimeFigureOut">
               <a:rPr lang="en-US" smtClean="0"/>
-              <a:t>9/25/2023</a:t>
+              <a:t>10/5/2023</a:t>
             </a:fld>
             <a:endParaRPr lang="en-US"/>
           </a:p>
@@ -10485,7 +10605,7 @@
           <a:p>
             <a:fld id="{54E435BD-4569-4C00-96FD-DE6EEAA430DA}" type="datetimeFigureOut">
               <a:rPr lang="en-US" smtClean="0"/>
-              <a:t>9/25/2023</a:t>
+              <a:t>10/5/2023</a:t>
             </a:fld>
             <a:endParaRPr lang="en-US"/>
           </a:p>
@@ -13749,10 +13869,202 @@
           <a:chExt cx="0" cy="0"/>
         </a:xfrm>
       </p:grpSpPr>
+      <p:pic>
+        <p:nvPicPr>
+          <p:cNvPr id="7" name="Picture 6" descr="A graph with numbers and a number of data&#10;&#10;Description automatically generated with medium confidence">
+            <a:extLst>
+              <a:ext uri="{FF2B5EF4-FFF2-40B4-BE49-F238E27FC236}">
+                <a16:creationId xmlns:a16="http://schemas.microsoft.com/office/drawing/2014/main" id="{DC2A0D2E-27A3-F6E9-CED9-5056936258A6}"/>
+              </a:ext>
+            </a:extLst>
+          </p:cNvPr>
+          <p:cNvPicPr>
+            <a:picLocks noChangeAspect="1"/>
+          </p:cNvPicPr>
+          <p:nvPr/>
+        </p:nvPicPr>
+        <p:blipFill>
+          <a:blip r:embed="rId2">
+            <a:extLst>
+              <a:ext uri="{28A0092B-C50C-407E-A947-70E740481C1C}">
+                <a14:useLocalDpi xmlns:a14="http://schemas.microsoft.com/office/drawing/2010/main" val="0"/>
+              </a:ext>
+            </a:extLst>
+          </a:blip>
+          <a:stretch>
+            <a:fillRect/>
+          </a:stretch>
+        </p:blipFill>
+        <p:spPr>
+          <a:xfrm>
+            <a:off x="5714202" y="5714202"/>
+            <a:ext cx="11431595" cy="11431595"/>
+          </a:xfrm>
+          <a:prstGeom prst="rect">
+            <a:avLst/>
+          </a:prstGeom>
+        </p:spPr>
+      </p:pic>
     </p:spTree>
     <p:extLst>
       <p:ext uri="{BB962C8B-B14F-4D97-AF65-F5344CB8AC3E}">
         <p14:creationId xmlns:p14="http://schemas.microsoft.com/office/powerpoint/2010/main" val="3734765804"/>
+      </p:ext>
+    </p:extLst>
+  </p:cSld>
+  <p:clrMapOvr>
+    <a:masterClrMapping/>
+  </p:clrMapOvr>
+</p:sld>
+</file>
+
+<file path=ppt/slides/slide26.xml><?xml version="1.0" encoding="utf-8"?>
+<p:sld xmlns:a="http://schemas.openxmlformats.org/drawingml/2006/main" xmlns:r="http://schemas.openxmlformats.org/officeDocument/2006/relationships" xmlns:p="http://schemas.openxmlformats.org/presentationml/2006/main">
+  <p:cSld>
+    <p:spTree>
+      <p:nvGrpSpPr>
+        <p:cNvPr id="1" name=""/>
+        <p:cNvGrpSpPr/>
+        <p:nvPr/>
+      </p:nvGrpSpPr>
+      <p:grpSpPr>
+        <a:xfrm>
+          <a:off x="0" y="0"/>
+          <a:ext cx="0" cy="0"/>
+          <a:chOff x="0" y="0"/>
+          <a:chExt cx="0" cy="0"/>
+        </a:xfrm>
+      </p:grpSpPr>
+      <p:pic>
+        <p:nvPicPr>
+          <p:cNvPr id="3" name="Picture 2" descr="A chart with colorful lines and text&#10;&#10;Description automatically generated with medium confidence">
+            <a:extLst>
+              <a:ext uri="{FF2B5EF4-FFF2-40B4-BE49-F238E27FC236}">
+                <a16:creationId xmlns:a16="http://schemas.microsoft.com/office/drawing/2014/main" id="{59A03E0A-9FE4-004A-F62B-1A2BE7F6B001}"/>
+              </a:ext>
+            </a:extLst>
+          </p:cNvPr>
+          <p:cNvPicPr>
+            <a:picLocks noChangeAspect="1"/>
+          </p:cNvPicPr>
+          <p:nvPr/>
+        </p:nvPicPr>
+        <p:blipFill>
+          <a:blip r:embed="rId2">
+            <a:extLst>
+              <a:ext uri="{28A0092B-C50C-407E-A947-70E740481C1C}">
+                <a14:useLocalDpi xmlns:a14="http://schemas.microsoft.com/office/drawing/2010/main" val="0"/>
+              </a:ext>
+            </a:extLst>
+          </a:blip>
+          <a:stretch>
+            <a:fillRect/>
+          </a:stretch>
+        </p:blipFill>
+        <p:spPr>
+          <a:xfrm>
+            <a:off x="7619468" y="4475337"/>
+            <a:ext cx="7621064" cy="11431595"/>
+          </a:xfrm>
+          <a:prstGeom prst="rect">
+            <a:avLst/>
+          </a:prstGeom>
+        </p:spPr>
+      </p:pic>
+    </p:spTree>
+    <p:extLst>
+      <p:ext uri="{BB962C8B-B14F-4D97-AF65-F5344CB8AC3E}">
+        <p14:creationId xmlns:p14="http://schemas.microsoft.com/office/powerpoint/2010/main" val="2098746185"/>
+      </p:ext>
+    </p:extLst>
+  </p:cSld>
+  <p:clrMapOvr>
+    <a:masterClrMapping/>
+  </p:clrMapOvr>
+</p:sld>
+</file>
+
+<file path=ppt/slides/slide27.xml><?xml version="1.0" encoding="utf-8"?>
+<p:sld xmlns:a="http://schemas.openxmlformats.org/drawingml/2006/main" xmlns:r="http://schemas.openxmlformats.org/officeDocument/2006/relationships" xmlns:p="http://schemas.openxmlformats.org/presentationml/2006/main">
+  <p:cSld>
+    <p:spTree>
+      <p:nvGrpSpPr>
+        <p:cNvPr id="1" name=""/>
+        <p:cNvGrpSpPr/>
+        <p:nvPr/>
+      </p:nvGrpSpPr>
+      <p:grpSpPr>
+        <a:xfrm>
+          <a:off x="0" y="0"/>
+          <a:ext cx="0" cy="0"/>
+          <a:chOff x="0" y="0"/>
+          <a:chExt cx="0" cy="0"/>
+        </a:xfrm>
+      </p:grpSpPr>
+    </p:spTree>
+    <p:extLst>
+      <p:ext uri="{BB962C8B-B14F-4D97-AF65-F5344CB8AC3E}">
+        <p14:creationId xmlns:p14="http://schemas.microsoft.com/office/powerpoint/2010/main" val="3606136103"/>
+      </p:ext>
+    </p:extLst>
+  </p:cSld>
+  <p:clrMapOvr>
+    <a:masterClrMapping/>
+  </p:clrMapOvr>
+</p:sld>
+</file>
+
+<file path=ppt/slides/slide28.xml><?xml version="1.0" encoding="utf-8"?>
+<p:sld xmlns:a="http://schemas.openxmlformats.org/drawingml/2006/main" xmlns:r="http://schemas.openxmlformats.org/officeDocument/2006/relationships" xmlns:p="http://schemas.openxmlformats.org/presentationml/2006/main">
+  <p:cSld>
+    <p:spTree>
+      <p:nvGrpSpPr>
+        <p:cNvPr id="1" name=""/>
+        <p:cNvGrpSpPr/>
+        <p:nvPr/>
+      </p:nvGrpSpPr>
+      <p:grpSpPr>
+        <a:xfrm>
+          <a:off x="0" y="0"/>
+          <a:ext cx="0" cy="0"/>
+          <a:chOff x="0" y="0"/>
+          <a:chExt cx="0" cy="0"/>
+        </a:xfrm>
+      </p:grpSpPr>
+    </p:spTree>
+    <p:extLst>
+      <p:ext uri="{BB962C8B-B14F-4D97-AF65-F5344CB8AC3E}">
+        <p14:creationId xmlns:p14="http://schemas.microsoft.com/office/powerpoint/2010/main" val="2839755505"/>
+      </p:ext>
+    </p:extLst>
+  </p:cSld>
+  <p:clrMapOvr>
+    <a:masterClrMapping/>
+  </p:clrMapOvr>
+</p:sld>
+</file>
+
+<file path=ppt/slides/slide29.xml><?xml version="1.0" encoding="utf-8"?>
+<p:sld xmlns:a="http://schemas.openxmlformats.org/drawingml/2006/main" xmlns:r="http://schemas.openxmlformats.org/officeDocument/2006/relationships" xmlns:p="http://schemas.openxmlformats.org/presentationml/2006/main">
+  <p:cSld>
+    <p:spTree>
+      <p:nvGrpSpPr>
+        <p:cNvPr id="1" name=""/>
+        <p:cNvGrpSpPr/>
+        <p:nvPr/>
+      </p:nvGrpSpPr>
+      <p:grpSpPr>
+        <a:xfrm>
+          <a:off x="0" y="0"/>
+          <a:ext cx="0" cy="0"/>
+          <a:chOff x="0" y="0"/>
+          <a:chExt cx="0" cy="0"/>
+        </a:xfrm>
+      </p:grpSpPr>
+    </p:spTree>
+    <p:extLst>
+      <p:ext uri="{BB962C8B-B14F-4D97-AF65-F5344CB8AC3E}">
+        <p14:creationId xmlns:p14="http://schemas.microsoft.com/office/powerpoint/2010/main" val="3270000141"/>
       </p:ext>
     </p:extLst>
   </p:cSld>
@@ -19232,6 +19544,66 @@
 </p:sld>
 </file>
 
+<file path=ppt/slides/slide30.xml><?xml version="1.0" encoding="utf-8"?>
+<p:sld xmlns:a="http://schemas.openxmlformats.org/drawingml/2006/main" xmlns:r="http://schemas.openxmlformats.org/officeDocument/2006/relationships" xmlns:p="http://schemas.openxmlformats.org/presentationml/2006/main">
+  <p:cSld>
+    <p:spTree>
+      <p:nvGrpSpPr>
+        <p:cNvPr id="1" name=""/>
+        <p:cNvGrpSpPr/>
+        <p:nvPr/>
+      </p:nvGrpSpPr>
+      <p:grpSpPr>
+        <a:xfrm>
+          <a:off x="0" y="0"/>
+          <a:ext cx="0" cy="0"/>
+          <a:chOff x="0" y="0"/>
+          <a:chExt cx="0" cy="0"/>
+        </a:xfrm>
+      </p:grpSpPr>
+    </p:spTree>
+    <p:extLst>
+      <p:ext uri="{BB962C8B-B14F-4D97-AF65-F5344CB8AC3E}">
+        <p14:creationId xmlns:p14="http://schemas.microsoft.com/office/powerpoint/2010/main" val="1334374382"/>
+      </p:ext>
+    </p:extLst>
+  </p:cSld>
+  <p:clrMapOvr>
+    <a:masterClrMapping/>
+  </p:clrMapOvr>
+</p:sld>
+</file>
+
+<file path=ppt/slides/slide31.xml><?xml version="1.0" encoding="utf-8"?>
+<p:sld xmlns:a="http://schemas.openxmlformats.org/drawingml/2006/main" xmlns:r="http://schemas.openxmlformats.org/officeDocument/2006/relationships" xmlns:p="http://schemas.openxmlformats.org/presentationml/2006/main">
+  <p:cSld>
+    <p:spTree>
+      <p:nvGrpSpPr>
+        <p:cNvPr id="1" name=""/>
+        <p:cNvGrpSpPr/>
+        <p:nvPr/>
+      </p:nvGrpSpPr>
+      <p:grpSpPr>
+        <a:xfrm>
+          <a:off x="0" y="0"/>
+          <a:ext cx="0" cy="0"/>
+          <a:chOff x="0" y="0"/>
+          <a:chExt cx="0" cy="0"/>
+        </a:xfrm>
+      </p:grpSpPr>
+    </p:spTree>
+    <p:extLst>
+      <p:ext uri="{BB962C8B-B14F-4D97-AF65-F5344CB8AC3E}">
+        <p14:creationId xmlns:p14="http://schemas.microsoft.com/office/powerpoint/2010/main" val="603531214"/>
+      </p:ext>
+    </p:extLst>
+  </p:cSld>
+  <p:clrMapOvr>
+    <a:masterClrMapping/>
+  </p:clrMapOvr>
+</p:sld>
+</file>
+
 <file path=ppt/slides/slide4.xml><?xml version="1.0" encoding="utf-8"?>
 <p:sld xmlns:a="http://schemas.openxmlformats.org/drawingml/2006/main" xmlns:r="http://schemas.openxmlformats.org/officeDocument/2006/relationships" xmlns:p="http://schemas.openxmlformats.org/presentationml/2006/main">
   <p:cSld>
@@ -26085,10 +26457,10 @@
       </p:grpSpPr>
       <p:pic>
         <p:nvPicPr>
-          <p:cNvPr id="11" name="Picture 10" descr="A blue and red diagram&#10;&#10;Description automatically generated with medium confidence">
+          <p:cNvPr id="15" name="Picture 14" descr="A diagram of a blue box&#10;&#10;Description automatically generated with medium confidence">
             <a:extLst>
               <a:ext uri="{FF2B5EF4-FFF2-40B4-BE49-F238E27FC236}">
-                <a16:creationId xmlns:a16="http://schemas.microsoft.com/office/drawing/2014/main" id="{1025E53C-4161-BDC3-5C88-0F5EDD32E92E}"/>
+                <a16:creationId xmlns:a16="http://schemas.microsoft.com/office/drawing/2014/main" id="{15B7A2D7-94AC-3739-DF87-A6B2AB78F166}"/>
               </a:ext>
             </a:extLst>
           </p:cNvPr>
@@ -26111,7 +26483,7 @@
         </p:blipFill>
         <p:spPr>
           <a:xfrm>
-            <a:off x="0" y="6507092"/>
+            <a:off x="0" y="6563498"/>
             <a:ext cx="19052659" cy="8573696"/>
           </a:xfrm>
           <a:prstGeom prst="rect">

--- a/Summary/figures.pptx
+++ b/Summary/figures.pptx
@@ -148,7 +148,7 @@
 <file path=ppt/revisionInfo.xml><?xml version="1.0" encoding="utf-8"?>
 <p1510:revInfo xmlns:a="http://schemas.openxmlformats.org/drawingml/2006/main" xmlns:r="http://schemas.openxmlformats.org/officeDocument/2006/relationships" xmlns:p1510="http://schemas.microsoft.com/office/powerpoint/2015/10/main">
   <p1510:revLst>
-    <p1510:client id="{833092D5-9927-4807-BE3E-672C10A7E002}" v="324" dt="2023-10-05T22:03:29.318"/>
+    <p1510:client id="{833092D5-9927-4807-BE3E-672C10A7E002}" v="329" dt="2023-10-10T23:09:31.254"/>
   </p1510:revLst>
 </p1510:revInfo>
 </file>
@@ -198,7 +198,7 @@
   <pc:docChgLst>
     <pc:chgData name="Jonathan Mah" userId="5261b2f2f3e51194" providerId="LiveId" clId="{833092D5-9927-4807-BE3E-672C10A7E002}"/>
     <pc:docChg chg="undo redo custSel addSld delSld modSld sldOrd">
-      <pc:chgData name="Jonathan Mah" userId="5261b2f2f3e51194" providerId="LiveId" clId="{833092D5-9927-4807-BE3E-672C10A7E002}" dt="2023-10-06T00:13:54.081" v="3749" actId="1076"/>
+      <pc:chgData name="Jonathan Mah" userId="5261b2f2f3e51194" providerId="LiveId" clId="{833092D5-9927-4807-BE3E-672C10A7E002}" dt="2023-10-10T23:09:47.238" v="3771" actId="1076"/>
       <pc:docMkLst>
         <pc:docMk/>
       </pc:docMkLst>
@@ -7100,12 +7100,68 @@
           </ac:picMkLst>
         </pc:picChg>
       </pc:sldChg>
-      <pc:sldChg chg="add">
-        <pc:chgData name="Jonathan Mah" userId="5261b2f2f3e51194" providerId="LiveId" clId="{833092D5-9927-4807-BE3E-672C10A7E002}" dt="2023-10-03T17:18:47.806" v="3704"/>
+      <pc:sldChg chg="addSp delSp modSp add mod">
+        <pc:chgData name="Jonathan Mah" userId="5261b2f2f3e51194" providerId="LiveId" clId="{833092D5-9927-4807-BE3E-672C10A7E002}" dt="2023-10-10T23:09:47.238" v="3771" actId="1076"/>
         <pc:sldMkLst>
           <pc:docMk/>
           <pc:sldMk cId="3606136103" sldId="457"/>
         </pc:sldMkLst>
+        <pc:spChg chg="add mod">
+          <ac:chgData name="Jonathan Mah" userId="5261b2f2f3e51194" providerId="LiveId" clId="{833092D5-9927-4807-BE3E-672C10A7E002}" dt="2023-10-10T23:05:06.468" v="3765" actId="1076"/>
+          <ac:spMkLst>
+            <pc:docMk/>
+            <pc:sldMk cId="3606136103" sldId="457"/>
+            <ac:spMk id="8" creationId="{E68AE7E9-3DBB-7A2C-0BFE-3A91A167C2E0}"/>
+          </ac:spMkLst>
+        </pc:spChg>
+        <pc:spChg chg="add mod">
+          <ac:chgData name="Jonathan Mah" userId="5261b2f2f3e51194" providerId="LiveId" clId="{833092D5-9927-4807-BE3E-672C10A7E002}" dt="2023-10-10T23:09:47.238" v="3771" actId="1076"/>
+          <ac:spMkLst>
+            <pc:docMk/>
+            <pc:sldMk cId="3606136103" sldId="457"/>
+            <ac:spMk id="9" creationId="{772DC352-0AA1-79F1-454D-797AE9BAEAD7}"/>
+          </ac:spMkLst>
+        </pc:spChg>
+        <pc:picChg chg="add del mod">
+          <ac:chgData name="Jonathan Mah" userId="5261b2f2f3e51194" providerId="LiveId" clId="{833092D5-9927-4807-BE3E-672C10A7E002}" dt="2023-10-10T23:09:23.156" v="3767" actId="478"/>
+          <ac:picMkLst>
+            <pc:docMk/>
+            <pc:sldMk cId="3606136103" sldId="457"/>
+            <ac:picMk id="3" creationId="{8819EA2C-741E-CD05-A98F-8160CE423D1A}"/>
+          </ac:picMkLst>
+        </pc:picChg>
+        <pc:picChg chg="add del mod">
+          <ac:chgData name="Jonathan Mah" userId="5261b2f2f3e51194" providerId="LiveId" clId="{833092D5-9927-4807-BE3E-672C10A7E002}" dt="2023-10-10T23:04:24.022" v="3757" actId="478"/>
+          <ac:picMkLst>
+            <pc:docMk/>
+            <pc:sldMk cId="3606136103" sldId="457"/>
+            <ac:picMk id="5" creationId="{0A97AEB8-5EB5-DD88-35C2-E091C9ACAC9C}"/>
+          </ac:picMkLst>
+        </pc:picChg>
+        <pc:picChg chg="add del mod modCrop">
+          <ac:chgData name="Jonathan Mah" userId="5261b2f2f3e51194" providerId="LiveId" clId="{833092D5-9927-4807-BE3E-672C10A7E002}" dt="2023-10-10T23:09:23.156" v="3767" actId="478"/>
+          <ac:picMkLst>
+            <pc:docMk/>
+            <pc:sldMk cId="3606136103" sldId="457"/>
+            <ac:picMk id="7" creationId="{F8D8AD3F-932C-74F5-9F6D-2D1E61D7E60B}"/>
+          </ac:picMkLst>
+        </pc:picChg>
+        <pc:picChg chg="add mod">
+          <ac:chgData name="Jonathan Mah" userId="5261b2f2f3e51194" providerId="LiveId" clId="{833092D5-9927-4807-BE3E-672C10A7E002}" dt="2023-10-10T23:09:37.465" v="3770" actId="1076"/>
+          <ac:picMkLst>
+            <pc:docMk/>
+            <pc:sldMk cId="3606136103" sldId="457"/>
+            <ac:picMk id="11" creationId="{2E6CD1F5-19E6-509E-D7AC-D081B70B0C04}"/>
+          </ac:picMkLst>
+        </pc:picChg>
+        <pc:picChg chg="add mod">
+          <ac:chgData name="Jonathan Mah" userId="5261b2f2f3e51194" providerId="LiveId" clId="{833092D5-9927-4807-BE3E-672C10A7E002}" dt="2023-10-10T23:09:33.387" v="3769" actId="1076"/>
+          <ac:picMkLst>
+            <pc:docMk/>
+            <pc:sldMk cId="3606136103" sldId="457"/>
+            <ac:picMk id="13" creationId="{62F1814D-7DA9-F9F7-A6F0-205FFB36D1F2}"/>
+          </ac:picMkLst>
+        </pc:picChg>
       </pc:sldChg>
       <pc:sldChg chg="add">
         <pc:chgData name="Jonathan Mah" userId="5261b2f2f3e51194" providerId="LiveId" clId="{833092D5-9927-4807-BE3E-672C10A7E002}" dt="2023-10-03T17:18:47.973" v="3705"/>
@@ -7222,7 +7278,7 @@
           <a:p>
             <a:fld id="{224F4B04-6A50-4A51-B675-D86EC6563060}" type="datetimeFigureOut">
               <a:rPr lang="en-US" smtClean="0"/>
-              <a:t>10/5/2023</a:t>
+              <a:t>10/10/2023</a:t>
             </a:fld>
             <a:endParaRPr lang="en-US"/>
           </a:p>
@@ -8282,7 +8338,7 @@
           <a:p>
             <a:fld id="{54E435BD-4569-4C00-96FD-DE6EEAA430DA}" type="datetimeFigureOut">
               <a:rPr lang="en-US" smtClean="0"/>
-              <a:t>10/5/2023</a:t>
+              <a:t>10/10/2023</a:t>
             </a:fld>
             <a:endParaRPr lang="en-US"/>
           </a:p>
@@ -8452,7 +8508,7 @@
           <a:p>
             <a:fld id="{54E435BD-4569-4C00-96FD-DE6EEAA430DA}" type="datetimeFigureOut">
               <a:rPr lang="en-US" smtClean="0"/>
-              <a:t>10/5/2023</a:t>
+              <a:t>10/10/2023</a:t>
             </a:fld>
             <a:endParaRPr lang="en-US"/>
           </a:p>
@@ -8632,7 +8688,7 @@
           <a:p>
             <a:fld id="{54E435BD-4569-4C00-96FD-DE6EEAA430DA}" type="datetimeFigureOut">
               <a:rPr lang="en-US" smtClean="0"/>
-              <a:t>10/5/2023</a:t>
+              <a:t>10/10/2023</a:t>
             </a:fld>
             <a:endParaRPr lang="en-US"/>
           </a:p>
@@ -8802,7 +8858,7 @@
           <a:p>
             <a:fld id="{54E435BD-4569-4C00-96FD-DE6EEAA430DA}" type="datetimeFigureOut">
               <a:rPr lang="en-US" smtClean="0"/>
-              <a:t>10/5/2023</a:t>
+              <a:t>10/10/2023</a:t>
             </a:fld>
             <a:endParaRPr lang="en-US"/>
           </a:p>
@@ -9046,7 +9102,7 @@
           <a:p>
             <a:fld id="{54E435BD-4569-4C00-96FD-DE6EEAA430DA}" type="datetimeFigureOut">
               <a:rPr lang="en-US" smtClean="0"/>
-              <a:t>10/5/2023</a:t>
+              <a:t>10/10/2023</a:t>
             </a:fld>
             <a:endParaRPr lang="en-US"/>
           </a:p>
@@ -9278,7 +9334,7 @@
           <a:p>
             <a:fld id="{54E435BD-4569-4C00-96FD-DE6EEAA430DA}" type="datetimeFigureOut">
               <a:rPr lang="en-US" smtClean="0"/>
-              <a:t>10/5/2023</a:t>
+              <a:t>10/10/2023</a:t>
             </a:fld>
             <a:endParaRPr lang="en-US"/>
           </a:p>
@@ -9645,7 +9701,7 @@
           <a:p>
             <a:fld id="{54E435BD-4569-4C00-96FD-DE6EEAA430DA}" type="datetimeFigureOut">
               <a:rPr lang="en-US" smtClean="0"/>
-              <a:t>10/5/2023</a:t>
+              <a:t>10/10/2023</a:t>
             </a:fld>
             <a:endParaRPr lang="en-US"/>
           </a:p>
@@ -9763,7 +9819,7 @@
           <a:p>
             <a:fld id="{54E435BD-4569-4C00-96FD-DE6EEAA430DA}" type="datetimeFigureOut">
               <a:rPr lang="en-US" smtClean="0"/>
-              <a:t>10/5/2023</a:t>
+              <a:t>10/10/2023</a:t>
             </a:fld>
             <a:endParaRPr lang="en-US"/>
           </a:p>
@@ -9858,7 +9914,7 @@
           <a:p>
             <a:fld id="{54E435BD-4569-4C00-96FD-DE6EEAA430DA}" type="datetimeFigureOut">
               <a:rPr lang="en-US" smtClean="0"/>
-              <a:t>10/5/2023</a:t>
+              <a:t>10/10/2023</a:t>
             </a:fld>
             <a:endParaRPr lang="en-US"/>
           </a:p>
@@ -10135,7 +10191,7 @@
           <a:p>
             <a:fld id="{54E435BD-4569-4C00-96FD-DE6EEAA430DA}" type="datetimeFigureOut">
               <a:rPr lang="en-US" smtClean="0"/>
-              <a:t>10/5/2023</a:t>
+              <a:t>10/10/2023</a:t>
             </a:fld>
             <a:endParaRPr lang="en-US"/>
           </a:p>
@@ -10392,7 +10448,7 @@
           <a:p>
             <a:fld id="{54E435BD-4569-4C00-96FD-DE6EEAA430DA}" type="datetimeFigureOut">
               <a:rPr lang="en-US" smtClean="0"/>
-              <a:t>10/5/2023</a:t>
+              <a:t>10/10/2023</a:t>
             </a:fld>
             <a:endParaRPr lang="en-US"/>
           </a:p>
@@ -10605,7 +10661,7 @@
           <a:p>
             <a:fld id="{54E435BD-4569-4C00-96FD-DE6EEAA430DA}" type="datetimeFigureOut">
               <a:rPr lang="en-US" smtClean="0"/>
-              <a:t>10/5/2023</a:t>
+              <a:t>10/10/2023</a:t>
             </a:fld>
             <a:endParaRPr lang="en-US"/>
           </a:p>
@@ -14001,6 +14057,156 @@
           <a:chExt cx="0" cy="0"/>
         </a:xfrm>
       </p:grpSpPr>
+      <p:sp>
+        <p:nvSpPr>
+          <p:cNvPr id="8" name="TextBox 7">
+            <a:extLst>
+              <a:ext uri="{FF2B5EF4-FFF2-40B4-BE49-F238E27FC236}">
+                <a16:creationId xmlns:a16="http://schemas.microsoft.com/office/drawing/2014/main" id="{E68AE7E9-3DBB-7A2C-0BFE-3A91A167C2E0}"/>
+              </a:ext>
+            </a:extLst>
+          </p:cNvPr>
+          <p:cNvSpPr txBox="1"/>
+          <p:nvPr/>
+        </p:nvSpPr>
+        <p:spPr>
+          <a:xfrm>
+            <a:off x="1147645" y="2588587"/>
+            <a:ext cx="712653" cy="553998"/>
+          </a:xfrm>
+          <a:prstGeom prst="rect">
+            <a:avLst/>
+          </a:prstGeom>
+          <a:noFill/>
+        </p:spPr>
+        <p:txBody>
+          <a:bodyPr wrap="square" rtlCol="0">
+            <a:spAutoFit/>
+          </a:bodyPr>
+          <a:lstStyle/>
+          <a:p>
+            <a:r>
+              <a:rPr lang="en-US" sz="3000" b="1" dirty="0">
+                <a:latin typeface="Arial" panose="020B0604020202020204" pitchFamily="34" charset="0"/>
+                <a:ea typeface="Yu Gothic" panose="020B0400000000000000" pitchFamily="34" charset="-128"/>
+                <a:cs typeface="Arial" panose="020B0604020202020204" pitchFamily="34" charset="0"/>
+              </a:rPr>
+              <a:t>A</a:t>
+            </a:r>
+          </a:p>
+        </p:txBody>
+      </p:sp>
+      <p:sp>
+        <p:nvSpPr>
+          <p:cNvPr id="9" name="TextBox 8">
+            <a:extLst>
+              <a:ext uri="{FF2B5EF4-FFF2-40B4-BE49-F238E27FC236}">
+                <a16:creationId xmlns:a16="http://schemas.microsoft.com/office/drawing/2014/main" id="{772DC352-0AA1-79F1-454D-797AE9BAEAD7}"/>
+              </a:ext>
+            </a:extLst>
+          </p:cNvPr>
+          <p:cNvSpPr txBox="1"/>
+          <p:nvPr/>
+        </p:nvSpPr>
+        <p:spPr>
+          <a:xfrm>
+            <a:off x="8768709" y="2588587"/>
+            <a:ext cx="712653" cy="553998"/>
+          </a:xfrm>
+          <a:prstGeom prst="rect">
+            <a:avLst/>
+          </a:prstGeom>
+          <a:noFill/>
+        </p:spPr>
+        <p:txBody>
+          <a:bodyPr wrap="square" rtlCol="0">
+            <a:spAutoFit/>
+          </a:bodyPr>
+          <a:lstStyle/>
+          <a:p>
+            <a:r>
+              <a:rPr lang="en-US" sz="3000" b="1" dirty="0">
+                <a:latin typeface="Arial" panose="020B0604020202020204" pitchFamily="34" charset="0"/>
+                <a:ea typeface="Yu Gothic" panose="020B0400000000000000" pitchFamily="34" charset="-128"/>
+                <a:cs typeface="Arial" panose="020B0604020202020204" pitchFamily="34" charset="0"/>
+              </a:rPr>
+              <a:t>B</a:t>
+            </a:r>
+          </a:p>
+        </p:txBody>
+      </p:sp>
+      <p:pic>
+        <p:nvPicPr>
+          <p:cNvPr id="11" name="Picture 10" descr="A graph with numbers and letters&#10;&#10;Description automatically generated with medium confidence">
+            <a:extLst>
+              <a:ext uri="{FF2B5EF4-FFF2-40B4-BE49-F238E27FC236}">
+                <a16:creationId xmlns:a16="http://schemas.microsoft.com/office/drawing/2014/main" id="{2E6CD1F5-19E6-509E-D7AC-D081B70B0C04}"/>
+              </a:ext>
+            </a:extLst>
+          </p:cNvPr>
+          <p:cNvPicPr>
+            <a:picLocks noChangeAspect="1"/>
+          </p:cNvPicPr>
+          <p:nvPr/>
+        </p:nvPicPr>
+        <p:blipFill>
+          <a:blip r:embed="rId2">
+            <a:extLst>
+              <a:ext uri="{28A0092B-C50C-407E-A947-70E740481C1C}">
+                <a14:useLocalDpi xmlns:a14="http://schemas.microsoft.com/office/drawing/2010/main" val="0"/>
+              </a:ext>
+            </a:extLst>
+          </a:blip>
+          <a:stretch>
+            <a:fillRect/>
+          </a:stretch>
+        </p:blipFill>
+        <p:spPr>
+          <a:xfrm>
+            <a:off x="8458790" y="3142585"/>
+            <a:ext cx="7621064" cy="7621064"/>
+          </a:xfrm>
+          <a:prstGeom prst="rect">
+            <a:avLst/>
+          </a:prstGeom>
+        </p:spPr>
+      </p:pic>
+      <p:pic>
+        <p:nvPicPr>
+          <p:cNvPr id="13" name="Picture 12" descr="A graph with numbers and letters&#10;&#10;Description automatically generated">
+            <a:extLst>
+              <a:ext uri="{FF2B5EF4-FFF2-40B4-BE49-F238E27FC236}">
+                <a16:creationId xmlns:a16="http://schemas.microsoft.com/office/drawing/2014/main" id="{62F1814D-7DA9-F9F7-A6F0-205FFB36D1F2}"/>
+              </a:ext>
+            </a:extLst>
+          </p:cNvPr>
+          <p:cNvPicPr>
+            <a:picLocks noChangeAspect="1"/>
+          </p:cNvPicPr>
+          <p:nvPr/>
+        </p:nvPicPr>
+        <p:blipFill>
+          <a:blip r:embed="rId3">
+            <a:extLst>
+              <a:ext uri="{28A0092B-C50C-407E-A947-70E740481C1C}">
+                <a14:useLocalDpi xmlns:a14="http://schemas.microsoft.com/office/drawing/2010/main" val="0"/>
+              </a:ext>
+            </a:extLst>
+          </a:blip>
+          <a:stretch>
+            <a:fillRect/>
+          </a:stretch>
+        </p:blipFill>
+        <p:spPr>
+          <a:xfrm>
+            <a:off x="837726" y="3142585"/>
+            <a:ext cx="7621064" cy="7621064"/>
+          </a:xfrm>
+          <a:prstGeom prst="rect">
+            <a:avLst/>
+          </a:prstGeom>
+        </p:spPr>
+      </p:pic>
     </p:spTree>
     <p:extLst>
       <p:ext uri="{BB962C8B-B14F-4D97-AF65-F5344CB8AC3E}">
